--- a/BasicPowerShell.pptx
+++ b/BasicPowerShell.pptx
@@ -5,10 +5,10 @@
     <p:sldMasterId id="2147483648" r:id="rId5"/>
   </p:sldMasterIdLst>
   <p:notesMasterIdLst>
-    <p:notesMasterId r:id="rId51"/>
+    <p:notesMasterId r:id="rId52"/>
   </p:notesMasterIdLst>
   <p:handoutMasterIdLst>
-    <p:handoutMasterId r:id="rId52"/>
+    <p:handoutMasterId r:id="rId53"/>
   </p:handoutMasterIdLst>
   <p:sldIdLst>
     <p:sldId id="274" r:id="rId6"/>
@@ -19,43 +19,44 @@
     <p:sldId id="388" r:id="rId11"/>
     <p:sldId id="389" r:id="rId12"/>
     <p:sldId id="384" r:id="rId13"/>
-    <p:sldId id="390" r:id="rId14"/>
-    <p:sldId id="385" r:id="rId15"/>
-    <p:sldId id="386" r:id="rId16"/>
-    <p:sldId id="359" r:id="rId17"/>
-    <p:sldId id="370" r:id="rId18"/>
-    <p:sldId id="375" r:id="rId19"/>
-    <p:sldId id="362" r:id="rId20"/>
-    <p:sldId id="373" r:id="rId21"/>
-    <p:sldId id="365" r:id="rId22"/>
-    <p:sldId id="363" r:id="rId23"/>
-    <p:sldId id="366" r:id="rId24"/>
-    <p:sldId id="367" r:id="rId25"/>
-    <p:sldId id="368" r:id="rId26"/>
-    <p:sldId id="337" r:id="rId27"/>
-    <p:sldId id="336" r:id="rId28"/>
-    <p:sldId id="272" r:id="rId29"/>
-    <p:sldId id="369" r:id="rId30"/>
-    <p:sldId id="371" r:id="rId31"/>
-    <p:sldId id="332" r:id="rId32"/>
-    <p:sldId id="334" r:id="rId33"/>
-    <p:sldId id="331" r:id="rId34"/>
-    <p:sldId id="294" r:id="rId35"/>
-    <p:sldId id="335" r:id="rId36"/>
-    <p:sldId id="293" r:id="rId37"/>
-    <p:sldId id="285" r:id="rId38"/>
-    <p:sldId id="290" r:id="rId39"/>
-    <p:sldId id="350" r:id="rId40"/>
-    <p:sldId id="355" r:id="rId41"/>
-    <p:sldId id="372" r:id="rId42"/>
-    <p:sldId id="347" r:id="rId43"/>
-    <p:sldId id="287" r:id="rId44"/>
-    <p:sldId id="348" r:id="rId45"/>
-    <p:sldId id="288" r:id="rId46"/>
-    <p:sldId id="349" r:id="rId47"/>
-    <p:sldId id="289" r:id="rId48"/>
-    <p:sldId id="258" r:id="rId49"/>
-    <p:sldId id="339" r:id="rId50"/>
+    <p:sldId id="391" r:id="rId14"/>
+    <p:sldId id="390" r:id="rId15"/>
+    <p:sldId id="385" r:id="rId16"/>
+    <p:sldId id="386" r:id="rId17"/>
+    <p:sldId id="359" r:id="rId18"/>
+    <p:sldId id="370" r:id="rId19"/>
+    <p:sldId id="375" r:id="rId20"/>
+    <p:sldId id="362" r:id="rId21"/>
+    <p:sldId id="373" r:id="rId22"/>
+    <p:sldId id="365" r:id="rId23"/>
+    <p:sldId id="363" r:id="rId24"/>
+    <p:sldId id="366" r:id="rId25"/>
+    <p:sldId id="367" r:id="rId26"/>
+    <p:sldId id="368" r:id="rId27"/>
+    <p:sldId id="337" r:id="rId28"/>
+    <p:sldId id="336" r:id="rId29"/>
+    <p:sldId id="272" r:id="rId30"/>
+    <p:sldId id="369" r:id="rId31"/>
+    <p:sldId id="371" r:id="rId32"/>
+    <p:sldId id="332" r:id="rId33"/>
+    <p:sldId id="334" r:id="rId34"/>
+    <p:sldId id="331" r:id="rId35"/>
+    <p:sldId id="294" r:id="rId36"/>
+    <p:sldId id="335" r:id="rId37"/>
+    <p:sldId id="293" r:id="rId38"/>
+    <p:sldId id="285" r:id="rId39"/>
+    <p:sldId id="290" r:id="rId40"/>
+    <p:sldId id="350" r:id="rId41"/>
+    <p:sldId id="355" r:id="rId42"/>
+    <p:sldId id="372" r:id="rId43"/>
+    <p:sldId id="347" r:id="rId44"/>
+    <p:sldId id="287" r:id="rId45"/>
+    <p:sldId id="348" r:id="rId46"/>
+    <p:sldId id="288" r:id="rId47"/>
+    <p:sldId id="349" r:id="rId48"/>
+    <p:sldId id="289" r:id="rId49"/>
+    <p:sldId id="258" r:id="rId50"/>
+    <p:sldId id="339" r:id="rId51"/>
   </p:sldIdLst>
   <p:sldSz cx="9144000" cy="6858000" type="screen4x3"/>
   <p:notesSz cx="6858000" cy="9144000"/>
@@ -314,7 +315,7 @@
               <a:pPr>
                 <a:defRPr/>
               </a:pPr>
-              <a:t>2017/09/12</a:t>
+              <a:t>2017/09/13</a:t>
             </a:fld>
             <a:endParaRPr lang="en-ZA"/>
           </a:p>
@@ -534,7 +535,7 @@
               <a:pPr>
                 <a:defRPr/>
               </a:pPr>
-              <a:t>2017/09/12</a:t>
+              <a:t>2017/09/13</a:t>
             </a:fld>
             <a:endParaRPr lang="en-ZA"/>
           </a:p>
@@ -1645,41 +1646,12 @@
           <a:p>
             <a:pPr lvl="1"/>
             <a:r>
+              <a:rPr lang="en-US" baseline="0" dirty="0"/>
+              <a:t>Installable: </a:t>
+            </a:r>
+            <a:r>
               <a:rPr lang="en-US" dirty="0"/>
-              <a:t>Default:</a:t>
-            </a:r>
-            <a:r>
-              <a:rPr lang="en-US" baseline="0" dirty="0"/>
-              <a:t> Server 2008</a:t>
-            </a:r>
-          </a:p>
-          <a:p>
-            <a:pPr lvl="1"/>
-            <a:r>
-              <a:rPr lang="en-US" baseline="0" dirty="0"/>
-              <a:t>Installable</a:t>
-            </a:r>
-            <a:endParaRPr lang="en-US" dirty="0"/>
-          </a:p>
-          <a:p>
-            <a:pPr lvl="2"/>
-            <a:r>
-              <a:rPr lang="en-US" dirty="0"/>
-              <a:t>XP</a:t>
-            </a:r>
-          </a:p>
-          <a:p>
-            <a:pPr lvl="2"/>
-            <a:r>
-              <a:rPr lang="en-US" dirty="0"/>
-              <a:t>Vista</a:t>
-            </a:r>
-          </a:p>
-          <a:p>
-            <a:pPr lvl="2"/>
-            <a:r>
-              <a:rPr lang="en-US" dirty="0"/>
-              <a:t>Server</a:t>
+              <a:t>XP, Vista, Server</a:t>
             </a:r>
             <a:r>
               <a:rPr lang="en-US" baseline="0" dirty="0"/>
@@ -1704,49 +1676,7 @@
             <a:pPr lvl="1"/>
             <a:r>
               <a:rPr lang="en-US" baseline="0" dirty="0"/>
-              <a:t>Default: </a:t>
-            </a:r>
-          </a:p>
-          <a:p>
-            <a:pPr lvl="2"/>
-            <a:r>
-              <a:rPr lang="en-US" baseline="0" dirty="0"/>
-              <a:t>Win 7</a:t>
-            </a:r>
-          </a:p>
-          <a:p>
-            <a:pPr lvl="2"/>
-            <a:r>
-              <a:rPr lang="en-US" baseline="0" dirty="0"/>
-              <a:t>Server 2008 R2</a:t>
-            </a:r>
-          </a:p>
-          <a:p>
-            <a:pPr lvl="1"/>
-            <a:r>
-              <a:rPr lang="en-US" baseline="0" dirty="0"/>
-              <a:t>Installable:</a:t>
-            </a:r>
-          </a:p>
-          <a:p>
-            <a:pPr lvl="2"/>
-            <a:r>
-              <a:rPr lang="en-US" baseline="0" dirty="0"/>
-              <a:t>XP</a:t>
-            </a:r>
-          </a:p>
-          <a:p>
-            <a:pPr lvl="2"/>
-            <a:r>
-              <a:rPr lang="en-US" baseline="0" dirty="0"/>
-              <a:t>Vista</a:t>
-            </a:r>
-          </a:p>
-          <a:p>
-            <a:pPr lvl="2"/>
-            <a:r>
-              <a:rPr lang="en-US" baseline="0" dirty="0"/>
-              <a:t>Server 2003 + 2008</a:t>
+              <a:t>Installable: XP, Vista, Server 2003 + 2008</a:t>
             </a:r>
           </a:p>
           <a:p>
@@ -1760,42 +1690,7 @@
             <a:pPr lvl="1"/>
             <a:r>
               <a:rPr lang="en-US" baseline="0" dirty="0"/>
-              <a:t>Default:</a:t>
-            </a:r>
-          </a:p>
-          <a:p>
-            <a:pPr lvl="2"/>
-            <a:r>
-              <a:rPr lang="en-US" baseline="0" dirty="0"/>
-              <a:t>Win 8</a:t>
-            </a:r>
-          </a:p>
-          <a:p>
-            <a:pPr lvl="2"/>
-            <a:r>
-              <a:rPr lang="en-US" baseline="0" dirty="0"/>
-              <a:t>Server 2012</a:t>
-            </a:r>
-          </a:p>
-          <a:p>
-            <a:pPr lvl="1"/>
-            <a:r>
-              <a:rPr lang="en-US" baseline="0" dirty="0"/>
-              <a:t>Installable:</a:t>
-            </a:r>
-          </a:p>
-          <a:p>
-            <a:pPr lvl="2"/>
-            <a:r>
-              <a:rPr lang="en-US" baseline="0" dirty="0"/>
-              <a:t>Win 7</a:t>
-            </a:r>
-          </a:p>
-          <a:p>
-            <a:pPr lvl="2"/>
-            <a:r>
-              <a:rPr lang="en-US" baseline="0" dirty="0"/>
-              <a:t>Server 2008 R2</a:t>
+              <a:t>Installable: Win 7, Server 2008 R2</a:t>
             </a:r>
           </a:p>
           <a:p>
@@ -1809,49 +1704,7 @@
             <a:pPr lvl="1"/>
             <a:r>
               <a:rPr lang="en-US" baseline="0" dirty="0"/>
-              <a:t>Default:</a:t>
-            </a:r>
-          </a:p>
-          <a:p>
-            <a:pPr lvl="2"/>
-            <a:r>
-              <a:rPr lang="en-US" baseline="0" dirty="0"/>
-              <a:t>Win 8.1</a:t>
-            </a:r>
-          </a:p>
-          <a:p>
-            <a:pPr lvl="2"/>
-            <a:r>
-              <a:rPr lang="en-US" baseline="0" dirty="0"/>
-              <a:t>Server 2012 R2</a:t>
-            </a:r>
-          </a:p>
-          <a:p>
-            <a:pPr lvl="1"/>
-            <a:r>
-              <a:rPr lang="en-US" baseline="0" dirty="0"/>
-              <a:t>Installable:</a:t>
-            </a:r>
-          </a:p>
-          <a:p>
-            <a:pPr lvl="2"/>
-            <a:r>
-              <a:rPr lang="en-US" baseline="0" dirty="0"/>
-              <a:t>Win 7</a:t>
-            </a:r>
-          </a:p>
-          <a:p>
-            <a:pPr lvl="2"/>
-            <a:r>
-              <a:rPr lang="en-US" baseline="0" dirty="0"/>
-              <a:t>Server 2008 R2</a:t>
-            </a:r>
-          </a:p>
-          <a:p>
-            <a:pPr lvl="2"/>
-            <a:r>
-              <a:rPr lang="en-US" baseline="0" dirty="0"/>
-              <a:t>Server 2012</a:t>
+              <a:t>Installable: Win 7, Server 2008 R2, Server 2012</a:t>
             </a:r>
           </a:p>
           <a:p>
@@ -1865,35 +1718,7 @@
             <a:pPr lvl="1"/>
             <a:r>
               <a:rPr lang="en-US" baseline="0" dirty="0"/>
-              <a:t>Default:</a:t>
-            </a:r>
-          </a:p>
-          <a:p>
-            <a:pPr lvl="2"/>
-            <a:r>
-              <a:rPr lang="en-US" baseline="0" dirty="0"/>
-              <a:t>Win 10</a:t>
-            </a:r>
-          </a:p>
-          <a:p>
-            <a:pPr lvl="1"/>
-            <a:r>
-              <a:rPr lang="en-US" baseline="0" dirty="0"/>
-              <a:t>Installable:</a:t>
-            </a:r>
-          </a:p>
-          <a:p>
-            <a:pPr lvl="2"/>
-            <a:r>
-              <a:rPr lang="en-US" baseline="0" dirty="0"/>
-              <a:t>Win 8.1</a:t>
-            </a:r>
-          </a:p>
-          <a:p>
-            <a:pPr lvl="2"/>
-            <a:r>
-              <a:rPr lang="en-US" baseline="0" dirty="0"/>
-              <a:t>Server 2012 R2</a:t>
+              <a:t>Installable: Win 8.1, Server 2012 R2</a:t>
             </a:r>
           </a:p>
           <a:p>
@@ -1949,11 +1774,7 @@
             <a:pPr lvl="1"/>
             <a:r>
               <a:rPr lang="en-US" baseline="0" dirty="0"/>
-              <a:t>Forward =&gt; as long the script has the required modules and functions </a:t>
-            </a:r>
-            <a:r>
-              <a:rPr lang="en-US" baseline="0" dirty="0" err="1"/>
-              <a:t>accessable</a:t>
+              <a:t>Forward =&gt; as long the script has the required modules and functions accessible</a:t>
             </a:r>
             <a:br>
               <a:rPr lang="en-US" baseline="0" dirty="0"/>
@@ -2723,7 +2544,7 @@
                 <a:buNone/>
                 <a:defRPr/>
               </a:pPr>
-              <a:t>12 September 2017</a:t>
+              <a:t>13 September 2017</a:t>
             </a:fld>
             <a:endParaRPr lang="en-US" sz="1400">
               <a:solidFill>
@@ -3957,7 +3778,7 @@
                 </a:spcAft>
                 <a:defRPr/>
               </a:pPr>
-              <a:t>12 September 2017</a:t>
+              <a:t>13 September 2017</a:t>
             </a:fld>
             <a:endParaRPr lang="en-ZA">
               <a:solidFill>
@@ -4472,7 +4293,7 @@
                 </a:spcAft>
                 <a:defRPr/>
               </a:pPr>
-              <a:t>12 September 2017</a:t>
+              <a:t>13 September 2017</a:t>
             </a:fld>
             <a:endParaRPr lang="en-ZA">
               <a:solidFill>
@@ -5961,7 +5782,7 @@
                 <a:buNone/>
                 <a:defRPr/>
               </a:pPr>
-              <a:t>12 September 2017</a:t>
+              <a:t>13 September 2017</a:t>
             </a:fld>
             <a:endParaRPr lang="en-US" sz="1400">
               <a:solidFill>
@@ -6557,7 +6378,7 @@
                 </a:spcAft>
                 <a:defRPr/>
               </a:pPr>
-              <a:t>12 September 2017</a:t>
+              <a:t>13 September 2017</a:t>
             </a:fld>
             <a:endParaRPr lang="en-ZA">
               <a:solidFill>
@@ -7220,7 +7041,7 @@
                 </a:spcAft>
                 <a:defRPr/>
               </a:pPr>
-              <a:t>12 September 2017</a:t>
+              <a:t>13 September 2017</a:t>
             </a:fld>
             <a:endParaRPr lang="en-ZA">
               <a:solidFill>
@@ -8586,7 +8407,7 @@
                 </a:spcAft>
                 <a:defRPr/>
               </a:pPr>
-              <a:t>12 September 2017</a:t>
+              <a:t>13 September 2017</a:t>
             </a:fld>
             <a:endParaRPr lang="en-ZA">
               <a:solidFill>
@@ -9430,7 +9251,7 @@
                 </a:spcAft>
                 <a:defRPr/>
               </a:pPr>
-              <a:t>12 September 2017</a:t>
+              <a:t>13 September 2017</a:t>
             </a:fld>
             <a:endParaRPr lang="en-ZA">
               <a:solidFill>
@@ -10220,7 +10041,7 @@
                 </a:spcAft>
                 <a:defRPr/>
               </a:pPr>
-              <a:t>12 September 2017</a:t>
+              <a:t>13 September 2017</a:t>
             </a:fld>
             <a:endParaRPr lang="en-ZA">
               <a:solidFill>
@@ -10994,8 +10815,9 @@
           <a:p>
             <a:r>
               <a:rPr lang="en-US" dirty="0"/>
-              <a:t>Useful Tools</a:t>
-            </a:r>
+              <a:t>Modules</a:t>
+            </a:r>
+            <a:endParaRPr lang="en-BE" dirty="0"/>
           </a:p>
         </p:txBody>
       </p:sp>
@@ -11014,14 +10836,14 @@
           <a:bodyPr/>
           <a:lstStyle/>
           <a:p>
-            <a:endParaRPr lang="en-US"/>
+            <a:endParaRPr lang="en-BE"/>
           </a:p>
         </p:txBody>
       </p:sp>
     </p:spTree>
     <p:extLst>
       <p:ext uri="{BB962C8B-B14F-4D97-AF65-F5344CB8AC3E}">
-        <p14:creationId xmlns:p14="http://schemas.microsoft.com/office/powerpoint/2010/main" val="435000849"/>
+        <p14:creationId xmlns:p14="http://schemas.microsoft.com/office/powerpoint/2010/main" val="1476788318"/>
       </p:ext>
     </p:extLst>
   </p:cSld>
@@ -11065,6 +10887,77 @@
           <a:p>
             <a:r>
               <a:rPr lang="en-US" dirty="0"/>
+              <a:t>Useful Tools</a:t>
+            </a:r>
+          </a:p>
+        </p:txBody>
+      </p:sp>
+      <p:sp>
+        <p:nvSpPr>
+          <p:cNvPr id="3" name="Content Placeholder 2"/>
+          <p:cNvSpPr>
+            <a:spLocks noGrp="1"/>
+          </p:cNvSpPr>
+          <p:nvPr>
+            <p:ph idx="1"/>
+          </p:nvPr>
+        </p:nvSpPr>
+        <p:spPr/>
+        <p:txBody>
+          <a:bodyPr/>
+          <a:lstStyle/>
+          <a:p>
+            <a:endParaRPr lang="en-US"/>
+          </a:p>
+        </p:txBody>
+      </p:sp>
+    </p:spTree>
+    <p:extLst>
+      <p:ext uri="{BB962C8B-B14F-4D97-AF65-F5344CB8AC3E}">
+        <p14:creationId xmlns:p14="http://schemas.microsoft.com/office/powerpoint/2010/main" val="435000849"/>
+      </p:ext>
+    </p:extLst>
+  </p:cSld>
+  <p:clrMapOvr>
+    <a:masterClrMapping/>
+  </p:clrMapOvr>
+</p:sld>
+</file>
+
+<file path=ppt/slides/slide12.xml><?xml version="1.0" encoding="utf-8"?>
+<p:sld xmlns:a="http://schemas.openxmlformats.org/drawingml/2006/main" xmlns:r="http://schemas.openxmlformats.org/officeDocument/2006/relationships" xmlns:p="http://schemas.openxmlformats.org/presentationml/2006/main">
+  <p:cSld>
+    <p:spTree>
+      <p:nvGrpSpPr>
+        <p:cNvPr id="1" name=""/>
+        <p:cNvGrpSpPr/>
+        <p:nvPr/>
+      </p:nvGrpSpPr>
+      <p:grpSpPr>
+        <a:xfrm>
+          <a:off x="0" y="0"/>
+          <a:ext cx="0" cy="0"/>
+          <a:chOff x="0" y="0"/>
+          <a:chExt cx="0" cy="0"/>
+        </a:xfrm>
+      </p:grpSpPr>
+      <p:sp>
+        <p:nvSpPr>
+          <p:cNvPr id="2" name="Title 1"/>
+          <p:cNvSpPr>
+            <a:spLocks noGrp="1"/>
+          </p:cNvSpPr>
+          <p:nvPr>
+            <p:ph type="title"/>
+          </p:nvPr>
+        </p:nvSpPr>
+        <p:spPr/>
+        <p:txBody>
+          <a:bodyPr/>
+          <a:lstStyle/>
+          <a:p>
+            <a:r>
+              <a:rPr lang="en-US" dirty="0"/>
               <a:t>PowerShell Core</a:t>
             </a:r>
           </a:p>
@@ -11102,7 +10995,7 @@
 </p:sld>
 </file>
 
-<file path=ppt/slides/slide12.xml><?xml version="1.0" encoding="utf-8"?>
+<file path=ppt/slides/slide13.xml><?xml version="1.0" encoding="utf-8"?>
 <p:sld xmlns:a="http://schemas.openxmlformats.org/drawingml/2006/main" xmlns:r="http://schemas.openxmlformats.org/officeDocument/2006/relationships" xmlns:p="http://schemas.openxmlformats.org/presentationml/2006/main">
   <p:cSld>
     <p:spTree>
@@ -12387,7 +12280,7 @@
 </p:sld>
 </file>
 
-<file path=ppt/slides/slide13.xml><?xml version="1.0" encoding="utf-8"?>
+<file path=ppt/slides/slide14.xml><?xml version="1.0" encoding="utf-8"?>
 <p:sld xmlns:a="http://schemas.openxmlformats.org/drawingml/2006/main" xmlns:r="http://schemas.openxmlformats.org/officeDocument/2006/relationships" xmlns:p="http://schemas.openxmlformats.org/presentationml/2006/main">
   <p:cSld>
     <p:spTree>
@@ -13704,7 +13597,7 @@
 </p:sld>
 </file>
 
-<file path=ppt/slides/slide14.xml><?xml version="1.0" encoding="utf-8"?>
+<file path=ppt/slides/slide15.xml><?xml version="1.0" encoding="utf-8"?>
 <p:sld xmlns:a="http://schemas.openxmlformats.org/drawingml/2006/main" xmlns:r="http://schemas.openxmlformats.org/officeDocument/2006/relationships" xmlns:p="http://schemas.openxmlformats.org/presentationml/2006/main">
   <p:cSld>
     <p:spTree>
@@ -15025,7 +14918,7 @@
 </p:sld>
 </file>
 
-<file path=ppt/slides/slide15.xml><?xml version="1.0" encoding="utf-8"?>
+<file path=ppt/slides/slide16.xml><?xml version="1.0" encoding="utf-8"?>
 <p:sld xmlns:a="http://schemas.openxmlformats.org/drawingml/2006/main" xmlns:r="http://schemas.openxmlformats.org/officeDocument/2006/relationships" xmlns:p="http://schemas.openxmlformats.org/presentationml/2006/main">
   <p:cSld>
     <p:spTree>
@@ -15127,7 +15020,7 @@
 </p:sld>
 </file>
 
-<file path=ppt/slides/slide16.xml><?xml version="1.0" encoding="utf-8"?>
+<file path=ppt/slides/slide17.xml><?xml version="1.0" encoding="utf-8"?>
 <p:sld xmlns:a="http://schemas.openxmlformats.org/drawingml/2006/main" xmlns:r="http://schemas.openxmlformats.org/officeDocument/2006/relationships" xmlns:p="http://schemas.openxmlformats.org/presentationml/2006/main">
   <p:cSld>
     <p:spTree>
@@ -15212,7 +15105,7 @@
           <a:graphicData uri="http://schemas.openxmlformats.org/presentationml/2006/ole">
             <mc:AlternateContent xmlns:mc="http://schemas.openxmlformats.org/markup-compatibility/2006">
               <mc:Choice xmlns:v="urn:schemas-microsoft-com:vml" Requires="v">
-                <p:oleObj spid="_x0000_s34843" r:id="rId3" imgW="8039959" imgH="4681341" progId="Excel.Chart.8">
+                <p:oleObj spid="_x0000_s34847" r:id="rId3" imgW="8039959" imgH="4681341" progId="Excel.Chart.8">
                   <p:embed/>
                 </p:oleObj>
               </mc:Choice>
@@ -15448,7 +15341,7 @@
 </p:sld>
 </file>
 
-<file path=ppt/slides/slide17.xml><?xml version="1.0" encoding="utf-8"?>
+<file path=ppt/slides/slide18.xml><?xml version="1.0" encoding="utf-8"?>
 <p:sld xmlns:a="http://schemas.openxmlformats.org/drawingml/2006/main" xmlns:r="http://schemas.openxmlformats.org/officeDocument/2006/relationships" xmlns:p="http://schemas.openxmlformats.org/presentationml/2006/main">
   <p:cSld>
     <p:spTree>
@@ -15576,7 +15469,7 @@
           <a:graphicData uri="http://schemas.openxmlformats.org/presentationml/2006/ole">
             <mc:AlternateContent xmlns:mc="http://schemas.openxmlformats.org/markup-compatibility/2006">
               <mc:Choice xmlns:v="urn:schemas-microsoft-com:vml" Requires="v">
-                <p:oleObj spid="_x0000_s35868" r:id="rId3" imgW="8033864" imgH="4681341" progId="Excel.Chart.8">
+                <p:oleObj spid="_x0000_s35872" r:id="rId3" imgW="8033864" imgH="4681341" progId="Excel.Chart.8">
                   <p:embed/>
                 </p:oleObj>
               </mc:Choice>
@@ -15812,7 +15705,7 @@
 </p:sld>
 </file>
 
-<file path=ppt/slides/slide18.xml><?xml version="1.0" encoding="utf-8"?>
+<file path=ppt/slides/slide19.xml><?xml version="1.0" encoding="utf-8"?>
 <p:sld xmlns:a="http://schemas.openxmlformats.org/drawingml/2006/main" xmlns:r="http://schemas.openxmlformats.org/officeDocument/2006/relationships" xmlns:p="http://schemas.openxmlformats.org/presentationml/2006/main">
   <p:cSld>
     <p:spTree>
@@ -15897,7 +15790,7 @@
           <a:graphicData uri="http://schemas.openxmlformats.org/presentationml/2006/ole">
             <mc:AlternateContent xmlns:mc="http://schemas.openxmlformats.org/markup-compatibility/2006">
               <mc:Choice xmlns:v="urn:schemas-microsoft-com:vml" Requires="v">
-                <p:oleObj spid="_x0000_s36891" r:id="rId3" imgW="8039959" imgH="4681341" progId="Excel.Chart.8">
+                <p:oleObj spid="_x0000_s36895" r:id="rId3" imgW="8039959" imgH="4681341" progId="Excel.Chart.8">
                   <p:embed/>
                 </p:oleObj>
               </mc:Choice>
@@ -16133,7 +16026,145 @@
 </p:sld>
 </file>
 
-<file path=ppt/slides/slide19.xml><?xml version="1.0" encoding="utf-8"?>
+<file path=ppt/slides/slide2.xml><?xml version="1.0" encoding="utf-8"?>
+<p:sld xmlns:a="http://schemas.openxmlformats.org/drawingml/2006/main" xmlns:r="http://schemas.openxmlformats.org/officeDocument/2006/relationships" xmlns:p="http://schemas.openxmlformats.org/presentationml/2006/main">
+  <p:cSld>
+    <p:spTree>
+      <p:nvGrpSpPr>
+        <p:cNvPr id="1" name=""/>
+        <p:cNvGrpSpPr/>
+        <p:nvPr/>
+      </p:nvGrpSpPr>
+      <p:grpSpPr>
+        <a:xfrm>
+          <a:off x="0" y="0"/>
+          <a:ext cx="0" cy="0"/>
+          <a:chOff x="0" y="0"/>
+          <a:chExt cx="0" cy="0"/>
+        </a:xfrm>
+      </p:grpSpPr>
+      <p:sp>
+        <p:nvSpPr>
+          <p:cNvPr id="2" name="Title 1"/>
+          <p:cNvSpPr>
+            <a:spLocks noGrp="1"/>
+          </p:cNvSpPr>
+          <p:nvPr>
+            <p:ph type="title"/>
+          </p:nvPr>
+        </p:nvSpPr>
+        <p:spPr/>
+        <p:txBody>
+          <a:bodyPr/>
+          <a:lstStyle/>
+          <a:p>
+            <a:r>
+              <a:rPr lang="en-US" dirty="0"/>
+              <a:t>Basic PowerShell</a:t>
+            </a:r>
+          </a:p>
+        </p:txBody>
+      </p:sp>
+      <p:sp>
+        <p:nvSpPr>
+          <p:cNvPr id="3" name="Content Placeholder 2"/>
+          <p:cNvSpPr>
+            <a:spLocks noGrp="1"/>
+          </p:cNvSpPr>
+          <p:nvPr>
+            <p:ph idx="1"/>
+          </p:nvPr>
+        </p:nvSpPr>
+        <p:spPr/>
+        <p:txBody>
+          <a:bodyPr/>
+          <a:lstStyle/>
+          <a:p>
+            <a:pPr>
+              <a:buFont typeface="Arial" charset="0"/>
+              <a:buChar char="•"/>
+            </a:pPr>
+            <a:r>
+              <a:rPr lang="en-US" dirty="0"/>
+              <a:t>What</a:t>
+            </a:r>
+          </a:p>
+          <a:p>
+            <a:pPr>
+              <a:buFont typeface="Arial" charset="0"/>
+              <a:buChar char="•"/>
+            </a:pPr>
+            <a:r>
+              <a:rPr lang="en-US" dirty="0"/>
+              <a:t>History</a:t>
+            </a:r>
+          </a:p>
+          <a:p>
+            <a:pPr>
+              <a:buFont typeface="Arial" charset="0"/>
+              <a:buChar char="•"/>
+            </a:pPr>
+            <a:r>
+              <a:rPr lang="en-US" dirty="0"/>
+              <a:t>Basic usage</a:t>
+            </a:r>
+          </a:p>
+          <a:p>
+            <a:pPr>
+              <a:buFont typeface="Arial" charset="0"/>
+              <a:buChar char="•"/>
+            </a:pPr>
+            <a:r>
+              <a:rPr lang="en-US" dirty="0"/>
+              <a:t>Functions and Modules</a:t>
+            </a:r>
+          </a:p>
+          <a:p>
+            <a:pPr>
+              <a:buFont typeface="Arial" charset="0"/>
+              <a:buChar char="•"/>
+            </a:pPr>
+            <a:r>
+              <a:rPr lang="en-US" dirty="0"/>
+              <a:t>Useful Tools</a:t>
+            </a:r>
+          </a:p>
+          <a:p>
+            <a:pPr>
+              <a:buFont typeface="Arial" charset="0"/>
+              <a:buChar char="•"/>
+            </a:pPr>
+            <a:r>
+              <a:rPr lang="en-US" dirty="0"/>
+              <a:t>PowerShell Core</a:t>
+            </a:r>
+          </a:p>
+          <a:p>
+            <a:pPr>
+              <a:buFont typeface="Arial" charset="0"/>
+              <a:buChar char="•"/>
+            </a:pPr>
+            <a:r>
+              <a:rPr lang="en-US" dirty="0"/>
+              <a:t>Q &amp; A</a:t>
+            </a:r>
+          </a:p>
+        </p:txBody>
+      </p:sp>
+    </p:spTree>
+    <p:extLst>
+      <p:ext uri="{BB962C8B-B14F-4D97-AF65-F5344CB8AC3E}">
+        <p14:creationId xmlns:p14="http://schemas.microsoft.com/office/powerpoint/2010/main" val="962515605"/>
+      </p:ext>
+    </p:extLst>
+  </p:cSld>
+  <p:clrMapOvr>
+    <a:masterClrMapping/>
+  </p:clrMapOvr>
+</p:sld>
+</file>
+
+<file path=ppt/slides/slide20.xml><?xml version="1.0" encoding="utf-8"?>
 <p:sld xmlns:a="http://schemas.openxmlformats.org/drawingml/2006/main" xmlns:r="http://schemas.openxmlformats.org/officeDocument/2006/relationships" xmlns:p="http://schemas.openxmlformats.org/presentationml/2006/main">
   <p:cSld>
     <p:spTree>
@@ -16261,7 +16292,7 @@
           <a:graphicData uri="http://schemas.openxmlformats.org/presentationml/2006/ole">
             <mc:AlternateContent xmlns:mc="http://schemas.openxmlformats.org/markup-compatibility/2006">
               <mc:Choice xmlns:v="urn:schemas-microsoft-com:vml" Requires="v">
-                <p:oleObj spid="_x0000_s37916" r:id="rId3" imgW="8033864" imgH="4681341" progId="Excel.Chart.8">
+                <p:oleObj spid="_x0000_s37920" r:id="rId3" imgW="8033864" imgH="4681341" progId="Excel.Chart.8">
                   <p:embed/>
                 </p:oleObj>
               </mc:Choice>
@@ -16497,145 +16528,7 @@
 </p:sld>
 </file>
 
-<file path=ppt/slides/slide2.xml><?xml version="1.0" encoding="utf-8"?>
-<p:sld xmlns:a="http://schemas.openxmlformats.org/drawingml/2006/main" xmlns:r="http://schemas.openxmlformats.org/officeDocument/2006/relationships" xmlns:p="http://schemas.openxmlformats.org/presentationml/2006/main">
-  <p:cSld>
-    <p:spTree>
-      <p:nvGrpSpPr>
-        <p:cNvPr id="1" name=""/>
-        <p:cNvGrpSpPr/>
-        <p:nvPr/>
-      </p:nvGrpSpPr>
-      <p:grpSpPr>
-        <a:xfrm>
-          <a:off x="0" y="0"/>
-          <a:ext cx="0" cy="0"/>
-          <a:chOff x="0" y="0"/>
-          <a:chExt cx="0" cy="0"/>
-        </a:xfrm>
-      </p:grpSpPr>
-      <p:sp>
-        <p:nvSpPr>
-          <p:cNvPr id="2" name="Title 1"/>
-          <p:cNvSpPr>
-            <a:spLocks noGrp="1"/>
-          </p:cNvSpPr>
-          <p:nvPr>
-            <p:ph type="title"/>
-          </p:nvPr>
-        </p:nvSpPr>
-        <p:spPr/>
-        <p:txBody>
-          <a:bodyPr/>
-          <a:lstStyle/>
-          <a:p>
-            <a:r>
-              <a:rPr lang="en-US" dirty="0"/>
-              <a:t>Basic PowerShell</a:t>
-            </a:r>
-          </a:p>
-        </p:txBody>
-      </p:sp>
-      <p:sp>
-        <p:nvSpPr>
-          <p:cNvPr id="3" name="Content Placeholder 2"/>
-          <p:cNvSpPr>
-            <a:spLocks noGrp="1"/>
-          </p:cNvSpPr>
-          <p:nvPr>
-            <p:ph idx="1"/>
-          </p:nvPr>
-        </p:nvSpPr>
-        <p:spPr/>
-        <p:txBody>
-          <a:bodyPr/>
-          <a:lstStyle/>
-          <a:p>
-            <a:pPr>
-              <a:buFont typeface="Arial" charset="0"/>
-              <a:buChar char="•"/>
-            </a:pPr>
-            <a:r>
-              <a:rPr lang="en-US" dirty="0"/>
-              <a:t>What</a:t>
-            </a:r>
-          </a:p>
-          <a:p>
-            <a:pPr>
-              <a:buFont typeface="Arial" charset="0"/>
-              <a:buChar char="•"/>
-            </a:pPr>
-            <a:r>
-              <a:rPr lang="en-US" dirty="0"/>
-              <a:t>History</a:t>
-            </a:r>
-          </a:p>
-          <a:p>
-            <a:pPr>
-              <a:buFont typeface="Arial" charset="0"/>
-              <a:buChar char="•"/>
-            </a:pPr>
-            <a:r>
-              <a:rPr lang="en-US" dirty="0"/>
-              <a:t>Basic usage</a:t>
-            </a:r>
-          </a:p>
-          <a:p>
-            <a:pPr>
-              <a:buFont typeface="Arial" charset="0"/>
-              <a:buChar char="•"/>
-            </a:pPr>
-            <a:r>
-              <a:rPr lang="en-US" dirty="0"/>
-              <a:t>Functions and Modules</a:t>
-            </a:r>
-          </a:p>
-          <a:p>
-            <a:pPr>
-              <a:buFont typeface="Arial" charset="0"/>
-              <a:buChar char="•"/>
-            </a:pPr>
-            <a:r>
-              <a:rPr lang="en-US" dirty="0"/>
-              <a:t>Useful Tools</a:t>
-            </a:r>
-          </a:p>
-          <a:p>
-            <a:pPr>
-              <a:buFont typeface="Arial" charset="0"/>
-              <a:buChar char="•"/>
-            </a:pPr>
-            <a:r>
-              <a:rPr lang="en-US" dirty="0"/>
-              <a:t>PowerShell Core</a:t>
-            </a:r>
-          </a:p>
-          <a:p>
-            <a:pPr>
-              <a:buFont typeface="Arial" charset="0"/>
-              <a:buChar char="•"/>
-            </a:pPr>
-            <a:r>
-              <a:rPr lang="en-US" dirty="0"/>
-              <a:t>Q &amp; A</a:t>
-            </a:r>
-          </a:p>
-        </p:txBody>
-      </p:sp>
-    </p:spTree>
-    <p:extLst>
-      <p:ext uri="{BB962C8B-B14F-4D97-AF65-F5344CB8AC3E}">
-        <p14:creationId xmlns:p14="http://schemas.microsoft.com/office/powerpoint/2010/main" val="962515605"/>
-      </p:ext>
-    </p:extLst>
-  </p:cSld>
-  <p:clrMapOvr>
-    <a:masterClrMapping/>
-  </p:clrMapOvr>
-</p:sld>
-</file>
-
-<file path=ppt/slides/slide20.xml><?xml version="1.0" encoding="utf-8"?>
+<file path=ppt/slides/slide21.xml><?xml version="1.0" encoding="utf-8"?>
 <p:sld xmlns:a="http://schemas.openxmlformats.org/drawingml/2006/main" xmlns:r="http://schemas.openxmlformats.org/officeDocument/2006/relationships" xmlns:p="http://schemas.openxmlformats.org/presentationml/2006/main">
   <p:cSld>
     <p:spTree>
@@ -16763,7 +16656,7 @@
           <a:graphicData uri="http://schemas.openxmlformats.org/presentationml/2006/ole">
             <mc:AlternateContent xmlns:mc="http://schemas.openxmlformats.org/markup-compatibility/2006">
               <mc:Choice xmlns:v="urn:schemas-microsoft-com:vml" Requires="v">
-                <p:oleObj spid="_x0000_s38940" r:id="rId3" imgW="8033864" imgH="4681341" progId="Excel.Chart.8">
+                <p:oleObj spid="_x0000_s38944" r:id="rId3" imgW="8033864" imgH="4681341" progId="Excel.Chart.8">
                   <p:embed/>
                 </p:oleObj>
               </mc:Choice>
@@ -16999,7 +16892,7 @@
 </p:sld>
 </file>
 
-<file path=ppt/slides/slide21.xml><?xml version="1.0" encoding="utf-8"?>
+<file path=ppt/slides/slide22.xml><?xml version="1.0" encoding="utf-8"?>
 <p:sld xmlns:a="http://schemas.openxmlformats.org/drawingml/2006/main" xmlns:r="http://schemas.openxmlformats.org/officeDocument/2006/relationships" xmlns:p="http://schemas.openxmlformats.org/presentationml/2006/main">
   <p:cSld>
     <p:spTree>
@@ -17127,7 +17020,7 @@
           <a:graphicData uri="http://schemas.openxmlformats.org/presentationml/2006/ole">
             <mc:AlternateContent xmlns:mc="http://schemas.openxmlformats.org/markup-compatibility/2006">
               <mc:Choice xmlns:v="urn:schemas-microsoft-com:vml" Requires="v">
-                <p:oleObj spid="_x0000_s39964" r:id="rId3" imgW="8033864" imgH="4681341" progId="Excel.Chart.8">
+                <p:oleObj spid="_x0000_s39968" r:id="rId3" imgW="8033864" imgH="4681341" progId="Excel.Chart.8">
                   <p:embed/>
                 </p:oleObj>
               </mc:Choice>
@@ -17363,236 +17256,6 @@
 </p:sld>
 </file>
 
-<file path=ppt/slides/slide22.xml><?xml version="1.0" encoding="utf-8"?>
-<p:sld xmlns:a="http://schemas.openxmlformats.org/drawingml/2006/main" xmlns:r="http://schemas.openxmlformats.org/officeDocument/2006/relationships" xmlns:p="http://schemas.openxmlformats.org/presentationml/2006/main">
-  <p:cSld>
-    <p:spTree>
-      <p:nvGrpSpPr>
-        <p:cNvPr id="1" name=""/>
-        <p:cNvGrpSpPr/>
-        <p:nvPr/>
-      </p:nvGrpSpPr>
-      <p:grpSpPr>
-        <a:xfrm>
-          <a:off x="0" y="0"/>
-          <a:ext cx="0" cy="0"/>
-          <a:chOff x="0" y="0"/>
-          <a:chExt cx="0" cy="0"/>
-        </a:xfrm>
-      </p:grpSpPr>
-      <p:sp>
-        <p:nvSpPr>
-          <p:cNvPr id="40962" name="Title 3"/>
-          <p:cNvSpPr>
-            <a:spLocks noGrp="1"/>
-          </p:cNvSpPr>
-          <p:nvPr>
-            <p:ph type="title"/>
-          </p:nvPr>
-        </p:nvSpPr>
-        <p:spPr/>
-        <p:txBody>
-          <a:bodyPr/>
-          <a:lstStyle/>
-          <a:p>
-            <a:pPr eaLnBrk="1" hangingPunct="1"/>
-            <a:r>
-              <a:rPr lang="en-ZA">
-                <a:ea typeface="ＭＳ Ｐゴシック" pitchFamily="34" charset="-128"/>
-              </a:rPr>
-              <a:t>To set graph as default for new graphs:</a:t>
-            </a:r>
-          </a:p>
-        </p:txBody>
-      </p:sp>
-      <p:sp>
-        <p:nvSpPr>
-          <p:cNvPr id="40963" name="Content Placeholder 4"/>
-          <p:cNvSpPr>
-            <a:spLocks noGrp="1"/>
-          </p:cNvSpPr>
-          <p:nvPr>
-            <p:ph idx="1"/>
-          </p:nvPr>
-        </p:nvSpPr>
-        <p:spPr/>
-        <p:txBody>
-          <a:bodyPr/>
-          <a:lstStyle/>
-          <a:p>
-            <a:pPr lvl="1" eaLnBrk="1" hangingPunct="1"/>
-            <a:r>
-              <a:rPr lang="en-ZA">
-                <a:ea typeface="ＭＳ Ｐゴシック" pitchFamily="34" charset="-128"/>
-              </a:rPr>
-              <a:t>Select example graph on following page</a:t>
-            </a:r>
-          </a:p>
-          <a:p>
-            <a:pPr lvl="1" eaLnBrk="1" hangingPunct="1"/>
-            <a:r>
-              <a:rPr lang="en-ZA">
-                <a:ea typeface="ＭＳ Ｐゴシック" pitchFamily="34" charset="-128"/>
-              </a:rPr>
-              <a:t>Click on </a:t>
-            </a:r>
-            <a:r>
-              <a:rPr lang="en-ZA">
-                <a:solidFill>
-                  <a:schemeClr val="accent1"/>
-                </a:solidFill>
-                <a:ea typeface="ＭＳ Ｐゴシック" pitchFamily="34" charset="-128"/>
-              </a:rPr>
-              <a:t>chart tools&gt;design </a:t>
-            </a:r>
-            <a:r>
-              <a:rPr lang="en-ZA">
-                <a:ea typeface="ＭＳ Ｐゴシック" pitchFamily="34" charset="-128"/>
-              </a:rPr>
-              <a:t>tab and select </a:t>
-            </a:r>
-            <a:r>
-              <a:rPr lang="en-ZA" altLang="en-US">
-                <a:ea typeface="ＭＳ Ｐゴシック" pitchFamily="34" charset="-128"/>
-              </a:rPr>
-              <a:t>“</a:t>
-            </a:r>
-            <a:r>
-              <a:rPr lang="en-ZA">
-                <a:ea typeface="ＭＳ Ｐゴシック" pitchFamily="34" charset="-128"/>
-              </a:rPr>
-              <a:t>save as template</a:t>
-            </a:r>
-            <a:r>
-              <a:rPr lang="en-ZA" altLang="en-US">
-                <a:ea typeface="ＭＳ Ｐゴシック" pitchFamily="34" charset="-128"/>
-              </a:rPr>
-              <a:t>”</a:t>
-            </a:r>
-            <a:br>
-              <a:rPr lang="en-ZA">
-                <a:ea typeface="ＭＳ Ｐゴシック" pitchFamily="34" charset="-128"/>
-              </a:rPr>
-            </a:br>
-            <a:r>
-              <a:rPr lang="en-ZA">
-                <a:ea typeface="ＭＳ Ｐゴシック" pitchFamily="34" charset="-128"/>
-              </a:rPr>
-              <a:t>Choose a name for your default</a:t>
-            </a:r>
-          </a:p>
-          <a:p>
-            <a:pPr lvl="1" eaLnBrk="1" hangingPunct="1"/>
-            <a:r>
-              <a:rPr lang="en-ZA">
-                <a:ea typeface="ＭＳ Ｐゴシック" pitchFamily="34" charset="-128"/>
-              </a:rPr>
-              <a:t>On next page, click on the graph icon</a:t>
-            </a:r>
-          </a:p>
-          <a:p>
-            <a:pPr lvl="1" eaLnBrk="1" hangingPunct="1"/>
-            <a:r>
-              <a:rPr lang="en-ZA">
-                <a:ea typeface="ＭＳ Ｐゴシック" pitchFamily="34" charset="-128"/>
-              </a:rPr>
-              <a:t>Add your data</a:t>
-            </a:r>
-          </a:p>
-          <a:p>
-            <a:pPr lvl="1" eaLnBrk="1" hangingPunct="1"/>
-            <a:r>
-              <a:rPr lang="en-ZA">
-                <a:ea typeface="ＭＳ Ｐゴシック" pitchFamily="34" charset="-128"/>
-              </a:rPr>
-              <a:t>Select the graph and click on </a:t>
-            </a:r>
-            <a:r>
-              <a:rPr lang="en-ZA">
-                <a:solidFill>
-                  <a:schemeClr val="accent1"/>
-                </a:solidFill>
-                <a:ea typeface="ＭＳ Ｐゴシック" pitchFamily="34" charset="-128"/>
-              </a:rPr>
-              <a:t>chart tools&gt;design </a:t>
-            </a:r>
-            <a:r>
-              <a:rPr lang="en-ZA">
-                <a:ea typeface="ＭＳ Ｐゴシック" pitchFamily="34" charset="-128"/>
-              </a:rPr>
-              <a:t>tab, then select </a:t>
-            </a:r>
-            <a:r>
-              <a:rPr lang="en-ZA" altLang="en-US">
-                <a:ea typeface="ＭＳ Ｐゴシック" pitchFamily="34" charset="-128"/>
-              </a:rPr>
-              <a:t>“</a:t>
-            </a:r>
-            <a:r>
-              <a:rPr lang="en-ZA" altLang="ja-JP">
-                <a:ea typeface="ＭＳ Ｐゴシック" pitchFamily="34" charset="-128"/>
-              </a:rPr>
-              <a:t>change chart type</a:t>
-            </a:r>
-            <a:r>
-              <a:rPr lang="en-ZA" altLang="en-US">
-                <a:ea typeface="ＭＳ Ｐゴシック" pitchFamily="34" charset="-128"/>
-              </a:rPr>
-              <a:t>”</a:t>
-            </a:r>
-            <a:endParaRPr lang="en-ZA" altLang="ja-JP">
-              <a:ea typeface="ＭＳ Ｐゴシック" pitchFamily="34" charset="-128"/>
-            </a:endParaRPr>
-          </a:p>
-          <a:p>
-            <a:pPr lvl="1" eaLnBrk="1" hangingPunct="1"/>
-            <a:r>
-              <a:rPr lang="en-ZA">
-                <a:ea typeface="ＭＳ Ｐゴシック" pitchFamily="34" charset="-128"/>
-              </a:rPr>
-              <a:t>Select </a:t>
-            </a:r>
-            <a:r>
-              <a:rPr lang="en-ZA" altLang="en-US">
-                <a:ea typeface="ＭＳ Ｐゴシック" pitchFamily="34" charset="-128"/>
-              </a:rPr>
-              <a:t>“</a:t>
-            </a:r>
-            <a:r>
-              <a:rPr lang="en-ZA">
-                <a:ea typeface="ＭＳ Ｐゴシック" pitchFamily="34" charset="-128"/>
-              </a:rPr>
-              <a:t>templates</a:t>
-            </a:r>
-            <a:r>
-              <a:rPr lang="en-ZA" altLang="en-US">
-                <a:ea typeface="ＭＳ Ｐゴシック" pitchFamily="34" charset="-128"/>
-              </a:rPr>
-              <a:t>”</a:t>
-            </a:r>
-            <a:r>
-              <a:rPr lang="en-ZA">
-                <a:ea typeface="ＭＳ Ｐゴシック" pitchFamily="34" charset="-128"/>
-              </a:rPr>
-              <a:t> and click on your saved template</a:t>
-            </a:r>
-          </a:p>
-          <a:p>
-            <a:pPr lvl="1" eaLnBrk="1" hangingPunct="1"/>
-            <a:endParaRPr lang="en-ZA">
-              <a:ea typeface="ＭＳ Ｐゴシック" pitchFamily="34" charset="-128"/>
-            </a:endParaRPr>
-          </a:p>
-        </p:txBody>
-      </p:sp>
-    </p:spTree>
-  </p:cSld>
-  <p:clrMapOvr>
-    <a:masterClrMapping/>
-  </p:clrMapOvr>
-</p:sld>
-</file>
-
 <file path=ppt/slides/slide23.xml><?xml version="1.0" encoding="utf-8"?>
 <p:sld xmlns:a="http://schemas.openxmlformats.org/drawingml/2006/main" xmlns:r="http://schemas.openxmlformats.org/officeDocument/2006/relationships" xmlns:p="http://schemas.openxmlformats.org/presentationml/2006/main">
   <p:cSld>
@@ -17612,29 +17275,7 @@
       </p:grpSpPr>
       <p:sp>
         <p:nvSpPr>
-          <p:cNvPr id="41987" name="Text Placeholder 3"/>
-          <p:cNvSpPr>
-            <a:spLocks noGrp="1"/>
-          </p:cNvSpPr>
-          <p:nvPr>
-            <p:ph type="body" sz="quarter" idx="12"/>
-          </p:nvPr>
-        </p:nvSpPr>
-        <p:spPr/>
-        <p:txBody>
-          <a:bodyPr/>
-          <a:lstStyle/>
-          <a:p>
-            <a:pPr marL="0" indent="0" eaLnBrk="1" hangingPunct="1"/>
-            <a:endParaRPr lang="en-ZA">
-              <a:ea typeface="ＭＳ Ｐゴシック" pitchFamily="34" charset="-128"/>
-            </a:endParaRPr>
-          </a:p>
-        </p:txBody>
-      </p:sp>
-      <p:sp>
-        <p:nvSpPr>
-          <p:cNvPr id="41988" name="Title 1"/>
+          <p:cNvPr id="40962" name="Title 3"/>
           <p:cNvSpPr>
             <a:spLocks noGrp="1"/>
           </p:cNvSpPr>
@@ -17652,7 +17293,74 @@
               <a:rPr lang="en-ZA">
                 <a:ea typeface="ＭＳ Ｐゴシック" pitchFamily="34" charset="-128"/>
               </a:rPr>
-              <a:t>Click on graph icon and add data</a:t>
+              <a:t>To set graph as default for new graphs:</a:t>
+            </a:r>
+          </a:p>
+        </p:txBody>
+      </p:sp>
+      <p:sp>
+        <p:nvSpPr>
+          <p:cNvPr id="40963" name="Content Placeholder 4"/>
+          <p:cNvSpPr>
+            <a:spLocks noGrp="1"/>
+          </p:cNvSpPr>
+          <p:nvPr>
+            <p:ph idx="1"/>
+          </p:nvPr>
+        </p:nvSpPr>
+        <p:spPr/>
+        <p:txBody>
+          <a:bodyPr/>
+          <a:lstStyle/>
+          <a:p>
+            <a:pPr lvl="1" eaLnBrk="1" hangingPunct="1"/>
+            <a:r>
+              <a:rPr lang="en-ZA">
+                <a:ea typeface="ＭＳ Ｐゴシック" pitchFamily="34" charset="-128"/>
+              </a:rPr>
+              <a:t>Select example graph on following page</a:t>
+            </a:r>
+          </a:p>
+          <a:p>
+            <a:pPr lvl="1" eaLnBrk="1" hangingPunct="1"/>
+            <a:r>
+              <a:rPr lang="en-ZA">
+                <a:ea typeface="ＭＳ Ｐゴシック" pitchFamily="34" charset="-128"/>
+              </a:rPr>
+              <a:t>Click on </a:t>
+            </a:r>
+            <a:r>
+              <a:rPr lang="en-ZA">
+                <a:solidFill>
+                  <a:schemeClr val="accent1"/>
+                </a:solidFill>
+                <a:ea typeface="ＭＳ Ｐゴシック" pitchFamily="34" charset="-128"/>
+              </a:rPr>
+              <a:t>chart tools&gt;design </a:t>
+            </a:r>
+            <a:r>
+              <a:rPr lang="en-ZA">
+                <a:ea typeface="ＭＳ Ｐゴシック" pitchFamily="34" charset="-128"/>
+              </a:rPr>
+              <a:t>tab and select </a:t>
+            </a:r>
+            <a:r>
+              <a:rPr lang="en-ZA" altLang="en-US">
+                <a:ea typeface="ＭＳ Ｐゴシック" pitchFamily="34" charset="-128"/>
+              </a:rPr>
+              <a:t>“</a:t>
+            </a:r>
+            <a:r>
+              <a:rPr lang="en-ZA">
+                <a:ea typeface="ＭＳ Ｐゴシック" pitchFamily="34" charset="-128"/>
+              </a:rPr>
+              <a:t>save as template</a:t>
+            </a:r>
+            <a:r>
+              <a:rPr lang="en-ZA" altLang="en-US">
+                <a:ea typeface="ＭＳ Ｐゴシック" pitchFamily="34" charset="-128"/>
+              </a:rPr>
+              <a:t>”</a:t>
             </a:r>
             <a:br>
               <a:rPr lang="en-ZA">
@@ -17663,36 +17371,112 @@
               <a:rPr lang="en-ZA">
                 <a:ea typeface="ＭＳ Ｐゴシック" pitchFamily="34" charset="-128"/>
               </a:rPr>
-              <a:t>Please see instruction on previous page</a:t>
-            </a:r>
-          </a:p>
-        </p:txBody>
-      </p:sp>
-      <p:sp>
-        <p:nvSpPr>
-          <p:cNvPr id="41989" name="Chart Placeholder 2"/>
-          <p:cNvSpPr>
-            <a:spLocks noGrp="1" noTextEdit="1"/>
-          </p:cNvSpPr>
-          <p:nvPr>
-            <p:ph type="chart" sz="quarter" idx="11"/>
-          </p:nvPr>
-        </p:nvSpPr>
-        <p:spPr>
-          <a:ln w="9525"/>
-          <a:extLst>
-            <a:ext uri="{91240B29-F687-4F45-9708-019B960494DF}">
-              <a14:hiddenLine xmlns:a14="http://schemas.microsoft.com/office/drawing/2010/main" w="25400" cap="flat">
-                <a:solidFill>
-                  <a:srgbClr val="000000"/>
-                </a:solidFill>
-                <a:round/>
-                <a:headEnd/>
-                <a:tailEnd/>
-              </a14:hiddenLine>
-            </a:ext>
-          </a:extLst>
-        </p:spPr>
+              <a:t>Choose a name for your default</a:t>
+            </a:r>
+          </a:p>
+          <a:p>
+            <a:pPr lvl="1" eaLnBrk="1" hangingPunct="1"/>
+            <a:r>
+              <a:rPr lang="en-ZA">
+                <a:ea typeface="ＭＳ Ｐゴシック" pitchFamily="34" charset="-128"/>
+              </a:rPr>
+              <a:t>On next page, click on the graph icon</a:t>
+            </a:r>
+          </a:p>
+          <a:p>
+            <a:pPr lvl="1" eaLnBrk="1" hangingPunct="1"/>
+            <a:r>
+              <a:rPr lang="en-ZA">
+                <a:ea typeface="ＭＳ Ｐゴシック" pitchFamily="34" charset="-128"/>
+              </a:rPr>
+              <a:t>Add your data</a:t>
+            </a:r>
+          </a:p>
+          <a:p>
+            <a:pPr lvl="1" eaLnBrk="1" hangingPunct="1"/>
+            <a:r>
+              <a:rPr lang="en-ZA">
+                <a:ea typeface="ＭＳ Ｐゴシック" pitchFamily="34" charset="-128"/>
+              </a:rPr>
+              <a:t>Select the graph and click on </a:t>
+            </a:r>
+            <a:r>
+              <a:rPr lang="en-ZA">
+                <a:solidFill>
+                  <a:schemeClr val="accent1"/>
+                </a:solidFill>
+                <a:ea typeface="ＭＳ Ｐゴシック" pitchFamily="34" charset="-128"/>
+              </a:rPr>
+              <a:t>chart tools&gt;design </a:t>
+            </a:r>
+            <a:r>
+              <a:rPr lang="en-ZA">
+                <a:ea typeface="ＭＳ Ｐゴシック" pitchFamily="34" charset="-128"/>
+              </a:rPr>
+              <a:t>tab, then select </a:t>
+            </a:r>
+            <a:r>
+              <a:rPr lang="en-ZA" altLang="en-US">
+                <a:ea typeface="ＭＳ Ｐゴシック" pitchFamily="34" charset="-128"/>
+              </a:rPr>
+              <a:t>“</a:t>
+            </a:r>
+            <a:r>
+              <a:rPr lang="en-ZA" altLang="ja-JP">
+                <a:ea typeface="ＭＳ Ｐゴシック" pitchFamily="34" charset="-128"/>
+              </a:rPr>
+              <a:t>change chart type</a:t>
+            </a:r>
+            <a:r>
+              <a:rPr lang="en-ZA" altLang="en-US">
+                <a:ea typeface="ＭＳ Ｐゴシック" pitchFamily="34" charset="-128"/>
+              </a:rPr>
+              <a:t>”</a:t>
+            </a:r>
+            <a:endParaRPr lang="en-ZA" altLang="ja-JP">
+              <a:ea typeface="ＭＳ Ｐゴシック" pitchFamily="34" charset="-128"/>
+            </a:endParaRPr>
+          </a:p>
+          <a:p>
+            <a:pPr lvl="1" eaLnBrk="1" hangingPunct="1"/>
+            <a:r>
+              <a:rPr lang="en-ZA">
+                <a:ea typeface="ＭＳ Ｐゴシック" pitchFamily="34" charset="-128"/>
+              </a:rPr>
+              <a:t>Select </a:t>
+            </a:r>
+            <a:r>
+              <a:rPr lang="en-ZA" altLang="en-US">
+                <a:ea typeface="ＭＳ Ｐゴシック" pitchFamily="34" charset="-128"/>
+              </a:rPr>
+              <a:t>“</a:t>
+            </a:r>
+            <a:r>
+              <a:rPr lang="en-ZA">
+                <a:ea typeface="ＭＳ Ｐゴシック" pitchFamily="34" charset="-128"/>
+              </a:rPr>
+              <a:t>templates</a:t>
+            </a:r>
+            <a:r>
+              <a:rPr lang="en-ZA" altLang="en-US">
+                <a:ea typeface="ＭＳ Ｐゴシック" pitchFamily="34" charset="-128"/>
+              </a:rPr>
+              <a:t>”</a:t>
+            </a:r>
+            <a:r>
+              <a:rPr lang="en-ZA">
+                <a:ea typeface="ＭＳ Ｐゴシック" pitchFamily="34" charset="-128"/>
+              </a:rPr>
+              <a:t> and click on your saved template</a:t>
+            </a:r>
+          </a:p>
+          <a:p>
+            <a:pPr lvl="1" eaLnBrk="1" hangingPunct="1"/>
+            <a:endParaRPr lang="en-ZA">
+              <a:ea typeface="ＭＳ Ｐゴシック" pitchFamily="34" charset="-128"/>
+            </a:endParaRPr>
+          </a:p>
+        </p:txBody>
       </p:sp>
     </p:spTree>
   </p:cSld>
@@ -17721,7 +17505,7 @@
       </p:grpSpPr>
       <p:sp>
         <p:nvSpPr>
-          <p:cNvPr id="43010" name="Text Placeholder 2"/>
+          <p:cNvPr id="41987" name="Text Placeholder 3"/>
           <p:cNvSpPr>
             <a:spLocks noGrp="1"/>
           </p:cNvSpPr>
@@ -17743,7 +17527,7 @@
       </p:sp>
       <p:sp>
         <p:nvSpPr>
-          <p:cNvPr id="43011" name="Title 1"/>
+          <p:cNvPr id="41988" name="Title 1"/>
           <p:cNvSpPr>
             <a:spLocks noGrp="1"/>
           </p:cNvSpPr>
@@ -17761,96 +17545,48 @@
               <a:rPr lang="en-ZA">
                 <a:ea typeface="ＭＳ Ｐゴシック" pitchFamily="34" charset="-128"/>
               </a:rPr>
-              <a:t>Example of pie chart: 2 colours only</a:t>
-            </a:r>
-          </a:p>
-        </p:txBody>
-      </p:sp>
-      <p:graphicFrame>
-        <p:nvGraphicFramePr>
-          <p:cNvPr id="43012" name="Chart Placeholder 3"/>
-          <p:cNvGraphicFramePr>
-            <a:graphicFrameLocks noGrp="1"/>
-          </p:cNvGraphicFramePr>
+              <a:t>Click on graph icon and add data</a:t>
+            </a:r>
+            <a:br>
+              <a:rPr lang="en-ZA">
+                <a:ea typeface="ＭＳ Ｐゴシック" pitchFamily="34" charset="-128"/>
+              </a:rPr>
+            </a:br>
+            <a:r>
+              <a:rPr lang="en-ZA">
+                <a:ea typeface="ＭＳ Ｐゴシック" pitchFamily="34" charset="-128"/>
+              </a:rPr>
+              <a:t>Please see instruction on previous page</a:t>
+            </a:r>
+          </a:p>
+        </p:txBody>
+      </p:sp>
+      <p:sp>
+        <p:nvSpPr>
+          <p:cNvPr id="41989" name="Chart Placeholder 2"/>
+          <p:cNvSpPr>
+            <a:spLocks noGrp="1" noTextEdit="1"/>
+          </p:cNvSpPr>
           <p:nvPr>
             <p:ph type="chart" sz="quarter" idx="11"/>
           </p:nvPr>
-        </p:nvGraphicFramePr>
-        <p:xfrm>
-          <a:off x="639763" y="1673225"/>
-          <a:ext cx="7866062" cy="4579938"/>
-        </p:xfrm>
-        <a:graphic>
-          <a:graphicData uri="http://schemas.openxmlformats.org/presentationml/2006/ole">
-            <mc:AlternateContent xmlns:mc="http://schemas.openxmlformats.org/markup-compatibility/2006">
-              <mc:Choice xmlns:v="urn:schemas-microsoft-com:vml" Requires="v">
-                <p:oleObj spid="_x0000_s43034" r:id="rId3" imgW="8039959" imgH="4681341" progId="Excel.Chart.8">
-                  <p:embed/>
-                </p:oleObj>
-              </mc:Choice>
-              <mc:Fallback>
-                <p:oleObj r:id="rId3" imgW="8039959" imgH="4681341" progId="Excel.Chart.8">
-                  <p:embed/>
-                  <p:pic>
-                    <p:nvPicPr>
-                      <p:cNvPr id="0" name="Chart Placeholder 3"/>
-                      <p:cNvPicPr>
-                        <a:picLocks noGrp="1" noChangeArrowheads="1"/>
-                      </p:cNvPicPr>
-                      <p:nvPr/>
-                    </p:nvPicPr>
-                    <p:blipFill>
-                      <a:blip r:embed="rId4">
-                        <a:extLst>
-                          <a:ext uri="{28A0092B-C50C-407E-A947-70E740481C1C}">
-                            <a14:useLocalDpi xmlns:a14="http://schemas.microsoft.com/office/drawing/2010/main" val="0"/>
-                          </a:ext>
-                        </a:extLst>
-                      </a:blip>
-                      <a:srcRect/>
-                      <a:stretch>
-                        <a:fillRect/>
-                      </a:stretch>
-                    </p:blipFill>
-                    <p:spPr bwMode="auto">
-                      <a:xfrm>
-                        <a:off x="639763" y="1673225"/>
-                        <a:ext cx="7866062" cy="4579938"/>
-                      </a:xfrm>
-                      <a:prstGeom prst="rect">
-                        <a:avLst/>
-                      </a:prstGeom>
-                      <a:noFill/>
-                      <a:ln>
-                        <a:noFill/>
-                      </a:ln>
-                      <a:extLst>
-                        <a:ext uri="{909E8E84-426E-40DD-AFC4-6F175D3DCCD1}">
-                          <a14:hiddenFill xmlns:a14="http://schemas.microsoft.com/office/drawing/2010/main">
-                            <a:solidFill>
-                              <a:srgbClr val="FFFFFF"/>
-                            </a:solidFill>
-                          </a14:hiddenFill>
-                        </a:ext>
-                        <a:ext uri="{91240B29-F687-4F45-9708-019B960494DF}">
-                          <a14:hiddenLine xmlns:a14="http://schemas.microsoft.com/office/drawing/2010/main" w="9525">
-                            <a:solidFill>
-                              <a:srgbClr val="000000"/>
-                            </a:solidFill>
-                            <a:miter lim="800000"/>
-                            <a:headEnd/>
-                            <a:tailEnd/>
-                          </a14:hiddenLine>
-                        </a:ext>
-                      </a:extLst>
-                    </p:spPr>
-                  </p:pic>
-                </p:oleObj>
-              </mc:Fallback>
-            </mc:AlternateContent>
-          </a:graphicData>
-        </a:graphic>
-      </p:graphicFrame>
+        </p:nvSpPr>
+        <p:spPr>
+          <a:ln w="9525"/>
+          <a:extLst>
+            <a:ext uri="{91240B29-F687-4F45-9708-019B960494DF}">
+              <a14:hiddenLine xmlns:a14="http://schemas.microsoft.com/office/drawing/2010/main" w="25400" cap="flat">
+                <a:solidFill>
+                  <a:srgbClr val="000000"/>
+                </a:solidFill>
+                <a:round/>
+                <a:headEnd/>
+                <a:tailEnd/>
+              </a14:hiddenLine>
+            </a:ext>
+          </a:extLst>
+        </p:spPr>
+      </p:sp>
     </p:spTree>
   </p:cSld>
   <p:clrMapOvr>
@@ -17878,7 +17614,7 @@
       </p:grpSpPr>
       <p:sp>
         <p:nvSpPr>
-          <p:cNvPr id="44034" name="Text Placeholder 2"/>
+          <p:cNvPr id="43010" name="Text Placeholder 2"/>
           <p:cNvSpPr>
             <a:spLocks noGrp="1"/>
           </p:cNvSpPr>
@@ -17900,7 +17636,7 @@
       </p:sp>
       <p:sp>
         <p:nvSpPr>
-          <p:cNvPr id="44035" name="Title 1"/>
+          <p:cNvPr id="43011" name="Title 1"/>
           <p:cNvSpPr>
             <a:spLocks noGrp="1"/>
           </p:cNvSpPr>
@@ -17918,14 +17654,14 @@
               <a:rPr lang="en-ZA">
                 <a:ea typeface="ＭＳ Ｐゴシック" pitchFamily="34" charset="-128"/>
               </a:rPr>
-              <a:t>Example of pie chart</a:t>
+              <a:t>Example of pie chart: 2 colours only</a:t>
             </a:r>
           </a:p>
         </p:txBody>
       </p:sp>
       <p:graphicFrame>
         <p:nvGraphicFramePr>
-          <p:cNvPr id="44036" name="Chart Placeholder 3"/>
+          <p:cNvPr id="43012" name="Chart Placeholder 3"/>
           <p:cNvGraphicFramePr>
             <a:graphicFrameLocks noGrp="1"/>
           </p:cNvGraphicFramePr>
@@ -17941,7 +17677,7 @@
           <a:graphicData uri="http://schemas.openxmlformats.org/presentationml/2006/ole">
             <mc:AlternateContent xmlns:mc="http://schemas.openxmlformats.org/markup-compatibility/2006">
               <mc:Choice xmlns:v="urn:schemas-microsoft-com:vml" Requires="v">
-                <p:oleObj spid="_x0000_s44058" r:id="rId3" imgW="8039959" imgH="4681341" progId="Excel.Chart.8">
+                <p:oleObj spid="_x0000_s43038" r:id="rId3" imgW="8039959" imgH="4681341" progId="Excel.Chart.8">
                   <p:embed/>
                 </p:oleObj>
               </mc:Choice>
@@ -18035,7 +17771,7 @@
       </p:grpSpPr>
       <p:sp>
         <p:nvSpPr>
-          <p:cNvPr id="45058" name="Text Placeholder 2"/>
+          <p:cNvPr id="44034" name="Text Placeholder 2"/>
           <p:cNvSpPr>
             <a:spLocks noGrp="1"/>
           </p:cNvSpPr>
@@ -18057,7 +17793,7 @@
       </p:sp>
       <p:sp>
         <p:nvSpPr>
-          <p:cNvPr id="45059" name="Title 1"/>
+          <p:cNvPr id="44035" name="Title 1"/>
           <p:cNvSpPr>
             <a:spLocks noGrp="1"/>
           </p:cNvSpPr>
@@ -18082,7 +17818,7 @@
       </p:sp>
       <p:graphicFrame>
         <p:nvGraphicFramePr>
-          <p:cNvPr id="45060" name="Chart Placeholder 3"/>
+          <p:cNvPr id="44036" name="Chart Placeholder 3"/>
           <p:cNvGraphicFramePr>
             <a:graphicFrameLocks noGrp="1"/>
           </p:cNvGraphicFramePr>
@@ -18098,7 +17834,7 @@
           <a:graphicData uri="http://schemas.openxmlformats.org/presentationml/2006/ole">
             <mc:AlternateContent xmlns:mc="http://schemas.openxmlformats.org/markup-compatibility/2006">
               <mc:Choice xmlns:v="urn:schemas-microsoft-com:vml" Requires="v">
-                <p:oleObj spid="_x0000_s45082" r:id="rId3" imgW="8039959" imgH="4681341" progId="Excel.Chart.8">
+                <p:oleObj spid="_x0000_s44062" r:id="rId3" imgW="8039959" imgH="4681341" progId="Excel.Chart.8">
                   <p:embed/>
                 </p:oleObj>
               </mc:Choice>
@@ -18174,6 +17910,163 @@
 </file>
 
 <file path=ppt/slides/slide27.xml><?xml version="1.0" encoding="utf-8"?>
+<p:sld xmlns:a="http://schemas.openxmlformats.org/drawingml/2006/main" xmlns:r="http://schemas.openxmlformats.org/officeDocument/2006/relationships" xmlns:p="http://schemas.openxmlformats.org/presentationml/2006/main">
+  <p:cSld>
+    <p:spTree>
+      <p:nvGrpSpPr>
+        <p:cNvPr id="1" name=""/>
+        <p:cNvGrpSpPr/>
+        <p:nvPr/>
+      </p:nvGrpSpPr>
+      <p:grpSpPr>
+        <a:xfrm>
+          <a:off x="0" y="0"/>
+          <a:ext cx="0" cy="0"/>
+          <a:chOff x="0" y="0"/>
+          <a:chExt cx="0" cy="0"/>
+        </a:xfrm>
+      </p:grpSpPr>
+      <p:sp>
+        <p:nvSpPr>
+          <p:cNvPr id="45058" name="Text Placeholder 2"/>
+          <p:cNvSpPr>
+            <a:spLocks noGrp="1"/>
+          </p:cNvSpPr>
+          <p:nvPr>
+            <p:ph type="body" sz="quarter" idx="12"/>
+          </p:nvPr>
+        </p:nvSpPr>
+        <p:spPr/>
+        <p:txBody>
+          <a:bodyPr/>
+          <a:lstStyle/>
+          <a:p>
+            <a:pPr marL="0" indent="0" eaLnBrk="1" hangingPunct="1"/>
+            <a:endParaRPr lang="en-ZA">
+              <a:ea typeface="ＭＳ Ｐゴシック" pitchFamily="34" charset="-128"/>
+            </a:endParaRPr>
+          </a:p>
+        </p:txBody>
+      </p:sp>
+      <p:sp>
+        <p:nvSpPr>
+          <p:cNvPr id="45059" name="Title 1"/>
+          <p:cNvSpPr>
+            <a:spLocks noGrp="1"/>
+          </p:cNvSpPr>
+          <p:nvPr>
+            <p:ph type="title"/>
+          </p:nvPr>
+        </p:nvSpPr>
+        <p:spPr/>
+        <p:txBody>
+          <a:bodyPr/>
+          <a:lstStyle/>
+          <a:p>
+            <a:pPr eaLnBrk="1" hangingPunct="1"/>
+            <a:r>
+              <a:rPr lang="en-ZA">
+                <a:ea typeface="ＭＳ Ｐゴシック" pitchFamily="34" charset="-128"/>
+              </a:rPr>
+              <a:t>Example of pie chart</a:t>
+            </a:r>
+          </a:p>
+        </p:txBody>
+      </p:sp>
+      <p:graphicFrame>
+        <p:nvGraphicFramePr>
+          <p:cNvPr id="45060" name="Chart Placeholder 3"/>
+          <p:cNvGraphicFramePr>
+            <a:graphicFrameLocks noGrp="1"/>
+          </p:cNvGraphicFramePr>
+          <p:nvPr>
+            <p:ph type="chart" sz="quarter" idx="11"/>
+          </p:nvPr>
+        </p:nvGraphicFramePr>
+        <p:xfrm>
+          <a:off x="639763" y="1673225"/>
+          <a:ext cx="7866062" cy="4579938"/>
+        </p:xfrm>
+        <a:graphic>
+          <a:graphicData uri="http://schemas.openxmlformats.org/presentationml/2006/ole">
+            <mc:AlternateContent xmlns:mc="http://schemas.openxmlformats.org/markup-compatibility/2006">
+              <mc:Choice xmlns:v="urn:schemas-microsoft-com:vml" Requires="v">
+                <p:oleObj spid="_x0000_s45086" r:id="rId3" imgW="8039959" imgH="4681341" progId="Excel.Chart.8">
+                  <p:embed/>
+                </p:oleObj>
+              </mc:Choice>
+              <mc:Fallback>
+                <p:oleObj r:id="rId3" imgW="8039959" imgH="4681341" progId="Excel.Chart.8">
+                  <p:embed/>
+                  <p:pic>
+                    <p:nvPicPr>
+                      <p:cNvPr id="0" name="Chart Placeholder 3"/>
+                      <p:cNvPicPr>
+                        <a:picLocks noGrp="1" noChangeArrowheads="1"/>
+                      </p:cNvPicPr>
+                      <p:nvPr/>
+                    </p:nvPicPr>
+                    <p:blipFill>
+                      <a:blip r:embed="rId4">
+                        <a:extLst>
+                          <a:ext uri="{28A0092B-C50C-407E-A947-70E740481C1C}">
+                            <a14:useLocalDpi xmlns:a14="http://schemas.microsoft.com/office/drawing/2010/main" val="0"/>
+                          </a:ext>
+                        </a:extLst>
+                      </a:blip>
+                      <a:srcRect/>
+                      <a:stretch>
+                        <a:fillRect/>
+                      </a:stretch>
+                    </p:blipFill>
+                    <p:spPr bwMode="auto">
+                      <a:xfrm>
+                        <a:off x="639763" y="1673225"/>
+                        <a:ext cx="7866062" cy="4579938"/>
+                      </a:xfrm>
+                      <a:prstGeom prst="rect">
+                        <a:avLst/>
+                      </a:prstGeom>
+                      <a:noFill/>
+                      <a:ln>
+                        <a:noFill/>
+                      </a:ln>
+                      <a:extLst>
+                        <a:ext uri="{909E8E84-426E-40DD-AFC4-6F175D3DCCD1}">
+                          <a14:hiddenFill xmlns:a14="http://schemas.microsoft.com/office/drawing/2010/main">
+                            <a:solidFill>
+                              <a:srgbClr val="FFFFFF"/>
+                            </a:solidFill>
+                          </a14:hiddenFill>
+                        </a:ext>
+                        <a:ext uri="{91240B29-F687-4F45-9708-019B960494DF}">
+                          <a14:hiddenLine xmlns:a14="http://schemas.microsoft.com/office/drawing/2010/main" w="9525">
+                            <a:solidFill>
+                              <a:srgbClr val="000000"/>
+                            </a:solidFill>
+                            <a:miter lim="800000"/>
+                            <a:headEnd/>
+                            <a:tailEnd/>
+                          </a14:hiddenLine>
+                        </a:ext>
+                      </a:extLst>
+                    </p:spPr>
+                  </p:pic>
+                </p:oleObj>
+              </mc:Fallback>
+            </mc:AlternateContent>
+          </a:graphicData>
+        </a:graphic>
+      </p:graphicFrame>
+    </p:spTree>
+  </p:cSld>
+  <p:clrMapOvr>
+    <a:masterClrMapping/>
+  </p:clrMapOvr>
+</p:sld>
+</file>
+
+<file path=ppt/slides/slide28.xml><?xml version="1.0" encoding="utf-8"?>
 <p:sld xmlns:a="http://schemas.openxmlformats.org/drawingml/2006/main" xmlns:r="http://schemas.openxmlformats.org/officeDocument/2006/relationships" xmlns:p="http://schemas.openxmlformats.org/presentationml/2006/main">
   <p:cSld>
     <p:spTree>
@@ -18906,7 +18799,7 @@
 </p:sld>
 </file>
 
-<file path=ppt/slides/slide28.xml><?xml version="1.0" encoding="utf-8"?>
+<file path=ppt/slides/slide29.xml><?xml version="1.0" encoding="utf-8"?>
 <p:sld xmlns:a="http://schemas.openxmlformats.org/drawingml/2006/main" xmlns:r="http://schemas.openxmlformats.org/officeDocument/2006/relationships" xmlns:p="http://schemas.openxmlformats.org/presentationml/2006/main">
   <p:cSld>
     <p:spTree>
@@ -19059,7 +18952,132 @@
 </p:sld>
 </file>
 
-<file path=ppt/slides/slide29.xml><?xml version="1.0" encoding="utf-8"?>
+<file path=ppt/slides/slide3.xml><?xml version="1.0" encoding="utf-8"?>
+<p:sld xmlns:a="http://schemas.openxmlformats.org/drawingml/2006/main" xmlns:r="http://schemas.openxmlformats.org/officeDocument/2006/relationships" xmlns:p="http://schemas.openxmlformats.org/presentationml/2006/main">
+  <p:cSld>
+    <p:spTree>
+      <p:nvGrpSpPr>
+        <p:cNvPr id="1" name=""/>
+        <p:cNvGrpSpPr/>
+        <p:nvPr/>
+      </p:nvGrpSpPr>
+      <p:grpSpPr>
+        <a:xfrm>
+          <a:off x="0" y="0"/>
+          <a:ext cx="0" cy="0"/>
+          <a:chOff x="0" y="0"/>
+          <a:chExt cx="0" cy="0"/>
+        </a:xfrm>
+      </p:grpSpPr>
+      <p:sp>
+        <p:nvSpPr>
+          <p:cNvPr id="2" name="Title 1"/>
+          <p:cNvSpPr>
+            <a:spLocks noGrp="1"/>
+          </p:cNvSpPr>
+          <p:nvPr>
+            <p:ph type="title"/>
+          </p:nvPr>
+        </p:nvSpPr>
+        <p:spPr/>
+        <p:txBody>
+          <a:bodyPr/>
+          <a:lstStyle/>
+          <a:p>
+            <a:r>
+              <a:rPr lang="en-US" dirty="0"/>
+              <a:t>What</a:t>
+            </a:r>
+          </a:p>
+        </p:txBody>
+      </p:sp>
+      <p:sp>
+        <p:nvSpPr>
+          <p:cNvPr id="3" name="Content Placeholder 2"/>
+          <p:cNvSpPr>
+            <a:spLocks noGrp="1"/>
+          </p:cNvSpPr>
+          <p:nvPr>
+            <p:ph idx="1"/>
+          </p:nvPr>
+        </p:nvSpPr>
+        <p:spPr/>
+        <p:txBody>
+          <a:bodyPr/>
+          <a:lstStyle/>
+          <a:p>
+            <a:pPr>
+              <a:lnSpc>
+                <a:spcPct val="150000"/>
+              </a:lnSpc>
+            </a:pPr>
+            <a:r>
+              <a:rPr lang="en-US" sz="1800" dirty="0"/>
+              <a:t>What is PowerShell?</a:t>
+            </a:r>
+          </a:p>
+          <a:p>
+            <a:pPr lvl="1">
+              <a:lnSpc>
+                <a:spcPct val="150000"/>
+              </a:lnSpc>
+              <a:buFont typeface="Arial" panose="020B0604020202020204" pitchFamily="34" charset="0"/>
+              <a:buChar char="•"/>
+            </a:pPr>
+            <a:r>
+              <a:rPr lang="en-US" sz="1800" dirty="0"/>
+              <a:t>An object oriented scripting and shell language.</a:t>
+            </a:r>
+          </a:p>
+          <a:p>
+            <a:pPr lvl="1">
+              <a:lnSpc>
+                <a:spcPct val="150000"/>
+              </a:lnSpc>
+              <a:buFont typeface="Arial" panose="020B0604020202020204" pitchFamily="34" charset="0"/>
+              <a:buChar char="•"/>
+            </a:pPr>
+            <a:r>
+              <a:rPr lang="en-US" sz="1800" dirty="0"/>
+              <a:t>Designed for task automation and configuration management.</a:t>
+            </a:r>
+          </a:p>
+          <a:p>
+            <a:pPr lvl="1">
+              <a:lnSpc>
+                <a:spcPct val="150000"/>
+              </a:lnSpc>
+              <a:buFont typeface="Arial" panose="020B0604020202020204" pitchFamily="34" charset="0"/>
+              <a:buChar char="•"/>
+            </a:pPr>
+            <a:r>
+              <a:rPr lang="en-US" sz="1800" dirty="0"/>
+              <a:t>Based on the .NET framework where cmdlets represent small classes as system commands.</a:t>
+            </a:r>
+          </a:p>
+          <a:p>
+            <a:pPr>
+              <a:buFont typeface="Arial" panose="020B0604020202020204" pitchFamily="34" charset="0"/>
+              <a:buChar char="•"/>
+            </a:pPr>
+            <a:endParaRPr lang="en-US" dirty="0"/>
+          </a:p>
+        </p:txBody>
+      </p:sp>
+    </p:spTree>
+    <p:extLst>
+      <p:ext uri="{BB962C8B-B14F-4D97-AF65-F5344CB8AC3E}">
+        <p14:creationId xmlns:p14="http://schemas.microsoft.com/office/powerpoint/2010/main" val="867939493"/>
+      </p:ext>
+    </p:extLst>
+  </p:cSld>
+  <p:clrMapOvr>
+    <a:masterClrMapping/>
+  </p:clrMapOvr>
+</p:sld>
+</file>
+
+<file path=ppt/slides/slide30.xml><?xml version="1.0" encoding="utf-8"?>
 <p:sld xmlns:a="http://schemas.openxmlformats.org/drawingml/2006/main" xmlns:r="http://schemas.openxmlformats.org/officeDocument/2006/relationships" xmlns:p="http://schemas.openxmlformats.org/presentationml/2006/main">
   <p:cSld>
     <p:spTree>
@@ -19827,132 +19845,7 @@
 </p:sld>
 </file>
 
-<file path=ppt/slides/slide3.xml><?xml version="1.0" encoding="utf-8"?>
-<p:sld xmlns:a="http://schemas.openxmlformats.org/drawingml/2006/main" xmlns:r="http://schemas.openxmlformats.org/officeDocument/2006/relationships" xmlns:p="http://schemas.openxmlformats.org/presentationml/2006/main">
-  <p:cSld>
-    <p:spTree>
-      <p:nvGrpSpPr>
-        <p:cNvPr id="1" name=""/>
-        <p:cNvGrpSpPr/>
-        <p:nvPr/>
-      </p:nvGrpSpPr>
-      <p:grpSpPr>
-        <a:xfrm>
-          <a:off x="0" y="0"/>
-          <a:ext cx="0" cy="0"/>
-          <a:chOff x="0" y="0"/>
-          <a:chExt cx="0" cy="0"/>
-        </a:xfrm>
-      </p:grpSpPr>
-      <p:sp>
-        <p:nvSpPr>
-          <p:cNvPr id="2" name="Title 1"/>
-          <p:cNvSpPr>
-            <a:spLocks noGrp="1"/>
-          </p:cNvSpPr>
-          <p:nvPr>
-            <p:ph type="title"/>
-          </p:nvPr>
-        </p:nvSpPr>
-        <p:spPr/>
-        <p:txBody>
-          <a:bodyPr/>
-          <a:lstStyle/>
-          <a:p>
-            <a:r>
-              <a:rPr lang="en-US" dirty="0"/>
-              <a:t>What</a:t>
-            </a:r>
-          </a:p>
-        </p:txBody>
-      </p:sp>
-      <p:sp>
-        <p:nvSpPr>
-          <p:cNvPr id="3" name="Content Placeholder 2"/>
-          <p:cNvSpPr>
-            <a:spLocks noGrp="1"/>
-          </p:cNvSpPr>
-          <p:nvPr>
-            <p:ph idx="1"/>
-          </p:nvPr>
-        </p:nvSpPr>
-        <p:spPr/>
-        <p:txBody>
-          <a:bodyPr/>
-          <a:lstStyle/>
-          <a:p>
-            <a:pPr>
-              <a:lnSpc>
-                <a:spcPct val="150000"/>
-              </a:lnSpc>
-            </a:pPr>
-            <a:r>
-              <a:rPr lang="en-US" sz="1800" dirty="0"/>
-              <a:t>What is PowerShell?</a:t>
-            </a:r>
-          </a:p>
-          <a:p>
-            <a:pPr lvl="1">
-              <a:lnSpc>
-                <a:spcPct val="150000"/>
-              </a:lnSpc>
-              <a:buFont typeface="Arial" panose="020B0604020202020204" pitchFamily="34" charset="0"/>
-              <a:buChar char="•"/>
-            </a:pPr>
-            <a:r>
-              <a:rPr lang="en-US" sz="1800" dirty="0"/>
-              <a:t>An object oriented scripting and shell language.</a:t>
-            </a:r>
-          </a:p>
-          <a:p>
-            <a:pPr lvl="1">
-              <a:lnSpc>
-                <a:spcPct val="150000"/>
-              </a:lnSpc>
-              <a:buFont typeface="Arial" panose="020B0604020202020204" pitchFamily="34" charset="0"/>
-              <a:buChar char="•"/>
-            </a:pPr>
-            <a:r>
-              <a:rPr lang="en-US" sz="1800" dirty="0"/>
-              <a:t>Designed for task automation and configuration management.</a:t>
-            </a:r>
-          </a:p>
-          <a:p>
-            <a:pPr lvl="1">
-              <a:lnSpc>
-                <a:spcPct val="150000"/>
-              </a:lnSpc>
-              <a:buFont typeface="Arial" panose="020B0604020202020204" pitchFamily="34" charset="0"/>
-              <a:buChar char="•"/>
-            </a:pPr>
-            <a:r>
-              <a:rPr lang="en-US" sz="1800" dirty="0"/>
-              <a:t>Based on the .NET framework where cmdlets represent small classes as system commands.</a:t>
-            </a:r>
-          </a:p>
-          <a:p>
-            <a:pPr>
-              <a:buFont typeface="Arial" panose="020B0604020202020204" pitchFamily="34" charset="0"/>
-              <a:buChar char="•"/>
-            </a:pPr>
-            <a:endParaRPr lang="en-US" dirty="0"/>
-          </a:p>
-        </p:txBody>
-      </p:sp>
-    </p:spTree>
-    <p:extLst>
-      <p:ext uri="{BB962C8B-B14F-4D97-AF65-F5344CB8AC3E}">
-        <p14:creationId xmlns:p14="http://schemas.microsoft.com/office/powerpoint/2010/main" val="867939493"/>
-      </p:ext>
-    </p:extLst>
-  </p:cSld>
-  <p:clrMapOvr>
-    <a:masterClrMapping/>
-  </p:clrMapOvr>
-</p:sld>
-</file>
-
-<file path=ppt/slides/slide30.xml><?xml version="1.0" encoding="utf-8"?>
+<file path=ppt/slides/slide31.xml><?xml version="1.0" encoding="utf-8"?>
 <p:sld xmlns:a="http://schemas.openxmlformats.org/drawingml/2006/main" xmlns:r="http://schemas.openxmlformats.org/officeDocument/2006/relationships" xmlns:p="http://schemas.openxmlformats.org/presentationml/2006/main">
   <p:cSld>
     <p:spTree>
@@ -20623,7 +20516,7 @@
 </p:sld>
 </file>
 
-<file path=ppt/slides/slide31.xml><?xml version="1.0" encoding="utf-8"?>
+<file path=ppt/slides/slide32.xml><?xml version="1.0" encoding="utf-8"?>
 <p:sld xmlns:a="http://schemas.openxmlformats.org/drawingml/2006/main" xmlns:r="http://schemas.openxmlformats.org/officeDocument/2006/relationships" xmlns:p="http://schemas.openxmlformats.org/presentationml/2006/main">
   <p:cSld>
     <p:spTree>
@@ -20808,7 +20701,7 @@
 </p:sld>
 </file>
 
-<file path=ppt/slides/slide32.xml><?xml version="1.0" encoding="utf-8"?>
+<file path=ppt/slides/slide33.xml><?xml version="1.0" encoding="utf-8"?>
 <p:sld xmlns:a="http://schemas.openxmlformats.org/drawingml/2006/main" xmlns:r="http://schemas.openxmlformats.org/officeDocument/2006/relationships" xmlns:p="http://schemas.openxmlformats.org/presentationml/2006/main">
   <p:cSld>
     <p:spTree>
@@ -21673,43 +21566,6 @@
 </p:sld>
 </file>
 
-<file path=ppt/slides/slide33.xml><?xml version="1.0" encoding="utf-8"?>
-<p:sld xmlns:a="http://schemas.openxmlformats.org/drawingml/2006/main" xmlns:r="http://schemas.openxmlformats.org/officeDocument/2006/relationships" xmlns:p="http://schemas.openxmlformats.org/presentationml/2006/main">
-  <p:cSld>
-    <p:spTree>
-      <p:nvGrpSpPr>
-        <p:cNvPr id="1" name=""/>
-        <p:cNvGrpSpPr/>
-        <p:nvPr/>
-      </p:nvGrpSpPr>
-      <p:grpSpPr>
-        <a:xfrm>
-          <a:off x="0" y="0"/>
-          <a:ext cx="0" cy="0"/>
-          <a:chOff x="0" y="0"/>
-          <a:chExt cx="0" cy="0"/>
-        </a:xfrm>
-      </p:grpSpPr>
-      <p:sp>
-        <p:nvSpPr>
-          <p:cNvPr id="52226" name="Picture Placeholder 1"/>
-          <p:cNvSpPr>
-            <a:spLocks noGrp="1" noTextEdit="1"/>
-          </p:cNvSpPr>
-          <p:nvPr>
-            <p:ph type="pic" sz="quarter" idx="11"/>
-          </p:nvPr>
-        </p:nvSpPr>
-        <p:spPr/>
-      </p:sp>
-    </p:spTree>
-  </p:cSld>
-  <p:clrMapOvr>
-    <a:masterClrMapping/>
-  </p:clrMapOvr>
-</p:sld>
-</file>
-
 <file path=ppt/slides/slide34.xml><?xml version="1.0" encoding="utf-8"?>
 <p:sld xmlns:a="http://schemas.openxmlformats.org/drawingml/2006/main" xmlns:r="http://schemas.openxmlformats.org/officeDocument/2006/relationships" xmlns:p="http://schemas.openxmlformats.org/presentationml/2006/main">
   <p:cSld>
@@ -21729,65 +21585,15 @@
       </p:grpSpPr>
       <p:sp>
         <p:nvSpPr>
-          <p:cNvPr id="53250" name="Picture Placeholder 5"/>
+          <p:cNvPr id="52226" name="Picture Placeholder 1"/>
           <p:cNvSpPr>
             <a:spLocks noGrp="1" noTextEdit="1"/>
           </p:cNvSpPr>
           <p:nvPr>
-            <p:ph type="pic" sz="quarter" idx="12"/>
+            <p:ph type="pic" sz="quarter" idx="11"/>
           </p:nvPr>
         </p:nvSpPr>
         <p:spPr/>
-      </p:sp>
-      <p:sp>
-        <p:nvSpPr>
-          <p:cNvPr id="53251" name="Title 8"/>
-          <p:cNvSpPr>
-            <a:spLocks noGrp="1"/>
-          </p:cNvSpPr>
-          <p:nvPr>
-            <p:ph type="ctrTitle"/>
-          </p:nvPr>
-        </p:nvSpPr>
-        <p:spPr/>
-        <p:txBody>
-          <a:bodyPr/>
-          <a:lstStyle/>
-          <a:p>
-            <a:pPr eaLnBrk="1" hangingPunct="1"/>
-            <a:r>
-              <a:rPr lang="en-ZA">
-                <a:ea typeface="ＭＳ Ｐゴシック" pitchFamily="34" charset="-128"/>
-              </a:rPr>
-              <a:t>Full page image with caption</a:t>
-            </a:r>
-          </a:p>
-        </p:txBody>
-      </p:sp>
-      <p:sp>
-        <p:nvSpPr>
-          <p:cNvPr id="53252" name="Subtitle 9"/>
-          <p:cNvSpPr>
-            <a:spLocks noGrp="1"/>
-          </p:cNvSpPr>
-          <p:nvPr>
-            <p:ph type="subTitle" idx="1"/>
-          </p:nvPr>
-        </p:nvSpPr>
-        <p:spPr/>
-        <p:txBody>
-          <a:bodyPr/>
-          <a:lstStyle/>
-          <a:p>
-            <a:pPr eaLnBrk="1" hangingPunct="1"/>
-            <a:r>
-              <a:rPr lang="en-ZA">
-                <a:ea typeface="ＭＳ Ｐゴシック" pitchFamily="34" charset="-128"/>
-              </a:rPr>
-              <a:t>Click on icon to add picture – example on following page</a:t>
-            </a:r>
-          </a:p>
-        </p:txBody>
       </p:sp>
     </p:spTree>
   </p:cSld>
@@ -21798,6 +21604,93 @@
 </file>
 
 <file path=ppt/slides/slide35.xml><?xml version="1.0" encoding="utf-8"?>
+<p:sld xmlns:a="http://schemas.openxmlformats.org/drawingml/2006/main" xmlns:r="http://schemas.openxmlformats.org/officeDocument/2006/relationships" xmlns:p="http://schemas.openxmlformats.org/presentationml/2006/main">
+  <p:cSld>
+    <p:spTree>
+      <p:nvGrpSpPr>
+        <p:cNvPr id="1" name=""/>
+        <p:cNvGrpSpPr/>
+        <p:nvPr/>
+      </p:nvGrpSpPr>
+      <p:grpSpPr>
+        <a:xfrm>
+          <a:off x="0" y="0"/>
+          <a:ext cx="0" cy="0"/>
+          <a:chOff x="0" y="0"/>
+          <a:chExt cx="0" cy="0"/>
+        </a:xfrm>
+      </p:grpSpPr>
+      <p:sp>
+        <p:nvSpPr>
+          <p:cNvPr id="53250" name="Picture Placeholder 5"/>
+          <p:cNvSpPr>
+            <a:spLocks noGrp="1" noTextEdit="1"/>
+          </p:cNvSpPr>
+          <p:nvPr>
+            <p:ph type="pic" sz="quarter" idx="12"/>
+          </p:nvPr>
+        </p:nvSpPr>
+        <p:spPr/>
+      </p:sp>
+      <p:sp>
+        <p:nvSpPr>
+          <p:cNvPr id="53251" name="Title 8"/>
+          <p:cNvSpPr>
+            <a:spLocks noGrp="1"/>
+          </p:cNvSpPr>
+          <p:nvPr>
+            <p:ph type="ctrTitle"/>
+          </p:nvPr>
+        </p:nvSpPr>
+        <p:spPr/>
+        <p:txBody>
+          <a:bodyPr/>
+          <a:lstStyle/>
+          <a:p>
+            <a:pPr eaLnBrk="1" hangingPunct="1"/>
+            <a:r>
+              <a:rPr lang="en-ZA">
+                <a:ea typeface="ＭＳ Ｐゴシック" pitchFamily="34" charset="-128"/>
+              </a:rPr>
+              <a:t>Full page image with caption</a:t>
+            </a:r>
+          </a:p>
+        </p:txBody>
+      </p:sp>
+      <p:sp>
+        <p:nvSpPr>
+          <p:cNvPr id="53252" name="Subtitle 9"/>
+          <p:cNvSpPr>
+            <a:spLocks noGrp="1"/>
+          </p:cNvSpPr>
+          <p:nvPr>
+            <p:ph type="subTitle" idx="1"/>
+          </p:nvPr>
+        </p:nvSpPr>
+        <p:spPr/>
+        <p:txBody>
+          <a:bodyPr/>
+          <a:lstStyle/>
+          <a:p>
+            <a:pPr eaLnBrk="1" hangingPunct="1"/>
+            <a:r>
+              <a:rPr lang="en-ZA">
+                <a:ea typeface="ＭＳ Ｐゴシック" pitchFamily="34" charset="-128"/>
+              </a:rPr>
+              <a:t>Click on icon to add picture – example on following page</a:t>
+            </a:r>
+          </a:p>
+        </p:txBody>
+      </p:sp>
+    </p:spTree>
+  </p:cSld>
+  <p:clrMapOvr>
+    <a:masterClrMapping/>
+  </p:clrMapOvr>
+</p:sld>
+</file>
+
+<file path=ppt/slides/slide36.xml><?xml version="1.0" encoding="utf-8"?>
 <p:sld xmlns:a="http://schemas.openxmlformats.org/drawingml/2006/main" xmlns:r="http://schemas.openxmlformats.org/officeDocument/2006/relationships" xmlns:p="http://schemas.openxmlformats.org/presentationml/2006/main">
   <p:cSld>
     <p:spTree>
@@ -21906,117 +21799,6 @@
 </p:sld>
 </file>
 
-<file path=ppt/slides/slide36.xml><?xml version="1.0" encoding="utf-8"?>
-<p:sld xmlns:a="http://schemas.openxmlformats.org/drawingml/2006/main" xmlns:r="http://schemas.openxmlformats.org/officeDocument/2006/relationships" xmlns:p="http://schemas.openxmlformats.org/presentationml/2006/main">
-  <p:cSld>
-    <p:spTree>
-      <p:nvGrpSpPr>
-        <p:cNvPr id="1" name=""/>
-        <p:cNvGrpSpPr/>
-        <p:nvPr/>
-      </p:nvGrpSpPr>
-      <p:grpSpPr>
-        <a:xfrm>
-          <a:off x="0" y="0"/>
-          <a:ext cx="0" cy="0"/>
-          <a:chOff x="0" y="0"/>
-          <a:chExt cx="0" cy="0"/>
-        </a:xfrm>
-      </p:grpSpPr>
-      <p:sp>
-        <p:nvSpPr>
-          <p:cNvPr id="55298" name="Title 3"/>
-          <p:cNvSpPr>
-            <a:spLocks noGrp="1"/>
-          </p:cNvSpPr>
-          <p:nvPr>
-            <p:ph type="title"/>
-          </p:nvPr>
-        </p:nvSpPr>
-        <p:spPr/>
-        <p:txBody>
-          <a:bodyPr/>
-          <a:lstStyle/>
-          <a:p>
-            <a:pPr eaLnBrk="1" hangingPunct="1"/>
-            <a:r>
-              <a:rPr lang="en-ZA">
-                <a:ea typeface="ＭＳ Ｐゴシック" pitchFamily="34" charset="-128"/>
-              </a:rPr>
-              <a:t>Main title</a:t>
-            </a:r>
-          </a:p>
-        </p:txBody>
-      </p:sp>
-      <p:sp>
-        <p:nvSpPr>
-          <p:cNvPr id="55299" name="Content Placeholder 4"/>
-          <p:cNvSpPr>
-            <a:spLocks noGrp="1"/>
-          </p:cNvSpPr>
-          <p:nvPr>
-            <p:ph type="body" sz="quarter" idx="12"/>
-          </p:nvPr>
-        </p:nvSpPr>
-        <p:spPr/>
-        <p:txBody>
-          <a:bodyPr/>
-          <a:lstStyle/>
-          <a:p>
-            <a:pPr marL="0" indent="0" eaLnBrk="1" hangingPunct="1"/>
-            <a:r>
-              <a:rPr lang="en-ZA">
-                <a:ea typeface="ＭＳ Ｐゴシック" pitchFamily="34" charset="-128"/>
-              </a:rPr>
-              <a:t>Introduction level</a:t>
-            </a:r>
-          </a:p>
-          <a:p>
-            <a:pPr lvl="1" eaLnBrk="1" hangingPunct="1"/>
-            <a:r>
-              <a:rPr lang="en-ZA">
-                <a:ea typeface="ＭＳ Ｐゴシック" pitchFamily="34" charset="-128"/>
-              </a:rPr>
-              <a:t>First level bullet</a:t>
-            </a:r>
-          </a:p>
-          <a:p>
-            <a:pPr lvl="2" eaLnBrk="1" hangingPunct="1"/>
-            <a:r>
-              <a:rPr lang="en-ZA">
-                <a:ea typeface="ＭＳ Ｐゴシック" pitchFamily="34" charset="-128"/>
-              </a:rPr>
-              <a:t>Second level bullet</a:t>
-            </a:r>
-          </a:p>
-          <a:p>
-            <a:pPr lvl="3" eaLnBrk="1" hangingPunct="1"/>
-            <a:r>
-              <a:rPr lang="en-ZA">
-                <a:ea typeface="ＭＳ Ｐゴシック" pitchFamily="34" charset="-128"/>
-              </a:rPr>
-              <a:t>Third level bullet</a:t>
-            </a:r>
-          </a:p>
-          <a:p>
-            <a:pPr marL="0" indent="0" eaLnBrk="1" hangingPunct="1"/>
-            <a:r>
-              <a:rPr lang="en-ZA">
-                <a:ea typeface="ＭＳ Ｐゴシック" pitchFamily="34" charset="-128"/>
-              </a:rPr>
-              <a:t>I have amended this sizing a little from the old template, as this is more practical for everyday, typical Dimension Data content – this is my recommendation!</a:t>
-            </a:r>
-          </a:p>
-        </p:txBody>
-      </p:sp>
-    </p:spTree>
-  </p:cSld>
-  <p:clrMapOvr>
-    <a:masterClrMapping/>
-  </p:clrMapOvr>
-</p:sld>
-</file>
-
 <file path=ppt/slides/slide37.xml><?xml version="1.0" encoding="utf-8"?>
 <p:sld xmlns:a="http://schemas.openxmlformats.org/drawingml/2006/main" xmlns:r="http://schemas.openxmlformats.org/officeDocument/2006/relationships" xmlns:p="http://schemas.openxmlformats.org/presentationml/2006/main">
   <p:cSld>
@@ -22036,7 +21818,7 @@
       </p:grpSpPr>
       <p:sp>
         <p:nvSpPr>
-          <p:cNvPr id="56322" name="Title 3"/>
+          <p:cNvPr id="55298" name="Title 3"/>
           <p:cNvSpPr>
             <a:spLocks noGrp="1"/>
           </p:cNvSpPr>
@@ -22061,7 +21843,7 @@
       </p:sp>
       <p:sp>
         <p:nvSpPr>
-          <p:cNvPr id="56323" name="Content Placeholder 4"/>
+          <p:cNvPr id="55299" name="Content Placeholder 4"/>
           <p:cNvSpPr>
             <a:spLocks noGrp="1"/>
           </p:cNvSpPr>
@@ -22117,71 +21899,6 @@
               </a:rPr>
               <a:t>I have amended this sizing a little from the old template, as this is more practical for everyday, typical Dimension Data content – this is my recommendation!</a:t>
             </a:r>
-          </a:p>
-        </p:txBody>
-      </p:sp>
-      <p:sp>
-        <p:nvSpPr>
-          <p:cNvPr id="68611" name="Text Placeholder 2"/>
-          <p:cNvSpPr>
-            <a:spLocks noGrp="1"/>
-          </p:cNvSpPr>
-          <p:nvPr>
-            <p:ph type="body" sz="quarter" idx="14"/>
-          </p:nvPr>
-        </p:nvSpPr>
-        <p:spPr>
-          <a:ln w="9525"/>
-          <a:extLst>
-            <a:ext uri="{91240B29-F687-4F45-9708-019B960494DF}">
-              <a14:hiddenLine xmlns:a14="http://schemas.microsoft.com/office/drawing/2010/main" w="25400" cap="flat">
-                <a:solidFill>
-                  <a:srgbClr val="000000"/>
-                </a:solidFill>
-                <a:round/>
-                <a:headEnd/>
-                <a:tailEnd/>
-              </a14:hiddenLine>
-            </a:ext>
-          </a:extLst>
-        </p:spPr>
-        <p:txBody>
-          <a:bodyPr/>
-          <a:lstStyle/>
-          <a:p>
-            <a:pPr marL="0" indent="0" eaLnBrk="1" hangingPunct="1">
-              <a:buFont typeface="Arial" pitchFamily="34" charset="0"/>
-              <a:buNone/>
-              <a:defRPr/>
-            </a:pPr>
-            <a:endParaRPr lang="en-ZA">
-              <a:solidFill>
-                <a:srgbClr val="FFFFFF"/>
-              </a:solidFill>
-              <a:ea typeface="ＭＳ Ｐゴシック" pitchFamily="34" charset="-128"/>
-            </a:endParaRPr>
-          </a:p>
-        </p:txBody>
-      </p:sp>
-      <p:sp>
-        <p:nvSpPr>
-          <p:cNvPr id="56325" name="Content Placeholder 5"/>
-          <p:cNvSpPr>
-            <a:spLocks noGrp="1"/>
-          </p:cNvSpPr>
-          <p:nvPr>
-            <p:ph sz="quarter" idx="15"/>
-          </p:nvPr>
-        </p:nvSpPr>
-        <p:spPr/>
-        <p:txBody>
-          <a:bodyPr/>
-          <a:lstStyle/>
-          <a:p>
-            <a:pPr marL="0" indent="0" eaLnBrk="1" hangingPunct="1"/>
-            <a:endParaRPr lang="en-ZA">
-              <a:ea typeface="ＭＳ Ｐゴシック" pitchFamily="34" charset="-128"/>
-            </a:endParaRPr>
           </a:p>
         </p:txBody>
       </p:sp>
@@ -22212,7 +21929,7 @@
       </p:grpSpPr>
       <p:sp>
         <p:nvSpPr>
-          <p:cNvPr id="57346" name="Title 1"/>
+          <p:cNvPr id="56322" name="Title 3"/>
           <p:cNvSpPr>
             <a:spLocks noGrp="1"/>
           </p:cNvSpPr>
@@ -22230,29 +21947,142 @@
               <a:rPr lang="en-ZA">
                 <a:ea typeface="ＭＳ Ｐゴシック" pitchFamily="34" charset="-128"/>
               </a:rPr>
-              <a:t>Click on icon to add picture – example on following page</a:t>
-            </a:r>
-          </a:p>
-        </p:txBody>
-      </p:sp>
-      <p:sp>
-        <p:nvSpPr>
-          <p:cNvPr id="57347" name="Picture Placeholder 2"/>
+              <a:t>Main title</a:t>
+            </a:r>
+          </a:p>
+        </p:txBody>
+      </p:sp>
+      <p:sp>
+        <p:nvSpPr>
+          <p:cNvPr id="56323" name="Content Placeholder 4"/>
           <p:cNvSpPr>
-            <a:spLocks noGrp="1" noTextEdit="1"/>
+            <a:spLocks noGrp="1"/>
           </p:cNvSpPr>
           <p:nvPr>
-            <p:ph type="pic" sz="quarter" idx="11"/>
+            <p:ph type="body" sz="quarter" idx="12"/>
           </p:nvPr>
         </p:nvSpPr>
         <p:spPr/>
+        <p:txBody>
+          <a:bodyPr/>
+          <a:lstStyle/>
+          <a:p>
+            <a:pPr marL="0" indent="0" eaLnBrk="1" hangingPunct="1"/>
+            <a:r>
+              <a:rPr lang="en-ZA">
+                <a:ea typeface="ＭＳ Ｐゴシック" pitchFamily="34" charset="-128"/>
+              </a:rPr>
+              <a:t>Introduction level</a:t>
+            </a:r>
+          </a:p>
+          <a:p>
+            <a:pPr lvl="1" eaLnBrk="1" hangingPunct="1"/>
+            <a:r>
+              <a:rPr lang="en-ZA">
+                <a:ea typeface="ＭＳ Ｐゴシック" pitchFamily="34" charset="-128"/>
+              </a:rPr>
+              <a:t>First level bullet</a:t>
+            </a:r>
+          </a:p>
+          <a:p>
+            <a:pPr lvl="2" eaLnBrk="1" hangingPunct="1"/>
+            <a:r>
+              <a:rPr lang="en-ZA">
+                <a:ea typeface="ＭＳ Ｐゴシック" pitchFamily="34" charset="-128"/>
+              </a:rPr>
+              <a:t>Second level bullet</a:t>
+            </a:r>
+          </a:p>
+          <a:p>
+            <a:pPr lvl="3" eaLnBrk="1" hangingPunct="1"/>
+            <a:r>
+              <a:rPr lang="en-ZA">
+                <a:ea typeface="ＭＳ Ｐゴシック" pitchFamily="34" charset="-128"/>
+              </a:rPr>
+              <a:t>Third level bullet</a:t>
+            </a:r>
+          </a:p>
+          <a:p>
+            <a:pPr marL="0" indent="0" eaLnBrk="1" hangingPunct="1"/>
+            <a:r>
+              <a:rPr lang="en-ZA">
+                <a:ea typeface="ＭＳ Ｐゴシック" pitchFamily="34" charset="-128"/>
+              </a:rPr>
+              <a:t>I have amended this sizing a little from the old template, as this is more practical for everyday, typical Dimension Data content – this is my recommendation!</a:t>
+            </a:r>
+          </a:p>
+        </p:txBody>
+      </p:sp>
+      <p:sp>
+        <p:nvSpPr>
+          <p:cNvPr id="68611" name="Text Placeholder 2"/>
+          <p:cNvSpPr>
+            <a:spLocks noGrp="1"/>
+          </p:cNvSpPr>
+          <p:nvPr>
+            <p:ph type="body" sz="quarter" idx="14"/>
+          </p:nvPr>
+        </p:nvSpPr>
+        <p:spPr>
+          <a:ln w="9525"/>
+          <a:extLst>
+            <a:ext uri="{91240B29-F687-4F45-9708-019B960494DF}">
+              <a14:hiddenLine xmlns:a14="http://schemas.microsoft.com/office/drawing/2010/main" w="25400" cap="flat">
+                <a:solidFill>
+                  <a:srgbClr val="000000"/>
+                </a:solidFill>
+                <a:round/>
+                <a:headEnd/>
+                <a:tailEnd/>
+              </a14:hiddenLine>
+            </a:ext>
+          </a:extLst>
+        </p:spPr>
+        <p:txBody>
+          <a:bodyPr/>
+          <a:lstStyle/>
+          <a:p>
+            <a:pPr marL="0" indent="0" eaLnBrk="1" hangingPunct="1">
+              <a:buFont typeface="Arial" pitchFamily="34" charset="0"/>
+              <a:buNone/>
+              <a:defRPr/>
+            </a:pPr>
+            <a:endParaRPr lang="en-ZA">
+              <a:solidFill>
+                <a:srgbClr val="FFFFFF"/>
+              </a:solidFill>
+              <a:ea typeface="ＭＳ Ｐゴシック" pitchFamily="34" charset="-128"/>
+            </a:endParaRPr>
+          </a:p>
+        </p:txBody>
+      </p:sp>
+      <p:sp>
+        <p:nvSpPr>
+          <p:cNvPr id="56325" name="Content Placeholder 5"/>
+          <p:cNvSpPr>
+            <a:spLocks noGrp="1"/>
+          </p:cNvSpPr>
+          <p:nvPr>
+            <p:ph sz="quarter" idx="15"/>
+          </p:nvPr>
+        </p:nvSpPr>
+        <p:spPr/>
+        <p:txBody>
+          <a:bodyPr/>
+          <a:lstStyle/>
+          <a:p>
+            <a:pPr marL="0" indent="0" eaLnBrk="1" hangingPunct="1"/>
+            <a:endParaRPr lang="en-ZA">
+              <a:ea typeface="ＭＳ Ｐゴシック" pitchFamily="34" charset="-128"/>
+            </a:endParaRPr>
+          </a:p>
+        </p:txBody>
       </p:sp>
     </p:spTree>
   </p:cSld>
   <p:clrMapOvr>
     <a:masterClrMapping/>
   </p:clrMapOvr>
-  <p:transition spd="slow"/>
 </p:sld>
 </file>
 
@@ -22275,19 +22105,7 @@
       </p:grpSpPr>
       <p:sp>
         <p:nvSpPr>
-          <p:cNvPr id="58371" name="Picture Placeholder 1"/>
-          <p:cNvSpPr>
-            <a:spLocks noGrp="1" noTextEdit="1"/>
-          </p:cNvSpPr>
-          <p:nvPr>
-            <p:ph type="pic" sz="quarter" idx="12"/>
-          </p:nvPr>
-        </p:nvSpPr>
-        <p:spPr/>
-      </p:sp>
-      <p:sp>
-        <p:nvSpPr>
-          <p:cNvPr id="58370" name="Title 2"/>
+          <p:cNvPr id="57346" name="Title 1"/>
           <p:cNvSpPr>
             <a:spLocks noGrp="1"/>
           </p:cNvSpPr>
@@ -22310,11 +22128,24 @@
           </a:p>
         </p:txBody>
       </p:sp>
+      <p:sp>
+        <p:nvSpPr>
+          <p:cNvPr id="57347" name="Picture Placeholder 2"/>
+          <p:cNvSpPr>
+            <a:spLocks noGrp="1" noTextEdit="1"/>
+          </p:cNvSpPr>
+          <p:nvPr>
+            <p:ph type="pic" sz="quarter" idx="11"/>
+          </p:nvPr>
+        </p:nvSpPr>
+        <p:spPr/>
+      </p:sp>
     </p:spTree>
   </p:cSld>
   <p:clrMapOvr>
     <a:masterClrMapping/>
   </p:clrMapOvr>
+  <p:transition spd="slow"/>
 </p:sld>
 </file>
 
@@ -22399,7 +22230,7 @@
         </p:blipFill>
         <p:spPr>
           <a:xfrm>
-            <a:off x="287611" y="2276872"/>
+            <a:off x="251520" y="2276872"/>
             <a:ext cx="8650684" cy="2929415"/>
           </a:xfrm>
           <a:prstGeom prst="rect">
@@ -22415,7 +22246,7 @@
         </p:nvSpPr>
         <p:spPr>
           <a:xfrm>
-            <a:off x="680765" y="3556913"/>
+            <a:off x="644674" y="3556913"/>
             <a:ext cx="1008112" cy="369332"/>
           </a:xfrm>
           <a:prstGeom prst="rect">
@@ -22453,7 +22284,7 @@
         </p:nvSpPr>
         <p:spPr>
           <a:xfrm>
-            <a:off x="2170758" y="3556913"/>
+            <a:off x="2134667" y="3556913"/>
             <a:ext cx="742255" cy="369332"/>
           </a:xfrm>
           <a:prstGeom prst="rect">
@@ -22491,7 +22322,7 @@
         </p:nvSpPr>
         <p:spPr>
           <a:xfrm>
-            <a:off x="3500016" y="3546222"/>
+            <a:off x="3463925" y="3546222"/>
             <a:ext cx="742255" cy="369332"/>
           </a:xfrm>
           <a:prstGeom prst="rect">
@@ -22529,7 +22360,7 @@
         </p:nvSpPr>
         <p:spPr>
           <a:xfrm>
-            <a:off x="5001245" y="3556913"/>
+            <a:off x="4965154" y="3556913"/>
             <a:ext cx="742255" cy="369332"/>
           </a:xfrm>
           <a:prstGeom prst="rect">
@@ -22567,7 +22398,7 @@
         </p:nvSpPr>
         <p:spPr>
           <a:xfrm>
-            <a:off x="6368343" y="3535531"/>
+            <a:off x="6332252" y="3535531"/>
             <a:ext cx="742255" cy="369332"/>
           </a:xfrm>
           <a:prstGeom prst="rect">
@@ -22605,7 +22436,7 @@
         </p:nvSpPr>
         <p:spPr>
           <a:xfrm>
-            <a:off x="7831472" y="3535531"/>
+            <a:off x="7795381" y="3535531"/>
             <a:ext cx="742255" cy="369332"/>
           </a:xfrm>
           <a:prstGeom prst="rect">
@@ -22643,7 +22474,7 @@
         </p:nvSpPr>
         <p:spPr>
           <a:xfrm>
-            <a:off x="376176" y="1947079"/>
+            <a:off x="340085" y="1947079"/>
             <a:ext cx="1312701" cy="276999"/>
           </a:xfrm>
           <a:prstGeom prst="rect">
@@ -22672,7 +22503,7 @@
         </p:nvSpPr>
         <p:spPr>
           <a:xfrm>
-            <a:off x="1885534" y="5206286"/>
+            <a:off x="1849443" y="5206286"/>
             <a:ext cx="1312701" cy="461665"/>
           </a:xfrm>
           <a:prstGeom prst="rect">
@@ -22708,7 +22539,7 @@
         </p:nvSpPr>
         <p:spPr>
           <a:xfrm>
-            <a:off x="3256496" y="1947079"/>
+            <a:off x="3220405" y="1947079"/>
             <a:ext cx="1312701" cy="276999"/>
           </a:xfrm>
           <a:prstGeom prst="rect">
@@ -22738,7 +22569,7 @@
         </p:nvSpPr>
         <p:spPr>
           <a:xfrm>
-            <a:off x="4796158" y="5206286"/>
+            <a:off x="4760067" y="5206286"/>
             <a:ext cx="1312701" cy="276999"/>
           </a:xfrm>
           <a:prstGeom prst="rect">
@@ -22768,7 +22599,7 @@
         </p:nvSpPr>
         <p:spPr>
           <a:xfrm>
-            <a:off x="6030646" y="1947078"/>
+            <a:off x="5994555" y="1947078"/>
             <a:ext cx="1312701" cy="276999"/>
           </a:xfrm>
           <a:prstGeom prst="rect">
@@ -22798,7 +22629,7 @@
         </p:nvSpPr>
         <p:spPr>
           <a:xfrm>
-            <a:off x="7343347" y="5206286"/>
+            <a:off x="7307256" y="5206286"/>
             <a:ext cx="1797849" cy="276999"/>
           </a:xfrm>
           <a:prstGeom prst="rect">
@@ -22852,6 +22683,170 @@
           </a:p>
           <a:p>
             <a:endParaRPr lang="nl-BE" sz="1200" dirty="0"/>
+          </a:p>
+        </p:txBody>
+      </p:sp>
+      <p:sp>
+        <p:nvSpPr>
+          <p:cNvPr id="18" name="TextBox 17"/>
+          <p:cNvSpPr txBox="1"/>
+          <p:nvPr/>
+        </p:nvSpPr>
+        <p:spPr>
+          <a:xfrm>
+            <a:off x="1040718" y="2448600"/>
+            <a:ext cx="1224136" cy="276999"/>
+          </a:xfrm>
+          <a:prstGeom prst="rect">
+            <a:avLst/>
+          </a:prstGeom>
+          <a:noFill/>
+        </p:spPr>
+        <p:txBody>
+          <a:bodyPr wrap="square" rtlCol="0">
+            <a:spAutoFit/>
+          </a:bodyPr>
+          <a:lstStyle/>
+          <a:p>
+            <a:r>
+              <a:rPr lang="en-US" sz="1200" dirty="0"/>
+              <a:t>Server 2008</a:t>
+            </a:r>
+            <a:endParaRPr lang="en-BE" sz="1200" dirty="0"/>
+          </a:p>
+        </p:txBody>
+      </p:sp>
+      <p:sp>
+        <p:nvSpPr>
+          <p:cNvPr id="19" name="TextBox 18"/>
+          <p:cNvSpPr txBox="1"/>
+          <p:nvPr/>
+        </p:nvSpPr>
+        <p:spPr>
+          <a:xfrm>
+            <a:off x="2550075" y="4147645"/>
+            <a:ext cx="1265753" cy="461665"/>
+          </a:xfrm>
+          <a:prstGeom prst="rect">
+            <a:avLst/>
+          </a:prstGeom>
+          <a:noFill/>
+        </p:spPr>
+        <p:txBody>
+          <a:bodyPr wrap="square" rtlCol="0">
+            <a:spAutoFit/>
+          </a:bodyPr>
+          <a:lstStyle/>
+          <a:p>
+            <a:r>
+              <a:rPr lang="en-US" sz="1200" dirty="0"/>
+              <a:t>Win 7</a:t>
+            </a:r>
+          </a:p>
+          <a:p>
+            <a:r>
+              <a:rPr lang="en-US" sz="1200" dirty="0"/>
+              <a:t>Server 2008 R2</a:t>
+            </a:r>
+          </a:p>
+        </p:txBody>
+      </p:sp>
+      <p:sp>
+        <p:nvSpPr>
+          <p:cNvPr id="20" name="TextBox 19"/>
+          <p:cNvSpPr txBox="1"/>
+          <p:nvPr/>
+        </p:nvSpPr>
+        <p:spPr>
+          <a:xfrm>
+            <a:off x="3900229" y="2448600"/>
+            <a:ext cx="1265753" cy="461665"/>
+          </a:xfrm>
+          <a:prstGeom prst="rect">
+            <a:avLst/>
+          </a:prstGeom>
+          <a:noFill/>
+        </p:spPr>
+        <p:txBody>
+          <a:bodyPr wrap="square" rtlCol="0">
+            <a:spAutoFit/>
+          </a:bodyPr>
+          <a:lstStyle/>
+          <a:p>
+            <a:r>
+              <a:rPr lang="en-US" sz="1200" dirty="0"/>
+              <a:t>Win 8</a:t>
+            </a:r>
+          </a:p>
+          <a:p>
+            <a:r>
+              <a:rPr lang="en-US" sz="1200" dirty="0"/>
+              <a:t>Server 2012</a:t>
+            </a:r>
+          </a:p>
+        </p:txBody>
+      </p:sp>
+      <p:sp>
+        <p:nvSpPr>
+          <p:cNvPr id="21" name="TextBox 20"/>
+          <p:cNvSpPr txBox="1"/>
+          <p:nvPr/>
+        </p:nvSpPr>
+        <p:spPr>
+          <a:xfrm>
+            <a:off x="5385152" y="4165215"/>
+            <a:ext cx="1265753" cy="461665"/>
+          </a:xfrm>
+          <a:prstGeom prst="rect">
+            <a:avLst/>
+          </a:prstGeom>
+          <a:noFill/>
+        </p:spPr>
+        <p:txBody>
+          <a:bodyPr wrap="square" rtlCol="0">
+            <a:spAutoFit/>
+          </a:bodyPr>
+          <a:lstStyle/>
+          <a:p>
+            <a:r>
+              <a:rPr lang="en-US" sz="1200" dirty="0"/>
+              <a:t>Win 8.1</a:t>
+            </a:r>
+          </a:p>
+          <a:p>
+            <a:r>
+              <a:rPr lang="en-US" sz="1200" dirty="0"/>
+              <a:t>Server 2012 R2</a:t>
+            </a:r>
+          </a:p>
+        </p:txBody>
+      </p:sp>
+      <p:sp>
+        <p:nvSpPr>
+          <p:cNvPr id="22" name="TextBox 21"/>
+          <p:cNvSpPr txBox="1"/>
+          <p:nvPr/>
+        </p:nvSpPr>
+        <p:spPr>
+          <a:xfrm>
+            <a:off x="6796193" y="2456929"/>
+            <a:ext cx="1265753" cy="276999"/>
+          </a:xfrm>
+          <a:prstGeom prst="rect">
+            <a:avLst/>
+          </a:prstGeom>
+          <a:noFill/>
+        </p:spPr>
+        <p:txBody>
+          <a:bodyPr wrap="square" rtlCol="0">
+            <a:spAutoFit/>
+          </a:bodyPr>
+          <a:lstStyle/>
+          <a:p>
+            <a:r>
+              <a:rPr lang="en-US" sz="1200" dirty="0"/>
+              <a:t>Win 10</a:t>
+            </a:r>
           </a:p>
         </p:txBody>
       </p:sp>
@@ -22869,6 +22864,68 @@
 </file>
 
 <file path=ppt/slides/slide40.xml><?xml version="1.0" encoding="utf-8"?>
+<p:sld xmlns:a="http://schemas.openxmlformats.org/drawingml/2006/main" xmlns:r="http://schemas.openxmlformats.org/officeDocument/2006/relationships" xmlns:p="http://schemas.openxmlformats.org/presentationml/2006/main">
+  <p:cSld>
+    <p:spTree>
+      <p:nvGrpSpPr>
+        <p:cNvPr id="1" name=""/>
+        <p:cNvGrpSpPr/>
+        <p:nvPr/>
+      </p:nvGrpSpPr>
+      <p:grpSpPr>
+        <a:xfrm>
+          <a:off x="0" y="0"/>
+          <a:ext cx="0" cy="0"/>
+          <a:chOff x="0" y="0"/>
+          <a:chExt cx="0" cy="0"/>
+        </a:xfrm>
+      </p:grpSpPr>
+      <p:sp>
+        <p:nvSpPr>
+          <p:cNvPr id="58371" name="Picture Placeholder 1"/>
+          <p:cNvSpPr>
+            <a:spLocks noGrp="1" noTextEdit="1"/>
+          </p:cNvSpPr>
+          <p:nvPr>
+            <p:ph type="pic" sz="quarter" idx="12"/>
+          </p:nvPr>
+        </p:nvSpPr>
+        <p:spPr/>
+      </p:sp>
+      <p:sp>
+        <p:nvSpPr>
+          <p:cNvPr id="58370" name="Title 2"/>
+          <p:cNvSpPr>
+            <a:spLocks noGrp="1"/>
+          </p:cNvSpPr>
+          <p:nvPr>
+            <p:ph type="title"/>
+          </p:nvPr>
+        </p:nvSpPr>
+        <p:spPr/>
+        <p:txBody>
+          <a:bodyPr/>
+          <a:lstStyle/>
+          <a:p>
+            <a:pPr eaLnBrk="1" hangingPunct="1"/>
+            <a:r>
+              <a:rPr lang="en-ZA">
+                <a:ea typeface="ＭＳ Ｐゴシック" pitchFamily="34" charset="-128"/>
+              </a:rPr>
+              <a:t>Click on icon to add picture – example on following page</a:t>
+            </a:r>
+          </a:p>
+        </p:txBody>
+      </p:sp>
+    </p:spTree>
+  </p:cSld>
+  <p:clrMapOvr>
+    <a:masterClrMapping/>
+  </p:clrMapOvr>
+</p:sld>
+</file>
+
+<file path=ppt/slides/slide41.xml><?xml version="1.0" encoding="utf-8"?>
 <p:sld xmlns:a="http://schemas.openxmlformats.org/drawingml/2006/main" xmlns:r="http://schemas.openxmlformats.org/officeDocument/2006/relationships" xmlns:p="http://schemas.openxmlformats.org/presentationml/2006/main">
   <p:cSld>
     <p:spTree>
@@ -22940,7 +22997,7 @@
 </p:sld>
 </file>
 
-<file path=ppt/slides/slide41.xml><?xml version="1.0" encoding="utf-8"?>
+<file path=ppt/slides/slide42.xml><?xml version="1.0" encoding="utf-8"?>
 <p:sld xmlns:a="http://schemas.openxmlformats.org/drawingml/2006/main" xmlns:r="http://schemas.openxmlformats.org/officeDocument/2006/relationships" xmlns:p="http://schemas.openxmlformats.org/presentationml/2006/main">
   <p:cSld>
     <p:spTree>
@@ -23004,7 +23061,7 @@
 </p:sld>
 </file>
 
-<file path=ppt/slides/slide42.xml><?xml version="1.0" encoding="utf-8"?>
+<file path=ppt/slides/slide43.xml><?xml version="1.0" encoding="utf-8"?>
 <p:sld xmlns:a="http://schemas.openxmlformats.org/drawingml/2006/main" xmlns:r="http://schemas.openxmlformats.org/officeDocument/2006/relationships" xmlns:p="http://schemas.openxmlformats.org/presentationml/2006/main">
   <p:cSld>
     <p:spTree>
@@ -23081,78 +23138,6 @@
 </p:sld>
 </file>
 
-<file path=ppt/slides/slide43.xml><?xml version="1.0" encoding="utf-8"?>
-<p:sld xmlns:a="http://schemas.openxmlformats.org/drawingml/2006/main" xmlns:r="http://schemas.openxmlformats.org/officeDocument/2006/relationships" xmlns:p="http://schemas.openxmlformats.org/presentationml/2006/main">
-  <p:cSld>
-    <p:spTree>
-      <p:nvGrpSpPr>
-        <p:cNvPr id="1" name=""/>
-        <p:cNvGrpSpPr/>
-        <p:nvPr/>
-      </p:nvGrpSpPr>
-      <p:grpSpPr>
-        <a:xfrm>
-          <a:off x="0" y="0"/>
-          <a:ext cx="0" cy="0"/>
-          <a:chOff x="0" y="0"/>
-          <a:chExt cx="0" cy="0"/>
-        </a:xfrm>
-      </p:grpSpPr>
-      <p:sp>
-        <p:nvSpPr>
-          <p:cNvPr id="62466" name="Title 1"/>
-          <p:cNvSpPr>
-            <a:spLocks noGrp="1"/>
-          </p:cNvSpPr>
-          <p:nvPr>
-            <p:ph type="title"/>
-          </p:nvPr>
-        </p:nvSpPr>
-        <p:spPr/>
-        <p:txBody>
-          <a:bodyPr/>
-          <a:lstStyle/>
-          <a:p>
-            <a:pPr eaLnBrk="1" hangingPunct="1"/>
-            <a:endParaRPr lang="en-ZA">
-              <a:ea typeface="ＭＳ Ｐゴシック" pitchFamily="34" charset="-128"/>
-            </a:endParaRPr>
-          </a:p>
-        </p:txBody>
-      </p:sp>
-      <p:sp>
-        <p:nvSpPr>
-          <p:cNvPr id="62467" name="Text Placeholder 2"/>
-          <p:cNvSpPr>
-            <a:spLocks noGrp="1"/>
-          </p:cNvSpPr>
-          <p:nvPr>
-            <p:ph type="body" sz="quarter" idx="12"/>
-          </p:nvPr>
-        </p:nvSpPr>
-        <p:spPr/>
-        <p:txBody>
-          <a:bodyPr/>
-          <a:lstStyle/>
-          <a:p>
-            <a:pPr lvl="1" eaLnBrk="1" hangingPunct="1"/>
-            <a:r>
-              <a:rPr lang="en-ZA">
-                <a:ea typeface="ＭＳ Ｐゴシック" pitchFamily="34" charset="-128"/>
-              </a:rPr>
-              <a:t>Text to describe image or diagram on left hand side</a:t>
-            </a:r>
-          </a:p>
-        </p:txBody>
-      </p:sp>
-    </p:spTree>
-  </p:cSld>
-  <p:clrMapOvr>
-    <a:masterClrMapping/>
-  </p:clrMapOvr>
-</p:sld>
-</file>
-
 <file path=ppt/slides/slide44.xml><?xml version="1.0" encoding="utf-8"?>
 <p:sld xmlns:a="http://schemas.openxmlformats.org/drawingml/2006/main" xmlns:r="http://schemas.openxmlformats.org/officeDocument/2006/relationships" xmlns:p="http://schemas.openxmlformats.org/presentationml/2006/main">
   <p:cSld>
@@ -23172,79 +23157,47 @@
       </p:grpSpPr>
       <p:sp>
         <p:nvSpPr>
-          <p:cNvPr id="63490" name="Content Placeholder 3"/>
+          <p:cNvPr id="62466" name="Title 1"/>
           <p:cNvSpPr>
             <a:spLocks noGrp="1"/>
           </p:cNvSpPr>
           <p:nvPr>
-            <p:ph idx="1"/>
+            <p:ph type="title"/>
           </p:nvPr>
         </p:nvSpPr>
-        <p:spPr bwMode="white"/>
+        <p:spPr/>
         <p:txBody>
           <a:bodyPr/>
           <a:lstStyle/>
           <a:p>
-            <a:pPr marL="149225" indent="-149225" eaLnBrk="1" hangingPunct="1">
-              <a:buFont typeface="Arial" charset="0"/>
-              <a:buNone/>
-            </a:pPr>
-            <a:r>
-              <a:rPr lang="en-ZA" altLang="en-US">
-                <a:ea typeface="ＭＳ Ｐゴシック" pitchFamily="34" charset="-128"/>
-              </a:rPr>
-              <a:t>“</a:t>
-            </a:r>
+            <a:pPr eaLnBrk="1" hangingPunct="1"/>
+            <a:endParaRPr lang="en-ZA">
+              <a:ea typeface="ＭＳ Ｐゴシック" pitchFamily="34" charset="-128"/>
+            </a:endParaRPr>
+          </a:p>
+        </p:txBody>
+      </p:sp>
+      <p:sp>
+        <p:nvSpPr>
+          <p:cNvPr id="62467" name="Text Placeholder 2"/>
+          <p:cNvSpPr>
+            <a:spLocks noGrp="1"/>
+          </p:cNvSpPr>
+          <p:nvPr>
+            <p:ph type="body" sz="quarter" idx="12"/>
+          </p:nvPr>
+        </p:nvSpPr>
+        <p:spPr/>
+        <p:txBody>
+          <a:bodyPr/>
+          <a:lstStyle/>
+          <a:p>
+            <a:pPr lvl="1" eaLnBrk="1" hangingPunct="1"/>
             <a:r>
               <a:rPr lang="en-ZA">
                 <a:ea typeface="ＭＳ Ｐゴシック" pitchFamily="34" charset="-128"/>
               </a:rPr>
-              <a:t>First line of pullout quote or introduction with a </a:t>
-            </a:r>
-            <a:r>
-              <a:rPr lang="en-ZA" b="1">
-                <a:ea typeface="ＭＳ Ｐゴシック" pitchFamily="34" charset="-128"/>
-              </a:rPr>
-              <a:t>key word </a:t>
-            </a:r>
-            <a:r>
-              <a:rPr lang="en-ZA">
-                <a:ea typeface="ＭＳ Ｐゴシック" pitchFamily="34" charset="-128"/>
-              </a:rPr>
-              <a:t>highlighted</a:t>
-            </a:r>
-            <a:r>
-              <a:rPr lang="en-ZA" altLang="en-US">
-                <a:ea typeface="ＭＳ Ｐゴシック" pitchFamily="34" charset="-128"/>
-              </a:rPr>
-              <a:t>”</a:t>
-            </a:r>
-            <a:endParaRPr lang="en-ZA">
-              <a:ea typeface="ＭＳ Ｐゴシック" pitchFamily="34" charset="-128"/>
-            </a:endParaRPr>
-          </a:p>
-          <a:p>
-            <a:pPr lvl="1" eaLnBrk="1" hangingPunct="1">
-              <a:buFont typeface="Arial" charset="0"/>
-              <a:buNone/>
-            </a:pPr>
-            <a:r>
-              <a:rPr lang="en-ZA">
-                <a:solidFill>
-                  <a:srgbClr val="E1E1E1"/>
-                </a:solidFill>
-                <a:ea typeface="ＭＳ Ｐゴシック" pitchFamily="34" charset="-128"/>
-              </a:rPr>
-              <a:t>First level bullet indented with </a:t>
-            </a:r>
-            <a:r>
-              <a:rPr lang="en-ZA" b="1">
-                <a:solidFill>
-                  <a:srgbClr val="E1E1E1"/>
-                </a:solidFill>
-                <a:ea typeface="ＭＳ Ｐゴシック" pitchFamily="34" charset="-128"/>
-              </a:rPr>
-              <a:t>key word</a:t>
+              <a:t>Text to describe image or diagram on left hand side</a:t>
             </a:r>
           </a:p>
         </p:txBody>
@@ -23276,6 +23229,110 @@
       </p:grpSpPr>
       <p:sp>
         <p:nvSpPr>
+          <p:cNvPr id="63490" name="Content Placeholder 3"/>
+          <p:cNvSpPr>
+            <a:spLocks noGrp="1"/>
+          </p:cNvSpPr>
+          <p:nvPr>
+            <p:ph idx="1"/>
+          </p:nvPr>
+        </p:nvSpPr>
+        <p:spPr bwMode="white"/>
+        <p:txBody>
+          <a:bodyPr/>
+          <a:lstStyle/>
+          <a:p>
+            <a:pPr marL="149225" indent="-149225" eaLnBrk="1" hangingPunct="1">
+              <a:buFont typeface="Arial" charset="0"/>
+              <a:buNone/>
+            </a:pPr>
+            <a:r>
+              <a:rPr lang="en-ZA" altLang="en-US">
+                <a:ea typeface="ＭＳ Ｐゴシック" pitchFamily="34" charset="-128"/>
+              </a:rPr>
+              <a:t>“</a:t>
+            </a:r>
+            <a:r>
+              <a:rPr lang="en-ZA">
+                <a:ea typeface="ＭＳ Ｐゴシック" pitchFamily="34" charset="-128"/>
+              </a:rPr>
+              <a:t>First line of pullout quote or introduction with a </a:t>
+            </a:r>
+            <a:r>
+              <a:rPr lang="en-ZA" b="1">
+                <a:ea typeface="ＭＳ Ｐゴシック" pitchFamily="34" charset="-128"/>
+              </a:rPr>
+              <a:t>key word </a:t>
+            </a:r>
+            <a:r>
+              <a:rPr lang="en-ZA">
+                <a:ea typeface="ＭＳ Ｐゴシック" pitchFamily="34" charset="-128"/>
+              </a:rPr>
+              <a:t>highlighted</a:t>
+            </a:r>
+            <a:r>
+              <a:rPr lang="en-ZA" altLang="en-US">
+                <a:ea typeface="ＭＳ Ｐゴシック" pitchFamily="34" charset="-128"/>
+              </a:rPr>
+              <a:t>”</a:t>
+            </a:r>
+            <a:endParaRPr lang="en-ZA">
+              <a:ea typeface="ＭＳ Ｐゴシック" pitchFamily="34" charset="-128"/>
+            </a:endParaRPr>
+          </a:p>
+          <a:p>
+            <a:pPr lvl="1" eaLnBrk="1" hangingPunct="1">
+              <a:buFont typeface="Arial" charset="0"/>
+              <a:buNone/>
+            </a:pPr>
+            <a:r>
+              <a:rPr lang="en-ZA">
+                <a:solidFill>
+                  <a:srgbClr val="E1E1E1"/>
+                </a:solidFill>
+                <a:ea typeface="ＭＳ Ｐゴシック" pitchFamily="34" charset="-128"/>
+              </a:rPr>
+              <a:t>First level bullet indented with </a:t>
+            </a:r>
+            <a:r>
+              <a:rPr lang="en-ZA" b="1">
+                <a:solidFill>
+                  <a:srgbClr val="E1E1E1"/>
+                </a:solidFill>
+                <a:ea typeface="ＭＳ Ｐゴシック" pitchFamily="34" charset="-128"/>
+              </a:rPr>
+              <a:t>key word</a:t>
+            </a:r>
+          </a:p>
+        </p:txBody>
+      </p:sp>
+    </p:spTree>
+  </p:cSld>
+  <p:clrMapOvr>
+    <a:masterClrMapping/>
+  </p:clrMapOvr>
+</p:sld>
+</file>
+
+<file path=ppt/slides/slide46.xml><?xml version="1.0" encoding="utf-8"?>
+<p:sld xmlns:a="http://schemas.openxmlformats.org/drawingml/2006/main" xmlns:r="http://schemas.openxmlformats.org/officeDocument/2006/relationships" xmlns:p="http://schemas.openxmlformats.org/presentationml/2006/main">
+  <p:cSld>
+    <p:spTree>
+      <p:nvGrpSpPr>
+        <p:cNvPr id="1" name=""/>
+        <p:cNvGrpSpPr/>
+        <p:nvPr/>
+      </p:nvGrpSpPr>
+      <p:grpSpPr>
+        <a:xfrm>
+          <a:off x="0" y="0"/>
+          <a:ext cx="0" cy="0"/>
+          <a:chOff x="0" y="0"/>
+          <a:chExt cx="0" cy="0"/>
+        </a:xfrm>
+      </p:grpSpPr>
+      <p:sp>
+        <p:nvSpPr>
           <p:cNvPr id="64514" name="Content Placeholder 3"/>
           <p:cNvSpPr>
             <a:spLocks noGrp="1"/>
@@ -23453,7 +23510,6 @@
               <a:rPr lang="en-US" dirty="0"/>
               <a:t>Copy selected text with Ctrl + C  or by pressing enter.</a:t>
             </a:r>
-            <a:endParaRPr lang="en-US" dirty="0"/>
           </a:p>
           <a:p>
             <a:pPr>
@@ -24185,6 +24241,65 @@
       </p:grpSpPr>
       <p:sp>
         <p:nvSpPr>
+          <p:cNvPr id="5" name="Text Placeholder 4"/>
+          <p:cNvSpPr>
+            <a:spLocks noGrp="1"/>
+          </p:cNvSpPr>
+          <p:nvPr>
+            <p:ph type="body" sz="quarter" idx="14"/>
+          </p:nvPr>
+        </p:nvSpPr>
+        <p:spPr>
+          <a:xfrm>
+            <a:off x="297520" y="2132855"/>
+            <a:ext cx="8550275" cy="4120307"/>
+          </a:xfrm>
+        </p:spPr>
+        <p:txBody>
+          <a:bodyPr/>
+          <a:lstStyle/>
+          <a:p>
+            <a:endParaRPr lang="en-BE" dirty="0"/>
+          </a:p>
+        </p:txBody>
+      </p:sp>
+      <p:sp>
+        <p:nvSpPr>
+          <p:cNvPr id="3" name="Content Placeholder 2"/>
+          <p:cNvSpPr>
+            <a:spLocks noGrp="1"/>
+          </p:cNvSpPr>
+          <p:nvPr>
+            <p:ph type="body" sz="quarter" idx="12"/>
+          </p:nvPr>
+        </p:nvSpPr>
+        <p:spPr>
+          <a:xfrm>
+            <a:off x="296863" y="1357377"/>
+            <a:ext cx="8550275" cy="631420"/>
+          </a:xfrm>
+        </p:spPr>
+        <p:txBody>
+          <a:bodyPr/>
+          <a:lstStyle/>
+          <a:p>
+            <a:pPr algn="l"/>
+            <a:r>
+              <a:rPr lang="en-US" dirty="0"/>
+              <a:t>Piping works virtually everywhere in PowerShell. </a:t>
+            </a:r>
+          </a:p>
+          <a:p>
+            <a:pPr algn="l"/>
+            <a:r>
+              <a:rPr lang="en-US" dirty="0"/>
+              <a:t>Windows PowerShell does not pipe text between commands. it pipes objects.</a:t>
+            </a:r>
+          </a:p>
+        </p:txBody>
+      </p:sp>
+      <p:sp>
+        <p:nvSpPr>
           <p:cNvPr id="2" name="Title 1"/>
           <p:cNvSpPr>
             <a:spLocks noGrp="1"/>
@@ -24208,64 +24323,615 @@
       </p:sp>
       <p:sp>
         <p:nvSpPr>
-          <p:cNvPr id="3" name="Content Placeholder 2"/>
-          <p:cNvSpPr>
-            <a:spLocks noGrp="1"/>
-          </p:cNvSpPr>
-          <p:nvPr>
-            <p:ph idx="1"/>
-          </p:nvPr>
-        </p:nvSpPr>
-        <p:spPr/>
-        <p:txBody>
-          <a:bodyPr/>
+          <p:cNvPr id="6" name="Rectangle 5"/>
+          <p:cNvSpPr/>
+          <p:nvPr/>
+        </p:nvSpPr>
+        <p:spPr>
+          <a:xfrm>
+            <a:off x="278560" y="2155464"/>
+            <a:ext cx="8568578" cy="3647152"/>
+          </a:xfrm>
+          <a:prstGeom prst="rect">
+            <a:avLst/>
+          </a:prstGeom>
+        </p:spPr>
+        <p:txBody>
+          <a:bodyPr wrap="square">
+            <a:spAutoFit/>
+          </a:bodyPr>
           <a:lstStyle/>
           <a:p>
-            <a:r>
-              <a:rPr lang="en-US" dirty="0"/>
-              <a:t>Piping works virtually everywhere in PowerShell. </a:t>
-            </a:r>
-          </a:p>
-          <a:p>
-            <a:r>
-              <a:rPr lang="en-US" dirty="0"/>
-              <a:t>Windows PowerShell does not pipe text between commands. it pipes objects.</a:t>
-            </a:r>
-          </a:p>
-          <a:p>
-            <a:endParaRPr lang="en-US" dirty="0"/>
-          </a:p>
-          <a:p>
-            <a:r>
-              <a:rPr lang="en-US" dirty="0"/>
-              <a:t>Get-</a:t>
-            </a:r>
-            <a:r>
-              <a:rPr lang="en-US" dirty="0" err="1"/>
+            <a:pPr>
+              <a:lnSpc>
+                <a:spcPct val="150000"/>
+              </a:lnSpc>
+            </a:pPr>
+            <a:r>
+              <a:rPr lang="en-US" sz="1400" i="1" dirty="0">
+                <a:latin typeface="Lucida Console" panose="020B0609040504020204" pitchFamily="49" charset="0"/>
+              </a:rPr>
+              <a:t>Examples:</a:t>
+            </a:r>
+          </a:p>
+          <a:p>
+            <a:pPr>
+              <a:lnSpc>
+                <a:spcPct val="150000"/>
+              </a:lnSpc>
+            </a:pPr>
+            <a:r>
+              <a:rPr lang="en-US" sz="1400" dirty="0">
+                <a:latin typeface="Lucida Console" panose="020B0609040504020204" pitchFamily="49" charset="0"/>
+              </a:rPr>
+              <a:t>Get child items as paged output in the terminal:</a:t>
+            </a:r>
+          </a:p>
+          <a:p>
+            <a:pPr>
+              <a:lnSpc>
+                <a:spcPct val="150000"/>
+              </a:lnSpc>
+            </a:pPr>
+            <a:r>
+              <a:rPr lang="en-US" sz="1400" dirty="0">
+                <a:solidFill>
+                  <a:srgbClr val="0000FF"/>
+                </a:solidFill>
+                <a:latin typeface="Lucida Console" panose="020B0609040504020204" pitchFamily="49" charset="0"/>
+              </a:rPr>
+              <a:t>  Get-</a:t>
+            </a:r>
+            <a:r>
+              <a:rPr lang="en-US" sz="1400" dirty="0" err="1">
+                <a:solidFill>
+                  <a:srgbClr val="0000FF"/>
+                </a:solidFill>
+                <a:latin typeface="Lucida Console" panose="020B0609040504020204" pitchFamily="49" charset="0"/>
+              </a:rPr>
               <a:t>ChildItem</a:t>
             </a:r>
             <a:r>
-              <a:rPr lang="en-US" dirty="0"/>
-              <a:t> -Path C:\WINDOWS\System32</a:t>
-            </a:r>
-          </a:p>
-          <a:p>
-            <a:endParaRPr lang="en-US" dirty="0"/>
-          </a:p>
-          <a:p>
-            <a:r>
-              <a:rPr lang="en-US" dirty="0"/>
-              <a:t>Get-</a:t>
-            </a:r>
-            <a:r>
-              <a:rPr lang="en-US" dirty="0" err="1"/>
+              <a:rPr lang="en-US" sz="1400" dirty="0">
+                <a:solidFill>
+                  <a:prstClr val="black"/>
+                </a:solidFill>
+                <a:latin typeface="Lucida Console" panose="020B0609040504020204" pitchFamily="49" charset="0"/>
+              </a:rPr>
+              <a:t> </a:t>
+            </a:r>
+            <a:r>
+              <a:rPr lang="en-US" sz="1400" dirty="0">
+                <a:solidFill>
+                  <a:srgbClr val="000080"/>
+                </a:solidFill>
+                <a:latin typeface="Lucida Console" panose="020B0609040504020204" pitchFamily="49" charset="0"/>
+              </a:rPr>
+              <a:t>-Path</a:t>
+            </a:r>
+            <a:r>
+              <a:rPr lang="en-US" sz="1400" dirty="0">
+                <a:solidFill>
+                  <a:prstClr val="black"/>
+                </a:solidFill>
+                <a:latin typeface="Lucida Console" panose="020B0609040504020204" pitchFamily="49" charset="0"/>
+              </a:rPr>
+              <a:t> </a:t>
+            </a:r>
+            <a:r>
+              <a:rPr lang="en-US" sz="1400" dirty="0">
+                <a:solidFill>
+                  <a:srgbClr val="8A2BE2"/>
+                </a:solidFill>
+                <a:latin typeface="Lucida Console" panose="020B0609040504020204" pitchFamily="49" charset="0"/>
+              </a:rPr>
+              <a:t>C:\WINDOWS\System32</a:t>
+            </a:r>
+            <a:r>
+              <a:rPr lang="en-US" sz="1400" dirty="0">
+                <a:solidFill>
+                  <a:prstClr val="black"/>
+                </a:solidFill>
+                <a:latin typeface="Lucida Console" panose="020B0609040504020204" pitchFamily="49" charset="0"/>
+              </a:rPr>
+              <a:t> </a:t>
+            </a:r>
+            <a:r>
+              <a:rPr lang="en-US" sz="1400" dirty="0">
+                <a:solidFill>
+                  <a:srgbClr val="A9A9A9"/>
+                </a:solidFill>
+                <a:latin typeface="Lucida Console" panose="020B0609040504020204" pitchFamily="49" charset="0"/>
+              </a:rPr>
+              <a:t>|</a:t>
+            </a:r>
+            <a:r>
+              <a:rPr lang="en-US" sz="1400" dirty="0">
+                <a:solidFill>
+                  <a:prstClr val="black"/>
+                </a:solidFill>
+                <a:latin typeface="Lucida Console" panose="020B0609040504020204" pitchFamily="49" charset="0"/>
+              </a:rPr>
+              <a:t> </a:t>
+            </a:r>
+            <a:r>
+              <a:rPr lang="en-US" sz="1400" dirty="0">
+                <a:solidFill>
+                  <a:srgbClr val="0000FF"/>
+                </a:solidFill>
+                <a:latin typeface="Lucida Console" panose="020B0609040504020204" pitchFamily="49" charset="0"/>
+              </a:rPr>
+              <a:t>Out-Host</a:t>
+            </a:r>
+            <a:r>
+              <a:rPr lang="en-US" sz="1400" dirty="0">
+                <a:solidFill>
+                  <a:prstClr val="black"/>
+                </a:solidFill>
+                <a:latin typeface="Lucida Console" panose="020B0609040504020204" pitchFamily="49" charset="0"/>
+              </a:rPr>
+              <a:t> </a:t>
+            </a:r>
+            <a:r>
+              <a:rPr lang="en-US" sz="1400" dirty="0">
+                <a:solidFill>
+                  <a:srgbClr val="000080"/>
+                </a:solidFill>
+                <a:latin typeface="Lucida Console" panose="020B0609040504020204" pitchFamily="49" charset="0"/>
+              </a:rPr>
+              <a:t>-Paging</a:t>
+            </a:r>
+            <a:endParaRPr lang="en-US" sz="1400" dirty="0">
+              <a:solidFill>
+                <a:prstClr val="black"/>
+              </a:solidFill>
+              <a:latin typeface="Lucida Console" panose="020B0609040504020204" pitchFamily="49" charset="0"/>
+            </a:endParaRPr>
+          </a:p>
+          <a:p>
+            <a:pPr>
+              <a:lnSpc>
+                <a:spcPct val="150000"/>
+              </a:lnSpc>
+            </a:pPr>
+            <a:endParaRPr lang="nl-BE" sz="1400" dirty="0">
+              <a:solidFill>
+                <a:srgbClr val="0000FF"/>
+              </a:solidFill>
+              <a:latin typeface="Lucida Console" panose="020B0609040504020204" pitchFamily="49" charset="0"/>
+            </a:endParaRPr>
+          </a:p>
+          <a:p>
+            <a:pPr>
+              <a:lnSpc>
+                <a:spcPct val="150000"/>
+              </a:lnSpc>
+            </a:pPr>
+            <a:r>
+              <a:rPr lang="nl-BE" sz="1400" dirty="0">
+                <a:latin typeface="Lucida Console" panose="020B0609040504020204" pitchFamily="49" charset="0"/>
+              </a:rPr>
+              <a:t>Show child items as grid view:</a:t>
+            </a:r>
+            <a:br>
+              <a:rPr lang="nl-BE" sz="1400" dirty="0">
+                <a:latin typeface="Lucida Console" panose="020B0609040504020204" pitchFamily="49" charset="0"/>
+              </a:rPr>
+            </a:br>
+            <a:r>
+              <a:rPr lang="nl-BE" sz="1400" dirty="0">
+                <a:solidFill>
+                  <a:srgbClr val="0000FF"/>
+                </a:solidFill>
+                <a:latin typeface="Lucida Console" panose="020B0609040504020204" pitchFamily="49" charset="0"/>
+              </a:rPr>
+              <a:t>  Get-ChildItem</a:t>
+            </a:r>
+            <a:r>
+              <a:rPr lang="nl-BE" sz="1400" dirty="0">
+                <a:solidFill>
+                  <a:prstClr val="black"/>
+                </a:solidFill>
+                <a:latin typeface="Lucida Console" panose="020B0609040504020204" pitchFamily="49" charset="0"/>
+              </a:rPr>
+              <a:t> </a:t>
+            </a:r>
+            <a:r>
+              <a:rPr lang="nl-BE" sz="1400" dirty="0">
+                <a:solidFill>
+                  <a:srgbClr val="8A2BE2"/>
+                </a:solidFill>
+                <a:latin typeface="Lucida Console" panose="020B0609040504020204" pitchFamily="49" charset="0"/>
+              </a:rPr>
+              <a:t>.\</a:t>
+            </a:r>
+            <a:r>
+              <a:rPr lang="nl-BE" sz="1400" dirty="0">
+                <a:solidFill>
+                  <a:prstClr val="black"/>
+                </a:solidFill>
+                <a:latin typeface="Lucida Console" panose="020B0609040504020204" pitchFamily="49" charset="0"/>
+              </a:rPr>
+              <a:t> </a:t>
+            </a:r>
+            <a:r>
+              <a:rPr lang="nl-BE" sz="1400" dirty="0">
+                <a:solidFill>
+                  <a:srgbClr val="000080"/>
+                </a:solidFill>
+                <a:latin typeface="Lucida Console" panose="020B0609040504020204" pitchFamily="49" charset="0"/>
+              </a:rPr>
+              <a:t>-Recurse</a:t>
+            </a:r>
+            <a:r>
+              <a:rPr lang="nl-BE" sz="1400" dirty="0">
+                <a:solidFill>
+                  <a:prstClr val="black"/>
+                </a:solidFill>
+                <a:latin typeface="Lucida Console" panose="020B0609040504020204" pitchFamily="49" charset="0"/>
+              </a:rPr>
+              <a:t> </a:t>
+            </a:r>
+            <a:r>
+              <a:rPr lang="nl-BE" sz="1400" dirty="0">
+                <a:solidFill>
+                  <a:srgbClr val="A9A9A9"/>
+                </a:solidFill>
+                <a:latin typeface="Lucida Console" panose="020B0609040504020204" pitchFamily="49" charset="0"/>
+              </a:rPr>
+              <a:t>|</a:t>
+            </a:r>
+            <a:r>
+              <a:rPr lang="nl-BE" sz="1400" dirty="0">
+                <a:solidFill>
+                  <a:prstClr val="black"/>
+                </a:solidFill>
+                <a:latin typeface="Lucida Console" panose="020B0609040504020204" pitchFamily="49" charset="0"/>
+              </a:rPr>
+              <a:t> </a:t>
+            </a:r>
+            <a:r>
+              <a:rPr lang="nl-BE" sz="1400" dirty="0">
+                <a:solidFill>
+                  <a:srgbClr val="0000FF"/>
+                </a:solidFill>
+                <a:latin typeface="Lucida Console" panose="020B0609040504020204" pitchFamily="49" charset="0"/>
+              </a:rPr>
+              <a:t>Out-GridView </a:t>
+            </a:r>
+          </a:p>
+          <a:p>
+            <a:pPr>
+              <a:lnSpc>
+                <a:spcPct val="150000"/>
+              </a:lnSpc>
+            </a:pPr>
+            <a:endParaRPr lang="nl-BE" sz="1400" dirty="0">
+              <a:solidFill>
+                <a:srgbClr val="0000FF"/>
+              </a:solidFill>
+              <a:latin typeface="Lucida Console" panose="020B0609040504020204" pitchFamily="49" charset="0"/>
+            </a:endParaRPr>
+          </a:p>
+          <a:p>
+            <a:pPr>
+              <a:lnSpc>
+                <a:spcPct val="150000"/>
+              </a:lnSpc>
+            </a:pPr>
+            <a:r>
+              <a:rPr lang="nl-BE" sz="1400" dirty="0">
+                <a:latin typeface="Lucida Console" panose="020B0609040504020204" pitchFamily="49" charset="0"/>
+              </a:rPr>
+              <a:t>Get child items of directory, visualise and print the made selections name:</a:t>
+            </a:r>
+          </a:p>
+          <a:p>
+            <a:r>
+              <a:rPr lang="en-US" sz="1400" dirty="0">
+                <a:solidFill>
+                  <a:srgbClr val="0000FF"/>
+                </a:solidFill>
+                <a:latin typeface="Lucida Console" panose="020B0609040504020204" pitchFamily="49" charset="0"/>
+              </a:rPr>
+              <a:t>  Get-</a:t>
+            </a:r>
+            <a:r>
+              <a:rPr lang="en-US" sz="1400" dirty="0" err="1">
+                <a:solidFill>
+                  <a:srgbClr val="0000FF"/>
+                </a:solidFill>
+                <a:latin typeface="Lucida Console" panose="020B0609040504020204" pitchFamily="49" charset="0"/>
+              </a:rPr>
               <a:t>ChildItem</a:t>
             </a:r>
             <a:r>
-              <a:rPr lang="en-US" dirty="0"/>
-              <a:t> -Path C:\WINDOWS\System32 | Out-Host -Paging</a:t>
-            </a:r>
-            <a:endParaRPr lang="en-BE" dirty="0"/>
+              <a:rPr lang="en-US" sz="1400" dirty="0">
+                <a:solidFill>
+                  <a:prstClr val="black"/>
+                </a:solidFill>
+                <a:latin typeface="Lucida Console" panose="020B0609040504020204" pitchFamily="49" charset="0"/>
+              </a:rPr>
+              <a:t> </a:t>
+            </a:r>
+            <a:r>
+              <a:rPr lang="en-US" sz="1400" dirty="0">
+                <a:solidFill>
+                  <a:srgbClr val="8A2BE2"/>
+                </a:solidFill>
+                <a:latin typeface="Lucida Console" panose="020B0609040504020204" pitchFamily="49" charset="0"/>
+              </a:rPr>
+              <a:t>.\</a:t>
+            </a:r>
+            <a:r>
+              <a:rPr lang="en-US" sz="1400" dirty="0">
+                <a:solidFill>
+                  <a:prstClr val="black"/>
+                </a:solidFill>
+                <a:latin typeface="Lucida Console" panose="020B0609040504020204" pitchFamily="49" charset="0"/>
+              </a:rPr>
+              <a:t> </a:t>
+            </a:r>
+            <a:r>
+              <a:rPr lang="en-US" sz="1400" dirty="0">
+                <a:solidFill>
+                  <a:srgbClr val="000080"/>
+                </a:solidFill>
+                <a:latin typeface="Lucida Console" panose="020B0609040504020204" pitchFamily="49" charset="0"/>
+              </a:rPr>
+              <a:t>-</a:t>
+            </a:r>
+            <a:r>
+              <a:rPr lang="en-US" sz="1400" dirty="0" err="1">
+                <a:solidFill>
+                  <a:srgbClr val="000080"/>
+                </a:solidFill>
+                <a:latin typeface="Lucida Console" panose="020B0609040504020204" pitchFamily="49" charset="0"/>
+              </a:rPr>
+              <a:t>Recurse</a:t>
+            </a:r>
+            <a:r>
+              <a:rPr lang="en-US" sz="1400" dirty="0">
+                <a:solidFill>
+                  <a:prstClr val="black"/>
+                </a:solidFill>
+                <a:latin typeface="Lucida Console" panose="020B0609040504020204" pitchFamily="49" charset="0"/>
+              </a:rPr>
+              <a:t> </a:t>
+            </a:r>
+            <a:r>
+              <a:rPr lang="en-US" sz="1400" dirty="0">
+                <a:solidFill>
+                  <a:srgbClr val="A9A9A9"/>
+                </a:solidFill>
+                <a:latin typeface="Lucida Console" panose="020B0609040504020204" pitchFamily="49" charset="0"/>
+              </a:rPr>
+              <a:t>|</a:t>
+            </a:r>
+            <a:r>
+              <a:rPr lang="en-US" sz="1400" dirty="0">
+                <a:solidFill>
+                  <a:prstClr val="black"/>
+                </a:solidFill>
+                <a:latin typeface="Lucida Console" panose="020B0609040504020204" pitchFamily="49" charset="0"/>
+              </a:rPr>
+              <a:t> </a:t>
+            </a:r>
+          </a:p>
+          <a:p>
+            <a:r>
+              <a:rPr lang="en-US" sz="1400" dirty="0">
+                <a:solidFill>
+                  <a:prstClr val="black"/>
+                </a:solidFill>
+                <a:latin typeface="Lucida Console" panose="020B0609040504020204" pitchFamily="49" charset="0"/>
+              </a:rPr>
+              <a:t>	</a:t>
+            </a:r>
+            <a:r>
+              <a:rPr lang="en-US" sz="1400" dirty="0">
+                <a:solidFill>
+                  <a:srgbClr val="0000FF"/>
+                </a:solidFill>
+                <a:latin typeface="Lucida Console" panose="020B0609040504020204" pitchFamily="49" charset="0"/>
+              </a:rPr>
+              <a:t>Out-</a:t>
+            </a:r>
+            <a:r>
+              <a:rPr lang="en-US" sz="1400" dirty="0" err="1">
+                <a:solidFill>
+                  <a:srgbClr val="0000FF"/>
+                </a:solidFill>
+                <a:latin typeface="Lucida Console" panose="020B0609040504020204" pitchFamily="49" charset="0"/>
+              </a:rPr>
+              <a:t>GridView</a:t>
+            </a:r>
+            <a:r>
+              <a:rPr lang="en-US" sz="1400" dirty="0">
+                <a:solidFill>
+                  <a:prstClr val="black"/>
+                </a:solidFill>
+                <a:latin typeface="Lucida Console" panose="020B0609040504020204" pitchFamily="49" charset="0"/>
+              </a:rPr>
+              <a:t> </a:t>
+            </a:r>
+            <a:r>
+              <a:rPr lang="en-US" sz="1400" dirty="0">
+                <a:solidFill>
+                  <a:srgbClr val="000080"/>
+                </a:solidFill>
+                <a:latin typeface="Lucida Console" panose="020B0609040504020204" pitchFamily="49" charset="0"/>
+              </a:rPr>
+              <a:t>-</a:t>
+            </a:r>
+            <a:r>
+              <a:rPr lang="en-US" sz="1400" dirty="0" err="1">
+                <a:solidFill>
+                  <a:srgbClr val="000080"/>
+                </a:solidFill>
+                <a:latin typeface="Lucida Console" panose="020B0609040504020204" pitchFamily="49" charset="0"/>
+              </a:rPr>
+              <a:t>PassThru</a:t>
+            </a:r>
+            <a:r>
+              <a:rPr lang="en-US" sz="1400" dirty="0">
+                <a:solidFill>
+                  <a:prstClr val="black"/>
+                </a:solidFill>
+                <a:latin typeface="Lucida Console" panose="020B0609040504020204" pitchFamily="49" charset="0"/>
+              </a:rPr>
+              <a:t> </a:t>
+            </a:r>
+            <a:r>
+              <a:rPr lang="en-US" sz="1400" dirty="0">
+                <a:solidFill>
+                  <a:srgbClr val="A9A9A9"/>
+                </a:solidFill>
+                <a:latin typeface="Lucida Console" panose="020B0609040504020204" pitchFamily="49" charset="0"/>
+              </a:rPr>
+              <a:t>|</a:t>
+            </a:r>
+            <a:r>
+              <a:rPr lang="en-US" sz="1400" dirty="0">
+                <a:solidFill>
+                  <a:prstClr val="black"/>
+                </a:solidFill>
+                <a:latin typeface="Lucida Console" panose="020B0609040504020204" pitchFamily="49" charset="0"/>
+              </a:rPr>
+              <a:t> </a:t>
+            </a:r>
+          </a:p>
+          <a:p>
+            <a:r>
+              <a:rPr lang="en-US" sz="1400" dirty="0">
+                <a:solidFill>
+                  <a:prstClr val="black"/>
+                </a:solidFill>
+                <a:latin typeface="Lucida Console" panose="020B0609040504020204" pitchFamily="49" charset="0"/>
+              </a:rPr>
+              <a:t>	</a:t>
+            </a:r>
+            <a:r>
+              <a:rPr lang="en-US" sz="1400" dirty="0" err="1">
+                <a:solidFill>
+                  <a:srgbClr val="0000FF"/>
+                </a:solidFill>
+                <a:latin typeface="Lucida Console" panose="020B0609040504020204" pitchFamily="49" charset="0"/>
+              </a:rPr>
+              <a:t>foreach</a:t>
+            </a:r>
+            <a:r>
+              <a:rPr lang="en-US" sz="1400" dirty="0">
+                <a:solidFill>
+                  <a:prstClr val="black"/>
+                </a:solidFill>
+                <a:latin typeface="Lucida Console" panose="020B0609040504020204" pitchFamily="49" charset="0"/>
+              </a:rPr>
+              <a:t> { </a:t>
+            </a:r>
+            <a:r>
+              <a:rPr lang="en-US" sz="1400" dirty="0">
+                <a:solidFill>
+                  <a:srgbClr val="0000FF"/>
+                </a:solidFill>
+                <a:latin typeface="Lucida Console" panose="020B0609040504020204" pitchFamily="49" charset="0"/>
+              </a:rPr>
+              <a:t>Write-Host</a:t>
+            </a:r>
+            <a:r>
+              <a:rPr lang="en-US" sz="1400" dirty="0">
+                <a:solidFill>
+                  <a:prstClr val="black"/>
+                </a:solidFill>
+                <a:latin typeface="Lucida Console" panose="020B0609040504020204" pitchFamily="49" charset="0"/>
+              </a:rPr>
+              <a:t> </a:t>
+            </a:r>
+            <a:r>
+              <a:rPr lang="en-US" sz="1400" dirty="0">
+                <a:solidFill>
+                  <a:srgbClr val="FF4500"/>
+                </a:solidFill>
+                <a:latin typeface="Lucida Console" panose="020B0609040504020204" pitchFamily="49" charset="0"/>
+              </a:rPr>
+              <a:t>$_</a:t>
+            </a:r>
+            <a:r>
+              <a:rPr lang="en-US" sz="1400" dirty="0">
+                <a:solidFill>
+                  <a:srgbClr val="A9A9A9"/>
+                </a:solidFill>
+                <a:latin typeface="Lucida Console" panose="020B0609040504020204" pitchFamily="49" charset="0"/>
+              </a:rPr>
+              <a:t>.</a:t>
+            </a:r>
+            <a:r>
+              <a:rPr lang="en-US" sz="1400" dirty="0">
+                <a:solidFill>
+                  <a:prstClr val="black"/>
+                </a:solidFill>
+                <a:latin typeface="Lucida Console" panose="020B0609040504020204" pitchFamily="49" charset="0"/>
+              </a:rPr>
+              <a:t>Name </a:t>
+            </a:r>
+            <a:r>
+              <a:rPr lang="en-US" sz="1400" dirty="0">
+                <a:solidFill>
+                  <a:srgbClr val="000080"/>
+                </a:solidFill>
+                <a:latin typeface="Lucida Console" panose="020B0609040504020204" pitchFamily="49" charset="0"/>
+              </a:rPr>
+              <a:t>-</a:t>
+            </a:r>
+            <a:r>
+              <a:rPr lang="en-US" sz="1400" dirty="0" err="1">
+                <a:solidFill>
+                  <a:srgbClr val="000080"/>
+                </a:solidFill>
+                <a:latin typeface="Lucida Console" panose="020B0609040504020204" pitchFamily="49" charset="0"/>
+              </a:rPr>
+              <a:t>ForegroundColor</a:t>
+            </a:r>
+            <a:r>
+              <a:rPr lang="en-US" sz="1400" dirty="0">
+                <a:solidFill>
+                  <a:prstClr val="black"/>
+                </a:solidFill>
+                <a:latin typeface="Lucida Console" panose="020B0609040504020204" pitchFamily="49" charset="0"/>
+              </a:rPr>
+              <a:t> </a:t>
+            </a:r>
+            <a:r>
+              <a:rPr lang="en-US" sz="1400" dirty="0">
+                <a:solidFill>
+                  <a:srgbClr val="8A2BE2"/>
+                </a:solidFill>
+                <a:latin typeface="Lucida Console" panose="020B0609040504020204" pitchFamily="49" charset="0"/>
+              </a:rPr>
+              <a:t>Green</a:t>
+            </a:r>
+            <a:r>
+              <a:rPr lang="en-US" sz="1400" dirty="0">
+                <a:solidFill>
+                  <a:prstClr val="black"/>
+                </a:solidFill>
+                <a:latin typeface="Lucida Console" panose="020B0609040504020204" pitchFamily="49" charset="0"/>
+              </a:rPr>
+              <a:t> } </a:t>
+            </a:r>
+          </a:p>
+          <a:p>
+            <a:pPr>
+              <a:lnSpc>
+                <a:spcPct val="150000"/>
+              </a:lnSpc>
+            </a:pPr>
+            <a:endParaRPr lang="nl-BE" sz="1400" dirty="0">
+              <a:solidFill>
+                <a:srgbClr val="0000FF"/>
+              </a:solidFill>
+              <a:latin typeface="Lucida Console" panose="020B0609040504020204" pitchFamily="49" charset="0"/>
+            </a:endParaRPr>
           </a:p>
         </p:txBody>
       </p:sp>
@@ -24316,7 +24982,7 @@
           <a:p>
             <a:r>
               <a:rPr lang="en-US" dirty="0"/>
-              <a:t>Functions and Variable</a:t>
+              <a:t>Basic Functions and Variables</a:t>
             </a:r>
           </a:p>
         </p:txBody>
@@ -24337,8 +25003,20 @@
           <a:lstStyle/>
           <a:p>
             <a:r>
+              <a:rPr lang="en-US" dirty="0">
+                <a:hlinkClick r:id="rId2"/>
+              </a:rPr>
+              <a:t>https://stacktoheap.com/blog/2013/06/15/things-that-trip-newbies-in-powershell-pipeline-output/</a:t>
+            </a:r>
+            <a:endParaRPr lang="en-US" dirty="0"/>
+          </a:p>
+          <a:p>
+            <a:endParaRPr lang="en-US" dirty="0"/>
+          </a:p>
+          <a:p>
+            <a:r>
               <a:rPr lang="en-US" dirty="0"/>
-              <a:t>https://stacktoheap.com/blog/2013/06/15/things-that-trip-newbies-in-powershell-pipeline-output/</a:t>
+              <a:t>https://ss64.com/ps/syntax-automatic-variables.html</a:t>
             </a:r>
             <a:endParaRPr lang="en-US" dirty="0"/>
           </a:p>
@@ -24391,7 +25069,7 @@
           <a:p>
             <a:r>
               <a:rPr lang="en-US" dirty="0"/>
-              <a:t>Modules</a:t>
+              <a:t>Creating functions</a:t>
             </a:r>
             <a:endParaRPr lang="en-BE" dirty="0"/>
           </a:p>
@@ -24419,7 +25097,7 @@
     </p:spTree>
     <p:extLst>
       <p:ext uri="{BB962C8B-B14F-4D97-AF65-F5344CB8AC3E}">
-        <p14:creationId xmlns:p14="http://schemas.microsoft.com/office/powerpoint/2010/main" val="1476788318"/>
+        <p14:creationId xmlns:p14="http://schemas.microsoft.com/office/powerpoint/2010/main" val="3533605638"/>
       </p:ext>
     </p:extLst>
   </p:cSld>
@@ -25325,16 +26003,25 @@
 </file>
 
 <file path=customXml/item1.xml><?xml version="1.0" encoding="utf-8"?>
+<LongProperties xmlns="http://schemas.microsoft.com/office/2006/metadata/longProperties"/>
+</file>
+
+<file path=customXml/item2.xml><?xml version="1.0" encoding="utf-8"?>
 <p:properties xmlns:p="http://schemas.microsoft.com/office/2006/metadata/properties" xmlns:xsi="http://www.w3.org/2001/XMLSchema-instance" xmlns:pc="http://schemas.microsoft.com/office/infopath/2007/PartnerControls">
   <documentManagement/>
 </p:properties>
 </file>
 
-<file path=customXml/item2.xml><?xml version="1.0" encoding="utf-8"?>
-<LongProperties xmlns="http://schemas.microsoft.com/office/2006/metadata/longProperties"/>
+<file path=customXml/item3.xml><?xml version="1.0" encoding="utf-8"?>
+<?mso-contentType ?>
+<FormTemplates xmlns="http://schemas.microsoft.com/sharepoint/v3/contenttype/forms">
+  <Display>DocumentLibraryForm</Display>
+  <Edit>DocumentLibraryForm</Edit>
+  <New>DocumentLibraryForm</New>
+</FormTemplates>
 </file>
 
-<file path=customXml/item3.xml><?xml version="1.0" encoding="utf-8"?>
+<file path=customXml/item4.xml><?xml version="1.0" encoding="utf-8"?>
 <ct:contentTypeSchema xmlns:ct="http://schemas.microsoft.com/office/2006/metadata/contentType" xmlns:ma="http://schemas.microsoft.com/office/2006/metadata/properties/metaAttributes" ct:_="" ma:_="" ma:contentTypeName="Document" ma:contentTypeID="0x010100959D33A83376F241B96FC317B2040BAF" ma:contentTypeVersion="5" ma:contentTypeDescription="Create a new document." ma:contentTypeScope="" ma:versionID="527b495c0104506c6ad0510e833307a8">
   <xsd:schema xmlns:xsd="http://www.w3.org/2001/XMLSchema" xmlns:xs="http://www.w3.org/2001/XMLSchema" xmlns:p="http://schemas.microsoft.com/office/2006/metadata/properties" xmlns:ns2="9c644b71-f2b7-4af3-8fc7-b12615162907" xmlns:ns3="54f3cedd-548f-4720-83cb-d6c05b93ad22" targetNamespace="http://schemas.microsoft.com/office/2006/metadata/properties" ma:root="true" ma:fieldsID="1d53989094b9f63e1bb90e8dea41e06b" ns2:_="" ns3:_="">
     <xsd:import namespace="9c644b71-f2b7-4af3-8fc7-b12615162907"/>
@@ -25505,16 +26192,15 @@
 </ct:contentTypeSchema>
 </file>
 
-<file path=customXml/item4.xml><?xml version="1.0" encoding="utf-8"?>
-<?mso-contentType ?>
-<FormTemplates xmlns="http://schemas.microsoft.com/sharepoint/v3/contenttype/forms">
-  <Display>DocumentLibraryForm</Display>
-  <Edit>DocumentLibraryForm</Edit>
-  <New>DocumentLibraryForm</New>
-</FormTemplates>
+<file path=customXml/itemProps1.xml><?xml version="1.0" encoding="utf-8"?>
+<ds:datastoreItem xmlns:ds="http://schemas.openxmlformats.org/officeDocument/2006/customXml" ds:itemID="{EB9CE09D-DA00-4FA2-BB57-12EE9217E1B2}">
+  <ds:schemaRefs>
+    <ds:schemaRef ds:uri="http://schemas.microsoft.com/office/2006/metadata/longProperties"/>
+  </ds:schemaRefs>
+</ds:datastoreItem>
 </file>
 
-<file path=customXml/itemProps1.xml><?xml version="1.0" encoding="utf-8"?>
+<file path=customXml/itemProps2.xml><?xml version="1.0" encoding="utf-8"?>
 <ds:datastoreItem xmlns:ds="http://schemas.openxmlformats.org/officeDocument/2006/customXml" ds:itemID="{A30766E2-1FB1-4DBC-A574-2B521885E1F0}">
   <ds:schemaRefs>
     <ds:schemaRef ds:uri="54f3cedd-548f-4720-83cb-d6c05b93ad22"/>
@@ -25531,15 +26217,15 @@
 </ds:datastoreItem>
 </file>
 
-<file path=customXml/itemProps2.xml><?xml version="1.0" encoding="utf-8"?>
-<ds:datastoreItem xmlns:ds="http://schemas.openxmlformats.org/officeDocument/2006/customXml" ds:itemID="{EB9CE09D-DA00-4FA2-BB57-12EE9217E1B2}">
+<file path=customXml/itemProps3.xml><?xml version="1.0" encoding="utf-8"?>
+<ds:datastoreItem xmlns:ds="http://schemas.openxmlformats.org/officeDocument/2006/customXml" ds:itemID="{8092415D-C017-446B-92E0-7A9E0F8F3446}">
   <ds:schemaRefs>
-    <ds:schemaRef ds:uri="http://schemas.microsoft.com/office/2006/metadata/longProperties"/>
+    <ds:schemaRef ds:uri="http://schemas.microsoft.com/sharepoint/v3/contenttype/forms"/>
   </ds:schemaRefs>
 </ds:datastoreItem>
 </file>
 
-<file path=customXml/itemProps3.xml><?xml version="1.0" encoding="utf-8"?>
+<file path=customXml/itemProps4.xml><?xml version="1.0" encoding="utf-8"?>
 <ds:datastoreItem xmlns:ds="http://schemas.openxmlformats.org/officeDocument/2006/customXml" ds:itemID="{B11E10F8-F53B-440E-A07C-4BE43F17767B}">
   <ds:schemaRefs>
     <ds:schemaRef ds:uri="http://schemas.microsoft.com/office/2006/metadata/contentType"/>
@@ -25556,12 +26242,4 @@
     <ds:schemaRef ds:uri="http://schemas.microsoft.com/internal/obd"/>
   </ds:schemaRefs>
 </ds:datastoreItem>
-</file>
-
-<file path=customXml/itemProps4.xml><?xml version="1.0" encoding="utf-8"?>
-<ds:datastoreItem xmlns:ds="http://schemas.openxmlformats.org/officeDocument/2006/customXml" ds:itemID="{8092415D-C017-446B-92E0-7A9E0F8F3446}">
-  <ds:schemaRefs>
-    <ds:schemaRef ds:uri="http://schemas.microsoft.com/sharepoint/v3/contenttype/forms"/>
-  </ds:schemaRefs>
-</ds:datastoreItem>
 </file>
--- a/BasicPowerShell.pptx
+++ b/BasicPowerShell.pptx
@@ -5,10 +5,10 @@
     <p:sldMasterId id="2147483648" r:id="rId5"/>
   </p:sldMasterIdLst>
   <p:notesMasterIdLst>
-    <p:notesMasterId r:id="rId52"/>
+    <p:notesMasterId r:id="rId55"/>
   </p:notesMasterIdLst>
   <p:handoutMasterIdLst>
-    <p:handoutMasterId r:id="rId53"/>
+    <p:handoutMasterId r:id="rId56"/>
   </p:handoutMasterIdLst>
   <p:sldIdLst>
     <p:sldId id="274" r:id="rId6"/>
@@ -18,45 +18,48 @@
     <p:sldId id="383" r:id="rId10"/>
     <p:sldId id="388" r:id="rId11"/>
     <p:sldId id="389" r:id="rId12"/>
-    <p:sldId id="384" r:id="rId13"/>
-    <p:sldId id="391" r:id="rId14"/>
-    <p:sldId id="390" r:id="rId15"/>
-    <p:sldId id="385" r:id="rId16"/>
-    <p:sldId id="386" r:id="rId17"/>
-    <p:sldId id="359" r:id="rId18"/>
-    <p:sldId id="370" r:id="rId19"/>
-    <p:sldId id="375" r:id="rId20"/>
-    <p:sldId id="362" r:id="rId21"/>
-    <p:sldId id="373" r:id="rId22"/>
-    <p:sldId id="365" r:id="rId23"/>
-    <p:sldId id="363" r:id="rId24"/>
-    <p:sldId id="366" r:id="rId25"/>
-    <p:sldId id="367" r:id="rId26"/>
-    <p:sldId id="368" r:id="rId27"/>
-    <p:sldId id="337" r:id="rId28"/>
-    <p:sldId id="336" r:id="rId29"/>
-    <p:sldId id="272" r:id="rId30"/>
-    <p:sldId id="369" r:id="rId31"/>
-    <p:sldId id="371" r:id="rId32"/>
-    <p:sldId id="332" r:id="rId33"/>
-    <p:sldId id="334" r:id="rId34"/>
-    <p:sldId id="331" r:id="rId35"/>
-    <p:sldId id="294" r:id="rId36"/>
-    <p:sldId id="335" r:id="rId37"/>
-    <p:sldId id="293" r:id="rId38"/>
-    <p:sldId id="285" r:id="rId39"/>
-    <p:sldId id="290" r:id="rId40"/>
-    <p:sldId id="350" r:id="rId41"/>
-    <p:sldId id="355" r:id="rId42"/>
-    <p:sldId id="372" r:id="rId43"/>
-    <p:sldId id="347" r:id="rId44"/>
-    <p:sldId id="287" r:id="rId45"/>
-    <p:sldId id="348" r:id="rId46"/>
-    <p:sldId id="288" r:id="rId47"/>
-    <p:sldId id="349" r:id="rId48"/>
-    <p:sldId id="289" r:id="rId49"/>
-    <p:sldId id="258" r:id="rId50"/>
-    <p:sldId id="339" r:id="rId51"/>
+    <p:sldId id="394" r:id="rId13"/>
+    <p:sldId id="393" r:id="rId14"/>
+    <p:sldId id="384" r:id="rId15"/>
+    <p:sldId id="391" r:id="rId16"/>
+    <p:sldId id="390" r:id="rId17"/>
+    <p:sldId id="392" r:id="rId18"/>
+    <p:sldId id="385" r:id="rId19"/>
+    <p:sldId id="386" r:id="rId20"/>
+    <p:sldId id="359" r:id="rId21"/>
+    <p:sldId id="370" r:id="rId22"/>
+    <p:sldId id="375" r:id="rId23"/>
+    <p:sldId id="362" r:id="rId24"/>
+    <p:sldId id="373" r:id="rId25"/>
+    <p:sldId id="365" r:id="rId26"/>
+    <p:sldId id="363" r:id="rId27"/>
+    <p:sldId id="366" r:id="rId28"/>
+    <p:sldId id="367" r:id="rId29"/>
+    <p:sldId id="368" r:id="rId30"/>
+    <p:sldId id="337" r:id="rId31"/>
+    <p:sldId id="336" r:id="rId32"/>
+    <p:sldId id="272" r:id="rId33"/>
+    <p:sldId id="369" r:id="rId34"/>
+    <p:sldId id="371" r:id="rId35"/>
+    <p:sldId id="332" r:id="rId36"/>
+    <p:sldId id="334" r:id="rId37"/>
+    <p:sldId id="331" r:id="rId38"/>
+    <p:sldId id="294" r:id="rId39"/>
+    <p:sldId id="335" r:id="rId40"/>
+    <p:sldId id="293" r:id="rId41"/>
+    <p:sldId id="285" r:id="rId42"/>
+    <p:sldId id="290" r:id="rId43"/>
+    <p:sldId id="350" r:id="rId44"/>
+    <p:sldId id="355" r:id="rId45"/>
+    <p:sldId id="372" r:id="rId46"/>
+    <p:sldId id="347" r:id="rId47"/>
+    <p:sldId id="287" r:id="rId48"/>
+    <p:sldId id="348" r:id="rId49"/>
+    <p:sldId id="288" r:id="rId50"/>
+    <p:sldId id="349" r:id="rId51"/>
+    <p:sldId id="289" r:id="rId52"/>
+    <p:sldId id="258" r:id="rId53"/>
+    <p:sldId id="339" r:id="rId54"/>
   </p:sldIdLst>
   <p:sldSz cx="9144000" cy="6858000" type="screen4x3"/>
   <p:notesSz cx="6858000" cy="9144000"/>
@@ -315,7 +318,7 @@
               <a:pPr>
                 <a:defRPr/>
               </a:pPr>
-              <a:t>2017/09/13</a:t>
+              <a:t>2017/09/14</a:t>
             </a:fld>
             <a:endParaRPr lang="en-ZA"/>
           </a:p>
@@ -535,7 +538,7 @@
               <a:pPr>
                 <a:defRPr/>
               </a:pPr>
-              <a:t>2017/09/13</a:t>
+              <a:t>2017/09/14</a:t>
             </a:fld>
             <a:endParaRPr lang="en-ZA"/>
           </a:p>
@@ -2544,7 +2547,7 @@
                 <a:buNone/>
                 <a:defRPr/>
               </a:pPr>
-              <a:t>13 September 2017</a:t>
+              <a:t>14 September 2017</a:t>
             </a:fld>
             <a:endParaRPr lang="en-US" sz="1400">
               <a:solidFill>
@@ -3778,7 +3781,7 @@
                 </a:spcAft>
                 <a:defRPr/>
               </a:pPr>
-              <a:t>13 September 2017</a:t>
+              <a:t>14 September 2017</a:t>
             </a:fld>
             <a:endParaRPr lang="en-ZA">
               <a:solidFill>
@@ -4293,7 +4296,7 @@
                 </a:spcAft>
                 <a:defRPr/>
               </a:pPr>
-              <a:t>13 September 2017</a:t>
+              <a:t>14 September 2017</a:t>
             </a:fld>
             <a:endParaRPr lang="en-ZA">
               <a:solidFill>
@@ -5782,7 +5785,7 @@
                 <a:buNone/>
                 <a:defRPr/>
               </a:pPr>
-              <a:t>13 September 2017</a:t>
+              <a:t>14 September 2017</a:t>
             </a:fld>
             <a:endParaRPr lang="en-US" sz="1400">
               <a:solidFill>
@@ -6378,7 +6381,7 @@
                 </a:spcAft>
                 <a:defRPr/>
               </a:pPr>
-              <a:t>13 September 2017</a:t>
+              <a:t>14 September 2017</a:t>
             </a:fld>
             <a:endParaRPr lang="en-ZA">
               <a:solidFill>
@@ -7041,7 +7044,7 @@
                 </a:spcAft>
                 <a:defRPr/>
               </a:pPr>
-              <a:t>13 September 2017</a:t>
+              <a:t>14 September 2017</a:t>
             </a:fld>
             <a:endParaRPr lang="en-ZA">
               <a:solidFill>
@@ -8407,7 +8410,7 @@
                 </a:spcAft>
                 <a:defRPr/>
               </a:pPr>
-              <a:t>13 September 2017</a:t>
+              <a:t>14 September 2017</a:t>
             </a:fld>
             <a:endParaRPr lang="en-ZA">
               <a:solidFill>
@@ -9251,7 +9254,7 @@
                 </a:spcAft>
                 <a:defRPr/>
               </a:pPr>
-              <a:t>13 September 2017</a:t>
+              <a:t>14 September 2017</a:t>
             </a:fld>
             <a:endParaRPr lang="en-ZA">
               <a:solidFill>
@@ -10041,7 +10044,7 @@
                 </a:spcAft>
                 <a:defRPr/>
               </a:pPr>
-              <a:t>13 September 2017</a:t>
+              <a:t>14 September 2017</a:t>
             </a:fld>
             <a:endParaRPr lang="en-ZA">
               <a:solidFill>
@@ -10815,9 +10818,8 @@
           <a:p>
             <a:r>
               <a:rPr lang="en-US" dirty="0"/>
-              <a:t>Modules</a:t>
-            </a:r>
-            <a:endParaRPr lang="en-BE" dirty="0"/>
+              <a:t>Basic Functions and Variables</a:t>
+            </a:r>
           </a:p>
         </p:txBody>
       </p:sp>
@@ -10836,14 +10838,29 @@
           <a:bodyPr/>
           <a:lstStyle/>
           <a:p>
-            <a:endParaRPr lang="en-BE"/>
+            <a:r>
+              <a:rPr lang="en-US" dirty="0">
+                <a:hlinkClick r:id="rId2"/>
+              </a:rPr>
+              <a:t>https://stacktoheap.com/blog/2013/06/15/things-that-trip-newbies-in-powershell-pipeline-output/</a:t>
+            </a:r>
+            <a:endParaRPr lang="en-US" dirty="0"/>
+          </a:p>
+          <a:p>
+            <a:endParaRPr lang="en-US" dirty="0"/>
+          </a:p>
+          <a:p>
+            <a:r>
+              <a:rPr lang="en-US" dirty="0"/>
+              <a:t>https://ss64.com/ps/syntax-automatic-variables.html</a:t>
+            </a:r>
           </a:p>
         </p:txBody>
       </p:sp>
     </p:spTree>
     <p:extLst>
       <p:ext uri="{BB962C8B-B14F-4D97-AF65-F5344CB8AC3E}">
-        <p14:creationId xmlns:p14="http://schemas.microsoft.com/office/powerpoint/2010/main" val="1476788318"/>
+        <p14:creationId xmlns:p14="http://schemas.microsoft.com/office/powerpoint/2010/main" val="1744980860"/>
       </p:ext>
     </p:extLst>
   </p:cSld>
@@ -10887,8 +10904,9 @@
           <a:p>
             <a:r>
               <a:rPr lang="en-US" dirty="0"/>
-              <a:t>Useful Tools</a:t>
-            </a:r>
+              <a:t>Creating functions</a:t>
+            </a:r>
+            <a:endParaRPr lang="en-BE" dirty="0"/>
           </a:p>
         </p:txBody>
       </p:sp>
@@ -10907,14 +10925,14 @@
           <a:bodyPr/>
           <a:lstStyle/>
           <a:p>
-            <a:endParaRPr lang="en-US"/>
+            <a:endParaRPr lang="en-BE"/>
           </a:p>
         </p:txBody>
       </p:sp>
     </p:spTree>
     <p:extLst>
       <p:ext uri="{BB962C8B-B14F-4D97-AF65-F5344CB8AC3E}">
-        <p14:creationId xmlns:p14="http://schemas.microsoft.com/office/powerpoint/2010/main" val="435000849"/>
+        <p14:creationId xmlns:p14="http://schemas.microsoft.com/office/powerpoint/2010/main" val="3533605638"/>
       </p:ext>
     </p:extLst>
   </p:cSld>
@@ -10958,6 +10976,221 @@
           <a:p>
             <a:r>
               <a:rPr lang="en-US" dirty="0"/>
+              <a:t>Modules</a:t>
+            </a:r>
+            <a:endParaRPr lang="en-BE" dirty="0"/>
+          </a:p>
+        </p:txBody>
+      </p:sp>
+      <p:sp>
+        <p:nvSpPr>
+          <p:cNvPr id="3" name="Content Placeholder 2"/>
+          <p:cNvSpPr>
+            <a:spLocks noGrp="1"/>
+          </p:cNvSpPr>
+          <p:nvPr>
+            <p:ph idx="1"/>
+          </p:nvPr>
+        </p:nvSpPr>
+        <p:spPr/>
+        <p:txBody>
+          <a:bodyPr/>
+          <a:lstStyle/>
+          <a:p>
+            <a:endParaRPr lang="en-BE"/>
+          </a:p>
+        </p:txBody>
+      </p:sp>
+    </p:spTree>
+    <p:extLst>
+      <p:ext uri="{BB962C8B-B14F-4D97-AF65-F5344CB8AC3E}">
+        <p14:creationId xmlns:p14="http://schemas.microsoft.com/office/powerpoint/2010/main" val="1476788318"/>
+      </p:ext>
+    </p:extLst>
+  </p:cSld>
+  <p:clrMapOvr>
+    <a:masterClrMapping/>
+  </p:clrMapOvr>
+</p:sld>
+</file>
+
+<file path=ppt/slides/slide13.xml><?xml version="1.0" encoding="utf-8"?>
+<p:sld xmlns:a="http://schemas.openxmlformats.org/drawingml/2006/main" xmlns:r="http://schemas.openxmlformats.org/officeDocument/2006/relationships" xmlns:p="http://schemas.openxmlformats.org/presentationml/2006/main">
+  <p:cSld>
+    <p:spTree>
+      <p:nvGrpSpPr>
+        <p:cNvPr id="1" name=""/>
+        <p:cNvGrpSpPr/>
+        <p:nvPr/>
+      </p:nvGrpSpPr>
+      <p:grpSpPr>
+        <a:xfrm>
+          <a:off x="0" y="0"/>
+          <a:ext cx="0" cy="0"/>
+          <a:chOff x="0" y="0"/>
+          <a:chExt cx="0" cy="0"/>
+        </a:xfrm>
+      </p:grpSpPr>
+      <p:sp>
+        <p:nvSpPr>
+          <p:cNvPr id="2" name="Title 1"/>
+          <p:cNvSpPr>
+            <a:spLocks noGrp="1"/>
+          </p:cNvSpPr>
+          <p:nvPr>
+            <p:ph type="title"/>
+          </p:nvPr>
+        </p:nvSpPr>
+        <p:spPr/>
+        <p:txBody>
+          <a:bodyPr/>
+          <a:lstStyle/>
+          <a:p>
+            <a:r>
+              <a:rPr lang="en-US" dirty="0"/>
+              <a:t>$Profile</a:t>
+            </a:r>
+            <a:endParaRPr lang="en-BE" dirty="0"/>
+          </a:p>
+        </p:txBody>
+      </p:sp>
+      <p:sp>
+        <p:nvSpPr>
+          <p:cNvPr id="3" name="Content Placeholder 2"/>
+          <p:cNvSpPr>
+            <a:spLocks noGrp="1"/>
+          </p:cNvSpPr>
+          <p:nvPr>
+            <p:ph idx="1"/>
+          </p:nvPr>
+        </p:nvSpPr>
+        <p:spPr/>
+        <p:txBody>
+          <a:bodyPr/>
+          <a:lstStyle/>
+          <a:p>
+            <a:endParaRPr lang="en-BE"/>
+          </a:p>
+        </p:txBody>
+      </p:sp>
+    </p:spTree>
+    <p:extLst>
+      <p:ext uri="{BB962C8B-B14F-4D97-AF65-F5344CB8AC3E}">
+        <p14:creationId xmlns:p14="http://schemas.microsoft.com/office/powerpoint/2010/main" val="2219308533"/>
+      </p:ext>
+    </p:extLst>
+  </p:cSld>
+  <p:clrMapOvr>
+    <a:masterClrMapping/>
+  </p:clrMapOvr>
+</p:sld>
+</file>
+
+<file path=ppt/slides/slide14.xml><?xml version="1.0" encoding="utf-8"?>
+<p:sld xmlns:a="http://schemas.openxmlformats.org/drawingml/2006/main" xmlns:r="http://schemas.openxmlformats.org/officeDocument/2006/relationships" xmlns:p="http://schemas.openxmlformats.org/presentationml/2006/main">
+  <p:cSld>
+    <p:spTree>
+      <p:nvGrpSpPr>
+        <p:cNvPr id="1" name=""/>
+        <p:cNvGrpSpPr/>
+        <p:nvPr/>
+      </p:nvGrpSpPr>
+      <p:grpSpPr>
+        <a:xfrm>
+          <a:off x="0" y="0"/>
+          <a:ext cx="0" cy="0"/>
+          <a:chOff x="0" y="0"/>
+          <a:chExt cx="0" cy="0"/>
+        </a:xfrm>
+      </p:grpSpPr>
+      <p:sp>
+        <p:nvSpPr>
+          <p:cNvPr id="2" name="Title 1"/>
+          <p:cNvSpPr>
+            <a:spLocks noGrp="1"/>
+          </p:cNvSpPr>
+          <p:nvPr>
+            <p:ph type="title"/>
+          </p:nvPr>
+        </p:nvSpPr>
+        <p:spPr/>
+        <p:txBody>
+          <a:bodyPr/>
+          <a:lstStyle/>
+          <a:p>
+            <a:r>
+              <a:rPr lang="en-US" dirty="0"/>
+              <a:t>Useful Tools</a:t>
+            </a:r>
+          </a:p>
+        </p:txBody>
+      </p:sp>
+      <p:sp>
+        <p:nvSpPr>
+          <p:cNvPr id="3" name="Content Placeholder 2"/>
+          <p:cNvSpPr>
+            <a:spLocks noGrp="1"/>
+          </p:cNvSpPr>
+          <p:nvPr>
+            <p:ph idx="1"/>
+          </p:nvPr>
+        </p:nvSpPr>
+        <p:spPr/>
+        <p:txBody>
+          <a:bodyPr/>
+          <a:lstStyle/>
+          <a:p>
+            <a:endParaRPr lang="en-US"/>
+          </a:p>
+        </p:txBody>
+      </p:sp>
+    </p:spTree>
+    <p:extLst>
+      <p:ext uri="{BB962C8B-B14F-4D97-AF65-F5344CB8AC3E}">
+        <p14:creationId xmlns:p14="http://schemas.microsoft.com/office/powerpoint/2010/main" val="435000849"/>
+      </p:ext>
+    </p:extLst>
+  </p:cSld>
+  <p:clrMapOvr>
+    <a:masterClrMapping/>
+  </p:clrMapOvr>
+</p:sld>
+</file>
+
+<file path=ppt/slides/slide15.xml><?xml version="1.0" encoding="utf-8"?>
+<p:sld xmlns:a="http://schemas.openxmlformats.org/drawingml/2006/main" xmlns:r="http://schemas.openxmlformats.org/officeDocument/2006/relationships" xmlns:p="http://schemas.openxmlformats.org/presentationml/2006/main">
+  <p:cSld>
+    <p:spTree>
+      <p:nvGrpSpPr>
+        <p:cNvPr id="1" name=""/>
+        <p:cNvGrpSpPr/>
+        <p:nvPr/>
+      </p:nvGrpSpPr>
+      <p:grpSpPr>
+        <a:xfrm>
+          <a:off x="0" y="0"/>
+          <a:ext cx="0" cy="0"/>
+          <a:chOff x="0" y="0"/>
+          <a:chExt cx="0" cy="0"/>
+        </a:xfrm>
+      </p:grpSpPr>
+      <p:sp>
+        <p:nvSpPr>
+          <p:cNvPr id="2" name="Title 1"/>
+          <p:cNvSpPr>
+            <a:spLocks noGrp="1"/>
+          </p:cNvSpPr>
+          <p:nvPr>
+            <p:ph type="title"/>
+          </p:nvPr>
+        </p:nvSpPr>
+        <p:spPr/>
+        <p:txBody>
+          <a:bodyPr/>
+          <a:lstStyle/>
+          <a:p>
+            <a:r>
+              <a:rPr lang="en-US" dirty="0"/>
               <a:t>PowerShell Core</a:t>
             </a:r>
           </a:p>
@@ -10995,7 +11228,7 @@
 </p:sld>
 </file>
 
-<file path=ppt/slides/slide13.xml><?xml version="1.0" encoding="utf-8"?>
+<file path=ppt/slides/slide16.xml><?xml version="1.0" encoding="utf-8"?>
 <p:sld xmlns:a="http://schemas.openxmlformats.org/drawingml/2006/main" xmlns:r="http://schemas.openxmlformats.org/officeDocument/2006/relationships" xmlns:p="http://schemas.openxmlformats.org/presentationml/2006/main">
   <p:cSld>
     <p:spTree>
@@ -12280,7 +12513,7 @@
 </p:sld>
 </file>
 
-<file path=ppt/slides/slide14.xml><?xml version="1.0" encoding="utf-8"?>
+<file path=ppt/slides/slide17.xml><?xml version="1.0" encoding="utf-8"?>
 <p:sld xmlns:a="http://schemas.openxmlformats.org/drawingml/2006/main" xmlns:r="http://schemas.openxmlformats.org/officeDocument/2006/relationships" xmlns:p="http://schemas.openxmlformats.org/presentationml/2006/main">
   <p:cSld>
     <p:spTree>
@@ -13597,7 +13830,7 @@
 </p:sld>
 </file>
 
-<file path=ppt/slides/slide15.xml><?xml version="1.0" encoding="utf-8"?>
+<file path=ppt/slides/slide18.xml><?xml version="1.0" encoding="utf-8"?>
 <p:sld xmlns:a="http://schemas.openxmlformats.org/drawingml/2006/main" xmlns:r="http://schemas.openxmlformats.org/officeDocument/2006/relationships" xmlns:p="http://schemas.openxmlformats.org/presentationml/2006/main">
   <p:cSld>
     <p:spTree>
@@ -14918,7 +15151,7 @@
 </p:sld>
 </file>
 
-<file path=ppt/slides/slide16.xml><?xml version="1.0" encoding="utf-8"?>
+<file path=ppt/slides/slide19.xml><?xml version="1.0" encoding="utf-8"?>
 <p:sld xmlns:a="http://schemas.openxmlformats.org/drawingml/2006/main" xmlns:r="http://schemas.openxmlformats.org/officeDocument/2006/relationships" xmlns:p="http://schemas.openxmlformats.org/presentationml/2006/main">
   <p:cSld>
     <p:spTree>
@@ -15020,7 +15253,145 @@
 </p:sld>
 </file>
 
-<file path=ppt/slides/slide17.xml><?xml version="1.0" encoding="utf-8"?>
+<file path=ppt/slides/slide2.xml><?xml version="1.0" encoding="utf-8"?>
+<p:sld xmlns:a="http://schemas.openxmlformats.org/drawingml/2006/main" xmlns:r="http://schemas.openxmlformats.org/officeDocument/2006/relationships" xmlns:p="http://schemas.openxmlformats.org/presentationml/2006/main">
+  <p:cSld>
+    <p:spTree>
+      <p:nvGrpSpPr>
+        <p:cNvPr id="1" name=""/>
+        <p:cNvGrpSpPr/>
+        <p:nvPr/>
+      </p:nvGrpSpPr>
+      <p:grpSpPr>
+        <a:xfrm>
+          <a:off x="0" y="0"/>
+          <a:ext cx="0" cy="0"/>
+          <a:chOff x="0" y="0"/>
+          <a:chExt cx="0" cy="0"/>
+        </a:xfrm>
+      </p:grpSpPr>
+      <p:sp>
+        <p:nvSpPr>
+          <p:cNvPr id="2" name="Title 1"/>
+          <p:cNvSpPr>
+            <a:spLocks noGrp="1"/>
+          </p:cNvSpPr>
+          <p:nvPr>
+            <p:ph type="title"/>
+          </p:nvPr>
+        </p:nvSpPr>
+        <p:spPr/>
+        <p:txBody>
+          <a:bodyPr/>
+          <a:lstStyle/>
+          <a:p>
+            <a:r>
+              <a:rPr lang="en-US" dirty="0"/>
+              <a:t>Basic PowerShell</a:t>
+            </a:r>
+          </a:p>
+        </p:txBody>
+      </p:sp>
+      <p:sp>
+        <p:nvSpPr>
+          <p:cNvPr id="3" name="Content Placeholder 2"/>
+          <p:cNvSpPr>
+            <a:spLocks noGrp="1"/>
+          </p:cNvSpPr>
+          <p:nvPr>
+            <p:ph idx="1"/>
+          </p:nvPr>
+        </p:nvSpPr>
+        <p:spPr/>
+        <p:txBody>
+          <a:bodyPr/>
+          <a:lstStyle/>
+          <a:p>
+            <a:pPr>
+              <a:buFont typeface="Arial" charset="0"/>
+              <a:buChar char="•"/>
+            </a:pPr>
+            <a:r>
+              <a:rPr lang="en-US" dirty="0"/>
+              <a:t>What</a:t>
+            </a:r>
+          </a:p>
+          <a:p>
+            <a:pPr>
+              <a:buFont typeface="Arial" charset="0"/>
+              <a:buChar char="•"/>
+            </a:pPr>
+            <a:r>
+              <a:rPr lang="en-US" dirty="0"/>
+              <a:t>History</a:t>
+            </a:r>
+          </a:p>
+          <a:p>
+            <a:pPr>
+              <a:buFont typeface="Arial" charset="0"/>
+              <a:buChar char="•"/>
+            </a:pPr>
+            <a:r>
+              <a:rPr lang="en-US" dirty="0"/>
+              <a:t>Basic usage</a:t>
+            </a:r>
+          </a:p>
+          <a:p>
+            <a:pPr>
+              <a:buFont typeface="Arial" charset="0"/>
+              <a:buChar char="•"/>
+            </a:pPr>
+            <a:r>
+              <a:rPr lang="en-US" dirty="0"/>
+              <a:t>Functions and Modules</a:t>
+            </a:r>
+          </a:p>
+          <a:p>
+            <a:pPr>
+              <a:buFont typeface="Arial" charset="0"/>
+              <a:buChar char="•"/>
+            </a:pPr>
+            <a:r>
+              <a:rPr lang="en-US" dirty="0"/>
+              <a:t>Useful Tools</a:t>
+            </a:r>
+          </a:p>
+          <a:p>
+            <a:pPr>
+              <a:buFont typeface="Arial" charset="0"/>
+              <a:buChar char="•"/>
+            </a:pPr>
+            <a:r>
+              <a:rPr lang="en-US" dirty="0"/>
+              <a:t>PowerShell Core</a:t>
+            </a:r>
+          </a:p>
+          <a:p>
+            <a:pPr>
+              <a:buFont typeface="Arial" charset="0"/>
+              <a:buChar char="•"/>
+            </a:pPr>
+            <a:r>
+              <a:rPr lang="en-US" dirty="0"/>
+              <a:t>Q &amp; A</a:t>
+            </a:r>
+          </a:p>
+        </p:txBody>
+      </p:sp>
+    </p:spTree>
+    <p:extLst>
+      <p:ext uri="{BB962C8B-B14F-4D97-AF65-F5344CB8AC3E}">
+        <p14:creationId xmlns:p14="http://schemas.microsoft.com/office/powerpoint/2010/main" val="962515605"/>
+      </p:ext>
+    </p:extLst>
+  </p:cSld>
+  <p:clrMapOvr>
+    <a:masterClrMapping/>
+  </p:clrMapOvr>
+</p:sld>
+</file>
+
+<file path=ppt/slides/slide20.xml><?xml version="1.0" encoding="utf-8"?>
 <p:sld xmlns:a="http://schemas.openxmlformats.org/drawingml/2006/main" xmlns:r="http://schemas.openxmlformats.org/officeDocument/2006/relationships" xmlns:p="http://schemas.openxmlformats.org/presentationml/2006/main">
   <p:cSld>
     <p:spTree>
@@ -15105,7 +15476,7 @@
           <a:graphicData uri="http://schemas.openxmlformats.org/presentationml/2006/ole">
             <mc:AlternateContent xmlns:mc="http://schemas.openxmlformats.org/markup-compatibility/2006">
               <mc:Choice xmlns:v="urn:schemas-microsoft-com:vml" Requires="v">
-                <p:oleObj spid="_x0000_s34847" r:id="rId3" imgW="8039959" imgH="4681341" progId="Excel.Chart.8">
+                <p:oleObj spid="_x0000_s34850" r:id="rId3" imgW="8039959" imgH="4681341" progId="Excel.Chart.8">
                   <p:embed/>
                 </p:oleObj>
               </mc:Choice>
@@ -15341,7 +15712,7 @@
 </p:sld>
 </file>
 
-<file path=ppt/slides/slide18.xml><?xml version="1.0" encoding="utf-8"?>
+<file path=ppt/slides/slide21.xml><?xml version="1.0" encoding="utf-8"?>
 <p:sld xmlns:a="http://schemas.openxmlformats.org/drawingml/2006/main" xmlns:r="http://schemas.openxmlformats.org/officeDocument/2006/relationships" xmlns:p="http://schemas.openxmlformats.org/presentationml/2006/main">
   <p:cSld>
     <p:spTree>
@@ -15469,7 +15840,7 @@
           <a:graphicData uri="http://schemas.openxmlformats.org/presentationml/2006/ole">
             <mc:AlternateContent xmlns:mc="http://schemas.openxmlformats.org/markup-compatibility/2006">
               <mc:Choice xmlns:v="urn:schemas-microsoft-com:vml" Requires="v">
-                <p:oleObj spid="_x0000_s35872" r:id="rId3" imgW="8033864" imgH="4681341" progId="Excel.Chart.8">
+                <p:oleObj spid="_x0000_s35875" r:id="rId3" imgW="8033864" imgH="4681341" progId="Excel.Chart.8">
                   <p:embed/>
                 </p:oleObj>
               </mc:Choice>
@@ -15705,7 +16076,7 @@
 </p:sld>
 </file>
 
-<file path=ppt/slides/slide19.xml><?xml version="1.0" encoding="utf-8"?>
+<file path=ppt/slides/slide22.xml><?xml version="1.0" encoding="utf-8"?>
 <p:sld xmlns:a="http://schemas.openxmlformats.org/drawingml/2006/main" xmlns:r="http://schemas.openxmlformats.org/officeDocument/2006/relationships" xmlns:p="http://schemas.openxmlformats.org/presentationml/2006/main">
   <p:cSld>
     <p:spTree>
@@ -15790,7 +16161,7 @@
           <a:graphicData uri="http://schemas.openxmlformats.org/presentationml/2006/ole">
             <mc:AlternateContent xmlns:mc="http://schemas.openxmlformats.org/markup-compatibility/2006">
               <mc:Choice xmlns:v="urn:schemas-microsoft-com:vml" Requires="v">
-                <p:oleObj spid="_x0000_s36895" r:id="rId3" imgW="8039959" imgH="4681341" progId="Excel.Chart.8">
+                <p:oleObj spid="_x0000_s36898" r:id="rId3" imgW="8039959" imgH="4681341" progId="Excel.Chart.8">
                   <p:embed/>
                 </p:oleObj>
               </mc:Choice>
@@ -16026,145 +16397,7 @@
 </p:sld>
 </file>
 
-<file path=ppt/slides/slide2.xml><?xml version="1.0" encoding="utf-8"?>
-<p:sld xmlns:a="http://schemas.openxmlformats.org/drawingml/2006/main" xmlns:r="http://schemas.openxmlformats.org/officeDocument/2006/relationships" xmlns:p="http://schemas.openxmlformats.org/presentationml/2006/main">
-  <p:cSld>
-    <p:spTree>
-      <p:nvGrpSpPr>
-        <p:cNvPr id="1" name=""/>
-        <p:cNvGrpSpPr/>
-        <p:nvPr/>
-      </p:nvGrpSpPr>
-      <p:grpSpPr>
-        <a:xfrm>
-          <a:off x="0" y="0"/>
-          <a:ext cx="0" cy="0"/>
-          <a:chOff x="0" y="0"/>
-          <a:chExt cx="0" cy="0"/>
-        </a:xfrm>
-      </p:grpSpPr>
-      <p:sp>
-        <p:nvSpPr>
-          <p:cNvPr id="2" name="Title 1"/>
-          <p:cNvSpPr>
-            <a:spLocks noGrp="1"/>
-          </p:cNvSpPr>
-          <p:nvPr>
-            <p:ph type="title"/>
-          </p:nvPr>
-        </p:nvSpPr>
-        <p:spPr/>
-        <p:txBody>
-          <a:bodyPr/>
-          <a:lstStyle/>
-          <a:p>
-            <a:r>
-              <a:rPr lang="en-US" dirty="0"/>
-              <a:t>Basic PowerShell</a:t>
-            </a:r>
-          </a:p>
-        </p:txBody>
-      </p:sp>
-      <p:sp>
-        <p:nvSpPr>
-          <p:cNvPr id="3" name="Content Placeholder 2"/>
-          <p:cNvSpPr>
-            <a:spLocks noGrp="1"/>
-          </p:cNvSpPr>
-          <p:nvPr>
-            <p:ph idx="1"/>
-          </p:nvPr>
-        </p:nvSpPr>
-        <p:spPr/>
-        <p:txBody>
-          <a:bodyPr/>
-          <a:lstStyle/>
-          <a:p>
-            <a:pPr>
-              <a:buFont typeface="Arial" charset="0"/>
-              <a:buChar char="•"/>
-            </a:pPr>
-            <a:r>
-              <a:rPr lang="en-US" dirty="0"/>
-              <a:t>What</a:t>
-            </a:r>
-          </a:p>
-          <a:p>
-            <a:pPr>
-              <a:buFont typeface="Arial" charset="0"/>
-              <a:buChar char="•"/>
-            </a:pPr>
-            <a:r>
-              <a:rPr lang="en-US" dirty="0"/>
-              <a:t>History</a:t>
-            </a:r>
-          </a:p>
-          <a:p>
-            <a:pPr>
-              <a:buFont typeface="Arial" charset="0"/>
-              <a:buChar char="•"/>
-            </a:pPr>
-            <a:r>
-              <a:rPr lang="en-US" dirty="0"/>
-              <a:t>Basic usage</a:t>
-            </a:r>
-          </a:p>
-          <a:p>
-            <a:pPr>
-              <a:buFont typeface="Arial" charset="0"/>
-              <a:buChar char="•"/>
-            </a:pPr>
-            <a:r>
-              <a:rPr lang="en-US" dirty="0"/>
-              <a:t>Functions and Modules</a:t>
-            </a:r>
-          </a:p>
-          <a:p>
-            <a:pPr>
-              <a:buFont typeface="Arial" charset="0"/>
-              <a:buChar char="•"/>
-            </a:pPr>
-            <a:r>
-              <a:rPr lang="en-US" dirty="0"/>
-              <a:t>Useful Tools</a:t>
-            </a:r>
-          </a:p>
-          <a:p>
-            <a:pPr>
-              <a:buFont typeface="Arial" charset="0"/>
-              <a:buChar char="•"/>
-            </a:pPr>
-            <a:r>
-              <a:rPr lang="en-US" dirty="0"/>
-              <a:t>PowerShell Core</a:t>
-            </a:r>
-          </a:p>
-          <a:p>
-            <a:pPr>
-              <a:buFont typeface="Arial" charset="0"/>
-              <a:buChar char="•"/>
-            </a:pPr>
-            <a:r>
-              <a:rPr lang="en-US" dirty="0"/>
-              <a:t>Q &amp; A</a:t>
-            </a:r>
-          </a:p>
-        </p:txBody>
-      </p:sp>
-    </p:spTree>
-    <p:extLst>
-      <p:ext uri="{BB962C8B-B14F-4D97-AF65-F5344CB8AC3E}">
-        <p14:creationId xmlns:p14="http://schemas.microsoft.com/office/powerpoint/2010/main" val="962515605"/>
-      </p:ext>
-    </p:extLst>
-  </p:cSld>
-  <p:clrMapOvr>
-    <a:masterClrMapping/>
-  </p:clrMapOvr>
-</p:sld>
-</file>
-
-<file path=ppt/slides/slide20.xml><?xml version="1.0" encoding="utf-8"?>
+<file path=ppt/slides/slide23.xml><?xml version="1.0" encoding="utf-8"?>
 <p:sld xmlns:a="http://schemas.openxmlformats.org/drawingml/2006/main" xmlns:r="http://schemas.openxmlformats.org/officeDocument/2006/relationships" xmlns:p="http://schemas.openxmlformats.org/presentationml/2006/main">
   <p:cSld>
     <p:spTree>
@@ -16292,7 +16525,7 @@
           <a:graphicData uri="http://schemas.openxmlformats.org/presentationml/2006/ole">
             <mc:AlternateContent xmlns:mc="http://schemas.openxmlformats.org/markup-compatibility/2006">
               <mc:Choice xmlns:v="urn:schemas-microsoft-com:vml" Requires="v">
-                <p:oleObj spid="_x0000_s37920" r:id="rId3" imgW="8033864" imgH="4681341" progId="Excel.Chart.8">
+                <p:oleObj spid="_x0000_s37923" r:id="rId3" imgW="8033864" imgH="4681341" progId="Excel.Chart.8">
                   <p:embed/>
                 </p:oleObj>
               </mc:Choice>
@@ -16528,7 +16761,7 @@
 </p:sld>
 </file>
 
-<file path=ppt/slides/slide21.xml><?xml version="1.0" encoding="utf-8"?>
+<file path=ppt/slides/slide24.xml><?xml version="1.0" encoding="utf-8"?>
 <p:sld xmlns:a="http://schemas.openxmlformats.org/drawingml/2006/main" xmlns:r="http://schemas.openxmlformats.org/officeDocument/2006/relationships" xmlns:p="http://schemas.openxmlformats.org/presentationml/2006/main">
   <p:cSld>
     <p:spTree>
@@ -16656,7 +16889,7 @@
           <a:graphicData uri="http://schemas.openxmlformats.org/presentationml/2006/ole">
             <mc:AlternateContent xmlns:mc="http://schemas.openxmlformats.org/markup-compatibility/2006">
               <mc:Choice xmlns:v="urn:schemas-microsoft-com:vml" Requires="v">
-                <p:oleObj spid="_x0000_s38944" r:id="rId3" imgW="8033864" imgH="4681341" progId="Excel.Chart.8">
+                <p:oleObj spid="_x0000_s38947" r:id="rId3" imgW="8033864" imgH="4681341" progId="Excel.Chart.8">
                   <p:embed/>
                 </p:oleObj>
               </mc:Choice>
@@ -16892,7 +17125,7 @@
 </p:sld>
 </file>
 
-<file path=ppt/slides/slide22.xml><?xml version="1.0" encoding="utf-8"?>
+<file path=ppt/slides/slide25.xml><?xml version="1.0" encoding="utf-8"?>
 <p:sld xmlns:a="http://schemas.openxmlformats.org/drawingml/2006/main" xmlns:r="http://schemas.openxmlformats.org/officeDocument/2006/relationships" xmlns:p="http://schemas.openxmlformats.org/presentationml/2006/main">
   <p:cSld>
     <p:spTree>
@@ -17020,7 +17253,7 @@
           <a:graphicData uri="http://schemas.openxmlformats.org/presentationml/2006/ole">
             <mc:AlternateContent xmlns:mc="http://schemas.openxmlformats.org/markup-compatibility/2006">
               <mc:Choice xmlns:v="urn:schemas-microsoft-com:vml" Requires="v">
-                <p:oleObj spid="_x0000_s39968" r:id="rId3" imgW="8033864" imgH="4681341" progId="Excel.Chart.8">
+                <p:oleObj spid="_x0000_s39971" r:id="rId3" imgW="8033864" imgH="4681341" progId="Excel.Chart.8">
                   <p:embed/>
                 </p:oleObj>
               </mc:Choice>
@@ -17256,7 +17489,7 @@
 </p:sld>
 </file>
 
-<file path=ppt/slides/slide23.xml><?xml version="1.0" encoding="utf-8"?>
+<file path=ppt/slides/slide26.xml><?xml version="1.0" encoding="utf-8"?>
 <p:sld xmlns:a="http://schemas.openxmlformats.org/drawingml/2006/main" xmlns:r="http://schemas.openxmlformats.org/officeDocument/2006/relationships" xmlns:p="http://schemas.openxmlformats.org/presentationml/2006/main">
   <p:cSld>
     <p:spTree>
@@ -17486,7 +17719,7 @@
 </p:sld>
 </file>
 
-<file path=ppt/slides/slide24.xml><?xml version="1.0" encoding="utf-8"?>
+<file path=ppt/slides/slide27.xml><?xml version="1.0" encoding="utf-8"?>
 <p:sld xmlns:a="http://schemas.openxmlformats.org/drawingml/2006/main" xmlns:r="http://schemas.openxmlformats.org/officeDocument/2006/relationships" xmlns:p="http://schemas.openxmlformats.org/presentationml/2006/main">
   <p:cSld>
     <p:spTree>
@@ -17595,7 +17828,7 @@
 </p:sld>
 </file>
 
-<file path=ppt/slides/slide25.xml><?xml version="1.0" encoding="utf-8"?>
+<file path=ppt/slides/slide28.xml><?xml version="1.0" encoding="utf-8"?>
 <p:sld xmlns:a="http://schemas.openxmlformats.org/drawingml/2006/main" xmlns:r="http://schemas.openxmlformats.org/officeDocument/2006/relationships" xmlns:p="http://schemas.openxmlformats.org/presentationml/2006/main">
   <p:cSld>
     <p:spTree>
@@ -17677,7 +17910,7 @@
           <a:graphicData uri="http://schemas.openxmlformats.org/presentationml/2006/ole">
             <mc:AlternateContent xmlns:mc="http://schemas.openxmlformats.org/markup-compatibility/2006">
               <mc:Choice xmlns:v="urn:schemas-microsoft-com:vml" Requires="v">
-                <p:oleObj spid="_x0000_s43038" r:id="rId3" imgW="8039959" imgH="4681341" progId="Excel.Chart.8">
+                <p:oleObj spid="_x0000_s43041" r:id="rId3" imgW="8039959" imgH="4681341" progId="Excel.Chart.8">
                   <p:embed/>
                 </p:oleObj>
               </mc:Choice>
@@ -17752,7 +17985,7 @@
 </p:sld>
 </file>
 
-<file path=ppt/slides/slide26.xml><?xml version="1.0" encoding="utf-8"?>
+<file path=ppt/slides/slide29.xml><?xml version="1.0" encoding="utf-8"?>
 <p:sld xmlns:a="http://schemas.openxmlformats.org/drawingml/2006/main" xmlns:r="http://schemas.openxmlformats.org/officeDocument/2006/relationships" xmlns:p="http://schemas.openxmlformats.org/presentationml/2006/main">
   <p:cSld>
     <p:spTree>
@@ -17834,7 +18067,7 @@
           <a:graphicData uri="http://schemas.openxmlformats.org/presentationml/2006/ole">
             <mc:AlternateContent xmlns:mc="http://schemas.openxmlformats.org/markup-compatibility/2006">
               <mc:Choice xmlns:v="urn:schemas-microsoft-com:vml" Requires="v">
-                <p:oleObj spid="_x0000_s44062" r:id="rId3" imgW="8039959" imgH="4681341" progId="Excel.Chart.8">
+                <p:oleObj spid="_x0000_s44065" r:id="rId3" imgW="8039959" imgH="4681341" progId="Excel.Chart.8">
                   <p:embed/>
                 </p:oleObj>
               </mc:Choice>
@@ -17909,7 +18142,132 @@
 </p:sld>
 </file>
 
-<file path=ppt/slides/slide27.xml><?xml version="1.0" encoding="utf-8"?>
+<file path=ppt/slides/slide3.xml><?xml version="1.0" encoding="utf-8"?>
+<p:sld xmlns:a="http://schemas.openxmlformats.org/drawingml/2006/main" xmlns:r="http://schemas.openxmlformats.org/officeDocument/2006/relationships" xmlns:p="http://schemas.openxmlformats.org/presentationml/2006/main">
+  <p:cSld>
+    <p:spTree>
+      <p:nvGrpSpPr>
+        <p:cNvPr id="1" name=""/>
+        <p:cNvGrpSpPr/>
+        <p:nvPr/>
+      </p:nvGrpSpPr>
+      <p:grpSpPr>
+        <a:xfrm>
+          <a:off x="0" y="0"/>
+          <a:ext cx="0" cy="0"/>
+          <a:chOff x="0" y="0"/>
+          <a:chExt cx="0" cy="0"/>
+        </a:xfrm>
+      </p:grpSpPr>
+      <p:sp>
+        <p:nvSpPr>
+          <p:cNvPr id="2" name="Title 1"/>
+          <p:cNvSpPr>
+            <a:spLocks noGrp="1"/>
+          </p:cNvSpPr>
+          <p:nvPr>
+            <p:ph type="title"/>
+          </p:nvPr>
+        </p:nvSpPr>
+        <p:spPr/>
+        <p:txBody>
+          <a:bodyPr/>
+          <a:lstStyle/>
+          <a:p>
+            <a:r>
+              <a:rPr lang="en-US" dirty="0"/>
+              <a:t>What</a:t>
+            </a:r>
+          </a:p>
+        </p:txBody>
+      </p:sp>
+      <p:sp>
+        <p:nvSpPr>
+          <p:cNvPr id="3" name="Content Placeholder 2"/>
+          <p:cNvSpPr>
+            <a:spLocks noGrp="1"/>
+          </p:cNvSpPr>
+          <p:nvPr>
+            <p:ph idx="1"/>
+          </p:nvPr>
+        </p:nvSpPr>
+        <p:spPr/>
+        <p:txBody>
+          <a:bodyPr/>
+          <a:lstStyle/>
+          <a:p>
+            <a:pPr>
+              <a:lnSpc>
+                <a:spcPct val="150000"/>
+              </a:lnSpc>
+            </a:pPr>
+            <a:r>
+              <a:rPr lang="en-US" sz="1800" dirty="0"/>
+              <a:t>What is PowerShell?</a:t>
+            </a:r>
+          </a:p>
+          <a:p>
+            <a:pPr lvl="1">
+              <a:lnSpc>
+                <a:spcPct val="150000"/>
+              </a:lnSpc>
+              <a:buFont typeface="Arial" panose="020B0604020202020204" pitchFamily="34" charset="0"/>
+              <a:buChar char="•"/>
+            </a:pPr>
+            <a:r>
+              <a:rPr lang="en-US" sz="1800" dirty="0"/>
+              <a:t>An object oriented scripting and shell language.</a:t>
+            </a:r>
+          </a:p>
+          <a:p>
+            <a:pPr lvl="1">
+              <a:lnSpc>
+                <a:spcPct val="150000"/>
+              </a:lnSpc>
+              <a:buFont typeface="Arial" panose="020B0604020202020204" pitchFamily="34" charset="0"/>
+              <a:buChar char="•"/>
+            </a:pPr>
+            <a:r>
+              <a:rPr lang="en-US" sz="1800" dirty="0"/>
+              <a:t>Designed for task automation and configuration management.</a:t>
+            </a:r>
+          </a:p>
+          <a:p>
+            <a:pPr lvl="1">
+              <a:lnSpc>
+                <a:spcPct val="150000"/>
+              </a:lnSpc>
+              <a:buFont typeface="Arial" panose="020B0604020202020204" pitchFamily="34" charset="0"/>
+              <a:buChar char="•"/>
+            </a:pPr>
+            <a:r>
+              <a:rPr lang="en-US" sz="1800" dirty="0"/>
+              <a:t>Based on the .NET framework where cmdlets represent small classes as system commands.</a:t>
+            </a:r>
+          </a:p>
+          <a:p>
+            <a:pPr>
+              <a:buFont typeface="Arial" panose="020B0604020202020204" pitchFamily="34" charset="0"/>
+              <a:buChar char="•"/>
+            </a:pPr>
+            <a:endParaRPr lang="en-US" dirty="0"/>
+          </a:p>
+        </p:txBody>
+      </p:sp>
+    </p:spTree>
+    <p:extLst>
+      <p:ext uri="{BB962C8B-B14F-4D97-AF65-F5344CB8AC3E}">
+        <p14:creationId xmlns:p14="http://schemas.microsoft.com/office/powerpoint/2010/main" val="867939493"/>
+      </p:ext>
+    </p:extLst>
+  </p:cSld>
+  <p:clrMapOvr>
+    <a:masterClrMapping/>
+  </p:clrMapOvr>
+</p:sld>
+</file>
+
+<file path=ppt/slides/slide30.xml><?xml version="1.0" encoding="utf-8"?>
 <p:sld xmlns:a="http://schemas.openxmlformats.org/drawingml/2006/main" xmlns:r="http://schemas.openxmlformats.org/officeDocument/2006/relationships" xmlns:p="http://schemas.openxmlformats.org/presentationml/2006/main">
   <p:cSld>
     <p:spTree>
@@ -17991,7 +18349,7 @@
           <a:graphicData uri="http://schemas.openxmlformats.org/presentationml/2006/ole">
             <mc:AlternateContent xmlns:mc="http://schemas.openxmlformats.org/markup-compatibility/2006">
               <mc:Choice xmlns:v="urn:schemas-microsoft-com:vml" Requires="v">
-                <p:oleObj spid="_x0000_s45086" r:id="rId3" imgW="8039959" imgH="4681341" progId="Excel.Chart.8">
+                <p:oleObj spid="_x0000_s45089" r:id="rId3" imgW="8039959" imgH="4681341" progId="Excel.Chart.8">
                   <p:embed/>
                 </p:oleObj>
               </mc:Choice>
@@ -18066,7 +18424,7 @@
 </p:sld>
 </file>
 
-<file path=ppt/slides/slide28.xml><?xml version="1.0" encoding="utf-8"?>
+<file path=ppt/slides/slide31.xml><?xml version="1.0" encoding="utf-8"?>
 <p:sld xmlns:a="http://schemas.openxmlformats.org/drawingml/2006/main" xmlns:r="http://schemas.openxmlformats.org/officeDocument/2006/relationships" xmlns:p="http://schemas.openxmlformats.org/presentationml/2006/main">
   <p:cSld>
     <p:spTree>
@@ -18799,7 +19157,7 @@
 </p:sld>
 </file>
 
-<file path=ppt/slides/slide29.xml><?xml version="1.0" encoding="utf-8"?>
+<file path=ppt/slides/slide32.xml><?xml version="1.0" encoding="utf-8"?>
 <p:sld xmlns:a="http://schemas.openxmlformats.org/drawingml/2006/main" xmlns:r="http://schemas.openxmlformats.org/officeDocument/2006/relationships" xmlns:p="http://schemas.openxmlformats.org/presentationml/2006/main">
   <p:cSld>
     <p:spTree>
@@ -18952,132 +19310,7 @@
 </p:sld>
 </file>
 
-<file path=ppt/slides/slide3.xml><?xml version="1.0" encoding="utf-8"?>
-<p:sld xmlns:a="http://schemas.openxmlformats.org/drawingml/2006/main" xmlns:r="http://schemas.openxmlformats.org/officeDocument/2006/relationships" xmlns:p="http://schemas.openxmlformats.org/presentationml/2006/main">
-  <p:cSld>
-    <p:spTree>
-      <p:nvGrpSpPr>
-        <p:cNvPr id="1" name=""/>
-        <p:cNvGrpSpPr/>
-        <p:nvPr/>
-      </p:nvGrpSpPr>
-      <p:grpSpPr>
-        <a:xfrm>
-          <a:off x="0" y="0"/>
-          <a:ext cx="0" cy="0"/>
-          <a:chOff x="0" y="0"/>
-          <a:chExt cx="0" cy="0"/>
-        </a:xfrm>
-      </p:grpSpPr>
-      <p:sp>
-        <p:nvSpPr>
-          <p:cNvPr id="2" name="Title 1"/>
-          <p:cNvSpPr>
-            <a:spLocks noGrp="1"/>
-          </p:cNvSpPr>
-          <p:nvPr>
-            <p:ph type="title"/>
-          </p:nvPr>
-        </p:nvSpPr>
-        <p:spPr/>
-        <p:txBody>
-          <a:bodyPr/>
-          <a:lstStyle/>
-          <a:p>
-            <a:r>
-              <a:rPr lang="en-US" dirty="0"/>
-              <a:t>What</a:t>
-            </a:r>
-          </a:p>
-        </p:txBody>
-      </p:sp>
-      <p:sp>
-        <p:nvSpPr>
-          <p:cNvPr id="3" name="Content Placeholder 2"/>
-          <p:cNvSpPr>
-            <a:spLocks noGrp="1"/>
-          </p:cNvSpPr>
-          <p:nvPr>
-            <p:ph idx="1"/>
-          </p:nvPr>
-        </p:nvSpPr>
-        <p:spPr/>
-        <p:txBody>
-          <a:bodyPr/>
-          <a:lstStyle/>
-          <a:p>
-            <a:pPr>
-              <a:lnSpc>
-                <a:spcPct val="150000"/>
-              </a:lnSpc>
-            </a:pPr>
-            <a:r>
-              <a:rPr lang="en-US" sz="1800" dirty="0"/>
-              <a:t>What is PowerShell?</a:t>
-            </a:r>
-          </a:p>
-          <a:p>
-            <a:pPr lvl="1">
-              <a:lnSpc>
-                <a:spcPct val="150000"/>
-              </a:lnSpc>
-              <a:buFont typeface="Arial" panose="020B0604020202020204" pitchFamily="34" charset="0"/>
-              <a:buChar char="•"/>
-            </a:pPr>
-            <a:r>
-              <a:rPr lang="en-US" sz="1800" dirty="0"/>
-              <a:t>An object oriented scripting and shell language.</a:t>
-            </a:r>
-          </a:p>
-          <a:p>
-            <a:pPr lvl="1">
-              <a:lnSpc>
-                <a:spcPct val="150000"/>
-              </a:lnSpc>
-              <a:buFont typeface="Arial" panose="020B0604020202020204" pitchFamily="34" charset="0"/>
-              <a:buChar char="•"/>
-            </a:pPr>
-            <a:r>
-              <a:rPr lang="en-US" sz="1800" dirty="0"/>
-              <a:t>Designed for task automation and configuration management.</a:t>
-            </a:r>
-          </a:p>
-          <a:p>
-            <a:pPr lvl="1">
-              <a:lnSpc>
-                <a:spcPct val="150000"/>
-              </a:lnSpc>
-              <a:buFont typeface="Arial" panose="020B0604020202020204" pitchFamily="34" charset="0"/>
-              <a:buChar char="•"/>
-            </a:pPr>
-            <a:r>
-              <a:rPr lang="en-US" sz="1800" dirty="0"/>
-              <a:t>Based on the .NET framework where cmdlets represent small classes as system commands.</a:t>
-            </a:r>
-          </a:p>
-          <a:p>
-            <a:pPr>
-              <a:buFont typeface="Arial" panose="020B0604020202020204" pitchFamily="34" charset="0"/>
-              <a:buChar char="•"/>
-            </a:pPr>
-            <a:endParaRPr lang="en-US" dirty="0"/>
-          </a:p>
-        </p:txBody>
-      </p:sp>
-    </p:spTree>
-    <p:extLst>
-      <p:ext uri="{BB962C8B-B14F-4D97-AF65-F5344CB8AC3E}">
-        <p14:creationId xmlns:p14="http://schemas.microsoft.com/office/powerpoint/2010/main" val="867939493"/>
-      </p:ext>
-    </p:extLst>
-  </p:cSld>
-  <p:clrMapOvr>
-    <a:masterClrMapping/>
-  </p:clrMapOvr>
-</p:sld>
-</file>
-
-<file path=ppt/slides/slide30.xml><?xml version="1.0" encoding="utf-8"?>
+<file path=ppt/slides/slide33.xml><?xml version="1.0" encoding="utf-8"?>
 <p:sld xmlns:a="http://schemas.openxmlformats.org/drawingml/2006/main" xmlns:r="http://schemas.openxmlformats.org/officeDocument/2006/relationships" xmlns:p="http://schemas.openxmlformats.org/presentationml/2006/main">
   <p:cSld>
     <p:spTree>
@@ -19845,7 +20078,7 @@
 </p:sld>
 </file>
 
-<file path=ppt/slides/slide31.xml><?xml version="1.0" encoding="utf-8"?>
+<file path=ppt/slides/slide34.xml><?xml version="1.0" encoding="utf-8"?>
 <p:sld xmlns:a="http://schemas.openxmlformats.org/drawingml/2006/main" xmlns:r="http://schemas.openxmlformats.org/officeDocument/2006/relationships" xmlns:p="http://schemas.openxmlformats.org/presentationml/2006/main">
   <p:cSld>
     <p:spTree>
@@ -20516,7 +20749,7 @@
 </p:sld>
 </file>
 
-<file path=ppt/slides/slide32.xml><?xml version="1.0" encoding="utf-8"?>
+<file path=ppt/slides/slide35.xml><?xml version="1.0" encoding="utf-8"?>
 <p:sld xmlns:a="http://schemas.openxmlformats.org/drawingml/2006/main" xmlns:r="http://schemas.openxmlformats.org/officeDocument/2006/relationships" xmlns:p="http://schemas.openxmlformats.org/presentationml/2006/main">
   <p:cSld>
     <p:spTree>
@@ -20701,7 +20934,7 @@
 </p:sld>
 </file>
 
-<file path=ppt/slides/slide33.xml><?xml version="1.0" encoding="utf-8"?>
+<file path=ppt/slides/slide36.xml><?xml version="1.0" encoding="utf-8"?>
 <p:sld xmlns:a="http://schemas.openxmlformats.org/drawingml/2006/main" xmlns:r="http://schemas.openxmlformats.org/officeDocument/2006/relationships" xmlns:p="http://schemas.openxmlformats.org/presentationml/2006/main">
   <p:cSld>
     <p:spTree>
@@ -21566,7 +21799,7 @@
 </p:sld>
 </file>
 
-<file path=ppt/slides/slide34.xml><?xml version="1.0" encoding="utf-8"?>
+<file path=ppt/slides/slide37.xml><?xml version="1.0" encoding="utf-8"?>
 <p:sld xmlns:a="http://schemas.openxmlformats.org/drawingml/2006/main" xmlns:r="http://schemas.openxmlformats.org/officeDocument/2006/relationships" xmlns:p="http://schemas.openxmlformats.org/presentationml/2006/main">
   <p:cSld>
     <p:spTree>
@@ -21603,7 +21836,7 @@
 </p:sld>
 </file>
 
-<file path=ppt/slides/slide35.xml><?xml version="1.0" encoding="utf-8"?>
+<file path=ppt/slides/slide38.xml><?xml version="1.0" encoding="utf-8"?>
 <p:sld xmlns:a="http://schemas.openxmlformats.org/drawingml/2006/main" xmlns:r="http://schemas.openxmlformats.org/officeDocument/2006/relationships" xmlns:p="http://schemas.openxmlformats.org/presentationml/2006/main">
   <p:cSld>
     <p:spTree>
@@ -21690,7 +21923,7 @@
 </p:sld>
 </file>
 
-<file path=ppt/slides/slide36.xml><?xml version="1.0" encoding="utf-8"?>
+<file path=ppt/slides/slide39.xml><?xml version="1.0" encoding="utf-8"?>
 <p:sld xmlns:a="http://schemas.openxmlformats.org/drawingml/2006/main" xmlns:r="http://schemas.openxmlformats.org/officeDocument/2006/relationships" xmlns:p="http://schemas.openxmlformats.org/presentationml/2006/main">
   <p:cSld>
     <p:spTree>
@@ -21799,356 +22032,6 @@
 </p:sld>
 </file>
 
-<file path=ppt/slides/slide37.xml><?xml version="1.0" encoding="utf-8"?>
-<p:sld xmlns:a="http://schemas.openxmlformats.org/drawingml/2006/main" xmlns:r="http://schemas.openxmlformats.org/officeDocument/2006/relationships" xmlns:p="http://schemas.openxmlformats.org/presentationml/2006/main">
-  <p:cSld>
-    <p:spTree>
-      <p:nvGrpSpPr>
-        <p:cNvPr id="1" name=""/>
-        <p:cNvGrpSpPr/>
-        <p:nvPr/>
-      </p:nvGrpSpPr>
-      <p:grpSpPr>
-        <a:xfrm>
-          <a:off x="0" y="0"/>
-          <a:ext cx="0" cy="0"/>
-          <a:chOff x="0" y="0"/>
-          <a:chExt cx="0" cy="0"/>
-        </a:xfrm>
-      </p:grpSpPr>
-      <p:sp>
-        <p:nvSpPr>
-          <p:cNvPr id="55298" name="Title 3"/>
-          <p:cNvSpPr>
-            <a:spLocks noGrp="1"/>
-          </p:cNvSpPr>
-          <p:nvPr>
-            <p:ph type="title"/>
-          </p:nvPr>
-        </p:nvSpPr>
-        <p:spPr/>
-        <p:txBody>
-          <a:bodyPr/>
-          <a:lstStyle/>
-          <a:p>
-            <a:pPr eaLnBrk="1" hangingPunct="1"/>
-            <a:r>
-              <a:rPr lang="en-ZA">
-                <a:ea typeface="ＭＳ Ｐゴシック" pitchFamily="34" charset="-128"/>
-              </a:rPr>
-              <a:t>Main title</a:t>
-            </a:r>
-          </a:p>
-        </p:txBody>
-      </p:sp>
-      <p:sp>
-        <p:nvSpPr>
-          <p:cNvPr id="55299" name="Content Placeholder 4"/>
-          <p:cNvSpPr>
-            <a:spLocks noGrp="1"/>
-          </p:cNvSpPr>
-          <p:nvPr>
-            <p:ph type="body" sz="quarter" idx="12"/>
-          </p:nvPr>
-        </p:nvSpPr>
-        <p:spPr/>
-        <p:txBody>
-          <a:bodyPr/>
-          <a:lstStyle/>
-          <a:p>
-            <a:pPr marL="0" indent="0" eaLnBrk="1" hangingPunct="1"/>
-            <a:r>
-              <a:rPr lang="en-ZA">
-                <a:ea typeface="ＭＳ Ｐゴシック" pitchFamily="34" charset="-128"/>
-              </a:rPr>
-              <a:t>Introduction level</a:t>
-            </a:r>
-          </a:p>
-          <a:p>
-            <a:pPr lvl="1" eaLnBrk="1" hangingPunct="1"/>
-            <a:r>
-              <a:rPr lang="en-ZA">
-                <a:ea typeface="ＭＳ Ｐゴシック" pitchFamily="34" charset="-128"/>
-              </a:rPr>
-              <a:t>First level bullet</a:t>
-            </a:r>
-          </a:p>
-          <a:p>
-            <a:pPr lvl="2" eaLnBrk="1" hangingPunct="1"/>
-            <a:r>
-              <a:rPr lang="en-ZA">
-                <a:ea typeface="ＭＳ Ｐゴシック" pitchFamily="34" charset="-128"/>
-              </a:rPr>
-              <a:t>Second level bullet</a:t>
-            </a:r>
-          </a:p>
-          <a:p>
-            <a:pPr lvl="3" eaLnBrk="1" hangingPunct="1"/>
-            <a:r>
-              <a:rPr lang="en-ZA">
-                <a:ea typeface="ＭＳ Ｐゴシック" pitchFamily="34" charset="-128"/>
-              </a:rPr>
-              <a:t>Third level bullet</a:t>
-            </a:r>
-          </a:p>
-          <a:p>
-            <a:pPr marL="0" indent="0" eaLnBrk="1" hangingPunct="1"/>
-            <a:r>
-              <a:rPr lang="en-ZA">
-                <a:ea typeface="ＭＳ Ｐゴシック" pitchFamily="34" charset="-128"/>
-              </a:rPr>
-              <a:t>I have amended this sizing a little from the old template, as this is more practical for everyday, typical Dimension Data content – this is my recommendation!</a:t>
-            </a:r>
-          </a:p>
-        </p:txBody>
-      </p:sp>
-    </p:spTree>
-  </p:cSld>
-  <p:clrMapOvr>
-    <a:masterClrMapping/>
-  </p:clrMapOvr>
-</p:sld>
-</file>
-
-<file path=ppt/slides/slide38.xml><?xml version="1.0" encoding="utf-8"?>
-<p:sld xmlns:a="http://schemas.openxmlformats.org/drawingml/2006/main" xmlns:r="http://schemas.openxmlformats.org/officeDocument/2006/relationships" xmlns:p="http://schemas.openxmlformats.org/presentationml/2006/main">
-  <p:cSld>
-    <p:spTree>
-      <p:nvGrpSpPr>
-        <p:cNvPr id="1" name=""/>
-        <p:cNvGrpSpPr/>
-        <p:nvPr/>
-      </p:nvGrpSpPr>
-      <p:grpSpPr>
-        <a:xfrm>
-          <a:off x="0" y="0"/>
-          <a:ext cx="0" cy="0"/>
-          <a:chOff x="0" y="0"/>
-          <a:chExt cx="0" cy="0"/>
-        </a:xfrm>
-      </p:grpSpPr>
-      <p:sp>
-        <p:nvSpPr>
-          <p:cNvPr id="56322" name="Title 3"/>
-          <p:cNvSpPr>
-            <a:spLocks noGrp="1"/>
-          </p:cNvSpPr>
-          <p:nvPr>
-            <p:ph type="title"/>
-          </p:nvPr>
-        </p:nvSpPr>
-        <p:spPr/>
-        <p:txBody>
-          <a:bodyPr/>
-          <a:lstStyle/>
-          <a:p>
-            <a:pPr eaLnBrk="1" hangingPunct="1"/>
-            <a:r>
-              <a:rPr lang="en-ZA">
-                <a:ea typeface="ＭＳ Ｐゴシック" pitchFamily="34" charset="-128"/>
-              </a:rPr>
-              <a:t>Main title</a:t>
-            </a:r>
-          </a:p>
-        </p:txBody>
-      </p:sp>
-      <p:sp>
-        <p:nvSpPr>
-          <p:cNvPr id="56323" name="Content Placeholder 4"/>
-          <p:cNvSpPr>
-            <a:spLocks noGrp="1"/>
-          </p:cNvSpPr>
-          <p:nvPr>
-            <p:ph type="body" sz="quarter" idx="12"/>
-          </p:nvPr>
-        </p:nvSpPr>
-        <p:spPr/>
-        <p:txBody>
-          <a:bodyPr/>
-          <a:lstStyle/>
-          <a:p>
-            <a:pPr marL="0" indent="0" eaLnBrk="1" hangingPunct="1"/>
-            <a:r>
-              <a:rPr lang="en-ZA">
-                <a:ea typeface="ＭＳ Ｐゴシック" pitchFamily="34" charset="-128"/>
-              </a:rPr>
-              <a:t>Introduction level</a:t>
-            </a:r>
-          </a:p>
-          <a:p>
-            <a:pPr lvl="1" eaLnBrk="1" hangingPunct="1"/>
-            <a:r>
-              <a:rPr lang="en-ZA">
-                <a:ea typeface="ＭＳ Ｐゴシック" pitchFamily="34" charset="-128"/>
-              </a:rPr>
-              <a:t>First level bullet</a:t>
-            </a:r>
-          </a:p>
-          <a:p>
-            <a:pPr lvl="2" eaLnBrk="1" hangingPunct="1"/>
-            <a:r>
-              <a:rPr lang="en-ZA">
-                <a:ea typeface="ＭＳ Ｐゴシック" pitchFamily="34" charset="-128"/>
-              </a:rPr>
-              <a:t>Second level bullet</a:t>
-            </a:r>
-          </a:p>
-          <a:p>
-            <a:pPr lvl="3" eaLnBrk="1" hangingPunct="1"/>
-            <a:r>
-              <a:rPr lang="en-ZA">
-                <a:ea typeface="ＭＳ Ｐゴシック" pitchFamily="34" charset="-128"/>
-              </a:rPr>
-              <a:t>Third level bullet</a:t>
-            </a:r>
-          </a:p>
-          <a:p>
-            <a:pPr marL="0" indent="0" eaLnBrk="1" hangingPunct="1"/>
-            <a:r>
-              <a:rPr lang="en-ZA">
-                <a:ea typeface="ＭＳ Ｐゴシック" pitchFamily="34" charset="-128"/>
-              </a:rPr>
-              <a:t>I have amended this sizing a little from the old template, as this is more practical for everyday, typical Dimension Data content – this is my recommendation!</a:t>
-            </a:r>
-          </a:p>
-        </p:txBody>
-      </p:sp>
-      <p:sp>
-        <p:nvSpPr>
-          <p:cNvPr id="68611" name="Text Placeholder 2"/>
-          <p:cNvSpPr>
-            <a:spLocks noGrp="1"/>
-          </p:cNvSpPr>
-          <p:nvPr>
-            <p:ph type="body" sz="quarter" idx="14"/>
-          </p:nvPr>
-        </p:nvSpPr>
-        <p:spPr>
-          <a:ln w="9525"/>
-          <a:extLst>
-            <a:ext uri="{91240B29-F687-4F45-9708-019B960494DF}">
-              <a14:hiddenLine xmlns:a14="http://schemas.microsoft.com/office/drawing/2010/main" w="25400" cap="flat">
-                <a:solidFill>
-                  <a:srgbClr val="000000"/>
-                </a:solidFill>
-                <a:round/>
-                <a:headEnd/>
-                <a:tailEnd/>
-              </a14:hiddenLine>
-            </a:ext>
-          </a:extLst>
-        </p:spPr>
-        <p:txBody>
-          <a:bodyPr/>
-          <a:lstStyle/>
-          <a:p>
-            <a:pPr marL="0" indent="0" eaLnBrk="1" hangingPunct="1">
-              <a:buFont typeface="Arial" pitchFamily="34" charset="0"/>
-              <a:buNone/>
-              <a:defRPr/>
-            </a:pPr>
-            <a:endParaRPr lang="en-ZA">
-              <a:solidFill>
-                <a:srgbClr val="FFFFFF"/>
-              </a:solidFill>
-              <a:ea typeface="ＭＳ Ｐゴシック" pitchFamily="34" charset="-128"/>
-            </a:endParaRPr>
-          </a:p>
-        </p:txBody>
-      </p:sp>
-      <p:sp>
-        <p:nvSpPr>
-          <p:cNvPr id="56325" name="Content Placeholder 5"/>
-          <p:cNvSpPr>
-            <a:spLocks noGrp="1"/>
-          </p:cNvSpPr>
-          <p:nvPr>
-            <p:ph sz="quarter" idx="15"/>
-          </p:nvPr>
-        </p:nvSpPr>
-        <p:spPr/>
-        <p:txBody>
-          <a:bodyPr/>
-          <a:lstStyle/>
-          <a:p>
-            <a:pPr marL="0" indent="0" eaLnBrk="1" hangingPunct="1"/>
-            <a:endParaRPr lang="en-ZA">
-              <a:ea typeface="ＭＳ Ｐゴシック" pitchFamily="34" charset="-128"/>
-            </a:endParaRPr>
-          </a:p>
-        </p:txBody>
-      </p:sp>
-    </p:spTree>
-  </p:cSld>
-  <p:clrMapOvr>
-    <a:masterClrMapping/>
-  </p:clrMapOvr>
-</p:sld>
-</file>
-
-<file path=ppt/slides/slide39.xml><?xml version="1.0" encoding="utf-8"?>
-<p:sld xmlns:a="http://schemas.openxmlformats.org/drawingml/2006/main" xmlns:r="http://schemas.openxmlformats.org/officeDocument/2006/relationships" xmlns:p="http://schemas.openxmlformats.org/presentationml/2006/main">
-  <p:cSld>
-    <p:spTree>
-      <p:nvGrpSpPr>
-        <p:cNvPr id="1" name=""/>
-        <p:cNvGrpSpPr/>
-        <p:nvPr/>
-      </p:nvGrpSpPr>
-      <p:grpSpPr>
-        <a:xfrm>
-          <a:off x="0" y="0"/>
-          <a:ext cx="0" cy="0"/>
-          <a:chOff x="0" y="0"/>
-          <a:chExt cx="0" cy="0"/>
-        </a:xfrm>
-      </p:grpSpPr>
-      <p:sp>
-        <p:nvSpPr>
-          <p:cNvPr id="57346" name="Title 1"/>
-          <p:cNvSpPr>
-            <a:spLocks noGrp="1"/>
-          </p:cNvSpPr>
-          <p:nvPr>
-            <p:ph type="title"/>
-          </p:nvPr>
-        </p:nvSpPr>
-        <p:spPr/>
-        <p:txBody>
-          <a:bodyPr/>
-          <a:lstStyle/>
-          <a:p>
-            <a:pPr eaLnBrk="1" hangingPunct="1"/>
-            <a:r>
-              <a:rPr lang="en-ZA">
-                <a:ea typeface="ＭＳ Ｐゴシック" pitchFamily="34" charset="-128"/>
-              </a:rPr>
-              <a:t>Click on icon to add picture – example on following page</a:t>
-            </a:r>
-          </a:p>
-        </p:txBody>
-      </p:sp>
-      <p:sp>
-        <p:nvSpPr>
-          <p:cNvPr id="57347" name="Picture Placeholder 2"/>
-          <p:cNvSpPr>
-            <a:spLocks noGrp="1" noTextEdit="1"/>
-          </p:cNvSpPr>
-          <p:nvPr>
-            <p:ph type="pic" sz="quarter" idx="11"/>
-          </p:nvPr>
-        </p:nvSpPr>
-        <p:spPr/>
-      </p:sp>
-    </p:spTree>
-  </p:cSld>
-  <p:clrMapOvr>
-    <a:masterClrMapping/>
-  </p:clrMapOvr>
-  <p:transition spd="slow"/>
-</p:sld>
-</file>
-
 <file path=ppt/slides/slide4.xml><?xml version="1.0" encoding="utf-8"?>
 <p:sld xmlns:a="http://schemas.openxmlformats.org/drawingml/2006/main" xmlns:r="http://schemas.openxmlformats.org/officeDocument/2006/relationships" xmlns:p="http://schemas.openxmlformats.org/presentationml/2006/main">
   <p:cSld>
@@ -22882,19 +22765,7 @@
       </p:grpSpPr>
       <p:sp>
         <p:nvSpPr>
-          <p:cNvPr id="58371" name="Picture Placeholder 1"/>
-          <p:cNvSpPr>
-            <a:spLocks noGrp="1" noTextEdit="1"/>
-          </p:cNvSpPr>
-          <p:nvPr>
-            <p:ph type="pic" sz="quarter" idx="12"/>
-          </p:nvPr>
-        </p:nvSpPr>
-        <p:spPr/>
-      </p:sp>
-      <p:sp>
-        <p:nvSpPr>
-          <p:cNvPr id="58370" name="Title 2"/>
+          <p:cNvPr id="55298" name="Title 3"/>
           <p:cNvSpPr>
             <a:spLocks noGrp="1"/>
           </p:cNvSpPr>
@@ -22912,7 +22783,68 @@
               <a:rPr lang="en-ZA">
                 <a:ea typeface="ＭＳ Ｐゴシック" pitchFamily="34" charset="-128"/>
               </a:rPr>
-              <a:t>Click on icon to add picture – example on following page</a:t>
+              <a:t>Main title</a:t>
+            </a:r>
+          </a:p>
+        </p:txBody>
+      </p:sp>
+      <p:sp>
+        <p:nvSpPr>
+          <p:cNvPr id="55299" name="Content Placeholder 4"/>
+          <p:cNvSpPr>
+            <a:spLocks noGrp="1"/>
+          </p:cNvSpPr>
+          <p:nvPr>
+            <p:ph type="body" sz="quarter" idx="12"/>
+          </p:nvPr>
+        </p:nvSpPr>
+        <p:spPr/>
+        <p:txBody>
+          <a:bodyPr/>
+          <a:lstStyle/>
+          <a:p>
+            <a:pPr marL="0" indent="0" eaLnBrk="1" hangingPunct="1"/>
+            <a:r>
+              <a:rPr lang="en-ZA">
+                <a:ea typeface="ＭＳ Ｐゴシック" pitchFamily="34" charset="-128"/>
+              </a:rPr>
+              <a:t>Introduction level</a:t>
+            </a:r>
+          </a:p>
+          <a:p>
+            <a:pPr lvl="1" eaLnBrk="1" hangingPunct="1"/>
+            <a:r>
+              <a:rPr lang="en-ZA">
+                <a:ea typeface="ＭＳ Ｐゴシック" pitchFamily="34" charset="-128"/>
+              </a:rPr>
+              <a:t>First level bullet</a:t>
+            </a:r>
+          </a:p>
+          <a:p>
+            <a:pPr lvl="2" eaLnBrk="1" hangingPunct="1"/>
+            <a:r>
+              <a:rPr lang="en-ZA">
+                <a:ea typeface="ＭＳ Ｐゴシック" pitchFamily="34" charset="-128"/>
+              </a:rPr>
+              <a:t>Second level bullet</a:t>
+            </a:r>
+          </a:p>
+          <a:p>
+            <a:pPr lvl="3" eaLnBrk="1" hangingPunct="1"/>
+            <a:r>
+              <a:rPr lang="en-ZA">
+                <a:ea typeface="ＭＳ Ｐゴシック" pitchFamily="34" charset="-128"/>
+              </a:rPr>
+              <a:t>Third level bullet</a:t>
+            </a:r>
+          </a:p>
+          <a:p>
+            <a:pPr marL="0" indent="0" eaLnBrk="1" hangingPunct="1"/>
+            <a:r>
+              <a:rPr lang="en-ZA">
+                <a:ea typeface="ＭＳ Ｐゴシック" pitchFamily="34" charset="-128"/>
+              </a:rPr>
+              <a:t>I have amended this sizing a little from the old template, as this is more practical for everyday, typical Dimension Data content – this is my recommendation!</a:t>
             </a:r>
           </a:p>
         </p:txBody>
@@ -22926,6 +22858,307 @@
 </file>
 
 <file path=ppt/slides/slide41.xml><?xml version="1.0" encoding="utf-8"?>
+<p:sld xmlns:a="http://schemas.openxmlformats.org/drawingml/2006/main" xmlns:r="http://schemas.openxmlformats.org/officeDocument/2006/relationships" xmlns:p="http://schemas.openxmlformats.org/presentationml/2006/main">
+  <p:cSld>
+    <p:spTree>
+      <p:nvGrpSpPr>
+        <p:cNvPr id="1" name=""/>
+        <p:cNvGrpSpPr/>
+        <p:nvPr/>
+      </p:nvGrpSpPr>
+      <p:grpSpPr>
+        <a:xfrm>
+          <a:off x="0" y="0"/>
+          <a:ext cx="0" cy="0"/>
+          <a:chOff x="0" y="0"/>
+          <a:chExt cx="0" cy="0"/>
+        </a:xfrm>
+      </p:grpSpPr>
+      <p:sp>
+        <p:nvSpPr>
+          <p:cNvPr id="56322" name="Title 3"/>
+          <p:cNvSpPr>
+            <a:spLocks noGrp="1"/>
+          </p:cNvSpPr>
+          <p:nvPr>
+            <p:ph type="title"/>
+          </p:nvPr>
+        </p:nvSpPr>
+        <p:spPr/>
+        <p:txBody>
+          <a:bodyPr/>
+          <a:lstStyle/>
+          <a:p>
+            <a:pPr eaLnBrk="1" hangingPunct="1"/>
+            <a:r>
+              <a:rPr lang="en-ZA">
+                <a:ea typeface="ＭＳ Ｐゴシック" pitchFamily="34" charset="-128"/>
+              </a:rPr>
+              <a:t>Main title</a:t>
+            </a:r>
+          </a:p>
+        </p:txBody>
+      </p:sp>
+      <p:sp>
+        <p:nvSpPr>
+          <p:cNvPr id="56323" name="Content Placeholder 4"/>
+          <p:cNvSpPr>
+            <a:spLocks noGrp="1"/>
+          </p:cNvSpPr>
+          <p:nvPr>
+            <p:ph type="body" sz="quarter" idx="12"/>
+          </p:nvPr>
+        </p:nvSpPr>
+        <p:spPr/>
+        <p:txBody>
+          <a:bodyPr/>
+          <a:lstStyle/>
+          <a:p>
+            <a:pPr marL="0" indent="0" eaLnBrk="1" hangingPunct="1"/>
+            <a:r>
+              <a:rPr lang="en-ZA">
+                <a:ea typeface="ＭＳ Ｐゴシック" pitchFamily="34" charset="-128"/>
+              </a:rPr>
+              <a:t>Introduction level</a:t>
+            </a:r>
+          </a:p>
+          <a:p>
+            <a:pPr lvl="1" eaLnBrk="1" hangingPunct="1"/>
+            <a:r>
+              <a:rPr lang="en-ZA">
+                <a:ea typeface="ＭＳ Ｐゴシック" pitchFamily="34" charset="-128"/>
+              </a:rPr>
+              <a:t>First level bullet</a:t>
+            </a:r>
+          </a:p>
+          <a:p>
+            <a:pPr lvl="2" eaLnBrk="1" hangingPunct="1"/>
+            <a:r>
+              <a:rPr lang="en-ZA">
+                <a:ea typeface="ＭＳ Ｐゴシック" pitchFamily="34" charset="-128"/>
+              </a:rPr>
+              <a:t>Second level bullet</a:t>
+            </a:r>
+          </a:p>
+          <a:p>
+            <a:pPr lvl="3" eaLnBrk="1" hangingPunct="1"/>
+            <a:r>
+              <a:rPr lang="en-ZA">
+                <a:ea typeface="ＭＳ Ｐゴシック" pitchFamily="34" charset="-128"/>
+              </a:rPr>
+              <a:t>Third level bullet</a:t>
+            </a:r>
+          </a:p>
+          <a:p>
+            <a:pPr marL="0" indent="0" eaLnBrk="1" hangingPunct="1"/>
+            <a:r>
+              <a:rPr lang="en-ZA">
+                <a:ea typeface="ＭＳ Ｐゴシック" pitchFamily="34" charset="-128"/>
+              </a:rPr>
+              <a:t>I have amended this sizing a little from the old template, as this is more practical for everyday, typical Dimension Data content – this is my recommendation!</a:t>
+            </a:r>
+          </a:p>
+        </p:txBody>
+      </p:sp>
+      <p:sp>
+        <p:nvSpPr>
+          <p:cNvPr id="68611" name="Text Placeholder 2"/>
+          <p:cNvSpPr>
+            <a:spLocks noGrp="1"/>
+          </p:cNvSpPr>
+          <p:nvPr>
+            <p:ph type="body" sz="quarter" idx="14"/>
+          </p:nvPr>
+        </p:nvSpPr>
+        <p:spPr>
+          <a:ln w="9525"/>
+          <a:extLst>
+            <a:ext uri="{91240B29-F687-4F45-9708-019B960494DF}">
+              <a14:hiddenLine xmlns:a14="http://schemas.microsoft.com/office/drawing/2010/main" w="25400" cap="flat">
+                <a:solidFill>
+                  <a:srgbClr val="000000"/>
+                </a:solidFill>
+                <a:round/>
+                <a:headEnd/>
+                <a:tailEnd/>
+              </a14:hiddenLine>
+            </a:ext>
+          </a:extLst>
+        </p:spPr>
+        <p:txBody>
+          <a:bodyPr/>
+          <a:lstStyle/>
+          <a:p>
+            <a:pPr marL="0" indent="0" eaLnBrk="1" hangingPunct="1">
+              <a:buFont typeface="Arial" pitchFamily="34" charset="0"/>
+              <a:buNone/>
+              <a:defRPr/>
+            </a:pPr>
+            <a:endParaRPr lang="en-ZA">
+              <a:solidFill>
+                <a:srgbClr val="FFFFFF"/>
+              </a:solidFill>
+              <a:ea typeface="ＭＳ Ｐゴシック" pitchFamily="34" charset="-128"/>
+            </a:endParaRPr>
+          </a:p>
+        </p:txBody>
+      </p:sp>
+      <p:sp>
+        <p:nvSpPr>
+          <p:cNvPr id="56325" name="Content Placeholder 5"/>
+          <p:cNvSpPr>
+            <a:spLocks noGrp="1"/>
+          </p:cNvSpPr>
+          <p:nvPr>
+            <p:ph sz="quarter" idx="15"/>
+          </p:nvPr>
+        </p:nvSpPr>
+        <p:spPr/>
+        <p:txBody>
+          <a:bodyPr/>
+          <a:lstStyle/>
+          <a:p>
+            <a:pPr marL="0" indent="0" eaLnBrk="1" hangingPunct="1"/>
+            <a:endParaRPr lang="en-ZA">
+              <a:ea typeface="ＭＳ Ｐゴシック" pitchFamily="34" charset="-128"/>
+            </a:endParaRPr>
+          </a:p>
+        </p:txBody>
+      </p:sp>
+    </p:spTree>
+  </p:cSld>
+  <p:clrMapOvr>
+    <a:masterClrMapping/>
+  </p:clrMapOvr>
+</p:sld>
+</file>
+
+<file path=ppt/slides/slide42.xml><?xml version="1.0" encoding="utf-8"?>
+<p:sld xmlns:a="http://schemas.openxmlformats.org/drawingml/2006/main" xmlns:r="http://schemas.openxmlformats.org/officeDocument/2006/relationships" xmlns:p="http://schemas.openxmlformats.org/presentationml/2006/main">
+  <p:cSld>
+    <p:spTree>
+      <p:nvGrpSpPr>
+        <p:cNvPr id="1" name=""/>
+        <p:cNvGrpSpPr/>
+        <p:nvPr/>
+      </p:nvGrpSpPr>
+      <p:grpSpPr>
+        <a:xfrm>
+          <a:off x="0" y="0"/>
+          <a:ext cx="0" cy="0"/>
+          <a:chOff x="0" y="0"/>
+          <a:chExt cx="0" cy="0"/>
+        </a:xfrm>
+      </p:grpSpPr>
+      <p:sp>
+        <p:nvSpPr>
+          <p:cNvPr id="57346" name="Title 1"/>
+          <p:cNvSpPr>
+            <a:spLocks noGrp="1"/>
+          </p:cNvSpPr>
+          <p:nvPr>
+            <p:ph type="title"/>
+          </p:nvPr>
+        </p:nvSpPr>
+        <p:spPr/>
+        <p:txBody>
+          <a:bodyPr/>
+          <a:lstStyle/>
+          <a:p>
+            <a:pPr eaLnBrk="1" hangingPunct="1"/>
+            <a:r>
+              <a:rPr lang="en-ZA">
+                <a:ea typeface="ＭＳ Ｐゴシック" pitchFamily="34" charset="-128"/>
+              </a:rPr>
+              <a:t>Click on icon to add picture – example on following page</a:t>
+            </a:r>
+          </a:p>
+        </p:txBody>
+      </p:sp>
+      <p:sp>
+        <p:nvSpPr>
+          <p:cNvPr id="57347" name="Picture Placeholder 2"/>
+          <p:cNvSpPr>
+            <a:spLocks noGrp="1" noTextEdit="1"/>
+          </p:cNvSpPr>
+          <p:nvPr>
+            <p:ph type="pic" sz="quarter" idx="11"/>
+          </p:nvPr>
+        </p:nvSpPr>
+        <p:spPr/>
+      </p:sp>
+    </p:spTree>
+  </p:cSld>
+  <p:clrMapOvr>
+    <a:masterClrMapping/>
+  </p:clrMapOvr>
+  <p:transition spd="slow"/>
+</p:sld>
+</file>
+
+<file path=ppt/slides/slide43.xml><?xml version="1.0" encoding="utf-8"?>
+<p:sld xmlns:a="http://schemas.openxmlformats.org/drawingml/2006/main" xmlns:r="http://schemas.openxmlformats.org/officeDocument/2006/relationships" xmlns:p="http://schemas.openxmlformats.org/presentationml/2006/main">
+  <p:cSld>
+    <p:spTree>
+      <p:nvGrpSpPr>
+        <p:cNvPr id="1" name=""/>
+        <p:cNvGrpSpPr/>
+        <p:nvPr/>
+      </p:nvGrpSpPr>
+      <p:grpSpPr>
+        <a:xfrm>
+          <a:off x="0" y="0"/>
+          <a:ext cx="0" cy="0"/>
+          <a:chOff x="0" y="0"/>
+          <a:chExt cx="0" cy="0"/>
+        </a:xfrm>
+      </p:grpSpPr>
+      <p:sp>
+        <p:nvSpPr>
+          <p:cNvPr id="58371" name="Picture Placeholder 1"/>
+          <p:cNvSpPr>
+            <a:spLocks noGrp="1" noTextEdit="1"/>
+          </p:cNvSpPr>
+          <p:nvPr>
+            <p:ph type="pic" sz="quarter" idx="12"/>
+          </p:nvPr>
+        </p:nvSpPr>
+        <p:spPr/>
+      </p:sp>
+      <p:sp>
+        <p:nvSpPr>
+          <p:cNvPr id="58370" name="Title 2"/>
+          <p:cNvSpPr>
+            <a:spLocks noGrp="1"/>
+          </p:cNvSpPr>
+          <p:nvPr>
+            <p:ph type="title"/>
+          </p:nvPr>
+        </p:nvSpPr>
+        <p:spPr/>
+        <p:txBody>
+          <a:bodyPr/>
+          <a:lstStyle/>
+          <a:p>
+            <a:pPr eaLnBrk="1" hangingPunct="1"/>
+            <a:r>
+              <a:rPr lang="en-ZA">
+                <a:ea typeface="ＭＳ Ｐゴシック" pitchFamily="34" charset="-128"/>
+              </a:rPr>
+              <a:t>Click on icon to add picture – example on following page</a:t>
+            </a:r>
+          </a:p>
+        </p:txBody>
+      </p:sp>
+    </p:spTree>
+  </p:cSld>
+  <p:clrMapOvr>
+    <a:masterClrMapping/>
+  </p:clrMapOvr>
+</p:sld>
+</file>
+
+<file path=ppt/slides/slide44.xml><?xml version="1.0" encoding="utf-8"?>
 <p:sld xmlns:a="http://schemas.openxmlformats.org/drawingml/2006/main" xmlns:r="http://schemas.openxmlformats.org/officeDocument/2006/relationships" xmlns:p="http://schemas.openxmlformats.org/presentationml/2006/main">
   <p:cSld>
     <p:spTree>
@@ -22997,7 +23230,7 @@
 </p:sld>
 </file>
 
-<file path=ppt/slides/slide42.xml><?xml version="1.0" encoding="utf-8"?>
+<file path=ppt/slides/slide45.xml><?xml version="1.0" encoding="utf-8"?>
 <p:sld xmlns:a="http://schemas.openxmlformats.org/drawingml/2006/main" xmlns:r="http://schemas.openxmlformats.org/officeDocument/2006/relationships" xmlns:p="http://schemas.openxmlformats.org/presentationml/2006/main">
   <p:cSld>
     <p:spTree>
@@ -23061,7 +23294,7 @@
 </p:sld>
 </file>
 
-<file path=ppt/slides/slide43.xml><?xml version="1.0" encoding="utf-8"?>
+<file path=ppt/slides/slide46.xml><?xml version="1.0" encoding="utf-8"?>
 <p:sld xmlns:a="http://schemas.openxmlformats.org/drawingml/2006/main" xmlns:r="http://schemas.openxmlformats.org/officeDocument/2006/relationships" xmlns:p="http://schemas.openxmlformats.org/presentationml/2006/main">
   <p:cSld>
     <p:spTree>
@@ -23138,7 +23371,7 @@
 </p:sld>
 </file>
 
-<file path=ppt/slides/slide44.xml><?xml version="1.0" encoding="utf-8"?>
+<file path=ppt/slides/slide47.xml><?xml version="1.0" encoding="utf-8"?>
 <p:sld xmlns:a="http://schemas.openxmlformats.org/drawingml/2006/main" xmlns:r="http://schemas.openxmlformats.org/officeDocument/2006/relationships" xmlns:p="http://schemas.openxmlformats.org/presentationml/2006/main">
   <p:cSld>
     <p:spTree>
@@ -23210,7 +23443,7 @@
 </p:sld>
 </file>
 
-<file path=ppt/slides/slide45.xml><?xml version="1.0" encoding="utf-8"?>
+<file path=ppt/slides/slide48.xml><?xml version="1.0" encoding="utf-8"?>
 <p:sld xmlns:a="http://schemas.openxmlformats.org/drawingml/2006/main" xmlns:r="http://schemas.openxmlformats.org/officeDocument/2006/relationships" xmlns:p="http://schemas.openxmlformats.org/presentationml/2006/main">
   <p:cSld>
     <p:spTree>
@@ -23314,7 +23547,7 @@
 </p:sld>
 </file>
 
-<file path=ppt/slides/slide46.xml><?xml version="1.0" encoding="utf-8"?>
+<file path=ppt/slides/slide49.xml><?xml version="1.0" encoding="utf-8"?>
 <p:sld xmlns:a="http://schemas.openxmlformats.org/drawingml/2006/main" xmlns:r="http://schemas.openxmlformats.org/officeDocument/2006/relationships" xmlns:p="http://schemas.openxmlformats.org/presentationml/2006/main">
   <p:cSld>
     <p:spTree>
@@ -23528,7 +23761,7 @@
           <a:p>
             <a:r>
               <a:rPr lang="en-US" dirty="0"/>
-              <a:t>Windows 10 is replacing </a:t>
+              <a:t>Microsoft is replacing </a:t>
             </a:r>
             <a:r>
               <a:rPr lang="en-US" dirty="0" err="1"/>
@@ -23536,13 +23769,37 @@
             </a:r>
             <a:r>
               <a:rPr lang="en-US" dirty="0"/>
-              <a:t> prompt in the WIN + X menu by PowerShell.</a:t>
-            </a:r>
-          </a:p>
-          <a:p>
+              <a:t> prompt by PowerShell from build </a:t>
+            </a:r>
             <a:r>
               <a:rPr lang="en-US" dirty="0"/>
-              <a:t>You can change this setting by searching for PowerShell in the settings:</a:t>
+              <a:t>14791 of Windows 10. It is still here, but not as </a:t>
+            </a:r>
+            <a:r>
+              <a:rPr lang="en-US" dirty="0" err="1"/>
+              <a:t>acceceble</a:t>
+            </a:r>
+            <a:r>
+              <a:rPr lang="en-US" dirty="0"/>
+              <a:t>. </a:t>
+            </a:r>
+          </a:p>
+          <a:p>
+            <a:r>
+              <a:rPr lang="en-US" dirty="0"/>
+              <a:t>e.g. </a:t>
+            </a:r>
+            <a:r>
+              <a:rPr lang="en-US" dirty="0"/>
+              <a:t>in the WIN + X menu </a:t>
+            </a:r>
+            <a:r>
+              <a:rPr lang="en-US" dirty="0" err="1"/>
+              <a:t>cmd</a:t>
+            </a:r>
+            <a:r>
+              <a:rPr lang="en-US" dirty="0"/>
+              <a:t> is replaced by PowerShell. But you can change this setting by searching for PowerShell in the settings:</a:t>
             </a:r>
           </a:p>
         </p:txBody>
@@ -23563,8 +23820,8 @@
         </p:blipFill>
         <p:spPr>
           <a:xfrm>
-            <a:off x="681397" y="4544684"/>
-            <a:ext cx="5642843" cy="1374707"/>
+            <a:off x="827584" y="5102442"/>
+            <a:ext cx="5042731" cy="1228508"/>
           </a:xfrm>
           <a:prstGeom prst="rect">
             <a:avLst/>
@@ -24982,8 +25239,9 @@
           <a:p>
             <a:r>
               <a:rPr lang="en-US" dirty="0"/>
-              <a:t>Basic Functions and Variables</a:t>
-            </a:r>
+              <a:t>Aliases</a:t>
+            </a:r>
+            <a:endParaRPr lang="en-BE" dirty="0"/>
           </a:p>
         </p:txBody>
       </p:sp>
@@ -25003,29 +25261,127 @@
           <a:lstStyle/>
           <a:p>
             <a:r>
-              <a:rPr lang="en-US" dirty="0">
-                <a:hlinkClick r:id="rId2"/>
+              <a:rPr lang="en-US" dirty="0"/>
+              <a:t>Aliases are easily created using the Set-Alias:</a:t>
+            </a:r>
+          </a:p>
+          <a:p>
+            <a:r>
+              <a:rPr lang="en-US" dirty="0"/>
+              <a:t>For example:</a:t>
+            </a:r>
+          </a:p>
+          <a:p>
+            <a:r>
+              <a:rPr lang="nl-BE" dirty="0"/>
+              <a:t>	 </a:t>
+            </a:r>
+            <a:r>
+              <a:rPr lang="nl-BE" dirty="0">
+                <a:solidFill>
+                  <a:srgbClr val="0000FF"/>
+                </a:solidFill>
+                <a:latin typeface="Lucida Console" panose="020B0609040504020204" pitchFamily="49" charset="0"/>
               </a:rPr>
-              <a:t>https://stacktoheap.com/blog/2013/06/15/things-that-trip-newbies-in-powershell-pipeline-output/</a:t>
-            </a:r>
+              <a:t>Set-Alias</a:t>
+            </a:r>
+            <a:r>
+              <a:rPr lang="nl-BE" dirty="0">
+                <a:solidFill>
+                  <a:prstClr val="black"/>
+                </a:solidFill>
+                <a:latin typeface="Lucida Console" panose="020B0609040504020204" pitchFamily="49" charset="0"/>
+              </a:rPr>
+              <a:t> </a:t>
+            </a:r>
+            <a:r>
+              <a:rPr lang="nl-BE" dirty="0">
+                <a:solidFill>
+                  <a:srgbClr val="8A2BE2"/>
+                </a:solidFill>
+                <a:latin typeface="Lucida Console" panose="020B0609040504020204" pitchFamily="49" charset="0"/>
+              </a:rPr>
+              <a:t>g</a:t>
+            </a:r>
+            <a:r>
+              <a:rPr lang="nl-BE" dirty="0">
+                <a:solidFill>
+                  <a:prstClr val="black"/>
+                </a:solidFill>
+                <a:latin typeface="Lucida Console" panose="020B0609040504020204" pitchFamily="49" charset="0"/>
+              </a:rPr>
+              <a:t> </a:t>
+            </a:r>
+            <a:r>
+              <a:rPr lang="nl-BE" dirty="0">
+                <a:solidFill>
+                  <a:srgbClr val="8A2BE2"/>
+                </a:solidFill>
+                <a:latin typeface="Lucida Console" panose="020B0609040504020204" pitchFamily="49" charset="0"/>
+              </a:rPr>
+              <a:t>git </a:t>
+            </a:r>
+          </a:p>
+          <a:p>
             <a:endParaRPr lang="en-US" dirty="0"/>
           </a:p>
           <a:p>
+            <a:r>
+              <a:rPr lang="en-US" dirty="0"/>
+              <a:t>You can get a list of the configured aliases using Get-Alias:</a:t>
+            </a:r>
+          </a:p>
+          <a:p>
+            <a:r>
+              <a:rPr lang="en-US" dirty="0"/>
+              <a:t>For example:</a:t>
+            </a:r>
+          </a:p>
+          <a:p>
+            <a:r>
+              <a:rPr lang="nl-BE" dirty="0">
+                <a:solidFill>
+                  <a:srgbClr val="0101FD"/>
+                </a:solidFill>
+                <a:latin typeface="Consolas" panose="020B0609020204030204" pitchFamily="49" charset="0"/>
+              </a:rPr>
+              <a:t>	Get-Alias</a:t>
+            </a:r>
+          </a:p>
+          <a:p>
+            <a:r>
+              <a:rPr lang="nl-BE" dirty="0">
+                <a:solidFill>
+                  <a:srgbClr val="0101FD"/>
+                </a:solidFill>
+                <a:latin typeface="Consolas" panose="020B0609020204030204" pitchFamily="49" charset="0"/>
+              </a:rPr>
+              <a:t>	Get-Alias g*</a:t>
+            </a:r>
             <a:endParaRPr lang="en-US" dirty="0"/>
           </a:p>
           <a:p>
+            <a:endParaRPr lang="en-US" dirty="0"/>
+          </a:p>
+          <a:p>
             <a:r>
               <a:rPr lang="en-US" dirty="0"/>
-              <a:t>https://ss64.com/ps/syntax-automatic-variables.html</a:t>
-            </a:r>
-            <a:endParaRPr lang="en-US" dirty="0"/>
+              <a:t>Storing Aliases can be done using the $profile</a:t>
+            </a:r>
+          </a:p>
+          <a:p>
+            <a:r>
+              <a:rPr lang="en-US" dirty="0"/>
+              <a:t>If not stored, they will be gone after your PS session closes</a:t>
+            </a:r>
+            <a:endParaRPr lang="en-BE" dirty="0"/>
           </a:p>
         </p:txBody>
       </p:sp>
     </p:spTree>
     <p:extLst>
       <p:ext uri="{BB962C8B-B14F-4D97-AF65-F5344CB8AC3E}">
-        <p14:creationId xmlns:p14="http://schemas.microsoft.com/office/powerpoint/2010/main" val="1744980860"/>
+        <p14:creationId xmlns:p14="http://schemas.microsoft.com/office/powerpoint/2010/main" val="2505485656"/>
       </p:ext>
     </p:extLst>
   </p:cSld>
@@ -25069,35 +25425,1110 @@
           <a:p>
             <a:r>
               <a:rPr lang="en-US" dirty="0"/>
-              <a:t>Creating functions</a:t>
+              <a:t>Aliases compared</a:t>
             </a:r>
             <a:endParaRPr lang="en-BE" dirty="0"/>
           </a:p>
         </p:txBody>
       </p:sp>
-      <p:sp>
-        <p:nvSpPr>
-          <p:cNvPr id="3" name="Content Placeholder 2"/>
-          <p:cNvSpPr>
-            <a:spLocks noGrp="1"/>
-          </p:cNvSpPr>
+      <p:graphicFrame>
+        <p:nvGraphicFramePr>
+          <p:cNvPr id="7" name="Content Placeholder 6"/>
+          <p:cNvGraphicFramePr>
+            <a:graphicFrameLocks noGrp="1"/>
+          </p:cNvGraphicFramePr>
           <p:nvPr>
             <p:ph idx="1"/>
+            <p:extLst>
+              <p:ext uri="{D42A27DB-BD31-4B8C-83A1-F6EECF244321}">
+                <p14:modId xmlns:p14="http://schemas.microsoft.com/office/powerpoint/2010/main" val="925940266"/>
+              </p:ext>
+            </p:extLst>
           </p:nvPr>
-        </p:nvSpPr>
-        <p:spPr/>
-        <p:txBody>
-          <a:bodyPr/>
-          <a:lstStyle/>
-          <a:p>
-            <a:endParaRPr lang="en-BE"/>
-          </a:p>
-        </p:txBody>
-      </p:sp>
+        </p:nvGraphicFramePr>
+        <p:xfrm>
+          <a:off x="296863" y="1292225"/>
+          <a:ext cx="8550276" cy="4937760"/>
+        </p:xfrm>
+        <a:graphic>
+          <a:graphicData uri="http://schemas.openxmlformats.org/drawingml/2006/table">
+            <a:tbl>
+              <a:tblPr firstRow="1" bandRow="1">
+                <a:tableStyleId>{5C22544A-7EE6-4342-B048-85BDC9FD1C3A}</a:tableStyleId>
+              </a:tblPr>
+              <a:tblGrid>
+                <a:gridCol w="2137569">
+                  <a:extLst>
+                    <a:ext uri="{9D8B030D-6E8A-4147-A177-3AD203B41FA5}">
+                      <a16:colId xmlns:a16="http://schemas.microsoft.com/office/drawing/2014/main" val="1724456608"/>
+                    </a:ext>
+                  </a:extLst>
+                </a:gridCol>
+                <a:gridCol w="2137569">
+                  <a:extLst>
+                    <a:ext uri="{9D8B030D-6E8A-4147-A177-3AD203B41FA5}">
+                      <a16:colId xmlns:a16="http://schemas.microsoft.com/office/drawing/2014/main" val="2784185600"/>
+                    </a:ext>
+                  </a:extLst>
+                </a:gridCol>
+                <a:gridCol w="2137569">
+                  <a:extLst>
+                    <a:ext uri="{9D8B030D-6E8A-4147-A177-3AD203B41FA5}">
+                      <a16:colId xmlns:a16="http://schemas.microsoft.com/office/drawing/2014/main" val="3594831770"/>
+                    </a:ext>
+                  </a:extLst>
+                </a:gridCol>
+                <a:gridCol w="2137569">
+                  <a:extLst>
+                    <a:ext uri="{9D8B030D-6E8A-4147-A177-3AD203B41FA5}">
+                      <a16:colId xmlns:a16="http://schemas.microsoft.com/office/drawing/2014/main" val="1128815098"/>
+                    </a:ext>
+                  </a:extLst>
+                </a:gridCol>
+              </a:tblGrid>
+              <a:tr h="370840">
+                <a:tc>
+                  <a:txBody>
+                    <a:bodyPr/>
+                    <a:lstStyle/>
+                    <a:p>
+                      <a:pPr algn="l" fontAlgn="b"/>
+                      <a:r>
+                        <a:rPr lang="nl-BE" sz="1200" b="0" dirty="0">
+                          <a:effectLst/>
+                          <a:latin typeface="segoe-ui_semibold"/>
+                        </a:rPr>
+                        <a:t>CMD Command</a:t>
+                      </a:r>
+                    </a:p>
+                  </a:txBody>
+                  <a:tcPr marL="152400" marR="152400" marT="114300" marB="114300" anchor="b"/>
+                </a:tc>
+                <a:tc>
+                  <a:txBody>
+                    <a:bodyPr/>
+                    <a:lstStyle/>
+                    <a:p>
+                      <a:pPr algn="l" fontAlgn="b"/>
+                      <a:r>
+                        <a:rPr lang="nl-BE" sz="1200" b="0">
+                          <a:effectLst/>
+                          <a:latin typeface="segoe-ui_semibold"/>
+                        </a:rPr>
+                        <a:t>UNIX Command</a:t>
+                      </a:r>
+                    </a:p>
+                  </a:txBody>
+                  <a:tcPr marL="152400" marR="152400" marT="114300" marB="114300" anchor="b"/>
+                </a:tc>
+                <a:tc>
+                  <a:txBody>
+                    <a:bodyPr/>
+                    <a:lstStyle/>
+                    <a:p>
+                      <a:pPr algn="l" fontAlgn="b"/>
+                      <a:r>
+                        <a:rPr lang="nl-BE" sz="1200" b="0">
+                          <a:effectLst/>
+                          <a:latin typeface="segoe-ui_semibold"/>
+                        </a:rPr>
+                        <a:t>PS Command</a:t>
+                      </a:r>
+                    </a:p>
+                  </a:txBody>
+                  <a:tcPr marL="152400" marR="152400" marT="114300" marB="114300" anchor="b"/>
+                </a:tc>
+                <a:tc>
+                  <a:txBody>
+                    <a:bodyPr/>
+                    <a:lstStyle/>
+                    <a:p>
+                      <a:pPr algn="l" fontAlgn="b"/>
+                      <a:r>
+                        <a:rPr lang="nl-BE" sz="1200" b="0">
+                          <a:effectLst/>
+                          <a:latin typeface="segoe-ui_semibold"/>
+                        </a:rPr>
+                        <a:t>PS Alias</a:t>
+                      </a:r>
+                    </a:p>
+                  </a:txBody>
+                  <a:tcPr marL="152400" marR="152400" marT="114300" marB="114300" anchor="b"/>
+                </a:tc>
+                <a:extLst>
+                  <a:ext uri="{0D108BD9-81ED-4DB2-BD59-A6C34878D82A}">
+                    <a16:rowId xmlns:a16="http://schemas.microsoft.com/office/drawing/2014/main" val="4093228153"/>
+                  </a:ext>
+                </a:extLst>
+              </a:tr>
+              <a:tr h="370840">
+                <a:tc>
+                  <a:txBody>
+                    <a:bodyPr/>
+                    <a:lstStyle/>
+                    <a:p>
+                      <a:pPr fontAlgn="t"/>
+                      <a:r>
+                        <a:rPr lang="nl-BE" sz="1200" b="1">
+                          <a:effectLst/>
+                          <a:latin typeface="segoe-ui_bold"/>
+                        </a:rPr>
+                        <a:t>dir</a:t>
+                      </a:r>
+                      <a:endParaRPr lang="nl-BE" sz="1200">
+                        <a:effectLst/>
+                      </a:endParaRPr>
+                    </a:p>
+                  </a:txBody>
+                  <a:tcPr marL="152400" marR="152400" marT="114300" marB="114300"/>
+                </a:tc>
+                <a:tc>
+                  <a:txBody>
+                    <a:bodyPr/>
+                    <a:lstStyle/>
+                    <a:p>
+                      <a:pPr fontAlgn="t"/>
+                      <a:r>
+                        <a:rPr lang="nl-BE" sz="1200" b="1">
+                          <a:effectLst/>
+                          <a:latin typeface="segoe-ui_bold"/>
+                        </a:rPr>
+                        <a:t>ls</a:t>
+                      </a:r>
+                      <a:endParaRPr lang="nl-BE" sz="1200">
+                        <a:effectLst/>
+                      </a:endParaRPr>
+                    </a:p>
+                  </a:txBody>
+                  <a:tcPr marL="152400" marR="152400" marT="114300" marB="114300"/>
+                </a:tc>
+                <a:tc>
+                  <a:txBody>
+                    <a:bodyPr/>
+                    <a:lstStyle/>
+                    <a:p>
+                      <a:pPr fontAlgn="t"/>
+                      <a:r>
+                        <a:rPr lang="nl-BE" sz="1200" b="1">
+                          <a:effectLst/>
+                          <a:latin typeface="segoe-ui_bold"/>
+                        </a:rPr>
+                        <a:t>Get-ChildItem</a:t>
+                      </a:r>
+                      <a:endParaRPr lang="nl-BE" sz="1200">
+                        <a:effectLst/>
+                      </a:endParaRPr>
+                    </a:p>
+                  </a:txBody>
+                  <a:tcPr marL="152400" marR="152400" marT="114300" marB="114300"/>
+                </a:tc>
+                <a:tc>
+                  <a:txBody>
+                    <a:bodyPr/>
+                    <a:lstStyle/>
+                    <a:p>
+                      <a:pPr fontAlgn="t"/>
+                      <a:r>
+                        <a:rPr lang="nl-BE" sz="1200" b="1">
+                          <a:effectLst/>
+                          <a:latin typeface="segoe-ui_bold"/>
+                        </a:rPr>
+                        <a:t>gci</a:t>
+                      </a:r>
+                      <a:endParaRPr lang="nl-BE" sz="1200">
+                        <a:effectLst/>
+                      </a:endParaRPr>
+                    </a:p>
+                  </a:txBody>
+                  <a:tcPr marL="152400" marR="152400" marT="114300" marB="114300"/>
+                </a:tc>
+                <a:extLst>
+                  <a:ext uri="{0D108BD9-81ED-4DB2-BD59-A6C34878D82A}">
+                    <a16:rowId xmlns:a16="http://schemas.microsoft.com/office/drawing/2014/main" val="341268956"/>
+                  </a:ext>
+                </a:extLst>
+              </a:tr>
+              <a:tr h="370840">
+                <a:tc>
+                  <a:txBody>
+                    <a:bodyPr/>
+                    <a:lstStyle/>
+                    <a:p>
+                      <a:pPr fontAlgn="t"/>
+                      <a:r>
+                        <a:rPr lang="nl-BE" sz="1200" b="1">
+                          <a:effectLst/>
+                          <a:latin typeface="segoe-ui_bold"/>
+                        </a:rPr>
+                        <a:t>cls</a:t>
+                      </a:r>
+                      <a:endParaRPr lang="nl-BE" sz="1200">
+                        <a:effectLst/>
+                      </a:endParaRPr>
+                    </a:p>
+                  </a:txBody>
+                  <a:tcPr marL="152400" marR="152400" marT="114300" marB="114300"/>
+                </a:tc>
+                <a:tc>
+                  <a:txBody>
+                    <a:bodyPr/>
+                    <a:lstStyle/>
+                    <a:p>
+                      <a:pPr fontAlgn="t"/>
+                      <a:r>
+                        <a:rPr lang="nl-BE" sz="1200" b="1">
+                          <a:effectLst/>
+                          <a:latin typeface="segoe-ui_bold"/>
+                        </a:rPr>
+                        <a:t>clear</a:t>
+                      </a:r>
+                      <a:endParaRPr lang="nl-BE" sz="1200">
+                        <a:effectLst/>
+                      </a:endParaRPr>
+                    </a:p>
+                  </a:txBody>
+                  <a:tcPr marL="152400" marR="152400" marT="114300" marB="114300"/>
+                </a:tc>
+                <a:tc>
+                  <a:txBody>
+                    <a:bodyPr/>
+                    <a:lstStyle/>
+                    <a:p>
+                      <a:pPr fontAlgn="t"/>
+                      <a:r>
+                        <a:rPr lang="nl-BE" sz="1200" b="1">
+                          <a:effectLst/>
+                          <a:latin typeface="segoe-ui_bold"/>
+                        </a:rPr>
+                        <a:t>Clear-Host</a:t>
+                      </a:r>
+                      <a:r>
+                        <a:rPr lang="nl-BE" sz="1200">
+                          <a:effectLst/>
+                        </a:rPr>
+                        <a:t> (function)</a:t>
+                      </a:r>
+                    </a:p>
+                  </a:txBody>
+                  <a:tcPr marL="152400" marR="152400" marT="114300" marB="114300"/>
+                </a:tc>
+                <a:tc>
+                  <a:txBody>
+                    <a:bodyPr/>
+                    <a:lstStyle/>
+                    <a:p>
+                      <a:pPr fontAlgn="t"/>
+                      <a:r>
+                        <a:rPr lang="nl-BE" sz="1200" b="1">
+                          <a:effectLst/>
+                          <a:latin typeface="segoe-ui_bold"/>
+                        </a:rPr>
+                        <a:t>cls</a:t>
+                      </a:r>
+                      <a:endParaRPr lang="nl-BE" sz="1200">
+                        <a:effectLst/>
+                      </a:endParaRPr>
+                    </a:p>
+                  </a:txBody>
+                  <a:tcPr marL="152400" marR="152400" marT="114300" marB="114300"/>
+                </a:tc>
+                <a:extLst>
+                  <a:ext uri="{0D108BD9-81ED-4DB2-BD59-A6C34878D82A}">
+                    <a16:rowId xmlns:a16="http://schemas.microsoft.com/office/drawing/2014/main" val="798115424"/>
+                  </a:ext>
+                </a:extLst>
+              </a:tr>
+              <a:tr h="370840">
+                <a:tc>
+                  <a:txBody>
+                    <a:bodyPr/>
+                    <a:lstStyle/>
+                    <a:p>
+                      <a:pPr fontAlgn="t"/>
+                      <a:r>
+                        <a:rPr lang="nl-BE" sz="1200" b="1">
+                          <a:effectLst/>
+                          <a:latin typeface="segoe-ui_bold"/>
+                        </a:rPr>
+                        <a:t>del, erase, rmdir</a:t>
+                      </a:r>
+                      <a:endParaRPr lang="nl-BE" sz="1200">
+                        <a:effectLst/>
+                      </a:endParaRPr>
+                    </a:p>
+                  </a:txBody>
+                  <a:tcPr marL="152400" marR="152400" marT="114300" marB="114300"/>
+                </a:tc>
+                <a:tc>
+                  <a:txBody>
+                    <a:bodyPr/>
+                    <a:lstStyle/>
+                    <a:p>
+                      <a:pPr fontAlgn="t"/>
+                      <a:r>
+                        <a:rPr lang="nl-BE" sz="1200" b="1">
+                          <a:effectLst/>
+                          <a:latin typeface="segoe-ui_bold"/>
+                        </a:rPr>
+                        <a:t>rm</a:t>
+                      </a:r>
+                      <a:endParaRPr lang="nl-BE" sz="1200">
+                        <a:effectLst/>
+                      </a:endParaRPr>
+                    </a:p>
+                  </a:txBody>
+                  <a:tcPr marL="152400" marR="152400" marT="114300" marB="114300"/>
+                </a:tc>
+                <a:tc>
+                  <a:txBody>
+                    <a:bodyPr/>
+                    <a:lstStyle/>
+                    <a:p>
+                      <a:pPr fontAlgn="t"/>
+                      <a:r>
+                        <a:rPr lang="nl-BE" sz="1200" b="1">
+                          <a:effectLst/>
+                          <a:latin typeface="segoe-ui_bold"/>
+                        </a:rPr>
+                        <a:t>Remove-Item</a:t>
+                      </a:r>
+                      <a:endParaRPr lang="nl-BE" sz="1200">
+                        <a:effectLst/>
+                      </a:endParaRPr>
+                    </a:p>
+                  </a:txBody>
+                  <a:tcPr marL="152400" marR="152400" marT="114300" marB="114300"/>
+                </a:tc>
+                <a:tc>
+                  <a:txBody>
+                    <a:bodyPr/>
+                    <a:lstStyle/>
+                    <a:p>
+                      <a:pPr fontAlgn="t"/>
+                      <a:r>
+                        <a:rPr lang="nl-BE" sz="1200" b="1">
+                          <a:effectLst/>
+                          <a:latin typeface="segoe-ui_bold"/>
+                        </a:rPr>
+                        <a:t>ri</a:t>
+                      </a:r>
+                      <a:endParaRPr lang="nl-BE" sz="1200">
+                        <a:effectLst/>
+                      </a:endParaRPr>
+                    </a:p>
+                  </a:txBody>
+                  <a:tcPr marL="152400" marR="152400" marT="114300" marB="114300"/>
+                </a:tc>
+                <a:extLst>
+                  <a:ext uri="{0D108BD9-81ED-4DB2-BD59-A6C34878D82A}">
+                    <a16:rowId xmlns:a16="http://schemas.microsoft.com/office/drawing/2014/main" val="1900400587"/>
+                  </a:ext>
+                </a:extLst>
+              </a:tr>
+              <a:tr h="370840">
+                <a:tc>
+                  <a:txBody>
+                    <a:bodyPr/>
+                    <a:lstStyle/>
+                    <a:p>
+                      <a:pPr fontAlgn="t"/>
+                      <a:r>
+                        <a:rPr lang="nl-BE" sz="1200" b="1">
+                          <a:effectLst/>
+                          <a:latin typeface="segoe-ui_bold"/>
+                        </a:rPr>
+                        <a:t>copy</a:t>
+                      </a:r>
+                      <a:endParaRPr lang="nl-BE" sz="1200">
+                        <a:effectLst/>
+                      </a:endParaRPr>
+                    </a:p>
+                  </a:txBody>
+                  <a:tcPr marL="152400" marR="152400" marT="114300" marB="114300"/>
+                </a:tc>
+                <a:tc>
+                  <a:txBody>
+                    <a:bodyPr/>
+                    <a:lstStyle/>
+                    <a:p>
+                      <a:pPr fontAlgn="t"/>
+                      <a:r>
+                        <a:rPr lang="nl-BE" sz="1200" b="1">
+                          <a:effectLst/>
+                          <a:latin typeface="segoe-ui_bold"/>
+                        </a:rPr>
+                        <a:t>cp</a:t>
+                      </a:r>
+                      <a:endParaRPr lang="nl-BE" sz="1200">
+                        <a:effectLst/>
+                      </a:endParaRPr>
+                    </a:p>
+                  </a:txBody>
+                  <a:tcPr marL="152400" marR="152400" marT="114300" marB="114300"/>
+                </a:tc>
+                <a:tc>
+                  <a:txBody>
+                    <a:bodyPr/>
+                    <a:lstStyle/>
+                    <a:p>
+                      <a:pPr fontAlgn="t"/>
+                      <a:r>
+                        <a:rPr lang="nl-BE" sz="1200" b="1">
+                          <a:effectLst/>
+                          <a:latin typeface="segoe-ui_bold"/>
+                        </a:rPr>
+                        <a:t>Copy-Item</a:t>
+                      </a:r>
+                      <a:endParaRPr lang="nl-BE" sz="1200">
+                        <a:effectLst/>
+                      </a:endParaRPr>
+                    </a:p>
+                  </a:txBody>
+                  <a:tcPr marL="152400" marR="152400" marT="114300" marB="114300"/>
+                </a:tc>
+                <a:tc>
+                  <a:txBody>
+                    <a:bodyPr/>
+                    <a:lstStyle/>
+                    <a:p>
+                      <a:pPr fontAlgn="t"/>
+                      <a:r>
+                        <a:rPr lang="nl-BE" sz="1200" b="1">
+                          <a:effectLst/>
+                          <a:latin typeface="segoe-ui_bold"/>
+                        </a:rPr>
+                        <a:t>ci</a:t>
+                      </a:r>
+                      <a:endParaRPr lang="nl-BE" sz="1200">
+                        <a:effectLst/>
+                      </a:endParaRPr>
+                    </a:p>
+                  </a:txBody>
+                  <a:tcPr marL="152400" marR="152400" marT="114300" marB="114300"/>
+                </a:tc>
+                <a:extLst>
+                  <a:ext uri="{0D108BD9-81ED-4DB2-BD59-A6C34878D82A}">
+                    <a16:rowId xmlns:a16="http://schemas.microsoft.com/office/drawing/2014/main" val="1768335454"/>
+                  </a:ext>
+                </a:extLst>
+              </a:tr>
+              <a:tr h="370840">
+                <a:tc>
+                  <a:txBody>
+                    <a:bodyPr/>
+                    <a:lstStyle/>
+                    <a:p>
+                      <a:pPr fontAlgn="t"/>
+                      <a:r>
+                        <a:rPr lang="nl-BE" sz="1200" b="1">
+                          <a:effectLst/>
+                          <a:latin typeface="segoe-ui_bold"/>
+                        </a:rPr>
+                        <a:t>move</a:t>
+                      </a:r>
+                      <a:endParaRPr lang="nl-BE" sz="1200">
+                        <a:effectLst/>
+                      </a:endParaRPr>
+                    </a:p>
+                  </a:txBody>
+                  <a:tcPr marL="152400" marR="152400" marT="114300" marB="114300"/>
+                </a:tc>
+                <a:tc>
+                  <a:txBody>
+                    <a:bodyPr/>
+                    <a:lstStyle/>
+                    <a:p>
+                      <a:pPr fontAlgn="t"/>
+                      <a:r>
+                        <a:rPr lang="nl-BE" sz="1200" b="1">
+                          <a:effectLst/>
+                          <a:latin typeface="segoe-ui_bold"/>
+                        </a:rPr>
+                        <a:t>mv</a:t>
+                      </a:r>
+                      <a:endParaRPr lang="nl-BE" sz="1200">
+                        <a:effectLst/>
+                      </a:endParaRPr>
+                    </a:p>
+                  </a:txBody>
+                  <a:tcPr marL="152400" marR="152400" marT="114300" marB="114300"/>
+                </a:tc>
+                <a:tc>
+                  <a:txBody>
+                    <a:bodyPr/>
+                    <a:lstStyle/>
+                    <a:p>
+                      <a:pPr fontAlgn="t"/>
+                      <a:r>
+                        <a:rPr lang="nl-BE" sz="1200" b="1">
+                          <a:effectLst/>
+                          <a:latin typeface="segoe-ui_bold"/>
+                        </a:rPr>
+                        <a:t>Move-Item</a:t>
+                      </a:r>
+                      <a:endParaRPr lang="nl-BE" sz="1200">
+                        <a:effectLst/>
+                      </a:endParaRPr>
+                    </a:p>
+                  </a:txBody>
+                  <a:tcPr marL="152400" marR="152400" marT="114300" marB="114300"/>
+                </a:tc>
+                <a:tc>
+                  <a:txBody>
+                    <a:bodyPr/>
+                    <a:lstStyle/>
+                    <a:p>
+                      <a:pPr fontAlgn="t"/>
+                      <a:r>
+                        <a:rPr lang="nl-BE" sz="1200" b="1">
+                          <a:effectLst/>
+                          <a:latin typeface="segoe-ui_bold"/>
+                        </a:rPr>
+                        <a:t>mi</a:t>
+                      </a:r>
+                      <a:endParaRPr lang="nl-BE" sz="1200">
+                        <a:effectLst/>
+                      </a:endParaRPr>
+                    </a:p>
+                  </a:txBody>
+                  <a:tcPr marL="152400" marR="152400" marT="114300" marB="114300"/>
+                </a:tc>
+                <a:extLst>
+                  <a:ext uri="{0D108BD9-81ED-4DB2-BD59-A6C34878D82A}">
+                    <a16:rowId xmlns:a16="http://schemas.microsoft.com/office/drawing/2014/main" val="2355555355"/>
+                  </a:ext>
+                </a:extLst>
+              </a:tr>
+              <a:tr h="370840">
+                <a:tc>
+                  <a:txBody>
+                    <a:bodyPr/>
+                    <a:lstStyle/>
+                    <a:p>
+                      <a:pPr fontAlgn="t"/>
+                      <a:r>
+                        <a:rPr lang="nl-BE" sz="1200" b="1">
+                          <a:effectLst/>
+                          <a:latin typeface="segoe-ui_bold"/>
+                        </a:rPr>
+                        <a:t>rename</a:t>
+                      </a:r>
+                      <a:endParaRPr lang="nl-BE" sz="1200">
+                        <a:effectLst/>
+                      </a:endParaRPr>
+                    </a:p>
+                  </a:txBody>
+                  <a:tcPr marL="152400" marR="152400" marT="114300" marB="114300"/>
+                </a:tc>
+                <a:tc>
+                  <a:txBody>
+                    <a:bodyPr/>
+                    <a:lstStyle/>
+                    <a:p>
+                      <a:pPr fontAlgn="t"/>
+                      <a:r>
+                        <a:rPr lang="nl-BE" sz="1200" b="1">
+                          <a:effectLst/>
+                          <a:latin typeface="segoe-ui_bold"/>
+                        </a:rPr>
+                        <a:t>mv</a:t>
+                      </a:r>
+                      <a:endParaRPr lang="nl-BE" sz="1200">
+                        <a:effectLst/>
+                      </a:endParaRPr>
+                    </a:p>
+                  </a:txBody>
+                  <a:tcPr marL="152400" marR="152400" marT="114300" marB="114300"/>
+                </a:tc>
+                <a:tc>
+                  <a:txBody>
+                    <a:bodyPr/>
+                    <a:lstStyle/>
+                    <a:p>
+                      <a:pPr fontAlgn="t"/>
+                      <a:r>
+                        <a:rPr lang="nl-BE" sz="1200" b="1">
+                          <a:effectLst/>
+                          <a:latin typeface="segoe-ui_bold"/>
+                        </a:rPr>
+                        <a:t>Rename-Item</a:t>
+                      </a:r>
+                      <a:endParaRPr lang="nl-BE" sz="1200">
+                        <a:effectLst/>
+                      </a:endParaRPr>
+                    </a:p>
+                  </a:txBody>
+                  <a:tcPr marL="152400" marR="152400" marT="114300" marB="114300"/>
+                </a:tc>
+                <a:tc>
+                  <a:txBody>
+                    <a:bodyPr/>
+                    <a:lstStyle/>
+                    <a:p>
+                      <a:pPr fontAlgn="t"/>
+                      <a:r>
+                        <a:rPr lang="nl-BE" sz="1200" b="1">
+                          <a:effectLst/>
+                          <a:latin typeface="segoe-ui_bold"/>
+                        </a:rPr>
+                        <a:t>rni</a:t>
+                      </a:r>
+                      <a:endParaRPr lang="nl-BE" sz="1200">
+                        <a:effectLst/>
+                      </a:endParaRPr>
+                    </a:p>
+                  </a:txBody>
+                  <a:tcPr marL="152400" marR="152400" marT="114300" marB="114300"/>
+                </a:tc>
+                <a:extLst>
+                  <a:ext uri="{0D108BD9-81ED-4DB2-BD59-A6C34878D82A}">
+                    <a16:rowId xmlns:a16="http://schemas.microsoft.com/office/drawing/2014/main" val="2603599196"/>
+                  </a:ext>
+                </a:extLst>
+              </a:tr>
+              <a:tr h="370840">
+                <a:tc>
+                  <a:txBody>
+                    <a:bodyPr/>
+                    <a:lstStyle/>
+                    <a:p>
+                      <a:pPr fontAlgn="t"/>
+                      <a:r>
+                        <a:rPr lang="nl-BE" sz="1200" b="1">
+                          <a:effectLst/>
+                          <a:latin typeface="segoe-ui_bold"/>
+                        </a:rPr>
+                        <a:t>type</a:t>
+                      </a:r>
+                      <a:endParaRPr lang="nl-BE" sz="1200">
+                        <a:effectLst/>
+                      </a:endParaRPr>
+                    </a:p>
+                  </a:txBody>
+                  <a:tcPr marL="152400" marR="152400" marT="114300" marB="114300"/>
+                </a:tc>
+                <a:tc>
+                  <a:txBody>
+                    <a:bodyPr/>
+                    <a:lstStyle/>
+                    <a:p>
+                      <a:pPr fontAlgn="t"/>
+                      <a:r>
+                        <a:rPr lang="nl-BE" sz="1200" b="1">
+                          <a:effectLst/>
+                          <a:latin typeface="segoe-ui_bold"/>
+                        </a:rPr>
+                        <a:t>cat</a:t>
+                      </a:r>
+                      <a:endParaRPr lang="nl-BE" sz="1200">
+                        <a:effectLst/>
+                      </a:endParaRPr>
+                    </a:p>
+                  </a:txBody>
+                  <a:tcPr marL="152400" marR="152400" marT="114300" marB="114300"/>
+                </a:tc>
+                <a:tc>
+                  <a:txBody>
+                    <a:bodyPr/>
+                    <a:lstStyle/>
+                    <a:p>
+                      <a:pPr fontAlgn="t"/>
+                      <a:r>
+                        <a:rPr lang="nl-BE" sz="1200" b="1">
+                          <a:effectLst/>
+                          <a:latin typeface="segoe-ui_bold"/>
+                        </a:rPr>
+                        <a:t>Get-Content</a:t>
+                      </a:r>
+                      <a:endParaRPr lang="nl-BE" sz="1200">
+                        <a:effectLst/>
+                      </a:endParaRPr>
+                    </a:p>
+                  </a:txBody>
+                  <a:tcPr marL="152400" marR="152400" marT="114300" marB="114300"/>
+                </a:tc>
+                <a:tc>
+                  <a:txBody>
+                    <a:bodyPr/>
+                    <a:lstStyle/>
+                    <a:p>
+                      <a:pPr fontAlgn="t"/>
+                      <a:r>
+                        <a:rPr lang="nl-BE" sz="1200" b="1">
+                          <a:effectLst/>
+                          <a:latin typeface="segoe-ui_bold"/>
+                        </a:rPr>
+                        <a:t>gc</a:t>
+                      </a:r>
+                      <a:endParaRPr lang="nl-BE" sz="1200">
+                        <a:effectLst/>
+                      </a:endParaRPr>
+                    </a:p>
+                  </a:txBody>
+                  <a:tcPr marL="152400" marR="152400" marT="114300" marB="114300"/>
+                </a:tc>
+                <a:extLst>
+                  <a:ext uri="{0D108BD9-81ED-4DB2-BD59-A6C34878D82A}">
+                    <a16:rowId xmlns:a16="http://schemas.microsoft.com/office/drawing/2014/main" val="2109331089"/>
+                  </a:ext>
+                </a:extLst>
+              </a:tr>
+              <a:tr h="370840">
+                <a:tc>
+                  <a:txBody>
+                    <a:bodyPr/>
+                    <a:lstStyle/>
+                    <a:p>
+                      <a:pPr fontAlgn="t"/>
+                      <a:r>
+                        <a:rPr lang="nl-BE" sz="1200" b="1">
+                          <a:effectLst/>
+                          <a:latin typeface="segoe-ui_bold"/>
+                        </a:rPr>
+                        <a:t>cd</a:t>
+                      </a:r>
+                      <a:endParaRPr lang="nl-BE" sz="1200">
+                        <a:effectLst/>
+                      </a:endParaRPr>
+                    </a:p>
+                  </a:txBody>
+                  <a:tcPr marL="152400" marR="152400" marT="114300" marB="114300"/>
+                </a:tc>
+                <a:tc>
+                  <a:txBody>
+                    <a:bodyPr/>
+                    <a:lstStyle/>
+                    <a:p>
+                      <a:pPr fontAlgn="t"/>
+                      <a:r>
+                        <a:rPr lang="nl-BE" sz="1200" b="1">
+                          <a:effectLst/>
+                          <a:latin typeface="segoe-ui_bold"/>
+                        </a:rPr>
+                        <a:t>cd</a:t>
+                      </a:r>
+                      <a:endParaRPr lang="nl-BE" sz="1200">
+                        <a:effectLst/>
+                      </a:endParaRPr>
+                    </a:p>
+                  </a:txBody>
+                  <a:tcPr marL="152400" marR="152400" marT="114300" marB="114300"/>
+                </a:tc>
+                <a:tc>
+                  <a:txBody>
+                    <a:bodyPr/>
+                    <a:lstStyle/>
+                    <a:p>
+                      <a:pPr fontAlgn="t"/>
+                      <a:r>
+                        <a:rPr lang="nl-BE" sz="1200" b="1">
+                          <a:effectLst/>
+                          <a:latin typeface="segoe-ui_bold"/>
+                        </a:rPr>
+                        <a:t>Set-Location</a:t>
+                      </a:r>
+                      <a:endParaRPr lang="nl-BE" sz="1200">
+                        <a:effectLst/>
+                      </a:endParaRPr>
+                    </a:p>
+                  </a:txBody>
+                  <a:tcPr marL="152400" marR="152400" marT="114300" marB="114300"/>
+                </a:tc>
+                <a:tc>
+                  <a:txBody>
+                    <a:bodyPr/>
+                    <a:lstStyle/>
+                    <a:p>
+                      <a:pPr fontAlgn="t"/>
+                      <a:r>
+                        <a:rPr lang="nl-BE" sz="1200" b="1">
+                          <a:effectLst/>
+                          <a:latin typeface="segoe-ui_bold"/>
+                        </a:rPr>
+                        <a:t>sl</a:t>
+                      </a:r>
+                      <a:endParaRPr lang="nl-BE" sz="1200">
+                        <a:effectLst/>
+                      </a:endParaRPr>
+                    </a:p>
+                  </a:txBody>
+                  <a:tcPr marL="152400" marR="152400" marT="114300" marB="114300"/>
+                </a:tc>
+                <a:extLst>
+                  <a:ext uri="{0D108BD9-81ED-4DB2-BD59-A6C34878D82A}">
+                    <a16:rowId xmlns:a16="http://schemas.microsoft.com/office/drawing/2014/main" val="486215343"/>
+                  </a:ext>
+                </a:extLst>
+              </a:tr>
+              <a:tr h="370840">
+                <a:tc>
+                  <a:txBody>
+                    <a:bodyPr/>
+                    <a:lstStyle/>
+                    <a:p>
+                      <a:pPr fontAlgn="t"/>
+                      <a:r>
+                        <a:rPr lang="nl-BE" sz="1200" b="1">
+                          <a:effectLst/>
+                          <a:latin typeface="segoe-ui_bold"/>
+                        </a:rPr>
+                        <a:t>md</a:t>
+                      </a:r>
+                      <a:endParaRPr lang="nl-BE" sz="1200">
+                        <a:effectLst/>
+                      </a:endParaRPr>
+                    </a:p>
+                  </a:txBody>
+                  <a:tcPr marL="152400" marR="152400" marT="114300" marB="114300"/>
+                </a:tc>
+                <a:tc>
+                  <a:txBody>
+                    <a:bodyPr/>
+                    <a:lstStyle/>
+                    <a:p>
+                      <a:pPr fontAlgn="t"/>
+                      <a:r>
+                        <a:rPr lang="nl-BE" sz="1200" b="1">
+                          <a:effectLst/>
+                          <a:latin typeface="segoe-ui_bold"/>
+                        </a:rPr>
+                        <a:t>mkdir</a:t>
+                      </a:r>
+                      <a:endParaRPr lang="nl-BE" sz="1200">
+                        <a:effectLst/>
+                      </a:endParaRPr>
+                    </a:p>
+                  </a:txBody>
+                  <a:tcPr marL="152400" marR="152400" marT="114300" marB="114300"/>
+                </a:tc>
+                <a:tc>
+                  <a:txBody>
+                    <a:bodyPr/>
+                    <a:lstStyle/>
+                    <a:p>
+                      <a:pPr fontAlgn="t"/>
+                      <a:r>
+                        <a:rPr lang="nl-BE" sz="1200" b="1">
+                          <a:effectLst/>
+                          <a:latin typeface="segoe-ui_bold"/>
+                        </a:rPr>
+                        <a:t>New-Item</a:t>
+                      </a:r>
+                      <a:endParaRPr lang="nl-BE" sz="1200">
+                        <a:effectLst/>
+                      </a:endParaRPr>
+                    </a:p>
+                  </a:txBody>
+                  <a:tcPr marL="152400" marR="152400" marT="114300" marB="114300"/>
+                </a:tc>
+                <a:tc>
+                  <a:txBody>
+                    <a:bodyPr/>
+                    <a:lstStyle/>
+                    <a:p>
+                      <a:pPr fontAlgn="t"/>
+                      <a:r>
+                        <a:rPr lang="nl-BE" sz="1200" b="1">
+                          <a:effectLst/>
+                          <a:latin typeface="segoe-ui_bold"/>
+                        </a:rPr>
+                        <a:t>ni</a:t>
+                      </a:r>
+                      <a:endParaRPr lang="nl-BE" sz="1200">
+                        <a:effectLst/>
+                      </a:endParaRPr>
+                    </a:p>
+                  </a:txBody>
+                  <a:tcPr marL="152400" marR="152400" marT="114300" marB="114300"/>
+                </a:tc>
+                <a:extLst>
+                  <a:ext uri="{0D108BD9-81ED-4DB2-BD59-A6C34878D82A}">
+                    <a16:rowId xmlns:a16="http://schemas.microsoft.com/office/drawing/2014/main" val="828494020"/>
+                  </a:ext>
+                </a:extLst>
+              </a:tr>
+              <a:tr h="370840">
+                <a:tc>
+                  <a:txBody>
+                    <a:bodyPr/>
+                    <a:lstStyle/>
+                    <a:p>
+                      <a:pPr fontAlgn="t"/>
+                      <a:r>
+                        <a:rPr lang="nl-BE" sz="1200" b="1">
+                          <a:effectLst/>
+                          <a:latin typeface="segoe-ui_bold"/>
+                        </a:rPr>
+                        <a:t>pushd</a:t>
+                      </a:r>
+                      <a:endParaRPr lang="nl-BE" sz="1200">
+                        <a:effectLst/>
+                      </a:endParaRPr>
+                    </a:p>
+                  </a:txBody>
+                  <a:tcPr marL="152400" marR="152400" marT="114300" marB="114300"/>
+                </a:tc>
+                <a:tc>
+                  <a:txBody>
+                    <a:bodyPr/>
+                    <a:lstStyle/>
+                    <a:p>
+                      <a:pPr fontAlgn="t"/>
+                      <a:r>
+                        <a:rPr lang="nl-BE" sz="1200" b="1">
+                          <a:effectLst/>
+                          <a:latin typeface="segoe-ui_bold"/>
+                        </a:rPr>
+                        <a:t>pushd</a:t>
+                      </a:r>
+                      <a:endParaRPr lang="nl-BE" sz="1200">
+                        <a:effectLst/>
+                      </a:endParaRPr>
+                    </a:p>
+                  </a:txBody>
+                  <a:tcPr marL="152400" marR="152400" marT="114300" marB="114300"/>
+                </a:tc>
+                <a:tc>
+                  <a:txBody>
+                    <a:bodyPr/>
+                    <a:lstStyle/>
+                    <a:p>
+                      <a:pPr fontAlgn="t"/>
+                      <a:r>
+                        <a:rPr lang="nl-BE" sz="1200" b="1">
+                          <a:effectLst/>
+                          <a:latin typeface="segoe-ui_bold"/>
+                        </a:rPr>
+                        <a:t>Push-Location</a:t>
+                      </a:r>
+                      <a:endParaRPr lang="nl-BE" sz="1200">
+                        <a:effectLst/>
+                      </a:endParaRPr>
+                    </a:p>
+                  </a:txBody>
+                  <a:tcPr marL="152400" marR="152400" marT="114300" marB="114300"/>
+                </a:tc>
+                <a:tc>
+                  <a:txBody>
+                    <a:bodyPr/>
+                    <a:lstStyle/>
+                    <a:p>
+                      <a:pPr fontAlgn="t"/>
+                      <a:r>
+                        <a:rPr lang="nl-BE" sz="1200" b="1">
+                          <a:effectLst/>
+                          <a:latin typeface="segoe-ui_bold"/>
+                        </a:rPr>
+                        <a:t>pushd</a:t>
+                      </a:r>
+                      <a:endParaRPr lang="nl-BE" sz="1200">
+                        <a:effectLst/>
+                      </a:endParaRPr>
+                    </a:p>
+                  </a:txBody>
+                  <a:tcPr marL="152400" marR="152400" marT="114300" marB="114300"/>
+                </a:tc>
+                <a:extLst>
+                  <a:ext uri="{0D108BD9-81ED-4DB2-BD59-A6C34878D82A}">
+                    <a16:rowId xmlns:a16="http://schemas.microsoft.com/office/drawing/2014/main" val="802120947"/>
+                  </a:ext>
+                </a:extLst>
+              </a:tr>
+              <a:tr h="370840">
+                <a:tc>
+                  <a:txBody>
+                    <a:bodyPr/>
+                    <a:lstStyle/>
+                    <a:p>
+                      <a:pPr fontAlgn="t"/>
+                      <a:r>
+                        <a:rPr lang="nl-BE" sz="1200" b="1">
+                          <a:effectLst/>
+                          <a:latin typeface="segoe-ui_bold"/>
+                        </a:rPr>
+                        <a:t>popd</a:t>
+                      </a:r>
+                      <a:endParaRPr lang="nl-BE" sz="1200">
+                        <a:effectLst/>
+                      </a:endParaRPr>
+                    </a:p>
+                  </a:txBody>
+                  <a:tcPr marL="152400" marR="152400" marT="114300" marB="114300"/>
+                </a:tc>
+                <a:tc>
+                  <a:txBody>
+                    <a:bodyPr/>
+                    <a:lstStyle/>
+                    <a:p>
+                      <a:pPr fontAlgn="t"/>
+                      <a:r>
+                        <a:rPr lang="nl-BE" sz="1200" b="1">
+                          <a:effectLst/>
+                          <a:latin typeface="segoe-ui_bold"/>
+                        </a:rPr>
+                        <a:t>popd</a:t>
+                      </a:r>
+                      <a:endParaRPr lang="nl-BE" sz="1200">
+                        <a:effectLst/>
+                      </a:endParaRPr>
+                    </a:p>
+                  </a:txBody>
+                  <a:tcPr marL="152400" marR="152400" marT="114300" marB="114300"/>
+                </a:tc>
+                <a:tc>
+                  <a:txBody>
+                    <a:bodyPr/>
+                    <a:lstStyle/>
+                    <a:p>
+                      <a:pPr fontAlgn="t"/>
+                      <a:r>
+                        <a:rPr lang="nl-BE" sz="1200" b="1">
+                          <a:effectLst/>
+                          <a:latin typeface="segoe-ui_bold"/>
+                        </a:rPr>
+                        <a:t>Pop-Location</a:t>
+                      </a:r>
+                      <a:endParaRPr lang="nl-BE" sz="1200">
+                        <a:effectLst/>
+                      </a:endParaRPr>
+                    </a:p>
+                  </a:txBody>
+                  <a:tcPr marL="152400" marR="152400" marT="114300" marB="114300"/>
+                </a:tc>
+                <a:tc>
+                  <a:txBody>
+                    <a:bodyPr/>
+                    <a:lstStyle/>
+                    <a:p>
+                      <a:pPr fontAlgn="t"/>
+                      <a:r>
+                        <a:rPr lang="nl-BE" sz="1200" b="1" dirty="0">
+                          <a:effectLst/>
+                          <a:latin typeface="segoe-ui_bold"/>
+                        </a:rPr>
+                        <a:t>popd</a:t>
+                      </a:r>
+                      <a:endParaRPr lang="nl-BE" sz="1200" dirty="0">
+                        <a:effectLst/>
+                      </a:endParaRPr>
+                    </a:p>
+                  </a:txBody>
+                  <a:tcPr marL="152400" marR="152400" marT="114300" marB="114300"/>
+                </a:tc>
+                <a:extLst>
+                  <a:ext uri="{0D108BD9-81ED-4DB2-BD59-A6C34878D82A}">
+                    <a16:rowId xmlns:a16="http://schemas.microsoft.com/office/drawing/2014/main" val="3014833187"/>
+                  </a:ext>
+                </a:extLst>
+              </a:tr>
+            </a:tbl>
+          </a:graphicData>
+        </a:graphic>
+      </p:graphicFrame>
     </p:spTree>
     <p:extLst>
       <p:ext uri="{BB962C8B-B14F-4D97-AF65-F5344CB8AC3E}">
-        <p14:creationId xmlns:p14="http://schemas.microsoft.com/office/powerpoint/2010/main" val="3533605638"/>
+        <p14:creationId xmlns:p14="http://schemas.microsoft.com/office/powerpoint/2010/main" val="429508563"/>
       </p:ext>
     </p:extLst>
   </p:cSld>
@@ -26003,25 +27434,16 @@
 </file>
 
 <file path=customXml/item1.xml><?xml version="1.0" encoding="utf-8"?>
-<LongProperties xmlns="http://schemas.microsoft.com/office/2006/metadata/longProperties"/>
-</file>
-
-<file path=customXml/item2.xml><?xml version="1.0" encoding="utf-8"?>
 <p:properties xmlns:p="http://schemas.microsoft.com/office/2006/metadata/properties" xmlns:xsi="http://www.w3.org/2001/XMLSchema-instance" xmlns:pc="http://schemas.microsoft.com/office/infopath/2007/PartnerControls">
   <documentManagement/>
 </p:properties>
 </file>
 
-<file path=customXml/item3.xml><?xml version="1.0" encoding="utf-8"?>
-<?mso-contentType ?>
-<FormTemplates xmlns="http://schemas.microsoft.com/sharepoint/v3/contenttype/forms">
-  <Display>DocumentLibraryForm</Display>
-  <Edit>DocumentLibraryForm</Edit>
-  <New>DocumentLibraryForm</New>
-</FormTemplates>
+<file path=customXml/item2.xml><?xml version="1.0" encoding="utf-8"?>
+<LongProperties xmlns="http://schemas.microsoft.com/office/2006/metadata/longProperties"/>
 </file>
 
-<file path=customXml/item4.xml><?xml version="1.0" encoding="utf-8"?>
+<file path=customXml/item3.xml><?xml version="1.0" encoding="utf-8"?>
 <ct:contentTypeSchema xmlns:ct="http://schemas.microsoft.com/office/2006/metadata/contentType" xmlns:ma="http://schemas.microsoft.com/office/2006/metadata/properties/metaAttributes" ct:_="" ma:_="" ma:contentTypeName="Document" ma:contentTypeID="0x010100959D33A83376F241B96FC317B2040BAF" ma:contentTypeVersion="5" ma:contentTypeDescription="Create a new document." ma:contentTypeScope="" ma:versionID="527b495c0104506c6ad0510e833307a8">
   <xsd:schema xmlns:xsd="http://www.w3.org/2001/XMLSchema" xmlns:xs="http://www.w3.org/2001/XMLSchema" xmlns:p="http://schemas.microsoft.com/office/2006/metadata/properties" xmlns:ns2="9c644b71-f2b7-4af3-8fc7-b12615162907" xmlns:ns3="54f3cedd-548f-4720-83cb-d6c05b93ad22" targetNamespace="http://schemas.microsoft.com/office/2006/metadata/properties" ma:root="true" ma:fieldsID="1d53989094b9f63e1bb90e8dea41e06b" ns2:_="" ns3:_="">
     <xsd:import namespace="9c644b71-f2b7-4af3-8fc7-b12615162907"/>
@@ -26192,15 +27614,16 @@
 </ct:contentTypeSchema>
 </file>
 
-<file path=customXml/itemProps1.xml><?xml version="1.0" encoding="utf-8"?>
-<ds:datastoreItem xmlns:ds="http://schemas.openxmlformats.org/officeDocument/2006/customXml" ds:itemID="{EB9CE09D-DA00-4FA2-BB57-12EE9217E1B2}">
-  <ds:schemaRefs>
-    <ds:schemaRef ds:uri="http://schemas.microsoft.com/office/2006/metadata/longProperties"/>
-  </ds:schemaRefs>
-</ds:datastoreItem>
+<file path=customXml/item4.xml><?xml version="1.0" encoding="utf-8"?>
+<?mso-contentType ?>
+<FormTemplates xmlns="http://schemas.microsoft.com/sharepoint/v3/contenttype/forms">
+  <Display>DocumentLibraryForm</Display>
+  <Edit>DocumentLibraryForm</Edit>
+  <New>DocumentLibraryForm</New>
+</FormTemplates>
 </file>
 
-<file path=customXml/itemProps2.xml><?xml version="1.0" encoding="utf-8"?>
+<file path=customXml/itemProps1.xml><?xml version="1.0" encoding="utf-8"?>
 <ds:datastoreItem xmlns:ds="http://schemas.openxmlformats.org/officeDocument/2006/customXml" ds:itemID="{A30766E2-1FB1-4DBC-A574-2B521885E1F0}">
   <ds:schemaRefs>
     <ds:schemaRef ds:uri="54f3cedd-548f-4720-83cb-d6c05b93ad22"/>
@@ -26217,15 +27640,15 @@
 </ds:datastoreItem>
 </file>
 
-<file path=customXml/itemProps3.xml><?xml version="1.0" encoding="utf-8"?>
-<ds:datastoreItem xmlns:ds="http://schemas.openxmlformats.org/officeDocument/2006/customXml" ds:itemID="{8092415D-C017-446B-92E0-7A9E0F8F3446}">
+<file path=customXml/itemProps2.xml><?xml version="1.0" encoding="utf-8"?>
+<ds:datastoreItem xmlns:ds="http://schemas.openxmlformats.org/officeDocument/2006/customXml" ds:itemID="{EB9CE09D-DA00-4FA2-BB57-12EE9217E1B2}">
   <ds:schemaRefs>
-    <ds:schemaRef ds:uri="http://schemas.microsoft.com/sharepoint/v3/contenttype/forms"/>
+    <ds:schemaRef ds:uri="http://schemas.microsoft.com/office/2006/metadata/longProperties"/>
   </ds:schemaRefs>
 </ds:datastoreItem>
 </file>
 
-<file path=customXml/itemProps4.xml><?xml version="1.0" encoding="utf-8"?>
+<file path=customXml/itemProps3.xml><?xml version="1.0" encoding="utf-8"?>
 <ds:datastoreItem xmlns:ds="http://schemas.openxmlformats.org/officeDocument/2006/customXml" ds:itemID="{B11E10F8-F53B-440E-A07C-4BE43F17767B}">
   <ds:schemaRefs>
     <ds:schemaRef ds:uri="http://schemas.microsoft.com/office/2006/metadata/contentType"/>
@@ -26242,4 +27665,12 @@
     <ds:schemaRef ds:uri="http://schemas.microsoft.com/internal/obd"/>
   </ds:schemaRefs>
 </ds:datastoreItem>
+</file>
+
+<file path=customXml/itemProps4.xml><?xml version="1.0" encoding="utf-8"?>
+<ds:datastoreItem xmlns:ds="http://schemas.openxmlformats.org/officeDocument/2006/customXml" ds:itemID="{8092415D-C017-446B-92E0-7A9E0F8F3446}">
+  <ds:schemaRefs>
+    <ds:schemaRef ds:uri="http://schemas.microsoft.com/sharepoint/v3/contenttype/forms"/>
+  </ds:schemaRefs>
+</ds:datastoreItem>
 </file>
--- a/BasicPowerShell.pptx
+++ b/BasicPowerShell.pptx
@@ -5,10 +5,10 @@
     <p:sldMasterId id="2147483648" r:id="rId5"/>
   </p:sldMasterIdLst>
   <p:notesMasterIdLst>
-    <p:notesMasterId r:id="rId55"/>
+    <p:notesMasterId r:id="rId57"/>
   </p:notesMasterIdLst>
   <p:handoutMasterIdLst>
-    <p:handoutMasterId r:id="rId56"/>
+    <p:handoutMasterId r:id="rId58"/>
   </p:handoutMasterIdLst>
   <p:sldIdLst>
     <p:sldId id="274" r:id="rId6"/>
@@ -21,45 +21,47 @@
     <p:sldId id="394" r:id="rId13"/>
     <p:sldId id="393" r:id="rId14"/>
     <p:sldId id="384" r:id="rId15"/>
-    <p:sldId id="391" r:id="rId16"/>
-    <p:sldId id="390" r:id="rId17"/>
-    <p:sldId id="392" r:id="rId18"/>
-    <p:sldId id="385" r:id="rId19"/>
-    <p:sldId id="386" r:id="rId20"/>
-    <p:sldId id="359" r:id="rId21"/>
-    <p:sldId id="370" r:id="rId22"/>
-    <p:sldId id="375" r:id="rId23"/>
-    <p:sldId id="362" r:id="rId24"/>
-    <p:sldId id="373" r:id="rId25"/>
-    <p:sldId id="365" r:id="rId26"/>
-    <p:sldId id="363" r:id="rId27"/>
-    <p:sldId id="366" r:id="rId28"/>
-    <p:sldId id="367" r:id="rId29"/>
-    <p:sldId id="368" r:id="rId30"/>
-    <p:sldId id="337" r:id="rId31"/>
-    <p:sldId id="336" r:id="rId32"/>
-    <p:sldId id="272" r:id="rId33"/>
-    <p:sldId id="369" r:id="rId34"/>
-    <p:sldId id="371" r:id="rId35"/>
-    <p:sldId id="332" r:id="rId36"/>
-    <p:sldId id="334" r:id="rId37"/>
-    <p:sldId id="331" r:id="rId38"/>
-    <p:sldId id="294" r:id="rId39"/>
-    <p:sldId id="335" r:id="rId40"/>
-    <p:sldId id="293" r:id="rId41"/>
-    <p:sldId id="285" r:id="rId42"/>
-    <p:sldId id="290" r:id="rId43"/>
-    <p:sldId id="350" r:id="rId44"/>
-    <p:sldId id="355" r:id="rId45"/>
-    <p:sldId id="372" r:id="rId46"/>
-    <p:sldId id="347" r:id="rId47"/>
-    <p:sldId id="287" r:id="rId48"/>
-    <p:sldId id="348" r:id="rId49"/>
-    <p:sldId id="288" r:id="rId50"/>
-    <p:sldId id="349" r:id="rId51"/>
-    <p:sldId id="289" r:id="rId52"/>
-    <p:sldId id="258" r:id="rId53"/>
-    <p:sldId id="339" r:id="rId54"/>
+    <p:sldId id="395" r:id="rId16"/>
+    <p:sldId id="396" r:id="rId17"/>
+    <p:sldId id="391" r:id="rId18"/>
+    <p:sldId id="390" r:id="rId19"/>
+    <p:sldId id="392" r:id="rId20"/>
+    <p:sldId id="385" r:id="rId21"/>
+    <p:sldId id="386" r:id="rId22"/>
+    <p:sldId id="359" r:id="rId23"/>
+    <p:sldId id="370" r:id="rId24"/>
+    <p:sldId id="375" r:id="rId25"/>
+    <p:sldId id="362" r:id="rId26"/>
+    <p:sldId id="373" r:id="rId27"/>
+    <p:sldId id="365" r:id="rId28"/>
+    <p:sldId id="363" r:id="rId29"/>
+    <p:sldId id="366" r:id="rId30"/>
+    <p:sldId id="367" r:id="rId31"/>
+    <p:sldId id="368" r:id="rId32"/>
+    <p:sldId id="337" r:id="rId33"/>
+    <p:sldId id="336" r:id="rId34"/>
+    <p:sldId id="272" r:id="rId35"/>
+    <p:sldId id="369" r:id="rId36"/>
+    <p:sldId id="371" r:id="rId37"/>
+    <p:sldId id="332" r:id="rId38"/>
+    <p:sldId id="334" r:id="rId39"/>
+    <p:sldId id="331" r:id="rId40"/>
+    <p:sldId id="294" r:id="rId41"/>
+    <p:sldId id="335" r:id="rId42"/>
+    <p:sldId id="293" r:id="rId43"/>
+    <p:sldId id="285" r:id="rId44"/>
+    <p:sldId id="290" r:id="rId45"/>
+    <p:sldId id="350" r:id="rId46"/>
+    <p:sldId id="355" r:id="rId47"/>
+    <p:sldId id="372" r:id="rId48"/>
+    <p:sldId id="347" r:id="rId49"/>
+    <p:sldId id="287" r:id="rId50"/>
+    <p:sldId id="348" r:id="rId51"/>
+    <p:sldId id="288" r:id="rId52"/>
+    <p:sldId id="349" r:id="rId53"/>
+    <p:sldId id="289" r:id="rId54"/>
+    <p:sldId id="258" r:id="rId55"/>
+    <p:sldId id="339" r:id="rId56"/>
   </p:sldIdLst>
   <p:sldSz cx="9144000" cy="6858000" type="screen4x3"/>
   <p:notesSz cx="6858000" cy="9144000"/>
@@ -1163,6 +1165,100 @@
 </p:notes>
 </file>
 
+<file path=ppt/notesSlides/notesSlide10.xml><?xml version="1.0" encoding="utf-8"?>
+<p:notes xmlns:a="http://schemas.openxmlformats.org/drawingml/2006/main" xmlns:r="http://schemas.openxmlformats.org/officeDocument/2006/relationships" xmlns:p="http://schemas.openxmlformats.org/presentationml/2006/main">
+  <p:cSld>
+    <p:spTree>
+      <p:nvGrpSpPr>
+        <p:cNvPr id="1" name=""/>
+        <p:cNvGrpSpPr/>
+        <p:nvPr/>
+      </p:nvGrpSpPr>
+      <p:grpSpPr>
+        <a:xfrm>
+          <a:off x="0" y="0"/>
+          <a:ext cx="0" cy="0"/>
+          <a:chOff x="0" y="0"/>
+          <a:chExt cx="0" cy="0"/>
+        </a:xfrm>
+      </p:grpSpPr>
+      <p:sp>
+        <p:nvSpPr>
+          <p:cNvPr id="2" name="Slide Image Placeholder 1"/>
+          <p:cNvSpPr>
+            <a:spLocks noGrp="1" noRot="1" noChangeAspect="1"/>
+          </p:cNvSpPr>
+          <p:nvPr>
+            <p:ph type="sldImg"/>
+          </p:nvPr>
+        </p:nvSpPr>
+        <p:spPr/>
+      </p:sp>
+      <p:sp>
+        <p:nvSpPr>
+          <p:cNvPr id="3" name="Notes Placeholder 2"/>
+          <p:cNvSpPr>
+            <a:spLocks noGrp="1"/>
+          </p:cNvSpPr>
+          <p:nvPr>
+            <p:ph type="body" idx="1"/>
+          </p:nvPr>
+        </p:nvSpPr>
+        <p:spPr/>
+        <p:txBody>
+          <a:bodyPr/>
+          <a:lstStyle/>
+          <a:p>
+            <a:r>
+              <a:rPr lang="nl-BE" dirty="0"/>
+              <a:t>http://www.tomsitpro.com/articles/powershell-for-loop,2-845.html</a:t>
+            </a:r>
+            <a:endParaRPr lang="en-BE" dirty="0"/>
+          </a:p>
+        </p:txBody>
+      </p:sp>
+      <p:sp>
+        <p:nvSpPr>
+          <p:cNvPr id="4" name="Slide Number Placeholder 3"/>
+          <p:cNvSpPr>
+            <a:spLocks noGrp="1"/>
+          </p:cNvSpPr>
+          <p:nvPr>
+            <p:ph type="sldNum" sz="quarter" idx="10"/>
+          </p:nvPr>
+        </p:nvSpPr>
+        <p:spPr/>
+        <p:txBody>
+          <a:bodyPr/>
+          <a:lstStyle/>
+          <a:p>
+            <a:pPr>
+              <a:defRPr/>
+            </a:pPr>
+            <a:fld id="{076B50CD-F5B5-4E53-A79B-556DAB40221E}" type="slidenum">
+              <a:rPr lang="en-ZA" smtClean="0"/>
+              <a:pPr>
+                <a:defRPr/>
+              </a:pPr>
+              <a:t>12</a:t>
+            </a:fld>
+            <a:endParaRPr lang="en-ZA"/>
+          </a:p>
+        </p:txBody>
+      </p:sp>
+    </p:spTree>
+    <p:extLst>
+      <p:ext uri="{BB962C8B-B14F-4D97-AF65-F5344CB8AC3E}">
+        <p14:creationId xmlns:p14="http://schemas.microsoft.com/office/powerpoint/2010/main" val="1234719552"/>
+      </p:ext>
+    </p:extLst>
+  </p:cSld>
+  <p:clrMapOvr>
+    <a:masterClrMapping/>
+  </p:clrMapOvr>
+</p:notes>
+</file>
+
 <file path=ppt/notesSlides/notesSlide2.xml><?xml version="1.0" encoding="utf-8"?>
 <p:notes xmlns:a="http://schemas.openxmlformats.org/drawingml/2006/main" xmlns:r="http://schemas.openxmlformats.org/officeDocument/2006/relationships" xmlns:p="http://schemas.openxmlformats.org/presentationml/2006/main">
   <p:cSld>
@@ -2260,6 +2356,226 @@
     <p:extLst>
       <p:ext uri="{BB962C8B-B14F-4D97-AF65-F5344CB8AC3E}">
         <p14:creationId xmlns:p14="http://schemas.microsoft.com/office/powerpoint/2010/main" val="58500248"/>
+      </p:ext>
+    </p:extLst>
+  </p:cSld>
+  <p:clrMapOvr>
+    <a:masterClrMapping/>
+  </p:clrMapOvr>
+</p:notes>
+</file>
+
+<file path=ppt/notesSlides/notesSlide8.xml><?xml version="1.0" encoding="utf-8"?>
+<p:notes xmlns:a="http://schemas.openxmlformats.org/drawingml/2006/main" xmlns:r="http://schemas.openxmlformats.org/officeDocument/2006/relationships" xmlns:p="http://schemas.openxmlformats.org/presentationml/2006/main">
+  <p:cSld>
+    <p:spTree>
+      <p:nvGrpSpPr>
+        <p:cNvPr id="1" name=""/>
+        <p:cNvGrpSpPr/>
+        <p:nvPr/>
+      </p:nvGrpSpPr>
+      <p:grpSpPr>
+        <a:xfrm>
+          <a:off x="0" y="0"/>
+          <a:ext cx="0" cy="0"/>
+          <a:chOff x="0" y="0"/>
+          <a:chExt cx="0" cy="0"/>
+        </a:xfrm>
+      </p:grpSpPr>
+      <p:sp>
+        <p:nvSpPr>
+          <p:cNvPr id="2" name="Slide Image Placeholder 1"/>
+          <p:cNvSpPr>
+            <a:spLocks noGrp="1" noRot="1" noChangeAspect="1"/>
+          </p:cNvSpPr>
+          <p:nvPr>
+            <p:ph type="sldImg"/>
+          </p:nvPr>
+        </p:nvSpPr>
+        <p:spPr/>
+      </p:sp>
+      <p:sp>
+        <p:nvSpPr>
+          <p:cNvPr id="3" name="Notes Placeholder 2"/>
+          <p:cNvSpPr>
+            <a:spLocks noGrp="1"/>
+          </p:cNvSpPr>
+          <p:nvPr>
+            <p:ph type="body" idx="1"/>
+          </p:nvPr>
+        </p:nvSpPr>
+        <p:spPr/>
+        <p:txBody>
+          <a:bodyPr/>
+          <a:lstStyle/>
+          <a:p>
+            <a:r>
+              <a:rPr lang="nl-BE" sz="1000" b="0" i="0" kern="1200" dirty="0">
+                <a:solidFill>
+                  <a:schemeClr val="tx1"/>
+                </a:solidFill>
+                <a:effectLst/>
+                <a:latin typeface="Arial" pitchFamily="34" charset="0"/>
+                <a:ea typeface="ＭＳ Ｐゴシック" charset="0"/>
+                <a:cs typeface="Arial" pitchFamily="34" charset="0"/>
+              </a:rPr>
+              <a:t>"loosely typed“ =</a:t>
+            </a:r>
+            <a:r>
+              <a:rPr lang="nl-BE" sz="1000" b="0" i="0" kern="1200" baseline="0" dirty="0">
+                <a:solidFill>
+                  <a:schemeClr val="tx1"/>
+                </a:solidFill>
+                <a:effectLst/>
+                <a:latin typeface="Arial" pitchFamily="34" charset="0"/>
+                <a:ea typeface="ＭＳ Ｐゴシック" charset="0"/>
+                <a:cs typeface="Arial" pitchFamily="34" charset="0"/>
+              </a:rPr>
+              <a:t> </a:t>
+            </a:r>
+            <a:r>
+              <a:rPr lang="en-US" sz="1000" b="0" i="0" kern="1200" dirty="0">
+                <a:solidFill>
+                  <a:schemeClr val="tx1"/>
+                </a:solidFill>
+                <a:effectLst/>
+                <a:latin typeface="Arial" pitchFamily="34" charset="0"/>
+                <a:ea typeface="ＭＳ Ｐゴシック" charset="0"/>
+                <a:cs typeface="Arial" pitchFamily="34" charset="0"/>
+              </a:rPr>
+              <a:t>they are not limited to a particular type of object. A single variable can even contain a collection (an "array") of different types of objects at the same time.</a:t>
+            </a:r>
+            <a:endParaRPr lang="en-BE" dirty="0"/>
+          </a:p>
+        </p:txBody>
+      </p:sp>
+      <p:sp>
+        <p:nvSpPr>
+          <p:cNvPr id="4" name="Slide Number Placeholder 3"/>
+          <p:cNvSpPr>
+            <a:spLocks noGrp="1"/>
+          </p:cNvSpPr>
+          <p:nvPr>
+            <p:ph type="sldNum" sz="quarter" idx="10"/>
+          </p:nvPr>
+        </p:nvSpPr>
+        <p:spPr/>
+        <p:txBody>
+          <a:bodyPr/>
+          <a:lstStyle/>
+          <a:p>
+            <a:pPr>
+              <a:defRPr/>
+            </a:pPr>
+            <a:fld id="{076B50CD-F5B5-4E53-A79B-556DAB40221E}" type="slidenum">
+              <a:rPr lang="en-ZA" smtClean="0"/>
+              <a:pPr>
+                <a:defRPr/>
+              </a:pPr>
+              <a:t>10</a:t>
+            </a:fld>
+            <a:endParaRPr lang="en-ZA"/>
+          </a:p>
+        </p:txBody>
+      </p:sp>
+    </p:spTree>
+    <p:extLst>
+      <p:ext uri="{BB962C8B-B14F-4D97-AF65-F5344CB8AC3E}">
+        <p14:creationId xmlns:p14="http://schemas.microsoft.com/office/powerpoint/2010/main" val="3671232041"/>
+      </p:ext>
+    </p:extLst>
+  </p:cSld>
+  <p:clrMapOvr>
+    <a:masterClrMapping/>
+  </p:clrMapOvr>
+</p:notes>
+</file>
+
+<file path=ppt/notesSlides/notesSlide9.xml><?xml version="1.0" encoding="utf-8"?>
+<p:notes xmlns:a="http://schemas.openxmlformats.org/drawingml/2006/main" xmlns:r="http://schemas.openxmlformats.org/officeDocument/2006/relationships" xmlns:p="http://schemas.openxmlformats.org/presentationml/2006/main">
+  <p:cSld>
+    <p:spTree>
+      <p:nvGrpSpPr>
+        <p:cNvPr id="1" name=""/>
+        <p:cNvGrpSpPr/>
+        <p:nvPr/>
+      </p:nvGrpSpPr>
+      <p:grpSpPr>
+        <a:xfrm>
+          <a:off x="0" y="0"/>
+          <a:ext cx="0" cy="0"/>
+          <a:chOff x="0" y="0"/>
+          <a:chExt cx="0" cy="0"/>
+        </a:xfrm>
+      </p:grpSpPr>
+      <p:sp>
+        <p:nvSpPr>
+          <p:cNvPr id="2" name="Slide Image Placeholder 1"/>
+          <p:cNvSpPr>
+            <a:spLocks noGrp="1" noRot="1" noChangeAspect="1"/>
+          </p:cNvSpPr>
+          <p:nvPr>
+            <p:ph type="sldImg"/>
+          </p:nvPr>
+        </p:nvSpPr>
+        <p:spPr/>
+      </p:sp>
+      <p:sp>
+        <p:nvSpPr>
+          <p:cNvPr id="3" name="Notes Placeholder 2"/>
+          <p:cNvSpPr>
+            <a:spLocks noGrp="1"/>
+          </p:cNvSpPr>
+          <p:nvPr>
+            <p:ph type="body" idx="1"/>
+          </p:nvPr>
+        </p:nvSpPr>
+        <p:spPr/>
+        <p:txBody>
+          <a:bodyPr/>
+          <a:lstStyle/>
+          <a:p>
+            <a:r>
+              <a:rPr lang="en-US" dirty="0"/>
+              <a:t>Operators are text based</a:t>
+            </a:r>
+            <a:endParaRPr lang="en-BE" dirty="0"/>
+          </a:p>
+        </p:txBody>
+      </p:sp>
+      <p:sp>
+        <p:nvSpPr>
+          <p:cNvPr id="4" name="Slide Number Placeholder 3"/>
+          <p:cNvSpPr>
+            <a:spLocks noGrp="1"/>
+          </p:cNvSpPr>
+          <p:nvPr>
+            <p:ph type="sldNum" sz="quarter" idx="10"/>
+          </p:nvPr>
+        </p:nvSpPr>
+        <p:spPr/>
+        <p:txBody>
+          <a:bodyPr/>
+          <a:lstStyle/>
+          <a:p>
+            <a:pPr>
+              <a:defRPr/>
+            </a:pPr>
+            <a:fld id="{076B50CD-F5B5-4E53-A79B-556DAB40221E}" type="slidenum">
+              <a:rPr lang="en-ZA" smtClean="0"/>
+              <a:pPr>
+                <a:defRPr/>
+              </a:pPr>
+              <a:t>11</a:t>
+            </a:fld>
+            <a:endParaRPr lang="en-ZA"/>
+          </a:p>
+        </p:txBody>
+      </p:sp>
+    </p:spTree>
+    <p:extLst>
+      <p:ext uri="{BB962C8B-B14F-4D97-AF65-F5344CB8AC3E}">
+        <p14:creationId xmlns:p14="http://schemas.microsoft.com/office/powerpoint/2010/main" val="4253894766"/>
       </p:ext>
     </p:extLst>
   </p:cSld>
@@ -10818,7 +11134,7 @@
           <a:p>
             <a:r>
               <a:rPr lang="en-US" dirty="0"/>
-              <a:t>Basic Functions and Variables</a:t>
+              <a:t>Variables</a:t>
             </a:r>
           </a:p>
         </p:txBody>
@@ -10839,21 +11155,429 @@
           <a:lstStyle/>
           <a:p>
             <a:r>
-              <a:rPr lang="en-US" dirty="0">
-                <a:hlinkClick r:id="rId2"/>
+              <a:rPr lang="en-US" dirty="0"/>
+              <a:t>Variables are defined like:</a:t>
+            </a:r>
+          </a:p>
+          <a:p>
+            <a:r>
+              <a:rPr lang="en-US" dirty="0"/>
+              <a:t>	</a:t>
+            </a:r>
+            <a:r>
+              <a:rPr lang="nl-BE" dirty="0"/>
+              <a:t> </a:t>
+            </a:r>
+            <a:r>
+              <a:rPr lang="nl-BE" dirty="0">
+                <a:solidFill>
+                  <a:srgbClr val="0070C0"/>
+                </a:solidFill>
+                <a:latin typeface="Lucida Console" panose="020B0609040504020204" pitchFamily="49" charset="0"/>
               </a:rPr>
-              <a:t>https://stacktoheap.com/blog/2013/06/15/things-that-trip-newbies-in-powershell-pipeline-output/</a:t>
-            </a:r>
+              <a:t>$</a:t>
+            </a:r>
+            <a:r>
+              <a:rPr lang="nl-BE" dirty="0">
+                <a:solidFill>
+                  <a:srgbClr val="FF4500"/>
+                </a:solidFill>
+                <a:latin typeface="Lucida Console" panose="020B0609040504020204" pitchFamily="49" charset="0"/>
+              </a:rPr>
+              <a:t>myVar </a:t>
+            </a:r>
+          </a:p>
+          <a:p>
+            <a:pPr>
+              <a:lnSpc>
+                <a:spcPct val="100000"/>
+              </a:lnSpc>
+            </a:pPr>
+            <a:r>
+              <a:rPr lang="nl-BE" dirty="0">
+                <a:solidFill>
+                  <a:srgbClr val="FF4500"/>
+                </a:solidFill>
+                <a:latin typeface="Lucida Console" panose="020B0609040504020204" pitchFamily="49" charset="0"/>
+              </a:rPr>
+              <a:t>		</a:t>
+            </a:r>
+            <a:r>
+              <a:rPr lang="nl-BE" dirty="0"/>
+              <a:t>variables are "</a:t>
+            </a:r>
+            <a:r>
+              <a:rPr lang="nl-BE" b="1" dirty="0"/>
+              <a:t>loosely typed</a:t>
+            </a:r>
+            <a:r>
+              <a:rPr lang="nl-BE" dirty="0"/>
+              <a:t>”</a:t>
+            </a:r>
+          </a:p>
+          <a:p>
+            <a:pPr>
+              <a:lnSpc>
+                <a:spcPct val="100000"/>
+              </a:lnSpc>
+            </a:pPr>
+            <a:endParaRPr lang="nl-BE" dirty="0"/>
+          </a:p>
+          <a:p>
+            <a:pPr>
+              <a:lnSpc>
+                <a:spcPct val="100000"/>
+              </a:lnSpc>
+            </a:pPr>
+            <a:r>
+              <a:rPr lang="en-US" dirty="0"/>
+              <a:t>Some PowerShell default variables:</a:t>
+            </a:r>
+          </a:p>
+          <a:p>
             <a:endParaRPr lang="en-US" dirty="0"/>
           </a:p>
-          <a:p>
-            <a:endParaRPr lang="en-US" dirty="0"/>
-          </a:p>
-          <a:p>
-            <a:r>
-              <a:rPr lang="en-US" dirty="0"/>
-              <a:t>https://ss64.com/ps/syntax-automatic-variables.html</a:t>
-            </a:r>
+        </p:txBody>
+      </p:sp>
+      <p:graphicFrame>
+        <p:nvGraphicFramePr>
+          <p:cNvPr id="4" name="Table 3"/>
+          <p:cNvGraphicFramePr>
+            <a:graphicFrameLocks noGrp="1"/>
+          </p:cNvGraphicFramePr>
+          <p:nvPr>
+            <p:extLst>
+              <p:ext uri="{D42A27DB-BD31-4B8C-83A1-F6EECF244321}">
+                <p14:modId xmlns:p14="http://schemas.microsoft.com/office/powerpoint/2010/main" val="1408469053"/>
+              </p:ext>
+            </p:extLst>
+          </p:nvPr>
+        </p:nvGraphicFramePr>
+        <p:xfrm>
+          <a:off x="581112" y="3017203"/>
+          <a:ext cx="8063681" cy="2931160"/>
+        </p:xfrm>
+        <a:graphic>
+          <a:graphicData uri="http://schemas.openxmlformats.org/drawingml/2006/table">
+            <a:tbl>
+              <a:tblPr firstRow="1" bandRow="1">
+                <a:tableStyleId>{5C22544A-7EE6-4342-B048-85BDC9FD1C3A}</a:tableStyleId>
+              </a:tblPr>
+              <a:tblGrid>
+                <a:gridCol w="1798985">
+                  <a:extLst>
+                    <a:ext uri="{9D8B030D-6E8A-4147-A177-3AD203B41FA5}">
+                      <a16:colId xmlns:a16="http://schemas.microsoft.com/office/drawing/2014/main" val="116090958"/>
+                    </a:ext>
+                  </a:extLst>
+                </a:gridCol>
+                <a:gridCol w="6264696">
+                  <a:extLst>
+                    <a:ext uri="{9D8B030D-6E8A-4147-A177-3AD203B41FA5}">
+                      <a16:colId xmlns:a16="http://schemas.microsoft.com/office/drawing/2014/main" val="2488031633"/>
+                    </a:ext>
+                  </a:extLst>
+                </a:gridCol>
+              </a:tblGrid>
+              <a:tr h="370840">
+                <a:tc>
+                  <a:txBody>
+                    <a:bodyPr/>
+                    <a:lstStyle/>
+                    <a:p>
+                      <a:r>
+                        <a:rPr lang="en-US" dirty="0"/>
+                        <a:t>Variable</a:t>
+                      </a:r>
+                      <a:endParaRPr lang="en-BE" dirty="0"/>
+                    </a:p>
+                  </a:txBody>
+                  <a:tcPr/>
+                </a:tc>
+                <a:tc>
+                  <a:txBody>
+                    <a:bodyPr/>
+                    <a:lstStyle/>
+                    <a:p>
+                      <a:r>
+                        <a:rPr lang="en-US" dirty="0"/>
+                        <a:t>Purpose</a:t>
+                      </a:r>
+                      <a:endParaRPr lang="en-BE" dirty="0"/>
+                    </a:p>
+                  </a:txBody>
+                  <a:tcPr/>
+                </a:tc>
+                <a:extLst>
+                  <a:ext uri="{0D108BD9-81ED-4DB2-BD59-A6C34878D82A}">
+                    <a16:rowId xmlns:a16="http://schemas.microsoft.com/office/drawing/2014/main" val="1528612914"/>
+                  </a:ext>
+                </a:extLst>
+              </a:tr>
+              <a:tr h="370840">
+                <a:tc>
+                  <a:txBody>
+                    <a:bodyPr/>
+                    <a:lstStyle/>
+                    <a:p>
+                      <a:r>
+                        <a:rPr lang="en-US" dirty="0"/>
+                        <a:t>$</a:t>
+                      </a:r>
+                      <a:r>
+                        <a:rPr lang="en-US" dirty="0" err="1"/>
+                        <a:t>env</a:t>
+                      </a:r>
+                      <a:endParaRPr lang="en-BE" dirty="0"/>
+                    </a:p>
+                  </a:txBody>
+                  <a:tcPr/>
+                </a:tc>
+                <a:tc>
+                  <a:txBody>
+                    <a:bodyPr/>
+                    <a:lstStyle/>
+                    <a:p>
+                      <a:r>
+                        <a:rPr lang="en-US" dirty="0"/>
+                        <a:t>Contains environment values like APPDATA path,</a:t>
+                      </a:r>
+                      <a:r>
+                        <a:rPr lang="en-US" baseline="0" dirty="0"/>
+                        <a:t> computer name, …</a:t>
+                      </a:r>
+                      <a:endParaRPr lang="en-BE" dirty="0"/>
+                    </a:p>
+                  </a:txBody>
+                  <a:tcPr/>
+                </a:tc>
+                <a:extLst>
+                  <a:ext uri="{0D108BD9-81ED-4DB2-BD59-A6C34878D82A}">
+                    <a16:rowId xmlns:a16="http://schemas.microsoft.com/office/drawing/2014/main" val="1381409006"/>
+                  </a:ext>
+                </a:extLst>
+              </a:tr>
+              <a:tr h="370840">
+                <a:tc>
+                  <a:txBody>
+                    <a:bodyPr/>
+                    <a:lstStyle/>
+                    <a:p>
+                      <a:r>
+                        <a:rPr lang="en-US" dirty="0"/>
+                        <a:t>$_</a:t>
+                      </a:r>
+                      <a:endParaRPr lang="en-BE" dirty="0"/>
+                    </a:p>
+                  </a:txBody>
+                  <a:tcPr/>
+                </a:tc>
+                <a:tc>
+                  <a:txBody>
+                    <a:bodyPr/>
+                    <a:lstStyle/>
+                    <a:p>
+                      <a:r>
+                        <a:rPr lang="en-US" dirty="0"/>
+                        <a:t>Contains</a:t>
+                      </a:r>
+                      <a:r>
+                        <a:rPr lang="en-US" baseline="0" dirty="0"/>
+                        <a:t> the current object in the pipeline. </a:t>
+                      </a:r>
+                      <a:r>
+                        <a:rPr lang="en-US" baseline="0" dirty="0" err="1"/>
+                        <a:t>E.g</a:t>
+                      </a:r>
+                      <a:r>
+                        <a:rPr lang="en-US" baseline="0" dirty="0"/>
+                        <a:t> inside a </a:t>
+                      </a:r>
+                      <a:r>
+                        <a:rPr lang="en-US" baseline="0" dirty="0" err="1"/>
+                        <a:t>foreach</a:t>
+                      </a:r>
+                      <a:endParaRPr lang="en-BE" dirty="0"/>
+                    </a:p>
+                  </a:txBody>
+                  <a:tcPr/>
+                </a:tc>
+                <a:extLst>
+                  <a:ext uri="{0D108BD9-81ED-4DB2-BD59-A6C34878D82A}">
+                    <a16:rowId xmlns:a16="http://schemas.microsoft.com/office/drawing/2014/main" val="2347206717"/>
+                  </a:ext>
+                </a:extLst>
+              </a:tr>
+              <a:tr h="370840">
+                <a:tc>
+                  <a:txBody>
+                    <a:bodyPr/>
+                    <a:lstStyle/>
+                    <a:p>
+                      <a:r>
+                        <a:rPr lang="en-US" dirty="0"/>
+                        <a:t>$false,</a:t>
+                      </a:r>
+                      <a:r>
+                        <a:rPr lang="en-US" baseline="0" dirty="0"/>
+                        <a:t> $true</a:t>
+                      </a:r>
+                      <a:endParaRPr lang="en-BE" dirty="0"/>
+                    </a:p>
+                  </a:txBody>
+                  <a:tcPr/>
+                </a:tc>
+                <a:tc>
+                  <a:txBody>
+                    <a:bodyPr/>
+                    <a:lstStyle/>
+                    <a:p>
+                      <a:r>
+                        <a:rPr lang="en-US" dirty="0"/>
+                        <a:t>Contains it’s</a:t>
+                      </a:r>
+                      <a:r>
+                        <a:rPr lang="en-US" baseline="0" dirty="0"/>
+                        <a:t> representing value so you don’t need to use text.</a:t>
+                      </a:r>
+                      <a:endParaRPr lang="en-BE" dirty="0"/>
+                    </a:p>
+                  </a:txBody>
+                  <a:tcPr/>
+                </a:tc>
+                <a:extLst>
+                  <a:ext uri="{0D108BD9-81ED-4DB2-BD59-A6C34878D82A}">
+                    <a16:rowId xmlns:a16="http://schemas.microsoft.com/office/drawing/2014/main" val="3110967943"/>
+                  </a:ext>
+                </a:extLst>
+              </a:tr>
+              <a:tr h="370840">
+                <a:tc>
+                  <a:txBody>
+                    <a:bodyPr/>
+                    <a:lstStyle/>
+                    <a:p>
+                      <a:r>
+                        <a:rPr lang="en-US" dirty="0"/>
+                        <a:t>$profile</a:t>
+                      </a:r>
+                      <a:endParaRPr lang="en-BE" dirty="0"/>
+                    </a:p>
+                  </a:txBody>
+                  <a:tcPr/>
+                </a:tc>
+                <a:tc>
+                  <a:txBody>
+                    <a:bodyPr/>
+                    <a:lstStyle/>
+                    <a:p>
+                      <a:r>
+                        <a:rPr lang="en-US" dirty="0"/>
+                        <a:t>Contains the full path of the Windows PowerShell profile for the current user and the current host application</a:t>
+                      </a:r>
+                      <a:endParaRPr lang="en-BE" dirty="0"/>
+                    </a:p>
+                  </a:txBody>
+                  <a:tcPr/>
+                </a:tc>
+                <a:extLst>
+                  <a:ext uri="{0D108BD9-81ED-4DB2-BD59-A6C34878D82A}">
+                    <a16:rowId xmlns:a16="http://schemas.microsoft.com/office/drawing/2014/main" val="2580046546"/>
+                  </a:ext>
+                </a:extLst>
+              </a:tr>
+            </a:tbl>
+          </a:graphicData>
+        </a:graphic>
+      </p:graphicFrame>
+      <p:sp>
+        <p:nvSpPr>
+          <p:cNvPr id="5" name="TextBox 4"/>
+          <p:cNvSpPr txBox="1"/>
+          <p:nvPr/>
+        </p:nvSpPr>
+        <p:spPr>
+          <a:xfrm>
+            <a:off x="40953" y="6255495"/>
+            <a:ext cx="9144000" cy="461665"/>
+          </a:xfrm>
+          <a:prstGeom prst="rect">
+            <a:avLst/>
+          </a:prstGeom>
+          <a:noFill/>
+        </p:spPr>
+        <p:txBody>
+          <a:bodyPr wrap="square" rtlCol="0">
+            <a:spAutoFit/>
+          </a:bodyPr>
+          <a:lstStyle/>
+          <a:p>
+            <a:r>
+              <a:rPr lang="nl-BE" sz="1200" dirty="0">
+                <a:hlinkClick r:id="rId3"/>
+              </a:rPr>
+              <a:t>https://docs.microsoft.com/en-us/powershell/module/microsoft.powershell.core/about/about_variables?view=powershell-5.1</a:t>
+            </a:r>
+            <a:endParaRPr lang="nl-BE" sz="1200" dirty="0"/>
+          </a:p>
+          <a:p>
+            <a:endParaRPr lang="nl-BE" sz="1200" dirty="0"/>
+          </a:p>
+        </p:txBody>
+      </p:sp>
+      <p:sp>
+        <p:nvSpPr>
+          <p:cNvPr id="6" name="Arrow: Right 5"/>
+          <p:cNvSpPr/>
+          <p:nvPr/>
+        </p:nvSpPr>
+        <p:spPr>
+          <a:xfrm>
+            <a:off x="296863" y="2010698"/>
+            <a:ext cx="648072" cy="288032"/>
+          </a:xfrm>
+          <a:prstGeom prst="rightArrow">
+            <a:avLst/>
+          </a:prstGeom>
+          <a:ln w="12700">
+            <a:solidFill>
+              <a:schemeClr val="accent1"/>
+            </a:solidFill>
+          </a:ln>
+          <a:effectLst/>
+        </p:spPr>
+        <p:style>
+          <a:lnRef idx="2">
+            <a:schemeClr val="accent1">
+              <a:shade val="50000"/>
+            </a:schemeClr>
+          </a:lnRef>
+          <a:fillRef idx="1">
+            <a:schemeClr val="accent1"/>
+          </a:fillRef>
+          <a:effectRef idx="0">
+            <a:schemeClr val="accent1"/>
+          </a:effectRef>
+          <a:fontRef idx="minor">
+            <a:schemeClr val="lt1"/>
+          </a:fontRef>
+        </p:style>
+        <p:txBody>
+          <a:bodyPr lIns="36000" tIns="36000" rIns="36000" bIns="36000" rtlCol="0" anchor="ctr"/>
+          <a:lstStyle/>
+          <a:p>
+            <a:pPr algn="ctr">
+              <a:lnSpc>
+                <a:spcPct val="110000"/>
+              </a:lnSpc>
+              <a:spcBef>
+                <a:spcPts val="200"/>
+              </a:spcBef>
+              <a:spcAft>
+                <a:spcPts val="200"/>
+              </a:spcAft>
+            </a:pPr>
+            <a:endParaRPr lang="en-BE" sz="1600" dirty="0"/>
           </a:p>
         </p:txBody>
       </p:sp>
@@ -10903,8 +11627,8 @@
           <a:lstStyle/>
           <a:p>
             <a:r>
-              <a:rPr lang="en-US" dirty="0"/>
-              <a:t>Creating functions</a:t>
+              <a:rPr lang="nl-BE" dirty="0"/>
+              <a:t>Comparison Operators</a:t>
             </a:r>
             <a:endParaRPr lang="en-BE" dirty="0"/>
           </a:p>
@@ -10912,12 +11636,12 @@
       </p:sp>
       <p:sp>
         <p:nvSpPr>
-          <p:cNvPr id="3" name="Content Placeholder 2"/>
+          <p:cNvPr id="5" name="Text Placeholder 4"/>
           <p:cNvSpPr>
             <a:spLocks noGrp="1"/>
           </p:cNvSpPr>
           <p:nvPr>
-            <p:ph idx="1"/>
+            <p:ph type="body" sz="quarter" idx="12"/>
           </p:nvPr>
         </p:nvSpPr>
         <p:spPr/>
@@ -10925,14 +11649,494 @@
           <a:bodyPr/>
           <a:lstStyle/>
           <a:p>
+            <a:pPr>
+              <a:buFont typeface="Arial" panose="020B0604020202020204" pitchFamily="34" charset="0"/>
+              <a:buChar char="•"/>
+            </a:pPr>
+            <a:r>
+              <a:rPr lang="en-US" dirty="0"/>
+              <a:t>Operators are “text’ based e.g. –</a:t>
+            </a:r>
+            <a:r>
+              <a:rPr lang="en-US" dirty="0" err="1"/>
+              <a:t>eg</a:t>
+            </a:r>
+            <a:r>
+              <a:rPr lang="en-US" dirty="0"/>
+              <a:t> = equal</a:t>
+            </a:r>
+          </a:p>
+          <a:p>
+            <a:pPr>
+              <a:buFont typeface="Arial" panose="020B0604020202020204" pitchFamily="34" charset="0"/>
+              <a:buChar char="•"/>
+            </a:pPr>
+            <a:r>
+              <a:rPr lang="en-US" dirty="0"/>
+              <a:t>Work by default on variables and arrays</a:t>
+            </a:r>
+          </a:p>
+          <a:p>
+            <a:pPr>
+              <a:buFont typeface="Arial" panose="020B0604020202020204" pitchFamily="34" charset="0"/>
+              <a:buChar char="•"/>
+            </a:pPr>
+            <a:endParaRPr lang="en-BE" dirty="0"/>
+          </a:p>
+        </p:txBody>
+      </p:sp>
+      <p:sp>
+        <p:nvSpPr>
+          <p:cNvPr id="6" name="Text Placeholder 5"/>
+          <p:cNvSpPr>
+            <a:spLocks noGrp="1"/>
+          </p:cNvSpPr>
+          <p:nvPr>
+            <p:ph type="body" sz="quarter" idx="14"/>
+          </p:nvPr>
+        </p:nvSpPr>
+        <p:spPr/>
+        <p:txBody>
+          <a:bodyPr/>
+          <a:lstStyle/>
+          <a:p>
             <a:endParaRPr lang="en-BE"/>
+          </a:p>
+        </p:txBody>
+      </p:sp>
+      <p:sp>
+        <p:nvSpPr>
+          <p:cNvPr id="7" name="Content Placeholder 6"/>
+          <p:cNvSpPr>
+            <a:spLocks noGrp="1"/>
+          </p:cNvSpPr>
+          <p:nvPr>
+            <p:ph sz="quarter" idx="15"/>
+          </p:nvPr>
+        </p:nvSpPr>
+        <p:spPr/>
+        <p:txBody>
+          <a:bodyPr/>
+          <a:lstStyle/>
+          <a:p>
+            <a:r>
+              <a:rPr lang="nl-BE" dirty="0">
+                <a:solidFill>
+                  <a:srgbClr val="800080"/>
+                </a:solidFill>
+                <a:latin typeface="Lucida Console" panose="020B0609040504020204" pitchFamily="49" charset="0"/>
+              </a:rPr>
+              <a:t>8</a:t>
+            </a:r>
+            <a:r>
+              <a:rPr lang="nl-BE" dirty="0">
+                <a:solidFill>
+                  <a:prstClr val="black"/>
+                </a:solidFill>
+                <a:latin typeface="Lucida Console" panose="020B0609040504020204" pitchFamily="49" charset="0"/>
+              </a:rPr>
+              <a:t> </a:t>
+            </a:r>
+            <a:r>
+              <a:rPr lang="nl-BE" dirty="0">
+                <a:solidFill>
+                  <a:srgbClr val="A9A9A9"/>
+                </a:solidFill>
+                <a:latin typeface="Lucida Console" panose="020B0609040504020204" pitchFamily="49" charset="0"/>
+              </a:rPr>
+              <a:t>-eq</a:t>
+            </a:r>
+            <a:r>
+              <a:rPr lang="nl-BE" dirty="0">
+                <a:solidFill>
+                  <a:prstClr val="black"/>
+                </a:solidFill>
+                <a:latin typeface="Lucida Console" panose="020B0609040504020204" pitchFamily="49" charset="0"/>
+              </a:rPr>
+              <a:t> </a:t>
+            </a:r>
+            <a:r>
+              <a:rPr lang="nl-BE" dirty="0">
+                <a:solidFill>
+                  <a:srgbClr val="800080"/>
+                </a:solidFill>
+                <a:latin typeface="Lucida Console" panose="020B0609040504020204" pitchFamily="49" charset="0"/>
+              </a:rPr>
+              <a:t>7</a:t>
+            </a:r>
+          </a:p>
+          <a:p>
+            <a:pPr marL="0" indent="0"/>
+            <a:r>
+              <a:rPr lang="nl-BE" dirty="0">
+                <a:solidFill>
+                  <a:srgbClr val="800080"/>
+                </a:solidFill>
+                <a:latin typeface="Lucida Console" panose="020B0609040504020204" pitchFamily="49" charset="0"/>
+              </a:rPr>
+              <a:t>&gt; False</a:t>
+            </a:r>
+          </a:p>
+          <a:p>
+            <a:pPr marL="0" indent="0"/>
+            <a:endParaRPr lang="nl-BE" dirty="0">
+              <a:solidFill>
+                <a:prstClr val="black"/>
+              </a:solidFill>
+              <a:latin typeface="Lucida Console" panose="020B0609040504020204" pitchFamily="49" charset="0"/>
+            </a:endParaRPr>
+          </a:p>
+          <a:p>
+            <a:r>
+              <a:rPr lang="nl-BE" dirty="0">
+                <a:solidFill>
+                  <a:srgbClr val="800080"/>
+                </a:solidFill>
+                <a:latin typeface="Lucida Console" panose="020B0609040504020204" pitchFamily="49" charset="0"/>
+              </a:rPr>
+              <a:t>5</a:t>
+            </a:r>
+            <a:r>
+              <a:rPr lang="nl-BE" dirty="0">
+                <a:solidFill>
+                  <a:srgbClr val="A9A9A9"/>
+                </a:solidFill>
+                <a:latin typeface="Lucida Console" panose="020B0609040504020204" pitchFamily="49" charset="0"/>
+              </a:rPr>
+              <a:t>,</a:t>
+            </a:r>
+            <a:r>
+              <a:rPr lang="nl-BE" dirty="0">
+                <a:solidFill>
+                  <a:srgbClr val="800080"/>
+                </a:solidFill>
+                <a:latin typeface="Lucida Console" panose="020B0609040504020204" pitchFamily="49" charset="0"/>
+              </a:rPr>
+              <a:t>6</a:t>
+            </a:r>
+            <a:r>
+              <a:rPr lang="nl-BE" dirty="0">
+                <a:solidFill>
+                  <a:srgbClr val="A9A9A9"/>
+                </a:solidFill>
+                <a:latin typeface="Lucida Console" panose="020B0609040504020204" pitchFamily="49" charset="0"/>
+              </a:rPr>
+              <a:t>,</a:t>
+            </a:r>
+            <a:r>
+              <a:rPr lang="nl-BE" dirty="0">
+                <a:solidFill>
+                  <a:srgbClr val="800080"/>
+                </a:solidFill>
+                <a:latin typeface="Lucida Console" panose="020B0609040504020204" pitchFamily="49" charset="0"/>
+              </a:rPr>
+              <a:t>7</a:t>
+            </a:r>
+            <a:r>
+              <a:rPr lang="nl-BE" dirty="0">
+                <a:solidFill>
+                  <a:srgbClr val="A9A9A9"/>
+                </a:solidFill>
+                <a:latin typeface="Lucida Console" panose="020B0609040504020204" pitchFamily="49" charset="0"/>
+              </a:rPr>
+              <a:t>,</a:t>
+            </a:r>
+            <a:r>
+              <a:rPr lang="nl-BE" dirty="0">
+                <a:solidFill>
+                  <a:srgbClr val="800080"/>
+                </a:solidFill>
+                <a:latin typeface="Lucida Console" panose="020B0609040504020204" pitchFamily="49" charset="0"/>
+              </a:rPr>
+              <a:t>8</a:t>
+            </a:r>
+            <a:r>
+              <a:rPr lang="nl-BE" dirty="0">
+                <a:solidFill>
+                  <a:prstClr val="black"/>
+                </a:solidFill>
+                <a:latin typeface="Lucida Console" panose="020B0609040504020204" pitchFamily="49" charset="0"/>
+              </a:rPr>
+              <a:t> </a:t>
+            </a:r>
+            <a:r>
+              <a:rPr lang="nl-BE" dirty="0">
+                <a:solidFill>
+                  <a:srgbClr val="A9A9A9"/>
+                </a:solidFill>
+                <a:latin typeface="Lucida Console" panose="020B0609040504020204" pitchFamily="49" charset="0"/>
+              </a:rPr>
+              <a:t>-eq</a:t>
+            </a:r>
+            <a:r>
+              <a:rPr lang="nl-BE" dirty="0">
+                <a:solidFill>
+                  <a:prstClr val="black"/>
+                </a:solidFill>
+                <a:latin typeface="Lucida Console" panose="020B0609040504020204" pitchFamily="49" charset="0"/>
+              </a:rPr>
+              <a:t> </a:t>
+            </a:r>
+            <a:r>
+              <a:rPr lang="nl-BE" dirty="0">
+                <a:solidFill>
+                  <a:srgbClr val="800080"/>
+                </a:solidFill>
+                <a:latin typeface="Lucida Console" panose="020B0609040504020204" pitchFamily="49" charset="0"/>
+              </a:rPr>
+              <a:t>7 </a:t>
+            </a:r>
+          </a:p>
+          <a:p>
+            <a:r>
+              <a:rPr lang="nl-BE" dirty="0">
+                <a:solidFill>
+                  <a:srgbClr val="800080"/>
+                </a:solidFill>
+                <a:latin typeface="Lucida Console" panose="020B0609040504020204" pitchFamily="49" charset="0"/>
+              </a:rPr>
+              <a:t>&gt; 7</a:t>
+            </a:r>
+          </a:p>
+          <a:p>
+            <a:endParaRPr lang="nl-BE" dirty="0">
+              <a:solidFill>
+                <a:srgbClr val="800080"/>
+              </a:solidFill>
+              <a:latin typeface="Lucida Console" panose="020B0609040504020204" pitchFamily="49" charset="0"/>
+            </a:endParaRPr>
+          </a:p>
+          <a:p>
+            <a:r>
+              <a:rPr lang="nl-BE" dirty="0"/>
+              <a:t> </a:t>
+            </a:r>
+            <a:r>
+              <a:rPr lang="nl-BE" dirty="0">
+                <a:solidFill>
+                  <a:srgbClr val="800080"/>
+                </a:solidFill>
+                <a:latin typeface="Lucida Console" panose="020B0609040504020204" pitchFamily="49" charset="0"/>
+              </a:rPr>
+              <a:t>5</a:t>
+            </a:r>
+            <a:r>
+              <a:rPr lang="nl-BE" dirty="0">
+                <a:solidFill>
+                  <a:srgbClr val="A9A9A9"/>
+                </a:solidFill>
+                <a:latin typeface="Lucida Console" panose="020B0609040504020204" pitchFamily="49" charset="0"/>
+              </a:rPr>
+              <a:t>,</a:t>
+            </a:r>
+            <a:r>
+              <a:rPr lang="nl-BE" dirty="0">
+                <a:solidFill>
+                  <a:srgbClr val="800080"/>
+                </a:solidFill>
+                <a:latin typeface="Lucida Console" panose="020B0609040504020204" pitchFamily="49" charset="0"/>
+              </a:rPr>
+              <a:t>6</a:t>
+            </a:r>
+            <a:r>
+              <a:rPr lang="nl-BE" dirty="0">
+                <a:solidFill>
+                  <a:srgbClr val="A9A9A9"/>
+                </a:solidFill>
+                <a:latin typeface="Lucida Console" panose="020B0609040504020204" pitchFamily="49" charset="0"/>
+              </a:rPr>
+              <a:t>,</a:t>
+            </a:r>
+            <a:r>
+              <a:rPr lang="nl-BE" dirty="0">
+                <a:solidFill>
+                  <a:srgbClr val="800080"/>
+                </a:solidFill>
+                <a:latin typeface="Lucida Console" panose="020B0609040504020204" pitchFamily="49" charset="0"/>
+              </a:rPr>
+              <a:t>7</a:t>
+            </a:r>
+            <a:r>
+              <a:rPr lang="nl-BE" dirty="0">
+                <a:solidFill>
+                  <a:srgbClr val="A9A9A9"/>
+                </a:solidFill>
+                <a:latin typeface="Lucida Console" panose="020B0609040504020204" pitchFamily="49" charset="0"/>
+              </a:rPr>
+              <a:t>,</a:t>
+            </a:r>
+            <a:r>
+              <a:rPr lang="nl-BE" dirty="0">
+                <a:solidFill>
+                  <a:srgbClr val="800080"/>
+                </a:solidFill>
+                <a:latin typeface="Lucida Console" panose="020B0609040504020204" pitchFamily="49" charset="0"/>
+              </a:rPr>
+              <a:t>8</a:t>
+            </a:r>
+            <a:r>
+              <a:rPr lang="nl-BE" dirty="0">
+                <a:solidFill>
+                  <a:prstClr val="black"/>
+                </a:solidFill>
+                <a:latin typeface="Lucida Console" panose="020B0609040504020204" pitchFamily="49" charset="0"/>
+              </a:rPr>
+              <a:t> </a:t>
+            </a:r>
+            <a:r>
+              <a:rPr lang="nl-BE" dirty="0">
+                <a:solidFill>
+                  <a:srgbClr val="A9A9A9"/>
+                </a:solidFill>
+                <a:latin typeface="Lucida Console" panose="020B0609040504020204" pitchFamily="49" charset="0"/>
+              </a:rPr>
+              <a:t>-lt</a:t>
+            </a:r>
+            <a:r>
+              <a:rPr lang="nl-BE" dirty="0">
+                <a:solidFill>
+                  <a:prstClr val="black"/>
+                </a:solidFill>
+                <a:latin typeface="Lucida Console" panose="020B0609040504020204" pitchFamily="49" charset="0"/>
+              </a:rPr>
+              <a:t> </a:t>
+            </a:r>
+            <a:r>
+              <a:rPr lang="nl-BE" dirty="0">
+                <a:solidFill>
+                  <a:srgbClr val="800080"/>
+                </a:solidFill>
+                <a:latin typeface="Lucida Console" panose="020B0609040504020204" pitchFamily="49" charset="0"/>
+              </a:rPr>
+              <a:t>7 </a:t>
+            </a:r>
+          </a:p>
+          <a:p>
+            <a:pPr marL="0" indent="0"/>
+            <a:r>
+              <a:rPr lang="nl-BE" dirty="0">
+                <a:solidFill>
+                  <a:srgbClr val="800080"/>
+                </a:solidFill>
+                <a:latin typeface="Lucida Console" panose="020B0609040504020204" pitchFamily="49" charset="0"/>
+              </a:rPr>
+              <a:t>&gt; 5</a:t>
+            </a:r>
+          </a:p>
+          <a:p>
+            <a:pPr marL="0" indent="0"/>
+            <a:r>
+              <a:rPr lang="nl-BE" dirty="0">
+                <a:solidFill>
+                  <a:srgbClr val="800080"/>
+                </a:solidFill>
+                <a:latin typeface="Lucida Console" panose="020B0609040504020204" pitchFamily="49" charset="0"/>
+              </a:rPr>
+              <a:t>6</a:t>
+            </a:r>
+          </a:p>
+          <a:p>
+            <a:endParaRPr lang="en-US" dirty="0"/>
+          </a:p>
+          <a:p>
+            <a:r>
+              <a:rPr lang="nl-BE" dirty="0"/>
+              <a:t> </a:t>
+            </a:r>
+            <a:r>
+              <a:rPr lang="nl-BE" dirty="0">
+                <a:solidFill>
+                  <a:srgbClr val="8B0000"/>
+                </a:solidFill>
+                <a:latin typeface="Lucida Console" panose="020B0609040504020204" pitchFamily="49" charset="0"/>
+              </a:rPr>
+              <a:t>"Euricom Cruise!"</a:t>
+            </a:r>
+            <a:r>
+              <a:rPr lang="nl-BE" dirty="0">
+                <a:solidFill>
+                  <a:prstClr val="black"/>
+                </a:solidFill>
+                <a:latin typeface="Lucida Console" panose="020B0609040504020204" pitchFamily="49" charset="0"/>
+              </a:rPr>
+              <a:t> </a:t>
+            </a:r>
+            <a:r>
+              <a:rPr lang="nl-BE" dirty="0">
+                <a:solidFill>
+                  <a:srgbClr val="A9A9A9"/>
+                </a:solidFill>
+                <a:latin typeface="Lucida Console" panose="020B0609040504020204" pitchFamily="49" charset="0"/>
+              </a:rPr>
+              <a:t>-match</a:t>
+            </a:r>
+            <a:r>
+              <a:rPr lang="nl-BE" dirty="0">
+                <a:solidFill>
+                  <a:prstClr val="black"/>
+                </a:solidFill>
+                <a:latin typeface="Lucida Console" panose="020B0609040504020204" pitchFamily="49" charset="0"/>
+              </a:rPr>
+              <a:t> </a:t>
+            </a:r>
+            <a:r>
+              <a:rPr lang="nl-BE" dirty="0">
+                <a:solidFill>
+                  <a:srgbClr val="8B0000"/>
+                </a:solidFill>
+                <a:latin typeface="Lucida Console" panose="020B0609040504020204" pitchFamily="49" charset="0"/>
+              </a:rPr>
+              <a:t>"Euri" </a:t>
+            </a:r>
+          </a:p>
+          <a:p>
+            <a:r>
+              <a:rPr lang="en-US" dirty="0"/>
+              <a:t>&gt; True</a:t>
+            </a:r>
+            <a:endParaRPr lang="en-BE" dirty="0"/>
+          </a:p>
+        </p:txBody>
+      </p:sp>
+      <p:sp>
+        <p:nvSpPr>
+          <p:cNvPr id="4" name="TextBox 3"/>
+          <p:cNvSpPr txBox="1"/>
+          <p:nvPr/>
+        </p:nvSpPr>
+        <p:spPr>
+          <a:xfrm>
+            <a:off x="40953" y="6255495"/>
+            <a:ext cx="9144000" cy="446276"/>
+          </a:xfrm>
+          <a:prstGeom prst="rect">
+            <a:avLst/>
+          </a:prstGeom>
+          <a:noFill/>
+        </p:spPr>
+        <p:txBody>
+          <a:bodyPr wrap="square" rtlCol="0">
+            <a:spAutoFit/>
+          </a:bodyPr>
+          <a:lstStyle/>
+          <a:p>
+            <a:r>
+              <a:rPr lang="nl-BE" sz="1100" dirty="0">
+                <a:hlinkClick r:id="rId3"/>
+              </a:rPr>
+              <a:t>https://docs.microsoft.com/en-us/powershell/module/microsoft.powershell.core/about/about_comparison_operators?view=powershell-5.1</a:t>
+            </a:r>
+            <a:endParaRPr lang="nl-BE" sz="1100" dirty="0"/>
+          </a:p>
+          <a:p>
+            <a:endParaRPr lang="nl-BE" sz="1200" dirty="0"/>
           </a:p>
         </p:txBody>
       </p:sp>
     </p:spTree>
     <p:extLst>
       <p:ext uri="{BB962C8B-B14F-4D97-AF65-F5344CB8AC3E}">
-        <p14:creationId xmlns:p14="http://schemas.microsoft.com/office/powerpoint/2010/main" val="3533605638"/>
+        <p14:creationId xmlns:p14="http://schemas.microsoft.com/office/powerpoint/2010/main" val="3340357241"/>
       </p:ext>
     </p:extLst>
   </p:cSld>
@@ -10976,7 +12180,7 @@
           <a:p>
             <a:r>
               <a:rPr lang="en-US" dirty="0"/>
-              <a:t>Modules</a:t>
+              <a:t>Loops</a:t>
             </a:r>
             <a:endParaRPr lang="en-BE" dirty="0"/>
           </a:p>
@@ -10984,12 +12188,12 @@
       </p:sp>
       <p:sp>
         <p:nvSpPr>
-          <p:cNvPr id="3" name="Content Placeholder 2"/>
+          <p:cNvPr id="3" name="Text Placeholder 2"/>
           <p:cNvSpPr>
             <a:spLocks noGrp="1"/>
           </p:cNvSpPr>
           <p:nvPr>
-            <p:ph idx="1"/>
+            <p:ph type="body" sz="quarter" idx="12"/>
           </p:nvPr>
         </p:nvSpPr>
         <p:spPr/>
@@ -11001,10 +12205,83 @@
           </a:p>
         </p:txBody>
       </p:sp>
+      <p:sp>
+        <p:nvSpPr>
+          <p:cNvPr id="4" name="Text Placeholder 3"/>
+          <p:cNvSpPr>
+            <a:spLocks noGrp="1"/>
+          </p:cNvSpPr>
+          <p:nvPr>
+            <p:ph type="body" sz="quarter" idx="14"/>
+          </p:nvPr>
+        </p:nvSpPr>
+        <p:spPr/>
+        <p:txBody>
+          <a:bodyPr/>
+          <a:lstStyle/>
+          <a:p>
+            <a:endParaRPr lang="en-BE"/>
+          </a:p>
+        </p:txBody>
+      </p:sp>
+      <p:sp>
+        <p:nvSpPr>
+          <p:cNvPr id="5" name="Content Placeholder 4"/>
+          <p:cNvSpPr>
+            <a:spLocks noGrp="1"/>
+          </p:cNvSpPr>
+          <p:nvPr>
+            <p:ph sz="quarter" idx="15"/>
+          </p:nvPr>
+        </p:nvSpPr>
+        <p:spPr/>
+        <p:txBody>
+          <a:bodyPr/>
+          <a:lstStyle/>
+          <a:p>
+            <a:endParaRPr lang="en-BE"/>
+          </a:p>
+        </p:txBody>
+      </p:sp>
+      <p:sp>
+        <p:nvSpPr>
+          <p:cNvPr id="6" name="TextBox 5"/>
+          <p:cNvSpPr txBox="1"/>
+          <p:nvPr/>
+        </p:nvSpPr>
+        <p:spPr>
+          <a:xfrm>
+            <a:off x="40953" y="6255495"/>
+            <a:ext cx="9144000" cy="461665"/>
+          </a:xfrm>
+          <a:prstGeom prst="rect">
+            <a:avLst/>
+          </a:prstGeom>
+          <a:noFill/>
+        </p:spPr>
+        <p:txBody>
+          <a:bodyPr wrap="square" rtlCol="0">
+            <a:spAutoFit/>
+          </a:bodyPr>
+          <a:lstStyle/>
+          <a:p>
+            <a:r>
+              <a:rPr lang="nl-BE" sz="1200" dirty="0">
+                <a:hlinkClick r:id="rId3"/>
+              </a:rPr>
+              <a:t>http://www.tomsitpro.com/articles/powershell-for-loop,2-845.html</a:t>
+            </a:r>
+            <a:endParaRPr lang="nl-BE" sz="1400" dirty="0"/>
+          </a:p>
+          <a:p>
+            <a:endParaRPr lang="en-BE" sz="1200" dirty="0"/>
+          </a:p>
+        </p:txBody>
+      </p:sp>
     </p:spTree>
     <p:extLst>
       <p:ext uri="{BB962C8B-B14F-4D97-AF65-F5344CB8AC3E}">
-        <p14:creationId xmlns:p14="http://schemas.microsoft.com/office/powerpoint/2010/main" val="1476788318"/>
+        <p14:creationId xmlns:p14="http://schemas.microsoft.com/office/powerpoint/2010/main" val="4055529536"/>
       </p:ext>
     </p:extLst>
   </p:cSld>
@@ -11048,7 +12325,7 @@
           <a:p>
             <a:r>
               <a:rPr lang="en-US" dirty="0"/>
-              <a:t>$Profile</a:t>
+              <a:t>Creating functions</a:t>
             </a:r>
             <a:endParaRPr lang="en-BE" dirty="0"/>
           </a:p>
@@ -11076,7 +12353,7 @@
     </p:spTree>
     <p:extLst>
       <p:ext uri="{BB962C8B-B14F-4D97-AF65-F5344CB8AC3E}">
-        <p14:creationId xmlns:p14="http://schemas.microsoft.com/office/powerpoint/2010/main" val="2219308533"/>
+        <p14:creationId xmlns:p14="http://schemas.microsoft.com/office/powerpoint/2010/main" val="3533605638"/>
       </p:ext>
     </p:extLst>
   </p:cSld>
@@ -11120,8 +12397,9 @@
           <a:p>
             <a:r>
               <a:rPr lang="en-US" dirty="0"/>
-              <a:t>Useful Tools</a:t>
-            </a:r>
+              <a:t>Modules</a:t>
+            </a:r>
+            <a:endParaRPr lang="en-BE" dirty="0"/>
           </a:p>
         </p:txBody>
       </p:sp>
@@ -11140,14 +12418,14 @@
           <a:bodyPr/>
           <a:lstStyle/>
           <a:p>
-            <a:endParaRPr lang="en-US"/>
+            <a:endParaRPr lang="en-BE"/>
           </a:p>
         </p:txBody>
       </p:sp>
     </p:spTree>
     <p:extLst>
       <p:ext uri="{BB962C8B-B14F-4D97-AF65-F5344CB8AC3E}">
-        <p14:creationId xmlns:p14="http://schemas.microsoft.com/office/powerpoint/2010/main" val="435000849"/>
+        <p14:creationId xmlns:p14="http://schemas.microsoft.com/office/powerpoint/2010/main" val="1476788318"/>
       </p:ext>
     </p:extLst>
   </p:cSld>
@@ -11191,6 +12469,149 @@
           <a:p>
             <a:r>
               <a:rPr lang="en-US" dirty="0"/>
+              <a:t>$Profile</a:t>
+            </a:r>
+            <a:endParaRPr lang="en-BE" dirty="0"/>
+          </a:p>
+        </p:txBody>
+      </p:sp>
+      <p:sp>
+        <p:nvSpPr>
+          <p:cNvPr id="3" name="Content Placeholder 2"/>
+          <p:cNvSpPr>
+            <a:spLocks noGrp="1"/>
+          </p:cNvSpPr>
+          <p:nvPr>
+            <p:ph idx="1"/>
+          </p:nvPr>
+        </p:nvSpPr>
+        <p:spPr/>
+        <p:txBody>
+          <a:bodyPr/>
+          <a:lstStyle/>
+          <a:p>
+            <a:endParaRPr lang="en-BE"/>
+          </a:p>
+        </p:txBody>
+      </p:sp>
+    </p:spTree>
+    <p:extLst>
+      <p:ext uri="{BB962C8B-B14F-4D97-AF65-F5344CB8AC3E}">
+        <p14:creationId xmlns:p14="http://schemas.microsoft.com/office/powerpoint/2010/main" val="2219308533"/>
+      </p:ext>
+    </p:extLst>
+  </p:cSld>
+  <p:clrMapOvr>
+    <a:masterClrMapping/>
+  </p:clrMapOvr>
+</p:sld>
+</file>
+
+<file path=ppt/slides/slide16.xml><?xml version="1.0" encoding="utf-8"?>
+<p:sld xmlns:a="http://schemas.openxmlformats.org/drawingml/2006/main" xmlns:r="http://schemas.openxmlformats.org/officeDocument/2006/relationships" xmlns:p="http://schemas.openxmlformats.org/presentationml/2006/main">
+  <p:cSld>
+    <p:spTree>
+      <p:nvGrpSpPr>
+        <p:cNvPr id="1" name=""/>
+        <p:cNvGrpSpPr/>
+        <p:nvPr/>
+      </p:nvGrpSpPr>
+      <p:grpSpPr>
+        <a:xfrm>
+          <a:off x="0" y="0"/>
+          <a:ext cx="0" cy="0"/>
+          <a:chOff x="0" y="0"/>
+          <a:chExt cx="0" cy="0"/>
+        </a:xfrm>
+      </p:grpSpPr>
+      <p:sp>
+        <p:nvSpPr>
+          <p:cNvPr id="2" name="Title 1"/>
+          <p:cNvSpPr>
+            <a:spLocks noGrp="1"/>
+          </p:cNvSpPr>
+          <p:nvPr>
+            <p:ph type="title"/>
+          </p:nvPr>
+        </p:nvSpPr>
+        <p:spPr/>
+        <p:txBody>
+          <a:bodyPr/>
+          <a:lstStyle/>
+          <a:p>
+            <a:r>
+              <a:rPr lang="en-US" dirty="0"/>
+              <a:t>Useful Tools</a:t>
+            </a:r>
+          </a:p>
+        </p:txBody>
+      </p:sp>
+      <p:sp>
+        <p:nvSpPr>
+          <p:cNvPr id="3" name="Content Placeholder 2"/>
+          <p:cNvSpPr>
+            <a:spLocks noGrp="1"/>
+          </p:cNvSpPr>
+          <p:nvPr>
+            <p:ph idx="1"/>
+          </p:nvPr>
+        </p:nvSpPr>
+        <p:spPr/>
+        <p:txBody>
+          <a:bodyPr/>
+          <a:lstStyle/>
+          <a:p>
+            <a:endParaRPr lang="en-US"/>
+          </a:p>
+        </p:txBody>
+      </p:sp>
+    </p:spTree>
+    <p:extLst>
+      <p:ext uri="{BB962C8B-B14F-4D97-AF65-F5344CB8AC3E}">
+        <p14:creationId xmlns:p14="http://schemas.microsoft.com/office/powerpoint/2010/main" val="435000849"/>
+      </p:ext>
+    </p:extLst>
+  </p:cSld>
+  <p:clrMapOvr>
+    <a:masterClrMapping/>
+  </p:clrMapOvr>
+</p:sld>
+</file>
+
+<file path=ppt/slides/slide17.xml><?xml version="1.0" encoding="utf-8"?>
+<p:sld xmlns:a="http://schemas.openxmlformats.org/drawingml/2006/main" xmlns:r="http://schemas.openxmlformats.org/officeDocument/2006/relationships" xmlns:p="http://schemas.openxmlformats.org/presentationml/2006/main">
+  <p:cSld>
+    <p:spTree>
+      <p:nvGrpSpPr>
+        <p:cNvPr id="1" name=""/>
+        <p:cNvGrpSpPr/>
+        <p:nvPr/>
+      </p:nvGrpSpPr>
+      <p:grpSpPr>
+        <a:xfrm>
+          <a:off x="0" y="0"/>
+          <a:ext cx="0" cy="0"/>
+          <a:chOff x="0" y="0"/>
+          <a:chExt cx="0" cy="0"/>
+        </a:xfrm>
+      </p:grpSpPr>
+      <p:sp>
+        <p:nvSpPr>
+          <p:cNvPr id="2" name="Title 1"/>
+          <p:cNvSpPr>
+            <a:spLocks noGrp="1"/>
+          </p:cNvSpPr>
+          <p:nvPr>
+            <p:ph type="title"/>
+          </p:nvPr>
+        </p:nvSpPr>
+        <p:spPr/>
+        <p:txBody>
+          <a:bodyPr/>
+          <a:lstStyle/>
+          <a:p>
+            <a:r>
+              <a:rPr lang="en-US" dirty="0"/>
               <a:t>PowerShell Core</a:t>
             </a:r>
           </a:p>
@@ -11228,7 +12649,7 @@
 </p:sld>
 </file>
 
-<file path=ppt/slides/slide16.xml><?xml version="1.0" encoding="utf-8"?>
+<file path=ppt/slides/slide18.xml><?xml version="1.0" encoding="utf-8"?>
 <p:sld xmlns:a="http://schemas.openxmlformats.org/drawingml/2006/main" xmlns:r="http://schemas.openxmlformats.org/officeDocument/2006/relationships" xmlns:p="http://schemas.openxmlformats.org/presentationml/2006/main">
   <p:cSld>
     <p:spTree>
@@ -12513,7 +13934,7 @@
 </p:sld>
 </file>
 
-<file path=ppt/slides/slide17.xml><?xml version="1.0" encoding="utf-8"?>
+<file path=ppt/slides/slide19.xml><?xml version="1.0" encoding="utf-8"?>
 <p:sld xmlns:a="http://schemas.openxmlformats.org/drawingml/2006/main" xmlns:r="http://schemas.openxmlformats.org/officeDocument/2006/relationships" xmlns:p="http://schemas.openxmlformats.org/presentationml/2006/main">
   <p:cSld>
     <p:spTree>
@@ -13830,7 +15251,145 @@
 </p:sld>
 </file>
 
-<file path=ppt/slides/slide18.xml><?xml version="1.0" encoding="utf-8"?>
+<file path=ppt/slides/slide2.xml><?xml version="1.0" encoding="utf-8"?>
+<p:sld xmlns:a="http://schemas.openxmlformats.org/drawingml/2006/main" xmlns:r="http://schemas.openxmlformats.org/officeDocument/2006/relationships" xmlns:p="http://schemas.openxmlformats.org/presentationml/2006/main">
+  <p:cSld>
+    <p:spTree>
+      <p:nvGrpSpPr>
+        <p:cNvPr id="1" name=""/>
+        <p:cNvGrpSpPr/>
+        <p:nvPr/>
+      </p:nvGrpSpPr>
+      <p:grpSpPr>
+        <a:xfrm>
+          <a:off x="0" y="0"/>
+          <a:ext cx="0" cy="0"/>
+          <a:chOff x="0" y="0"/>
+          <a:chExt cx="0" cy="0"/>
+        </a:xfrm>
+      </p:grpSpPr>
+      <p:sp>
+        <p:nvSpPr>
+          <p:cNvPr id="2" name="Title 1"/>
+          <p:cNvSpPr>
+            <a:spLocks noGrp="1"/>
+          </p:cNvSpPr>
+          <p:nvPr>
+            <p:ph type="title"/>
+          </p:nvPr>
+        </p:nvSpPr>
+        <p:spPr/>
+        <p:txBody>
+          <a:bodyPr/>
+          <a:lstStyle/>
+          <a:p>
+            <a:r>
+              <a:rPr lang="en-US" dirty="0"/>
+              <a:t>Basic PowerShell</a:t>
+            </a:r>
+          </a:p>
+        </p:txBody>
+      </p:sp>
+      <p:sp>
+        <p:nvSpPr>
+          <p:cNvPr id="3" name="Content Placeholder 2"/>
+          <p:cNvSpPr>
+            <a:spLocks noGrp="1"/>
+          </p:cNvSpPr>
+          <p:nvPr>
+            <p:ph idx="1"/>
+          </p:nvPr>
+        </p:nvSpPr>
+        <p:spPr/>
+        <p:txBody>
+          <a:bodyPr/>
+          <a:lstStyle/>
+          <a:p>
+            <a:pPr>
+              <a:buFont typeface="Arial" charset="0"/>
+              <a:buChar char="•"/>
+            </a:pPr>
+            <a:r>
+              <a:rPr lang="en-US" dirty="0"/>
+              <a:t>What</a:t>
+            </a:r>
+          </a:p>
+          <a:p>
+            <a:pPr>
+              <a:buFont typeface="Arial" charset="0"/>
+              <a:buChar char="•"/>
+            </a:pPr>
+            <a:r>
+              <a:rPr lang="en-US" dirty="0"/>
+              <a:t>History</a:t>
+            </a:r>
+          </a:p>
+          <a:p>
+            <a:pPr>
+              <a:buFont typeface="Arial" charset="0"/>
+              <a:buChar char="•"/>
+            </a:pPr>
+            <a:r>
+              <a:rPr lang="en-US" dirty="0"/>
+              <a:t>Basic usage</a:t>
+            </a:r>
+          </a:p>
+          <a:p>
+            <a:pPr>
+              <a:buFont typeface="Arial" charset="0"/>
+              <a:buChar char="•"/>
+            </a:pPr>
+            <a:r>
+              <a:rPr lang="en-US" dirty="0"/>
+              <a:t>Functions and Modules</a:t>
+            </a:r>
+          </a:p>
+          <a:p>
+            <a:pPr>
+              <a:buFont typeface="Arial" charset="0"/>
+              <a:buChar char="•"/>
+            </a:pPr>
+            <a:r>
+              <a:rPr lang="en-US" dirty="0"/>
+              <a:t>Useful Tools</a:t>
+            </a:r>
+          </a:p>
+          <a:p>
+            <a:pPr>
+              <a:buFont typeface="Arial" charset="0"/>
+              <a:buChar char="•"/>
+            </a:pPr>
+            <a:r>
+              <a:rPr lang="en-US" dirty="0"/>
+              <a:t>PowerShell Core</a:t>
+            </a:r>
+          </a:p>
+          <a:p>
+            <a:pPr>
+              <a:buFont typeface="Arial" charset="0"/>
+              <a:buChar char="•"/>
+            </a:pPr>
+            <a:r>
+              <a:rPr lang="en-US" dirty="0"/>
+              <a:t>Q &amp; A</a:t>
+            </a:r>
+          </a:p>
+        </p:txBody>
+      </p:sp>
+    </p:spTree>
+    <p:extLst>
+      <p:ext uri="{BB962C8B-B14F-4D97-AF65-F5344CB8AC3E}">
+        <p14:creationId xmlns:p14="http://schemas.microsoft.com/office/powerpoint/2010/main" val="962515605"/>
+      </p:ext>
+    </p:extLst>
+  </p:cSld>
+  <p:clrMapOvr>
+    <a:masterClrMapping/>
+  </p:clrMapOvr>
+</p:sld>
+</file>
+
+<file path=ppt/slides/slide20.xml><?xml version="1.0" encoding="utf-8"?>
 <p:sld xmlns:a="http://schemas.openxmlformats.org/drawingml/2006/main" xmlns:r="http://schemas.openxmlformats.org/officeDocument/2006/relationships" xmlns:p="http://schemas.openxmlformats.org/presentationml/2006/main">
   <p:cSld>
     <p:spTree>
@@ -15151,7 +16710,7 @@
 </p:sld>
 </file>
 
-<file path=ppt/slides/slide19.xml><?xml version="1.0" encoding="utf-8"?>
+<file path=ppt/slides/slide21.xml><?xml version="1.0" encoding="utf-8"?>
 <p:sld xmlns:a="http://schemas.openxmlformats.org/drawingml/2006/main" xmlns:r="http://schemas.openxmlformats.org/officeDocument/2006/relationships" xmlns:p="http://schemas.openxmlformats.org/presentationml/2006/main">
   <p:cSld>
     <p:spTree>
@@ -15253,145 +16812,7 @@
 </p:sld>
 </file>
 
-<file path=ppt/slides/slide2.xml><?xml version="1.0" encoding="utf-8"?>
-<p:sld xmlns:a="http://schemas.openxmlformats.org/drawingml/2006/main" xmlns:r="http://schemas.openxmlformats.org/officeDocument/2006/relationships" xmlns:p="http://schemas.openxmlformats.org/presentationml/2006/main">
-  <p:cSld>
-    <p:spTree>
-      <p:nvGrpSpPr>
-        <p:cNvPr id="1" name=""/>
-        <p:cNvGrpSpPr/>
-        <p:nvPr/>
-      </p:nvGrpSpPr>
-      <p:grpSpPr>
-        <a:xfrm>
-          <a:off x="0" y="0"/>
-          <a:ext cx="0" cy="0"/>
-          <a:chOff x="0" y="0"/>
-          <a:chExt cx="0" cy="0"/>
-        </a:xfrm>
-      </p:grpSpPr>
-      <p:sp>
-        <p:nvSpPr>
-          <p:cNvPr id="2" name="Title 1"/>
-          <p:cNvSpPr>
-            <a:spLocks noGrp="1"/>
-          </p:cNvSpPr>
-          <p:nvPr>
-            <p:ph type="title"/>
-          </p:nvPr>
-        </p:nvSpPr>
-        <p:spPr/>
-        <p:txBody>
-          <a:bodyPr/>
-          <a:lstStyle/>
-          <a:p>
-            <a:r>
-              <a:rPr lang="en-US" dirty="0"/>
-              <a:t>Basic PowerShell</a:t>
-            </a:r>
-          </a:p>
-        </p:txBody>
-      </p:sp>
-      <p:sp>
-        <p:nvSpPr>
-          <p:cNvPr id="3" name="Content Placeholder 2"/>
-          <p:cNvSpPr>
-            <a:spLocks noGrp="1"/>
-          </p:cNvSpPr>
-          <p:nvPr>
-            <p:ph idx="1"/>
-          </p:nvPr>
-        </p:nvSpPr>
-        <p:spPr/>
-        <p:txBody>
-          <a:bodyPr/>
-          <a:lstStyle/>
-          <a:p>
-            <a:pPr>
-              <a:buFont typeface="Arial" charset="0"/>
-              <a:buChar char="•"/>
-            </a:pPr>
-            <a:r>
-              <a:rPr lang="en-US" dirty="0"/>
-              <a:t>What</a:t>
-            </a:r>
-          </a:p>
-          <a:p>
-            <a:pPr>
-              <a:buFont typeface="Arial" charset="0"/>
-              <a:buChar char="•"/>
-            </a:pPr>
-            <a:r>
-              <a:rPr lang="en-US" dirty="0"/>
-              <a:t>History</a:t>
-            </a:r>
-          </a:p>
-          <a:p>
-            <a:pPr>
-              <a:buFont typeface="Arial" charset="0"/>
-              <a:buChar char="•"/>
-            </a:pPr>
-            <a:r>
-              <a:rPr lang="en-US" dirty="0"/>
-              <a:t>Basic usage</a:t>
-            </a:r>
-          </a:p>
-          <a:p>
-            <a:pPr>
-              <a:buFont typeface="Arial" charset="0"/>
-              <a:buChar char="•"/>
-            </a:pPr>
-            <a:r>
-              <a:rPr lang="en-US" dirty="0"/>
-              <a:t>Functions and Modules</a:t>
-            </a:r>
-          </a:p>
-          <a:p>
-            <a:pPr>
-              <a:buFont typeface="Arial" charset="0"/>
-              <a:buChar char="•"/>
-            </a:pPr>
-            <a:r>
-              <a:rPr lang="en-US" dirty="0"/>
-              <a:t>Useful Tools</a:t>
-            </a:r>
-          </a:p>
-          <a:p>
-            <a:pPr>
-              <a:buFont typeface="Arial" charset="0"/>
-              <a:buChar char="•"/>
-            </a:pPr>
-            <a:r>
-              <a:rPr lang="en-US" dirty="0"/>
-              <a:t>PowerShell Core</a:t>
-            </a:r>
-          </a:p>
-          <a:p>
-            <a:pPr>
-              <a:buFont typeface="Arial" charset="0"/>
-              <a:buChar char="•"/>
-            </a:pPr>
-            <a:r>
-              <a:rPr lang="en-US" dirty="0"/>
-              <a:t>Q &amp; A</a:t>
-            </a:r>
-          </a:p>
-        </p:txBody>
-      </p:sp>
-    </p:spTree>
-    <p:extLst>
-      <p:ext uri="{BB962C8B-B14F-4D97-AF65-F5344CB8AC3E}">
-        <p14:creationId xmlns:p14="http://schemas.microsoft.com/office/powerpoint/2010/main" val="962515605"/>
-      </p:ext>
-    </p:extLst>
-  </p:cSld>
-  <p:clrMapOvr>
-    <a:masterClrMapping/>
-  </p:clrMapOvr>
-</p:sld>
-</file>
-
-<file path=ppt/slides/slide20.xml><?xml version="1.0" encoding="utf-8"?>
+<file path=ppt/slides/slide22.xml><?xml version="1.0" encoding="utf-8"?>
 <p:sld xmlns:a="http://schemas.openxmlformats.org/drawingml/2006/main" xmlns:r="http://schemas.openxmlformats.org/officeDocument/2006/relationships" xmlns:p="http://schemas.openxmlformats.org/presentationml/2006/main">
   <p:cSld>
     <p:spTree>
@@ -15476,7 +16897,7 @@
           <a:graphicData uri="http://schemas.openxmlformats.org/presentationml/2006/ole">
             <mc:AlternateContent xmlns:mc="http://schemas.openxmlformats.org/markup-compatibility/2006">
               <mc:Choice xmlns:v="urn:schemas-microsoft-com:vml" Requires="v">
-                <p:oleObj spid="_x0000_s34850" r:id="rId3" imgW="8039959" imgH="4681341" progId="Excel.Chart.8">
+                <p:oleObj spid="_x0000_s34857" r:id="rId3" imgW="8039959" imgH="4681341" progId="Excel.Chart.8">
                   <p:embed/>
                 </p:oleObj>
               </mc:Choice>
@@ -15712,7 +17133,7 @@
 </p:sld>
 </file>
 
-<file path=ppt/slides/slide21.xml><?xml version="1.0" encoding="utf-8"?>
+<file path=ppt/slides/slide23.xml><?xml version="1.0" encoding="utf-8"?>
 <p:sld xmlns:a="http://schemas.openxmlformats.org/drawingml/2006/main" xmlns:r="http://schemas.openxmlformats.org/officeDocument/2006/relationships" xmlns:p="http://schemas.openxmlformats.org/presentationml/2006/main">
   <p:cSld>
     <p:spTree>
@@ -15840,7 +17261,7 @@
           <a:graphicData uri="http://schemas.openxmlformats.org/presentationml/2006/ole">
             <mc:AlternateContent xmlns:mc="http://schemas.openxmlformats.org/markup-compatibility/2006">
               <mc:Choice xmlns:v="urn:schemas-microsoft-com:vml" Requires="v">
-                <p:oleObj spid="_x0000_s35875" r:id="rId3" imgW="8033864" imgH="4681341" progId="Excel.Chart.8">
+                <p:oleObj spid="_x0000_s35882" r:id="rId3" imgW="8033864" imgH="4681341" progId="Excel.Chart.8">
                   <p:embed/>
                 </p:oleObj>
               </mc:Choice>
@@ -16076,7 +17497,7 @@
 </p:sld>
 </file>
 
-<file path=ppt/slides/slide22.xml><?xml version="1.0" encoding="utf-8"?>
+<file path=ppt/slides/slide24.xml><?xml version="1.0" encoding="utf-8"?>
 <p:sld xmlns:a="http://schemas.openxmlformats.org/drawingml/2006/main" xmlns:r="http://schemas.openxmlformats.org/officeDocument/2006/relationships" xmlns:p="http://schemas.openxmlformats.org/presentationml/2006/main">
   <p:cSld>
     <p:spTree>
@@ -16161,7 +17582,7 @@
           <a:graphicData uri="http://schemas.openxmlformats.org/presentationml/2006/ole">
             <mc:AlternateContent xmlns:mc="http://schemas.openxmlformats.org/markup-compatibility/2006">
               <mc:Choice xmlns:v="urn:schemas-microsoft-com:vml" Requires="v">
-                <p:oleObj spid="_x0000_s36898" r:id="rId3" imgW="8039959" imgH="4681341" progId="Excel.Chart.8">
+                <p:oleObj spid="_x0000_s36905" r:id="rId3" imgW="8039959" imgH="4681341" progId="Excel.Chart.8">
                   <p:embed/>
                 </p:oleObj>
               </mc:Choice>
@@ -16397,7 +17818,7 @@
 </p:sld>
 </file>
 
-<file path=ppt/slides/slide23.xml><?xml version="1.0" encoding="utf-8"?>
+<file path=ppt/slides/slide25.xml><?xml version="1.0" encoding="utf-8"?>
 <p:sld xmlns:a="http://schemas.openxmlformats.org/drawingml/2006/main" xmlns:r="http://schemas.openxmlformats.org/officeDocument/2006/relationships" xmlns:p="http://schemas.openxmlformats.org/presentationml/2006/main">
   <p:cSld>
     <p:spTree>
@@ -16525,7 +17946,7 @@
           <a:graphicData uri="http://schemas.openxmlformats.org/presentationml/2006/ole">
             <mc:AlternateContent xmlns:mc="http://schemas.openxmlformats.org/markup-compatibility/2006">
               <mc:Choice xmlns:v="urn:schemas-microsoft-com:vml" Requires="v">
-                <p:oleObj spid="_x0000_s37923" r:id="rId3" imgW="8033864" imgH="4681341" progId="Excel.Chart.8">
+                <p:oleObj spid="_x0000_s37930" r:id="rId3" imgW="8033864" imgH="4681341" progId="Excel.Chart.8">
                   <p:embed/>
                 </p:oleObj>
               </mc:Choice>
@@ -16761,7 +18182,7 @@
 </p:sld>
 </file>
 
-<file path=ppt/slides/slide24.xml><?xml version="1.0" encoding="utf-8"?>
+<file path=ppt/slides/slide26.xml><?xml version="1.0" encoding="utf-8"?>
 <p:sld xmlns:a="http://schemas.openxmlformats.org/drawingml/2006/main" xmlns:r="http://schemas.openxmlformats.org/officeDocument/2006/relationships" xmlns:p="http://schemas.openxmlformats.org/presentationml/2006/main">
   <p:cSld>
     <p:spTree>
@@ -16889,7 +18310,7 @@
           <a:graphicData uri="http://schemas.openxmlformats.org/presentationml/2006/ole">
             <mc:AlternateContent xmlns:mc="http://schemas.openxmlformats.org/markup-compatibility/2006">
               <mc:Choice xmlns:v="urn:schemas-microsoft-com:vml" Requires="v">
-                <p:oleObj spid="_x0000_s38947" r:id="rId3" imgW="8033864" imgH="4681341" progId="Excel.Chart.8">
+                <p:oleObj spid="_x0000_s38954" r:id="rId3" imgW="8033864" imgH="4681341" progId="Excel.Chart.8">
                   <p:embed/>
                 </p:oleObj>
               </mc:Choice>
@@ -17125,7 +18546,7 @@
 </p:sld>
 </file>
 
-<file path=ppt/slides/slide25.xml><?xml version="1.0" encoding="utf-8"?>
+<file path=ppt/slides/slide27.xml><?xml version="1.0" encoding="utf-8"?>
 <p:sld xmlns:a="http://schemas.openxmlformats.org/drawingml/2006/main" xmlns:r="http://schemas.openxmlformats.org/officeDocument/2006/relationships" xmlns:p="http://schemas.openxmlformats.org/presentationml/2006/main">
   <p:cSld>
     <p:spTree>
@@ -17253,7 +18674,7 @@
           <a:graphicData uri="http://schemas.openxmlformats.org/presentationml/2006/ole">
             <mc:AlternateContent xmlns:mc="http://schemas.openxmlformats.org/markup-compatibility/2006">
               <mc:Choice xmlns:v="urn:schemas-microsoft-com:vml" Requires="v">
-                <p:oleObj spid="_x0000_s39971" r:id="rId3" imgW="8033864" imgH="4681341" progId="Excel.Chart.8">
+                <p:oleObj spid="_x0000_s39978" r:id="rId3" imgW="8033864" imgH="4681341" progId="Excel.Chart.8">
                   <p:embed/>
                 </p:oleObj>
               </mc:Choice>
@@ -17489,345 +18910,6 @@
 </p:sld>
 </file>
 
-<file path=ppt/slides/slide26.xml><?xml version="1.0" encoding="utf-8"?>
-<p:sld xmlns:a="http://schemas.openxmlformats.org/drawingml/2006/main" xmlns:r="http://schemas.openxmlformats.org/officeDocument/2006/relationships" xmlns:p="http://schemas.openxmlformats.org/presentationml/2006/main">
-  <p:cSld>
-    <p:spTree>
-      <p:nvGrpSpPr>
-        <p:cNvPr id="1" name=""/>
-        <p:cNvGrpSpPr/>
-        <p:nvPr/>
-      </p:nvGrpSpPr>
-      <p:grpSpPr>
-        <a:xfrm>
-          <a:off x="0" y="0"/>
-          <a:ext cx="0" cy="0"/>
-          <a:chOff x="0" y="0"/>
-          <a:chExt cx="0" cy="0"/>
-        </a:xfrm>
-      </p:grpSpPr>
-      <p:sp>
-        <p:nvSpPr>
-          <p:cNvPr id="40962" name="Title 3"/>
-          <p:cNvSpPr>
-            <a:spLocks noGrp="1"/>
-          </p:cNvSpPr>
-          <p:nvPr>
-            <p:ph type="title"/>
-          </p:nvPr>
-        </p:nvSpPr>
-        <p:spPr/>
-        <p:txBody>
-          <a:bodyPr/>
-          <a:lstStyle/>
-          <a:p>
-            <a:pPr eaLnBrk="1" hangingPunct="1"/>
-            <a:r>
-              <a:rPr lang="en-ZA">
-                <a:ea typeface="ＭＳ Ｐゴシック" pitchFamily="34" charset="-128"/>
-              </a:rPr>
-              <a:t>To set graph as default for new graphs:</a:t>
-            </a:r>
-          </a:p>
-        </p:txBody>
-      </p:sp>
-      <p:sp>
-        <p:nvSpPr>
-          <p:cNvPr id="40963" name="Content Placeholder 4"/>
-          <p:cNvSpPr>
-            <a:spLocks noGrp="1"/>
-          </p:cNvSpPr>
-          <p:nvPr>
-            <p:ph idx="1"/>
-          </p:nvPr>
-        </p:nvSpPr>
-        <p:spPr/>
-        <p:txBody>
-          <a:bodyPr/>
-          <a:lstStyle/>
-          <a:p>
-            <a:pPr lvl="1" eaLnBrk="1" hangingPunct="1"/>
-            <a:r>
-              <a:rPr lang="en-ZA">
-                <a:ea typeface="ＭＳ Ｐゴシック" pitchFamily="34" charset="-128"/>
-              </a:rPr>
-              <a:t>Select example graph on following page</a:t>
-            </a:r>
-          </a:p>
-          <a:p>
-            <a:pPr lvl="1" eaLnBrk="1" hangingPunct="1"/>
-            <a:r>
-              <a:rPr lang="en-ZA">
-                <a:ea typeface="ＭＳ Ｐゴシック" pitchFamily="34" charset="-128"/>
-              </a:rPr>
-              <a:t>Click on </a:t>
-            </a:r>
-            <a:r>
-              <a:rPr lang="en-ZA">
-                <a:solidFill>
-                  <a:schemeClr val="accent1"/>
-                </a:solidFill>
-                <a:ea typeface="ＭＳ Ｐゴシック" pitchFamily="34" charset="-128"/>
-              </a:rPr>
-              <a:t>chart tools&gt;design </a:t>
-            </a:r>
-            <a:r>
-              <a:rPr lang="en-ZA">
-                <a:ea typeface="ＭＳ Ｐゴシック" pitchFamily="34" charset="-128"/>
-              </a:rPr>
-              <a:t>tab and select </a:t>
-            </a:r>
-            <a:r>
-              <a:rPr lang="en-ZA" altLang="en-US">
-                <a:ea typeface="ＭＳ Ｐゴシック" pitchFamily="34" charset="-128"/>
-              </a:rPr>
-              <a:t>“</a:t>
-            </a:r>
-            <a:r>
-              <a:rPr lang="en-ZA">
-                <a:ea typeface="ＭＳ Ｐゴシック" pitchFamily="34" charset="-128"/>
-              </a:rPr>
-              <a:t>save as template</a:t>
-            </a:r>
-            <a:r>
-              <a:rPr lang="en-ZA" altLang="en-US">
-                <a:ea typeface="ＭＳ Ｐゴシック" pitchFamily="34" charset="-128"/>
-              </a:rPr>
-              <a:t>”</a:t>
-            </a:r>
-            <a:br>
-              <a:rPr lang="en-ZA">
-                <a:ea typeface="ＭＳ Ｐゴシック" pitchFamily="34" charset="-128"/>
-              </a:rPr>
-            </a:br>
-            <a:r>
-              <a:rPr lang="en-ZA">
-                <a:ea typeface="ＭＳ Ｐゴシック" pitchFamily="34" charset="-128"/>
-              </a:rPr>
-              <a:t>Choose a name for your default</a:t>
-            </a:r>
-          </a:p>
-          <a:p>
-            <a:pPr lvl="1" eaLnBrk="1" hangingPunct="1"/>
-            <a:r>
-              <a:rPr lang="en-ZA">
-                <a:ea typeface="ＭＳ Ｐゴシック" pitchFamily="34" charset="-128"/>
-              </a:rPr>
-              <a:t>On next page, click on the graph icon</a:t>
-            </a:r>
-          </a:p>
-          <a:p>
-            <a:pPr lvl="1" eaLnBrk="1" hangingPunct="1"/>
-            <a:r>
-              <a:rPr lang="en-ZA">
-                <a:ea typeface="ＭＳ Ｐゴシック" pitchFamily="34" charset="-128"/>
-              </a:rPr>
-              <a:t>Add your data</a:t>
-            </a:r>
-          </a:p>
-          <a:p>
-            <a:pPr lvl="1" eaLnBrk="1" hangingPunct="1"/>
-            <a:r>
-              <a:rPr lang="en-ZA">
-                <a:ea typeface="ＭＳ Ｐゴシック" pitchFamily="34" charset="-128"/>
-              </a:rPr>
-              <a:t>Select the graph and click on </a:t>
-            </a:r>
-            <a:r>
-              <a:rPr lang="en-ZA">
-                <a:solidFill>
-                  <a:schemeClr val="accent1"/>
-                </a:solidFill>
-                <a:ea typeface="ＭＳ Ｐゴシック" pitchFamily="34" charset="-128"/>
-              </a:rPr>
-              <a:t>chart tools&gt;design </a:t>
-            </a:r>
-            <a:r>
-              <a:rPr lang="en-ZA">
-                <a:ea typeface="ＭＳ Ｐゴシック" pitchFamily="34" charset="-128"/>
-              </a:rPr>
-              <a:t>tab, then select </a:t>
-            </a:r>
-            <a:r>
-              <a:rPr lang="en-ZA" altLang="en-US">
-                <a:ea typeface="ＭＳ Ｐゴシック" pitchFamily="34" charset="-128"/>
-              </a:rPr>
-              <a:t>“</a:t>
-            </a:r>
-            <a:r>
-              <a:rPr lang="en-ZA" altLang="ja-JP">
-                <a:ea typeface="ＭＳ Ｐゴシック" pitchFamily="34" charset="-128"/>
-              </a:rPr>
-              <a:t>change chart type</a:t>
-            </a:r>
-            <a:r>
-              <a:rPr lang="en-ZA" altLang="en-US">
-                <a:ea typeface="ＭＳ Ｐゴシック" pitchFamily="34" charset="-128"/>
-              </a:rPr>
-              <a:t>”</a:t>
-            </a:r>
-            <a:endParaRPr lang="en-ZA" altLang="ja-JP">
-              <a:ea typeface="ＭＳ Ｐゴシック" pitchFamily="34" charset="-128"/>
-            </a:endParaRPr>
-          </a:p>
-          <a:p>
-            <a:pPr lvl="1" eaLnBrk="1" hangingPunct="1"/>
-            <a:r>
-              <a:rPr lang="en-ZA">
-                <a:ea typeface="ＭＳ Ｐゴシック" pitchFamily="34" charset="-128"/>
-              </a:rPr>
-              <a:t>Select </a:t>
-            </a:r>
-            <a:r>
-              <a:rPr lang="en-ZA" altLang="en-US">
-                <a:ea typeface="ＭＳ Ｐゴシック" pitchFamily="34" charset="-128"/>
-              </a:rPr>
-              <a:t>“</a:t>
-            </a:r>
-            <a:r>
-              <a:rPr lang="en-ZA">
-                <a:ea typeface="ＭＳ Ｐゴシック" pitchFamily="34" charset="-128"/>
-              </a:rPr>
-              <a:t>templates</a:t>
-            </a:r>
-            <a:r>
-              <a:rPr lang="en-ZA" altLang="en-US">
-                <a:ea typeface="ＭＳ Ｐゴシック" pitchFamily="34" charset="-128"/>
-              </a:rPr>
-              <a:t>”</a:t>
-            </a:r>
-            <a:r>
-              <a:rPr lang="en-ZA">
-                <a:ea typeface="ＭＳ Ｐゴシック" pitchFamily="34" charset="-128"/>
-              </a:rPr>
-              <a:t> and click on your saved template</a:t>
-            </a:r>
-          </a:p>
-          <a:p>
-            <a:pPr lvl="1" eaLnBrk="1" hangingPunct="1"/>
-            <a:endParaRPr lang="en-ZA">
-              <a:ea typeface="ＭＳ Ｐゴシック" pitchFamily="34" charset="-128"/>
-            </a:endParaRPr>
-          </a:p>
-        </p:txBody>
-      </p:sp>
-    </p:spTree>
-  </p:cSld>
-  <p:clrMapOvr>
-    <a:masterClrMapping/>
-  </p:clrMapOvr>
-</p:sld>
-</file>
-
-<file path=ppt/slides/slide27.xml><?xml version="1.0" encoding="utf-8"?>
-<p:sld xmlns:a="http://schemas.openxmlformats.org/drawingml/2006/main" xmlns:r="http://schemas.openxmlformats.org/officeDocument/2006/relationships" xmlns:p="http://schemas.openxmlformats.org/presentationml/2006/main">
-  <p:cSld>
-    <p:spTree>
-      <p:nvGrpSpPr>
-        <p:cNvPr id="1" name=""/>
-        <p:cNvGrpSpPr/>
-        <p:nvPr/>
-      </p:nvGrpSpPr>
-      <p:grpSpPr>
-        <a:xfrm>
-          <a:off x="0" y="0"/>
-          <a:ext cx="0" cy="0"/>
-          <a:chOff x="0" y="0"/>
-          <a:chExt cx="0" cy="0"/>
-        </a:xfrm>
-      </p:grpSpPr>
-      <p:sp>
-        <p:nvSpPr>
-          <p:cNvPr id="41987" name="Text Placeholder 3"/>
-          <p:cNvSpPr>
-            <a:spLocks noGrp="1"/>
-          </p:cNvSpPr>
-          <p:nvPr>
-            <p:ph type="body" sz="quarter" idx="12"/>
-          </p:nvPr>
-        </p:nvSpPr>
-        <p:spPr/>
-        <p:txBody>
-          <a:bodyPr/>
-          <a:lstStyle/>
-          <a:p>
-            <a:pPr marL="0" indent="0" eaLnBrk="1" hangingPunct="1"/>
-            <a:endParaRPr lang="en-ZA">
-              <a:ea typeface="ＭＳ Ｐゴシック" pitchFamily="34" charset="-128"/>
-            </a:endParaRPr>
-          </a:p>
-        </p:txBody>
-      </p:sp>
-      <p:sp>
-        <p:nvSpPr>
-          <p:cNvPr id="41988" name="Title 1"/>
-          <p:cNvSpPr>
-            <a:spLocks noGrp="1"/>
-          </p:cNvSpPr>
-          <p:nvPr>
-            <p:ph type="title"/>
-          </p:nvPr>
-        </p:nvSpPr>
-        <p:spPr/>
-        <p:txBody>
-          <a:bodyPr/>
-          <a:lstStyle/>
-          <a:p>
-            <a:pPr eaLnBrk="1" hangingPunct="1"/>
-            <a:r>
-              <a:rPr lang="en-ZA">
-                <a:ea typeface="ＭＳ Ｐゴシック" pitchFamily="34" charset="-128"/>
-              </a:rPr>
-              <a:t>Click on graph icon and add data</a:t>
-            </a:r>
-            <a:br>
-              <a:rPr lang="en-ZA">
-                <a:ea typeface="ＭＳ Ｐゴシック" pitchFamily="34" charset="-128"/>
-              </a:rPr>
-            </a:br>
-            <a:r>
-              <a:rPr lang="en-ZA">
-                <a:ea typeface="ＭＳ Ｐゴシック" pitchFamily="34" charset="-128"/>
-              </a:rPr>
-              <a:t>Please see instruction on previous page</a:t>
-            </a:r>
-          </a:p>
-        </p:txBody>
-      </p:sp>
-      <p:sp>
-        <p:nvSpPr>
-          <p:cNvPr id="41989" name="Chart Placeholder 2"/>
-          <p:cNvSpPr>
-            <a:spLocks noGrp="1" noTextEdit="1"/>
-          </p:cNvSpPr>
-          <p:nvPr>
-            <p:ph type="chart" sz="quarter" idx="11"/>
-          </p:nvPr>
-        </p:nvSpPr>
-        <p:spPr>
-          <a:ln w="9525"/>
-          <a:extLst>
-            <a:ext uri="{91240B29-F687-4F45-9708-019B960494DF}">
-              <a14:hiddenLine xmlns:a14="http://schemas.microsoft.com/office/drawing/2010/main" w="25400" cap="flat">
-                <a:solidFill>
-                  <a:srgbClr val="000000"/>
-                </a:solidFill>
-                <a:round/>
-                <a:headEnd/>
-                <a:tailEnd/>
-              </a14:hiddenLine>
-            </a:ext>
-          </a:extLst>
-        </p:spPr>
-      </p:sp>
-    </p:spTree>
-  </p:cSld>
-  <p:clrMapOvr>
-    <a:masterClrMapping/>
-  </p:clrMapOvr>
-</p:sld>
-</file>
-
 <file path=ppt/slides/slide28.xml><?xml version="1.0" encoding="utf-8"?>
 <p:sld xmlns:a="http://schemas.openxmlformats.org/drawingml/2006/main" xmlns:r="http://schemas.openxmlformats.org/officeDocument/2006/relationships" xmlns:p="http://schemas.openxmlformats.org/presentationml/2006/main">
   <p:cSld>
@@ -17847,29 +18929,7 @@
       </p:grpSpPr>
       <p:sp>
         <p:nvSpPr>
-          <p:cNvPr id="43010" name="Text Placeholder 2"/>
-          <p:cNvSpPr>
-            <a:spLocks noGrp="1"/>
-          </p:cNvSpPr>
-          <p:nvPr>
-            <p:ph type="body" sz="quarter" idx="12"/>
-          </p:nvPr>
-        </p:nvSpPr>
-        <p:spPr/>
-        <p:txBody>
-          <a:bodyPr/>
-          <a:lstStyle/>
-          <a:p>
-            <a:pPr marL="0" indent="0" eaLnBrk="1" hangingPunct="1"/>
-            <a:endParaRPr lang="en-ZA">
-              <a:ea typeface="ＭＳ Ｐゴシック" pitchFamily="34" charset="-128"/>
-            </a:endParaRPr>
-          </a:p>
-        </p:txBody>
-      </p:sp>
-      <p:sp>
-        <p:nvSpPr>
-          <p:cNvPr id="43011" name="Title 1"/>
+          <p:cNvPr id="40962" name="Title 3"/>
           <p:cNvSpPr>
             <a:spLocks noGrp="1"/>
           </p:cNvSpPr>
@@ -17887,96 +18947,191 @@
               <a:rPr lang="en-ZA">
                 <a:ea typeface="ＭＳ Ｐゴシック" pitchFamily="34" charset="-128"/>
               </a:rPr>
-              <a:t>Example of pie chart: 2 colours only</a:t>
+              <a:t>To set graph as default for new graphs:</a:t>
             </a:r>
           </a:p>
         </p:txBody>
       </p:sp>
-      <p:graphicFrame>
-        <p:nvGraphicFramePr>
-          <p:cNvPr id="43012" name="Chart Placeholder 3"/>
-          <p:cNvGraphicFramePr>
-            <a:graphicFrameLocks noGrp="1"/>
-          </p:cNvGraphicFramePr>
+      <p:sp>
+        <p:nvSpPr>
+          <p:cNvPr id="40963" name="Content Placeholder 4"/>
+          <p:cNvSpPr>
+            <a:spLocks noGrp="1"/>
+          </p:cNvSpPr>
           <p:nvPr>
-            <p:ph type="chart" sz="quarter" idx="11"/>
+            <p:ph idx="1"/>
           </p:nvPr>
-        </p:nvGraphicFramePr>
-        <p:xfrm>
-          <a:off x="639763" y="1673225"/>
-          <a:ext cx="7866062" cy="4579938"/>
-        </p:xfrm>
-        <a:graphic>
-          <a:graphicData uri="http://schemas.openxmlformats.org/presentationml/2006/ole">
-            <mc:AlternateContent xmlns:mc="http://schemas.openxmlformats.org/markup-compatibility/2006">
-              <mc:Choice xmlns:v="urn:schemas-microsoft-com:vml" Requires="v">
-                <p:oleObj spid="_x0000_s43041" r:id="rId3" imgW="8039959" imgH="4681341" progId="Excel.Chart.8">
-                  <p:embed/>
-                </p:oleObj>
-              </mc:Choice>
-              <mc:Fallback>
-                <p:oleObj r:id="rId3" imgW="8039959" imgH="4681341" progId="Excel.Chart.8">
-                  <p:embed/>
-                  <p:pic>
-                    <p:nvPicPr>
-                      <p:cNvPr id="0" name="Chart Placeholder 3"/>
-                      <p:cNvPicPr>
-                        <a:picLocks noGrp="1" noChangeArrowheads="1"/>
-                      </p:cNvPicPr>
-                      <p:nvPr/>
-                    </p:nvPicPr>
-                    <p:blipFill>
-                      <a:blip r:embed="rId4">
-                        <a:extLst>
-                          <a:ext uri="{28A0092B-C50C-407E-A947-70E740481C1C}">
-                            <a14:useLocalDpi xmlns:a14="http://schemas.microsoft.com/office/drawing/2010/main" val="0"/>
-                          </a:ext>
-                        </a:extLst>
-                      </a:blip>
-                      <a:srcRect/>
-                      <a:stretch>
-                        <a:fillRect/>
-                      </a:stretch>
-                    </p:blipFill>
-                    <p:spPr bwMode="auto">
-                      <a:xfrm>
-                        <a:off x="639763" y="1673225"/>
-                        <a:ext cx="7866062" cy="4579938"/>
-                      </a:xfrm>
-                      <a:prstGeom prst="rect">
-                        <a:avLst/>
-                      </a:prstGeom>
-                      <a:noFill/>
-                      <a:ln>
-                        <a:noFill/>
-                      </a:ln>
-                      <a:extLst>
-                        <a:ext uri="{909E8E84-426E-40DD-AFC4-6F175D3DCCD1}">
-                          <a14:hiddenFill xmlns:a14="http://schemas.microsoft.com/office/drawing/2010/main">
-                            <a:solidFill>
-                              <a:srgbClr val="FFFFFF"/>
-                            </a:solidFill>
-                          </a14:hiddenFill>
-                        </a:ext>
-                        <a:ext uri="{91240B29-F687-4F45-9708-019B960494DF}">
-                          <a14:hiddenLine xmlns:a14="http://schemas.microsoft.com/office/drawing/2010/main" w="9525">
-                            <a:solidFill>
-                              <a:srgbClr val="000000"/>
-                            </a:solidFill>
-                            <a:miter lim="800000"/>
-                            <a:headEnd/>
-                            <a:tailEnd/>
-                          </a14:hiddenLine>
-                        </a:ext>
-                      </a:extLst>
-                    </p:spPr>
-                  </p:pic>
-                </p:oleObj>
-              </mc:Fallback>
-            </mc:AlternateContent>
-          </a:graphicData>
-        </a:graphic>
-      </p:graphicFrame>
+        </p:nvSpPr>
+        <p:spPr/>
+        <p:txBody>
+          <a:bodyPr/>
+          <a:lstStyle/>
+          <a:p>
+            <a:pPr lvl="1" eaLnBrk="1" hangingPunct="1"/>
+            <a:r>
+              <a:rPr lang="en-ZA">
+                <a:ea typeface="ＭＳ Ｐゴシック" pitchFamily="34" charset="-128"/>
+              </a:rPr>
+              <a:t>Select example graph on following page</a:t>
+            </a:r>
+          </a:p>
+          <a:p>
+            <a:pPr lvl="1" eaLnBrk="1" hangingPunct="1"/>
+            <a:r>
+              <a:rPr lang="en-ZA">
+                <a:ea typeface="ＭＳ Ｐゴシック" pitchFamily="34" charset="-128"/>
+              </a:rPr>
+              <a:t>Click on </a:t>
+            </a:r>
+            <a:r>
+              <a:rPr lang="en-ZA">
+                <a:solidFill>
+                  <a:schemeClr val="accent1"/>
+                </a:solidFill>
+                <a:ea typeface="ＭＳ Ｐゴシック" pitchFamily="34" charset="-128"/>
+              </a:rPr>
+              <a:t>chart tools&gt;design </a:t>
+            </a:r>
+            <a:r>
+              <a:rPr lang="en-ZA">
+                <a:ea typeface="ＭＳ Ｐゴシック" pitchFamily="34" charset="-128"/>
+              </a:rPr>
+              <a:t>tab and select </a:t>
+            </a:r>
+            <a:r>
+              <a:rPr lang="en-ZA" altLang="en-US">
+                <a:ea typeface="ＭＳ Ｐゴシック" pitchFamily="34" charset="-128"/>
+              </a:rPr>
+              <a:t>“</a:t>
+            </a:r>
+            <a:r>
+              <a:rPr lang="en-ZA">
+                <a:ea typeface="ＭＳ Ｐゴシック" pitchFamily="34" charset="-128"/>
+              </a:rPr>
+              <a:t>save as template</a:t>
+            </a:r>
+            <a:r>
+              <a:rPr lang="en-ZA" altLang="en-US">
+                <a:ea typeface="ＭＳ Ｐゴシック" pitchFamily="34" charset="-128"/>
+              </a:rPr>
+              <a:t>”</a:t>
+            </a:r>
+            <a:br>
+              <a:rPr lang="en-ZA">
+                <a:ea typeface="ＭＳ Ｐゴシック" pitchFamily="34" charset="-128"/>
+              </a:rPr>
+            </a:br>
+            <a:r>
+              <a:rPr lang="en-ZA">
+                <a:ea typeface="ＭＳ Ｐゴシック" pitchFamily="34" charset="-128"/>
+              </a:rPr>
+              <a:t>Choose a name for your default</a:t>
+            </a:r>
+          </a:p>
+          <a:p>
+            <a:pPr lvl="1" eaLnBrk="1" hangingPunct="1"/>
+            <a:r>
+              <a:rPr lang="en-ZA">
+                <a:ea typeface="ＭＳ Ｐゴシック" pitchFamily="34" charset="-128"/>
+              </a:rPr>
+              <a:t>On next page, click on the graph icon</a:t>
+            </a:r>
+          </a:p>
+          <a:p>
+            <a:pPr lvl="1" eaLnBrk="1" hangingPunct="1"/>
+            <a:r>
+              <a:rPr lang="en-ZA">
+                <a:ea typeface="ＭＳ Ｐゴシック" pitchFamily="34" charset="-128"/>
+              </a:rPr>
+              <a:t>Add your data</a:t>
+            </a:r>
+          </a:p>
+          <a:p>
+            <a:pPr lvl="1" eaLnBrk="1" hangingPunct="1"/>
+            <a:r>
+              <a:rPr lang="en-ZA">
+                <a:ea typeface="ＭＳ Ｐゴシック" pitchFamily="34" charset="-128"/>
+              </a:rPr>
+              <a:t>Select the graph and click on </a:t>
+            </a:r>
+            <a:r>
+              <a:rPr lang="en-ZA">
+                <a:solidFill>
+                  <a:schemeClr val="accent1"/>
+                </a:solidFill>
+                <a:ea typeface="ＭＳ Ｐゴシック" pitchFamily="34" charset="-128"/>
+              </a:rPr>
+              <a:t>chart tools&gt;design </a:t>
+            </a:r>
+            <a:r>
+              <a:rPr lang="en-ZA">
+                <a:ea typeface="ＭＳ Ｐゴシック" pitchFamily="34" charset="-128"/>
+              </a:rPr>
+              <a:t>tab, then select </a:t>
+            </a:r>
+            <a:r>
+              <a:rPr lang="en-ZA" altLang="en-US">
+                <a:ea typeface="ＭＳ Ｐゴシック" pitchFamily="34" charset="-128"/>
+              </a:rPr>
+              <a:t>“</a:t>
+            </a:r>
+            <a:r>
+              <a:rPr lang="en-ZA" altLang="ja-JP">
+                <a:ea typeface="ＭＳ Ｐゴシック" pitchFamily="34" charset="-128"/>
+              </a:rPr>
+              <a:t>change chart type</a:t>
+            </a:r>
+            <a:r>
+              <a:rPr lang="en-ZA" altLang="en-US">
+                <a:ea typeface="ＭＳ Ｐゴシック" pitchFamily="34" charset="-128"/>
+              </a:rPr>
+              <a:t>”</a:t>
+            </a:r>
+            <a:endParaRPr lang="en-ZA" altLang="ja-JP">
+              <a:ea typeface="ＭＳ Ｐゴシック" pitchFamily="34" charset="-128"/>
+            </a:endParaRPr>
+          </a:p>
+          <a:p>
+            <a:pPr lvl="1" eaLnBrk="1" hangingPunct="1"/>
+            <a:r>
+              <a:rPr lang="en-ZA">
+                <a:ea typeface="ＭＳ Ｐゴシック" pitchFamily="34" charset="-128"/>
+              </a:rPr>
+              <a:t>Select </a:t>
+            </a:r>
+            <a:r>
+              <a:rPr lang="en-ZA" altLang="en-US">
+                <a:ea typeface="ＭＳ Ｐゴシック" pitchFamily="34" charset="-128"/>
+              </a:rPr>
+              <a:t>“</a:t>
+            </a:r>
+            <a:r>
+              <a:rPr lang="en-ZA">
+                <a:ea typeface="ＭＳ Ｐゴシック" pitchFamily="34" charset="-128"/>
+              </a:rPr>
+              <a:t>templates</a:t>
+            </a:r>
+            <a:r>
+              <a:rPr lang="en-ZA" altLang="en-US">
+                <a:ea typeface="ＭＳ Ｐゴシック" pitchFamily="34" charset="-128"/>
+              </a:rPr>
+              <a:t>”</a:t>
+            </a:r>
+            <a:r>
+              <a:rPr lang="en-ZA">
+                <a:ea typeface="ＭＳ Ｐゴシック" pitchFamily="34" charset="-128"/>
+              </a:rPr>
+              <a:t> and click on your saved template</a:t>
+            </a:r>
+          </a:p>
+          <a:p>
+            <a:pPr lvl="1" eaLnBrk="1" hangingPunct="1"/>
+            <a:endParaRPr lang="en-ZA">
+              <a:ea typeface="ＭＳ Ｐゴシック" pitchFamily="34" charset="-128"/>
+            </a:endParaRPr>
+          </a:p>
+        </p:txBody>
+      </p:sp>
     </p:spTree>
   </p:cSld>
   <p:clrMapOvr>
@@ -18004,7 +19159,7 @@
       </p:grpSpPr>
       <p:sp>
         <p:nvSpPr>
-          <p:cNvPr id="44034" name="Text Placeholder 2"/>
+          <p:cNvPr id="41987" name="Text Placeholder 3"/>
           <p:cNvSpPr>
             <a:spLocks noGrp="1"/>
           </p:cNvSpPr>
@@ -18026,7 +19181,7 @@
       </p:sp>
       <p:sp>
         <p:nvSpPr>
-          <p:cNvPr id="44035" name="Title 1"/>
+          <p:cNvPr id="41988" name="Title 1"/>
           <p:cNvSpPr>
             <a:spLocks noGrp="1"/>
           </p:cNvSpPr>
@@ -18044,96 +19199,48 @@
               <a:rPr lang="en-ZA">
                 <a:ea typeface="ＭＳ Ｐゴシック" pitchFamily="34" charset="-128"/>
               </a:rPr>
-              <a:t>Example of pie chart</a:t>
+              <a:t>Click on graph icon and add data</a:t>
+            </a:r>
+            <a:br>
+              <a:rPr lang="en-ZA">
+                <a:ea typeface="ＭＳ Ｐゴシック" pitchFamily="34" charset="-128"/>
+              </a:rPr>
+            </a:br>
+            <a:r>
+              <a:rPr lang="en-ZA">
+                <a:ea typeface="ＭＳ Ｐゴシック" pitchFamily="34" charset="-128"/>
+              </a:rPr>
+              <a:t>Please see instruction on previous page</a:t>
             </a:r>
           </a:p>
         </p:txBody>
       </p:sp>
-      <p:graphicFrame>
-        <p:nvGraphicFramePr>
-          <p:cNvPr id="44036" name="Chart Placeholder 3"/>
-          <p:cNvGraphicFramePr>
-            <a:graphicFrameLocks noGrp="1"/>
-          </p:cNvGraphicFramePr>
+      <p:sp>
+        <p:nvSpPr>
+          <p:cNvPr id="41989" name="Chart Placeholder 2"/>
+          <p:cNvSpPr>
+            <a:spLocks noGrp="1" noTextEdit="1"/>
+          </p:cNvSpPr>
           <p:nvPr>
             <p:ph type="chart" sz="quarter" idx="11"/>
           </p:nvPr>
-        </p:nvGraphicFramePr>
-        <p:xfrm>
-          <a:off x="639763" y="1673225"/>
-          <a:ext cx="7866062" cy="4579938"/>
-        </p:xfrm>
-        <a:graphic>
-          <a:graphicData uri="http://schemas.openxmlformats.org/presentationml/2006/ole">
-            <mc:AlternateContent xmlns:mc="http://schemas.openxmlformats.org/markup-compatibility/2006">
-              <mc:Choice xmlns:v="urn:schemas-microsoft-com:vml" Requires="v">
-                <p:oleObj spid="_x0000_s44065" r:id="rId3" imgW="8039959" imgH="4681341" progId="Excel.Chart.8">
-                  <p:embed/>
-                </p:oleObj>
-              </mc:Choice>
-              <mc:Fallback>
-                <p:oleObj r:id="rId3" imgW="8039959" imgH="4681341" progId="Excel.Chart.8">
-                  <p:embed/>
-                  <p:pic>
-                    <p:nvPicPr>
-                      <p:cNvPr id="0" name="Chart Placeholder 3"/>
-                      <p:cNvPicPr>
-                        <a:picLocks noGrp="1" noChangeArrowheads="1"/>
-                      </p:cNvPicPr>
-                      <p:nvPr/>
-                    </p:nvPicPr>
-                    <p:blipFill>
-                      <a:blip r:embed="rId4">
-                        <a:extLst>
-                          <a:ext uri="{28A0092B-C50C-407E-A947-70E740481C1C}">
-                            <a14:useLocalDpi xmlns:a14="http://schemas.microsoft.com/office/drawing/2010/main" val="0"/>
-                          </a:ext>
-                        </a:extLst>
-                      </a:blip>
-                      <a:srcRect/>
-                      <a:stretch>
-                        <a:fillRect/>
-                      </a:stretch>
-                    </p:blipFill>
-                    <p:spPr bwMode="auto">
-                      <a:xfrm>
-                        <a:off x="639763" y="1673225"/>
-                        <a:ext cx="7866062" cy="4579938"/>
-                      </a:xfrm>
-                      <a:prstGeom prst="rect">
-                        <a:avLst/>
-                      </a:prstGeom>
-                      <a:noFill/>
-                      <a:ln>
-                        <a:noFill/>
-                      </a:ln>
-                      <a:extLst>
-                        <a:ext uri="{909E8E84-426E-40DD-AFC4-6F175D3DCCD1}">
-                          <a14:hiddenFill xmlns:a14="http://schemas.microsoft.com/office/drawing/2010/main">
-                            <a:solidFill>
-                              <a:srgbClr val="FFFFFF"/>
-                            </a:solidFill>
-                          </a14:hiddenFill>
-                        </a:ext>
-                        <a:ext uri="{91240B29-F687-4F45-9708-019B960494DF}">
-                          <a14:hiddenLine xmlns:a14="http://schemas.microsoft.com/office/drawing/2010/main" w="9525">
-                            <a:solidFill>
-                              <a:srgbClr val="000000"/>
-                            </a:solidFill>
-                            <a:miter lim="800000"/>
-                            <a:headEnd/>
-                            <a:tailEnd/>
-                          </a14:hiddenLine>
-                        </a:ext>
-                      </a:extLst>
-                    </p:spPr>
-                  </p:pic>
-                </p:oleObj>
-              </mc:Fallback>
-            </mc:AlternateContent>
-          </a:graphicData>
-        </a:graphic>
-      </p:graphicFrame>
+        </p:nvSpPr>
+        <p:spPr>
+          <a:ln w="9525"/>
+          <a:extLst>
+            <a:ext uri="{91240B29-F687-4F45-9708-019B960494DF}">
+              <a14:hiddenLine xmlns:a14="http://schemas.microsoft.com/office/drawing/2010/main" w="25400" cap="flat">
+                <a:solidFill>
+                  <a:srgbClr val="000000"/>
+                </a:solidFill>
+                <a:round/>
+                <a:headEnd/>
+                <a:tailEnd/>
+              </a14:hiddenLine>
+            </a:ext>
+          </a:extLst>
+        </p:spPr>
+      </p:sp>
     </p:spTree>
   </p:cSld>
   <p:clrMapOvr>
@@ -18286,7 +19393,7 @@
       </p:grpSpPr>
       <p:sp>
         <p:nvSpPr>
-          <p:cNvPr id="45058" name="Text Placeholder 2"/>
+          <p:cNvPr id="43010" name="Text Placeholder 2"/>
           <p:cNvSpPr>
             <a:spLocks noGrp="1"/>
           </p:cNvSpPr>
@@ -18308,7 +19415,7 @@
       </p:sp>
       <p:sp>
         <p:nvSpPr>
-          <p:cNvPr id="45059" name="Title 1"/>
+          <p:cNvPr id="43011" name="Title 1"/>
           <p:cNvSpPr>
             <a:spLocks noGrp="1"/>
           </p:cNvSpPr>
@@ -18326,14 +19433,14 @@
               <a:rPr lang="en-ZA">
                 <a:ea typeface="ＭＳ Ｐゴシック" pitchFamily="34" charset="-128"/>
               </a:rPr>
-              <a:t>Example of pie chart</a:t>
+              <a:t>Example of pie chart: 2 colours only</a:t>
             </a:r>
           </a:p>
         </p:txBody>
       </p:sp>
       <p:graphicFrame>
         <p:nvGraphicFramePr>
-          <p:cNvPr id="45060" name="Chart Placeholder 3"/>
+          <p:cNvPr id="43012" name="Chart Placeholder 3"/>
           <p:cNvGraphicFramePr>
             <a:graphicFrameLocks noGrp="1"/>
           </p:cNvGraphicFramePr>
@@ -18349,7 +19456,7 @@
           <a:graphicData uri="http://schemas.openxmlformats.org/presentationml/2006/ole">
             <mc:AlternateContent xmlns:mc="http://schemas.openxmlformats.org/markup-compatibility/2006">
               <mc:Choice xmlns:v="urn:schemas-microsoft-com:vml" Requires="v">
-                <p:oleObj spid="_x0000_s45089" r:id="rId3" imgW="8039959" imgH="4681341" progId="Excel.Chart.8">
+                <p:oleObj spid="_x0000_s43048" r:id="rId3" imgW="8039959" imgH="4681341" progId="Excel.Chart.8">
                   <p:embed/>
                 </p:oleObj>
               </mc:Choice>
@@ -18425,6 +19532,320 @@
 </file>
 
 <file path=ppt/slides/slide31.xml><?xml version="1.0" encoding="utf-8"?>
+<p:sld xmlns:a="http://schemas.openxmlformats.org/drawingml/2006/main" xmlns:r="http://schemas.openxmlformats.org/officeDocument/2006/relationships" xmlns:p="http://schemas.openxmlformats.org/presentationml/2006/main">
+  <p:cSld>
+    <p:spTree>
+      <p:nvGrpSpPr>
+        <p:cNvPr id="1" name=""/>
+        <p:cNvGrpSpPr/>
+        <p:nvPr/>
+      </p:nvGrpSpPr>
+      <p:grpSpPr>
+        <a:xfrm>
+          <a:off x="0" y="0"/>
+          <a:ext cx="0" cy="0"/>
+          <a:chOff x="0" y="0"/>
+          <a:chExt cx="0" cy="0"/>
+        </a:xfrm>
+      </p:grpSpPr>
+      <p:sp>
+        <p:nvSpPr>
+          <p:cNvPr id="44034" name="Text Placeholder 2"/>
+          <p:cNvSpPr>
+            <a:spLocks noGrp="1"/>
+          </p:cNvSpPr>
+          <p:nvPr>
+            <p:ph type="body" sz="quarter" idx="12"/>
+          </p:nvPr>
+        </p:nvSpPr>
+        <p:spPr/>
+        <p:txBody>
+          <a:bodyPr/>
+          <a:lstStyle/>
+          <a:p>
+            <a:pPr marL="0" indent="0" eaLnBrk="1" hangingPunct="1"/>
+            <a:endParaRPr lang="en-ZA">
+              <a:ea typeface="ＭＳ Ｐゴシック" pitchFamily="34" charset="-128"/>
+            </a:endParaRPr>
+          </a:p>
+        </p:txBody>
+      </p:sp>
+      <p:sp>
+        <p:nvSpPr>
+          <p:cNvPr id="44035" name="Title 1"/>
+          <p:cNvSpPr>
+            <a:spLocks noGrp="1"/>
+          </p:cNvSpPr>
+          <p:nvPr>
+            <p:ph type="title"/>
+          </p:nvPr>
+        </p:nvSpPr>
+        <p:spPr/>
+        <p:txBody>
+          <a:bodyPr/>
+          <a:lstStyle/>
+          <a:p>
+            <a:pPr eaLnBrk="1" hangingPunct="1"/>
+            <a:r>
+              <a:rPr lang="en-ZA">
+                <a:ea typeface="ＭＳ Ｐゴシック" pitchFamily="34" charset="-128"/>
+              </a:rPr>
+              <a:t>Example of pie chart</a:t>
+            </a:r>
+          </a:p>
+        </p:txBody>
+      </p:sp>
+      <p:graphicFrame>
+        <p:nvGraphicFramePr>
+          <p:cNvPr id="44036" name="Chart Placeholder 3"/>
+          <p:cNvGraphicFramePr>
+            <a:graphicFrameLocks noGrp="1"/>
+          </p:cNvGraphicFramePr>
+          <p:nvPr>
+            <p:ph type="chart" sz="quarter" idx="11"/>
+          </p:nvPr>
+        </p:nvGraphicFramePr>
+        <p:xfrm>
+          <a:off x="639763" y="1673225"/>
+          <a:ext cx="7866062" cy="4579938"/>
+        </p:xfrm>
+        <a:graphic>
+          <a:graphicData uri="http://schemas.openxmlformats.org/presentationml/2006/ole">
+            <mc:AlternateContent xmlns:mc="http://schemas.openxmlformats.org/markup-compatibility/2006">
+              <mc:Choice xmlns:v="urn:schemas-microsoft-com:vml" Requires="v">
+                <p:oleObj spid="_x0000_s44072" r:id="rId3" imgW="8039959" imgH="4681341" progId="Excel.Chart.8">
+                  <p:embed/>
+                </p:oleObj>
+              </mc:Choice>
+              <mc:Fallback>
+                <p:oleObj r:id="rId3" imgW="8039959" imgH="4681341" progId="Excel.Chart.8">
+                  <p:embed/>
+                  <p:pic>
+                    <p:nvPicPr>
+                      <p:cNvPr id="0" name="Chart Placeholder 3"/>
+                      <p:cNvPicPr>
+                        <a:picLocks noGrp="1" noChangeArrowheads="1"/>
+                      </p:cNvPicPr>
+                      <p:nvPr/>
+                    </p:nvPicPr>
+                    <p:blipFill>
+                      <a:blip r:embed="rId4">
+                        <a:extLst>
+                          <a:ext uri="{28A0092B-C50C-407E-A947-70E740481C1C}">
+                            <a14:useLocalDpi xmlns:a14="http://schemas.microsoft.com/office/drawing/2010/main" val="0"/>
+                          </a:ext>
+                        </a:extLst>
+                      </a:blip>
+                      <a:srcRect/>
+                      <a:stretch>
+                        <a:fillRect/>
+                      </a:stretch>
+                    </p:blipFill>
+                    <p:spPr bwMode="auto">
+                      <a:xfrm>
+                        <a:off x="639763" y="1673225"/>
+                        <a:ext cx="7866062" cy="4579938"/>
+                      </a:xfrm>
+                      <a:prstGeom prst="rect">
+                        <a:avLst/>
+                      </a:prstGeom>
+                      <a:noFill/>
+                      <a:ln>
+                        <a:noFill/>
+                      </a:ln>
+                      <a:extLst>
+                        <a:ext uri="{909E8E84-426E-40DD-AFC4-6F175D3DCCD1}">
+                          <a14:hiddenFill xmlns:a14="http://schemas.microsoft.com/office/drawing/2010/main">
+                            <a:solidFill>
+                              <a:srgbClr val="FFFFFF"/>
+                            </a:solidFill>
+                          </a14:hiddenFill>
+                        </a:ext>
+                        <a:ext uri="{91240B29-F687-4F45-9708-019B960494DF}">
+                          <a14:hiddenLine xmlns:a14="http://schemas.microsoft.com/office/drawing/2010/main" w="9525">
+                            <a:solidFill>
+                              <a:srgbClr val="000000"/>
+                            </a:solidFill>
+                            <a:miter lim="800000"/>
+                            <a:headEnd/>
+                            <a:tailEnd/>
+                          </a14:hiddenLine>
+                        </a:ext>
+                      </a:extLst>
+                    </p:spPr>
+                  </p:pic>
+                </p:oleObj>
+              </mc:Fallback>
+            </mc:AlternateContent>
+          </a:graphicData>
+        </a:graphic>
+      </p:graphicFrame>
+    </p:spTree>
+  </p:cSld>
+  <p:clrMapOvr>
+    <a:masterClrMapping/>
+  </p:clrMapOvr>
+</p:sld>
+</file>
+
+<file path=ppt/slides/slide32.xml><?xml version="1.0" encoding="utf-8"?>
+<p:sld xmlns:a="http://schemas.openxmlformats.org/drawingml/2006/main" xmlns:r="http://schemas.openxmlformats.org/officeDocument/2006/relationships" xmlns:p="http://schemas.openxmlformats.org/presentationml/2006/main">
+  <p:cSld>
+    <p:spTree>
+      <p:nvGrpSpPr>
+        <p:cNvPr id="1" name=""/>
+        <p:cNvGrpSpPr/>
+        <p:nvPr/>
+      </p:nvGrpSpPr>
+      <p:grpSpPr>
+        <a:xfrm>
+          <a:off x="0" y="0"/>
+          <a:ext cx="0" cy="0"/>
+          <a:chOff x="0" y="0"/>
+          <a:chExt cx="0" cy="0"/>
+        </a:xfrm>
+      </p:grpSpPr>
+      <p:sp>
+        <p:nvSpPr>
+          <p:cNvPr id="45058" name="Text Placeholder 2"/>
+          <p:cNvSpPr>
+            <a:spLocks noGrp="1"/>
+          </p:cNvSpPr>
+          <p:nvPr>
+            <p:ph type="body" sz="quarter" idx="12"/>
+          </p:nvPr>
+        </p:nvSpPr>
+        <p:spPr/>
+        <p:txBody>
+          <a:bodyPr/>
+          <a:lstStyle/>
+          <a:p>
+            <a:pPr marL="0" indent="0" eaLnBrk="1" hangingPunct="1"/>
+            <a:endParaRPr lang="en-ZA">
+              <a:ea typeface="ＭＳ Ｐゴシック" pitchFamily="34" charset="-128"/>
+            </a:endParaRPr>
+          </a:p>
+        </p:txBody>
+      </p:sp>
+      <p:sp>
+        <p:nvSpPr>
+          <p:cNvPr id="45059" name="Title 1"/>
+          <p:cNvSpPr>
+            <a:spLocks noGrp="1"/>
+          </p:cNvSpPr>
+          <p:nvPr>
+            <p:ph type="title"/>
+          </p:nvPr>
+        </p:nvSpPr>
+        <p:spPr/>
+        <p:txBody>
+          <a:bodyPr/>
+          <a:lstStyle/>
+          <a:p>
+            <a:pPr eaLnBrk="1" hangingPunct="1"/>
+            <a:r>
+              <a:rPr lang="en-ZA">
+                <a:ea typeface="ＭＳ Ｐゴシック" pitchFamily="34" charset="-128"/>
+              </a:rPr>
+              <a:t>Example of pie chart</a:t>
+            </a:r>
+          </a:p>
+        </p:txBody>
+      </p:sp>
+      <p:graphicFrame>
+        <p:nvGraphicFramePr>
+          <p:cNvPr id="45060" name="Chart Placeholder 3"/>
+          <p:cNvGraphicFramePr>
+            <a:graphicFrameLocks noGrp="1"/>
+          </p:cNvGraphicFramePr>
+          <p:nvPr>
+            <p:ph type="chart" sz="quarter" idx="11"/>
+          </p:nvPr>
+        </p:nvGraphicFramePr>
+        <p:xfrm>
+          <a:off x="639763" y="1673225"/>
+          <a:ext cx="7866062" cy="4579938"/>
+        </p:xfrm>
+        <a:graphic>
+          <a:graphicData uri="http://schemas.openxmlformats.org/presentationml/2006/ole">
+            <mc:AlternateContent xmlns:mc="http://schemas.openxmlformats.org/markup-compatibility/2006">
+              <mc:Choice xmlns:v="urn:schemas-microsoft-com:vml" Requires="v">
+                <p:oleObj spid="_x0000_s45096" r:id="rId3" imgW="8039959" imgH="4681341" progId="Excel.Chart.8">
+                  <p:embed/>
+                </p:oleObj>
+              </mc:Choice>
+              <mc:Fallback>
+                <p:oleObj r:id="rId3" imgW="8039959" imgH="4681341" progId="Excel.Chart.8">
+                  <p:embed/>
+                  <p:pic>
+                    <p:nvPicPr>
+                      <p:cNvPr id="0" name="Chart Placeholder 3"/>
+                      <p:cNvPicPr>
+                        <a:picLocks noGrp="1" noChangeArrowheads="1"/>
+                      </p:cNvPicPr>
+                      <p:nvPr/>
+                    </p:nvPicPr>
+                    <p:blipFill>
+                      <a:blip r:embed="rId4">
+                        <a:extLst>
+                          <a:ext uri="{28A0092B-C50C-407E-A947-70E740481C1C}">
+                            <a14:useLocalDpi xmlns:a14="http://schemas.microsoft.com/office/drawing/2010/main" val="0"/>
+                          </a:ext>
+                        </a:extLst>
+                      </a:blip>
+                      <a:srcRect/>
+                      <a:stretch>
+                        <a:fillRect/>
+                      </a:stretch>
+                    </p:blipFill>
+                    <p:spPr bwMode="auto">
+                      <a:xfrm>
+                        <a:off x="639763" y="1673225"/>
+                        <a:ext cx="7866062" cy="4579938"/>
+                      </a:xfrm>
+                      <a:prstGeom prst="rect">
+                        <a:avLst/>
+                      </a:prstGeom>
+                      <a:noFill/>
+                      <a:ln>
+                        <a:noFill/>
+                      </a:ln>
+                      <a:extLst>
+                        <a:ext uri="{909E8E84-426E-40DD-AFC4-6F175D3DCCD1}">
+                          <a14:hiddenFill xmlns:a14="http://schemas.microsoft.com/office/drawing/2010/main">
+                            <a:solidFill>
+                              <a:srgbClr val="FFFFFF"/>
+                            </a:solidFill>
+                          </a14:hiddenFill>
+                        </a:ext>
+                        <a:ext uri="{91240B29-F687-4F45-9708-019B960494DF}">
+                          <a14:hiddenLine xmlns:a14="http://schemas.microsoft.com/office/drawing/2010/main" w="9525">
+                            <a:solidFill>
+                              <a:srgbClr val="000000"/>
+                            </a:solidFill>
+                            <a:miter lim="800000"/>
+                            <a:headEnd/>
+                            <a:tailEnd/>
+                          </a14:hiddenLine>
+                        </a:ext>
+                      </a:extLst>
+                    </p:spPr>
+                  </p:pic>
+                </p:oleObj>
+              </mc:Fallback>
+            </mc:AlternateContent>
+          </a:graphicData>
+        </a:graphic>
+      </p:graphicFrame>
+    </p:spTree>
+  </p:cSld>
+  <p:clrMapOvr>
+    <a:masterClrMapping/>
+  </p:clrMapOvr>
+</p:sld>
+</file>
+
+<file path=ppt/slides/slide33.xml><?xml version="1.0" encoding="utf-8"?>
 <p:sld xmlns:a="http://schemas.openxmlformats.org/drawingml/2006/main" xmlns:r="http://schemas.openxmlformats.org/officeDocument/2006/relationships" xmlns:p="http://schemas.openxmlformats.org/presentationml/2006/main">
   <p:cSld>
     <p:spTree>
@@ -19157,7 +20578,7 @@
 </p:sld>
 </file>
 
-<file path=ppt/slides/slide32.xml><?xml version="1.0" encoding="utf-8"?>
+<file path=ppt/slides/slide34.xml><?xml version="1.0" encoding="utf-8"?>
 <p:sld xmlns:a="http://schemas.openxmlformats.org/drawingml/2006/main" xmlns:r="http://schemas.openxmlformats.org/officeDocument/2006/relationships" xmlns:p="http://schemas.openxmlformats.org/presentationml/2006/main">
   <p:cSld>
     <p:spTree>
@@ -19310,7 +20731,7 @@
 </p:sld>
 </file>
 
-<file path=ppt/slides/slide33.xml><?xml version="1.0" encoding="utf-8"?>
+<file path=ppt/slides/slide35.xml><?xml version="1.0" encoding="utf-8"?>
 <p:sld xmlns:a="http://schemas.openxmlformats.org/drawingml/2006/main" xmlns:r="http://schemas.openxmlformats.org/officeDocument/2006/relationships" xmlns:p="http://schemas.openxmlformats.org/presentationml/2006/main">
   <p:cSld>
     <p:spTree>
@@ -20078,7 +21499,7 @@
 </p:sld>
 </file>
 
-<file path=ppt/slides/slide34.xml><?xml version="1.0" encoding="utf-8"?>
+<file path=ppt/slides/slide36.xml><?xml version="1.0" encoding="utf-8"?>
 <p:sld xmlns:a="http://schemas.openxmlformats.org/drawingml/2006/main" xmlns:r="http://schemas.openxmlformats.org/officeDocument/2006/relationships" xmlns:p="http://schemas.openxmlformats.org/presentationml/2006/main">
   <p:cSld>
     <p:spTree>
@@ -20749,7 +22170,7 @@
 </p:sld>
 </file>
 
-<file path=ppt/slides/slide35.xml><?xml version="1.0" encoding="utf-8"?>
+<file path=ppt/slides/slide37.xml><?xml version="1.0" encoding="utf-8"?>
 <p:sld xmlns:a="http://schemas.openxmlformats.org/drawingml/2006/main" xmlns:r="http://schemas.openxmlformats.org/officeDocument/2006/relationships" xmlns:p="http://schemas.openxmlformats.org/presentationml/2006/main">
   <p:cSld>
     <p:spTree>
@@ -20934,7 +22355,7 @@
 </p:sld>
 </file>
 
-<file path=ppt/slides/slide36.xml><?xml version="1.0" encoding="utf-8"?>
+<file path=ppt/slides/slide38.xml><?xml version="1.0" encoding="utf-8"?>
 <p:sld xmlns:a="http://schemas.openxmlformats.org/drawingml/2006/main" xmlns:r="http://schemas.openxmlformats.org/officeDocument/2006/relationships" xmlns:p="http://schemas.openxmlformats.org/presentationml/2006/main">
   <p:cSld>
     <p:spTree>
@@ -21799,7 +23220,7 @@
 </p:sld>
 </file>
 
-<file path=ppt/slides/slide37.xml><?xml version="1.0" encoding="utf-8"?>
+<file path=ppt/slides/slide39.xml><?xml version="1.0" encoding="utf-8"?>
 <p:sld xmlns:a="http://schemas.openxmlformats.org/drawingml/2006/main" xmlns:r="http://schemas.openxmlformats.org/officeDocument/2006/relationships" xmlns:p="http://schemas.openxmlformats.org/presentationml/2006/main">
   <p:cSld>
     <p:spTree>
@@ -21836,7 +23257,7 @@
 </p:sld>
 </file>
 
-<file path=ppt/slides/slide38.xml><?xml version="1.0" encoding="utf-8"?>
+<file path=ppt/slides/slide4.xml><?xml version="1.0" encoding="utf-8"?>
 <p:sld xmlns:a="http://schemas.openxmlformats.org/drawingml/2006/main" xmlns:r="http://schemas.openxmlformats.org/officeDocument/2006/relationships" xmlns:p="http://schemas.openxmlformats.org/presentationml/2006/main">
   <p:cSld>
     <p:spTree>
@@ -21855,6 +23276,720 @@
       </p:grpSpPr>
       <p:sp>
         <p:nvSpPr>
+          <p:cNvPr id="2" name="Title 1"/>
+          <p:cNvSpPr>
+            <a:spLocks noGrp="1"/>
+          </p:cNvSpPr>
+          <p:nvPr>
+            <p:ph type="title"/>
+          </p:nvPr>
+        </p:nvSpPr>
+        <p:spPr/>
+        <p:txBody>
+          <a:bodyPr/>
+          <a:lstStyle/>
+          <a:p>
+            <a:r>
+              <a:rPr lang="en-US" dirty="0"/>
+              <a:t>History</a:t>
+            </a:r>
+            <a:endParaRPr lang="en-BE" dirty="0"/>
+          </a:p>
+        </p:txBody>
+      </p:sp>
+      <p:sp>
+        <p:nvSpPr>
+          <p:cNvPr id="3" name="Content Placeholder 2"/>
+          <p:cNvSpPr>
+            <a:spLocks noGrp="1"/>
+          </p:cNvSpPr>
+          <p:nvPr>
+            <p:ph idx="1"/>
+          </p:nvPr>
+        </p:nvSpPr>
+        <p:spPr/>
+        <p:txBody>
+          <a:bodyPr/>
+          <a:lstStyle/>
+          <a:p>
+            <a:endParaRPr lang="en-BE" dirty="0"/>
+          </a:p>
+        </p:txBody>
+      </p:sp>
+      <p:pic>
+        <p:nvPicPr>
+          <p:cNvPr id="4" name="Picture 3"/>
+          <p:cNvPicPr>
+            <a:picLocks noChangeAspect="1"/>
+          </p:cNvPicPr>
+          <p:nvPr/>
+        </p:nvPicPr>
+        <p:blipFill>
+          <a:blip r:embed="rId3" cstate="print">
+            <a:extLst>
+              <a:ext uri="{28A0092B-C50C-407E-A947-70E740481C1C}">
+                <a14:useLocalDpi xmlns:a14="http://schemas.microsoft.com/office/drawing/2010/main" val="0"/>
+              </a:ext>
+            </a:extLst>
+          </a:blip>
+          <a:stretch>
+            <a:fillRect/>
+          </a:stretch>
+        </p:blipFill>
+        <p:spPr>
+          <a:xfrm>
+            <a:off x="251520" y="2276872"/>
+            <a:ext cx="8650684" cy="2929415"/>
+          </a:xfrm>
+          <a:prstGeom prst="rect">
+            <a:avLst/>
+          </a:prstGeom>
+        </p:spPr>
+      </p:pic>
+      <p:sp>
+        <p:nvSpPr>
+          <p:cNvPr id="5" name="TextBox 4"/>
+          <p:cNvSpPr txBox="1"/>
+          <p:nvPr/>
+        </p:nvSpPr>
+        <p:spPr>
+          <a:xfrm>
+            <a:off x="644674" y="3556913"/>
+            <a:ext cx="1008112" cy="369332"/>
+          </a:xfrm>
+          <a:prstGeom prst="rect">
+            <a:avLst/>
+          </a:prstGeom>
+          <a:noFill/>
+        </p:spPr>
+        <p:txBody>
+          <a:bodyPr wrap="square" rtlCol="0">
+            <a:spAutoFit/>
+          </a:bodyPr>
+          <a:lstStyle/>
+          <a:p>
+            <a:r>
+              <a:rPr lang="en-US" dirty="0">
+                <a:solidFill>
+                  <a:schemeClr val="bg1"/>
+                </a:solidFill>
+              </a:rPr>
+              <a:t>2006</a:t>
+            </a:r>
+            <a:endParaRPr lang="en-BE" dirty="0">
+              <a:solidFill>
+                <a:schemeClr val="bg1"/>
+              </a:solidFill>
+            </a:endParaRPr>
+          </a:p>
+        </p:txBody>
+      </p:sp>
+      <p:sp>
+        <p:nvSpPr>
+          <p:cNvPr id="6" name="TextBox 5"/>
+          <p:cNvSpPr txBox="1"/>
+          <p:nvPr/>
+        </p:nvSpPr>
+        <p:spPr>
+          <a:xfrm>
+            <a:off x="2134667" y="3556913"/>
+            <a:ext cx="742255" cy="369332"/>
+          </a:xfrm>
+          <a:prstGeom prst="rect">
+            <a:avLst/>
+          </a:prstGeom>
+          <a:noFill/>
+        </p:spPr>
+        <p:txBody>
+          <a:bodyPr wrap="square" rtlCol="0">
+            <a:spAutoFit/>
+          </a:bodyPr>
+          <a:lstStyle/>
+          <a:p>
+            <a:r>
+              <a:rPr lang="en-US" dirty="0">
+                <a:solidFill>
+                  <a:schemeClr val="bg1"/>
+                </a:solidFill>
+              </a:rPr>
+              <a:t>2009</a:t>
+            </a:r>
+            <a:endParaRPr lang="en-BE" dirty="0">
+              <a:solidFill>
+                <a:schemeClr val="bg1"/>
+              </a:solidFill>
+            </a:endParaRPr>
+          </a:p>
+        </p:txBody>
+      </p:sp>
+      <p:sp>
+        <p:nvSpPr>
+          <p:cNvPr id="7" name="TextBox 6"/>
+          <p:cNvSpPr txBox="1"/>
+          <p:nvPr/>
+        </p:nvSpPr>
+        <p:spPr>
+          <a:xfrm>
+            <a:off x="3463925" y="3546222"/>
+            <a:ext cx="742255" cy="369332"/>
+          </a:xfrm>
+          <a:prstGeom prst="rect">
+            <a:avLst/>
+          </a:prstGeom>
+          <a:noFill/>
+        </p:spPr>
+        <p:txBody>
+          <a:bodyPr wrap="square" rtlCol="0">
+            <a:spAutoFit/>
+          </a:bodyPr>
+          <a:lstStyle/>
+          <a:p>
+            <a:r>
+              <a:rPr lang="en-US" dirty="0">
+                <a:solidFill>
+                  <a:schemeClr val="bg1"/>
+                </a:solidFill>
+              </a:rPr>
+              <a:t>2012</a:t>
+            </a:r>
+            <a:endParaRPr lang="en-BE" dirty="0">
+              <a:solidFill>
+                <a:schemeClr val="bg1"/>
+              </a:solidFill>
+            </a:endParaRPr>
+          </a:p>
+        </p:txBody>
+      </p:sp>
+      <p:sp>
+        <p:nvSpPr>
+          <p:cNvPr id="8" name="TextBox 7"/>
+          <p:cNvSpPr txBox="1"/>
+          <p:nvPr/>
+        </p:nvSpPr>
+        <p:spPr>
+          <a:xfrm>
+            <a:off x="4965154" y="3556913"/>
+            <a:ext cx="742255" cy="369332"/>
+          </a:xfrm>
+          <a:prstGeom prst="rect">
+            <a:avLst/>
+          </a:prstGeom>
+          <a:noFill/>
+        </p:spPr>
+        <p:txBody>
+          <a:bodyPr wrap="square" rtlCol="0">
+            <a:spAutoFit/>
+          </a:bodyPr>
+          <a:lstStyle/>
+          <a:p>
+            <a:r>
+              <a:rPr lang="en-US" dirty="0">
+                <a:solidFill>
+                  <a:schemeClr val="bg1"/>
+                </a:solidFill>
+              </a:rPr>
+              <a:t>2013</a:t>
+            </a:r>
+            <a:endParaRPr lang="en-BE" dirty="0">
+              <a:solidFill>
+                <a:schemeClr val="bg1"/>
+              </a:solidFill>
+            </a:endParaRPr>
+          </a:p>
+        </p:txBody>
+      </p:sp>
+      <p:sp>
+        <p:nvSpPr>
+          <p:cNvPr id="9" name="TextBox 8"/>
+          <p:cNvSpPr txBox="1"/>
+          <p:nvPr/>
+        </p:nvSpPr>
+        <p:spPr>
+          <a:xfrm>
+            <a:off x="6332252" y="3535531"/>
+            <a:ext cx="742255" cy="369332"/>
+          </a:xfrm>
+          <a:prstGeom prst="rect">
+            <a:avLst/>
+          </a:prstGeom>
+          <a:noFill/>
+        </p:spPr>
+        <p:txBody>
+          <a:bodyPr wrap="square" rtlCol="0">
+            <a:spAutoFit/>
+          </a:bodyPr>
+          <a:lstStyle/>
+          <a:p>
+            <a:r>
+              <a:rPr lang="en-US" dirty="0">
+                <a:solidFill>
+                  <a:schemeClr val="bg1"/>
+                </a:solidFill>
+              </a:rPr>
+              <a:t>2014</a:t>
+            </a:r>
+            <a:endParaRPr lang="en-BE" dirty="0">
+              <a:solidFill>
+                <a:schemeClr val="bg1"/>
+              </a:solidFill>
+            </a:endParaRPr>
+          </a:p>
+        </p:txBody>
+      </p:sp>
+      <p:sp>
+        <p:nvSpPr>
+          <p:cNvPr id="10" name="TextBox 9"/>
+          <p:cNvSpPr txBox="1"/>
+          <p:nvPr/>
+        </p:nvSpPr>
+        <p:spPr>
+          <a:xfrm>
+            <a:off x="7795381" y="3535531"/>
+            <a:ext cx="742255" cy="369332"/>
+          </a:xfrm>
+          <a:prstGeom prst="rect">
+            <a:avLst/>
+          </a:prstGeom>
+          <a:noFill/>
+        </p:spPr>
+        <p:txBody>
+          <a:bodyPr wrap="square" rtlCol="0">
+            <a:spAutoFit/>
+          </a:bodyPr>
+          <a:lstStyle/>
+          <a:p>
+            <a:r>
+              <a:rPr lang="en-US" dirty="0">
+                <a:solidFill>
+                  <a:schemeClr val="bg1"/>
+                </a:solidFill>
+              </a:rPr>
+              <a:t>2016</a:t>
+            </a:r>
+            <a:endParaRPr lang="en-BE" dirty="0">
+              <a:solidFill>
+                <a:schemeClr val="bg1"/>
+              </a:solidFill>
+            </a:endParaRPr>
+          </a:p>
+        </p:txBody>
+      </p:sp>
+      <p:sp>
+        <p:nvSpPr>
+          <p:cNvPr id="11" name="TextBox 10"/>
+          <p:cNvSpPr txBox="1"/>
+          <p:nvPr/>
+        </p:nvSpPr>
+        <p:spPr>
+          <a:xfrm>
+            <a:off x="340085" y="1947079"/>
+            <a:ext cx="1312701" cy="276999"/>
+          </a:xfrm>
+          <a:prstGeom prst="rect">
+            <a:avLst/>
+          </a:prstGeom>
+          <a:noFill/>
+        </p:spPr>
+        <p:txBody>
+          <a:bodyPr wrap="square" rtlCol="0">
+            <a:spAutoFit/>
+          </a:bodyPr>
+          <a:lstStyle/>
+          <a:p>
+            <a:r>
+              <a:rPr lang="en-US" sz="1200" dirty="0"/>
+              <a:t>PowerShell 1.0</a:t>
+            </a:r>
+          </a:p>
+        </p:txBody>
+      </p:sp>
+      <p:sp>
+        <p:nvSpPr>
+          <p:cNvPr id="12" name="TextBox 11"/>
+          <p:cNvSpPr txBox="1"/>
+          <p:nvPr/>
+        </p:nvSpPr>
+        <p:spPr>
+          <a:xfrm>
+            <a:off x="1849443" y="5206286"/>
+            <a:ext cx="1312701" cy="461665"/>
+          </a:xfrm>
+          <a:prstGeom prst="rect">
+            <a:avLst/>
+          </a:prstGeom>
+          <a:noFill/>
+        </p:spPr>
+        <p:txBody>
+          <a:bodyPr wrap="square" rtlCol="0">
+            <a:spAutoFit/>
+          </a:bodyPr>
+          <a:lstStyle/>
+          <a:p>
+            <a:r>
+              <a:rPr lang="en-US" sz="1200" dirty="0"/>
+              <a:t>PowerShell 2.0</a:t>
+            </a:r>
+          </a:p>
+          <a:p>
+            <a:r>
+              <a:rPr lang="en-US" sz="1200" dirty="0"/>
+              <a:t>(ISE introduced)</a:t>
+            </a:r>
+            <a:endParaRPr lang="en-BE" sz="1200" dirty="0"/>
+          </a:p>
+        </p:txBody>
+      </p:sp>
+      <p:sp>
+        <p:nvSpPr>
+          <p:cNvPr id="13" name="TextBox 12"/>
+          <p:cNvSpPr txBox="1"/>
+          <p:nvPr/>
+        </p:nvSpPr>
+        <p:spPr>
+          <a:xfrm>
+            <a:off x="3220405" y="1947079"/>
+            <a:ext cx="1312701" cy="276999"/>
+          </a:xfrm>
+          <a:prstGeom prst="rect">
+            <a:avLst/>
+          </a:prstGeom>
+          <a:noFill/>
+        </p:spPr>
+        <p:txBody>
+          <a:bodyPr wrap="square" rtlCol="0">
+            <a:spAutoFit/>
+          </a:bodyPr>
+          <a:lstStyle/>
+          <a:p>
+            <a:r>
+              <a:rPr lang="en-US" sz="1200" dirty="0"/>
+              <a:t>PowerShell 3.0</a:t>
+            </a:r>
+            <a:endParaRPr lang="en-BE" sz="1200" dirty="0"/>
+          </a:p>
+        </p:txBody>
+      </p:sp>
+      <p:sp>
+        <p:nvSpPr>
+          <p:cNvPr id="14" name="TextBox 13"/>
+          <p:cNvSpPr txBox="1"/>
+          <p:nvPr/>
+        </p:nvSpPr>
+        <p:spPr>
+          <a:xfrm>
+            <a:off x="4760067" y="5206286"/>
+            <a:ext cx="1312701" cy="276999"/>
+          </a:xfrm>
+          <a:prstGeom prst="rect">
+            <a:avLst/>
+          </a:prstGeom>
+          <a:noFill/>
+        </p:spPr>
+        <p:txBody>
+          <a:bodyPr wrap="square" rtlCol="0">
+            <a:spAutoFit/>
+          </a:bodyPr>
+          <a:lstStyle/>
+          <a:p>
+            <a:r>
+              <a:rPr lang="en-US" sz="1200" dirty="0"/>
+              <a:t>PowerShell 4.0</a:t>
+            </a:r>
+            <a:endParaRPr lang="en-BE" sz="1200" dirty="0"/>
+          </a:p>
+        </p:txBody>
+      </p:sp>
+      <p:sp>
+        <p:nvSpPr>
+          <p:cNvPr id="15" name="TextBox 14"/>
+          <p:cNvSpPr txBox="1"/>
+          <p:nvPr/>
+        </p:nvSpPr>
+        <p:spPr>
+          <a:xfrm>
+            <a:off x="5994555" y="1947078"/>
+            <a:ext cx="1312701" cy="276999"/>
+          </a:xfrm>
+          <a:prstGeom prst="rect">
+            <a:avLst/>
+          </a:prstGeom>
+          <a:noFill/>
+        </p:spPr>
+        <p:txBody>
+          <a:bodyPr wrap="square" rtlCol="0">
+            <a:spAutoFit/>
+          </a:bodyPr>
+          <a:lstStyle/>
+          <a:p>
+            <a:r>
+              <a:rPr lang="en-US" sz="1200" dirty="0"/>
+              <a:t>PowerShell 5.0</a:t>
+            </a:r>
+            <a:endParaRPr lang="en-BE" sz="1200" dirty="0"/>
+          </a:p>
+        </p:txBody>
+      </p:sp>
+      <p:sp>
+        <p:nvSpPr>
+          <p:cNvPr id="16" name="TextBox 15"/>
+          <p:cNvSpPr txBox="1"/>
+          <p:nvPr/>
+        </p:nvSpPr>
+        <p:spPr>
+          <a:xfrm>
+            <a:off x="7307256" y="5206286"/>
+            <a:ext cx="1797849" cy="276999"/>
+          </a:xfrm>
+          <a:prstGeom prst="rect">
+            <a:avLst/>
+          </a:prstGeom>
+          <a:noFill/>
+        </p:spPr>
+        <p:txBody>
+          <a:bodyPr wrap="square" rtlCol="0">
+            <a:spAutoFit/>
+          </a:bodyPr>
+          <a:lstStyle/>
+          <a:p>
+            <a:r>
+              <a:rPr lang="en-US" sz="1200" dirty="0"/>
+              <a:t>PowerShell 6.0 Alpha</a:t>
+            </a:r>
+            <a:endParaRPr lang="en-BE" sz="1200" dirty="0"/>
+          </a:p>
+        </p:txBody>
+      </p:sp>
+      <p:sp>
+        <p:nvSpPr>
+          <p:cNvPr id="17" name="TextBox 16"/>
+          <p:cNvSpPr txBox="1"/>
+          <p:nvPr/>
+        </p:nvSpPr>
+        <p:spPr>
+          <a:xfrm>
+            <a:off x="40953" y="6255495"/>
+            <a:ext cx="9144000" cy="461665"/>
+          </a:xfrm>
+          <a:prstGeom prst="rect">
+            <a:avLst/>
+          </a:prstGeom>
+          <a:noFill/>
+        </p:spPr>
+        <p:txBody>
+          <a:bodyPr wrap="square" rtlCol="0">
+            <a:spAutoFit/>
+          </a:bodyPr>
+          <a:lstStyle/>
+          <a:p>
+            <a:r>
+              <a:rPr lang="nl-BE" sz="1200" dirty="0">
+                <a:hlinkClick r:id="rId4"/>
+              </a:rPr>
+              <a:t>https://4sysops.com/archives/powershell-versions-and-their-windows-version/</a:t>
+            </a:r>
+            <a:endParaRPr lang="en-US" sz="1200" dirty="0"/>
+          </a:p>
+          <a:p>
+            <a:endParaRPr lang="nl-BE" sz="1200" dirty="0"/>
+          </a:p>
+        </p:txBody>
+      </p:sp>
+      <p:sp>
+        <p:nvSpPr>
+          <p:cNvPr id="18" name="TextBox 17"/>
+          <p:cNvSpPr txBox="1"/>
+          <p:nvPr/>
+        </p:nvSpPr>
+        <p:spPr>
+          <a:xfrm>
+            <a:off x="1040718" y="2448600"/>
+            <a:ext cx="1224136" cy="276999"/>
+          </a:xfrm>
+          <a:prstGeom prst="rect">
+            <a:avLst/>
+          </a:prstGeom>
+          <a:noFill/>
+        </p:spPr>
+        <p:txBody>
+          <a:bodyPr wrap="square" rtlCol="0">
+            <a:spAutoFit/>
+          </a:bodyPr>
+          <a:lstStyle/>
+          <a:p>
+            <a:r>
+              <a:rPr lang="en-US" sz="1200" dirty="0"/>
+              <a:t>Server 2008</a:t>
+            </a:r>
+            <a:endParaRPr lang="en-BE" sz="1200" dirty="0"/>
+          </a:p>
+        </p:txBody>
+      </p:sp>
+      <p:sp>
+        <p:nvSpPr>
+          <p:cNvPr id="19" name="TextBox 18"/>
+          <p:cNvSpPr txBox="1"/>
+          <p:nvPr/>
+        </p:nvSpPr>
+        <p:spPr>
+          <a:xfrm>
+            <a:off x="2550075" y="4147645"/>
+            <a:ext cx="1265753" cy="461665"/>
+          </a:xfrm>
+          <a:prstGeom prst="rect">
+            <a:avLst/>
+          </a:prstGeom>
+          <a:noFill/>
+        </p:spPr>
+        <p:txBody>
+          <a:bodyPr wrap="square" rtlCol="0">
+            <a:spAutoFit/>
+          </a:bodyPr>
+          <a:lstStyle/>
+          <a:p>
+            <a:r>
+              <a:rPr lang="en-US" sz="1200" dirty="0"/>
+              <a:t>Win 7</a:t>
+            </a:r>
+          </a:p>
+          <a:p>
+            <a:r>
+              <a:rPr lang="en-US" sz="1200" dirty="0"/>
+              <a:t>Server 2008 R2</a:t>
+            </a:r>
+          </a:p>
+        </p:txBody>
+      </p:sp>
+      <p:sp>
+        <p:nvSpPr>
+          <p:cNvPr id="20" name="TextBox 19"/>
+          <p:cNvSpPr txBox="1"/>
+          <p:nvPr/>
+        </p:nvSpPr>
+        <p:spPr>
+          <a:xfrm>
+            <a:off x="3900229" y="2448600"/>
+            <a:ext cx="1265753" cy="461665"/>
+          </a:xfrm>
+          <a:prstGeom prst="rect">
+            <a:avLst/>
+          </a:prstGeom>
+          <a:noFill/>
+        </p:spPr>
+        <p:txBody>
+          <a:bodyPr wrap="square" rtlCol="0">
+            <a:spAutoFit/>
+          </a:bodyPr>
+          <a:lstStyle/>
+          <a:p>
+            <a:r>
+              <a:rPr lang="en-US" sz="1200" dirty="0"/>
+              <a:t>Win 8</a:t>
+            </a:r>
+          </a:p>
+          <a:p>
+            <a:r>
+              <a:rPr lang="en-US" sz="1200" dirty="0"/>
+              <a:t>Server 2012</a:t>
+            </a:r>
+          </a:p>
+        </p:txBody>
+      </p:sp>
+      <p:sp>
+        <p:nvSpPr>
+          <p:cNvPr id="21" name="TextBox 20"/>
+          <p:cNvSpPr txBox="1"/>
+          <p:nvPr/>
+        </p:nvSpPr>
+        <p:spPr>
+          <a:xfrm>
+            <a:off x="5385152" y="4165215"/>
+            <a:ext cx="1265753" cy="461665"/>
+          </a:xfrm>
+          <a:prstGeom prst="rect">
+            <a:avLst/>
+          </a:prstGeom>
+          <a:noFill/>
+        </p:spPr>
+        <p:txBody>
+          <a:bodyPr wrap="square" rtlCol="0">
+            <a:spAutoFit/>
+          </a:bodyPr>
+          <a:lstStyle/>
+          <a:p>
+            <a:r>
+              <a:rPr lang="en-US" sz="1200" dirty="0"/>
+              <a:t>Win 8.1</a:t>
+            </a:r>
+          </a:p>
+          <a:p>
+            <a:r>
+              <a:rPr lang="en-US" sz="1200" dirty="0"/>
+              <a:t>Server 2012 R2</a:t>
+            </a:r>
+          </a:p>
+        </p:txBody>
+      </p:sp>
+      <p:sp>
+        <p:nvSpPr>
+          <p:cNvPr id="22" name="TextBox 21"/>
+          <p:cNvSpPr txBox="1"/>
+          <p:nvPr/>
+        </p:nvSpPr>
+        <p:spPr>
+          <a:xfrm>
+            <a:off x="6796193" y="2456929"/>
+            <a:ext cx="1265753" cy="276999"/>
+          </a:xfrm>
+          <a:prstGeom prst="rect">
+            <a:avLst/>
+          </a:prstGeom>
+          <a:noFill/>
+        </p:spPr>
+        <p:txBody>
+          <a:bodyPr wrap="square" rtlCol="0">
+            <a:spAutoFit/>
+          </a:bodyPr>
+          <a:lstStyle/>
+          <a:p>
+            <a:r>
+              <a:rPr lang="en-US" sz="1200" dirty="0"/>
+              <a:t>Win 10</a:t>
+            </a:r>
+          </a:p>
+        </p:txBody>
+      </p:sp>
+    </p:spTree>
+    <p:extLst>
+      <p:ext uri="{BB962C8B-B14F-4D97-AF65-F5344CB8AC3E}">
+        <p14:creationId xmlns:p14="http://schemas.microsoft.com/office/powerpoint/2010/main" val="353889771"/>
+      </p:ext>
+    </p:extLst>
+  </p:cSld>
+  <p:clrMapOvr>
+    <a:masterClrMapping/>
+  </p:clrMapOvr>
+</p:sld>
+</file>
+
+<file path=ppt/slides/slide40.xml><?xml version="1.0" encoding="utf-8"?>
+<p:sld xmlns:a="http://schemas.openxmlformats.org/drawingml/2006/main" xmlns:r="http://schemas.openxmlformats.org/officeDocument/2006/relationships" xmlns:p="http://schemas.openxmlformats.org/presentationml/2006/main">
+  <p:cSld>
+    <p:spTree>
+      <p:nvGrpSpPr>
+        <p:cNvPr id="1" name=""/>
+        <p:cNvGrpSpPr/>
+        <p:nvPr/>
+      </p:nvGrpSpPr>
+      <p:grpSpPr>
+        <a:xfrm>
+          <a:off x="0" y="0"/>
+          <a:ext cx="0" cy="0"/>
+          <a:chOff x="0" y="0"/>
+          <a:chExt cx="0" cy="0"/>
+        </a:xfrm>
+      </p:grpSpPr>
+      <p:sp>
+        <p:nvSpPr>
           <p:cNvPr id="53250" name="Picture Placeholder 5"/>
           <p:cNvSpPr>
             <a:spLocks noGrp="1" noTextEdit="1"/>
@@ -21923,7 +24058,7 @@
 </p:sld>
 </file>
 
-<file path=ppt/slides/slide39.xml><?xml version="1.0" encoding="utf-8"?>
+<file path=ppt/slides/slide41.xml><?xml version="1.0" encoding="utf-8"?>
 <p:sld xmlns:a="http://schemas.openxmlformats.org/drawingml/2006/main" xmlns:r="http://schemas.openxmlformats.org/officeDocument/2006/relationships" xmlns:p="http://schemas.openxmlformats.org/presentationml/2006/main">
   <p:cSld>
     <p:spTree>
@@ -22032,1007 +24167,6 @@
 </p:sld>
 </file>
 
-<file path=ppt/slides/slide4.xml><?xml version="1.0" encoding="utf-8"?>
-<p:sld xmlns:a="http://schemas.openxmlformats.org/drawingml/2006/main" xmlns:r="http://schemas.openxmlformats.org/officeDocument/2006/relationships" xmlns:p="http://schemas.openxmlformats.org/presentationml/2006/main">
-  <p:cSld>
-    <p:spTree>
-      <p:nvGrpSpPr>
-        <p:cNvPr id="1" name=""/>
-        <p:cNvGrpSpPr/>
-        <p:nvPr/>
-      </p:nvGrpSpPr>
-      <p:grpSpPr>
-        <a:xfrm>
-          <a:off x="0" y="0"/>
-          <a:ext cx="0" cy="0"/>
-          <a:chOff x="0" y="0"/>
-          <a:chExt cx="0" cy="0"/>
-        </a:xfrm>
-      </p:grpSpPr>
-      <p:sp>
-        <p:nvSpPr>
-          <p:cNvPr id="2" name="Title 1"/>
-          <p:cNvSpPr>
-            <a:spLocks noGrp="1"/>
-          </p:cNvSpPr>
-          <p:nvPr>
-            <p:ph type="title"/>
-          </p:nvPr>
-        </p:nvSpPr>
-        <p:spPr/>
-        <p:txBody>
-          <a:bodyPr/>
-          <a:lstStyle/>
-          <a:p>
-            <a:r>
-              <a:rPr lang="en-US" dirty="0"/>
-              <a:t>History</a:t>
-            </a:r>
-            <a:endParaRPr lang="en-BE" dirty="0"/>
-          </a:p>
-        </p:txBody>
-      </p:sp>
-      <p:sp>
-        <p:nvSpPr>
-          <p:cNvPr id="3" name="Content Placeholder 2"/>
-          <p:cNvSpPr>
-            <a:spLocks noGrp="1"/>
-          </p:cNvSpPr>
-          <p:nvPr>
-            <p:ph idx="1"/>
-          </p:nvPr>
-        </p:nvSpPr>
-        <p:spPr/>
-        <p:txBody>
-          <a:bodyPr/>
-          <a:lstStyle/>
-          <a:p>
-            <a:endParaRPr lang="en-BE" dirty="0"/>
-          </a:p>
-        </p:txBody>
-      </p:sp>
-      <p:pic>
-        <p:nvPicPr>
-          <p:cNvPr id="4" name="Picture 3"/>
-          <p:cNvPicPr>
-            <a:picLocks noChangeAspect="1"/>
-          </p:cNvPicPr>
-          <p:nvPr/>
-        </p:nvPicPr>
-        <p:blipFill>
-          <a:blip r:embed="rId3" cstate="print">
-            <a:extLst>
-              <a:ext uri="{28A0092B-C50C-407E-A947-70E740481C1C}">
-                <a14:useLocalDpi xmlns:a14="http://schemas.microsoft.com/office/drawing/2010/main" val="0"/>
-              </a:ext>
-            </a:extLst>
-          </a:blip>
-          <a:stretch>
-            <a:fillRect/>
-          </a:stretch>
-        </p:blipFill>
-        <p:spPr>
-          <a:xfrm>
-            <a:off x="251520" y="2276872"/>
-            <a:ext cx="8650684" cy="2929415"/>
-          </a:xfrm>
-          <a:prstGeom prst="rect">
-            <a:avLst/>
-          </a:prstGeom>
-        </p:spPr>
-      </p:pic>
-      <p:sp>
-        <p:nvSpPr>
-          <p:cNvPr id="5" name="TextBox 4"/>
-          <p:cNvSpPr txBox="1"/>
-          <p:nvPr/>
-        </p:nvSpPr>
-        <p:spPr>
-          <a:xfrm>
-            <a:off x="644674" y="3556913"/>
-            <a:ext cx="1008112" cy="369332"/>
-          </a:xfrm>
-          <a:prstGeom prst="rect">
-            <a:avLst/>
-          </a:prstGeom>
-          <a:noFill/>
-        </p:spPr>
-        <p:txBody>
-          <a:bodyPr wrap="square" rtlCol="0">
-            <a:spAutoFit/>
-          </a:bodyPr>
-          <a:lstStyle/>
-          <a:p>
-            <a:r>
-              <a:rPr lang="en-US" dirty="0">
-                <a:solidFill>
-                  <a:schemeClr val="bg1"/>
-                </a:solidFill>
-              </a:rPr>
-              <a:t>2006</a:t>
-            </a:r>
-            <a:endParaRPr lang="en-BE" dirty="0">
-              <a:solidFill>
-                <a:schemeClr val="bg1"/>
-              </a:solidFill>
-            </a:endParaRPr>
-          </a:p>
-        </p:txBody>
-      </p:sp>
-      <p:sp>
-        <p:nvSpPr>
-          <p:cNvPr id="6" name="TextBox 5"/>
-          <p:cNvSpPr txBox="1"/>
-          <p:nvPr/>
-        </p:nvSpPr>
-        <p:spPr>
-          <a:xfrm>
-            <a:off x="2134667" y="3556913"/>
-            <a:ext cx="742255" cy="369332"/>
-          </a:xfrm>
-          <a:prstGeom prst="rect">
-            <a:avLst/>
-          </a:prstGeom>
-          <a:noFill/>
-        </p:spPr>
-        <p:txBody>
-          <a:bodyPr wrap="square" rtlCol="0">
-            <a:spAutoFit/>
-          </a:bodyPr>
-          <a:lstStyle/>
-          <a:p>
-            <a:r>
-              <a:rPr lang="en-US" dirty="0">
-                <a:solidFill>
-                  <a:schemeClr val="bg1"/>
-                </a:solidFill>
-              </a:rPr>
-              <a:t>2009</a:t>
-            </a:r>
-            <a:endParaRPr lang="en-BE" dirty="0">
-              <a:solidFill>
-                <a:schemeClr val="bg1"/>
-              </a:solidFill>
-            </a:endParaRPr>
-          </a:p>
-        </p:txBody>
-      </p:sp>
-      <p:sp>
-        <p:nvSpPr>
-          <p:cNvPr id="7" name="TextBox 6"/>
-          <p:cNvSpPr txBox="1"/>
-          <p:nvPr/>
-        </p:nvSpPr>
-        <p:spPr>
-          <a:xfrm>
-            <a:off x="3463925" y="3546222"/>
-            <a:ext cx="742255" cy="369332"/>
-          </a:xfrm>
-          <a:prstGeom prst="rect">
-            <a:avLst/>
-          </a:prstGeom>
-          <a:noFill/>
-        </p:spPr>
-        <p:txBody>
-          <a:bodyPr wrap="square" rtlCol="0">
-            <a:spAutoFit/>
-          </a:bodyPr>
-          <a:lstStyle/>
-          <a:p>
-            <a:r>
-              <a:rPr lang="en-US" dirty="0">
-                <a:solidFill>
-                  <a:schemeClr val="bg1"/>
-                </a:solidFill>
-              </a:rPr>
-              <a:t>2012</a:t>
-            </a:r>
-            <a:endParaRPr lang="en-BE" dirty="0">
-              <a:solidFill>
-                <a:schemeClr val="bg1"/>
-              </a:solidFill>
-            </a:endParaRPr>
-          </a:p>
-        </p:txBody>
-      </p:sp>
-      <p:sp>
-        <p:nvSpPr>
-          <p:cNvPr id="8" name="TextBox 7"/>
-          <p:cNvSpPr txBox="1"/>
-          <p:nvPr/>
-        </p:nvSpPr>
-        <p:spPr>
-          <a:xfrm>
-            <a:off x="4965154" y="3556913"/>
-            <a:ext cx="742255" cy="369332"/>
-          </a:xfrm>
-          <a:prstGeom prst="rect">
-            <a:avLst/>
-          </a:prstGeom>
-          <a:noFill/>
-        </p:spPr>
-        <p:txBody>
-          <a:bodyPr wrap="square" rtlCol="0">
-            <a:spAutoFit/>
-          </a:bodyPr>
-          <a:lstStyle/>
-          <a:p>
-            <a:r>
-              <a:rPr lang="en-US" dirty="0">
-                <a:solidFill>
-                  <a:schemeClr val="bg1"/>
-                </a:solidFill>
-              </a:rPr>
-              <a:t>2013</a:t>
-            </a:r>
-            <a:endParaRPr lang="en-BE" dirty="0">
-              <a:solidFill>
-                <a:schemeClr val="bg1"/>
-              </a:solidFill>
-            </a:endParaRPr>
-          </a:p>
-        </p:txBody>
-      </p:sp>
-      <p:sp>
-        <p:nvSpPr>
-          <p:cNvPr id="9" name="TextBox 8"/>
-          <p:cNvSpPr txBox="1"/>
-          <p:nvPr/>
-        </p:nvSpPr>
-        <p:spPr>
-          <a:xfrm>
-            <a:off x="6332252" y="3535531"/>
-            <a:ext cx="742255" cy="369332"/>
-          </a:xfrm>
-          <a:prstGeom prst="rect">
-            <a:avLst/>
-          </a:prstGeom>
-          <a:noFill/>
-        </p:spPr>
-        <p:txBody>
-          <a:bodyPr wrap="square" rtlCol="0">
-            <a:spAutoFit/>
-          </a:bodyPr>
-          <a:lstStyle/>
-          <a:p>
-            <a:r>
-              <a:rPr lang="en-US" dirty="0">
-                <a:solidFill>
-                  <a:schemeClr val="bg1"/>
-                </a:solidFill>
-              </a:rPr>
-              <a:t>2014</a:t>
-            </a:r>
-            <a:endParaRPr lang="en-BE" dirty="0">
-              <a:solidFill>
-                <a:schemeClr val="bg1"/>
-              </a:solidFill>
-            </a:endParaRPr>
-          </a:p>
-        </p:txBody>
-      </p:sp>
-      <p:sp>
-        <p:nvSpPr>
-          <p:cNvPr id="10" name="TextBox 9"/>
-          <p:cNvSpPr txBox="1"/>
-          <p:nvPr/>
-        </p:nvSpPr>
-        <p:spPr>
-          <a:xfrm>
-            <a:off x="7795381" y="3535531"/>
-            <a:ext cx="742255" cy="369332"/>
-          </a:xfrm>
-          <a:prstGeom prst="rect">
-            <a:avLst/>
-          </a:prstGeom>
-          <a:noFill/>
-        </p:spPr>
-        <p:txBody>
-          <a:bodyPr wrap="square" rtlCol="0">
-            <a:spAutoFit/>
-          </a:bodyPr>
-          <a:lstStyle/>
-          <a:p>
-            <a:r>
-              <a:rPr lang="en-US" dirty="0">
-                <a:solidFill>
-                  <a:schemeClr val="bg1"/>
-                </a:solidFill>
-              </a:rPr>
-              <a:t>2016</a:t>
-            </a:r>
-            <a:endParaRPr lang="en-BE" dirty="0">
-              <a:solidFill>
-                <a:schemeClr val="bg1"/>
-              </a:solidFill>
-            </a:endParaRPr>
-          </a:p>
-        </p:txBody>
-      </p:sp>
-      <p:sp>
-        <p:nvSpPr>
-          <p:cNvPr id="11" name="TextBox 10"/>
-          <p:cNvSpPr txBox="1"/>
-          <p:nvPr/>
-        </p:nvSpPr>
-        <p:spPr>
-          <a:xfrm>
-            <a:off x="340085" y="1947079"/>
-            <a:ext cx="1312701" cy="276999"/>
-          </a:xfrm>
-          <a:prstGeom prst="rect">
-            <a:avLst/>
-          </a:prstGeom>
-          <a:noFill/>
-        </p:spPr>
-        <p:txBody>
-          <a:bodyPr wrap="square" rtlCol="0">
-            <a:spAutoFit/>
-          </a:bodyPr>
-          <a:lstStyle/>
-          <a:p>
-            <a:r>
-              <a:rPr lang="en-US" sz="1200" dirty="0"/>
-              <a:t>PowerShell 1.0</a:t>
-            </a:r>
-          </a:p>
-        </p:txBody>
-      </p:sp>
-      <p:sp>
-        <p:nvSpPr>
-          <p:cNvPr id="12" name="TextBox 11"/>
-          <p:cNvSpPr txBox="1"/>
-          <p:nvPr/>
-        </p:nvSpPr>
-        <p:spPr>
-          <a:xfrm>
-            <a:off x="1849443" y="5206286"/>
-            <a:ext cx="1312701" cy="461665"/>
-          </a:xfrm>
-          <a:prstGeom prst="rect">
-            <a:avLst/>
-          </a:prstGeom>
-          <a:noFill/>
-        </p:spPr>
-        <p:txBody>
-          <a:bodyPr wrap="square" rtlCol="0">
-            <a:spAutoFit/>
-          </a:bodyPr>
-          <a:lstStyle/>
-          <a:p>
-            <a:r>
-              <a:rPr lang="en-US" sz="1200" dirty="0"/>
-              <a:t>PowerShell 2.0</a:t>
-            </a:r>
-          </a:p>
-          <a:p>
-            <a:r>
-              <a:rPr lang="en-US" sz="1200" dirty="0"/>
-              <a:t>(ISE introduced)</a:t>
-            </a:r>
-            <a:endParaRPr lang="en-BE" sz="1200" dirty="0"/>
-          </a:p>
-        </p:txBody>
-      </p:sp>
-      <p:sp>
-        <p:nvSpPr>
-          <p:cNvPr id="13" name="TextBox 12"/>
-          <p:cNvSpPr txBox="1"/>
-          <p:nvPr/>
-        </p:nvSpPr>
-        <p:spPr>
-          <a:xfrm>
-            <a:off x="3220405" y="1947079"/>
-            <a:ext cx="1312701" cy="276999"/>
-          </a:xfrm>
-          <a:prstGeom prst="rect">
-            <a:avLst/>
-          </a:prstGeom>
-          <a:noFill/>
-        </p:spPr>
-        <p:txBody>
-          <a:bodyPr wrap="square" rtlCol="0">
-            <a:spAutoFit/>
-          </a:bodyPr>
-          <a:lstStyle/>
-          <a:p>
-            <a:r>
-              <a:rPr lang="en-US" sz="1200" dirty="0"/>
-              <a:t>PowerShell 3.0</a:t>
-            </a:r>
-            <a:endParaRPr lang="en-BE" sz="1200" dirty="0"/>
-          </a:p>
-        </p:txBody>
-      </p:sp>
-      <p:sp>
-        <p:nvSpPr>
-          <p:cNvPr id="14" name="TextBox 13"/>
-          <p:cNvSpPr txBox="1"/>
-          <p:nvPr/>
-        </p:nvSpPr>
-        <p:spPr>
-          <a:xfrm>
-            <a:off x="4760067" y="5206286"/>
-            <a:ext cx="1312701" cy="276999"/>
-          </a:xfrm>
-          <a:prstGeom prst="rect">
-            <a:avLst/>
-          </a:prstGeom>
-          <a:noFill/>
-        </p:spPr>
-        <p:txBody>
-          <a:bodyPr wrap="square" rtlCol="0">
-            <a:spAutoFit/>
-          </a:bodyPr>
-          <a:lstStyle/>
-          <a:p>
-            <a:r>
-              <a:rPr lang="en-US" sz="1200" dirty="0"/>
-              <a:t>PowerShell 4.0</a:t>
-            </a:r>
-            <a:endParaRPr lang="en-BE" sz="1200" dirty="0"/>
-          </a:p>
-        </p:txBody>
-      </p:sp>
-      <p:sp>
-        <p:nvSpPr>
-          <p:cNvPr id="15" name="TextBox 14"/>
-          <p:cNvSpPr txBox="1"/>
-          <p:nvPr/>
-        </p:nvSpPr>
-        <p:spPr>
-          <a:xfrm>
-            <a:off x="5994555" y="1947078"/>
-            <a:ext cx="1312701" cy="276999"/>
-          </a:xfrm>
-          <a:prstGeom prst="rect">
-            <a:avLst/>
-          </a:prstGeom>
-          <a:noFill/>
-        </p:spPr>
-        <p:txBody>
-          <a:bodyPr wrap="square" rtlCol="0">
-            <a:spAutoFit/>
-          </a:bodyPr>
-          <a:lstStyle/>
-          <a:p>
-            <a:r>
-              <a:rPr lang="en-US" sz="1200" dirty="0"/>
-              <a:t>PowerShell 5.0</a:t>
-            </a:r>
-            <a:endParaRPr lang="en-BE" sz="1200" dirty="0"/>
-          </a:p>
-        </p:txBody>
-      </p:sp>
-      <p:sp>
-        <p:nvSpPr>
-          <p:cNvPr id="16" name="TextBox 15"/>
-          <p:cNvSpPr txBox="1"/>
-          <p:nvPr/>
-        </p:nvSpPr>
-        <p:spPr>
-          <a:xfrm>
-            <a:off x="7307256" y="5206286"/>
-            <a:ext cx="1797849" cy="276999"/>
-          </a:xfrm>
-          <a:prstGeom prst="rect">
-            <a:avLst/>
-          </a:prstGeom>
-          <a:noFill/>
-        </p:spPr>
-        <p:txBody>
-          <a:bodyPr wrap="square" rtlCol="0">
-            <a:spAutoFit/>
-          </a:bodyPr>
-          <a:lstStyle/>
-          <a:p>
-            <a:r>
-              <a:rPr lang="en-US" sz="1200" dirty="0"/>
-              <a:t>PowerShell 6.0 Alpha</a:t>
-            </a:r>
-            <a:endParaRPr lang="en-BE" sz="1200" dirty="0"/>
-          </a:p>
-        </p:txBody>
-      </p:sp>
-      <p:sp>
-        <p:nvSpPr>
-          <p:cNvPr id="17" name="TextBox 16"/>
-          <p:cNvSpPr txBox="1"/>
-          <p:nvPr/>
-        </p:nvSpPr>
-        <p:spPr>
-          <a:xfrm>
-            <a:off x="40953" y="6255495"/>
-            <a:ext cx="9144000" cy="461665"/>
-          </a:xfrm>
-          <a:prstGeom prst="rect">
-            <a:avLst/>
-          </a:prstGeom>
-          <a:noFill/>
-        </p:spPr>
-        <p:txBody>
-          <a:bodyPr wrap="square" rtlCol="0">
-            <a:spAutoFit/>
-          </a:bodyPr>
-          <a:lstStyle/>
-          <a:p>
-            <a:r>
-              <a:rPr lang="nl-BE" sz="1200" dirty="0">
-                <a:hlinkClick r:id="rId4"/>
-              </a:rPr>
-              <a:t>https://4sysops.com/archives/powershell-versions-and-their-windows-version/</a:t>
-            </a:r>
-            <a:endParaRPr lang="en-US" sz="1200" dirty="0"/>
-          </a:p>
-          <a:p>
-            <a:endParaRPr lang="nl-BE" sz="1200" dirty="0"/>
-          </a:p>
-        </p:txBody>
-      </p:sp>
-      <p:sp>
-        <p:nvSpPr>
-          <p:cNvPr id="18" name="TextBox 17"/>
-          <p:cNvSpPr txBox="1"/>
-          <p:nvPr/>
-        </p:nvSpPr>
-        <p:spPr>
-          <a:xfrm>
-            <a:off x="1040718" y="2448600"/>
-            <a:ext cx="1224136" cy="276999"/>
-          </a:xfrm>
-          <a:prstGeom prst="rect">
-            <a:avLst/>
-          </a:prstGeom>
-          <a:noFill/>
-        </p:spPr>
-        <p:txBody>
-          <a:bodyPr wrap="square" rtlCol="0">
-            <a:spAutoFit/>
-          </a:bodyPr>
-          <a:lstStyle/>
-          <a:p>
-            <a:r>
-              <a:rPr lang="en-US" sz="1200" dirty="0"/>
-              <a:t>Server 2008</a:t>
-            </a:r>
-            <a:endParaRPr lang="en-BE" sz="1200" dirty="0"/>
-          </a:p>
-        </p:txBody>
-      </p:sp>
-      <p:sp>
-        <p:nvSpPr>
-          <p:cNvPr id="19" name="TextBox 18"/>
-          <p:cNvSpPr txBox="1"/>
-          <p:nvPr/>
-        </p:nvSpPr>
-        <p:spPr>
-          <a:xfrm>
-            <a:off x="2550075" y="4147645"/>
-            <a:ext cx="1265753" cy="461665"/>
-          </a:xfrm>
-          <a:prstGeom prst="rect">
-            <a:avLst/>
-          </a:prstGeom>
-          <a:noFill/>
-        </p:spPr>
-        <p:txBody>
-          <a:bodyPr wrap="square" rtlCol="0">
-            <a:spAutoFit/>
-          </a:bodyPr>
-          <a:lstStyle/>
-          <a:p>
-            <a:r>
-              <a:rPr lang="en-US" sz="1200" dirty="0"/>
-              <a:t>Win 7</a:t>
-            </a:r>
-          </a:p>
-          <a:p>
-            <a:r>
-              <a:rPr lang="en-US" sz="1200" dirty="0"/>
-              <a:t>Server 2008 R2</a:t>
-            </a:r>
-          </a:p>
-        </p:txBody>
-      </p:sp>
-      <p:sp>
-        <p:nvSpPr>
-          <p:cNvPr id="20" name="TextBox 19"/>
-          <p:cNvSpPr txBox="1"/>
-          <p:nvPr/>
-        </p:nvSpPr>
-        <p:spPr>
-          <a:xfrm>
-            <a:off x="3900229" y="2448600"/>
-            <a:ext cx="1265753" cy="461665"/>
-          </a:xfrm>
-          <a:prstGeom prst="rect">
-            <a:avLst/>
-          </a:prstGeom>
-          <a:noFill/>
-        </p:spPr>
-        <p:txBody>
-          <a:bodyPr wrap="square" rtlCol="0">
-            <a:spAutoFit/>
-          </a:bodyPr>
-          <a:lstStyle/>
-          <a:p>
-            <a:r>
-              <a:rPr lang="en-US" sz="1200" dirty="0"/>
-              <a:t>Win 8</a:t>
-            </a:r>
-          </a:p>
-          <a:p>
-            <a:r>
-              <a:rPr lang="en-US" sz="1200" dirty="0"/>
-              <a:t>Server 2012</a:t>
-            </a:r>
-          </a:p>
-        </p:txBody>
-      </p:sp>
-      <p:sp>
-        <p:nvSpPr>
-          <p:cNvPr id="21" name="TextBox 20"/>
-          <p:cNvSpPr txBox="1"/>
-          <p:nvPr/>
-        </p:nvSpPr>
-        <p:spPr>
-          <a:xfrm>
-            <a:off x="5385152" y="4165215"/>
-            <a:ext cx="1265753" cy="461665"/>
-          </a:xfrm>
-          <a:prstGeom prst="rect">
-            <a:avLst/>
-          </a:prstGeom>
-          <a:noFill/>
-        </p:spPr>
-        <p:txBody>
-          <a:bodyPr wrap="square" rtlCol="0">
-            <a:spAutoFit/>
-          </a:bodyPr>
-          <a:lstStyle/>
-          <a:p>
-            <a:r>
-              <a:rPr lang="en-US" sz="1200" dirty="0"/>
-              <a:t>Win 8.1</a:t>
-            </a:r>
-          </a:p>
-          <a:p>
-            <a:r>
-              <a:rPr lang="en-US" sz="1200" dirty="0"/>
-              <a:t>Server 2012 R2</a:t>
-            </a:r>
-          </a:p>
-        </p:txBody>
-      </p:sp>
-      <p:sp>
-        <p:nvSpPr>
-          <p:cNvPr id="22" name="TextBox 21"/>
-          <p:cNvSpPr txBox="1"/>
-          <p:nvPr/>
-        </p:nvSpPr>
-        <p:spPr>
-          <a:xfrm>
-            <a:off x="6796193" y="2456929"/>
-            <a:ext cx="1265753" cy="276999"/>
-          </a:xfrm>
-          <a:prstGeom prst="rect">
-            <a:avLst/>
-          </a:prstGeom>
-          <a:noFill/>
-        </p:spPr>
-        <p:txBody>
-          <a:bodyPr wrap="square" rtlCol="0">
-            <a:spAutoFit/>
-          </a:bodyPr>
-          <a:lstStyle/>
-          <a:p>
-            <a:r>
-              <a:rPr lang="en-US" sz="1200" dirty="0"/>
-              <a:t>Win 10</a:t>
-            </a:r>
-          </a:p>
-        </p:txBody>
-      </p:sp>
-    </p:spTree>
-    <p:extLst>
-      <p:ext uri="{BB962C8B-B14F-4D97-AF65-F5344CB8AC3E}">
-        <p14:creationId xmlns:p14="http://schemas.microsoft.com/office/powerpoint/2010/main" val="353889771"/>
-      </p:ext>
-    </p:extLst>
-  </p:cSld>
-  <p:clrMapOvr>
-    <a:masterClrMapping/>
-  </p:clrMapOvr>
-</p:sld>
-</file>
-
-<file path=ppt/slides/slide40.xml><?xml version="1.0" encoding="utf-8"?>
-<p:sld xmlns:a="http://schemas.openxmlformats.org/drawingml/2006/main" xmlns:r="http://schemas.openxmlformats.org/officeDocument/2006/relationships" xmlns:p="http://schemas.openxmlformats.org/presentationml/2006/main">
-  <p:cSld>
-    <p:spTree>
-      <p:nvGrpSpPr>
-        <p:cNvPr id="1" name=""/>
-        <p:cNvGrpSpPr/>
-        <p:nvPr/>
-      </p:nvGrpSpPr>
-      <p:grpSpPr>
-        <a:xfrm>
-          <a:off x="0" y="0"/>
-          <a:ext cx="0" cy="0"/>
-          <a:chOff x="0" y="0"/>
-          <a:chExt cx="0" cy="0"/>
-        </a:xfrm>
-      </p:grpSpPr>
-      <p:sp>
-        <p:nvSpPr>
-          <p:cNvPr id="55298" name="Title 3"/>
-          <p:cNvSpPr>
-            <a:spLocks noGrp="1"/>
-          </p:cNvSpPr>
-          <p:nvPr>
-            <p:ph type="title"/>
-          </p:nvPr>
-        </p:nvSpPr>
-        <p:spPr/>
-        <p:txBody>
-          <a:bodyPr/>
-          <a:lstStyle/>
-          <a:p>
-            <a:pPr eaLnBrk="1" hangingPunct="1"/>
-            <a:r>
-              <a:rPr lang="en-ZA">
-                <a:ea typeface="ＭＳ Ｐゴシック" pitchFamily="34" charset="-128"/>
-              </a:rPr>
-              <a:t>Main title</a:t>
-            </a:r>
-          </a:p>
-        </p:txBody>
-      </p:sp>
-      <p:sp>
-        <p:nvSpPr>
-          <p:cNvPr id="55299" name="Content Placeholder 4"/>
-          <p:cNvSpPr>
-            <a:spLocks noGrp="1"/>
-          </p:cNvSpPr>
-          <p:nvPr>
-            <p:ph type="body" sz="quarter" idx="12"/>
-          </p:nvPr>
-        </p:nvSpPr>
-        <p:spPr/>
-        <p:txBody>
-          <a:bodyPr/>
-          <a:lstStyle/>
-          <a:p>
-            <a:pPr marL="0" indent="0" eaLnBrk="1" hangingPunct="1"/>
-            <a:r>
-              <a:rPr lang="en-ZA">
-                <a:ea typeface="ＭＳ Ｐゴシック" pitchFamily="34" charset="-128"/>
-              </a:rPr>
-              <a:t>Introduction level</a:t>
-            </a:r>
-          </a:p>
-          <a:p>
-            <a:pPr lvl="1" eaLnBrk="1" hangingPunct="1"/>
-            <a:r>
-              <a:rPr lang="en-ZA">
-                <a:ea typeface="ＭＳ Ｐゴシック" pitchFamily="34" charset="-128"/>
-              </a:rPr>
-              <a:t>First level bullet</a:t>
-            </a:r>
-          </a:p>
-          <a:p>
-            <a:pPr lvl="2" eaLnBrk="1" hangingPunct="1"/>
-            <a:r>
-              <a:rPr lang="en-ZA">
-                <a:ea typeface="ＭＳ Ｐゴシック" pitchFamily="34" charset="-128"/>
-              </a:rPr>
-              <a:t>Second level bullet</a:t>
-            </a:r>
-          </a:p>
-          <a:p>
-            <a:pPr lvl="3" eaLnBrk="1" hangingPunct="1"/>
-            <a:r>
-              <a:rPr lang="en-ZA">
-                <a:ea typeface="ＭＳ Ｐゴシック" pitchFamily="34" charset="-128"/>
-              </a:rPr>
-              <a:t>Third level bullet</a:t>
-            </a:r>
-          </a:p>
-          <a:p>
-            <a:pPr marL="0" indent="0" eaLnBrk="1" hangingPunct="1"/>
-            <a:r>
-              <a:rPr lang="en-ZA">
-                <a:ea typeface="ＭＳ Ｐゴシック" pitchFamily="34" charset="-128"/>
-              </a:rPr>
-              <a:t>I have amended this sizing a little from the old template, as this is more practical for everyday, typical Dimension Data content – this is my recommendation!</a:t>
-            </a:r>
-          </a:p>
-        </p:txBody>
-      </p:sp>
-    </p:spTree>
-  </p:cSld>
-  <p:clrMapOvr>
-    <a:masterClrMapping/>
-  </p:clrMapOvr>
-</p:sld>
-</file>
-
-<file path=ppt/slides/slide41.xml><?xml version="1.0" encoding="utf-8"?>
-<p:sld xmlns:a="http://schemas.openxmlformats.org/drawingml/2006/main" xmlns:r="http://schemas.openxmlformats.org/officeDocument/2006/relationships" xmlns:p="http://schemas.openxmlformats.org/presentationml/2006/main">
-  <p:cSld>
-    <p:spTree>
-      <p:nvGrpSpPr>
-        <p:cNvPr id="1" name=""/>
-        <p:cNvGrpSpPr/>
-        <p:nvPr/>
-      </p:nvGrpSpPr>
-      <p:grpSpPr>
-        <a:xfrm>
-          <a:off x="0" y="0"/>
-          <a:ext cx="0" cy="0"/>
-          <a:chOff x="0" y="0"/>
-          <a:chExt cx="0" cy="0"/>
-        </a:xfrm>
-      </p:grpSpPr>
-      <p:sp>
-        <p:nvSpPr>
-          <p:cNvPr id="56322" name="Title 3"/>
-          <p:cNvSpPr>
-            <a:spLocks noGrp="1"/>
-          </p:cNvSpPr>
-          <p:nvPr>
-            <p:ph type="title"/>
-          </p:nvPr>
-        </p:nvSpPr>
-        <p:spPr/>
-        <p:txBody>
-          <a:bodyPr/>
-          <a:lstStyle/>
-          <a:p>
-            <a:pPr eaLnBrk="1" hangingPunct="1"/>
-            <a:r>
-              <a:rPr lang="en-ZA">
-                <a:ea typeface="ＭＳ Ｐゴシック" pitchFamily="34" charset="-128"/>
-              </a:rPr>
-              <a:t>Main title</a:t>
-            </a:r>
-          </a:p>
-        </p:txBody>
-      </p:sp>
-      <p:sp>
-        <p:nvSpPr>
-          <p:cNvPr id="56323" name="Content Placeholder 4"/>
-          <p:cNvSpPr>
-            <a:spLocks noGrp="1"/>
-          </p:cNvSpPr>
-          <p:nvPr>
-            <p:ph type="body" sz="quarter" idx="12"/>
-          </p:nvPr>
-        </p:nvSpPr>
-        <p:spPr/>
-        <p:txBody>
-          <a:bodyPr/>
-          <a:lstStyle/>
-          <a:p>
-            <a:pPr marL="0" indent="0" eaLnBrk="1" hangingPunct="1"/>
-            <a:r>
-              <a:rPr lang="en-ZA">
-                <a:ea typeface="ＭＳ Ｐゴシック" pitchFamily="34" charset="-128"/>
-              </a:rPr>
-              <a:t>Introduction level</a:t>
-            </a:r>
-          </a:p>
-          <a:p>
-            <a:pPr lvl="1" eaLnBrk="1" hangingPunct="1"/>
-            <a:r>
-              <a:rPr lang="en-ZA">
-                <a:ea typeface="ＭＳ Ｐゴシック" pitchFamily="34" charset="-128"/>
-              </a:rPr>
-              <a:t>First level bullet</a:t>
-            </a:r>
-          </a:p>
-          <a:p>
-            <a:pPr lvl="2" eaLnBrk="1" hangingPunct="1"/>
-            <a:r>
-              <a:rPr lang="en-ZA">
-                <a:ea typeface="ＭＳ Ｐゴシック" pitchFamily="34" charset="-128"/>
-              </a:rPr>
-              <a:t>Second level bullet</a:t>
-            </a:r>
-          </a:p>
-          <a:p>
-            <a:pPr lvl="3" eaLnBrk="1" hangingPunct="1"/>
-            <a:r>
-              <a:rPr lang="en-ZA">
-                <a:ea typeface="ＭＳ Ｐゴシック" pitchFamily="34" charset="-128"/>
-              </a:rPr>
-              <a:t>Third level bullet</a:t>
-            </a:r>
-          </a:p>
-          <a:p>
-            <a:pPr marL="0" indent="0" eaLnBrk="1" hangingPunct="1"/>
-            <a:r>
-              <a:rPr lang="en-ZA">
-                <a:ea typeface="ＭＳ Ｐゴシック" pitchFamily="34" charset="-128"/>
-              </a:rPr>
-              <a:t>I have amended this sizing a little from the old template, as this is more practical for everyday, typical Dimension Data content – this is my recommendation!</a:t>
-            </a:r>
-          </a:p>
-        </p:txBody>
-      </p:sp>
-      <p:sp>
-        <p:nvSpPr>
-          <p:cNvPr id="68611" name="Text Placeholder 2"/>
-          <p:cNvSpPr>
-            <a:spLocks noGrp="1"/>
-          </p:cNvSpPr>
-          <p:nvPr>
-            <p:ph type="body" sz="quarter" idx="14"/>
-          </p:nvPr>
-        </p:nvSpPr>
-        <p:spPr>
-          <a:ln w="9525"/>
-          <a:extLst>
-            <a:ext uri="{91240B29-F687-4F45-9708-019B960494DF}">
-              <a14:hiddenLine xmlns:a14="http://schemas.microsoft.com/office/drawing/2010/main" w="25400" cap="flat">
-                <a:solidFill>
-                  <a:srgbClr val="000000"/>
-                </a:solidFill>
-                <a:round/>
-                <a:headEnd/>
-                <a:tailEnd/>
-              </a14:hiddenLine>
-            </a:ext>
-          </a:extLst>
-        </p:spPr>
-        <p:txBody>
-          <a:bodyPr/>
-          <a:lstStyle/>
-          <a:p>
-            <a:pPr marL="0" indent="0" eaLnBrk="1" hangingPunct="1">
-              <a:buFont typeface="Arial" pitchFamily="34" charset="0"/>
-              <a:buNone/>
-              <a:defRPr/>
-            </a:pPr>
-            <a:endParaRPr lang="en-ZA">
-              <a:solidFill>
-                <a:srgbClr val="FFFFFF"/>
-              </a:solidFill>
-              <a:ea typeface="ＭＳ Ｐゴシック" pitchFamily="34" charset="-128"/>
-            </a:endParaRPr>
-          </a:p>
-        </p:txBody>
-      </p:sp>
-      <p:sp>
-        <p:nvSpPr>
-          <p:cNvPr id="56325" name="Content Placeholder 5"/>
-          <p:cNvSpPr>
-            <a:spLocks noGrp="1"/>
-          </p:cNvSpPr>
-          <p:nvPr>
-            <p:ph sz="quarter" idx="15"/>
-          </p:nvPr>
-        </p:nvSpPr>
-        <p:spPr/>
-        <p:txBody>
-          <a:bodyPr/>
-          <a:lstStyle/>
-          <a:p>
-            <a:pPr marL="0" indent="0" eaLnBrk="1" hangingPunct="1"/>
-            <a:endParaRPr lang="en-ZA">
-              <a:ea typeface="ＭＳ Ｐゴシック" pitchFamily="34" charset="-128"/>
-            </a:endParaRPr>
-          </a:p>
-        </p:txBody>
-      </p:sp>
-    </p:spTree>
-  </p:cSld>
-  <p:clrMapOvr>
-    <a:masterClrMapping/>
-  </p:clrMapOvr>
-</p:sld>
-</file>
-
 <file path=ppt/slides/slide42.xml><?xml version="1.0" encoding="utf-8"?>
 <p:sld xmlns:a="http://schemas.openxmlformats.org/drawingml/2006/main" xmlns:r="http://schemas.openxmlformats.org/officeDocument/2006/relationships" xmlns:p="http://schemas.openxmlformats.org/presentationml/2006/main">
   <p:cSld>
@@ -23052,7 +24186,7 @@
       </p:grpSpPr>
       <p:sp>
         <p:nvSpPr>
-          <p:cNvPr id="57346" name="Title 1"/>
+          <p:cNvPr id="55298" name="Title 3"/>
           <p:cNvSpPr>
             <a:spLocks noGrp="1"/>
           </p:cNvSpPr>
@@ -23070,29 +24204,77 @@
               <a:rPr lang="en-ZA">
                 <a:ea typeface="ＭＳ Ｐゴシック" pitchFamily="34" charset="-128"/>
               </a:rPr>
-              <a:t>Click on icon to add picture – example on following page</a:t>
+              <a:t>Main title</a:t>
             </a:r>
           </a:p>
         </p:txBody>
       </p:sp>
       <p:sp>
         <p:nvSpPr>
-          <p:cNvPr id="57347" name="Picture Placeholder 2"/>
+          <p:cNvPr id="55299" name="Content Placeholder 4"/>
           <p:cNvSpPr>
-            <a:spLocks noGrp="1" noTextEdit="1"/>
+            <a:spLocks noGrp="1"/>
           </p:cNvSpPr>
           <p:nvPr>
-            <p:ph type="pic" sz="quarter" idx="11"/>
+            <p:ph type="body" sz="quarter" idx="12"/>
           </p:nvPr>
         </p:nvSpPr>
         <p:spPr/>
+        <p:txBody>
+          <a:bodyPr/>
+          <a:lstStyle/>
+          <a:p>
+            <a:pPr marL="0" indent="0" eaLnBrk="1" hangingPunct="1"/>
+            <a:r>
+              <a:rPr lang="en-ZA">
+                <a:ea typeface="ＭＳ Ｐゴシック" pitchFamily="34" charset="-128"/>
+              </a:rPr>
+              <a:t>Introduction level</a:t>
+            </a:r>
+          </a:p>
+          <a:p>
+            <a:pPr lvl="1" eaLnBrk="1" hangingPunct="1"/>
+            <a:r>
+              <a:rPr lang="en-ZA">
+                <a:ea typeface="ＭＳ Ｐゴシック" pitchFamily="34" charset="-128"/>
+              </a:rPr>
+              <a:t>First level bullet</a:t>
+            </a:r>
+          </a:p>
+          <a:p>
+            <a:pPr lvl="2" eaLnBrk="1" hangingPunct="1"/>
+            <a:r>
+              <a:rPr lang="en-ZA">
+                <a:ea typeface="ＭＳ Ｐゴシック" pitchFamily="34" charset="-128"/>
+              </a:rPr>
+              <a:t>Second level bullet</a:t>
+            </a:r>
+          </a:p>
+          <a:p>
+            <a:pPr lvl="3" eaLnBrk="1" hangingPunct="1"/>
+            <a:r>
+              <a:rPr lang="en-ZA">
+                <a:ea typeface="ＭＳ Ｐゴシック" pitchFamily="34" charset="-128"/>
+              </a:rPr>
+              <a:t>Third level bullet</a:t>
+            </a:r>
+          </a:p>
+          <a:p>
+            <a:pPr marL="0" indent="0" eaLnBrk="1" hangingPunct="1"/>
+            <a:r>
+              <a:rPr lang="en-ZA">
+                <a:ea typeface="ＭＳ Ｐゴシック" pitchFamily="34" charset="-128"/>
+              </a:rPr>
+              <a:t>I have amended this sizing a little from the old template, as this is more practical for everyday, typical Dimension Data content – this is my recommendation!</a:t>
+            </a:r>
+          </a:p>
+        </p:txBody>
       </p:sp>
     </p:spTree>
   </p:cSld>
   <p:clrMapOvr>
     <a:masterClrMapping/>
   </p:clrMapOvr>
-  <p:transition spd="slow"/>
 </p:sld>
 </file>
 
@@ -23115,19 +24297,7 @@
       </p:grpSpPr>
       <p:sp>
         <p:nvSpPr>
-          <p:cNvPr id="58371" name="Picture Placeholder 1"/>
-          <p:cNvSpPr>
-            <a:spLocks noGrp="1" noTextEdit="1"/>
-          </p:cNvSpPr>
-          <p:nvPr>
-            <p:ph type="pic" sz="quarter" idx="12"/>
-          </p:nvPr>
-        </p:nvSpPr>
-        <p:spPr/>
-      </p:sp>
-      <p:sp>
-        <p:nvSpPr>
-          <p:cNvPr id="58370" name="Title 2"/>
+          <p:cNvPr id="56322" name="Title 3"/>
           <p:cNvSpPr>
             <a:spLocks noGrp="1"/>
           </p:cNvSpPr>
@@ -23145,8 +24315,134 @@
               <a:rPr lang="en-ZA">
                 <a:ea typeface="ＭＳ Ｐゴシック" pitchFamily="34" charset="-128"/>
               </a:rPr>
-              <a:t>Click on icon to add picture – example on following page</a:t>
-            </a:r>
+              <a:t>Main title</a:t>
+            </a:r>
+          </a:p>
+        </p:txBody>
+      </p:sp>
+      <p:sp>
+        <p:nvSpPr>
+          <p:cNvPr id="56323" name="Content Placeholder 4"/>
+          <p:cNvSpPr>
+            <a:spLocks noGrp="1"/>
+          </p:cNvSpPr>
+          <p:nvPr>
+            <p:ph type="body" sz="quarter" idx="12"/>
+          </p:nvPr>
+        </p:nvSpPr>
+        <p:spPr/>
+        <p:txBody>
+          <a:bodyPr/>
+          <a:lstStyle/>
+          <a:p>
+            <a:pPr marL="0" indent="0" eaLnBrk="1" hangingPunct="1"/>
+            <a:r>
+              <a:rPr lang="en-ZA">
+                <a:ea typeface="ＭＳ Ｐゴシック" pitchFamily="34" charset="-128"/>
+              </a:rPr>
+              <a:t>Introduction level</a:t>
+            </a:r>
+          </a:p>
+          <a:p>
+            <a:pPr lvl="1" eaLnBrk="1" hangingPunct="1"/>
+            <a:r>
+              <a:rPr lang="en-ZA">
+                <a:ea typeface="ＭＳ Ｐゴシック" pitchFamily="34" charset="-128"/>
+              </a:rPr>
+              <a:t>First level bullet</a:t>
+            </a:r>
+          </a:p>
+          <a:p>
+            <a:pPr lvl="2" eaLnBrk="1" hangingPunct="1"/>
+            <a:r>
+              <a:rPr lang="en-ZA">
+                <a:ea typeface="ＭＳ Ｐゴシック" pitchFamily="34" charset="-128"/>
+              </a:rPr>
+              <a:t>Second level bullet</a:t>
+            </a:r>
+          </a:p>
+          <a:p>
+            <a:pPr lvl="3" eaLnBrk="1" hangingPunct="1"/>
+            <a:r>
+              <a:rPr lang="en-ZA">
+                <a:ea typeface="ＭＳ Ｐゴシック" pitchFamily="34" charset="-128"/>
+              </a:rPr>
+              <a:t>Third level bullet</a:t>
+            </a:r>
+          </a:p>
+          <a:p>
+            <a:pPr marL="0" indent="0" eaLnBrk="1" hangingPunct="1"/>
+            <a:r>
+              <a:rPr lang="en-ZA">
+                <a:ea typeface="ＭＳ Ｐゴシック" pitchFamily="34" charset="-128"/>
+              </a:rPr>
+              <a:t>I have amended this sizing a little from the old template, as this is more practical for everyday, typical Dimension Data content – this is my recommendation!</a:t>
+            </a:r>
+          </a:p>
+        </p:txBody>
+      </p:sp>
+      <p:sp>
+        <p:nvSpPr>
+          <p:cNvPr id="68611" name="Text Placeholder 2"/>
+          <p:cNvSpPr>
+            <a:spLocks noGrp="1"/>
+          </p:cNvSpPr>
+          <p:nvPr>
+            <p:ph type="body" sz="quarter" idx="14"/>
+          </p:nvPr>
+        </p:nvSpPr>
+        <p:spPr>
+          <a:ln w="9525"/>
+          <a:extLst>
+            <a:ext uri="{91240B29-F687-4F45-9708-019B960494DF}">
+              <a14:hiddenLine xmlns:a14="http://schemas.microsoft.com/office/drawing/2010/main" w="25400" cap="flat">
+                <a:solidFill>
+                  <a:srgbClr val="000000"/>
+                </a:solidFill>
+                <a:round/>
+                <a:headEnd/>
+                <a:tailEnd/>
+              </a14:hiddenLine>
+            </a:ext>
+          </a:extLst>
+        </p:spPr>
+        <p:txBody>
+          <a:bodyPr/>
+          <a:lstStyle/>
+          <a:p>
+            <a:pPr marL="0" indent="0" eaLnBrk="1" hangingPunct="1">
+              <a:buFont typeface="Arial" pitchFamily="34" charset="0"/>
+              <a:buNone/>
+              <a:defRPr/>
+            </a:pPr>
+            <a:endParaRPr lang="en-ZA">
+              <a:solidFill>
+                <a:srgbClr val="FFFFFF"/>
+              </a:solidFill>
+              <a:ea typeface="ＭＳ Ｐゴシック" pitchFamily="34" charset="-128"/>
+            </a:endParaRPr>
+          </a:p>
+        </p:txBody>
+      </p:sp>
+      <p:sp>
+        <p:nvSpPr>
+          <p:cNvPr id="56325" name="Content Placeholder 5"/>
+          <p:cNvSpPr>
+            <a:spLocks noGrp="1"/>
+          </p:cNvSpPr>
+          <p:nvPr>
+            <p:ph sz="quarter" idx="15"/>
+          </p:nvPr>
+        </p:nvSpPr>
+        <p:spPr/>
+        <p:txBody>
+          <a:bodyPr/>
+          <a:lstStyle/>
+          <a:p>
+            <a:pPr marL="0" indent="0" eaLnBrk="1" hangingPunct="1"/>
+            <a:endParaRPr lang="en-ZA">
+              <a:ea typeface="ＭＳ Ｐゴシック" pitchFamily="34" charset="-128"/>
+            </a:endParaRPr>
           </a:p>
         </p:txBody>
       </p:sp>
@@ -23159,6 +24455,131 @@
 </file>
 
 <file path=ppt/slides/slide44.xml><?xml version="1.0" encoding="utf-8"?>
+<p:sld xmlns:a="http://schemas.openxmlformats.org/drawingml/2006/main" xmlns:r="http://schemas.openxmlformats.org/officeDocument/2006/relationships" xmlns:p="http://schemas.openxmlformats.org/presentationml/2006/main">
+  <p:cSld>
+    <p:spTree>
+      <p:nvGrpSpPr>
+        <p:cNvPr id="1" name=""/>
+        <p:cNvGrpSpPr/>
+        <p:nvPr/>
+      </p:nvGrpSpPr>
+      <p:grpSpPr>
+        <a:xfrm>
+          <a:off x="0" y="0"/>
+          <a:ext cx="0" cy="0"/>
+          <a:chOff x="0" y="0"/>
+          <a:chExt cx="0" cy="0"/>
+        </a:xfrm>
+      </p:grpSpPr>
+      <p:sp>
+        <p:nvSpPr>
+          <p:cNvPr id="57346" name="Title 1"/>
+          <p:cNvSpPr>
+            <a:spLocks noGrp="1"/>
+          </p:cNvSpPr>
+          <p:nvPr>
+            <p:ph type="title"/>
+          </p:nvPr>
+        </p:nvSpPr>
+        <p:spPr/>
+        <p:txBody>
+          <a:bodyPr/>
+          <a:lstStyle/>
+          <a:p>
+            <a:pPr eaLnBrk="1" hangingPunct="1"/>
+            <a:r>
+              <a:rPr lang="en-ZA">
+                <a:ea typeface="ＭＳ Ｐゴシック" pitchFamily="34" charset="-128"/>
+              </a:rPr>
+              <a:t>Click on icon to add picture – example on following page</a:t>
+            </a:r>
+          </a:p>
+        </p:txBody>
+      </p:sp>
+      <p:sp>
+        <p:nvSpPr>
+          <p:cNvPr id="57347" name="Picture Placeholder 2"/>
+          <p:cNvSpPr>
+            <a:spLocks noGrp="1" noTextEdit="1"/>
+          </p:cNvSpPr>
+          <p:nvPr>
+            <p:ph type="pic" sz="quarter" idx="11"/>
+          </p:nvPr>
+        </p:nvSpPr>
+        <p:spPr/>
+      </p:sp>
+    </p:spTree>
+  </p:cSld>
+  <p:clrMapOvr>
+    <a:masterClrMapping/>
+  </p:clrMapOvr>
+  <p:transition spd="slow"/>
+</p:sld>
+</file>
+
+<file path=ppt/slides/slide45.xml><?xml version="1.0" encoding="utf-8"?>
+<p:sld xmlns:a="http://schemas.openxmlformats.org/drawingml/2006/main" xmlns:r="http://schemas.openxmlformats.org/officeDocument/2006/relationships" xmlns:p="http://schemas.openxmlformats.org/presentationml/2006/main">
+  <p:cSld>
+    <p:spTree>
+      <p:nvGrpSpPr>
+        <p:cNvPr id="1" name=""/>
+        <p:cNvGrpSpPr/>
+        <p:nvPr/>
+      </p:nvGrpSpPr>
+      <p:grpSpPr>
+        <a:xfrm>
+          <a:off x="0" y="0"/>
+          <a:ext cx="0" cy="0"/>
+          <a:chOff x="0" y="0"/>
+          <a:chExt cx="0" cy="0"/>
+        </a:xfrm>
+      </p:grpSpPr>
+      <p:sp>
+        <p:nvSpPr>
+          <p:cNvPr id="58371" name="Picture Placeholder 1"/>
+          <p:cNvSpPr>
+            <a:spLocks noGrp="1" noTextEdit="1"/>
+          </p:cNvSpPr>
+          <p:nvPr>
+            <p:ph type="pic" sz="quarter" idx="12"/>
+          </p:nvPr>
+        </p:nvSpPr>
+        <p:spPr/>
+      </p:sp>
+      <p:sp>
+        <p:nvSpPr>
+          <p:cNvPr id="58370" name="Title 2"/>
+          <p:cNvSpPr>
+            <a:spLocks noGrp="1"/>
+          </p:cNvSpPr>
+          <p:nvPr>
+            <p:ph type="title"/>
+          </p:nvPr>
+        </p:nvSpPr>
+        <p:spPr/>
+        <p:txBody>
+          <a:bodyPr/>
+          <a:lstStyle/>
+          <a:p>
+            <a:pPr eaLnBrk="1" hangingPunct="1"/>
+            <a:r>
+              <a:rPr lang="en-ZA">
+                <a:ea typeface="ＭＳ Ｐゴシック" pitchFamily="34" charset="-128"/>
+              </a:rPr>
+              <a:t>Click on icon to add picture – example on following page</a:t>
+            </a:r>
+          </a:p>
+        </p:txBody>
+      </p:sp>
+    </p:spTree>
+  </p:cSld>
+  <p:clrMapOvr>
+    <a:masterClrMapping/>
+  </p:clrMapOvr>
+</p:sld>
+</file>
+
+<file path=ppt/slides/slide46.xml><?xml version="1.0" encoding="utf-8"?>
 <p:sld xmlns:a="http://schemas.openxmlformats.org/drawingml/2006/main" xmlns:r="http://schemas.openxmlformats.org/officeDocument/2006/relationships" xmlns:p="http://schemas.openxmlformats.org/presentationml/2006/main">
   <p:cSld>
     <p:spTree>
@@ -23230,7 +24651,7 @@
 </p:sld>
 </file>
 
-<file path=ppt/slides/slide45.xml><?xml version="1.0" encoding="utf-8"?>
+<file path=ppt/slides/slide47.xml><?xml version="1.0" encoding="utf-8"?>
 <p:sld xmlns:a="http://schemas.openxmlformats.org/drawingml/2006/main" xmlns:r="http://schemas.openxmlformats.org/officeDocument/2006/relationships" xmlns:p="http://schemas.openxmlformats.org/presentationml/2006/main">
   <p:cSld>
     <p:spTree>
@@ -23294,7 +24715,7 @@
 </p:sld>
 </file>
 
-<file path=ppt/slides/slide46.xml><?xml version="1.0" encoding="utf-8"?>
+<file path=ppt/slides/slide48.xml><?xml version="1.0" encoding="utf-8"?>
 <p:sld xmlns:a="http://schemas.openxmlformats.org/drawingml/2006/main" xmlns:r="http://schemas.openxmlformats.org/officeDocument/2006/relationships" xmlns:p="http://schemas.openxmlformats.org/presentationml/2006/main">
   <p:cSld>
     <p:spTree>
@@ -23371,182 +24792,6 @@
 </p:sld>
 </file>
 
-<file path=ppt/slides/slide47.xml><?xml version="1.0" encoding="utf-8"?>
-<p:sld xmlns:a="http://schemas.openxmlformats.org/drawingml/2006/main" xmlns:r="http://schemas.openxmlformats.org/officeDocument/2006/relationships" xmlns:p="http://schemas.openxmlformats.org/presentationml/2006/main">
-  <p:cSld>
-    <p:spTree>
-      <p:nvGrpSpPr>
-        <p:cNvPr id="1" name=""/>
-        <p:cNvGrpSpPr/>
-        <p:nvPr/>
-      </p:nvGrpSpPr>
-      <p:grpSpPr>
-        <a:xfrm>
-          <a:off x="0" y="0"/>
-          <a:ext cx="0" cy="0"/>
-          <a:chOff x="0" y="0"/>
-          <a:chExt cx="0" cy="0"/>
-        </a:xfrm>
-      </p:grpSpPr>
-      <p:sp>
-        <p:nvSpPr>
-          <p:cNvPr id="62466" name="Title 1"/>
-          <p:cNvSpPr>
-            <a:spLocks noGrp="1"/>
-          </p:cNvSpPr>
-          <p:nvPr>
-            <p:ph type="title"/>
-          </p:nvPr>
-        </p:nvSpPr>
-        <p:spPr/>
-        <p:txBody>
-          <a:bodyPr/>
-          <a:lstStyle/>
-          <a:p>
-            <a:pPr eaLnBrk="1" hangingPunct="1"/>
-            <a:endParaRPr lang="en-ZA">
-              <a:ea typeface="ＭＳ Ｐゴシック" pitchFamily="34" charset="-128"/>
-            </a:endParaRPr>
-          </a:p>
-        </p:txBody>
-      </p:sp>
-      <p:sp>
-        <p:nvSpPr>
-          <p:cNvPr id="62467" name="Text Placeholder 2"/>
-          <p:cNvSpPr>
-            <a:spLocks noGrp="1"/>
-          </p:cNvSpPr>
-          <p:nvPr>
-            <p:ph type="body" sz="quarter" idx="12"/>
-          </p:nvPr>
-        </p:nvSpPr>
-        <p:spPr/>
-        <p:txBody>
-          <a:bodyPr/>
-          <a:lstStyle/>
-          <a:p>
-            <a:pPr lvl="1" eaLnBrk="1" hangingPunct="1"/>
-            <a:r>
-              <a:rPr lang="en-ZA">
-                <a:ea typeface="ＭＳ Ｐゴシック" pitchFamily="34" charset="-128"/>
-              </a:rPr>
-              <a:t>Text to describe image or diagram on left hand side</a:t>
-            </a:r>
-          </a:p>
-        </p:txBody>
-      </p:sp>
-    </p:spTree>
-  </p:cSld>
-  <p:clrMapOvr>
-    <a:masterClrMapping/>
-  </p:clrMapOvr>
-</p:sld>
-</file>
-
-<file path=ppt/slides/slide48.xml><?xml version="1.0" encoding="utf-8"?>
-<p:sld xmlns:a="http://schemas.openxmlformats.org/drawingml/2006/main" xmlns:r="http://schemas.openxmlformats.org/officeDocument/2006/relationships" xmlns:p="http://schemas.openxmlformats.org/presentationml/2006/main">
-  <p:cSld>
-    <p:spTree>
-      <p:nvGrpSpPr>
-        <p:cNvPr id="1" name=""/>
-        <p:cNvGrpSpPr/>
-        <p:nvPr/>
-      </p:nvGrpSpPr>
-      <p:grpSpPr>
-        <a:xfrm>
-          <a:off x="0" y="0"/>
-          <a:ext cx="0" cy="0"/>
-          <a:chOff x="0" y="0"/>
-          <a:chExt cx="0" cy="0"/>
-        </a:xfrm>
-      </p:grpSpPr>
-      <p:sp>
-        <p:nvSpPr>
-          <p:cNvPr id="63490" name="Content Placeholder 3"/>
-          <p:cNvSpPr>
-            <a:spLocks noGrp="1"/>
-          </p:cNvSpPr>
-          <p:nvPr>
-            <p:ph idx="1"/>
-          </p:nvPr>
-        </p:nvSpPr>
-        <p:spPr bwMode="white"/>
-        <p:txBody>
-          <a:bodyPr/>
-          <a:lstStyle/>
-          <a:p>
-            <a:pPr marL="149225" indent="-149225" eaLnBrk="1" hangingPunct="1">
-              <a:buFont typeface="Arial" charset="0"/>
-              <a:buNone/>
-            </a:pPr>
-            <a:r>
-              <a:rPr lang="en-ZA" altLang="en-US">
-                <a:ea typeface="ＭＳ Ｐゴシック" pitchFamily="34" charset="-128"/>
-              </a:rPr>
-              <a:t>“</a:t>
-            </a:r>
-            <a:r>
-              <a:rPr lang="en-ZA">
-                <a:ea typeface="ＭＳ Ｐゴシック" pitchFamily="34" charset="-128"/>
-              </a:rPr>
-              <a:t>First line of pullout quote or introduction with a </a:t>
-            </a:r>
-            <a:r>
-              <a:rPr lang="en-ZA" b="1">
-                <a:ea typeface="ＭＳ Ｐゴシック" pitchFamily="34" charset="-128"/>
-              </a:rPr>
-              <a:t>key word </a:t>
-            </a:r>
-            <a:r>
-              <a:rPr lang="en-ZA">
-                <a:ea typeface="ＭＳ Ｐゴシック" pitchFamily="34" charset="-128"/>
-              </a:rPr>
-              <a:t>highlighted</a:t>
-            </a:r>
-            <a:r>
-              <a:rPr lang="en-ZA" altLang="en-US">
-                <a:ea typeface="ＭＳ Ｐゴシック" pitchFamily="34" charset="-128"/>
-              </a:rPr>
-              <a:t>”</a:t>
-            </a:r>
-            <a:endParaRPr lang="en-ZA">
-              <a:ea typeface="ＭＳ Ｐゴシック" pitchFamily="34" charset="-128"/>
-            </a:endParaRPr>
-          </a:p>
-          <a:p>
-            <a:pPr lvl="1" eaLnBrk="1" hangingPunct="1">
-              <a:buFont typeface="Arial" charset="0"/>
-              <a:buNone/>
-            </a:pPr>
-            <a:r>
-              <a:rPr lang="en-ZA">
-                <a:solidFill>
-                  <a:srgbClr val="E1E1E1"/>
-                </a:solidFill>
-                <a:ea typeface="ＭＳ Ｐゴシック" pitchFamily="34" charset="-128"/>
-              </a:rPr>
-              <a:t>First level bullet indented with </a:t>
-            </a:r>
-            <a:r>
-              <a:rPr lang="en-ZA" b="1">
-                <a:solidFill>
-                  <a:srgbClr val="E1E1E1"/>
-                </a:solidFill>
-                <a:ea typeface="ＭＳ Ｐゴシック" pitchFamily="34" charset="-128"/>
-              </a:rPr>
-              <a:t>key word</a:t>
-            </a:r>
-          </a:p>
-        </p:txBody>
-      </p:sp>
-    </p:spTree>
-  </p:cSld>
-  <p:clrMapOvr>
-    <a:masterClrMapping/>
-  </p:clrMapOvr>
-</p:sld>
-</file>
-
 <file path=ppt/slides/slide49.xml><?xml version="1.0" encoding="utf-8"?>
 <p:sld xmlns:a="http://schemas.openxmlformats.org/drawingml/2006/main" xmlns:r="http://schemas.openxmlformats.org/officeDocument/2006/relationships" xmlns:p="http://schemas.openxmlformats.org/presentationml/2006/main">
   <p:cSld>
@@ -23566,73 +24811,47 @@
       </p:grpSpPr>
       <p:sp>
         <p:nvSpPr>
-          <p:cNvPr id="64514" name="Content Placeholder 3"/>
+          <p:cNvPr id="62466" name="Title 1"/>
           <p:cNvSpPr>
             <a:spLocks noGrp="1"/>
           </p:cNvSpPr>
           <p:nvPr>
-            <p:ph idx="1"/>
+            <p:ph type="title"/>
           </p:nvPr>
         </p:nvSpPr>
-        <p:spPr bwMode="gray"/>
+        <p:spPr/>
         <p:txBody>
           <a:bodyPr/>
           <a:lstStyle/>
           <a:p>
-            <a:pPr marL="149225" indent="-149225" eaLnBrk="1" hangingPunct="1">
-              <a:buFont typeface="Arial" charset="0"/>
-              <a:buNone/>
-            </a:pPr>
-            <a:r>
-              <a:rPr lang="en-ZA" altLang="en-US">
-                <a:ea typeface="ＭＳ Ｐゴシック" pitchFamily="34" charset="-128"/>
-              </a:rPr>
-              <a:t>“</a:t>
-            </a:r>
+            <a:pPr eaLnBrk="1" hangingPunct="1"/>
+            <a:endParaRPr lang="en-ZA">
+              <a:ea typeface="ＭＳ Ｐゴシック" pitchFamily="34" charset="-128"/>
+            </a:endParaRPr>
+          </a:p>
+        </p:txBody>
+      </p:sp>
+      <p:sp>
+        <p:nvSpPr>
+          <p:cNvPr id="62467" name="Text Placeholder 2"/>
+          <p:cNvSpPr>
+            <a:spLocks noGrp="1"/>
+          </p:cNvSpPr>
+          <p:nvPr>
+            <p:ph type="body" sz="quarter" idx="12"/>
+          </p:nvPr>
+        </p:nvSpPr>
+        <p:spPr/>
+        <p:txBody>
+          <a:bodyPr/>
+          <a:lstStyle/>
+          <a:p>
+            <a:pPr lvl="1" eaLnBrk="1" hangingPunct="1"/>
             <a:r>
               <a:rPr lang="en-ZA">
                 <a:ea typeface="ＭＳ Ｐゴシック" pitchFamily="34" charset="-128"/>
               </a:rPr>
-              <a:t>First line of pullout quote or introduction with a </a:t>
-            </a:r>
-            <a:r>
-              <a:rPr lang="en-ZA" b="1">
-                <a:ea typeface="ＭＳ Ｐゴシック" pitchFamily="34" charset="-128"/>
-              </a:rPr>
-              <a:t>key word</a:t>
-            </a:r>
-            <a:r>
-              <a:rPr lang="en-ZA">
-                <a:ea typeface="ＭＳ Ｐゴシック" pitchFamily="34" charset="-128"/>
-              </a:rPr>
-              <a:t> highlighted</a:t>
-            </a:r>
-            <a:r>
-              <a:rPr lang="en-ZA" altLang="en-US">
-                <a:ea typeface="ＭＳ Ｐゴシック" pitchFamily="34" charset="-128"/>
-              </a:rPr>
-              <a:t>”</a:t>
-            </a:r>
-            <a:endParaRPr lang="en-ZA">
-              <a:ea typeface="ＭＳ Ｐゴシック" pitchFamily="34" charset="-128"/>
-            </a:endParaRPr>
-          </a:p>
-          <a:p>
-            <a:pPr lvl="1" eaLnBrk="1" hangingPunct="1">
-              <a:buFont typeface="Arial" charset="0"/>
-              <a:buNone/>
-            </a:pPr>
-            <a:r>
-              <a:rPr lang="en-ZA">
-                <a:ea typeface="ＭＳ Ｐゴシック" pitchFamily="34" charset="-128"/>
-              </a:rPr>
-              <a:t>First level bullet indented with </a:t>
-            </a:r>
-            <a:r>
-              <a:rPr lang="en-ZA" b="1">
-                <a:ea typeface="ＭＳ Ｐゴシック" pitchFamily="34" charset="-128"/>
-              </a:rPr>
-              <a:t>key word</a:t>
+              <a:t>Text to describe image or diagram on left hand side</a:t>
             </a:r>
           </a:p>
         </p:txBody>
@@ -23769,11 +24988,7 @@
             </a:r>
             <a:r>
               <a:rPr lang="en-US" dirty="0"/>
-              <a:t> prompt by PowerShell from build </a:t>
-            </a:r>
-            <a:r>
-              <a:rPr lang="en-US" dirty="0"/>
-              <a:t>14791 of Windows 10. It is still here, but not as </a:t>
+              <a:t> prompt by PowerShell from build 14791 of Windows 10. It is still here, but not as </a:t>
             </a:r>
             <a:r>
               <a:rPr lang="en-US" dirty="0" err="1"/>
@@ -23787,11 +25002,7 @@
           <a:p>
             <a:r>
               <a:rPr lang="en-US" dirty="0"/>
-              <a:t>e.g. </a:t>
-            </a:r>
-            <a:r>
-              <a:rPr lang="en-US" dirty="0"/>
-              <a:t>in the WIN + X menu </a:t>
+              <a:t>e.g. in the WIN + X menu </a:t>
             </a:r>
             <a:r>
               <a:rPr lang="en-US" dirty="0" err="1"/>
@@ -23834,6 +25045,208 @@
         <p14:creationId xmlns:p14="http://schemas.microsoft.com/office/powerpoint/2010/main" val="892271383"/>
       </p:ext>
     </p:extLst>
+  </p:cSld>
+  <p:clrMapOvr>
+    <a:masterClrMapping/>
+  </p:clrMapOvr>
+</p:sld>
+</file>
+
+<file path=ppt/slides/slide50.xml><?xml version="1.0" encoding="utf-8"?>
+<p:sld xmlns:a="http://schemas.openxmlformats.org/drawingml/2006/main" xmlns:r="http://schemas.openxmlformats.org/officeDocument/2006/relationships" xmlns:p="http://schemas.openxmlformats.org/presentationml/2006/main">
+  <p:cSld>
+    <p:spTree>
+      <p:nvGrpSpPr>
+        <p:cNvPr id="1" name=""/>
+        <p:cNvGrpSpPr/>
+        <p:nvPr/>
+      </p:nvGrpSpPr>
+      <p:grpSpPr>
+        <a:xfrm>
+          <a:off x="0" y="0"/>
+          <a:ext cx="0" cy="0"/>
+          <a:chOff x="0" y="0"/>
+          <a:chExt cx="0" cy="0"/>
+        </a:xfrm>
+      </p:grpSpPr>
+      <p:sp>
+        <p:nvSpPr>
+          <p:cNvPr id="63490" name="Content Placeholder 3"/>
+          <p:cNvSpPr>
+            <a:spLocks noGrp="1"/>
+          </p:cNvSpPr>
+          <p:nvPr>
+            <p:ph idx="1"/>
+          </p:nvPr>
+        </p:nvSpPr>
+        <p:spPr bwMode="white"/>
+        <p:txBody>
+          <a:bodyPr/>
+          <a:lstStyle/>
+          <a:p>
+            <a:pPr marL="149225" indent="-149225" eaLnBrk="1" hangingPunct="1">
+              <a:buFont typeface="Arial" charset="0"/>
+              <a:buNone/>
+            </a:pPr>
+            <a:r>
+              <a:rPr lang="en-ZA" altLang="en-US">
+                <a:ea typeface="ＭＳ Ｐゴシック" pitchFamily="34" charset="-128"/>
+              </a:rPr>
+              <a:t>“</a:t>
+            </a:r>
+            <a:r>
+              <a:rPr lang="en-ZA">
+                <a:ea typeface="ＭＳ Ｐゴシック" pitchFamily="34" charset="-128"/>
+              </a:rPr>
+              <a:t>First line of pullout quote or introduction with a </a:t>
+            </a:r>
+            <a:r>
+              <a:rPr lang="en-ZA" b="1">
+                <a:ea typeface="ＭＳ Ｐゴシック" pitchFamily="34" charset="-128"/>
+              </a:rPr>
+              <a:t>key word </a:t>
+            </a:r>
+            <a:r>
+              <a:rPr lang="en-ZA">
+                <a:ea typeface="ＭＳ Ｐゴシック" pitchFamily="34" charset="-128"/>
+              </a:rPr>
+              <a:t>highlighted</a:t>
+            </a:r>
+            <a:r>
+              <a:rPr lang="en-ZA" altLang="en-US">
+                <a:ea typeface="ＭＳ Ｐゴシック" pitchFamily="34" charset="-128"/>
+              </a:rPr>
+              <a:t>”</a:t>
+            </a:r>
+            <a:endParaRPr lang="en-ZA">
+              <a:ea typeface="ＭＳ Ｐゴシック" pitchFamily="34" charset="-128"/>
+            </a:endParaRPr>
+          </a:p>
+          <a:p>
+            <a:pPr lvl="1" eaLnBrk="1" hangingPunct="1">
+              <a:buFont typeface="Arial" charset="0"/>
+              <a:buNone/>
+            </a:pPr>
+            <a:r>
+              <a:rPr lang="en-ZA">
+                <a:solidFill>
+                  <a:srgbClr val="E1E1E1"/>
+                </a:solidFill>
+                <a:ea typeface="ＭＳ Ｐゴシック" pitchFamily="34" charset="-128"/>
+              </a:rPr>
+              <a:t>First level bullet indented with </a:t>
+            </a:r>
+            <a:r>
+              <a:rPr lang="en-ZA" b="1">
+                <a:solidFill>
+                  <a:srgbClr val="E1E1E1"/>
+                </a:solidFill>
+                <a:ea typeface="ＭＳ Ｐゴシック" pitchFamily="34" charset="-128"/>
+              </a:rPr>
+              <a:t>key word</a:t>
+            </a:r>
+          </a:p>
+        </p:txBody>
+      </p:sp>
+    </p:spTree>
+  </p:cSld>
+  <p:clrMapOvr>
+    <a:masterClrMapping/>
+  </p:clrMapOvr>
+</p:sld>
+</file>
+
+<file path=ppt/slides/slide51.xml><?xml version="1.0" encoding="utf-8"?>
+<p:sld xmlns:a="http://schemas.openxmlformats.org/drawingml/2006/main" xmlns:r="http://schemas.openxmlformats.org/officeDocument/2006/relationships" xmlns:p="http://schemas.openxmlformats.org/presentationml/2006/main">
+  <p:cSld>
+    <p:spTree>
+      <p:nvGrpSpPr>
+        <p:cNvPr id="1" name=""/>
+        <p:cNvGrpSpPr/>
+        <p:nvPr/>
+      </p:nvGrpSpPr>
+      <p:grpSpPr>
+        <a:xfrm>
+          <a:off x="0" y="0"/>
+          <a:ext cx="0" cy="0"/>
+          <a:chOff x="0" y="0"/>
+          <a:chExt cx="0" cy="0"/>
+        </a:xfrm>
+      </p:grpSpPr>
+      <p:sp>
+        <p:nvSpPr>
+          <p:cNvPr id="64514" name="Content Placeholder 3"/>
+          <p:cNvSpPr>
+            <a:spLocks noGrp="1"/>
+          </p:cNvSpPr>
+          <p:nvPr>
+            <p:ph idx="1"/>
+          </p:nvPr>
+        </p:nvSpPr>
+        <p:spPr bwMode="gray"/>
+        <p:txBody>
+          <a:bodyPr/>
+          <a:lstStyle/>
+          <a:p>
+            <a:pPr marL="149225" indent="-149225" eaLnBrk="1" hangingPunct="1">
+              <a:buFont typeface="Arial" charset="0"/>
+              <a:buNone/>
+            </a:pPr>
+            <a:r>
+              <a:rPr lang="en-ZA" altLang="en-US">
+                <a:ea typeface="ＭＳ Ｐゴシック" pitchFamily="34" charset="-128"/>
+              </a:rPr>
+              <a:t>“</a:t>
+            </a:r>
+            <a:r>
+              <a:rPr lang="en-ZA">
+                <a:ea typeface="ＭＳ Ｐゴシック" pitchFamily="34" charset="-128"/>
+              </a:rPr>
+              <a:t>First line of pullout quote or introduction with a </a:t>
+            </a:r>
+            <a:r>
+              <a:rPr lang="en-ZA" b="1">
+                <a:ea typeface="ＭＳ Ｐゴシック" pitchFamily="34" charset="-128"/>
+              </a:rPr>
+              <a:t>key word</a:t>
+            </a:r>
+            <a:r>
+              <a:rPr lang="en-ZA">
+                <a:ea typeface="ＭＳ Ｐゴシック" pitchFamily="34" charset="-128"/>
+              </a:rPr>
+              <a:t> highlighted</a:t>
+            </a:r>
+            <a:r>
+              <a:rPr lang="en-ZA" altLang="en-US">
+                <a:ea typeface="ＭＳ Ｐゴシック" pitchFamily="34" charset="-128"/>
+              </a:rPr>
+              <a:t>”</a:t>
+            </a:r>
+            <a:endParaRPr lang="en-ZA">
+              <a:ea typeface="ＭＳ Ｐゴシック" pitchFamily="34" charset="-128"/>
+            </a:endParaRPr>
+          </a:p>
+          <a:p>
+            <a:pPr lvl="1" eaLnBrk="1" hangingPunct="1">
+              <a:buFont typeface="Arial" charset="0"/>
+              <a:buNone/>
+            </a:pPr>
+            <a:r>
+              <a:rPr lang="en-ZA">
+                <a:ea typeface="ＭＳ Ｐゴシック" pitchFamily="34" charset="-128"/>
+              </a:rPr>
+              <a:t>First level bullet indented with </a:t>
+            </a:r>
+            <a:r>
+              <a:rPr lang="en-ZA" b="1">
+                <a:ea typeface="ＭＳ Ｐゴシック" pitchFamily="34" charset="-128"/>
+              </a:rPr>
+              <a:t>key word</a:t>
+            </a:r>
+          </a:p>
+        </p:txBody>
+      </p:sp>
+    </p:spTree>
   </p:cSld>
   <p:clrMapOvr>
     <a:masterClrMapping/>
@@ -27434,16 +28847,25 @@
 </file>
 
 <file path=customXml/item1.xml><?xml version="1.0" encoding="utf-8"?>
+<LongProperties xmlns="http://schemas.microsoft.com/office/2006/metadata/longProperties"/>
+</file>
+
+<file path=customXml/item2.xml><?xml version="1.0" encoding="utf-8"?>
 <p:properties xmlns:p="http://schemas.microsoft.com/office/2006/metadata/properties" xmlns:xsi="http://www.w3.org/2001/XMLSchema-instance" xmlns:pc="http://schemas.microsoft.com/office/infopath/2007/PartnerControls">
   <documentManagement/>
 </p:properties>
 </file>
 
-<file path=customXml/item2.xml><?xml version="1.0" encoding="utf-8"?>
-<LongProperties xmlns="http://schemas.microsoft.com/office/2006/metadata/longProperties"/>
+<file path=customXml/item3.xml><?xml version="1.0" encoding="utf-8"?>
+<?mso-contentType ?>
+<FormTemplates xmlns="http://schemas.microsoft.com/sharepoint/v3/contenttype/forms">
+  <Display>DocumentLibraryForm</Display>
+  <Edit>DocumentLibraryForm</Edit>
+  <New>DocumentLibraryForm</New>
+</FormTemplates>
 </file>
 
-<file path=customXml/item3.xml><?xml version="1.0" encoding="utf-8"?>
+<file path=customXml/item4.xml><?xml version="1.0" encoding="utf-8"?>
 <ct:contentTypeSchema xmlns:ct="http://schemas.microsoft.com/office/2006/metadata/contentType" xmlns:ma="http://schemas.microsoft.com/office/2006/metadata/properties/metaAttributes" ct:_="" ma:_="" ma:contentTypeName="Document" ma:contentTypeID="0x010100959D33A83376F241B96FC317B2040BAF" ma:contentTypeVersion="5" ma:contentTypeDescription="Create a new document." ma:contentTypeScope="" ma:versionID="527b495c0104506c6ad0510e833307a8">
   <xsd:schema xmlns:xsd="http://www.w3.org/2001/XMLSchema" xmlns:xs="http://www.w3.org/2001/XMLSchema" xmlns:p="http://schemas.microsoft.com/office/2006/metadata/properties" xmlns:ns2="9c644b71-f2b7-4af3-8fc7-b12615162907" xmlns:ns3="54f3cedd-548f-4720-83cb-d6c05b93ad22" targetNamespace="http://schemas.microsoft.com/office/2006/metadata/properties" ma:root="true" ma:fieldsID="1d53989094b9f63e1bb90e8dea41e06b" ns2:_="" ns3:_="">
     <xsd:import namespace="9c644b71-f2b7-4af3-8fc7-b12615162907"/>
@@ -27614,16 +29036,15 @@
 </ct:contentTypeSchema>
 </file>
 
-<file path=customXml/item4.xml><?xml version="1.0" encoding="utf-8"?>
-<?mso-contentType ?>
-<FormTemplates xmlns="http://schemas.microsoft.com/sharepoint/v3/contenttype/forms">
-  <Display>DocumentLibraryForm</Display>
-  <Edit>DocumentLibraryForm</Edit>
-  <New>DocumentLibraryForm</New>
-</FormTemplates>
+<file path=customXml/itemProps1.xml><?xml version="1.0" encoding="utf-8"?>
+<ds:datastoreItem xmlns:ds="http://schemas.openxmlformats.org/officeDocument/2006/customXml" ds:itemID="{EB9CE09D-DA00-4FA2-BB57-12EE9217E1B2}">
+  <ds:schemaRefs>
+    <ds:schemaRef ds:uri="http://schemas.microsoft.com/office/2006/metadata/longProperties"/>
+  </ds:schemaRefs>
+</ds:datastoreItem>
 </file>
 
-<file path=customXml/itemProps1.xml><?xml version="1.0" encoding="utf-8"?>
+<file path=customXml/itemProps2.xml><?xml version="1.0" encoding="utf-8"?>
 <ds:datastoreItem xmlns:ds="http://schemas.openxmlformats.org/officeDocument/2006/customXml" ds:itemID="{A30766E2-1FB1-4DBC-A574-2B521885E1F0}">
   <ds:schemaRefs>
     <ds:schemaRef ds:uri="54f3cedd-548f-4720-83cb-d6c05b93ad22"/>
@@ -27640,15 +29061,15 @@
 </ds:datastoreItem>
 </file>
 
-<file path=customXml/itemProps2.xml><?xml version="1.0" encoding="utf-8"?>
-<ds:datastoreItem xmlns:ds="http://schemas.openxmlformats.org/officeDocument/2006/customXml" ds:itemID="{EB9CE09D-DA00-4FA2-BB57-12EE9217E1B2}">
+<file path=customXml/itemProps3.xml><?xml version="1.0" encoding="utf-8"?>
+<ds:datastoreItem xmlns:ds="http://schemas.openxmlformats.org/officeDocument/2006/customXml" ds:itemID="{8092415D-C017-446B-92E0-7A9E0F8F3446}">
   <ds:schemaRefs>
-    <ds:schemaRef ds:uri="http://schemas.microsoft.com/office/2006/metadata/longProperties"/>
+    <ds:schemaRef ds:uri="http://schemas.microsoft.com/sharepoint/v3/contenttype/forms"/>
   </ds:schemaRefs>
 </ds:datastoreItem>
 </file>
 
-<file path=customXml/itemProps3.xml><?xml version="1.0" encoding="utf-8"?>
+<file path=customXml/itemProps4.xml><?xml version="1.0" encoding="utf-8"?>
 <ds:datastoreItem xmlns:ds="http://schemas.openxmlformats.org/officeDocument/2006/customXml" ds:itemID="{B11E10F8-F53B-440E-A07C-4BE43F17767B}">
   <ds:schemaRefs>
     <ds:schemaRef ds:uri="http://schemas.microsoft.com/office/2006/metadata/contentType"/>
@@ -27665,12 +29086,4 @@
     <ds:schemaRef ds:uri="http://schemas.microsoft.com/internal/obd"/>
   </ds:schemaRefs>
 </ds:datastoreItem>
-</file>
-
-<file path=customXml/itemProps4.xml><?xml version="1.0" encoding="utf-8"?>
-<ds:datastoreItem xmlns:ds="http://schemas.openxmlformats.org/officeDocument/2006/customXml" ds:itemID="{8092415D-C017-446B-92E0-7A9E0F8F3446}">
-  <ds:schemaRefs>
-    <ds:schemaRef ds:uri="http://schemas.microsoft.com/sharepoint/v3/contenttype/forms"/>
-  </ds:schemaRefs>
-</ds:datastoreItem>
 </file>
--- a/BasicPowerShell.pptx
+++ b/BasicPowerShell.pptx
@@ -320,7 +320,7 @@
               <a:pPr>
                 <a:defRPr/>
               </a:pPr>
-              <a:t>2017/09/14</a:t>
+              <a:t>2017/09/16</a:t>
             </a:fld>
             <a:endParaRPr lang="en-ZA"/>
           </a:p>
@@ -540,7 +540,7 @@
               <a:pPr>
                 <a:defRPr/>
               </a:pPr>
-              <a:t>2017/09/14</a:t>
+              <a:t>2017/09/16</a:t>
             </a:fld>
             <a:endParaRPr lang="en-ZA"/>
           </a:p>
@@ -2863,7 +2863,7 @@
                 <a:buNone/>
                 <a:defRPr/>
               </a:pPr>
-              <a:t>14 September 2017</a:t>
+              <a:t>16 September 2017</a:t>
             </a:fld>
             <a:endParaRPr lang="en-US" sz="1400">
               <a:solidFill>
@@ -4097,7 +4097,7 @@
                 </a:spcAft>
                 <a:defRPr/>
               </a:pPr>
-              <a:t>14 September 2017</a:t>
+              <a:t>16 September 2017</a:t>
             </a:fld>
             <a:endParaRPr lang="en-ZA">
               <a:solidFill>
@@ -4612,7 +4612,7 @@
                 </a:spcAft>
                 <a:defRPr/>
               </a:pPr>
-              <a:t>14 September 2017</a:t>
+              <a:t>16 September 2017</a:t>
             </a:fld>
             <a:endParaRPr lang="en-ZA">
               <a:solidFill>
@@ -6101,7 +6101,7 @@
                 <a:buNone/>
                 <a:defRPr/>
               </a:pPr>
-              <a:t>14 September 2017</a:t>
+              <a:t>16 September 2017</a:t>
             </a:fld>
             <a:endParaRPr lang="en-US" sz="1400">
               <a:solidFill>
@@ -6697,7 +6697,7 @@
                 </a:spcAft>
                 <a:defRPr/>
               </a:pPr>
-              <a:t>14 September 2017</a:t>
+              <a:t>16 September 2017</a:t>
             </a:fld>
             <a:endParaRPr lang="en-ZA">
               <a:solidFill>
@@ -7360,7 +7360,7 @@
                 </a:spcAft>
                 <a:defRPr/>
               </a:pPr>
-              <a:t>14 September 2017</a:t>
+              <a:t>16 September 2017</a:t>
             </a:fld>
             <a:endParaRPr lang="en-ZA">
               <a:solidFill>
@@ -8726,7 +8726,7 @@
                 </a:spcAft>
                 <a:defRPr/>
               </a:pPr>
-              <a:t>14 September 2017</a:t>
+              <a:t>16 September 2017</a:t>
             </a:fld>
             <a:endParaRPr lang="en-ZA">
               <a:solidFill>
@@ -9570,7 +9570,7 @@
                 </a:spcAft>
                 <a:defRPr/>
               </a:pPr>
-              <a:t>14 September 2017</a:t>
+              <a:t>16 September 2017</a:t>
             </a:fld>
             <a:endParaRPr lang="en-ZA">
               <a:solidFill>
@@ -10360,7 +10360,7 @@
                 </a:spcAft>
                 <a:defRPr/>
               </a:pPr>
-              <a:t>14 September 2017</a:t>
+              <a:t>16 September 2017</a:t>
             </a:fld>
             <a:endParaRPr lang="en-ZA">
               <a:solidFill>
@@ -12201,7 +12201,75 @@
           <a:bodyPr/>
           <a:lstStyle/>
           <a:p>
-            <a:endParaRPr lang="en-BE"/>
+            <a:pPr>
+              <a:buFont typeface="Arial" panose="020B0604020202020204" pitchFamily="34" charset="0"/>
+              <a:buChar char="•"/>
+            </a:pPr>
+            <a:r>
+              <a:rPr lang="en-US" dirty="0"/>
+              <a:t>For Loop</a:t>
+            </a:r>
+          </a:p>
+          <a:p>
+            <a:pPr>
+              <a:buFont typeface="Arial" panose="020B0604020202020204" pitchFamily="34" charset="0"/>
+              <a:buChar char="•"/>
+            </a:pPr>
+            <a:r>
+              <a:rPr lang="en-US" dirty="0"/>
+              <a:t>Do While</a:t>
+            </a:r>
+          </a:p>
+          <a:p>
+            <a:pPr>
+              <a:buFont typeface="Arial" panose="020B0604020202020204" pitchFamily="34" charset="0"/>
+              <a:buChar char="•"/>
+            </a:pPr>
+            <a:r>
+              <a:rPr lang="en-US" dirty="0"/>
+              <a:t>Do Until</a:t>
+            </a:r>
+          </a:p>
+          <a:p>
+            <a:pPr>
+              <a:buFont typeface="Arial" panose="020B0604020202020204" pitchFamily="34" charset="0"/>
+              <a:buChar char="•"/>
+            </a:pPr>
+            <a:r>
+              <a:rPr lang="en-US" dirty="0"/>
+              <a:t>While</a:t>
+            </a:r>
+          </a:p>
+          <a:p>
+            <a:pPr>
+              <a:buFont typeface="Arial" panose="020B0604020202020204" pitchFamily="34" charset="0"/>
+              <a:buChar char="•"/>
+            </a:pPr>
+            <a:r>
+              <a:rPr lang="en-US" dirty="0"/>
+              <a:t>For-each</a:t>
+            </a:r>
+          </a:p>
+          <a:p>
+            <a:pPr lvl="1">
+              <a:buFont typeface="Arial" panose="020B0604020202020204" pitchFamily="34" charset="0"/>
+              <a:buChar char="•"/>
+            </a:pPr>
+            <a:r>
+              <a:rPr lang="en-US" dirty="0"/>
+              <a:t>Inline</a:t>
+            </a:r>
+          </a:p>
+          <a:p>
+            <a:pPr lvl="1">
+              <a:buFont typeface="Arial" panose="020B0604020202020204" pitchFamily="34" charset="0"/>
+              <a:buChar char="•"/>
+            </a:pPr>
+            <a:r>
+              <a:rPr lang="en-US" dirty="0"/>
+              <a:t>Function</a:t>
+            </a:r>
+            <a:endParaRPr lang="en-BE" dirty="0"/>
           </a:p>
         </p:txBody>
       </p:sp>
@@ -12239,7 +12307,1029 @@
           <a:bodyPr/>
           <a:lstStyle/>
           <a:p>
-            <a:endParaRPr lang="en-BE"/>
+            <a:pPr>
+              <a:lnSpc>
+                <a:spcPct val="100000"/>
+              </a:lnSpc>
+            </a:pPr>
+            <a:r>
+              <a:rPr lang="nl-BE" sz="1050" dirty="0">
+                <a:latin typeface="Lucida Console" panose="020B0609040504020204" pitchFamily="49" charset="0"/>
+              </a:rPr>
+              <a:t> </a:t>
+            </a:r>
+            <a:r>
+              <a:rPr lang="nl-BE" sz="1050" dirty="0">
+                <a:solidFill>
+                  <a:srgbClr val="006400"/>
+                </a:solidFill>
+                <a:latin typeface="Lucida Console" panose="020B0609040504020204" pitchFamily="49" charset="0"/>
+              </a:rPr>
+              <a:t># For loop </a:t>
+            </a:r>
+            <a:endParaRPr lang="nn-NO" sz="1050" dirty="0">
+              <a:solidFill>
+                <a:srgbClr val="00008B"/>
+              </a:solidFill>
+              <a:latin typeface="Lucida Console" panose="020B0609040504020204" pitchFamily="49" charset="0"/>
+            </a:endParaRPr>
+          </a:p>
+          <a:p>
+            <a:pPr>
+              <a:lnSpc>
+                <a:spcPct val="100000"/>
+              </a:lnSpc>
+            </a:pPr>
+            <a:r>
+              <a:rPr lang="nn-NO" sz="1050" dirty="0">
+                <a:solidFill>
+                  <a:srgbClr val="00008B"/>
+                </a:solidFill>
+                <a:latin typeface="Lucida Console" panose="020B0609040504020204" pitchFamily="49" charset="0"/>
+              </a:rPr>
+              <a:t>for</a:t>
+            </a:r>
+            <a:r>
+              <a:rPr lang="nn-NO" sz="1050" dirty="0">
+                <a:solidFill>
+                  <a:prstClr val="black"/>
+                </a:solidFill>
+                <a:latin typeface="Lucida Console" panose="020B0609040504020204" pitchFamily="49" charset="0"/>
+              </a:rPr>
+              <a:t> (</a:t>
+            </a:r>
+            <a:r>
+              <a:rPr lang="nn-NO" sz="1050" dirty="0">
+                <a:solidFill>
+                  <a:srgbClr val="FF4500"/>
+                </a:solidFill>
+                <a:latin typeface="Lucida Console" panose="020B0609040504020204" pitchFamily="49" charset="0"/>
+              </a:rPr>
+              <a:t>$i</a:t>
+            </a:r>
+            <a:r>
+              <a:rPr lang="nn-NO" sz="1050" dirty="0">
+                <a:solidFill>
+                  <a:prstClr val="black"/>
+                </a:solidFill>
+                <a:latin typeface="Lucida Console" panose="020B0609040504020204" pitchFamily="49" charset="0"/>
+              </a:rPr>
+              <a:t> </a:t>
+            </a:r>
+            <a:r>
+              <a:rPr lang="nn-NO" sz="1050" dirty="0">
+                <a:solidFill>
+                  <a:srgbClr val="A9A9A9"/>
+                </a:solidFill>
+                <a:latin typeface="Lucida Console" panose="020B0609040504020204" pitchFamily="49" charset="0"/>
+              </a:rPr>
+              <a:t>=</a:t>
+            </a:r>
+            <a:r>
+              <a:rPr lang="nn-NO" sz="1050" dirty="0">
+                <a:solidFill>
+                  <a:prstClr val="black"/>
+                </a:solidFill>
+                <a:latin typeface="Lucida Console" panose="020B0609040504020204" pitchFamily="49" charset="0"/>
+              </a:rPr>
+              <a:t> </a:t>
+            </a:r>
+            <a:r>
+              <a:rPr lang="nn-NO" sz="1050" dirty="0">
+                <a:solidFill>
+                  <a:srgbClr val="800080"/>
+                </a:solidFill>
+                <a:latin typeface="Lucida Console" panose="020B0609040504020204" pitchFamily="49" charset="0"/>
+              </a:rPr>
+              <a:t>1</a:t>
+            </a:r>
+            <a:r>
+              <a:rPr lang="nn-NO" sz="1050" dirty="0">
+                <a:solidFill>
+                  <a:prstClr val="black"/>
+                </a:solidFill>
+                <a:latin typeface="Lucida Console" panose="020B0609040504020204" pitchFamily="49" charset="0"/>
+              </a:rPr>
+              <a:t>; </a:t>
+            </a:r>
+            <a:r>
+              <a:rPr lang="nn-NO" sz="1050" dirty="0">
+                <a:solidFill>
+                  <a:srgbClr val="FF4500"/>
+                </a:solidFill>
+                <a:latin typeface="Lucida Console" panose="020B0609040504020204" pitchFamily="49" charset="0"/>
+              </a:rPr>
+              <a:t>$i</a:t>
+            </a:r>
+            <a:r>
+              <a:rPr lang="nn-NO" sz="1050" dirty="0">
+                <a:solidFill>
+                  <a:prstClr val="black"/>
+                </a:solidFill>
+                <a:latin typeface="Lucida Console" panose="020B0609040504020204" pitchFamily="49" charset="0"/>
+              </a:rPr>
+              <a:t> </a:t>
+            </a:r>
+            <a:r>
+              <a:rPr lang="nn-NO" sz="1050" dirty="0">
+                <a:solidFill>
+                  <a:srgbClr val="A9A9A9"/>
+                </a:solidFill>
+                <a:latin typeface="Lucida Console" panose="020B0609040504020204" pitchFamily="49" charset="0"/>
+              </a:rPr>
+              <a:t>-lt</a:t>
+            </a:r>
+            <a:r>
+              <a:rPr lang="nn-NO" sz="1050" dirty="0">
+                <a:solidFill>
+                  <a:prstClr val="black"/>
+                </a:solidFill>
+                <a:latin typeface="Lucida Console" panose="020B0609040504020204" pitchFamily="49" charset="0"/>
+              </a:rPr>
+              <a:t> </a:t>
+            </a:r>
+            <a:r>
+              <a:rPr lang="nn-NO" sz="1050" dirty="0">
+                <a:solidFill>
+                  <a:srgbClr val="800080"/>
+                </a:solidFill>
+                <a:latin typeface="Lucida Console" panose="020B0609040504020204" pitchFamily="49" charset="0"/>
+              </a:rPr>
+              <a:t>5</a:t>
+            </a:r>
+            <a:r>
+              <a:rPr lang="nn-NO" sz="1050" dirty="0">
+                <a:solidFill>
+                  <a:prstClr val="black"/>
+                </a:solidFill>
+                <a:latin typeface="Lucida Console" panose="020B0609040504020204" pitchFamily="49" charset="0"/>
+              </a:rPr>
+              <a:t>; </a:t>
+            </a:r>
+            <a:r>
+              <a:rPr lang="nn-NO" sz="1050" dirty="0">
+                <a:solidFill>
+                  <a:srgbClr val="FF4500"/>
+                </a:solidFill>
+                <a:latin typeface="Lucida Console" panose="020B0609040504020204" pitchFamily="49" charset="0"/>
+              </a:rPr>
+              <a:t>$i</a:t>
+            </a:r>
+            <a:r>
+              <a:rPr lang="nn-NO" sz="1050" dirty="0">
+                <a:solidFill>
+                  <a:prstClr val="black"/>
+                </a:solidFill>
+                <a:latin typeface="Lucida Console" panose="020B0609040504020204" pitchFamily="49" charset="0"/>
+              </a:rPr>
+              <a:t> </a:t>
+            </a:r>
+            <a:r>
+              <a:rPr lang="nn-NO" sz="1050" dirty="0">
+                <a:solidFill>
+                  <a:srgbClr val="A9A9A9"/>
+                </a:solidFill>
+                <a:latin typeface="Lucida Console" panose="020B0609040504020204" pitchFamily="49" charset="0"/>
+              </a:rPr>
+              <a:t>+=</a:t>
+            </a:r>
+            <a:r>
+              <a:rPr lang="nn-NO" sz="1050" dirty="0">
+                <a:solidFill>
+                  <a:prstClr val="black"/>
+                </a:solidFill>
+                <a:latin typeface="Lucida Console" panose="020B0609040504020204" pitchFamily="49" charset="0"/>
+              </a:rPr>
+              <a:t> </a:t>
+            </a:r>
+            <a:r>
+              <a:rPr lang="nn-NO" sz="1050" dirty="0">
+                <a:solidFill>
+                  <a:srgbClr val="800080"/>
+                </a:solidFill>
+                <a:latin typeface="Lucida Console" panose="020B0609040504020204" pitchFamily="49" charset="0"/>
+              </a:rPr>
+              <a:t>1</a:t>
+            </a:r>
+            <a:r>
+              <a:rPr lang="nn-NO" sz="1050" dirty="0">
+                <a:solidFill>
+                  <a:prstClr val="black"/>
+                </a:solidFill>
+                <a:latin typeface="Lucida Console" panose="020B0609040504020204" pitchFamily="49" charset="0"/>
+              </a:rPr>
+              <a:t>) </a:t>
+            </a:r>
+          </a:p>
+          <a:p>
+            <a:pPr>
+              <a:lnSpc>
+                <a:spcPct val="100000"/>
+              </a:lnSpc>
+            </a:pPr>
+            <a:r>
+              <a:rPr lang="en-BE" sz="1050" dirty="0">
+                <a:solidFill>
+                  <a:prstClr val="black"/>
+                </a:solidFill>
+                <a:latin typeface="Lucida Console" panose="020B0609040504020204" pitchFamily="49" charset="0"/>
+              </a:rPr>
+              <a:t>{        </a:t>
+            </a:r>
+          </a:p>
+          <a:p>
+            <a:pPr>
+              <a:lnSpc>
+                <a:spcPct val="100000"/>
+              </a:lnSpc>
+            </a:pPr>
+            <a:r>
+              <a:rPr lang="nl-BE" sz="1050" dirty="0">
+                <a:solidFill>
+                  <a:prstClr val="black"/>
+                </a:solidFill>
+                <a:latin typeface="Lucida Console" panose="020B0609040504020204" pitchFamily="49" charset="0"/>
+              </a:rPr>
+              <a:t>  </a:t>
+            </a:r>
+            <a:r>
+              <a:rPr lang="nl-BE" sz="1050" dirty="0">
+                <a:solidFill>
+                  <a:srgbClr val="0000FF"/>
+                </a:solidFill>
+                <a:latin typeface="Lucida Console" panose="020B0609040504020204" pitchFamily="49" charset="0"/>
+              </a:rPr>
+              <a:t>Write-Host</a:t>
+            </a:r>
+            <a:r>
+              <a:rPr lang="nl-BE" sz="1050" dirty="0">
+                <a:solidFill>
+                  <a:prstClr val="black"/>
+                </a:solidFill>
+                <a:latin typeface="Lucida Console" panose="020B0609040504020204" pitchFamily="49" charset="0"/>
+              </a:rPr>
+              <a:t> </a:t>
+            </a:r>
+            <a:r>
+              <a:rPr lang="nl-BE" sz="1050" dirty="0">
+                <a:solidFill>
+                  <a:srgbClr val="FF4500"/>
+                </a:solidFill>
+                <a:latin typeface="Lucida Console" panose="020B0609040504020204" pitchFamily="49" charset="0"/>
+              </a:rPr>
+              <a:t>$i</a:t>
+            </a:r>
+            <a:endParaRPr lang="nl-BE" sz="1050" dirty="0">
+              <a:solidFill>
+                <a:prstClr val="black"/>
+              </a:solidFill>
+              <a:latin typeface="Lucida Console" panose="020B0609040504020204" pitchFamily="49" charset="0"/>
+            </a:endParaRPr>
+          </a:p>
+          <a:p>
+            <a:pPr>
+              <a:lnSpc>
+                <a:spcPct val="100000"/>
+              </a:lnSpc>
+            </a:pPr>
+            <a:r>
+              <a:rPr lang="en-BE" sz="1050" dirty="0">
+                <a:solidFill>
+                  <a:prstClr val="black"/>
+                </a:solidFill>
+                <a:latin typeface="Lucida Console" panose="020B0609040504020204" pitchFamily="49" charset="0"/>
+              </a:rPr>
+              <a:t>}  </a:t>
+            </a:r>
+            <a:endParaRPr lang="en-US" sz="1050" dirty="0">
+              <a:solidFill>
+                <a:prstClr val="black"/>
+              </a:solidFill>
+              <a:latin typeface="Lucida Console" panose="020B0609040504020204" pitchFamily="49" charset="0"/>
+            </a:endParaRPr>
+          </a:p>
+          <a:p>
+            <a:pPr>
+              <a:lnSpc>
+                <a:spcPct val="100000"/>
+              </a:lnSpc>
+            </a:pPr>
+            <a:endParaRPr lang="en-US" sz="1050" dirty="0">
+              <a:solidFill>
+                <a:prstClr val="black"/>
+              </a:solidFill>
+              <a:latin typeface="Lucida Console" panose="020B0609040504020204" pitchFamily="49" charset="0"/>
+            </a:endParaRPr>
+          </a:p>
+          <a:p>
+            <a:pPr>
+              <a:lnSpc>
+                <a:spcPct val="100000"/>
+              </a:lnSpc>
+            </a:pPr>
+            <a:r>
+              <a:rPr lang="nl-BE" sz="1050" dirty="0">
+                <a:latin typeface="Lucida Console" panose="020B0609040504020204" pitchFamily="49" charset="0"/>
+              </a:rPr>
+              <a:t> </a:t>
+            </a:r>
+            <a:r>
+              <a:rPr lang="nl-BE" sz="1050" dirty="0">
+                <a:solidFill>
+                  <a:srgbClr val="006400"/>
+                </a:solidFill>
+                <a:latin typeface="Lucida Console" panose="020B0609040504020204" pitchFamily="49" charset="0"/>
+              </a:rPr>
+              <a:t># Foreach loops </a:t>
+            </a:r>
+            <a:endParaRPr lang="en-US" sz="1050" dirty="0">
+              <a:solidFill>
+                <a:srgbClr val="0000FF"/>
+              </a:solidFill>
+              <a:latin typeface="Lucida Console" panose="020B0609040504020204" pitchFamily="49" charset="0"/>
+            </a:endParaRPr>
+          </a:p>
+          <a:p>
+            <a:pPr>
+              <a:lnSpc>
+                <a:spcPct val="100000"/>
+              </a:lnSpc>
+            </a:pPr>
+            <a:r>
+              <a:rPr lang="en-US" sz="1050" dirty="0">
+                <a:solidFill>
+                  <a:srgbClr val="0000FF"/>
+                </a:solidFill>
+                <a:latin typeface="Lucida Console" panose="020B0609040504020204" pitchFamily="49" charset="0"/>
+              </a:rPr>
+              <a:t>Get-</a:t>
+            </a:r>
+            <a:r>
+              <a:rPr lang="en-US" sz="1050" dirty="0" err="1">
+                <a:solidFill>
+                  <a:srgbClr val="0000FF"/>
+                </a:solidFill>
+                <a:latin typeface="Lucida Console" panose="020B0609040504020204" pitchFamily="49" charset="0"/>
+              </a:rPr>
+              <a:t>ChildItem</a:t>
+            </a:r>
+            <a:r>
+              <a:rPr lang="en-US" sz="1050" dirty="0">
+                <a:solidFill>
+                  <a:prstClr val="black"/>
+                </a:solidFill>
+                <a:latin typeface="Lucida Console" panose="020B0609040504020204" pitchFamily="49" charset="0"/>
+              </a:rPr>
+              <a:t> </a:t>
+            </a:r>
+            <a:r>
+              <a:rPr lang="en-US" sz="1050" dirty="0">
+                <a:solidFill>
+                  <a:srgbClr val="8A2BE2"/>
+                </a:solidFill>
+                <a:latin typeface="Lucida Console" panose="020B0609040504020204" pitchFamily="49" charset="0"/>
+              </a:rPr>
+              <a:t>.\</a:t>
+            </a:r>
+            <a:r>
+              <a:rPr lang="en-US" sz="1050" dirty="0">
+                <a:solidFill>
+                  <a:prstClr val="black"/>
+                </a:solidFill>
+                <a:latin typeface="Lucida Console" panose="020B0609040504020204" pitchFamily="49" charset="0"/>
+              </a:rPr>
+              <a:t> </a:t>
+            </a:r>
+            <a:r>
+              <a:rPr lang="en-US" sz="1050" dirty="0">
+                <a:solidFill>
+                  <a:srgbClr val="000080"/>
+                </a:solidFill>
+                <a:latin typeface="Lucida Console" panose="020B0609040504020204" pitchFamily="49" charset="0"/>
+              </a:rPr>
+              <a:t>-</a:t>
+            </a:r>
+            <a:r>
+              <a:rPr lang="en-US" sz="1050" dirty="0" err="1">
+                <a:solidFill>
+                  <a:srgbClr val="000080"/>
+                </a:solidFill>
+                <a:latin typeface="Lucida Console" panose="020B0609040504020204" pitchFamily="49" charset="0"/>
+              </a:rPr>
+              <a:t>Recurse</a:t>
+            </a:r>
+            <a:r>
+              <a:rPr lang="en-US" sz="1050" dirty="0">
+                <a:solidFill>
+                  <a:prstClr val="black"/>
+                </a:solidFill>
+                <a:latin typeface="Lucida Console" panose="020B0609040504020204" pitchFamily="49" charset="0"/>
+              </a:rPr>
+              <a:t> </a:t>
+            </a:r>
+            <a:r>
+              <a:rPr lang="en-US" sz="1050" dirty="0">
+                <a:solidFill>
+                  <a:srgbClr val="A9A9A9"/>
+                </a:solidFill>
+                <a:latin typeface="Lucida Console" panose="020B0609040504020204" pitchFamily="49" charset="0"/>
+              </a:rPr>
+              <a:t>|</a:t>
+            </a:r>
+            <a:r>
+              <a:rPr lang="en-US" sz="1050" dirty="0">
+                <a:solidFill>
+                  <a:prstClr val="black"/>
+                </a:solidFill>
+                <a:latin typeface="Lucida Console" panose="020B0609040504020204" pitchFamily="49" charset="0"/>
+              </a:rPr>
+              <a:t> </a:t>
+            </a:r>
+          </a:p>
+          <a:p>
+            <a:pPr>
+              <a:lnSpc>
+                <a:spcPct val="100000"/>
+              </a:lnSpc>
+            </a:pPr>
+            <a:r>
+              <a:rPr lang="en-US" sz="1050" dirty="0">
+                <a:solidFill>
+                  <a:prstClr val="black"/>
+                </a:solidFill>
+                <a:latin typeface="Lucida Console" panose="020B0609040504020204" pitchFamily="49" charset="0"/>
+              </a:rPr>
+              <a:t>	</a:t>
+            </a:r>
+            <a:r>
+              <a:rPr lang="en-US" sz="1050" dirty="0" err="1">
+                <a:solidFill>
+                  <a:srgbClr val="0000FF"/>
+                </a:solidFill>
+                <a:latin typeface="Lucida Console" panose="020B0609040504020204" pitchFamily="49" charset="0"/>
+              </a:rPr>
+              <a:t>foreach</a:t>
+            </a:r>
+            <a:r>
+              <a:rPr lang="en-US" sz="1050" dirty="0">
+                <a:solidFill>
+                  <a:prstClr val="black"/>
+                </a:solidFill>
+                <a:latin typeface="Lucida Console" panose="020B0609040504020204" pitchFamily="49" charset="0"/>
+              </a:rPr>
+              <a:t> { </a:t>
+            </a:r>
+            <a:r>
+              <a:rPr lang="en-US" sz="1050" dirty="0">
+                <a:solidFill>
+                  <a:srgbClr val="0000FF"/>
+                </a:solidFill>
+                <a:latin typeface="Lucida Console" panose="020B0609040504020204" pitchFamily="49" charset="0"/>
+              </a:rPr>
+              <a:t>Write-Host</a:t>
+            </a:r>
+            <a:r>
+              <a:rPr lang="en-US" sz="1050" dirty="0">
+                <a:solidFill>
+                  <a:prstClr val="black"/>
+                </a:solidFill>
+                <a:latin typeface="Lucida Console" panose="020B0609040504020204" pitchFamily="49" charset="0"/>
+              </a:rPr>
+              <a:t> </a:t>
+            </a:r>
+            <a:r>
+              <a:rPr lang="en-US" sz="1050" dirty="0">
+                <a:solidFill>
+                  <a:srgbClr val="FF4500"/>
+                </a:solidFill>
+                <a:latin typeface="Lucida Console" panose="020B0609040504020204" pitchFamily="49" charset="0"/>
+              </a:rPr>
+              <a:t>$_</a:t>
+            </a:r>
+            <a:r>
+              <a:rPr lang="en-US" sz="1050" dirty="0">
+                <a:solidFill>
+                  <a:srgbClr val="A9A9A9"/>
+                </a:solidFill>
+                <a:latin typeface="Lucida Console" panose="020B0609040504020204" pitchFamily="49" charset="0"/>
+              </a:rPr>
+              <a:t>.</a:t>
+            </a:r>
+            <a:r>
+              <a:rPr lang="en-US" sz="1050" dirty="0">
+                <a:solidFill>
+                  <a:prstClr val="black"/>
+                </a:solidFill>
+                <a:latin typeface="Lucida Console" panose="020B0609040504020204" pitchFamily="49" charset="0"/>
+              </a:rPr>
+              <a:t>Name </a:t>
+            </a:r>
+            <a:r>
+              <a:rPr lang="en-US" sz="1050" dirty="0">
+                <a:solidFill>
+                  <a:srgbClr val="000080"/>
+                </a:solidFill>
+                <a:latin typeface="Lucida Console" panose="020B0609040504020204" pitchFamily="49" charset="0"/>
+              </a:rPr>
+              <a:t>-</a:t>
+            </a:r>
+            <a:r>
+              <a:rPr lang="en-US" sz="1050" dirty="0" err="1">
+                <a:solidFill>
+                  <a:srgbClr val="000080"/>
+                </a:solidFill>
+                <a:latin typeface="Lucida Console" panose="020B0609040504020204" pitchFamily="49" charset="0"/>
+              </a:rPr>
+              <a:t>ForegroundColor</a:t>
+            </a:r>
+            <a:r>
+              <a:rPr lang="en-US" sz="1050" dirty="0">
+                <a:solidFill>
+                  <a:prstClr val="black"/>
+                </a:solidFill>
+                <a:latin typeface="Lucida Console" panose="020B0609040504020204" pitchFamily="49" charset="0"/>
+              </a:rPr>
+              <a:t> </a:t>
+            </a:r>
+            <a:r>
+              <a:rPr lang="en-US" sz="1050" dirty="0">
+                <a:solidFill>
+                  <a:srgbClr val="8A2BE2"/>
+                </a:solidFill>
+                <a:latin typeface="Lucida Console" panose="020B0609040504020204" pitchFamily="49" charset="0"/>
+              </a:rPr>
+              <a:t>Green</a:t>
+            </a:r>
+            <a:r>
+              <a:rPr lang="en-US" sz="1050" dirty="0">
+                <a:solidFill>
+                  <a:prstClr val="black"/>
+                </a:solidFill>
+                <a:latin typeface="Lucida Console" panose="020B0609040504020204" pitchFamily="49" charset="0"/>
+              </a:rPr>
+              <a:t> }</a:t>
+            </a:r>
+          </a:p>
+          <a:p>
+            <a:pPr>
+              <a:lnSpc>
+                <a:spcPct val="100000"/>
+              </a:lnSpc>
+            </a:pPr>
+            <a:r>
+              <a:rPr lang="en-US" sz="1050" dirty="0">
+                <a:solidFill>
+                  <a:srgbClr val="0000FF"/>
+                </a:solidFill>
+                <a:latin typeface="Lucida Console" panose="020B0609040504020204" pitchFamily="49" charset="0"/>
+              </a:rPr>
+              <a:t>Get-</a:t>
+            </a:r>
+            <a:r>
+              <a:rPr lang="en-US" sz="1050" dirty="0" err="1">
+                <a:solidFill>
+                  <a:srgbClr val="0000FF"/>
+                </a:solidFill>
+                <a:latin typeface="Lucida Console" panose="020B0609040504020204" pitchFamily="49" charset="0"/>
+              </a:rPr>
+              <a:t>ChildItem</a:t>
+            </a:r>
+            <a:r>
+              <a:rPr lang="en-US" sz="1050" dirty="0">
+                <a:solidFill>
+                  <a:prstClr val="black"/>
+                </a:solidFill>
+                <a:latin typeface="Lucida Console" panose="020B0609040504020204" pitchFamily="49" charset="0"/>
+              </a:rPr>
+              <a:t> </a:t>
+            </a:r>
+            <a:r>
+              <a:rPr lang="en-US" sz="1050" dirty="0">
+                <a:solidFill>
+                  <a:srgbClr val="8A2BE2"/>
+                </a:solidFill>
+                <a:latin typeface="Lucida Console" panose="020B0609040504020204" pitchFamily="49" charset="0"/>
+              </a:rPr>
+              <a:t>.\</a:t>
+            </a:r>
+            <a:r>
+              <a:rPr lang="en-US" sz="1050" dirty="0">
+                <a:solidFill>
+                  <a:prstClr val="black"/>
+                </a:solidFill>
+                <a:latin typeface="Lucida Console" panose="020B0609040504020204" pitchFamily="49" charset="0"/>
+              </a:rPr>
+              <a:t> </a:t>
+            </a:r>
+            <a:r>
+              <a:rPr lang="en-US" sz="1050" dirty="0">
+                <a:solidFill>
+                  <a:srgbClr val="000080"/>
+                </a:solidFill>
+                <a:latin typeface="Lucida Console" panose="020B0609040504020204" pitchFamily="49" charset="0"/>
+              </a:rPr>
+              <a:t>-</a:t>
+            </a:r>
+            <a:r>
+              <a:rPr lang="en-US" sz="1050" dirty="0" err="1">
+                <a:solidFill>
+                  <a:srgbClr val="000080"/>
+                </a:solidFill>
+                <a:latin typeface="Lucida Console" panose="020B0609040504020204" pitchFamily="49" charset="0"/>
+              </a:rPr>
+              <a:t>Recurse</a:t>
+            </a:r>
+            <a:r>
+              <a:rPr lang="en-US" sz="1050" dirty="0">
+                <a:solidFill>
+                  <a:prstClr val="black"/>
+                </a:solidFill>
+                <a:latin typeface="Lucida Console" panose="020B0609040504020204" pitchFamily="49" charset="0"/>
+              </a:rPr>
+              <a:t> </a:t>
+            </a:r>
+            <a:r>
+              <a:rPr lang="en-US" sz="1050" dirty="0">
+                <a:solidFill>
+                  <a:srgbClr val="A9A9A9"/>
+                </a:solidFill>
+                <a:latin typeface="Lucida Console" panose="020B0609040504020204" pitchFamily="49" charset="0"/>
+              </a:rPr>
+              <a:t>|</a:t>
+            </a:r>
+            <a:r>
+              <a:rPr lang="en-US" sz="1050" dirty="0">
+                <a:solidFill>
+                  <a:prstClr val="black"/>
+                </a:solidFill>
+                <a:latin typeface="Lucida Console" panose="020B0609040504020204" pitchFamily="49" charset="0"/>
+              </a:rPr>
+              <a:t> </a:t>
+            </a:r>
+          </a:p>
+          <a:p>
+            <a:pPr>
+              <a:lnSpc>
+                <a:spcPct val="100000"/>
+              </a:lnSpc>
+            </a:pPr>
+            <a:r>
+              <a:rPr lang="en-US" sz="1050" dirty="0">
+                <a:solidFill>
+                  <a:prstClr val="black"/>
+                </a:solidFill>
+                <a:latin typeface="Lucida Console" panose="020B0609040504020204" pitchFamily="49" charset="0"/>
+              </a:rPr>
+              <a:t>	</a:t>
+            </a:r>
+            <a:r>
+              <a:rPr lang="en-US" sz="1050" dirty="0">
+                <a:solidFill>
+                  <a:srgbClr val="0000FF"/>
+                </a:solidFill>
+                <a:latin typeface="Lucida Console" panose="020B0609040504020204" pitchFamily="49" charset="0"/>
+              </a:rPr>
+              <a:t>%</a:t>
+            </a:r>
+            <a:r>
+              <a:rPr lang="en-US" sz="1050" dirty="0">
+                <a:solidFill>
+                  <a:prstClr val="black"/>
+                </a:solidFill>
+                <a:latin typeface="Lucida Console" panose="020B0609040504020204" pitchFamily="49" charset="0"/>
+              </a:rPr>
+              <a:t>{ </a:t>
+            </a:r>
+            <a:r>
+              <a:rPr lang="en-US" sz="1050" dirty="0">
+                <a:solidFill>
+                  <a:srgbClr val="0000FF"/>
+                </a:solidFill>
+                <a:latin typeface="Lucida Console" panose="020B0609040504020204" pitchFamily="49" charset="0"/>
+              </a:rPr>
+              <a:t>Write-Host</a:t>
+            </a:r>
+            <a:r>
+              <a:rPr lang="en-US" sz="1050" dirty="0">
+                <a:solidFill>
+                  <a:prstClr val="black"/>
+                </a:solidFill>
+                <a:latin typeface="Lucida Console" panose="020B0609040504020204" pitchFamily="49" charset="0"/>
+              </a:rPr>
+              <a:t> </a:t>
+            </a:r>
+            <a:r>
+              <a:rPr lang="en-US" sz="1050" dirty="0">
+                <a:solidFill>
+                  <a:srgbClr val="FF4500"/>
+                </a:solidFill>
+                <a:latin typeface="Lucida Console" panose="020B0609040504020204" pitchFamily="49" charset="0"/>
+              </a:rPr>
+              <a:t>$_</a:t>
+            </a:r>
+            <a:r>
+              <a:rPr lang="en-US" sz="1050" dirty="0">
+                <a:solidFill>
+                  <a:srgbClr val="A9A9A9"/>
+                </a:solidFill>
+                <a:latin typeface="Lucida Console" panose="020B0609040504020204" pitchFamily="49" charset="0"/>
+              </a:rPr>
+              <a:t>.</a:t>
+            </a:r>
+            <a:r>
+              <a:rPr lang="en-US" sz="1050" dirty="0">
+                <a:solidFill>
+                  <a:prstClr val="black"/>
+                </a:solidFill>
+                <a:latin typeface="Lucida Console" panose="020B0609040504020204" pitchFamily="49" charset="0"/>
+              </a:rPr>
+              <a:t>Name </a:t>
+            </a:r>
+            <a:r>
+              <a:rPr lang="en-US" sz="1050" dirty="0">
+                <a:solidFill>
+                  <a:srgbClr val="000080"/>
+                </a:solidFill>
+                <a:latin typeface="Lucida Console" panose="020B0609040504020204" pitchFamily="49" charset="0"/>
+              </a:rPr>
+              <a:t>-</a:t>
+            </a:r>
+            <a:r>
+              <a:rPr lang="en-US" sz="1050" dirty="0" err="1">
+                <a:solidFill>
+                  <a:srgbClr val="000080"/>
+                </a:solidFill>
+                <a:latin typeface="Lucida Console" panose="020B0609040504020204" pitchFamily="49" charset="0"/>
+              </a:rPr>
+              <a:t>ForegroundColor</a:t>
+            </a:r>
+            <a:r>
+              <a:rPr lang="en-US" sz="1050" dirty="0">
+                <a:solidFill>
+                  <a:prstClr val="black"/>
+                </a:solidFill>
+                <a:latin typeface="Lucida Console" panose="020B0609040504020204" pitchFamily="49" charset="0"/>
+              </a:rPr>
+              <a:t> </a:t>
+            </a:r>
+            <a:r>
+              <a:rPr lang="en-US" sz="1050" dirty="0">
+                <a:solidFill>
+                  <a:srgbClr val="8A2BE2"/>
+                </a:solidFill>
+                <a:latin typeface="Lucida Console" panose="020B0609040504020204" pitchFamily="49" charset="0"/>
+              </a:rPr>
+              <a:t>Green</a:t>
+            </a:r>
+            <a:r>
+              <a:rPr lang="en-US" sz="1050" dirty="0">
+                <a:solidFill>
+                  <a:prstClr val="black"/>
+                </a:solidFill>
+                <a:latin typeface="Lucida Console" panose="020B0609040504020204" pitchFamily="49" charset="0"/>
+              </a:rPr>
+              <a:t> }</a:t>
+            </a:r>
+          </a:p>
+          <a:p>
+            <a:pPr>
+              <a:lnSpc>
+                <a:spcPct val="100000"/>
+              </a:lnSpc>
+            </a:pPr>
+            <a:endParaRPr lang="en-BE" sz="1050" dirty="0">
+              <a:solidFill>
+                <a:prstClr val="black"/>
+              </a:solidFill>
+              <a:latin typeface="Lucida Console" panose="020B0609040504020204" pitchFamily="49" charset="0"/>
+            </a:endParaRPr>
+          </a:p>
+          <a:p>
+            <a:pPr>
+              <a:lnSpc>
+                <a:spcPct val="100000"/>
+              </a:lnSpc>
+            </a:pPr>
+            <a:r>
+              <a:rPr lang="en-US" sz="1050" dirty="0" err="1">
+                <a:solidFill>
+                  <a:srgbClr val="00008B"/>
+                </a:solidFill>
+                <a:latin typeface="Lucida Console" panose="020B0609040504020204" pitchFamily="49" charset="0"/>
+              </a:rPr>
+              <a:t>foreach</a:t>
+            </a:r>
+            <a:r>
+              <a:rPr lang="en-US" sz="1050" dirty="0">
+                <a:solidFill>
+                  <a:prstClr val="black"/>
+                </a:solidFill>
+                <a:latin typeface="Lucida Console" panose="020B0609040504020204" pitchFamily="49" charset="0"/>
+              </a:rPr>
+              <a:t> (</a:t>
+            </a:r>
+            <a:r>
+              <a:rPr lang="en-US" sz="1050" dirty="0">
+                <a:solidFill>
+                  <a:srgbClr val="FF4500"/>
+                </a:solidFill>
+                <a:latin typeface="Lucida Console" panose="020B0609040504020204" pitchFamily="49" charset="0"/>
+              </a:rPr>
+              <a:t>$item</a:t>
+            </a:r>
+            <a:r>
+              <a:rPr lang="en-US" sz="1050" dirty="0">
+                <a:solidFill>
+                  <a:prstClr val="black"/>
+                </a:solidFill>
+                <a:latin typeface="Lucida Console" panose="020B0609040504020204" pitchFamily="49" charset="0"/>
+              </a:rPr>
+              <a:t> </a:t>
+            </a:r>
+            <a:r>
+              <a:rPr lang="en-US" sz="1050" dirty="0">
+                <a:solidFill>
+                  <a:srgbClr val="00008B"/>
+                </a:solidFill>
+                <a:latin typeface="Lucida Console" panose="020B0609040504020204" pitchFamily="49" charset="0"/>
+              </a:rPr>
+              <a:t>in</a:t>
+            </a:r>
+            <a:r>
+              <a:rPr lang="en-US" sz="1050" dirty="0">
+                <a:solidFill>
+                  <a:prstClr val="black"/>
+                </a:solidFill>
+                <a:latin typeface="Lucida Console" panose="020B0609040504020204" pitchFamily="49" charset="0"/>
+              </a:rPr>
+              <a:t> </a:t>
+            </a:r>
+            <a:r>
+              <a:rPr lang="en-US" sz="1050" dirty="0">
+                <a:solidFill>
+                  <a:srgbClr val="0000FF"/>
+                </a:solidFill>
+                <a:latin typeface="Lucida Console" panose="020B0609040504020204" pitchFamily="49" charset="0"/>
+              </a:rPr>
+              <a:t>Get-</a:t>
+            </a:r>
+            <a:r>
+              <a:rPr lang="en-US" sz="1050" dirty="0" err="1">
+                <a:solidFill>
+                  <a:srgbClr val="0000FF"/>
+                </a:solidFill>
+                <a:latin typeface="Lucida Console" panose="020B0609040504020204" pitchFamily="49" charset="0"/>
+              </a:rPr>
+              <a:t>ChildItem</a:t>
+            </a:r>
+            <a:r>
+              <a:rPr lang="en-US" sz="1050" dirty="0">
+                <a:solidFill>
+                  <a:prstClr val="black"/>
+                </a:solidFill>
+                <a:latin typeface="Lucida Console" panose="020B0609040504020204" pitchFamily="49" charset="0"/>
+              </a:rPr>
+              <a:t> </a:t>
+            </a:r>
+            <a:r>
+              <a:rPr lang="en-US" sz="1050" dirty="0">
+                <a:solidFill>
+                  <a:srgbClr val="8A2BE2"/>
+                </a:solidFill>
+                <a:latin typeface="Lucida Console" panose="020B0609040504020204" pitchFamily="49" charset="0"/>
+              </a:rPr>
+              <a:t>.\</a:t>
+            </a:r>
+            <a:r>
+              <a:rPr lang="en-US" sz="1050" dirty="0">
+                <a:solidFill>
+                  <a:prstClr val="black"/>
+                </a:solidFill>
+                <a:latin typeface="Lucida Console" panose="020B0609040504020204" pitchFamily="49" charset="0"/>
+              </a:rPr>
+              <a:t> </a:t>
+            </a:r>
+            <a:r>
+              <a:rPr lang="en-US" sz="1050" dirty="0">
+                <a:solidFill>
+                  <a:srgbClr val="000080"/>
+                </a:solidFill>
+                <a:latin typeface="Lucida Console" panose="020B0609040504020204" pitchFamily="49" charset="0"/>
+              </a:rPr>
+              <a:t>-</a:t>
+            </a:r>
+            <a:r>
+              <a:rPr lang="en-US" sz="1050" dirty="0" err="1">
+                <a:solidFill>
+                  <a:srgbClr val="000080"/>
+                </a:solidFill>
+                <a:latin typeface="Lucida Console" panose="020B0609040504020204" pitchFamily="49" charset="0"/>
+              </a:rPr>
+              <a:t>Recurse</a:t>
+            </a:r>
+            <a:r>
+              <a:rPr lang="en-US" sz="1050" dirty="0">
+                <a:solidFill>
+                  <a:prstClr val="black"/>
+                </a:solidFill>
+                <a:latin typeface="Lucida Console" panose="020B0609040504020204" pitchFamily="49" charset="0"/>
+              </a:rPr>
+              <a:t>)</a:t>
+            </a:r>
+          </a:p>
+          <a:p>
+            <a:pPr>
+              <a:lnSpc>
+                <a:spcPct val="100000"/>
+              </a:lnSpc>
+            </a:pPr>
+            <a:r>
+              <a:rPr lang="en-BE" sz="1050" dirty="0">
+                <a:solidFill>
+                  <a:prstClr val="black"/>
+                </a:solidFill>
+                <a:latin typeface="Lucida Console" panose="020B0609040504020204" pitchFamily="49" charset="0"/>
+              </a:rPr>
+              <a:t>{</a:t>
+            </a:r>
+          </a:p>
+          <a:p>
+            <a:pPr>
+              <a:lnSpc>
+                <a:spcPct val="100000"/>
+              </a:lnSpc>
+            </a:pPr>
+            <a:r>
+              <a:rPr lang="nl-BE" sz="1050" dirty="0">
+                <a:solidFill>
+                  <a:prstClr val="black"/>
+                </a:solidFill>
+                <a:latin typeface="Lucida Console" panose="020B0609040504020204" pitchFamily="49" charset="0"/>
+              </a:rPr>
+              <a:t>  </a:t>
+            </a:r>
+            <a:r>
+              <a:rPr lang="nl-BE" sz="1050" dirty="0">
+                <a:solidFill>
+                  <a:srgbClr val="0000FF"/>
+                </a:solidFill>
+                <a:latin typeface="Lucida Console" panose="020B0609040504020204" pitchFamily="49" charset="0"/>
+              </a:rPr>
+              <a:t>Write-Host</a:t>
+            </a:r>
+            <a:r>
+              <a:rPr lang="nl-BE" sz="1050" dirty="0">
+                <a:solidFill>
+                  <a:prstClr val="black"/>
+                </a:solidFill>
+                <a:latin typeface="Lucida Console" panose="020B0609040504020204" pitchFamily="49" charset="0"/>
+              </a:rPr>
+              <a:t> </a:t>
+            </a:r>
+            <a:r>
+              <a:rPr lang="nl-BE" sz="1050" dirty="0">
+                <a:solidFill>
+                  <a:srgbClr val="FF4500"/>
+                </a:solidFill>
+                <a:latin typeface="Lucida Console" panose="020B0609040504020204" pitchFamily="49" charset="0"/>
+              </a:rPr>
+              <a:t>$item</a:t>
+            </a:r>
+            <a:endParaRPr lang="nl-BE" sz="1050" dirty="0">
+              <a:solidFill>
+                <a:prstClr val="black"/>
+              </a:solidFill>
+              <a:latin typeface="Lucida Console" panose="020B0609040504020204" pitchFamily="49" charset="0"/>
+            </a:endParaRPr>
+          </a:p>
+          <a:p>
+            <a:pPr>
+              <a:lnSpc>
+                <a:spcPct val="100000"/>
+              </a:lnSpc>
+            </a:pPr>
+            <a:r>
+              <a:rPr lang="en-BE" sz="1050" dirty="0">
+                <a:solidFill>
+                  <a:prstClr val="black"/>
+                </a:solidFill>
+                <a:latin typeface="Lucida Console" panose="020B0609040504020204" pitchFamily="49" charset="0"/>
+              </a:rPr>
+              <a:t>} </a:t>
+            </a:r>
+          </a:p>
+          <a:p>
+            <a:pPr>
+              <a:lnSpc>
+                <a:spcPct val="100000"/>
+              </a:lnSpc>
+            </a:pPr>
+            <a:endParaRPr lang="en-BE" sz="1100" dirty="0">
+              <a:solidFill>
+                <a:prstClr val="black"/>
+              </a:solidFill>
+              <a:latin typeface="Lucida Console" panose="020B0609040504020204" pitchFamily="49" charset="0"/>
+            </a:endParaRPr>
           </a:p>
         </p:txBody>
       </p:sp>
@@ -12325,7 +13415,7 @@
           <a:p>
             <a:r>
               <a:rPr lang="en-US" dirty="0"/>
-              <a:t>Creating functions</a:t>
+              <a:t>Basic Functions</a:t>
             </a:r>
             <a:endParaRPr lang="en-BE" dirty="0"/>
           </a:p>
@@ -12346,7 +13436,126 @@
           <a:bodyPr/>
           <a:lstStyle/>
           <a:p>
-            <a:endParaRPr lang="en-BE"/>
+            <a:pPr marL="0" indent="0"/>
+            <a:r>
+              <a:rPr lang="en-US" dirty="0"/>
+              <a:t>Function names:</a:t>
+            </a:r>
+          </a:p>
+          <a:p>
+            <a:pPr marL="285750" indent="-285750">
+              <a:buFont typeface="Arial" panose="020B0604020202020204" pitchFamily="34" charset="0"/>
+              <a:buChar char="•"/>
+            </a:pPr>
+            <a:r>
+              <a:rPr lang="en-US" dirty="0"/>
+              <a:t>Public functions start with a Verb e.g. Write-HelloWorld</a:t>
+            </a:r>
+            <a:br>
+              <a:rPr lang="en-US" dirty="0"/>
+            </a:br>
+            <a:r>
+              <a:rPr lang="en-US" dirty="0"/>
+              <a:t>(</a:t>
+            </a:r>
+            <a:r>
+              <a:rPr lang="en-US" dirty="0">
+                <a:solidFill>
+                  <a:srgbClr val="0000FF"/>
+                </a:solidFill>
+                <a:latin typeface="Lucida Console" panose="020B0609040504020204" pitchFamily="49" charset="0"/>
+              </a:rPr>
+              <a:t>Get-Verb</a:t>
+            </a:r>
+            <a:r>
+              <a:rPr lang="en-US" dirty="0"/>
+              <a:t>: </a:t>
+            </a:r>
+            <a:r>
+              <a:rPr lang="en-US" dirty="0"/>
+              <a:t>gets verbs that are approved for use in Windows PowerShell commands.)</a:t>
+            </a:r>
+          </a:p>
+          <a:p>
+            <a:pPr marL="285750" indent="-285750">
+              <a:buFont typeface="Arial" panose="020B0604020202020204" pitchFamily="34" charset="0"/>
+              <a:buChar char="•"/>
+            </a:pPr>
+            <a:r>
+              <a:rPr lang="en-US" dirty="0"/>
+              <a:t>Private functions (functions net exposed by a modules) can have any name</a:t>
+            </a:r>
+          </a:p>
+          <a:p>
+            <a:pPr marL="285750" indent="-285750">
+              <a:buFont typeface="Arial" panose="020B0604020202020204" pitchFamily="34" charset="0"/>
+              <a:buChar char="•"/>
+            </a:pPr>
+            <a:endParaRPr lang="en-US" dirty="0"/>
+          </a:p>
+          <a:p>
+            <a:pPr marL="0" indent="0"/>
+            <a:r>
+              <a:rPr lang="en-US" dirty="0"/>
+              <a:t>Parameters:</a:t>
+            </a:r>
+          </a:p>
+          <a:p>
+            <a:pPr marL="285750" indent="-285750">
+              <a:buFont typeface="Arial" panose="020B0604020202020204" pitchFamily="34" charset="0"/>
+              <a:buChar char="•"/>
+            </a:pPr>
+            <a:r>
+              <a:rPr lang="en-US" dirty="0"/>
+              <a:t>Can be any type or typed</a:t>
+            </a:r>
+          </a:p>
+          <a:p>
+            <a:pPr marL="285750" indent="-285750">
+              <a:buFont typeface="Arial" panose="020B0604020202020204" pitchFamily="34" charset="0"/>
+              <a:buChar char="•"/>
+            </a:pPr>
+            <a:r>
+              <a:rPr lang="en-US" dirty="0"/>
+              <a:t>Can be called by name or by order</a:t>
+            </a:r>
+          </a:p>
+          <a:p>
+            <a:pPr marL="285750" indent="-285750">
+              <a:buFont typeface="Arial" panose="020B0604020202020204" pitchFamily="34" charset="0"/>
+              <a:buChar char="•"/>
+            </a:pPr>
+            <a:r>
+              <a:rPr lang="en-US" dirty="0"/>
+              <a:t>Additional parameters are available in $</a:t>
+            </a:r>
+            <a:r>
+              <a:rPr lang="en-US" dirty="0" err="1"/>
+              <a:t>args</a:t>
+            </a:r>
+            <a:endParaRPr lang="en-US" dirty="0"/>
+          </a:p>
+          <a:p>
+            <a:pPr marL="0" indent="0"/>
+            <a:endParaRPr lang="en-US" dirty="0"/>
+          </a:p>
+          <a:p>
+            <a:pPr marL="0" indent="0"/>
+            <a:r>
+              <a:rPr lang="en-US" dirty="0"/>
+              <a:t>Return data:</a:t>
+            </a:r>
+          </a:p>
+          <a:p>
+            <a:pPr>
+              <a:buFont typeface="Arial" panose="020B0604020202020204" pitchFamily="34" charset="0"/>
+              <a:buChar char="•"/>
+            </a:pPr>
+            <a:r>
+              <a:rPr lang="en-US" dirty="0"/>
+              <a:t>Every output that isn’t captured is returned to the pipeline</a:t>
+            </a:r>
+            <a:endParaRPr lang="en-BE" dirty="0"/>
           </a:p>
         </p:txBody>
       </p:sp>
@@ -12418,7 +13627,11 @@
           <a:bodyPr/>
           <a:lstStyle/>
           <a:p>
-            <a:endParaRPr lang="en-BE"/>
+            <a:r>
+              <a:rPr lang="en-US" dirty="0"/>
+              <a:t>PowerShell modules allows you to group and load multiple functions.</a:t>
+            </a:r>
+            <a:endParaRPr lang="en-BE" dirty="0"/>
           </a:p>
         </p:txBody>
       </p:sp>
@@ -16897,7 +18110,7 @@
           <a:graphicData uri="http://schemas.openxmlformats.org/presentationml/2006/ole">
             <mc:AlternateContent xmlns:mc="http://schemas.openxmlformats.org/markup-compatibility/2006">
               <mc:Choice xmlns:v="urn:schemas-microsoft-com:vml" Requires="v">
-                <p:oleObj spid="_x0000_s34857" r:id="rId3" imgW="8039959" imgH="4681341" progId="Excel.Chart.8">
+                <p:oleObj spid="_x0000_s34861" r:id="rId3" imgW="8039959" imgH="4681341" progId="Excel.Chart.8">
                   <p:embed/>
                 </p:oleObj>
               </mc:Choice>
@@ -17261,7 +18474,7 @@
           <a:graphicData uri="http://schemas.openxmlformats.org/presentationml/2006/ole">
             <mc:AlternateContent xmlns:mc="http://schemas.openxmlformats.org/markup-compatibility/2006">
               <mc:Choice xmlns:v="urn:schemas-microsoft-com:vml" Requires="v">
-                <p:oleObj spid="_x0000_s35882" r:id="rId3" imgW="8033864" imgH="4681341" progId="Excel.Chart.8">
+                <p:oleObj spid="_x0000_s35886" r:id="rId3" imgW="8033864" imgH="4681341" progId="Excel.Chart.8">
                   <p:embed/>
                 </p:oleObj>
               </mc:Choice>
@@ -17582,7 +18795,7 @@
           <a:graphicData uri="http://schemas.openxmlformats.org/presentationml/2006/ole">
             <mc:AlternateContent xmlns:mc="http://schemas.openxmlformats.org/markup-compatibility/2006">
               <mc:Choice xmlns:v="urn:schemas-microsoft-com:vml" Requires="v">
-                <p:oleObj spid="_x0000_s36905" r:id="rId3" imgW="8039959" imgH="4681341" progId="Excel.Chart.8">
+                <p:oleObj spid="_x0000_s36909" r:id="rId3" imgW="8039959" imgH="4681341" progId="Excel.Chart.8">
                   <p:embed/>
                 </p:oleObj>
               </mc:Choice>
@@ -17946,7 +19159,7 @@
           <a:graphicData uri="http://schemas.openxmlformats.org/presentationml/2006/ole">
             <mc:AlternateContent xmlns:mc="http://schemas.openxmlformats.org/markup-compatibility/2006">
               <mc:Choice xmlns:v="urn:schemas-microsoft-com:vml" Requires="v">
-                <p:oleObj spid="_x0000_s37930" r:id="rId3" imgW="8033864" imgH="4681341" progId="Excel.Chart.8">
+                <p:oleObj spid="_x0000_s37934" r:id="rId3" imgW="8033864" imgH="4681341" progId="Excel.Chart.8">
                   <p:embed/>
                 </p:oleObj>
               </mc:Choice>
@@ -18310,7 +19523,7 @@
           <a:graphicData uri="http://schemas.openxmlformats.org/presentationml/2006/ole">
             <mc:AlternateContent xmlns:mc="http://schemas.openxmlformats.org/markup-compatibility/2006">
               <mc:Choice xmlns:v="urn:schemas-microsoft-com:vml" Requires="v">
-                <p:oleObj spid="_x0000_s38954" r:id="rId3" imgW="8033864" imgH="4681341" progId="Excel.Chart.8">
+                <p:oleObj spid="_x0000_s38958" r:id="rId3" imgW="8033864" imgH="4681341" progId="Excel.Chart.8">
                   <p:embed/>
                 </p:oleObj>
               </mc:Choice>
@@ -18674,7 +19887,7 @@
           <a:graphicData uri="http://schemas.openxmlformats.org/presentationml/2006/ole">
             <mc:AlternateContent xmlns:mc="http://schemas.openxmlformats.org/markup-compatibility/2006">
               <mc:Choice xmlns:v="urn:schemas-microsoft-com:vml" Requires="v">
-                <p:oleObj spid="_x0000_s39978" r:id="rId3" imgW="8033864" imgH="4681341" progId="Excel.Chart.8">
+                <p:oleObj spid="_x0000_s39982" r:id="rId3" imgW="8033864" imgH="4681341" progId="Excel.Chart.8">
                   <p:embed/>
                 </p:oleObj>
               </mc:Choice>
@@ -19456,7 +20669,7 @@
           <a:graphicData uri="http://schemas.openxmlformats.org/presentationml/2006/ole">
             <mc:AlternateContent xmlns:mc="http://schemas.openxmlformats.org/markup-compatibility/2006">
               <mc:Choice xmlns:v="urn:schemas-microsoft-com:vml" Requires="v">
-                <p:oleObj spid="_x0000_s43048" r:id="rId3" imgW="8039959" imgH="4681341" progId="Excel.Chart.8">
+                <p:oleObj spid="_x0000_s43052" r:id="rId3" imgW="8039959" imgH="4681341" progId="Excel.Chart.8">
                   <p:embed/>
                 </p:oleObj>
               </mc:Choice>
@@ -19613,7 +20826,7 @@
           <a:graphicData uri="http://schemas.openxmlformats.org/presentationml/2006/ole">
             <mc:AlternateContent xmlns:mc="http://schemas.openxmlformats.org/markup-compatibility/2006">
               <mc:Choice xmlns:v="urn:schemas-microsoft-com:vml" Requires="v">
-                <p:oleObj spid="_x0000_s44072" r:id="rId3" imgW="8039959" imgH="4681341" progId="Excel.Chart.8">
+                <p:oleObj spid="_x0000_s44076" r:id="rId3" imgW="8039959" imgH="4681341" progId="Excel.Chart.8">
                   <p:embed/>
                 </p:oleObj>
               </mc:Choice>
@@ -19770,7 +20983,7 @@
           <a:graphicData uri="http://schemas.openxmlformats.org/presentationml/2006/ole">
             <mc:AlternateContent xmlns:mc="http://schemas.openxmlformats.org/markup-compatibility/2006">
               <mc:Choice xmlns:v="urn:schemas-microsoft-com:vml" Requires="v">
-                <p:oleObj spid="_x0000_s45096" r:id="rId3" imgW="8039959" imgH="4681341" progId="Excel.Chart.8">
+                <p:oleObj spid="_x0000_s45100" r:id="rId3" imgW="8039959" imgH="4681341" progId="Excel.Chart.8">
                   <p:embed/>
                 </p:oleObj>
               </mc:Choice>
@@ -28847,25 +30060,16 @@
 </file>
 
 <file path=customXml/item1.xml><?xml version="1.0" encoding="utf-8"?>
-<LongProperties xmlns="http://schemas.microsoft.com/office/2006/metadata/longProperties"/>
-</file>
-
-<file path=customXml/item2.xml><?xml version="1.0" encoding="utf-8"?>
 <p:properties xmlns:p="http://schemas.microsoft.com/office/2006/metadata/properties" xmlns:xsi="http://www.w3.org/2001/XMLSchema-instance" xmlns:pc="http://schemas.microsoft.com/office/infopath/2007/PartnerControls">
   <documentManagement/>
 </p:properties>
 </file>
 
-<file path=customXml/item3.xml><?xml version="1.0" encoding="utf-8"?>
-<?mso-contentType ?>
-<FormTemplates xmlns="http://schemas.microsoft.com/sharepoint/v3/contenttype/forms">
-  <Display>DocumentLibraryForm</Display>
-  <Edit>DocumentLibraryForm</Edit>
-  <New>DocumentLibraryForm</New>
-</FormTemplates>
+<file path=customXml/item2.xml><?xml version="1.0" encoding="utf-8"?>
+<LongProperties xmlns="http://schemas.microsoft.com/office/2006/metadata/longProperties"/>
 </file>
 
-<file path=customXml/item4.xml><?xml version="1.0" encoding="utf-8"?>
+<file path=customXml/item3.xml><?xml version="1.0" encoding="utf-8"?>
 <ct:contentTypeSchema xmlns:ct="http://schemas.microsoft.com/office/2006/metadata/contentType" xmlns:ma="http://schemas.microsoft.com/office/2006/metadata/properties/metaAttributes" ct:_="" ma:_="" ma:contentTypeName="Document" ma:contentTypeID="0x010100959D33A83376F241B96FC317B2040BAF" ma:contentTypeVersion="5" ma:contentTypeDescription="Create a new document." ma:contentTypeScope="" ma:versionID="527b495c0104506c6ad0510e833307a8">
   <xsd:schema xmlns:xsd="http://www.w3.org/2001/XMLSchema" xmlns:xs="http://www.w3.org/2001/XMLSchema" xmlns:p="http://schemas.microsoft.com/office/2006/metadata/properties" xmlns:ns2="9c644b71-f2b7-4af3-8fc7-b12615162907" xmlns:ns3="54f3cedd-548f-4720-83cb-d6c05b93ad22" targetNamespace="http://schemas.microsoft.com/office/2006/metadata/properties" ma:root="true" ma:fieldsID="1d53989094b9f63e1bb90e8dea41e06b" ns2:_="" ns3:_="">
     <xsd:import namespace="9c644b71-f2b7-4af3-8fc7-b12615162907"/>
@@ -29036,15 +30240,16 @@
 </ct:contentTypeSchema>
 </file>
 
-<file path=customXml/itemProps1.xml><?xml version="1.0" encoding="utf-8"?>
-<ds:datastoreItem xmlns:ds="http://schemas.openxmlformats.org/officeDocument/2006/customXml" ds:itemID="{EB9CE09D-DA00-4FA2-BB57-12EE9217E1B2}">
-  <ds:schemaRefs>
-    <ds:schemaRef ds:uri="http://schemas.microsoft.com/office/2006/metadata/longProperties"/>
-  </ds:schemaRefs>
-</ds:datastoreItem>
+<file path=customXml/item4.xml><?xml version="1.0" encoding="utf-8"?>
+<?mso-contentType ?>
+<FormTemplates xmlns="http://schemas.microsoft.com/sharepoint/v3/contenttype/forms">
+  <Display>DocumentLibraryForm</Display>
+  <Edit>DocumentLibraryForm</Edit>
+  <New>DocumentLibraryForm</New>
+</FormTemplates>
 </file>
 
-<file path=customXml/itemProps2.xml><?xml version="1.0" encoding="utf-8"?>
+<file path=customXml/itemProps1.xml><?xml version="1.0" encoding="utf-8"?>
 <ds:datastoreItem xmlns:ds="http://schemas.openxmlformats.org/officeDocument/2006/customXml" ds:itemID="{A30766E2-1FB1-4DBC-A574-2B521885E1F0}">
   <ds:schemaRefs>
     <ds:schemaRef ds:uri="54f3cedd-548f-4720-83cb-d6c05b93ad22"/>
@@ -29061,15 +30266,15 @@
 </ds:datastoreItem>
 </file>
 
-<file path=customXml/itemProps3.xml><?xml version="1.0" encoding="utf-8"?>
-<ds:datastoreItem xmlns:ds="http://schemas.openxmlformats.org/officeDocument/2006/customXml" ds:itemID="{8092415D-C017-446B-92E0-7A9E0F8F3446}">
+<file path=customXml/itemProps2.xml><?xml version="1.0" encoding="utf-8"?>
+<ds:datastoreItem xmlns:ds="http://schemas.openxmlformats.org/officeDocument/2006/customXml" ds:itemID="{EB9CE09D-DA00-4FA2-BB57-12EE9217E1B2}">
   <ds:schemaRefs>
-    <ds:schemaRef ds:uri="http://schemas.microsoft.com/sharepoint/v3/contenttype/forms"/>
+    <ds:schemaRef ds:uri="http://schemas.microsoft.com/office/2006/metadata/longProperties"/>
   </ds:schemaRefs>
 </ds:datastoreItem>
 </file>
 
-<file path=customXml/itemProps4.xml><?xml version="1.0" encoding="utf-8"?>
+<file path=customXml/itemProps3.xml><?xml version="1.0" encoding="utf-8"?>
 <ds:datastoreItem xmlns:ds="http://schemas.openxmlformats.org/officeDocument/2006/customXml" ds:itemID="{B11E10F8-F53B-440E-A07C-4BE43F17767B}">
   <ds:schemaRefs>
     <ds:schemaRef ds:uri="http://schemas.microsoft.com/office/2006/metadata/contentType"/>
@@ -29086,4 +30291,12 @@
     <ds:schemaRef ds:uri="http://schemas.microsoft.com/internal/obd"/>
   </ds:schemaRefs>
 </ds:datastoreItem>
+</file>
+
+<file path=customXml/itemProps4.xml><?xml version="1.0" encoding="utf-8"?>
+<ds:datastoreItem xmlns:ds="http://schemas.openxmlformats.org/officeDocument/2006/customXml" ds:itemID="{8092415D-C017-446B-92E0-7A9E0F8F3446}">
+  <ds:schemaRefs>
+    <ds:schemaRef ds:uri="http://schemas.microsoft.com/sharepoint/v3/contenttype/forms"/>
+  </ds:schemaRefs>
+</ds:datastoreItem>
 </file>
--- a/BasicPowerShell.pptx
+++ b/BasicPowerShell.pptx
@@ -5,10 +5,10 @@
     <p:sldMasterId id="2147483648" r:id="rId5"/>
   </p:sldMasterIdLst>
   <p:notesMasterIdLst>
-    <p:notesMasterId r:id="rId57"/>
+    <p:notesMasterId r:id="rId59"/>
   </p:notesMasterIdLst>
   <p:handoutMasterIdLst>
-    <p:handoutMasterId r:id="rId58"/>
+    <p:handoutMasterId r:id="rId60"/>
   </p:handoutMasterIdLst>
   <p:sldIdLst>
     <p:sldId id="274" r:id="rId6"/>
@@ -25,43 +25,45 @@
     <p:sldId id="396" r:id="rId17"/>
     <p:sldId id="391" r:id="rId18"/>
     <p:sldId id="390" r:id="rId19"/>
-    <p:sldId id="392" r:id="rId20"/>
-    <p:sldId id="385" r:id="rId21"/>
-    <p:sldId id="386" r:id="rId22"/>
-    <p:sldId id="359" r:id="rId23"/>
-    <p:sldId id="370" r:id="rId24"/>
-    <p:sldId id="375" r:id="rId25"/>
-    <p:sldId id="362" r:id="rId26"/>
-    <p:sldId id="373" r:id="rId27"/>
-    <p:sldId id="365" r:id="rId28"/>
-    <p:sldId id="363" r:id="rId29"/>
-    <p:sldId id="366" r:id="rId30"/>
-    <p:sldId id="367" r:id="rId31"/>
-    <p:sldId id="368" r:id="rId32"/>
-    <p:sldId id="337" r:id="rId33"/>
-    <p:sldId id="336" r:id="rId34"/>
-    <p:sldId id="272" r:id="rId35"/>
-    <p:sldId id="369" r:id="rId36"/>
-    <p:sldId id="371" r:id="rId37"/>
-    <p:sldId id="332" r:id="rId38"/>
-    <p:sldId id="334" r:id="rId39"/>
-    <p:sldId id="331" r:id="rId40"/>
-    <p:sldId id="294" r:id="rId41"/>
-    <p:sldId id="335" r:id="rId42"/>
-    <p:sldId id="293" r:id="rId43"/>
-    <p:sldId id="285" r:id="rId44"/>
-    <p:sldId id="290" r:id="rId45"/>
-    <p:sldId id="350" r:id="rId46"/>
-    <p:sldId id="355" r:id="rId47"/>
-    <p:sldId id="372" r:id="rId48"/>
-    <p:sldId id="347" r:id="rId49"/>
-    <p:sldId id="287" r:id="rId50"/>
-    <p:sldId id="348" r:id="rId51"/>
-    <p:sldId id="288" r:id="rId52"/>
-    <p:sldId id="349" r:id="rId53"/>
-    <p:sldId id="289" r:id="rId54"/>
-    <p:sldId id="258" r:id="rId55"/>
-    <p:sldId id="339" r:id="rId56"/>
+    <p:sldId id="397" r:id="rId20"/>
+    <p:sldId id="398" r:id="rId21"/>
+    <p:sldId id="392" r:id="rId22"/>
+    <p:sldId id="385" r:id="rId23"/>
+    <p:sldId id="386" r:id="rId24"/>
+    <p:sldId id="359" r:id="rId25"/>
+    <p:sldId id="370" r:id="rId26"/>
+    <p:sldId id="375" r:id="rId27"/>
+    <p:sldId id="362" r:id="rId28"/>
+    <p:sldId id="373" r:id="rId29"/>
+    <p:sldId id="365" r:id="rId30"/>
+    <p:sldId id="363" r:id="rId31"/>
+    <p:sldId id="366" r:id="rId32"/>
+    <p:sldId id="367" r:id="rId33"/>
+    <p:sldId id="368" r:id="rId34"/>
+    <p:sldId id="337" r:id="rId35"/>
+    <p:sldId id="336" r:id="rId36"/>
+    <p:sldId id="272" r:id="rId37"/>
+    <p:sldId id="369" r:id="rId38"/>
+    <p:sldId id="371" r:id="rId39"/>
+    <p:sldId id="332" r:id="rId40"/>
+    <p:sldId id="334" r:id="rId41"/>
+    <p:sldId id="331" r:id="rId42"/>
+    <p:sldId id="294" r:id="rId43"/>
+    <p:sldId id="335" r:id="rId44"/>
+    <p:sldId id="293" r:id="rId45"/>
+    <p:sldId id="285" r:id="rId46"/>
+    <p:sldId id="290" r:id="rId47"/>
+    <p:sldId id="350" r:id="rId48"/>
+    <p:sldId id="355" r:id="rId49"/>
+    <p:sldId id="372" r:id="rId50"/>
+    <p:sldId id="347" r:id="rId51"/>
+    <p:sldId id="287" r:id="rId52"/>
+    <p:sldId id="348" r:id="rId53"/>
+    <p:sldId id="288" r:id="rId54"/>
+    <p:sldId id="349" r:id="rId55"/>
+    <p:sldId id="289" r:id="rId56"/>
+    <p:sldId id="258" r:id="rId57"/>
+    <p:sldId id="339" r:id="rId58"/>
   </p:sldIdLst>
   <p:sldSz cx="9144000" cy="6858000" type="screen4x3"/>
   <p:notesSz cx="6858000" cy="9144000"/>
@@ -1259,6 +1261,158 @@
 </p:notes>
 </file>
 
+<file path=ppt/notesSlides/notesSlide11.xml><?xml version="1.0" encoding="utf-8"?>
+<p:notes xmlns:a="http://schemas.openxmlformats.org/drawingml/2006/main" xmlns:r="http://schemas.openxmlformats.org/officeDocument/2006/relationships" xmlns:p="http://schemas.openxmlformats.org/presentationml/2006/main">
+  <p:cSld>
+    <p:spTree>
+      <p:nvGrpSpPr>
+        <p:cNvPr id="1" name=""/>
+        <p:cNvGrpSpPr/>
+        <p:nvPr/>
+      </p:nvGrpSpPr>
+      <p:grpSpPr>
+        <a:xfrm>
+          <a:off x="0" y="0"/>
+          <a:ext cx="0" cy="0"/>
+          <a:chOff x="0" y="0"/>
+          <a:chExt cx="0" cy="0"/>
+        </a:xfrm>
+      </p:grpSpPr>
+      <p:sp>
+        <p:nvSpPr>
+          <p:cNvPr id="2" name="Slide Image Placeholder 1"/>
+          <p:cNvSpPr>
+            <a:spLocks noGrp="1" noRot="1" noChangeAspect="1"/>
+          </p:cNvSpPr>
+          <p:nvPr>
+            <p:ph type="sldImg"/>
+          </p:nvPr>
+        </p:nvSpPr>
+        <p:spPr/>
+      </p:sp>
+      <p:sp>
+        <p:nvSpPr>
+          <p:cNvPr id="3" name="Notes Placeholder 2"/>
+          <p:cNvSpPr>
+            <a:spLocks noGrp="1"/>
+          </p:cNvSpPr>
+          <p:nvPr>
+            <p:ph type="body" idx="1"/>
+          </p:nvPr>
+        </p:nvSpPr>
+        <p:spPr/>
+        <p:txBody>
+          <a:bodyPr/>
+          <a:lstStyle/>
+          <a:p>
+            <a:r>
+              <a:rPr lang="en-US" sz="1000" b="0" i="0" kern="1200" dirty="0">
+                <a:solidFill>
+                  <a:schemeClr val="tx1"/>
+                </a:solidFill>
+                <a:effectLst/>
+                <a:latin typeface="Arial" pitchFamily="34" charset="0"/>
+                <a:ea typeface="ＭＳ Ｐゴシック" charset="0"/>
+                <a:cs typeface="Arial" pitchFamily="34" charset="0"/>
+              </a:rPr>
+              <a:t>The main purpose of a module is to allow the modularization (</a:t>
+            </a:r>
+            <a:r>
+              <a:rPr lang="en-US" sz="1000" b="0" i="0" kern="1200" dirty="0" err="1">
+                <a:solidFill>
+                  <a:schemeClr val="tx1"/>
+                </a:solidFill>
+                <a:effectLst/>
+                <a:latin typeface="Arial" pitchFamily="34" charset="0"/>
+                <a:ea typeface="ＭＳ Ｐゴシック" charset="0"/>
+                <a:cs typeface="Arial" pitchFamily="34" charset="0"/>
+              </a:rPr>
+              <a:t>ie</a:t>
+            </a:r>
+            <a:r>
+              <a:rPr lang="en-US" sz="1000" b="0" i="0" kern="1200" dirty="0">
+                <a:solidFill>
+                  <a:schemeClr val="tx1"/>
+                </a:solidFill>
+                <a:effectLst/>
+                <a:latin typeface="Arial" pitchFamily="34" charset="0"/>
+                <a:ea typeface="ＭＳ Ｐゴシック" charset="0"/>
+                <a:cs typeface="Arial" pitchFamily="34" charset="0"/>
+              </a:rPr>
+              <a:t>, reuse and abstraction) of Windows PowerShell code.</a:t>
+            </a:r>
+          </a:p>
+          <a:p>
+            <a:r>
+              <a:rPr lang="en-US" sz="1000" b="0" i="0" kern="1200" dirty="0">
+                <a:solidFill>
+                  <a:schemeClr val="tx1"/>
+                </a:solidFill>
+                <a:effectLst/>
+                <a:latin typeface="Arial" pitchFamily="34" charset="0"/>
+                <a:ea typeface="ＭＳ Ｐゴシック" charset="0"/>
+                <a:cs typeface="Arial" pitchFamily="34" charset="0"/>
+              </a:rPr>
+              <a:t>We</a:t>
+            </a:r>
+            <a:r>
+              <a:rPr lang="en-US" sz="1000" b="0" i="0" kern="1200" baseline="0" dirty="0">
+                <a:solidFill>
+                  <a:schemeClr val="tx1"/>
+                </a:solidFill>
+                <a:effectLst/>
+                <a:latin typeface="Arial" pitchFamily="34" charset="0"/>
+                <a:ea typeface="ＭＳ Ｐゴシック" charset="0"/>
+                <a:cs typeface="Arial" pitchFamily="34" charset="0"/>
+              </a:rPr>
+              <a:t> will look further to Script Modules</a:t>
+            </a:r>
+            <a:endParaRPr lang="en-BE" dirty="0"/>
+          </a:p>
+        </p:txBody>
+      </p:sp>
+      <p:sp>
+        <p:nvSpPr>
+          <p:cNvPr id="4" name="Slide Number Placeholder 3"/>
+          <p:cNvSpPr>
+            <a:spLocks noGrp="1"/>
+          </p:cNvSpPr>
+          <p:nvPr>
+            <p:ph type="sldNum" sz="quarter" idx="10"/>
+          </p:nvPr>
+        </p:nvSpPr>
+        <p:spPr/>
+        <p:txBody>
+          <a:bodyPr/>
+          <a:lstStyle/>
+          <a:p>
+            <a:pPr>
+              <a:defRPr/>
+            </a:pPr>
+            <a:fld id="{076B50CD-F5B5-4E53-A79B-556DAB40221E}" type="slidenum">
+              <a:rPr lang="en-ZA" smtClean="0"/>
+              <a:pPr>
+                <a:defRPr/>
+              </a:pPr>
+              <a:t>14</a:t>
+            </a:fld>
+            <a:endParaRPr lang="en-ZA"/>
+          </a:p>
+        </p:txBody>
+      </p:sp>
+    </p:spTree>
+    <p:extLst>
+      <p:ext uri="{BB962C8B-B14F-4D97-AF65-F5344CB8AC3E}">
+        <p14:creationId xmlns:p14="http://schemas.microsoft.com/office/powerpoint/2010/main" val="2209117796"/>
+      </p:ext>
+    </p:extLst>
+  </p:cSld>
+  <p:clrMapOvr>
+    <a:masterClrMapping/>
+  </p:clrMapOvr>
+</p:notes>
+</file>
+
 <file path=ppt/notesSlides/notesSlide2.xml><?xml version="1.0" encoding="utf-8"?>
 <p:notes xmlns:a="http://schemas.openxmlformats.org/drawingml/2006/main" xmlns:r="http://schemas.openxmlformats.org/officeDocument/2006/relationships" xmlns:p="http://schemas.openxmlformats.org/presentationml/2006/main">
   <p:cSld>
@@ -2220,7 +2374,15 @@
             </a:endParaRPr>
           </a:p>
           <a:p>
-            <a:pPr lvl="1"/>
+            <a:pPr lvl="0"/>
+            <a:r>
+              <a:rPr lang="en-US" dirty="0"/>
+              <a:t>Commands can be called case </a:t>
+            </a:r>
+            <a:r>
+              <a:rPr lang="en-US" dirty="0" err="1"/>
+              <a:t>insensetive</a:t>
+            </a:r>
             <a:endParaRPr lang="en-US" dirty="0"/>
           </a:p>
           <a:p>
@@ -13469,11 +13631,7 @@
             </a:r>
             <a:r>
               <a:rPr lang="en-US" dirty="0"/>
-              <a:t>: </a:t>
-            </a:r>
-            <a:r>
-              <a:rPr lang="en-US" dirty="0"/>
-              <a:t>gets verbs that are approved for use in Windows PowerShell commands.)</a:t>
+              <a:t>: gets verbs that are approved for use in Windows PowerShell commands.)</a:t>
             </a:r>
           </a:p>
           <a:p>
@@ -13631,7 +13789,171 @@
               <a:rPr lang="en-US" dirty="0"/>
               <a:t>PowerShell modules allows you to group and load multiple functions.</a:t>
             </a:r>
+          </a:p>
+          <a:p>
+            <a:r>
+              <a:rPr lang="en-US" dirty="0"/>
+              <a:t>There are 4 types of modules:</a:t>
+            </a:r>
+          </a:p>
+          <a:p>
+            <a:pPr>
+              <a:buFont typeface="Arial" panose="020B0604020202020204" pitchFamily="34" charset="0"/>
+              <a:buChar char="•"/>
+            </a:pPr>
+            <a:r>
+              <a:rPr lang="en-US" dirty="0"/>
+              <a:t>Script Modules (psm1)</a:t>
+            </a:r>
+          </a:p>
+          <a:p>
+            <a:pPr lvl="2">
+              <a:buFont typeface="Arial" panose="020B0604020202020204" pitchFamily="34" charset="0"/>
+              <a:buChar char="•"/>
+            </a:pPr>
+            <a:r>
+              <a:rPr lang="en-US" dirty="0"/>
+              <a:t>Separately loaded scripts</a:t>
+            </a:r>
+          </a:p>
+          <a:p>
+            <a:pPr lvl="2">
+              <a:buFont typeface="Arial" panose="020B0604020202020204" pitchFamily="34" charset="0"/>
+              <a:buChar char="•"/>
+            </a:pPr>
+            <a:r>
+              <a:rPr lang="en-US" dirty="0"/>
+              <a:t>Set of scripts in a folder structure</a:t>
+            </a:r>
+          </a:p>
+          <a:p>
+            <a:pPr>
+              <a:buFont typeface="Arial" panose="020B0604020202020204" pitchFamily="34" charset="0"/>
+              <a:buChar char="•"/>
+            </a:pPr>
+            <a:r>
+              <a:rPr lang="en-US" dirty="0"/>
+              <a:t>Binary Module</a:t>
+            </a:r>
+          </a:p>
+          <a:p>
+            <a:pPr lvl="2">
+              <a:buFont typeface="Arial" panose="020B0604020202020204" pitchFamily="34" charset="0"/>
+              <a:buChar char="•"/>
+            </a:pPr>
+            <a:r>
+              <a:rPr lang="en-US" dirty="0"/>
+              <a:t>A .NET Framework Assembly (</a:t>
+            </a:r>
+            <a:r>
+              <a:rPr lang="en-US" dirty="0" err="1"/>
+              <a:t>dll</a:t>
+            </a:r>
+            <a:r>
+              <a:rPr lang="en-US" dirty="0"/>
+              <a:t>)</a:t>
+            </a:r>
+          </a:p>
+          <a:p>
+            <a:pPr lvl="2">
+              <a:buFont typeface="Arial" panose="020B0604020202020204" pitchFamily="34" charset="0"/>
+              <a:buChar char="•"/>
+            </a:pPr>
+            <a:r>
+              <a:rPr lang="en-US" dirty="0"/>
+              <a:t>Allows for more complex cmdlets that for example can use multithreading</a:t>
+            </a:r>
+          </a:p>
+          <a:p>
+            <a:pPr>
+              <a:buFont typeface="Arial" panose="020B0604020202020204" pitchFamily="34" charset="0"/>
+              <a:buChar char="•"/>
+            </a:pPr>
+            <a:r>
+              <a:rPr lang="en-US" dirty="0"/>
+              <a:t>Manifest Module (psd1)</a:t>
+            </a:r>
+          </a:p>
+          <a:p>
+            <a:pPr lvl="2">
+              <a:buFont typeface="Arial" panose="020B0604020202020204" pitchFamily="34" charset="0"/>
+              <a:buChar char="•"/>
+            </a:pPr>
+            <a:r>
+              <a:rPr lang="en-US" dirty="0"/>
+              <a:t>Does not contain any specific cmdlet code</a:t>
+            </a:r>
+          </a:p>
+          <a:p>
+            <a:pPr lvl="2">
+              <a:buFont typeface="Arial" panose="020B0604020202020204" pitchFamily="34" charset="0"/>
+              <a:buChar char="•"/>
+            </a:pPr>
+            <a:r>
+              <a:rPr lang="en-US" dirty="0"/>
+              <a:t>Used for loading different modules, pre-processing scripts, package other modules resources.</a:t>
+            </a:r>
+          </a:p>
+          <a:p>
+            <a:pPr>
+              <a:buFont typeface="Arial" panose="020B0604020202020204" pitchFamily="34" charset="0"/>
+              <a:buChar char="•"/>
+            </a:pPr>
+            <a:r>
+              <a:rPr lang="en-US" dirty="0"/>
+              <a:t>Dynamic Module</a:t>
+            </a:r>
+          </a:p>
+          <a:p>
+            <a:pPr lvl="2">
+              <a:buFont typeface="Arial" panose="020B0604020202020204" pitchFamily="34" charset="0"/>
+              <a:buChar char="•"/>
+            </a:pPr>
+            <a:r>
+              <a:rPr lang="en-US" dirty="0"/>
+              <a:t>Modules created on the fly using New-Module</a:t>
+            </a:r>
+          </a:p>
+          <a:p>
+            <a:pPr marL="346075" lvl="2" indent="0">
+              <a:buNone/>
+            </a:pPr>
             <a:endParaRPr lang="en-BE" dirty="0"/>
+          </a:p>
+        </p:txBody>
+      </p:sp>
+      <p:sp>
+        <p:nvSpPr>
+          <p:cNvPr id="4" name="TextBox 3"/>
+          <p:cNvSpPr txBox="1"/>
+          <p:nvPr/>
+        </p:nvSpPr>
+        <p:spPr>
+          <a:xfrm>
+            <a:off x="40953" y="6255495"/>
+            <a:ext cx="9144000" cy="461665"/>
+          </a:xfrm>
+          <a:prstGeom prst="rect">
+            <a:avLst/>
+          </a:prstGeom>
+          <a:noFill/>
+        </p:spPr>
+        <p:txBody>
+          <a:bodyPr wrap="square" rtlCol="0">
+            <a:spAutoFit/>
+          </a:bodyPr>
+          <a:lstStyle/>
+          <a:p>
+            <a:r>
+              <a:rPr lang="nl-BE" sz="1200" dirty="0">
+                <a:hlinkClick r:id="rId3"/>
+              </a:rPr>
+              <a:t>https://msdn.microsoft.com/en-us/library/dd878324(v=vs.85).aspx</a:t>
+            </a:r>
+            <a:endParaRPr lang="nl-BE" sz="1200" dirty="0"/>
+          </a:p>
+          <a:p>
+            <a:endParaRPr lang="en-BE" sz="1200" dirty="0"/>
           </a:p>
         </p:txBody>
       </p:sp>
@@ -13682,7 +14004,7 @@
           <a:p>
             <a:r>
               <a:rPr lang="en-US" dirty="0"/>
-              <a:t>$Profile</a:t>
+              <a:t>Basic Script Module</a:t>
             </a:r>
             <a:endParaRPr lang="en-BE" dirty="0"/>
           </a:p>
@@ -13690,12 +14012,12 @@
       </p:sp>
       <p:sp>
         <p:nvSpPr>
-          <p:cNvPr id="3" name="Content Placeholder 2"/>
+          <p:cNvPr id="4" name="Text Placeholder 3"/>
           <p:cNvSpPr>
             <a:spLocks noGrp="1"/>
           </p:cNvSpPr>
           <p:nvPr>
-            <p:ph idx="1"/>
+            <p:ph type="body" sz="quarter" idx="12"/>
           </p:nvPr>
         </p:nvSpPr>
         <p:spPr/>
@@ -13703,14 +14025,547 @@
           <a:bodyPr/>
           <a:lstStyle/>
           <a:p>
+            <a:pPr>
+              <a:buFont typeface="Arial" panose="020B0604020202020204" pitchFamily="34" charset="0"/>
+              <a:buChar char="•"/>
+            </a:pPr>
+            <a:r>
+              <a:rPr lang="en-US" dirty="0"/>
+              <a:t>Module name is based on the spm1 filename</a:t>
+            </a:r>
+          </a:p>
+          <a:p>
+            <a:pPr>
+              <a:buFont typeface="Arial" panose="020B0604020202020204" pitchFamily="34" charset="0"/>
+              <a:buChar char="•"/>
+            </a:pPr>
+            <a:r>
+              <a:rPr lang="en-US" dirty="0"/>
+              <a:t>Get-Module shows the </a:t>
+            </a:r>
+            <a:r>
+              <a:rPr lang="en-US"/>
+              <a:t>loaded modules</a:t>
+            </a:r>
+          </a:p>
+        </p:txBody>
+      </p:sp>
+      <p:sp>
+        <p:nvSpPr>
+          <p:cNvPr id="5" name="Text Placeholder 4"/>
+          <p:cNvSpPr>
+            <a:spLocks noGrp="1"/>
+          </p:cNvSpPr>
+          <p:nvPr>
+            <p:ph type="body" sz="quarter" idx="14"/>
+          </p:nvPr>
+        </p:nvSpPr>
+        <p:spPr/>
+        <p:txBody>
+          <a:bodyPr/>
+          <a:lstStyle/>
+          <a:p>
             <a:endParaRPr lang="en-BE"/>
+          </a:p>
+        </p:txBody>
+      </p:sp>
+      <p:sp>
+        <p:nvSpPr>
+          <p:cNvPr id="6" name="Content Placeholder 5"/>
+          <p:cNvSpPr>
+            <a:spLocks noGrp="1"/>
+          </p:cNvSpPr>
+          <p:nvPr>
+            <p:ph sz="quarter" idx="15"/>
+          </p:nvPr>
+        </p:nvSpPr>
+        <p:spPr/>
+        <p:txBody>
+          <a:bodyPr/>
+          <a:lstStyle/>
+          <a:p>
+            <a:r>
+              <a:rPr lang="nl-BE" sz="1200" dirty="0"/>
+              <a:t>Example Module:</a:t>
+            </a:r>
+          </a:p>
+          <a:p>
+            <a:r>
+              <a:rPr lang="nl-BE" sz="1000" dirty="0"/>
+              <a:t> </a:t>
+            </a:r>
+            <a:r>
+              <a:rPr lang="nl-BE" sz="1000" dirty="0">
+                <a:solidFill>
+                  <a:srgbClr val="00008B"/>
+                </a:solidFill>
+                <a:latin typeface="Lucida Console" panose="020B0609040504020204" pitchFamily="49" charset="0"/>
+              </a:rPr>
+              <a:t>function</a:t>
+            </a:r>
+            <a:r>
+              <a:rPr lang="nl-BE" sz="1000" dirty="0">
+                <a:solidFill>
+                  <a:prstClr val="black"/>
+                </a:solidFill>
+                <a:latin typeface="Lucida Console" panose="020B0609040504020204" pitchFamily="49" charset="0"/>
+              </a:rPr>
+              <a:t> </a:t>
+            </a:r>
+            <a:r>
+              <a:rPr lang="nl-BE" sz="1000" dirty="0">
+                <a:solidFill>
+                  <a:srgbClr val="8A2BE2"/>
+                </a:solidFill>
+                <a:latin typeface="Lucida Console" panose="020B0609040504020204" pitchFamily="49" charset="0"/>
+              </a:rPr>
+              <a:t>Calc-sum </a:t>
+            </a:r>
+            <a:r>
+              <a:rPr lang="en-BE" sz="1000" dirty="0">
+                <a:solidFill>
+                  <a:prstClr val="black"/>
+                </a:solidFill>
+                <a:latin typeface="Lucida Console" panose="020B0609040504020204" pitchFamily="49" charset="0"/>
+              </a:rPr>
+              <a:t>{</a:t>
+            </a:r>
+          </a:p>
+          <a:p>
+            <a:r>
+              <a:rPr lang="nl-BE" sz="1000" dirty="0">
+                <a:solidFill>
+                  <a:prstClr val="black"/>
+                </a:solidFill>
+                <a:latin typeface="Lucida Console" panose="020B0609040504020204" pitchFamily="49" charset="0"/>
+              </a:rPr>
+              <a:t>  </a:t>
+            </a:r>
+            <a:r>
+              <a:rPr lang="nl-BE" sz="1000" dirty="0">
+                <a:solidFill>
+                  <a:srgbClr val="00008B"/>
+                </a:solidFill>
+                <a:latin typeface="Lucida Console" panose="020B0609040504020204" pitchFamily="49" charset="0"/>
+              </a:rPr>
+              <a:t>param</a:t>
+            </a:r>
+            <a:r>
+              <a:rPr lang="nl-BE" sz="1000" dirty="0">
+                <a:solidFill>
+                  <a:prstClr val="black"/>
+                </a:solidFill>
+                <a:latin typeface="Lucida Console" panose="020B0609040504020204" pitchFamily="49" charset="0"/>
+              </a:rPr>
+              <a:t>(</a:t>
+            </a:r>
+          </a:p>
+          <a:p>
+            <a:r>
+              <a:rPr lang="nl-BE" sz="1000" dirty="0">
+                <a:solidFill>
+                  <a:prstClr val="black"/>
+                </a:solidFill>
+                <a:latin typeface="Lucida Console" panose="020B0609040504020204" pitchFamily="49" charset="0"/>
+              </a:rPr>
+              <a:t>    </a:t>
+            </a:r>
+            <a:r>
+              <a:rPr lang="nl-BE" sz="1000" dirty="0">
+                <a:solidFill>
+                  <a:srgbClr val="A9A9A9"/>
+                </a:solidFill>
+                <a:latin typeface="Lucida Console" panose="020B0609040504020204" pitchFamily="49" charset="0"/>
+              </a:rPr>
+              <a:t>[</a:t>
+            </a:r>
+            <a:r>
+              <a:rPr lang="nl-BE" sz="1000" dirty="0">
+                <a:solidFill>
+                  <a:srgbClr val="008080"/>
+                </a:solidFill>
+                <a:latin typeface="Lucida Console" panose="020B0609040504020204" pitchFamily="49" charset="0"/>
+              </a:rPr>
+              <a:t>int</a:t>
+            </a:r>
+            <a:r>
+              <a:rPr lang="nl-BE" sz="1000" dirty="0">
+                <a:solidFill>
+                  <a:srgbClr val="A9A9A9"/>
+                </a:solidFill>
+                <a:latin typeface="Lucida Console" panose="020B0609040504020204" pitchFamily="49" charset="0"/>
+              </a:rPr>
+              <a:t>]</a:t>
+            </a:r>
+            <a:r>
+              <a:rPr lang="nl-BE" sz="1000" dirty="0">
+                <a:solidFill>
+                  <a:prstClr val="black"/>
+                </a:solidFill>
+                <a:latin typeface="Lucida Console" panose="020B0609040504020204" pitchFamily="49" charset="0"/>
+              </a:rPr>
+              <a:t> </a:t>
+            </a:r>
+            <a:r>
+              <a:rPr lang="nl-BE" sz="1000" dirty="0">
+                <a:solidFill>
+                  <a:srgbClr val="FF4500"/>
+                </a:solidFill>
+                <a:latin typeface="Lucida Console" panose="020B0609040504020204" pitchFamily="49" charset="0"/>
+              </a:rPr>
+              <a:t>$a</a:t>
+            </a:r>
+            <a:r>
+              <a:rPr lang="nl-BE" sz="1000" dirty="0">
+                <a:solidFill>
+                  <a:srgbClr val="A9A9A9"/>
+                </a:solidFill>
+                <a:latin typeface="Lucida Console" panose="020B0609040504020204" pitchFamily="49" charset="0"/>
+              </a:rPr>
+              <a:t>,</a:t>
+            </a:r>
+            <a:endParaRPr lang="nl-BE" sz="1000" dirty="0">
+              <a:solidFill>
+                <a:prstClr val="black"/>
+              </a:solidFill>
+              <a:latin typeface="Lucida Console" panose="020B0609040504020204" pitchFamily="49" charset="0"/>
+            </a:endParaRPr>
+          </a:p>
+          <a:p>
+            <a:r>
+              <a:rPr lang="nl-BE" sz="1000" dirty="0">
+                <a:solidFill>
+                  <a:prstClr val="black"/>
+                </a:solidFill>
+                <a:latin typeface="Lucida Console" panose="020B0609040504020204" pitchFamily="49" charset="0"/>
+              </a:rPr>
+              <a:t>    </a:t>
+            </a:r>
+            <a:r>
+              <a:rPr lang="nl-BE" sz="1000" dirty="0">
+                <a:solidFill>
+                  <a:srgbClr val="A9A9A9"/>
+                </a:solidFill>
+                <a:latin typeface="Lucida Console" panose="020B0609040504020204" pitchFamily="49" charset="0"/>
+              </a:rPr>
+              <a:t>[</a:t>
+            </a:r>
+            <a:r>
+              <a:rPr lang="nl-BE" sz="1000" dirty="0">
+                <a:solidFill>
+                  <a:srgbClr val="008080"/>
+                </a:solidFill>
+                <a:latin typeface="Lucida Console" panose="020B0609040504020204" pitchFamily="49" charset="0"/>
+              </a:rPr>
+              <a:t>int</a:t>
+            </a:r>
+            <a:r>
+              <a:rPr lang="nl-BE" sz="1000" dirty="0">
+                <a:solidFill>
+                  <a:srgbClr val="A9A9A9"/>
+                </a:solidFill>
+                <a:latin typeface="Lucida Console" panose="020B0609040504020204" pitchFamily="49" charset="0"/>
+              </a:rPr>
+              <a:t>]</a:t>
+            </a:r>
+            <a:r>
+              <a:rPr lang="nl-BE" sz="1000" dirty="0">
+                <a:solidFill>
+                  <a:prstClr val="black"/>
+                </a:solidFill>
+                <a:latin typeface="Lucida Console" panose="020B0609040504020204" pitchFamily="49" charset="0"/>
+              </a:rPr>
+              <a:t> </a:t>
+            </a:r>
+            <a:r>
+              <a:rPr lang="nl-BE" sz="1000" dirty="0">
+                <a:solidFill>
+                  <a:srgbClr val="FF4500"/>
+                </a:solidFill>
+                <a:latin typeface="Lucida Console" panose="020B0609040504020204" pitchFamily="49" charset="0"/>
+              </a:rPr>
+              <a:t>$b</a:t>
+            </a:r>
+            <a:endParaRPr lang="nl-BE" sz="1000" dirty="0">
+              <a:solidFill>
+                <a:prstClr val="black"/>
+              </a:solidFill>
+              <a:latin typeface="Lucida Console" panose="020B0609040504020204" pitchFamily="49" charset="0"/>
+            </a:endParaRPr>
+          </a:p>
+          <a:p>
+            <a:r>
+              <a:rPr lang="en-BE" sz="1000" dirty="0">
+                <a:solidFill>
+                  <a:prstClr val="black"/>
+                </a:solidFill>
+                <a:latin typeface="Lucida Console" panose="020B0609040504020204" pitchFamily="49" charset="0"/>
+              </a:rPr>
+              <a:t>  ) </a:t>
+            </a:r>
+          </a:p>
+          <a:p>
+            <a:r>
+              <a:rPr lang="nl-BE" sz="1000" dirty="0">
+                <a:solidFill>
+                  <a:prstClr val="black"/>
+                </a:solidFill>
+                <a:latin typeface="Lucida Console" panose="020B0609040504020204" pitchFamily="49" charset="0"/>
+              </a:rPr>
+              <a:t>  </a:t>
+            </a:r>
+            <a:r>
+              <a:rPr lang="nl-BE" sz="1000" dirty="0">
+                <a:solidFill>
+                  <a:srgbClr val="00008B"/>
+                </a:solidFill>
+                <a:latin typeface="Lucida Console" panose="020B0609040504020204" pitchFamily="49" charset="0"/>
+              </a:rPr>
+              <a:t>return</a:t>
+            </a:r>
+            <a:r>
+              <a:rPr lang="nl-BE" sz="1000" dirty="0">
+                <a:solidFill>
+                  <a:prstClr val="black"/>
+                </a:solidFill>
+                <a:latin typeface="Lucida Console" panose="020B0609040504020204" pitchFamily="49" charset="0"/>
+              </a:rPr>
+              <a:t> </a:t>
+            </a:r>
+            <a:r>
+              <a:rPr lang="nl-BE" sz="1000" dirty="0">
+                <a:solidFill>
+                  <a:srgbClr val="FF4500"/>
+                </a:solidFill>
+                <a:latin typeface="Lucida Console" panose="020B0609040504020204" pitchFamily="49" charset="0"/>
+              </a:rPr>
+              <a:t>$a</a:t>
+            </a:r>
+            <a:r>
+              <a:rPr lang="nl-BE" sz="1000" dirty="0">
+                <a:solidFill>
+                  <a:prstClr val="black"/>
+                </a:solidFill>
+                <a:latin typeface="Lucida Console" panose="020B0609040504020204" pitchFamily="49" charset="0"/>
+              </a:rPr>
+              <a:t> </a:t>
+            </a:r>
+            <a:r>
+              <a:rPr lang="nl-BE" sz="1000" dirty="0">
+                <a:solidFill>
+                  <a:srgbClr val="A9A9A9"/>
+                </a:solidFill>
+                <a:latin typeface="Lucida Console" panose="020B0609040504020204" pitchFamily="49" charset="0"/>
+              </a:rPr>
+              <a:t>+</a:t>
+            </a:r>
+            <a:r>
+              <a:rPr lang="nl-BE" sz="1000" dirty="0">
+                <a:solidFill>
+                  <a:prstClr val="black"/>
+                </a:solidFill>
+                <a:latin typeface="Lucida Console" panose="020B0609040504020204" pitchFamily="49" charset="0"/>
+              </a:rPr>
+              <a:t> </a:t>
+            </a:r>
+            <a:r>
+              <a:rPr lang="nl-BE" sz="1000" dirty="0">
+                <a:solidFill>
+                  <a:srgbClr val="FF4500"/>
+                </a:solidFill>
+                <a:latin typeface="Lucida Console" panose="020B0609040504020204" pitchFamily="49" charset="0"/>
+              </a:rPr>
+              <a:t>$b</a:t>
+            </a:r>
+            <a:endParaRPr lang="nl-BE" sz="1000" dirty="0">
+              <a:solidFill>
+                <a:prstClr val="black"/>
+              </a:solidFill>
+              <a:latin typeface="Lucida Console" panose="020B0609040504020204" pitchFamily="49" charset="0"/>
+            </a:endParaRPr>
+          </a:p>
+          <a:p>
+            <a:r>
+              <a:rPr lang="en-BE" sz="1000" dirty="0">
+                <a:solidFill>
+                  <a:prstClr val="black"/>
+                </a:solidFill>
+                <a:latin typeface="Lucida Console" panose="020B0609040504020204" pitchFamily="49" charset="0"/>
+              </a:rPr>
+              <a:t>}</a:t>
+            </a:r>
+          </a:p>
+          <a:p>
+            <a:r>
+              <a:rPr lang="nl-BE" sz="1000" dirty="0"/>
+              <a:t> </a:t>
+            </a:r>
+            <a:r>
+              <a:rPr lang="nl-BE" sz="1000" dirty="0">
+                <a:solidFill>
+                  <a:srgbClr val="0000FF"/>
+                </a:solidFill>
+                <a:latin typeface="Lucida Console" panose="020B0609040504020204" pitchFamily="49" charset="0"/>
+              </a:rPr>
+              <a:t>Export-ModuleMember </a:t>
+            </a:r>
+            <a:r>
+              <a:rPr lang="nl-BE" sz="1000" dirty="0">
+                <a:solidFill>
+                  <a:srgbClr val="000080"/>
+                </a:solidFill>
+                <a:latin typeface="Lucida Console" panose="020B0609040504020204" pitchFamily="49" charset="0"/>
+              </a:rPr>
+              <a:t>-Function</a:t>
+            </a:r>
+            <a:r>
+              <a:rPr lang="nl-BE" sz="1000" dirty="0">
+                <a:solidFill>
+                  <a:prstClr val="black"/>
+                </a:solidFill>
+                <a:latin typeface="Lucida Console" panose="020B0609040504020204" pitchFamily="49" charset="0"/>
+              </a:rPr>
+              <a:t> </a:t>
+            </a:r>
+            <a:r>
+              <a:rPr lang="nl-BE" sz="1000" dirty="0">
+                <a:solidFill>
+                  <a:srgbClr val="8A2BE2"/>
+                </a:solidFill>
+                <a:latin typeface="Lucida Console" panose="020B0609040504020204" pitchFamily="49" charset="0"/>
+              </a:rPr>
+              <a:t>Calc-sum </a:t>
+            </a:r>
+          </a:p>
+          <a:p>
+            <a:endParaRPr lang="en-US" sz="1200" dirty="0"/>
+          </a:p>
+          <a:p>
+            <a:r>
+              <a:rPr lang="en-US" sz="1200" dirty="0"/>
+              <a:t>Loading the module:</a:t>
+            </a:r>
+          </a:p>
+          <a:p>
+            <a:r>
+              <a:rPr lang="en-US" sz="1100" dirty="0"/>
+              <a:t> </a:t>
+            </a:r>
+            <a:r>
+              <a:rPr lang="en-US" sz="1100" dirty="0">
+                <a:solidFill>
+                  <a:srgbClr val="0000FF"/>
+                </a:solidFill>
+                <a:latin typeface="Lucida Console" panose="020B0609040504020204" pitchFamily="49" charset="0"/>
+              </a:rPr>
+              <a:t>Import-Module</a:t>
+            </a:r>
+            <a:r>
+              <a:rPr lang="en-US" sz="1100" dirty="0">
+                <a:solidFill>
+                  <a:prstClr val="black"/>
+                </a:solidFill>
+                <a:latin typeface="Lucida Console" panose="020B0609040504020204" pitchFamily="49" charset="0"/>
+              </a:rPr>
+              <a:t> </a:t>
+            </a:r>
+            <a:r>
+              <a:rPr lang="en-US" sz="1100" dirty="0">
+                <a:solidFill>
+                  <a:srgbClr val="000080"/>
+                </a:solidFill>
+                <a:latin typeface="Lucida Console" panose="020B0609040504020204" pitchFamily="49" charset="0"/>
+              </a:rPr>
+              <a:t>-Name</a:t>
+            </a:r>
+            <a:r>
+              <a:rPr lang="en-US" sz="1100" dirty="0">
+                <a:solidFill>
+                  <a:prstClr val="black"/>
+                </a:solidFill>
+                <a:latin typeface="Lucida Console" panose="020B0609040504020204" pitchFamily="49" charset="0"/>
+              </a:rPr>
+              <a:t> </a:t>
+            </a:r>
+            <a:r>
+              <a:rPr lang="en-US" sz="1100" dirty="0">
+                <a:solidFill>
+                  <a:srgbClr val="8B0000"/>
+                </a:solidFill>
+                <a:latin typeface="Lucida Console" panose="020B0609040504020204" pitchFamily="49" charset="0"/>
+              </a:rPr>
+              <a:t>".\BasicScriptModule.psm1"</a:t>
+            </a:r>
+            <a:r>
+              <a:rPr lang="en-US" sz="1100" dirty="0">
+                <a:solidFill>
+                  <a:prstClr val="black"/>
+                </a:solidFill>
+                <a:latin typeface="Lucida Console" panose="020B0609040504020204" pitchFamily="49" charset="0"/>
+              </a:rPr>
+              <a:t> </a:t>
+            </a:r>
+            <a:r>
+              <a:rPr lang="en-US" sz="1100" dirty="0">
+                <a:solidFill>
+                  <a:srgbClr val="000080"/>
+                </a:solidFill>
+                <a:latin typeface="Lucida Console" panose="020B0609040504020204" pitchFamily="49" charset="0"/>
+              </a:rPr>
+              <a:t>-Force </a:t>
+            </a:r>
+          </a:p>
+          <a:p>
+            <a:r>
+              <a:rPr lang="en-US" sz="1200" dirty="0"/>
+              <a:t>&gt; Get-Module</a:t>
+            </a:r>
+          </a:p>
+          <a:p>
+            <a:r>
+              <a:rPr lang="en-US" sz="1200" dirty="0" err="1"/>
+              <a:t>ModuleType</a:t>
+            </a:r>
+            <a:r>
+              <a:rPr lang="en-US" sz="1200" dirty="0"/>
+              <a:t> Version	Name		</a:t>
+            </a:r>
+            <a:r>
+              <a:rPr lang="en-US" sz="1200" dirty="0" err="1"/>
+              <a:t>ExportedCommands</a:t>
+            </a:r>
+            <a:endParaRPr lang="en-US" sz="1200" dirty="0"/>
+          </a:p>
+          <a:p>
+            <a:r>
+              <a:rPr lang="en-US" sz="1200" dirty="0"/>
+              <a:t>---------- 	-------	----		----------------</a:t>
+            </a:r>
+          </a:p>
+          <a:p>
+            <a:r>
+              <a:rPr lang="en-US" sz="1200" dirty="0"/>
+              <a:t>Script    	 0.0	</a:t>
+            </a:r>
+            <a:r>
+              <a:rPr lang="en-US" sz="1200" dirty="0" err="1"/>
+              <a:t>BasicScriptModule</a:t>
+            </a:r>
+            <a:r>
+              <a:rPr lang="en-US" sz="1200" dirty="0"/>
+              <a:t>	Calc-sum</a:t>
+            </a:r>
+            <a:endParaRPr lang="en-US" sz="1200" dirty="0"/>
+          </a:p>
+          <a:p>
+            <a:endParaRPr lang="en-BE" sz="1200" dirty="0"/>
           </a:p>
         </p:txBody>
       </p:sp>
     </p:spTree>
     <p:extLst>
       <p:ext uri="{BB962C8B-B14F-4D97-AF65-F5344CB8AC3E}">
-        <p14:creationId xmlns:p14="http://schemas.microsoft.com/office/powerpoint/2010/main" val="2219308533"/>
+        <p14:creationId xmlns:p14="http://schemas.microsoft.com/office/powerpoint/2010/main" val="1739321113"/>
       </p:ext>
     </p:extLst>
   </p:cSld>
@@ -13754,19 +14609,20 @@
           <a:p>
             <a:r>
               <a:rPr lang="en-US" dirty="0"/>
-              <a:t>Useful Tools</a:t>
-            </a:r>
+              <a:t>Automatic Script Modules</a:t>
+            </a:r>
+            <a:endParaRPr lang="en-BE" dirty="0"/>
           </a:p>
         </p:txBody>
       </p:sp>
       <p:sp>
         <p:nvSpPr>
-          <p:cNvPr id="3" name="Content Placeholder 2"/>
+          <p:cNvPr id="3" name="Text Placeholder 2"/>
           <p:cNvSpPr>
             <a:spLocks noGrp="1"/>
           </p:cNvSpPr>
           <p:nvPr>
-            <p:ph idx="1"/>
+            <p:ph type="body" sz="quarter" idx="12"/>
           </p:nvPr>
         </p:nvSpPr>
         <p:spPr/>
@@ -13774,14 +14630,56 @@
           <a:bodyPr/>
           <a:lstStyle/>
           <a:p>
-            <a:endParaRPr lang="en-US"/>
+            <a:endParaRPr lang="en-BE"/>
+          </a:p>
+        </p:txBody>
+      </p:sp>
+      <p:sp>
+        <p:nvSpPr>
+          <p:cNvPr id="4" name="Text Placeholder 3"/>
+          <p:cNvSpPr>
+            <a:spLocks noGrp="1"/>
+          </p:cNvSpPr>
+          <p:nvPr>
+            <p:ph type="body" sz="quarter" idx="14"/>
+          </p:nvPr>
+        </p:nvSpPr>
+        <p:spPr/>
+        <p:txBody>
+          <a:bodyPr/>
+          <a:lstStyle/>
+          <a:p>
+            <a:endParaRPr lang="en-BE"/>
+          </a:p>
+        </p:txBody>
+      </p:sp>
+      <p:sp>
+        <p:nvSpPr>
+          <p:cNvPr id="5" name="Content Placeholder 4"/>
+          <p:cNvSpPr>
+            <a:spLocks noGrp="1"/>
+          </p:cNvSpPr>
+          <p:nvPr>
+            <p:ph sz="quarter" idx="15"/>
+          </p:nvPr>
+        </p:nvSpPr>
+        <p:spPr/>
+        <p:txBody>
+          <a:bodyPr/>
+          <a:lstStyle/>
+          <a:p>
+            <a:r>
+              <a:rPr lang="en-US" dirty="0"/>
+              <a:t>PSMODULE path</a:t>
+            </a:r>
+            <a:endParaRPr lang="en-BE" dirty="0"/>
           </a:p>
         </p:txBody>
       </p:sp>
     </p:spTree>
     <p:extLst>
       <p:ext uri="{BB962C8B-B14F-4D97-AF65-F5344CB8AC3E}">
-        <p14:creationId xmlns:p14="http://schemas.microsoft.com/office/powerpoint/2010/main" val="435000849"/>
+        <p14:creationId xmlns:p14="http://schemas.microsoft.com/office/powerpoint/2010/main" val="3130410768"/>
       </p:ext>
     </p:extLst>
   </p:cSld>
@@ -13825,6 +14723,149 @@
           <a:p>
             <a:r>
               <a:rPr lang="en-US" dirty="0"/>
+              <a:t>$Profile</a:t>
+            </a:r>
+            <a:endParaRPr lang="en-BE" dirty="0"/>
+          </a:p>
+        </p:txBody>
+      </p:sp>
+      <p:sp>
+        <p:nvSpPr>
+          <p:cNvPr id="3" name="Content Placeholder 2"/>
+          <p:cNvSpPr>
+            <a:spLocks noGrp="1"/>
+          </p:cNvSpPr>
+          <p:nvPr>
+            <p:ph idx="1"/>
+          </p:nvPr>
+        </p:nvSpPr>
+        <p:spPr/>
+        <p:txBody>
+          <a:bodyPr/>
+          <a:lstStyle/>
+          <a:p>
+            <a:endParaRPr lang="en-BE"/>
+          </a:p>
+        </p:txBody>
+      </p:sp>
+    </p:spTree>
+    <p:extLst>
+      <p:ext uri="{BB962C8B-B14F-4D97-AF65-F5344CB8AC3E}">
+        <p14:creationId xmlns:p14="http://schemas.microsoft.com/office/powerpoint/2010/main" val="2219308533"/>
+      </p:ext>
+    </p:extLst>
+  </p:cSld>
+  <p:clrMapOvr>
+    <a:masterClrMapping/>
+  </p:clrMapOvr>
+</p:sld>
+</file>
+
+<file path=ppt/slides/slide18.xml><?xml version="1.0" encoding="utf-8"?>
+<p:sld xmlns:a="http://schemas.openxmlformats.org/drawingml/2006/main" xmlns:r="http://schemas.openxmlformats.org/officeDocument/2006/relationships" xmlns:p="http://schemas.openxmlformats.org/presentationml/2006/main">
+  <p:cSld>
+    <p:spTree>
+      <p:nvGrpSpPr>
+        <p:cNvPr id="1" name=""/>
+        <p:cNvGrpSpPr/>
+        <p:nvPr/>
+      </p:nvGrpSpPr>
+      <p:grpSpPr>
+        <a:xfrm>
+          <a:off x="0" y="0"/>
+          <a:ext cx="0" cy="0"/>
+          <a:chOff x="0" y="0"/>
+          <a:chExt cx="0" cy="0"/>
+        </a:xfrm>
+      </p:grpSpPr>
+      <p:sp>
+        <p:nvSpPr>
+          <p:cNvPr id="2" name="Title 1"/>
+          <p:cNvSpPr>
+            <a:spLocks noGrp="1"/>
+          </p:cNvSpPr>
+          <p:nvPr>
+            <p:ph type="title"/>
+          </p:nvPr>
+        </p:nvSpPr>
+        <p:spPr/>
+        <p:txBody>
+          <a:bodyPr/>
+          <a:lstStyle/>
+          <a:p>
+            <a:r>
+              <a:rPr lang="en-US" dirty="0"/>
+              <a:t>Useful Tools</a:t>
+            </a:r>
+          </a:p>
+        </p:txBody>
+      </p:sp>
+      <p:sp>
+        <p:nvSpPr>
+          <p:cNvPr id="3" name="Content Placeholder 2"/>
+          <p:cNvSpPr>
+            <a:spLocks noGrp="1"/>
+          </p:cNvSpPr>
+          <p:nvPr>
+            <p:ph idx="1"/>
+          </p:nvPr>
+        </p:nvSpPr>
+        <p:spPr/>
+        <p:txBody>
+          <a:bodyPr/>
+          <a:lstStyle/>
+          <a:p>
+            <a:endParaRPr lang="en-US"/>
+          </a:p>
+        </p:txBody>
+      </p:sp>
+    </p:spTree>
+    <p:extLst>
+      <p:ext uri="{BB962C8B-B14F-4D97-AF65-F5344CB8AC3E}">
+        <p14:creationId xmlns:p14="http://schemas.microsoft.com/office/powerpoint/2010/main" val="435000849"/>
+      </p:ext>
+    </p:extLst>
+  </p:cSld>
+  <p:clrMapOvr>
+    <a:masterClrMapping/>
+  </p:clrMapOvr>
+</p:sld>
+</file>
+
+<file path=ppt/slides/slide19.xml><?xml version="1.0" encoding="utf-8"?>
+<p:sld xmlns:a="http://schemas.openxmlformats.org/drawingml/2006/main" xmlns:r="http://schemas.openxmlformats.org/officeDocument/2006/relationships" xmlns:p="http://schemas.openxmlformats.org/presentationml/2006/main">
+  <p:cSld>
+    <p:spTree>
+      <p:nvGrpSpPr>
+        <p:cNvPr id="1" name=""/>
+        <p:cNvGrpSpPr/>
+        <p:nvPr/>
+      </p:nvGrpSpPr>
+      <p:grpSpPr>
+        <a:xfrm>
+          <a:off x="0" y="0"/>
+          <a:ext cx="0" cy="0"/>
+          <a:chOff x="0" y="0"/>
+          <a:chExt cx="0" cy="0"/>
+        </a:xfrm>
+      </p:grpSpPr>
+      <p:sp>
+        <p:nvSpPr>
+          <p:cNvPr id="2" name="Title 1"/>
+          <p:cNvSpPr>
+            <a:spLocks noGrp="1"/>
+          </p:cNvSpPr>
+          <p:nvPr>
+            <p:ph type="title"/>
+          </p:nvPr>
+        </p:nvSpPr>
+        <p:spPr/>
+        <p:txBody>
+          <a:bodyPr/>
+          <a:lstStyle/>
+          <a:p>
+            <a:r>
+              <a:rPr lang="en-US" dirty="0"/>
               <a:t>PowerShell Core</a:t>
             </a:r>
           </a:p>
@@ -13862,7 +14903,145 @@
 </p:sld>
 </file>
 
-<file path=ppt/slides/slide18.xml><?xml version="1.0" encoding="utf-8"?>
+<file path=ppt/slides/slide2.xml><?xml version="1.0" encoding="utf-8"?>
+<p:sld xmlns:a="http://schemas.openxmlformats.org/drawingml/2006/main" xmlns:r="http://schemas.openxmlformats.org/officeDocument/2006/relationships" xmlns:p="http://schemas.openxmlformats.org/presentationml/2006/main">
+  <p:cSld>
+    <p:spTree>
+      <p:nvGrpSpPr>
+        <p:cNvPr id="1" name=""/>
+        <p:cNvGrpSpPr/>
+        <p:nvPr/>
+      </p:nvGrpSpPr>
+      <p:grpSpPr>
+        <a:xfrm>
+          <a:off x="0" y="0"/>
+          <a:ext cx="0" cy="0"/>
+          <a:chOff x="0" y="0"/>
+          <a:chExt cx="0" cy="0"/>
+        </a:xfrm>
+      </p:grpSpPr>
+      <p:sp>
+        <p:nvSpPr>
+          <p:cNvPr id="2" name="Title 1"/>
+          <p:cNvSpPr>
+            <a:spLocks noGrp="1"/>
+          </p:cNvSpPr>
+          <p:nvPr>
+            <p:ph type="title"/>
+          </p:nvPr>
+        </p:nvSpPr>
+        <p:spPr/>
+        <p:txBody>
+          <a:bodyPr/>
+          <a:lstStyle/>
+          <a:p>
+            <a:r>
+              <a:rPr lang="en-US" dirty="0"/>
+              <a:t>Basic PowerShell</a:t>
+            </a:r>
+          </a:p>
+        </p:txBody>
+      </p:sp>
+      <p:sp>
+        <p:nvSpPr>
+          <p:cNvPr id="3" name="Content Placeholder 2"/>
+          <p:cNvSpPr>
+            <a:spLocks noGrp="1"/>
+          </p:cNvSpPr>
+          <p:nvPr>
+            <p:ph idx="1"/>
+          </p:nvPr>
+        </p:nvSpPr>
+        <p:spPr/>
+        <p:txBody>
+          <a:bodyPr/>
+          <a:lstStyle/>
+          <a:p>
+            <a:pPr>
+              <a:buFont typeface="Arial" charset="0"/>
+              <a:buChar char="•"/>
+            </a:pPr>
+            <a:r>
+              <a:rPr lang="en-US" dirty="0"/>
+              <a:t>What</a:t>
+            </a:r>
+          </a:p>
+          <a:p>
+            <a:pPr>
+              <a:buFont typeface="Arial" charset="0"/>
+              <a:buChar char="•"/>
+            </a:pPr>
+            <a:r>
+              <a:rPr lang="en-US" dirty="0"/>
+              <a:t>History</a:t>
+            </a:r>
+          </a:p>
+          <a:p>
+            <a:pPr>
+              <a:buFont typeface="Arial" charset="0"/>
+              <a:buChar char="•"/>
+            </a:pPr>
+            <a:r>
+              <a:rPr lang="en-US" dirty="0"/>
+              <a:t>Basic usage</a:t>
+            </a:r>
+          </a:p>
+          <a:p>
+            <a:pPr>
+              <a:buFont typeface="Arial" charset="0"/>
+              <a:buChar char="•"/>
+            </a:pPr>
+            <a:r>
+              <a:rPr lang="en-US" dirty="0"/>
+              <a:t>Functions and Modules</a:t>
+            </a:r>
+          </a:p>
+          <a:p>
+            <a:pPr>
+              <a:buFont typeface="Arial" charset="0"/>
+              <a:buChar char="•"/>
+            </a:pPr>
+            <a:r>
+              <a:rPr lang="en-US" dirty="0"/>
+              <a:t>Useful Tools</a:t>
+            </a:r>
+          </a:p>
+          <a:p>
+            <a:pPr>
+              <a:buFont typeface="Arial" charset="0"/>
+              <a:buChar char="•"/>
+            </a:pPr>
+            <a:r>
+              <a:rPr lang="en-US" dirty="0"/>
+              <a:t>PowerShell Core</a:t>
+            </a:r>
+          </a:p>
+          <a:p>
+            <a:pPr>
+              <a:buFont typeface="Arial" charset="0"/>
+              <a:buChar char="•"/>
+            </a:pPr>
+            <a:r>
+              <a:rPr lang="en-US" dirty="0"/>
+              <a:t>Q &amp; A</a:t>
+            </a:r>
+          </a:p>
+        </p:txBody>
+      </p:sp>
+    </p:spTree>
+    <p:extLst>
+      <p:ext uri="{BB962C8B-B14F-4D97-AF65-F5344CB8AC3E}">
+        <p14:creationId xmlns:p14="http://schemas.microsoft.com/office/powerpoint/2010/main" val="962515605"/>
+      </p:ext>
+    </p:extLst>
+  </p:cSld>
+  <p:clrMapOvr>
+    <a:masterClrMapping/>
+  </p:clrMapOvr>
+</p:sld>
+</file>
+
+<file path=ppt/slides/slide20.xml><?xml version="1.0" encoding="utf-8"?>
 <p:sld xmlns:a="http://schemas.openxmlformats.org/drawingml/2006/main" xmlns:r="http://schemas.openxmlformats.org/officeDocument/2006/relationships" xmlns:p="http://schemas.openxmlformats.org/presentationml/2006/main">
   <p:cSld>
     <p:spTree>
@@ -15147,7 +16326,7 @@
 </p:sld>
 </file>
 
-<file path=ppt/slides/slide19.xml><?xml version="1.0" encoding="utf-8"?>
+<file path=ppt/slides/slide21.xml><?xml version="1.0" encoding="utf-8"?>
 <p:sld xmlns:a="http://schemas.openxmlformats.org/drawingml/2006/main" xmlns:r="http://schemas.openxmlformats.org/officeDocument/2006/relationships" xmlns:p="http://schemas.openxmlformats.org/presentationml/2006/main">
   <p:cSld>
     <p:spTree>
@@ -16464,145 +17643,7 @@
 </p:sld>
 </file>
 
-<file path=ppt/slides/slide2.xml><?xml version="1.0" encoding="utf-8"?>
-<p:sld xmlns:a="http://schemas.openxmlformats.org/drawingml/2006/main" xmlns:r="http://schemas.openxmlformats.org/officeDocument/2006/relationships" xmlns:p="http://schemas.openxmlformats.org/presentationml/2006/main">
-  <p:cSld>
-    <p:spTree>
-      <p:nvGrpSpPr>
-        <p:cNvPr id="1" name=""/>
-        <p:cNvGrpSpPr/>
-        <p:nvPr/>
-      </p:nvGrpSpPr>
-      <p:grpSpPr>
-        <a:xfrm>
-          <a:off x="0" y="0"/>
-          <a:ext cx="0" cy="0"/>
-          <a:chOff x="0" y="0"/>
-          <a:chExt cx="0" cy="0"/>
-        </a:xfrm>
-      </p:grpSpPr>
-      <p:sp>
-        <p:nvSpPr>
-          <p:cNvPr id="2" name="Title 1"/>
-          <p:cNvSpPr>
-            <a:spLocks noGrp="1"/>
-          </p:cNvSpPr>
-          <p:nvPr>
-            <p:ph type="title"/>
-          </p:nvPr>
-        </p:nvSpPr>
-        <p:spPr/>
-        <p:txBody>
-          <a:bodyPr/>
-          <a:lstStyle/>
-          <a:p>
-            <a:r>
-              <a:rPr lang="en-US" dirty="0"/>
-              <a:t>Basic PowerShell</a:t>
-            </a:r>
-          </a:p>
-        </p:txBody>
-      </p:sp>
-      <p:sp>
-        <p:nvSpPr>
-          <p:cNvPr id="3" name="Content Placeholder 2"/>
-          <p:cNvSpPr>
-            <a:spLocks noGrp="1"/>
-          </p:cNvSpPr>
-          <p:nvPr>
-            <p:ph idx="1"/>
-          </p:nvPr>
-        </p:nvSpPr>
-        <p:spPr/>
-        <p:txBody>
-          <a:bodyPr/>
-          <a:lstStyle/>
-          <a:p>
-            <a:pPr>
-              <a:buFont typeface="Arial" charset="0"/>
-              <a:buChar char="•"/>
-            </a:pPr>
-            <a:r>
-              <a:rPr lang="en-US" dirty="0"/>
-              <a:t>What</a:t>
-            </a:r>
-          </a:p>
-          <a:p>
-            <a:pPr>
-              <a:buFont typeface="Arial" charset="0"/>
-              <a:buChar char="•"/>
-            </a:pPr>
-            <a:r>
-              <a:rPr lang="en-US" dirty="0"/>
-              <a:t>History</a:t>
-            </a:r>
-          </a:p>
-          <a:p>
-            <a:pPr>
-              <a:buFont typeface="Arial" charset="0"/>
-              <a:buChar char="•"/>
-            </a:pPr>
-            <a:r>
-              <a:rPr lang="en-US" dirty="0"/>
-              <a:t>Basic usage</a:t>
-            </a:r>
-          </a:p>
-          <a:p>
-            <a:pPr>
-              <a:buFont typeface="Arial" charset="0"/>
-              <a:buChar char="•"/>
-            </a:pPr>
-            <a:r>
-              <a:rPr lang="en-US" dirty="0"/>
-              <a:t>Functions and Modules</a:t>
-            </a:r>
-          </a:p>
-          <a:p>
-            <a:pPr>
-              <a:buFont typeface="Arial" charset="0"/>
-              <a:buChar char="•"/>
-            </a:pPr>
-            <a:r>
-              <a:rPr lang="en-US" dirty="0"/>
-              <a:t>Useful Tools</a:t>
-            </a:r>
-          </a:p>
-          <a:p>
-            <a:pPr>
-              <a:buFont typeface="Arial" charset="0"/>
-              <a:buChar char="•"/>
-            </a:pPr>
-            <a:r>
-              <a:rPr lang="en-US" dirty="0"/>
-              <a:t>PowerShell Core</a:t>
-            </a:r>
-          </a:p>
-          <a:p>
-            <a:pPr>
-              <a:buFont typeface="Arial" charset="0"/>
-              <a:buChar char="•"/>
-            </a:pPr>
-            <a:r>
-              <a:rPr lang="en-US" dirty="0"/>
-              <a:t>Q &amp; A</a:t>
-            </a:r>
-          </a:p>
-        </p:txBody>
-      </p:sp>
-    </p:spTree>
-    <p:extLst>
-      <p:ext uri="{BB962C8B-B14F-4D97-AF65-F5344CB8AC3E}">
-        <p14:creationId xmlns:p14="http://schemas.microsoft.com/office/powerpoint/2010/main" val="962515605"/>
-      </p:ext>
-    </p:extLst>
-  </p:cSld>
-  <p:clrMapOvr>
-    <a:masterClrMapping/>
-  </p:clrMapOvr>
-</p:sld>
-</file>
-
-<file path=ppt/slides/slide20.xml><?xml version="1.0" encoding="utf-8"?>
+<file path=ppt/slides/slide22.xml><?xml version="1.0" encoding="utf-8"?>
 <p:sld xmlns:a="http://schemas.openxmlformats.org/drawingml/2006/main" xmlns:r="http://schemas.openxmlformats.org/officeDocument/2006/relationships" xmlns:p="http://schemas.openxmlformats.org/presentationml/2006/main">
   <p:cSld>
     <p:spTree>
@@ -17923,7 +18964,7 @@
 </p:sld>
 </file>
 
-<file path=ppt/slides/slide21.xml><?xml version="1.0" encoding="utf-8"?>
+<file path=ppt/slides/slide23.xml><?xml version="1.0" encoding="utf-8"?>
 <p:sld xmlns:a="http://schemas.openxmlformats.org/drawingml/2006/main" xmlns:r="http://schemas.openxmlformats.org/officeDocument/2006/relationships" xmlns:p="http://schemas.openxmlformats.org/presentationml/2006/main">
   <p:cSld>
     <p:spTree>
@@ -18025,7 +19066,7 @@
 </p:sld>
 </file>
 
-<file path=ppt/slides/slide22.xml><?xml version="1.0" encoding="utf-8"?>
+<file path=ppt/slides/slide24.xml><?xml version="1.0" encoding="utf-8"?>
 <p:sld xmlns:a="http://schemas.openxmlformats.org/drawingml/2006/main" xmlns:r="http://schemas.openxmlformats.org/officeDocument/2006/relationships" xmlns:p="http://schemas.openxmlformats.org/presentationml/2006/main">
   <p:cSld>
     <p:spTree>
@@ -18110,7 +19151,7 @@
           <a:graphicData uri="http://schemas.openxmlformats.org/presentationml/2006/ole">
             <mc:AlternateContent xmlns:mc="http://schemas.openxmlformats.org/markup-compatibility/2006">
               <mc:Choice xmlns:v="urn:schemas-microsoft-com:vml" Requires="v">
-                <p:oleObj spid="_x0000_s34861" r:id="rId3" imgW="8039959" imgH="4681341" progId="Excel.Chart.8">
+                <p:oleObj spid="_x0000_s34866" r:id="rId3" imgW="8039959" imgH="4681341" progId="Excel.Chart.8">
                   <p:embed/>
                 </p:oleObj>
               </mc:Choice>
@@ -18346,7 +19387,7 @@
 </p:sld>
 </file>
 
-<file path=ppt/slides/slide23.xml><?xml version="1.0" encoding="utf-8"?>
+<file path=ppt/slides/slide25.xml><?xml version="1.0" encoding="utf-8"?>
 <p:sld xmlns:a="http://schemas.openxmlformats.org/drawingml/2006/main" xmlns:r="http://schemas.openxmlformats.org/officeDocument/2006/relationships" xmlns:p="http://schemas.openxmlformats.org/presentationml/2006/main">
   <p:cSld>
     <p:spTree>
@@ -18474,7 +19515,7 @@
           <a:graphicData uri="http://schemas.openxmlformats.org/presentationml/2006/ole">
             <mc:AlternateContent xmlns:mc="http://schemas.openxmlformats.org/markup-compatibility/2006">
               <mc:Choice xmlns:v="urn:schemas-microsoft-com:vml" Requires="v">
-                <p:oleObj spid="_x0000_s35886" r:id="rId3" imgW="8033864" imgH="4681341" progId="Excel.Chart.8">
+                <p:oleObj spid="_x0000_s35891" r:id="rId3" imgW="8033864" imgH="4681341" progId="Excel.Chart.8">
                   <p:embed/>
                 </p:oleObj>
               </mc:Choice>
@@ -18710,7 +19751,7 @@
 </p:sld>
 </file>
 
-<file path=ppt/slides/slide24.xml><?xml version="1.0" encoding="utf-8"?>
+<file path=ppt/slides/slide26.xml><?xml version="1.0" encoding="utf-8"?>
 <p:sld xmlns:a="http://schemas.openxmlformats.org/drawingml/2006/main" xmlns:r="http://schemas.openxmlformats.org/officeDocument/2006/relationships" xmlns:p="http://schemas.openxmlformats.org/presentationml/2006/main">
   <p:cSld>
     <p:spTree>
@@ -18795,7 +19836,7 @@
           <a:graphicData uri="http://schemas.openxmlformats.org/presentationml/2006/ole">
             <mc:AlternateContent xmlns:mc="http://schemas.openxmlformats.org/markup-compatibility/2006">
               <mc:Choice xmlns:v="urn:schemas-microsoft-com:vml" Requires="v">
-                <p:oleObj spid="_x0000_s36909" r:id="rId3" imgW="8039959" imgH="4681341" progId="Excel.Chart.8">
+                <p:oleObj spid="_x0000_s36914" r:id="rId3" imgW="8039959" imgH="4681341" progId="Excel.Chart.8">
                   <p:embed/>
                 </p:oleObj>
               </mc:Choice>
@@ -19031,7 +20072,7 @@
 </p:sld>
 </file>
 
-<file path=ppt/slides/slide25.xml><?xml version="1.0" encoding="utf-8"?>
+<file path=ppt/slides/slide27.xml><?xml version="1.0" encoding="utf-8"?>
 <p:sld xmlns:a="http://schemas.openxmlformats.org/drawingml/2006/main" xmlns:r="http://schemas.openxmlformats.org/officeDocument/2006/relationships" xmlns:p="http://schemas.openxmlformats.org/presentationml/2006/main">
   <p:cSld>
     <p:spTree>
@@ -19159,7 +20200,7 @@
           <a:graphicData uri="http://schemas.openxmlformats.org/presentationml/2006/ole">
             <mc:AlternateContent xmlns:mc="http://schemas.openxmlformats.org/markup-compatibility/2006">
               <mc:Choice xmlns:v="urn:schemas-microsoft-com:vml" Requires="v">
-                <p:oleObj spid="_x0000_s37934" r:id="rId3" imgW="8033864" imgH="4681341" progId="Excel.Chart.8">
+                <p:oleObj spid="_x0000_s37939" r:id="rId3" imgW="8033864" imgH="4681341" progId="Excel.Chart.8">
                   <p:embed/>
                 </p:oleObj>
               </mc:Choice>
@@ -19395,7 +20436,7 @@
 </p:sld>
 </file>
 
-<file path=ppt/slides/slide26.xml><?xml version="1.0" encoding="utf-8"?>
+<file path=ppt/slides/slide28.xml><?xml version="1.0" encoding="utf-8"?>
 <p:sld xmlns:a="http://schemas.openxmlformats.org/drawingml/2006/main" xmlns:r="http://schemas.openxmlformats.org/officeDocument/2006/relationships" xmlns:p="http://schemas.openxmlformats.org/presentationml/2006/main">
   <p:cSld>
     <p:spTree>
@@ -19523,7 +20564,7 @@
           <a:graphicData uri="http://schemas.openxmlformats.org/presentationml/2006/ole">
             <mc:AlternateContent xmlns:mc="http://schemas.openxmlformats.org/markup-compatibility/2006">
               <mc:Choice xmlns:v="urn:schemas-microsoft-com:vml" Requires="v">
-                <p:oleObj spid="_x0000_s38958" r:id="rId3" imgW="8033864" imgH="4681341" progId="Excel.Chart.8">
+                <p:oleObj spid="_x0000_s38963" r:id="rId3" imgW="8033864" imgH="4681341" progId="Excel.Chart.8">
                   <p:embed/>
                 </p:oleObj>
               </mc:Choice>
@@ -19759,7 +20800,7 @@
 </p:sld>
 </file>
 
-<file path=ppt/slides/slide27.xml><?xml version="1.0" encoding="utf-8"?>
+<file path=ppt/slides/slide29.xml><?xml version="1.0" encoding="utf-8"?>
 <p:sld xmlns:a="http://schemas.openxmlformats.org/drawingml/2006/main" xmlns:r="http://schemas.openxmlformats.org/officeDocument/2006/relationships" xmlns:p="http://schemas.openxmlformats.org/presentationml/2006/main">
   <p:cSld>
     <p:spTree>
@@ -19887,7 +20928,7 @@
           <a:graphicData uri="http://schemas.openxmlformats.org/presentationml/2006/ole">
             <mc:AlternateContent xmlns:mc="http://schemas.openxmlformats.org/markup-compatibility/2006">
               <mc:Choice xmlns:v="urn:schemas-microsoft-com:vml" Requires="v">
-                <p:oleObj spid="_x0000_s39982" r:id="rId3" imgW="8033864" imgH="4681341" progId="Excel.Chart.8">
+                <p:oleObj spid="_x0000_s39987" r:id="rId3" imgW="8033864" imgH="4681341" progId="Excel.Chart.8">
                   <p:embed/>
                 </p:oleObj>
               </mc:Choice>
@@ -20123,345 +21164,6 @@
 </p:sld>
 </file>
 
-<file path=ppt/slides/slide28.xml><?xml version="1.0" encoding="utf-8"?>
-<p:sld xmlns:a="http://schemas.openxmlformats.org/drawingml/2006/main" xmlns:r="http://schemas.openxmlformats.org/officeDocument/2006/relationships" xmlns:p="http://schemas.openxmlformats.org/presentationml/2006/main">
-  <p:cSld>
-    <p:spTree>
-      <p:nvGrpSpPr>
-        <p:cNvPr id="1" name=""/>
-        <p:cNvGrpSpPr/>
-        <p:nvPr/>
-      </p:nvGrpSpPr>
-      <p:grpSpPr>
-        <a:xfrm>
-          <a:off x="0" y="0"/>
-          <a:ext cx="0" cy="0"/>
-          <a:chOff x="0" y="0"/>
-          <a:chExt cx="0" cy="0"/>
-        </a:xfrm>
-      </p:grpSpPr>
-      <p:sp>
-        <p:nvSpPr>
-          <p:cNvPr id="40962" name="Title 3"/>
-          <p:cNvSpPr>
-            <a:spLocks noGrp="1"/>
-          </p:cNvSpPr>
-          <p:nvPr>
-            <p:ph type="title"/>
-          </p:nvPr>
-        </p:nvSpPr>
-        <p:spPr/>
-        <p:txBody>
-          <a:bodyPr/>
-          <a:lstStyle/>
-          <a:p>
-            <a:pPr eaLnBrk="1" hangingPunct="1"/>
-            <a:r>
-              <a:rPr lang="en-ZA">
-                <a:ea typeface="ＭＳ Ｐゴシック" pitchFamily="34" charset="-128"/>
-              </a:rPr>
-              <a:t>To set graph as default for new graphs:</a:t>
-            </a:r>
-          </a:p>
-        </p:txBody>
-      </p:sp>
-      <p:sp>
-        <p:nvSpPr>
-          <p:cNvPr id="40963" name="Content Placeholder 4"/>
-          <p:cNvSpPr>
-            <a:spLocks noGrp="1"/>
-          </p:cNvSpPr>
-          <p:nvPr>
-            <p:ph idx="1"/>
-          </p:nvPr>
-        </p:nvSpPr>
-        <p:spPr/>
-        <p:txBody>
-          <a:bodyPr/>
-          <a:lstStyle/>
-          <a:p>
-            <a:pPr lvl="1" eaLnBrk="1" hangingPunct="1"/>
-            <a:r>
-              <a:rPr lang="en-ZA">
-                <a:ea typeface="ＭＳ Ｐゴシック" pitchFamily="34" charset="-128"/>
-              </a:rPr>
-              <a:t>Select example graph on following page</a:t>
-            </a:r>
-          </a:p>
-          <a:p>
-            <a:pPr lvl="1" eaLnBrk="1" hangingPunct="1"/>
-            <a:r>
-              <a:rPr lang="en-ZA">
-                <a:ea typeface="ＭＳ Ｐゴシック" pitchFamily="34" charset="-128"/>
-              </a:rPr>
-              <a:t>Click on </a:t>
-            </a:r>
-            <a:r>
-              <a:rPr lang="en-ZA">
-                <a:solidFill>
-                  <a:schemeClr val="accent1"/>
-                </a:solidFill>
-                <a:ea typeface="ＭＳ Ｐゴシック" pitchFamily="34" charset="-128"/>
-              </a:rPr>
-              <a:t>chart tools&gt;design </a:t>
-            </a:r>
-            <a:r>
-              <a:rPr lang="en-ZA">
-                <a:ea typeface="ＭＳ Ｐゴシック" pitchFamily="34" charset="-128"/>
-              </a:rPr>
-              <a:t>tab and select </a:t>
-            </a:r>
-            <a:r>
-              <a:rPr lang="en-ZA" altLang="en-US">
-                <a:ea typeface="ＭＳ Ｐゴシック" pitchFamily="34" charset="-128"/>
-              </a:rPr>
-              <a:t>“</a:t>
-            </a:r>
-            <a:r>
-              <a:rPr lang="en-ZA">
-                <a:ea typeface="ＭＳ Ｐゴシック" pitchFamily="34" charset="-128"/>
-              </a:rPr>
-              <a:t>save as template</a:t>
-            </a:r>
-            <a:r>
-              <a:rPr lang="en-ZA" altLang="en-US">
-                <a:ea typeface="ＭＳ Ｐゴシック" pitchFamily="34" charset="-128"/>
-              </a:rPr>
-              <a:t>”</a:t>
-            </a:r>
-            <a:br>
-              <a:rPr lang="en-ZA">
-                <a:ea typeface="ＭＳ Ｐゴシック" pitchFamily="34" charset="-128"/>
-              </a:rPr>
-            </a:br>
-            <a:r>
-              <a:rPr lang="en-ZA">
-                <a:ea typeface="ＭＳ Ｐゴシック" pitchFamily="34" charset="-128"/>
-              </a:rPr>
-              <a:t>Choose a name for your default</a:t>
-            </a:r>
-          </a:p>
-          <a:p>
-            <a:pPr lvl="1" eaLnBrk="1" hangingPunct="1"/>
-            <a:r>
-              <a:rPr lang="en-ZA">
-                <a:ea typeface="ＭＳ Ｐゴシック" pitchFamily="34" charset="-128"/>
-              </a:rPr>
-              <a:t>On next page, click on the graph icon</a:t>
-            </a:r>
-          </a:p>
-          <a:p>
-            <a:pPr lvl="1" eaLnBrk="1" hangingPunct="1"/>
-            <a:r>
-              <a:rPr lang="en-ZA">
-                <a:ea typeface="ＭＳ Ｐゴシック" pitchFamily="34" charset="-128"/>
-              </a:rPr>
-              <a:t>Add your data</a:t>
-            </a:r>
-          </a:p>
-          <a:p>
-            <a:pPr lvl="1" eaLnBrk="1" hangingPunct="1"/>
-            <a:r>
-              <a:rPr lang="en-ZA">
-                <a:ea typeface="ＭＳ Ｐゴシック" pitchFamily="34" charset="-128"/>
-              </a:rPr>
-              <a:t>Select the graph and click on </a:t>
-            </a:r>
-            <a:r>
-              <a:rPr lang="en-ZA">
-                <a:solidFill>
-                  <a:schemeClr val="accent1"/>
-                </a:solidFill>
-                <a:ea typeface="ＭＳ Ｐゴシック" pitchFamily="34" charset="-128"/>
-              </a:rPr>
-              <a:t>chart tools&gt;design </a:t>
-            </a:r>
-            <a:r>
-              <a:rPr lang="en-ZA">
-                <a:ea typeface="ＭＳ Ｐゴシック" pitchFamily="34" charset="-128"/>
-              </a:rPr>
-              <a:t>tab, then select </a:t>
-            </a:r>
-            <a:r>
-              <a:rPr lang="en-ZA" altLang="en-US">
-                <a:ea typeface="ＭＳ Ｐゴシック" pitchFamily="34" charset="-128"/>
-              </a:rPr>
-              <a:t>“</a:t>
-            </a:r>
-            <a:r>
-              <a:rPr lang="en-ZA" altLang="ja-JP">
-                <a:ea typeface="ＭＳ Ｐゴシック" pitchFamily="34" charset="-128"/>
-              </a:rPr>
-              <a:t>change chart type</a:t>
-            </a:r>
-            <a:r>
-              <a:rPr lang="en-ZA" altLang="en-US">
-                <a:ea typeface="ＭＳ Ｐゴシック" pitchFamily="34" charset="-128"/>
-              </a:rPr>
-              <a:t>”</a:t>
-            </a:r>
-            <a:endParaRPr lang="en-ZA" altLang="ja-JP">
-              <a:ea typeface="ＭＳ Ｐゴシック" pitchFamily="34" charset="-128"/>
-            </a:endParaRPr>
-          </a:p>
-          <a:p>
-            <a:pPr lvl="1" eaLnBrk="1" hangingPunct="1"/>
-            <a:r>
-              <a:rPr lang="en-ZA">
-                <a:ea typeface="ＭＳ Ｐゴシック" pitchFamily="34" charset="-128"/>
-              </a:rPr>
-              <a:t>Select </a:t>
-            </a:r>
-            <a:r>
-              <a:rPr lang="en-ZA" altLang="en-US">
-                <a:ea typeface="ＭＳ Ｐゴシック" pitchFamily="34" charset="-128"/>
-              </a:rPr>
-              <a:t>“</a:t>
-            </a:r>
-            <a:r>
-              <a:rPr lang="en-ZA">
-                <a:ea typeface="ＭＳ Ｐゴシック" pitchFamily="34" charset="-128"/>
-              </a:rPr>
-              <a:t>templates</a:t>
-            </a:r>
-            <a:r>
-              <a:rPr lang="en-ZA" altLang="en-US">
-                <a:ea typeface="ＭＳ Ｐゴシック" pitchFamily="34" charset="-128"/>
-              </a:rPr>
-              <a:t>”</a:t>
-            </a:r>
-            <a:r>
-              <a:rPr lang="en-ZA">
-                <a:ea typeface="ＭＳ Ｐゴシック" pitchFamily="34" charset="-128"/>
-              </a:rPr>
-              <a:t> and click on your saved template</a:t>
-            </a:r>
-          </a:p>
-          <a:p>
-            <a:pPr lvl="1" eaLnBrk="1" hangingPunct="1"/>
-            <a:endParaRPr lang="en-ZA">
-              <a:ea typeface="ＭＳ Ｐゴシック" pitchFamily="34" charset="-128"/>
-            </a:endParaRPr>
-          </a:p>
-        </p:txBody>
-      </p:sp>
-    </p:spTree>
-  </p:cSld>
-  <p:clrMapOvr>
-    <a:masterClrMapping/>
-  </p:clrMapOvr>
-</p:sld>
-</file>
-
-<file path=ppt/slides/slide29.xml><?xml version="1.0" encoding="utf-8"?>
-<p:sld xmlns:a="http://schemas.openxmlformats.org/drawingml/2006/main" xmlns:r="http://schemas.openxmlformats.org/officeDocument/2006/relationships" xmlns:p="http://schemas.openxmlformats.org/presentationml/2006/main">
-  <p:cSld>
-    <p:spTree>
-      <p:nvGrpSpPr>
-        <p:cNvPr id="1" name=""/>
-        <p:cNvGrpSpPr/>
-        <p:nvPr/>
-      </p:nvGrpSpPr>
-      <p:grpSpPr>
-        <a:xfrm>
-          <a:off x="0" y="0"/>
-          <a:ext cx="0" cy="0"/>
-          <a:chOff x="0" y="0"/>
-          <a:chExt cx="0" cy="0"/>
-        </a:xfrm>
-      </p:grpSpPr>
-      <p:sp>
-        <p:nvSpPr>
-          <p:cNvPr id="41987" name="Text Placeholder 3"/>
-          <p:cNvSpPr>
-            <a:spLocks noGrp="1"/>
-          </p:cNvSpPr>
-          <p:nvPr>
-            <p:ph type="body" sz="quarter" idx="12"/>
-          </p:nvPr>
-        </p:nvSpPr>
-        <p:spPr/>
-        <p:txBody>
-          <a:bodyPr/>
-          <a:lstStyle/>
-          <a:p>
-            <a:pPr marL="0" indent="0" eaLnBrk="1" hangingPunct="1"/>
-            <a:endParaRPr lang="en-ZA">
-              <a:ea typeface="ＭＳ Ｐゴシック" pitchFamily="34" charset="-128"/>
-            </a:endParaRPr>
-          </a:p>
-        </p:txBody>
-      </p:sp>
-      <p:sp>
-        <p:nvSpPr>
-          <p:cNvPr id="41988" name="Title 1"/>
-          <p:cNvSpPr>
-            <a:spLocks noGrp="1"/>
-          </p:cNvSpPr>
-          <p:nvPr>
-            <p:ph type="title"/>
-          </p:nvPr>
-        </p:nvSpPr>
-        <p:spPr/>
-        <p:txBody>
-          <a:bodyPr/>
-          <a:lstStyle/>
-          <a:p>
-            <a:pPr eaLnBrk="1" hangingPunct="1"/>
-            <a:r>
-              <a:rPr lang="en-ZA">
-                <a:ea typeface="ＭＳ Ｐゴシック" pitchFamily="34" charset="-128"/>
-              </a:rPr>
-              <a:t>Click on graph icon and add data</a:t>
-            </a:r>
-            <a:br>
-              <a:rPr lang="en-ZA">
-                <a:ea typeface="ＭＳ Ｐゴシック" pitchFamily="34" charset="-128"/>
-              </a:rPr>
-            </a:br>
-            <a:r>
-              <a:rPr lang="en-ZA">
-                <a:ea typeface="ＭＳ Ｐゴシック" pitchFamily="34" charset="-128"/>
-              </a:rPr>
-              <a:t>Please see instruction on previous page</a:t>
-            </a:r>
-          </a:p>
-        </p:txBody>
-      </p:sp>
-      <p:sp>
-        <p:nvSpPr>
-          <p:cNvPr id="41989" name="Chart Placeholder 2"/>
-          <p:cNvSpPr>
-            <a:spLocks noGrp="1" noTextEdit="1"/>
-          </p:cNvSpPr>
-          <p:nvPr>
-            <p:ph type="chart" sz="quarter" idx="11"/>
-          </p:nvPr>
-        </p:nvSpPr>
-        <p:spPr>
-          <a:ln w="9525"/>
-          <a:extLst>
-            <a:ext uri="{91240B29-F687-4F45-9708-019B960494DF}">
-              <a14:hiddenLine xmlns:a14="http://schemas.microsoft.com/office/drawing/2010/main" w="25400" cap="flat">
-                <a:solidFill>
-                  <a:srgbClr val="000000"/>
-                </a:solidFill>
-                <a:round/>
-                <a:headEnd/>
-                <a:tailEnd/>
-              </a14:hiddenLine>
-            </a:ext>
-          </a:extLst>
-        </p:spPr>
-      </p:sp>
-    </p:spTree>
-  </p:cSld>
-  <p:clrMapOvr>
-    <a:masterClrMapping/>
-  </p:clrMapOvr>
-</p:sld>
-</file>
-
 <file path=ppt/slides/slide3.xml><?xml version="1.0" encoding="utf-8"?>
 <p:sld xmlns:a="http://schemas.openxmlformats.org/drawingml/2006/main" xmlns:r="http://schemas.openxmlformats.org/officeDocument/2006/relationships" xmlns:p="http://schemas.openxmlformats.org/presentationml/2006/main">
   <p:cSld>
@@ -20606,29 +21308,7 @@
       </p:grpSpPr>
       <p:sp>
         <p:nvSpPr>
-          <p:cNvPr id="43010" name="Text Placeholder 2"/>
-          <p:cNvSpPr>
-            <a:spLocks noGrp="1"/>
-          </p:cNvSpPr>
-          <p:nvPr>
-            <p:ph type="body" sz="quarter" idx="12"/>
-          </p:nvPr>
-        </p:nvSpPr>
-        <p:spPr/>
-        <p:txBody>
-          <a:bodyPr/>
-          <a:lstStyle/>
-          <a:p>
-            <a:pPr marL="0" indent="0" eaLnBrk="1" hangingPunct="1"/>
-            <a:endParaRPr lang="en-ZA">
-              <a:ea typeface="ＭＳ Ｐゴシック" pitchFamily="34" charset="-128"/>
-            </a:endParaRPr>
-          </a:p>
-        </p:txBody>
-      </p:sp>
-      <p:sp>
-        <p:nvSpPr>
-          <p:cNvPr id="43011" name="Title 1"/>
+          <p:cNvPr id="40962" name="Title 3"/>
           <p:cNvSpPr>
             <a:spLocks noGrp="1"/>
           </p:cNvSpPr>
@@ -20646,96 +21326,191 @@
               <a:rPr lang="en-ZA">
                 <a:ea typeface="ＭＳ Ｐゴシック" pitchFamily="34" charset="-128"/>
               </a:rPr>
-              <a:t>Example of pie chart: 2 colours only</a:t>
+              <a:t>To set graph as default for new graphs:</a:t>
             </a:r>
           </a:p>
         </p:txBody>
       </p:sp>
-      <p:graphicFrame>
-        <p:nvGraphicFramePr>
-          <p:cNvPr id="43012" name="Chart Placeholder 3"/>
-          <p:cNvGraphicFramePr>
-            <a:graphicFrameLocks noGrp="1"/>
-          </p:cNvGraphicFramePr>
+      <p:sp>
+        <p:nvSpPr>
+          <p:cNvPr id="40963" name="Content Placeholder 4"/>
+          <p:cNvSpPr>
+            <a:spLocks noGrp="1"/>
+          </p:cNvSpPr>
           <p:nvPr>
-            <p:ph type="chart" sz="quarter" idx="11"/>
+            <p:ph idx="1"/>
           </p:nvPr>
-        </p:nvGraphicFramePr>
-        <p:xfrm>
-          <a:off x="639763" y="1673225"/>
-          <a:ext cx="7866062" cy="4579938"/>
-        </p:xfrm>
-        <a:graphic>
-          <a:graphicData uri="http://schemas.openxmlformats.org/presentationml/2006/ole">
-            <mc:AlternateContent xmlns:mc="http://schemas.openxmlformats.org/markup-compatibility/2006">
-              <mc:Choice xmlns:v="urn:schemas-microsoft-com:vml" Requires="v">
-                <p:oleObj spid="_x0000_s43052" r:id="rId3" imgW="8039959" imgH="4681341" progId="Excel.Chart.8">
-                  <p:embed/>
-                </p:oleObj>
-              </mc:Choice>
-              <mc:Fallback>
-                <p:oleObj r:id="rId3" imgW="8039959" imgH="4681341" progId="Excel.Chart.8">
-                  <p:embed/>
-                  <p:pic>
-                    <p:nvPicPr>
-                      <p:cNvPr id="0" name="Chart Placeholder 3"/>
-                      <p:cNvPicPr>
-                        <a:picLocks noGrp="1" noChangeArrowheads="1"/>
-                      </p:cNvPicPr>
-                      <p:nvPr/>
-                    </p:nvPicPr>
-                    <p:blipFill>
-                      <a:blip r:embed="rId4">
-                        <a:extLst>
-                          <a:ext uri="{28A0092B-C50C-407E-A947-70E740481C1C}">
-                            <a14:useLocalDpi xmlns:a14="http://schemas.microsoft.com/office/drawing/2010/main" val="0"/>
-                          </a:ext>
-                        </a:extLst>
-                      </a:blip>
-                      <a:srcRect/>
-                      <a:stretch>
-                        <a:fillRect/>
-                      </a:stretch>
-                    </p:blipFill>
-                    <p:spPr bwMode="auto">
-                      <a:xfrm>
-                        <a:off x="639763" y="1673225"/>
-                        <a:ext cx="7866062" cy="4579938"/>
-                      </a:xfrm>
-                      <a:prstGeom prst="rect">
-                        <a:avLst/>
-                      </a:prstGeom>
-                      <a:noFill/>
-                      <a:ln>
-                        <a:noFill/>
-                      </a:ln>
-                      <a:extLst>
-                        <a:ext uri="{909E8E84-426E-40DD-AFC4-6F175D3DCCD1}">
-                          <a14:hiddenFill xmlns:a14="http://schemas.microsoft.com/office/drawing/2010/main">
-                            <a:solidFill>
-                              <a:srgbClr val="FFFFFF"/>
-                            </a:solidFill>
-                          </a14:hiddenFill>
-                        </a:ext>
-                        <a:ext uri="{91240B29-F687-4F45-9708-019B960494DF}">
-                          <a14:hiddenLine xmlns:a14="http://schemas.microsoft.com/office/drawing/2010/main" w="9525">
-                            <a:solidFill>
-                              <a:srgbClr val="000000"/>
-                            </a:solidFill>
-                            <a:miter lim="800000"/>
-                            <a:headEnd/>
-                            <a:tailEnd/>
-                          </a14:hiddenLine>
-                        </a:ext>
-                      </a:extLst>
-                    </p:spPr>
-                  </p:pic>
-                </p:oleObj>
-              </mc:Fallback>
-            </mc:AlternateContent>
-          </a:graphicData>
-        </a:graphic>
-      </p:graphicFrame>
+        </p:nvSpPr>
+        <p:spPr/>
+        <p:txBody>
+          <a:bodyPr/>
+          <a:lstStyle/>
+          <a:p>
+            <a:pPr lvl="1" eaLnBrk="1" hangingPunct="1"/>
+            <a:r>
+              <a:rPr lang="en-ZA">
+                <a:ea typeface="ＭＳ Ｐゴシック" pitchFamily="34" charset="-128"/>
+              </a:rPr>
+              <a:t>Select example graph on following page</a:t>
+            </a:r>
+          </a:p>
+          <a:p>
+            <a:pPr lvl="1" eaLnBrk="1" hangingPunct="1"/>
+            <a:r>
+              <a:rPr lang="en-ZA">
+                <a:ea typeface="ＭＳ Ｐゴシック" pitchFamily="34" charset="-128"/>
+              </a:rPr>
+              <a:t>Click on </a:t>
+            </a:r>
+            <a:r>
+              <a:rPr lang="en-ZA">
+                <a:solidFill>
+                  <a:schemeClr val="accent1"/>
+                </a:solidFill>
+                <a:ea typeface="ＭＳ Ｐゴシック" pitchFamily="34" charset="-128"/>
+              </a:rPr>
+              <a:t>chart tools&gt;design </a:t>
+            </a:r>
+            <a:r>
+              <a:rPr lang="en-ZA">
+                <a:ea typeface="ＭＳ Ｐゴシック" pitchFamily="34" charset="-128"/>
+              </a:rPr>
+              <a:t>tab and select </a:t>
+            </a:r>
+            <a:r>
+              <a:rPr lang="en-ZA" altLang="en-US">
+                <a:ea typeface="ＭＳ Ｐゴシック" pitchFamily="34" charset="-128"/>
+              </a:rPr>
+              <a:t>“</a:t>
+            </a:r>
+            <a:r>
+              <a:rPr lang="en-ZA">
+                <a:ea typeface="ＭＳ Ｐゴシック" pitchFamily="34" charset="-128"/>
+              </a:rPr>
+              <a:t>save as template</a:t>
+            </a:r>
+            <a:r>
+              <a:rPr lang="en-ZA" altLang="en-US">
+                <a:ea typeface="ＭＳ Ｐゴシック" pitchFamily="34" charset="-128"/>
+              </a:rPr>
+              <a:t>”</a:t>
+            </a:r>
+            <a:br>
+              <a:rPr lang="en-ZA">
+                <a:ea typeface="ＭＳ Ｐゴシック" pitchFamily="34" charset="-128"/>
+              </a:rPr>
+            </a:br>
+            <a:r>
+              <a:rPr lang="en-ZA">
+                <a:ea typeface="ＭＳ Ｐゴシック" pitchFamily="34" charset="-128"/>
+              </a:rPr>
+              <a:t>Choose a name for your default</a:t>
+            </a:r>
+          </a:p>
+          <a:p>
+            <a:pPr lvl="1" eaLnBrk="1" hangingPunct="1"/>
+            <a:r>
+              <a:rPr lang="en-ZA">
+                <a:ea typeface="ＭＳ Ｐゴシック" pitchFamily="34" charset="-128"/>
+              </a:rPr>
+              <a:t>On next page, click on the graph icon</a:t>
+            </a:r>
+          </a:p>
+          <a:p>
+            <a:pPr lvl="1" eaLnBrk="1" hangingPunct="1"/>
+            <a:r>
+              <a:rPr lang="en-ZA">
+                <a:ea typeface="ＭＳ Ｐゴシック" pitchFamily="34" charset="-128"/>
+              </a:rPr>
+              <a:t>Add your data</a:t>
+            </a:r>
+          </a:p>
+          <a:p>
+            <a:pPr lvl="1" eaLnBrk="1" hangingPunct="1"/>
+            <a:r>
+              <a:rPr lang="en-ZA">
+                <a:ea typeface="ＭＳ Ｐゴシック" pitchFamily="34" charset="-128"/>
+              </a:rPr>
+              <a:t>Select the graph and click on </a:t>
+            </a:r>
+            <a:r>
+              <a:rPr lang="en-ZA">
+                <a:solidFill>
+                  <a:schemeClr val="accent1"/>
+                </a:solidFill>
+                <a:ea typeface="ＭＳ Ｐゴシック" pitchFamily="34" charset="-128"/>
+              </a:rPr>
+              <a:t>chart tools&gt;design </a:t>
+            </a:r>
+            <a:r>
+              <a:rPr lang="en-ZA">
+                <a:ea typeface="ＭＳ Ｐゴシック" pitchFamily="34" charset="-128"/>
+              </a:rPr>
+              <a:t>tab, then select </a:t>
+            </a:r>
+            <a:r>
+              <a:rPr lang="en-ZA" altLang="en-US">
+                <a:ea typeface="ＭＳ Ｐゴシック" pitchFamily="34" charset="-128"/>
+              </a:rPr>
+              <a:t>“</a:t>
+            </a:r>
+            <a:r>
+              <a:rPr lang="en-ZA" altLang="ja-JP">
+                <a:ea typeface="ＭＳ Ｐゴシック" pitchFamily="34" charset="-128"/>
+              </a:rPr>
+              <a:t>change chart type</a:t>
+            </a:r>
+            <a:r>
+              <a:rPr lang="en-ZA" altLang="en-US">
+                <a:ea typeface="ＭＳ Ｐゴシック" pitchFamily="34" charset="-128"/>
+              </a:rPr>
+              <a:t>”</a:t>
+            </a:r>
+            <a:endParaRPr lang="en-ZA" altLang="ja-JP">
+              <a:ea typeface="ＭＳ Ｐゴシック" pitchFamily="34" charset="-128"/>
+            </a:endParaRPr>
+          </a:p>
+          <a:p>
+            <a:pPr lvl="1" eaLnBrk="1" hangingPunct="1"/>
+            <a:r>
+              <a:rPr lang="en-ZA">
+                <a:ea typeface="ＭＳ Ｐゴシック" pitchFamily="34" charset="-128"/>
+              </a:rPr>
+              <a:t>Select </a:t>
+            </a:r>
+            <a:r>
+              <a:rPr lang="en-ZA" altLang="en-US">
+                <a:ea typeface="ＭＳ Ｐゴシック" pitchFamily="34" charset="-128"/>
+              </a:rPr>
+              <a:t>“</a:t>
+            </a:r>
+            <a:r>
+              <a:rPr lang="en-ZA">
+                <a:ea typeface="ＭＳ Ｐゴシック" pitchFamily="34" charset="-128"/>
+              </a:rPr>
+              <a:t>templates</a:t>
+            </a:r>
+            <a:r>
+              <a:rPr lang="en-ZA" altLang="en-US">
+                <a:ea typeface="ＭＳ Ｐゴシック" pitchFamily="34" charset="-128"/>
+              </a:rPr>
+              <a:t>”</a:t>
+            </a:r>
+            <a:r>
+              <a:rPr lang="en-ZA">
+                <a:ea typeface="ＭＳ Ｐゴシック" pitchFamily="34" charset="-128"/>
+              </a:rPr>
+              <a:t> and click on your saved template</a:t>
+            </a:r>
+          </a:p>
+          <a:p>
+            <a:pPr lvl="1" eaLnBrk="1" hangingPunct="1"/>
+            <a:endParaRPr lang="en-ZA">
+              <a:ea typeface="ＭＳ Ｐゴシック" pitchFamily="34" charset="-128"/>
+            </a:endParaRPr>
+          </a:p>
+        </p:txBody>
+      </p:sp>
     </p:spTree>
   </p:cSld>
   <p:clrMapOvr>
@@ -20763,7 +21538,7 @@
       </p:grpSpPr>
       <p:sp>
         <p:nvSpPr>
-          <p:cNvPr id="44034" name="Text Placeholder 2"/>
+          <p:cNvPr id="41987" name="Text Placeholder 3"/>
           <p:cNvSpPr>
             <a:spLocks noGrp="1"/>
           </p:cNvSpPr>
@@ -20785,7 +21560,7 @@
       </p:sp>
       <p:sp>
         <p:nvSpPr>
-          <p:cNvPr id="44035" name="Title 1"/>
+          <p:cNvPr id="41988" name="Title 1"/>
           <p:cNvSpPr>
             <a:spLocks noGrp="1"/>
           </p:cNvSpPr>
@@ -20803,96 +21578,48 @@
               <a:rPr lang="en-ZA">
                 <a:ea typeface="ＭＳ Ｐゴシック" pitchFamily="34" charset="-128"/>
               </a:rPr>
-              <a:t>Example of pie chart</a:t>
+              <a:t>Click on graph icon and add data</a:t>
+            </a:r>
+            <a:br>
+              <a:rPr lang="en-ZA">
+                <a:ea typeface="ＭＳ Ｐゴシック" pitchFamily="34" charset="-128"/>
+              </a:rPr>
+            </a:br>
+            <a:r>
+              <a:rPr lang="en-ZA">
+                <a:ea typeface="ＭＳ Ｐゴシック" pitchFamily="34" charset="-128"/>
+              </a:rPr>
+              <a:t>Please see instruction on previous page</a:t>
             </a:r>
           </a:p>
         </p:txBody>
       </p:sp>
-      <p:graphicFrame>
-        <p:nvGraphicFramePr>
-          <p:cNvPr id="44036" name="Chart Placeholder 3"/>
-          <p:cNvGraphicFramePr>
-            <a:graphicFrameLocks noGrp="1"/>
-          </p:cNvGraphicFramePr>
+      <p:sp>
+        <p:nvSpPr>
+          <p:cNvPr id="41989" name="Chart Placeholder 2"/>
+          <p:cNvSpPr>
+            <a:spLocks noGrp="1" noTextEdit="1"/>
+          </p:cNvSpPr>
           <p:nvPr>
             <p:ph type="chart" sz="quarter" idx="11"/>
           </p:nvPr>
-        </p:nvGraphicFramePr>
-        <p:xfrm>
-          <a:off x="639763" y="1673225"/>
-          <a:ext cx="7866062" cy="4579938"/>
-        </p:xfrm>
-        <a:graphic>
-          <a:graphicData uri="http://schemas.openxmlformats.org/presentationml/2006/ole">
-            <mc:AlternateContent xmlns:mc="http://schemas.openxmlformats.org/markup-compatibility/2006">
-              <mc:Choice xmlns:v="urn:schemas-microsoft-com:vml" Requires="v">
-                <p:oleObj spid="_x0000_s44076" r:id="rId3" imgW="8039959" imgH="4681341" progId="Excel.Chart.8">
-                  <p:embed/>
-                </p:oleObj>
-              </mc:Choice>
-              <mc:Fallback>
-                <p:oleObj r:id="rId3" imgW="8039959" imgH="4681341" progId="Excel.Chart.8">
-                  <p:embed/>
-                  <p:pic>
-                    <p:nvPicPr>
-                      <p:cNvPr id="0" name="Chart Placeholder 3"/>
-                      <p:cNvPicPr>
-                        <a:picLocks noGrp="1" noChangeArrowheads="1"/>
-                      </p:cNvPicPr>
-                      <p:nvPr/>
-                    </p:nvPicPr>
-                    <p:blipFill>
-                      <a:blip r:embed="rId4">
-                        <a:extLst>
-                          <a:ext uri="{28A0092B-C50C-407E-A947-70E740481C1C}">
-                            <a14:useLocalDpi xmlns:a14="http://schemas.microsoft.com/office/drawing/2010/main" val="0"/>
-                          </a:ext>
-                        </a:extLst>
-                      </a:blip>
-                      <a:srcRect/>
-                      <a:stretch>
-                        <a:fillRect/>
-                      </a:stretch>
-                    </p:blipFill>
-                    <p:spPr bwMode="auto">
-                      <a:xfrm>
-                        <a:off x="639763" y="1673225"/>
-                        <a:ext cx="7866062" cy="4579938"/>
-                      </a:xfrm>
-                      <a:prstGeom prst="rect">
-                        <a:avLst/>
-                      </a:prstGeom>
-                      <a:noFill/>
-                      <a:ln>
-                        <a:noFill/>
-                      </a:ln>
-                      <a:extLst>
-                        <a:ext uri="{909E8E84-426E-40DD-AFC4-6F175D3DCCD1}">
-                          <a14:hiddenFill xmlns:a14="http://schemas.microsoft.com/office/drawing/2010/main">
-                            <a:solidFill>
-                              <a:srgbClr val="FFFFFF"/>
-                            </a:solidFill>
-                          </a14:hiddenFill>
-                        </a:ext>
-                        <a:ext uri="{91240B29-F687-4F45-9708-019B960494DF}">
-                          <a14:hiddenLine xmlns:a14="http://schemas.microsoft.com/office/drawing/2010/main" w="9525">
-                            <a:solidFill>
-                              <a:srgbClr val="000000"/>
-                            </a:solidFill>
-                            <a:miter lim="800000"/>
-                            <a:headEnd/>
-                            <a:tailEnd/>
-                          </a14:hiddenLine>
-                        </a:ext>
-                      </a:extLst>
-                    </p:spPr>
-                  </p:pic>
-                </p:oleObj>
-              </mc:Fallback>
-            </mc:AlternateContent>
-          </a:graphicData>
-        </a:graphic>
-      </p:graphicFrame>
+        </p:nvSpPr>
+        <p:spPr>
+          <a:ln w="9525"/>
+          <a:extLst>
+            <a:ext uri="{91240B29-F687-4F45-9708-019B960494DF}">
+              <a14:hiddenLine xmlns:a14="http://schemas.microsoft.com/office/drawing/2010/main" w="25400" cap="flat">
+                <a:solidFill>
+                  <a:srgbClr val="000000"/>
+                </a:solidFill>
+                <a:round/>
+                <a:headEnd/>
+                <a:tailEnd/>
+              </a14:hiddenLine>
+            </a:ext>
+          </a:extLst>
+        </p:spPr>
+      </p:sp>
     </p:spTree>
   </p:cSld>
   <p:clrMapOvr>
@@ -20920,7 +21647,7 @@
       </p:grpSpPr>
       <p:sp>
         <p:nvSpPr>
-          <p:cNvPr id="45058" name="Text Placeholder 2"/>
+          <p:cNvPr id="43010" name="Text Placeholder 2"/>
           <p:cNvSpPr>
             <a:spLocks noGrp="1"/>
           </p:cNvSpPr>
@@ -20942,7 +21669,7 @@
       </p:sp>
       <p:sp>
         <p:nvSpPr>
-          <p:cNvPr id="45059" name="Title 1"/>
+          <p:cNvPr id="43011" name="Title 1"/>
           <p:cNvSpPr>
             <a:spLocks noGrp="1"/>
           </p:cNvSpPr>
@@ -20960,14 +21687,14 @@
               <a:rPr lang="en-ZA">
                 <a:ea typeface="ＭＳ Ｐゴシック" pitchFamily="34" charset="-128"/>
               </a:rPr>
-              <a:t>Example of pie chart</a:t>
+              <a:t>Example of pie chart: 2 colours only</a:t>
             </a:r>
           </a:p>
         </p:txBody>
       </p:sp>
       <p:graphicFrame>
         <p:nvGraphicFramePr>
-          <p:cNvPr id="45060" name="Chart Placeholder 3"/>
+          <p:cNvPr id="43012" name="Chart Placeholder 3"/>
           <p:cNvGraphicFramePr>
             <a:graphicFrameLocks noGrp="1"/>
           </p:cNvGraphicFramePr>
@@ -20983,7 +21710,7 @@
           <a:graphicData uri="http://schemas.openxmlformats.org/presentationml/2006/ole">
             <mc:AlternateContent xmlns:mc="http://schemas.openxmlformats.org/markup-compatibility/2006">
               <mc:Choice xmlns:v="urn:schemas-microsoft-com:vml" Requires="v">
-                <p:oleObj spid="_x0000_s45100" r:id="rId3" imgW="8039959" imgH="4681341" progId="Excel.Chart.8">
+                <p:oleObj spid="_x0000_s43057" r:id="rId3" imgW="8039959" imgH="4681341" progId="Excel.Chart.8">
                   <p:embed/>
                 </p:oleObj>
               </mc:Choice>
@@ -21059,6 +21786,320 @@
 </file>
 
 <file path=ppt/slides/slide33.xml><?xml version="1.0" encoding="utf-8"?>
+<p:sld xmlns:a="http://schemas.openxmlformats.org/drawingml/2006/main" xmlns:r="http://schemas.openxmlformats.org/officeDocument/2006/relationships" xmlns:p="http://schemas.openxmlformats.org/presentationml/2006/main">
+  <p:cSld>
+    <p:spTree>
+      <p:nvGrpSpPr>
+        <p:cNvPr id="1" name=""/>
+        <p:cNvGrpSpPr/>
+        <p:nvPr/>
+      </p:nvGrpSpPr>
+      <p:grpSpPr>
+        <a:xfrm>
+          <a:off x="0" y="0"/>
+          <a:ext cx="0" cy="0"/>
+          <a:chOff x="0" y="0"/>
+          <a:chExt cx="0" cy="0"/>
+        </a:xfrm>
+      </p:grpSpPr>
+      <p:sp>
+        <p:nvSpPr>
+          <p:cNvPr id="44034" name="Text Placeholder 2"/>
+          <p:cNvSpPr>
+            <a:spLocks noGrp="1"/>
+          </p:cNvSpPr>
+          <p:nvPr>
+            <p:ph type="body" sz="quarter" idx="12"/>
+          </p:nvPr>
+        </p:nvSpPr>
+        <p:spPr/>
+        <p:txBody>
+          <a:bodyPr/>
+          <a:lstStyle/>
+          <a:p>
+            <a:pPr marL="0" indent="0" eaLnBrk="1" hangingPunct="1"/>
+            <a:endParaRPr lang="en-ZA">
+              <a:ea typeface="ＭＳ Ｐゴシック" pitchFamily="34" charset="-128"/>
+            </a:endParaRPr>
+          </a:p>
+        </p:txBody>
+      </p:sp>
+      <p:sp>
+        <p:nvSpPr>
+          <p:cNvPr id="44035" name="Title 1"/>
+          <p:cNvSpPr>
+            <a:spLocks noGrp="1"/>
+          </p:cNvSpPr>
+          <p:nvPr>
+            <p:ph type="title"/>
+          </p:nvPr>
+        </p:nvSpPr>
+        <p:spPr/>
+        <p:txBody>
+          <a:bodyPr/>
+          <a:lstStyle/>
+          <a:p>
+            <a:pPr eaLnBrk="1" hangingPunct="1"/>
+            <a:r>
+              <a:rPr lang="en-ZA">
+                <a:ea typeface="ＭＳ Ｐゴシック" pitchFamily="34" charset="-128"/>
+              </a:rPr>
+              <a:t>Example of pie chart</a:t>
+            </a:r>
+          </a:p>
+        </p:txBody>
+      </p:sp>
+      <p:graphicFrame>
+        <p:nvGraphicFramePr>
+          <p:cNvPr id="44036" name="Chart Placeholder 3"/>
+          <p:cNvGraphicFramePr>
+            <a:graphicFrameLocks noGrp="1"/>
+          </p:cNvGraphicFramePr>
+          <p:nvPr>
+            <p:ph type="chart" sz="quarter" idx="11"/>
+          </p:nvPr>
+        </p:nvGraphicFramePr>
+        <p:xfrm>
+          <a:off x="639763" y="1673225"/>
+          <a:ext cx="7866062" cy="4579938"/>
+        </p:xfrm>
+        <a:graphic>
+          <a:graphicData uri="http://schemas.openxmlformats.org/presentationml/2006/ole">
+            <mc:AlternateContent xmlns:mc="http://schemas.openxmlformats.org/markup-compatibility/2006">
+              <mc:Choice xmlns:v="urn:schemas-microsoft-com:vml" Requires="v">
+                <p:oleObj spid="_x0000_s44081" r:id="rId3" imgW="8039959" imgH="4681341" progId="Excel.Chart.8">
+                  <p:embed/>
+                </p:oleObj>
+              </mc:Choice>
+              <mc:Fallback>
+                <p:oleObj r:id="rId3" imgW="8039959" imgH="4681341" progId="Excel.Chart.8">
+                  <p:embed/>
+                  <p:pic>
+                    <p:nvPicPr>
+                      <p:cNvPr id="0" name="Chart Placeholder 3"/>
+                      <p:cNvPicPr>
+                        <a:picLocks noGrp="1" noChangeArrowheads="1"/>
+                      </p:cNvPicPr>
+                      <p:nvPr/>
+                    </p:nvPicPr>
+                    <p:blipFill>
+                      <a:blip r:embed="rId4">
+                        <a:extLst>
+                          <a:ext uri="{28A0092B-C50C-407E-A947-70E740481C1C}">
+                            <a14:useLocalDpi xmlns:a14="http://schemas.microsoft.com/office/drawing/2010/main" val="0"/>
+                          </a:ext>
+                        </a:extLst>
+                      </a:blip>
+                      <a:srcRect/>
+                      <a:stretch>
+                        <a:fillRect/>
+                      </a:stretch>
+                    </p:blipFill>
+                    <p:spPr bwMode="auto">
+                      <a:xfrm>
+                        <a:off x="639763" y="1673225"/>
+                        <a:ext cx="7866062" cy="4579938"/>
+                      </a:xfrm>
+                      <a:prstGeom prst="rect">
+                        <a:avLst/>
+                      </a:prstGeom>
+                      <a:noFill/>
+                      <a:ln>
+                        <a:noFill/>
+                      </a:ln>
+                      <a:extLst>
+                        <a:ext uri="{909E8E84-426E-40DD-AFC4-6F175D3DCCD1}">
+                          <a14:hiddenFill xmlns:a14="http://schemas.microsoft.com/office/drawing/2010/main">
+                            <a:solidFill>
+                              <a:srgbClr val="FFFFFF"/>
+                            </a:solidFill>
+                          </a14:hiddenFill>
+                        </a:ext>
+                        <a:ext uri="{91240B29-F687-4F45-9708-019B960494DF}">
+                          <a14:hiddenLine xmlns:a14="http://schemas.microsoft.com/office/drawing/2010/main" w="9525">
+                            <a:solidFill>
+                              <a:srgbClr val="000000"/>
+                            </a:solidFill>
+                            <a:miter lim="800000"/>
+                            <a:headEnd/>
+                            <a:tailEnd/>
+                          </a14:hiddenLine>
+                        </a:ext>
+                      </a:extLst>
+                    </p:spPr>
+                  </p:pic>
+                </p:oleObj>
+              </mc:Fallback>
+            </mc:AlternateContent>
+          </a:graphicData>
+        </a:graphic>
+      </p:graphicFrame>
+    </p:spTree>
+  </p:cSld>
+  <p:clrMapOvr>
+    <a:masterClrMapping/>
+  </p:clrMapOvr>
+</p:sld>
+</file>
+
+<file path=ppt/slides/slide34.xml><?xml version="1.0" encoding="utf-8"?>
+<p:sld xmlns:a="http://schemas.openxmlformats.org/drawingml/2006/main" xmlns:r="http://schemas.openxmlformats.org/officeDocument/2006/relationships" xmlns:p="http://schemas.openxmlformats.org/presentationml/2006/main">
+  <p:cSld>
+    <p:spTree>
+      <p:nvGrpSpPr>
+        <p:cNvPr id="1" name=""/>
+        <p:cNvGrpSpPr/>
+        <p:nvPr/>
+      </p:nvGrpSpPr>
+      <p:grpSpPr>
+        <a:xfrm>
+          <a:off x="0" y="0"/>
+          <a:ext cx="0" cy="0"/>
+          <a:chOff x="0" y="0"/>
+          <a:chExt cx="0" cy="0"/>
+        </a:xfrm>
+      </p:grpSpPr>
+      <p:sp>
+        <p:nvSpPr>
+          <p:cNvPr id="45058" name="Text Placeholder 2"/>
+          <p:cNvSpPr>
+            <a:spLocks noGrp="1"/>
+          </p:cNvSpPr>
+          <p:nvPr>
+            <p:ph type="body" sz="quarter" idx="12"/>
+          </p:nvPr>
+        </p:nvSpPr>
+        <p:spPr/>
+        <p:txBody>
+          <a:bodyPr/>
+          <a:lstStyle/>
+          <a:p>
+            <a:pPr marL="0" indent="0" eaLnBrk="1" hangingPunct="1"/>
+            <a:endParaRPr lang="en-ZA">
+              <a:ea typeface="ＭＳ Ｐゴシック" pitchFamily="34" charset="-128"/>
+            </a:endParaRPr>
+          </a:p>
+        </p:txBody>
+      </p:sp>
+      <p:sp>
+        <p:nvSpPr>
+          <p:cNvPr id="45059" name="Title 1"/>
+          <p:cNvSpPr>
+            <a:spLocks noGrp="1"/>
+          </p:cNvSpPr>
+          <p:nvPr>
+            <p:ph type="title"/>
+          </p:nvPr>
+        </p:nvSpPr>
+        <p:spPr/>
+        <p:txBody>
+          <a:bodyPr/>
+          <a:lstStyle/>
+          <a:p>
+            <a:pPr eaLnBrk="1" hangingPunct="1"/>
+            <a:r>
+              <a:rPr lang="en-ZA">
+                <a:ea typeface="ＭＳ Ｐゴシック" pitchFamily="34" charset="-128"/>
+              </a:rPr>
+              <a:t>Example of pie chart</a:t>
+            </a:r>
+          </a:p>
+        </p:txBody>
+      </p:sp>
+      <p:graphicFrame>
+        <p:nvGraphicFramePr>
+          <p:cNvPr id="45060" name="Chart Placeholder 3"/>
+          <p:cNvGraphicFramePr>
+            <a:graphicFrameLocks noGrp="1"/>
+          </p:cNvGraphicFramePr>
+          <p:nvPr>
+            <p:ph type="chart" sz="quarter" idx="11"/>
+          </p:nvPr>
+        </p:nvGraphicFramePr>
+        <p:xfrm>
+          <a:off x="639763" y="1673225"/>
+          <a:ext cx="7866062" cy="4579938"/>
+        </p:xfrm>
+        <a:graphic>
+          <a:graphicData uri="http://schemas.openxmlformats.org/presentationml/2006/ole">
+            <mc:AlternateContent xmlns:mc="http://schemas.openxmlformats.org/markup-compatibility/2006">
+              <mc:Choice xmlns:v="urn:schemas-microsoft-com:vml" Requires="v">
+                <p:oleObj spid="_x0000_s45105" r:id="rId3" imgW="8039959" imgH="4681341" progId="Excel.Chart.8">
+                  <p:embed/>
+                </p:oleObj>
+              </mc:Choice>
+              <mc:Fallback>
+                <p:oleObj r:id="rId3" imgW="8039959" imgH="4681341" progId="Excel.Chart.8">
+                  <p:embed/>
+                  <p:pic>
+                    <p:nvPicPr>
+                      <p:cNvPr id="0" name="Chart Placeholder 3"/>
+                      <p:cNvPicPr>
+                        <a:picLocks noGrp="1" noChangeArrowheads="1"/>
+                      </p:cNvPicPr>
+                      <p:nvPr/>
+                    </p:nvPicPr>
+                    <p:blipFill>
+                      <a:blip r:embed="rId4">
+                        <a:extLst>
+                          <a:ext uri="{28A0092B-C50C-407E-A947-70E740481C1C}">
+                            <a14:useLocalDpi xmlns:a14="http://schemas.microsoft.com/office/drawing/2010/main" val="0"/>
+                          </a:ext>
+                        </a:extLst>
+                      </a:blip>
+                      <a:srcRect/>
+                      <a:stretch>
+                        <a:fillRect/>
+                      </a:stretch>
+                    </p:blipFill>
+                    <p:spPr bwMode="auto">
+                      <a:xfrm>
+                        <a:off x="639763" y="1673225"/>
+                        <a:ext cx="7866062" cy="4579938"/>
+                      </a:xfrm>
+                      <a:prstGeom prst="rect">
+                        <a:avLst/>
+                      </a:prstGeom>
+                      <a:noFill/>
+                      <a:ln>
+                        <a:noFill/>
+                      </a:ln>
+                      <a:extLst>
+                        <a:ext uri="{909E8E84-426E-40DD-AFC4-6F175D3DCCD1}">
+                          <a14:hiddenFill xmlns:a14="http://schemas.microsoft.com/office/drawing/2010/main">
+                            <a:solidFill>
+                              <a:srgbClr val="FFFFFF"/>
+                            </a:solidFill>
+                          </a14:hiddenFill>
+                        </a:ext>
+                        <a:ext uri="{91240B29-F687-4F45-9708-019B960494DF}">
+                          <a14:hiddenLine xmlns:a14="http://schemas.microsoft.com/office/drawing/2010/main" w="9525">
+                            <a:solidFill>
+                              <a:srgbClr val="000000"/>
+                            </a:solidFill>
+                            <a:miter lim="800000"/>
+                            <a:headEnd/>
+                            <a:tailEnd/>
+                          </a14:hiddenLine>
+                        </a:ext>
+                      </a:extLst>
+                    </p:spPr>
+                  </p:pic>
+                </p:oleObj>
+              </mc:Fallback>
+            </mc:AlternateContent>
+          </a:graphicData>
+        </a:graphic>
+      </p:graphicFrame>
+    </p:spTree>
+  </p:cSld>
+  <p:clrMapOvr>
+    <a:masterClrMapping/>
+  </p:clrMapOvr>
+</p:sld>
+</file>
+
+<file path=ppt/slides/slide35.xml><?xml version="1.0" encoding="utf-8"?>
 <p:sld xmlns:a="http://schemas.openxmlformats.org/drawingml/2006/main" xmlns:r="http://schemas.openxmlformats.org/officeDocument/2006/relationships" xmlns:p="http://schemas.openxmlformats.org/presentationml/2006/main">
   <p:cSld>
     <p:spTree>
@@ -21791,7 +22832,7 @@
 </p:sld>
 </file>
 
-<file path=ppt/slides/slide34.xml><?xml version="1.0" encoding="utf-8"?>
+<file path=ppt/slides/slide36.xml><?xml version="1.0" encoding="utf-8"?>
 <p:sld xmlns:a="http://schemas.openxmlformats.org/drawingml/2006/main" xmlns:r="http://schemas.openxmlformats.org/officeDocument/2006/relationships" xmlns:p="http://schemas.openxmlformats.org/presentationml/2006/main">
   <p:cSld>
     <p:spTree>
@@ -21944,7 +22985,7 @@
 </p:sld>
 </file>
 
-<file path=ppt/slides/slide35.xml><?xml version="1.0" encoding="utf-8"?>
+<file path=ppt/slides/slide37.xml><?xml version="1.0" encoding="utf-8"?>
 <p:sld xmlns:a="http://schemas.openxmlformats.org/drawingml/2006/main" xmlns:r="http://schemas.openxmlformats.org/officeDocument/2006/relationships" xmlns:p="http://schemas.openxmlformats.org/presentationml/2006/main">
   <p:cSld>
     <p:spTree>
@@ -22712,7 +23753,7 @@
 </p:sld>
 </file>
 
-<file path=ppt/slides/slide36.xml><?xml version="1.0" encoding="utf-8"?>
+<file path=ppt/slides/slide38.xml><?xml version="1.0" encoding="utf-8"?>
 <p:sld xmlns:a="http://schemas.openxmlformats.org/drawingml/2006/main" xmlns:r="http://schemas.openxmlformats.org/officeDocument/2006/relationships" xmlns:p="http://schemas.openxmlformats.org/presentationml/2006/main">
   <p:cSld>
     <p:spTree>
@@ -23383,7 +24424,7 @@
 </p:sld>
 </file>
 
-<file path=ppt/slides/slide37.xml><?xml version="1.0" encoding="utf-8"?>
+<file path=ppt/slides/slide39.xml><?xml version="1.0" encoding="utf-8"?>
 <p:sld xmlns:a="http://schemas.openxmlformats.org/drawingml/2006/main" xmlns:r="http://schemas.openxmlformats.org/officeDocument/2006/relationships" xmlns:p="http://schemas.openxmlformats.org/presentationml/2006/main">
   <p:cSld>
     <p:spTree>
@@ -23568,7 +24609,721 @@
 </p:sld>
 </file>
 
-<file path=ppt/slides/slide38.xml><?xml version="1.0" encoding="utf-8"?>
+<file path=ppt/slides/slide4.xml><?xml version="1.0" encoding="utf-8"?>
+<p:sld xmlns:a="http://schemas.openxmlformats.org/drawingml/2006/main" xmlns:r="http://schemas.openxmlformats.org/officeDocument/2006/relationships" xmlns:p="http://schemas.openxmlformats.org/presentationml/2006/main">
+  <p:cSld>
+    <p:spTree>
+      <p:nvGrpSpPr>
+        <p:cNvPr id="1" name=""/>
+        <p:cNvGrpSpPr/>
+        <p:nvPr/>
+      </p:nvGrpSpPr>
+      <p:grpSpPr>
+        <a:xfrm>
+          <a:off x="0" y="0"/>
+          <a:ext cx="0" cy="0"/>
+          <a:chOff x="0" y="0"/>
+          <a:chExt cx="0" cy="0"/>
+        </a:xfrm>
+      </p:grpSpPr>
+      <p:sp>
+        <p:nvSpPr>
+          <p:cNvPr id="2" name="Title 1"/>
+          <p:cNvSpPr>
+            <a:spLocks noGrp="1"/>
+          </p:cNvSpPr>
+          <p:nvPr>
+            <p:ph type="title"/>
+          </p:nvPr>
+        </p:nvSpPr>
+        <p:spPr/>
+        <p:txBody>
+          <a:bodyPr/>
+          <a:lstStyle/>
+          <a:p>
+            <a:r>
+              <a:rPr lang="en-US" dirty="0"/>
+              <a:t>History</a:t>
+            </a:r>
+            <a:endParaRPr lang="en-BE" dirty="0"/>
+          </a:p>
+        </p:txBody>
+      </p:sp>
+      <p:sp>
+        <p:nvSpPr>
+          <p:cNvPr id="3" name="Content Placeholder 2"/>
+          <p:cNvSpPr>
+            <a:spLocks noGrp="1"/>
+          </p:cNvSpPr>
+          <p:nvPr>
+            <p:ph idx="1"/>
+          </p:nvPr>
+        </p:nvSpPr>
+        <p:spPr/>
+        <p:txBody>
+          <a:bodyPr/>
+          <a:lstStyle/>
+          <a:p>
+            <a:endParaRPr lang="en-BE" dirty="0"/>
+          </a:p>
+        </p:txBody>
+      </p:sp>
+      <p:pic>
+        <p:nvPicPr>
+          <p:cNvPr id="4" name="Picture 3"/>
+          <p:cNvPicPr>
+            <a:picLocks noChangeAspect="1"/>
+          </p:cNvPicPr>
+          <p:nvPr/>
+        </p:nvPicPr>
+        <p:blipFill>
+          <a:blip r:embed="rId3" cstate="print">
+            <a:extLst>
+              <a:ext uri="{28A0092B-C50C-407E-A947-70E740481C1C}">
+                <a14:useLocalDpi xmlns:a14="http://schemas.microsoft.com/office/drawing/2010/main" val="0"/>
+              </a:ext>
+            </a:extLst>
+          </a:blip>
+          <a:stretch>
+            <a:fillRect/>
+          </a:stretch>
+        </p:blipFill>
+        <p:spPr>
+          <a:xfrm>
+            <a:off x="251520" y="2276872"/>
+            <a:ext cx="8650684" cy="2929415"/>
+          </a:xfrm>
+          <a:prstGeom prst="rect">
+            <a:avLst/>
+          </a:prstGeom>
+        </p:spPr>
+      </p:pic>
+      <p:sp>
+        <p:nvSpPr>
+          <p:cNvPr id="5" name="TextBox 4"/>
+          <p:cNvSpPr txBox="1"/>
+          <p:nvPr/>
+        </p:nvSpPr>
+        <p:spPr>
+          <a:xfrm>
+            <a:off x="644674" y="3556913"/>
+            <a:ext cx="1008112" cy="369332"/>
+          </a:xfrm>
+          <a:prstGeom prst="rect">
+            <a:avLst/>
+          </a:prstGeom>
+          <a:noFill/>
+        </p:spPr>
+        <p:txBody>
+          <a:bodyPr wrap="square" rtlCol="0">
+            <a:spAutoFit/>
+          </a:bodyPr>
+          <a:lstStyle/>
+          <a:p>
+            <a:r>
+              <a:rPr lang="en-US" dirty="0">
+                <a:solidFill>
+                  <a:schemeClr val="bg1"/>
+                </a:solidFill>
+              </a:rPr>
+              <a:t>2006</a:t>
+            </a:r>
+            <a:endParaRPr lang="en-BE" dirty="0">
+              <a:solidFill>
+                <a:schemeClr val="bg1"/>
+              </a:solidFill>
+            </a:endParaRPr>
+          </a:p>
+        </p:txBody>
+      </p:sp>
+      <p:sp>
+        <p:nvSpPr>
+          <p:cNvPr id="6" name="TextBox 5"/>
+          <p:cNvSpPr txBox="1"/>
+          <p:nvPr/>
+        </p:nvSpPr>
+        <p:spPr>
+          <a:xfrm>
+            <a:off x="2134667" y="3556913"/>
+            <a:ext cx="742255" cy="369332"/>
+          </a:xfrm>
+          <a:prstGeom prst="rect">
+            <a:avLst/>
+          </a:prstGeom>
+          <a:noFill/>
+        </p:spPr>
+        <p:txBody>
+          <a:bodyPr wrap="square" rtlCol="0">
+            <a:spAutoFit/>
+          </a:bodyPr>
+          <a:lstStyle/>
+          <a:p>
+            <a:r>
+              <a:rPr lang="en-US" dirty="0">
+                <a:solidFill>
+                  <a:schemeClr val="bg1"/>
+                </a:solidFill>
+              </a:rPr>
+              <a:t>2009</a:t>
+            </a:r>
+            <a:endParaRPr lang="en-BE" dirty="0">
+              <a:solidFill>
+                <a:schemeClr val="bg1"/>
+              </a:solidFill>
+            </a:endParaRPr>
+          </a:p>
+        </p:txBody>
+      </p:sp>
+      <p:sp>
+        <p:nvSpPr>
+          <p:cNvPr id="7" name="TextBox 6"/>
+          <p:cNvSpPr txBox="1"/>
+          <p:nvPr/>
+        </p:nvSpPr>
+        <p:spPr>
+          <a:xfrm>
+            <a:off x="3463925" y="3546222"/>
+            <a:ext cx="742255" cy="369332"/>
+          </a:xfrm>
+          <a:prstGeom prst="rect">
+            <a:avLst/>
+          </a:prstGeom>
+          <a:noFill/>
+        </p:spPr>
+        <p:txBody>
+          <a:bodyPr wrap="square" rtlCol="0">
+            <a:spAutoFit/>
+          </a:bodyPr>
+          <a:lstStyle/>
+          <a:p>
+            <a:r>
+              <a:rPr lang="en-US" dirty="0">
+                <a:solidFill>
+                  <a:schemeClr val="bg1"/>
+                </a:solidFill>
+              </a:rPr>
+              <a:t>2012</a:t>
+            </a:r>
+            <a:endParaRPr lang="en-BE" dirty="0">
+              <a:solidFill>
+                <a:schemeClr val="bg1"/>
+              </a:solidFill>
+            </a:endParaRPr>
+          </a:p>
+        </p:txBody>
+      </p:sp>
+      <p:sp>
+        <p:nvSpPr>
+          <p:cNvPr id="8" name="TextBox 7"/>
+          <p:cNvSpPr txBox="1"/>
+          <p:nvPr/>
+        </p:nvSpPr>
+        <p:spPr>
+          <a:xfrm>
+            <a:off x="4965154" y="3556913"/>
+            <a:ext cx="742255" cy="369332"/>
+          </a:xfrm>
+          <a:prstGeom prst="rect">
+            <a:avLst/>
+          </a:prstGeom>
+          <a:noFill/>
+        </p:spPr>
+        <p:txBody>
+          <a:bodyPr wrap="square" rtlCol="0">
+            <a:spAutoFit/>
+          </a:bodyPr>
+          <a:lstStyle/>
+          <a:p>
+            <a:r>
+              <a:rPr lang="en-US" dirty="0">
+                <a:solidFill>
+                  <a:schemeClr val="bg1"/>
+                </a:solidFill>
+              </a:rPr>
+              <a:t>2013</a:t>
+            </a:r>
+            <a:endParaRPr lang="en-BE" dirty="0">
+              <a:solidFill>
+                <a:schemeClr val="bg1"/>
+              </a:solidFill>
+            </a:endParaRPr>
+          </a:p>
+        </p:txBody>
+      </p:sp>
+      <p:sp>
+        <p:nvSpPr>
+          <p:cNvPr id="9" name="TextBox 8"/>
+          <p:cNvSpPr txBox="1"/>
+          <p:nvPr/>
+        </p:nvSpPr>
+        <p:spPr>
+          <a:xfrm>
+            <a:off x="6332252" y="3535531"/>
+            <a:ext cx="742255" cy="369332"/>
+          </a:xfrm>
+          <a:prstGeom prst="rect">
+            <a:avLst/>
+          </a:prstGeom>
+          <a:noFill/>
+        </p:spPr>
+        <p:txBody>
+          <a:bodyPr wrap="square" rtlCol="0">
+            <a:spAutoFit/>
+          </a:bodyPr>
+          <a:lstStyle/>
+          <a:p>
+            <a:r>
+              <a:rPr lang="en-US" dirty="0">
+                <a:solidFill>
+                  <a:schemeClr val="bg1"/>
+                </a:solidFill>
+              </a:rPr>
+              <a:t>2014</a:t>
+            </a:r>
+            <a:endParaRPr lang="en-BE" dirty="0">
+              <a:solidFill>
+                <a:schemeClr val="bg1"/>
+              </a:solidFill>
+            </a:endParaRPr>
+          </a:p>
+        </p:txBody>
+      </p:sp>
+      <p:sp>
+        <p:nvSpPr>
+          <p:cNvPr id="10" name="TextBox 9"/>
+          <p:cNvSpPr txBox="1"/>
+          <p:nvPr/>
+        </p:nvSpPr>
+        <p:spPr>
+          <a:xfrm>
+            <a:off x="7795381" y="3535531"/>
+            <a:ext cx="742255" cy="369332"/>
+          </a:xfrm>
+          <a:prstGeom prst="rect">
+            <a:avLst/>
+          </a:prstGeom>
+          <a:noFill/>
+        </p:spPr>
+        <p:txBody>
+          <a:bodyPr wrap="square" rtlCol="0">
+            <a:spAutoFit/>
+          </a:bodyPr>
+          <a:lstStyle/>
+          <a:p>
+            <a:r>
+              <a:rPr lang="en-US" dirty="0">
+                <a:solidFill>
+                  <a:schemeClr val="bg1"/>
+                </a:solidFill>
+              </a:rPr>
+              <a:t>2016</a:t>
+            </a:r>
+            <a:endParaRPr lang="en-BE" dirty="0">
+              <a:solidFill>
+                <a:schemeClr val="bg1"/>
+              </a:solidFill>
+            </a:endParaRPr>
+          </a:p>
+        </p:txBody>
+      </p:sp>
+      <p:sp>
+        <p:nvSpPr>
+          <p:cNvPr id="11" name="TextBox 10"/>
+          <p:cNvSpPr txBox="1"/>
+          <p:nvPr/>
+        </p:nvSpPr>
+        <p:spPr>
+          <a:xfrm>
+            <a:off x="340085" y="1947079"/>
+            <a:ext cx="1312701" cy="276999"/>
+          </a:xfrm>
+          <a:prstGeom prst="rect">
+            <a:avLst/>
+          </a:prstGeom>
+          <a:noFill/>
+        </p:spPr>
+        <p:txBody>
+          <a:bodyPr wrap="square" rtlCol="0">
+            <a:spAutoFit/>
+          </a:bodyPr>
+          <a:lstStyle/>
+          <a:p>
+            <a:r>
+              <a:rPr lang="en-US" sz="1200" dirty="0"/>
+              <a:t>PowerShell 1.0</a:t>
+            </a:r>
+          </a:p>
+        </p:txBody>
+      </p:sp>
+      <p:sp>
+        <p:nvSpPr>
+          <p:cNvPr id="12" name="TextBox 11"/>
+          <p:cNvSpPr txBox="1"/>
+          <p:nvPr/>
+        </p:nvSpPr>
+        <p:spPr>
+          <a:xfrm>
+            <a:off x="1849443" y="5206286"/>
+            <a:ext cx="1312701" cy="461665"/>
+          </a:xfrm>
+          <a:prstGeom prst="rect">
+            <a:avLst/>
+          </a:prstGeom>
+          <a:noFill/>
+        </p:spPr>
+        <p:txBody>
+          <a:bodyPr wrap="square" rtlCol="0">
+            <a:spAutoFit/>
+          </a:bodyPr>
+          <a:lstStyle/>
+          <a:p>
+            <a:r>
+              <a:rPr lang="en-US" sz="1200" dirty="0"/>
+              <a:t>PowerShell 2.0</a:t>
+            </a:r>
+          </a:p>
+          <a:p>
+            <a:r>
+              <a:rPr lang="en-US" sz="1200" dirty="0"/>
+              <a:t>(ISE introduced)</a:t>
+            </a:r>
+            <a:endParaRPr lang="en-BE" sz="1200" dirty="0"/>
+          </a:p>
+        </p:txBody>
+      </p:sp>
+      <p:sp>
+        <p:nvSpPr>
+          <p:cNvPr id="13" name="TextBox 12"/>
+          <p:cNvSpPr txBox="1"/>
+          <p:nvPr/>
+        </p:nvSpPr>
+        <p:spPr>
+          <a:xfrm>
+            <a:off x="3220405" y="1947079"/>
+            <a:ext cx="1312701" cy="276999"/>
+          </a:xfrm>
+          <a:prstGeom prst="rect">
+            <a:avLst/>
+          </a:prstGeom>
+          <a:noFill/>
+        </p:spPr>
+        <p:txBody>
+          <a:bodyPr wrap="square" rtlCol="0">
+            <a:spAutoFit/>
+          </a:bodyPr>
+          <a:lstStyle/>
+          <a:p>
+            <a:r>
+              <a:rPr lang="en-US" sz="1200" dirty="0"/>
+              <a:t>PowerShell 3.0</a:t>
+            </a:r>
+            <a:endParaRPr lang="en-BE" sz="1200" dirty="0"/>
+          </a:p>
+        </p:txBody>
+      </p:sp>
+      <p:sp>
+        <p:nvSpPr>
+          <p:cNvPr id="14" name="TextBox 13"/>
+          <p:cNvSpPr txBox="1"/>
+          <p:nvPr/>
+        </p:nvSpPr>
+        <p:spPr>
+          <a:xfrm>
+            <a:off x="4760067" y="5206286"/>
+            <a:ext cx="1312701" cy="276999"/>
+          </a:xfrm>
+          <a:prstGeom prst="rect">
+            <a:avLst/>
+          </a:prstGeom>
+          <a:noFill/>
+        </p:spPr>
+        <p:txBody>
+          <a:bodyPr wrap="square" rtlCol="0">
+            <a:spAutoFit/>
+          </a:bodyPr>
+          <a:lstStyle/>
+          <a:p>
+            <a:r>
+              <a:rPr lang="en-US" sz="1200" dirty="0"/>
+              <a:t>PowerShell 4.0</a:t>
+            </a:r>
+            <a:endParaRPr lang="en-BE" sz="1200" dirty="0"/>
+          </a:p>
+        </p:txBody>
+      </p:sp>
+      <p:sp>
+        <p:nvSpPr>
+          <p:cNvPr id="15" name="TextBox 14"/>
+          <p:cNvSpPr txBox="1"/>
+          <p:nvPr/>
+        </p:nvSpPr>
+        <p:spPr>
+          <a:xfrm>
+            <a:off x="5994555" y="1947078"/>
+            <a:ext cx="1312701" cy="276999"/>
+          </a:xfrm>
+          <a:prstGeom prst="rect">
+            <a:avLst/>
+          </a:prstGeom>
+          <a:noFill/>
+        </p:spPr>
+        <p:txBody>
+          <a:bodyPr wrap="square" rtlCol="0">
+            <a:spAutoFit/>
+          </a:bodyPr>
+          <a:lstStyle/>
+          <a:p>
+            <a:r>
+              <a:rPr lang="en-US" sz="1200" dirty="0"/>
+              <a:t>PowerShell 5.0</a:t>
+            </a:r>
+            <a:endParaRPr lang="en-BE" sz="1200" dirty="0"/>
+          </a:p>
+        </p:txBody>
+      </p:sp>
+      <p:sp>
+        <p:nvSpPr>
+          <p:cNvPr id="16" name="TextBox 15"/>
+          <p:cNvSpPr txBox="1"/>
+          <p:nvPr/>
+        </p:nvSpPr>
+        <p:spPr>
+          <a:xfrm>
+            <a:off x="7307256" y="5206286"/>
+            <a:ext cx="1797849" cy="276999"/>
+          </a:xfrm>
+          <a:prstGeom prst="rect">
+            <a:avLst/>
+          </a:prstGeom>
+          <a:noFill/>
+        </p:spPr>
+        <p:txBody>
+          <a:bodyPr wrap="square" rtlCol="0">
+            <a:spAutoFit/>
+          </a:bodyPr>
+          <a:lstStyle/>
+          <a:p>
+            <a:r>
+              <a:rPr lang="en-US" sz="1200" dirty="0"/>
+              <a:t>PowerShell 6.0 Alpha</a:t>
+            </a:r>
+            <a:endParaRPr lang="en-BE" sz="1200" dirty="0"/>
+          </a:p>
+        </p:txBody>
+      </p:sp>
+      <p:sp>
+        <p:nvSpPr>
+          <p:cNvPr id="17" name="TextBox 16"/>
+          <p:cNvSpPr txBox="1"/>
+          <p:nvPr/>
+        </p:nvSpPr>
+        <p:spPr>
+          <a:xfrm>
+            <a:off x="40953" y="6255495"/>
+            <a:ext cx="9144000" cy="461665"/>
+          </a:xfrm>
+          <a:prstGeom prst="rect">
+            <a:avLst/>
+          </a:prstGeom>
+          <a:noFill/>
+        </p:spPr>
+        <p:txBody>
+          <a:bodyPr wrap="square" rtlCol="0">
+            <a:spAutoFit/>
+          </a:bodyPr>
+          <a:lstStyle/>
+          <a:p>
+            <a:r>
+              <a:rPr lang="nl-BE" sz="1200" dirty="0">
+                <a:hlinkClick r:id="rId4"/>
+              </a:rPr>
+              <a:t>https://4sysops.com/archives/powershell-versions-and-their-windows-version/</a:t>
+            </a:r>
+            <a:endParaRPr lang="en-US" sz="1200" dirty="0"/>
+          </a:p>
+          <a:p>
+            <a:endParaRPr lang="nl-BE" sz="1200" dirty="0"/>
+          </a:p>
+        </p:txBody>
+      </p:sp>
+      <p:sp>
+        <p:nvSpPr>
+          <p:cNvPr id="18" name="TextBox 17"/>
+          <p:cNvSpPr txBox="1"/>
+          <p:nvPr/>
+        </p:nvSpPr>
+        <p:spPr>
+          <a:xfrm>
+            <a:off x="1040718" y="2448600"/>
+            <a:ext cx="1224136" cy="276999"/>
+          </a:xfrm>
+          <a:prstGeom prst="rect">
+            <a:avLst/>
+          </a:prstGeom>
+          <a:noFill/>
+        </p:spPr>
+        <p:txBody>
+          <a:bodyPr wrap="square" rtlCol="0">
+            <a:spAutoFit/>
+          </a:bodyPr>
+          <a:lstStyle/>
+          <a:p>
+            <a:r>
+              <a:rPr lang="en-US" sz="1200" dirty="0"/>
+              <a:t>Server 2008</a:t>
+            </a:r>
+            <a:endParaRPr lang="en-BE" sz="1200" dirty="0"/>
+          </a:p>
+        </p:txBody>
+      </p:sp>
+      <p:sp>
+        <p:nvSpPr>
+          <p:cNvPr id="19" name="TextBox 18"/>
+          <p:cNvSpPr txBox="1"/>
+          <p:nvPr/>
+        </p:nvSpPr>
+        <p:spPr>
+          <a:xfrm>
+            <a:off x="2550075" y="4147645"/>
+            <a:ext cx="1265753" cy="461665"/>
+          </a:xfrm>
+          <a:prstGeom prst="rect">
+            <a:avLst/>
+          </a:prstGeom>
+          <a:noFill/>
+        </p:spPr>
+        <p:txBody>
+          <a:bodyPr wrap="square" rtlCol="0">
+            <a:spAutoFit/>
+          </a:bodyPr>
+          <a:lstStyle/>
+          <a:p>
+            <a:r>
+              <a:rPr lang="en-US" sz="1200" dirty="0"/>
+              <a:t>Win 7</a:t>
+            </a:r>
+          </a:p>
+          <a:p>
+            <a:r>
+              <a:rPr lang="en-US" sz="1200" dirty="0"/>
+              <a:t>Server 2008 R2</a:t>
+            </a:r>
+          </a:p>
+        </p:txBody>
+      </p:sp>
+      <p:sp>
+        <p:nvSpPr>
+          <p:cNvPr id="20" name="TextBox 19"/>
+          <p:cNvSpPr txBox="1"/>
+          <p:nvPr/>
+        </p:nvSpPr>
+        <p:spPr>
+          <a:xfrm>
+            <a:off x="3900229" y="2448600"/>
+            <a:ext cx="1265753" cy="461665"/>
+          </a:xfrm>
+          <a:prstGeom prst="rect">
+            <a:avLst/>
+          </a:prstGeom>
+          <a:noFill/>
+        </p:spPr>
+        <p:txBody>
+          <a:bodyPr wrap="square" rtlCol="0">
+            <a:spAutoFit/>
+          </a:bodyPr>
+          <a:lstStyle/>
+          <a:p>
+            <a:r>
+              <a:rPr lang="en-US" sz="1200" dirty="0"/>
+              <a:t>Win 8</a:t>
+            </a:r>
+          </a:p>
+          <a:p>
+            <a:r>
+              <a:rPr lang="en-US" sz="1200" dirty="0"/>
+              <a:t>Server 2012</a:t>
+            </a:r>
+          </a:p>
+        </p:txBody>
+      </p:sp>
+      <p:sp>
+        <p:nvSpPr>
+          <p:cNvPr id="21" name="TextBox 20"/>
+          <p:cNvSpPr txBox="1"/>
+          <p:nvPr/>
+        </p:nvSpPr>
+        <p:spPr>
+          <a:xfrm>
+            <a:off x="5385152" y="4165215"/>
+            <a:ext cx="1265753" cy="461665"/>
+          </a:xfrm>
+          <a:prstGeom prst="rect">
+            <a:avLst/>
+          </a:prstGeom>
+          <a:noFill/>
+        </p:spPr>
+        <p:txBody>
+          <a:bodyPr wrap="square" rtlCol="0">
+            <a:spAutoFit/>
+          </a:bodyPr>
+          <a:lstStyle/>
+          <a:p>
+            <a:r>
+              <a:rPr lang="en-US" sz="1200" dirty="0"/>
+              <a:t>Win 8.1</a:t>
+            </a:r>
+          </a:p>
+          <a:p>
+            <a:r>
+              <a:rPr lang="en-US" sz="1200" dirty="0"/>
+              <a:t>Server 2012 R2</a:t>
+            </a:r>
+          </a:p>
+        </p:txBody>
+      </p:sp>
+      <p:sp>
+        <p:nvSpPr>
+          <p:cNvPr id="22" name="TextBox 21"/>
+          <p:cNvSpPr txBox="1"/>
+          <p:nvPr/>
+        </p:nvSpPr>
+        <p:spPr>
+          <a:xfrm>
+            <a:off x="6796193" y="2456929"/>
+            <a:ext cx="1265753" cy="276999"/>
+          </a:xfrm>
+          <a:prstGeom prst="rect">
+            <a:avLst/>
+          </a:prstGeom>
+          <a:noFill/>
+        </p:spPr>
+        <p:txBody>
+          <a:bodyPr wrap="square" rtlCol="0">
+            <a:spAutoFit/>
+          </a:bodyPr>
+          <a:lstStyle/>
+          <a:p>
+            <a:r>
+              <a:rPr lang="en-US" sz="1200" dirty="0"/>
+              <a:t>Win 10</a:t>
+            </a:r>
+          </a:p>
+        </p:txBody>
+      </p:sp>
+    </p:spTree>
+    <p:extLst>
+      <p:ext uri="{BB962C8B-B14F-4D97-AF65-F5344CB8AC3E}">
+        <p14:creationId xmlns:p14="http://schemas.microsoft.com/office/powerpoint/2010/main" val="353889771"/>
+      </p:ext>
+    </p:extLst>
+  </p:cSld>
+  <p:clrMapOvr>
+    <a:masterClrMapping/>
+  </p:clrMapOvr>
+</p:sld>
+</file>
+
+<file path=ppt/slides/slide40.xml><?xml version="1.0" encoding="utf-8"?>
 <p:sld xmlns:a="http://schemas.openxmlformats.org/drawingml/2006/main" xmlns:r="http://schemas.openxmlformats.org/officeDocument/2006/relationships" xmlns:p="http://schemas.openxmlformats.org/presentationml/2006/main">
   <p:cSld>
     <p:spTree>
@@ -24433,7 +26188,7 @@
 </p:sld>
 </file>
 
-<file path=ppt/slides/slide39.xml><?xml version="1.0" encoding="utf-8"?>
+<file path=ppt/slides/slide41.xml><?xml version="1.0" encoding="utf-8"?>
 <p:sld xmlns:a="http://schemas.openxmlformats.org/drawingml/2006/main" xmlns:r="http://schemas.openxmlformats.org/officeDocument/2006/relationships" xmlns:p="http://schemas.openxmlformats.org/presentationml/2006/main">
   <p:cSld>
     <p:spTree>
@@ -24470,7 +26225,7 @@
 </p:sld>
 </file>
 
-<file path=ppt/slides/slide4.xml><?xml version="1.0" encoding="utf-8"?>
+<file path=ppt/slides/slide42.xml><?xml version="1.0" encoding="utf-8"?>
 <p:sld xmlns:a="http://schemas.openxmlformats.org/drawingml/2006/main" xmlns:r="http://schemas.openxmlformats.org/officeDocument/2006/relationships" xmlns:p="http://schemas.openxmlformats.org/presentationml/2006/main">
   <p:cSld>
     <p:spTree>
@@ -24489,720 +26244,6 @@
       </p:grpSpPr>
       <p:sp>
         <p:nvSpPr>
-          <p:cNvPr id="2" name="Title 1"/>
-          <p:cNvSpPr>
-            <a:spLocks noGrp="1"/>
-          </p:cNvSpPr>
-          <p:nvPr>
-            <p:ph type="title"/>
-          </p:nvPr>
-        </p:nvSpPr>
-        <p:spPr/>
-        <p:txBody>
-          <a:bodyPr/>
-          <a:lstStyle/>
-          <a:p>
-            <a:r>
-              <a:rPr lang="en-US" dirty="0"/>
-              <a:t>History</a:t>
-            </a:r>
-            <a:endParaRPr lang="en-BE" dirty="0"/>
-          </a:p>
-        </p:txBody>
-      </p:sp>
-      <p:sp>
-        <p:nvSpPr>
-          <p:cNvPr id="3" name="Content Placeholder 2"/>
-          <p:cNvSpPr>
-            <a:spLocks noGrp="1"/>
-          </p:cNvSpPr>
-          <p:nvPr>
-            <p:ph idx="1"/>
-          </p:nvPr>
-        </p:nvSpPr>
-        <p:spPr/>
-        <p:txBody>
-          <a:bodyPr/>
-          <a:lstStyle/>
-          <a:p>
-            <a:endParaRPr lang="en-BE" dirty="0"/>
-          </a:p>
-        </p:txBody>
-      </p:sp>
-      <p:pic>
-        <p:nvPicPr>
-          <p:cNvPr id="4" name="Picture 3"/>
-          <p:cNvPicPr>
-            <a:picLocks noChangeAspect="1"/>
-          </p:cNvPicPr>
-          <p:nvPr/>
-        </p:nvPicPr>
-        <p:blipFill>
-          <a:blip r:embed="rId3" cstate="print">
-            <a:extLst>
-              <a:ext uri="{28A0092B-C50C-407E-A947-70E740481C1C}">
-                <a14:useLocalDpi xmlns:a14="http://schemas.microsoft.com/office/drawing/2010/main" val="0"/>
-              </a:ext>
-            </a:extLst>
-          </a:blip>
-          <a:stretch>
-            <a:fillRect/>
-          </a:stretch>
-        </p:blipFill>
-        <p:spPr>
-          <a:xfrm>
-            <a:off x="251520" y="2276872"/>
-            <a:ext cx="8650684" cy="2929415"/>
-          </a:xfrm>
-          <a:prstGeom prst="rect">
-            <a:avLst/>
-          </a:prstGeom>
-        </p:spPr>
-      </p:pic>
-      <p:sp>
-        <p:nvSpPr>
-          <p:cNvPr id="5" name="TextBox 4"/>
-          <p:cNvSpPr txBox="1"/>
-          <p:nvPr/>
-        </p:nvSpPr>
-        <p:spPr>
-          <a:xfrm>
-            <a:off x="644674" y="3556913"/>
-            <a:ext cx="1008112" cy="369332"/>
-          </a:xfrm>
-          <a:prstGeom prst="rect">
-            <a:avLst/>
-          </a:prstGeom>
-          <a:noFill/>
-        </p:spPr>
-        <p:txBody>
-          <a:bodyPr wrap="square" rtlCol="0">
-            <a:spAutoFit/>
-          </a:bodyPr>
-          <a:lstStyle/>
-          <a:p>
-            <a:r>
-              <a:rPr lang="en-US" dirty="0">
-                <a:solidFill>
-                  <a:schemeClr val="bg1"/>
-                </a:solidFill>
-              </a:rPr>
-              <a:t>2006</a:t>
-            </a:r>
-            <a:endParaRPr lang="en-BE" dirty="0">
-              <a:solidFill>
-                <a:schemeClr val="bg1"/>
-              </a:solidFill>
-            </a:endParaRPr>
-          </a:p>
-        </p:txBody>
-      </p:sp>
-      <p:sp>
-        <p:nvSpPr>
-          <p:cNvPr id="6" name="TextBox 5"/>
-          <p:cNvSpPr txBox="1"/>
-          <p:nvPr/>
-        </p:nvSpPr>
-        <p:spPr>
-          <a:xfrm>
-            <a:off x="2134667" y="3556913"/>
-            <a:ext cx="742255" cy="369332"/>
-          </a:xfrm>
-          <a:prstGeom prst="rect">
-            <a:avLst/>
-          </a:prstGeom>
-          <a:noFill/>
-        </p:spPr>
-        <p:txBody>
-          <a:bodyPr wrap="square" rtlCol="0">
-            <a:spAutoFit/>
-          </a:bodyPr>
-          <a:lstStyle/>
-          <a:p>
-            <a:r>
-              <a:rPr lang="en-US" dirty="0">
-                <a:solidFill>
-                  <a:schemeClr val="bg1"/>
-                </a:solidFill>
-              </a:rPr>
-              <a:t>2009</a:t>
-            </a:r>
-            <a:endParaRPr lang="en-BE" dirty="0">
-              <a:solidFill>
-                <a:schemeClr val="bg1"/>
-              </a:solidFill>
-            </a:endParaRPr>
-          </a:p>
-        </p:txBody>
-      </p:sp>
-      <p:sp>
-        <p:nvSpPr>
-          <p:cNvPr id="7" name="TextBox 6"/>
-          <p:cNvSpPr txBox="1"/>
-          <p:nvPr/>
-        </p:nvSpPr>
-        <p:spPr>
-          <a:xfrm>
-            <a:off x="3463925" y="3546222"/>
-            <a:ext cx="742255" cy="369332"/>
-          </a:xfrm>
-          <a:prstGeom prst="rect">
-            <a:avLst/>
-          </a:prstGeom>
-          <a:noFill/>
-        </p:spPr>
-        <p:txBody>
-          <a:bodyPr wrap="square" rtlCol="0">
-            <a:spAutoFit/>
-          </a:bodyPr>
-          <a:lstStyle/>
-          <a:p>
-            <a:r>
-              <a:rPr lang="en-US" dirty="0">
-                <a:solidFill>
-                  <a:schemeClr val="bg1"/>
-                </a:solidFill>
-              </a:rPr>
-              <a:t>2012</a:t>
-            </a:r>
-            <a:endParaRPr lang="en-BE" dirty="0">
-              <a:solidFill>
-                <a:schemeClr val="bg1"/>
-              </a:solidFill>
-            </a:endParaRPr>
-          </a:p>
-        </p:txBody>
-      </p:sp>
-      <p:sp>
-        <p:nvSpPr>
-          <p:cNvPr id="8" name="TextBox 7"/>
-          <p:cNvSpPr txBox="1"/>
-          <p:nvPr/>
-        </p:nvSpPr>
-        <p:spPr>
-          <a:xfrm>
-            <a:off x="4965154" y="3556913"/>
-            <a:ext cx="742255" cy="369332"/>
-          </a:xfrm>
-          <a:prstGeom prst="rect">
-            <a:avLst/>
-          </a:prstGeom>
-          <a:noFill/>
-        </p:spPr>
-        <p:txBody>
-          <a:bodyPr wrap="square" rtlCol="0">
-            <a:spAutoFit/>
-          </a:bodyPr>
-          <a:lstStyle/>
-          <a:p>
-            <a:r>
-              <a:rPr lang="en-US" dirty="0">
-                <a:solidFill>
-                  <a:schemeClr val="bg1"/>
-                </a:solidFill>
-              </a:rPr>
-              <a:t>2013</a:t>
-            </a:r>
-            <a:endParaRPr lang="en-BE" dirty="0">
-              <a:solidFill>
-                <a:schemeClr val="bg1"/>
-              </a:solidFill>
-            </a:endParaRPr>
-          </a:p>
-        </p:txBody>
-      </p:sp>
-      <p:sp>
-        <p:nvSpPr>
-          <p:cNvPr id="9" name="TextBox 8"/>
-          <p:cNvSpPr txBox="1"/>
-          <p:nvPr/>
-        </p:nvSpPr>
-        <p:spPr>
-          <a:xfrm>
-            <a:off x="6332252" y="3535531"/>
-            <a:ext cx="742255" cy="369332"/>
-          </a:xfrm>
-          <a:prstGeom prst="rect">
-            <a:avLst/>
-          </a:prstGeom>
-          <a:noFill/>
-        </p:spPr>
-        <p:txBody>
-          <a:bodyPr wrap="square" rtlCol="0">
-            <a:spAutoFit/>
-          </a:bodyPr>
-          <a:lstStyle/>
-          <a:p>
-            <a:r>
-              <a:rPr lang="en-US" dirty="0">
-                <a:solidFill>
-                  <a:schemeClr val="bg1"/>
-                </a:solidFill>
-              </a:rPr>
-              <a:t>2014</a:t>
-            </a:r>
-            <a:endParaRPr lang="en-BE" dirty="0">
-              <a:solidFill>
-                <a:schemeClr val="bg1"/>
-              </a:solidFill>
-            </a:endParaRPr>
-          </a:p>
-        </p:txBody>
-      </p:sp>
-      <p:sp>
-        <p:nvSpPr>
-          <p:cNvPr id="10" name="TextBox 9"/>
-          <p:cNvSpPr txBox="1"/>
-          <p:nvPr/>
-        </p:nvSpPr>
-        <p:spPr>
-          <a:xfrm>
-            <a:off x="7795381" y="3535531"/>
-            <a:ext cx="742255" cy="369332"/>
-          </a:xfrm>
-          <a:prstGeom prst="rect">
-            <a:avLst/>
-          </a:prstGeom>
-          <a:noFill/>
-        </p:spPr>
-        <p:txBody>
-          <a:bodyPr wrap="square" rtlCol="0">
-            <a:spAutoFit/>
-          </a:bodyPr>
-          <a:lstStyle/>
-          <a:p>
-            <a:r>
-              <a:rPr lang="en-US" dirty="0">
-                <a:solidFill>
-                  <a:schemeClr val="bg1"/>
-                </a:solidFill>
-              </a:rPr>
-              <a:t>2016</a:t>
-            </a:r>
-            <a:endParaRPr lang="en-BE" dirty="0">
-              <a:solidFill>
-                <a:schemeClr val="bg1"/>
-              </a:solidFill>
-            </a:endParaRPr>
-          </a:p>
-        </p:txBody>
-      </p:sp>
-      <p:sp>
-        <p:nvSpPr>
-          <p:cNvPr id="11" name="TextBox 10"/>
-          <p:cNvSpPr txBox="1"/>
-          <p:nvPr/>
-        </p:nvSpPr>
-        <p:spPr>
-          <a:xfrm>
-            <a:off x="340085" y="1947079"/>
-            <a:ext cx="1312701" cy="276999"/>
-          </a:xfrm>
-          <a:prstGeom prst="rect">
-            <a:avLst/>
-          </a:prstGeom>
-          <a:noFill/>
-        </p:spPr>
-        <p:txBody>
-          <a:bodyPr wrap="square" rtlCol="0">
-            <a:spAutoFit/>
-          </a:bodyPr>
-          <a:lstStyle/>
-          <a:p>
-            <a:r>
-              <a:rPr lang="en-US" sz="1200" dirty="0"/>
-              <a:t>PowerShell 1.0</a:t>
-            </a:r>
-          </a:p>
-        </p:txBody>
-      </p:sp>
-      <p:sp>
-        <p:nvSpPr>
-          <p:cNvPr id="12" name="TextBox 11"/>
-          <p:cNvSpPr txBox="1"/>
-          <p:nvPr/>
-        </p:nvSpPr>
-        <p:spPr>
-          <a:xfrm>
-            <a:off x="1849443" y="5206286"/>
-            <a:ext cx="1312701" cy="461665"/>
-          </a:xfrm>
-          <a:prstGeom prst="rect">
-            <a:avLst/>
-          </a:prstGeom>
-          <a:noFill/>
-        </p:spPr>
-        <p:txBody>
-          <a:bodyPr wrap="square" rtlCol="0">
-            <a:spAutoFit/>
-          </a:bodyPr>
-          <a:lstStyle/>
-          <a:p>
-            <a:r>
-              <a:rPr lang="en-US" sz="1200" dirty="0"/>
-              <a:t>PowerShell 2.0</a:t>
-            </a:r>
-          </a:p>
-          <a:p>
-            <a:r>
-              <a:rPr lang="en-US" sz="1200" dirty="0"/>
-              <a:t>(ISE introduced)</a:t>
-            </a:r>
-            <a:endParaRPr lang="en-BE" sz="1200" dirty="0"/>
-          </a:p>
-        </p:txBody>
-      </p:sp>
-      <p:sp>
-        <p:nvSpPr>
-          <p:cNvPr id="13" name="TextBox 12"/>
-          <p:cNvSpPr txBox="1"/>
-          <p:nvPr/>
-        </p:nvSpPr>
-        <p:spPr>
-          <a:xfrm>
-            <a:off x="3220405" y="1947079"/>
-            <a:ext cx="1312701" cy="276999"/>
-          </a:xfrm>
-          <a:prstGeom prst="rect">
-            <a:avLst/>
-          </a:prstGeom>
-          <a:noFill/>
-        </p:spPr>
-        <p:txBody>
-          <a:bodyPr wrap="square" rtlCol="0">
-            <a:spAutoFit/>
-          </a:bodyPr>
-          <a:lstStyle/>
-          <a:p>
-            <a:r>
-              <a:rPr lang="en-US" sz="1200" dirty="0"/>
-              <a:t>PowerShell 3.0</a:t>
-            </a:r>
-            <a:endParaRPr lang="en-BE" sz="1200" dirty="0"/>
-          </a:p>
-        </p:txBody>
-      </p:sp>
-      <p:sp>
-        <p:nvSpPr>
-          <p:cNvPr id="14" name="TextBox 13"/>
-          <p:cNvSpPr txBox="1"/>
-          <p:nvPr/>
-        </p:nvSpPr>
-        <p:spPr>
-          <a:xfrm>
-            <a:off x="4760067" y="5206286"/>
-            <a:ext cx="1312701" cy="276999"/>
-          </a:xfrm>
-          <a:prstGeom prst="rect">
-            <a:avLst/>
-          </a:prstGeom>
-          <a:noFill/>
-        </p:spPr>
-        <p:txBody>
-          <a:bodyPr wrap="square" rtlCol="0">
-            <a:spAutoFit/>
-          </a:bodyPr>
-          <a:lstStyle/>
-          <a:p>
-            <a:r>
-              <a:rPr lang="en-US" sz="1200" dirty="0"/>
-              <a:t>PowerShell 4.0</a:t>
-            </a:r>
-            <a:endParaRPr lang="en-BE" sz="1200" dirty="0"/>
-          </a:p>
-        </p:txBody>
-      </p:sp>
-      <p:sp>
-        <p:nvSpPr>
-          <p:cNvPr id="15" name="TextBox 14"/>
-          <p:cNvSpPr txBox="1"/>
-          <p:nvPr/>
-        </p:nvSpPr>
-        <p:spPr>
-          <a:xfrm>
-            <a:off x="5994555" y="1947078"/>
-            <a:ext cx="1312701" cy="276999"/>
-          </a:xfrm>
-          <a:prstGeom prst="rect">
-            <a:avLst/>
-          </a:prstGeom>
-          <a:noFill/>
-        </p:spPr>
-        <p:txBody>
-          <a:bodyPr wrap="square" rtlCol="0">
-            <a:spAutoFit/>
-          </a:bodyPr>
-          <a:lstStyle/>
-          <a:p>
-            <a:r>
-              <a:rPr lang="en-US" sz="1200" dirty="0"/>
-              <a:t>PowerShell 5.0</a:t>
-            </a:r>
-            <a:endParaRPr lang="en-BE" sz="1200" dirty="0"/>
-          </a:p>
-        </p:txBody>
-      </p:sp>
-      <p:sp>
-        <p:nvSpPr>
-          <p:cNvPr id="16" name="TextBox 15"/>
-          <p:cNvSpPr txBox="1"/>
-          <p:nvPr/>
-        </p:nvSpPr>
-        <p:spPr>
-          <a:xfrm>
-            <a:off x="7307256" y="5206286"/>
-            <a:ext cx="1797849" cy="276999"/>
-          </a:xfrm>
-          <a:prstGeom prst="rect">
-            <a:avLst/>
-          </a:prstGeom>
-          <a:noFill/>
-        </p:spPr>
-        <p:txBody>
-          <a:bodyPr wrap="square" rtlCol="0">
-            <a:spAutoFit/>
-          </a:bodyPr>
-          <a:lstStyle/>
-          <a:p>
-            <a:r>
-              <a:rPr lang="en-US" sz="1200" dirty="0"/>
-              <a:t>PowerShell 6.0 Alpha</a:t>
-            </a:r>
-            <a:endParaRPr lang="en-BE" sz="1200" dirty="0"/>
-          </a:p>
-        </p:txBody>
-      </p:sp>
-      <p:sp>
-        <p:nvSpPr>
-          <p:cNvPr id="17" name="TextBox 16"/>
-          <p:cNvSpPr txBox="1"/>
-          <p:nvPr/>
-        </p:nvSpPr>
-        <p:spPr>
-          <a:xfrm>
-            <a:off x="40953" y="6255495"/>
-            <a:ext cx="9144000" cy="461665"/>
-          </a:xfrm>
-          <a:prstGeom prst="rect">
-            <a:avLst/>
-          </a:prstGeom>
-          <a:noFill/>
-        </p:spPr>
-        <p:txBody>
-          <a:bodyPr wrap="square" rtlCol="0">
-            <a:spAutoFit/>
-          </a:bodyPr>
-          <a:lstStyle/>
-          <a:p>
-            <a:r>
-              <a:rPr lang="nl-BE" sz="1200" dirty="0">
-                <a:hlinkClick r:id="rId4"/>
-              </a:rPr>
-              <a:t>https://4sysops.com/archives/powershell-versions-and-their-windows-version/</a:t>
-            </a:r>
-            <a:endParaRPr lang="en-US" sz="1200" dirty="0"/>
-          </a:p>
-          <a:p>
-            <a:endParaRPr lang="nl-BE" sz="1200" dirty="0"/>
-          </a:p>
-        </p:txBody>
-      </p:sp>
-      <p:sp>
-        <p:nvSpPr>
-          <p:cNvPr id="18" name="TextBox 17"/>
-          <p:cNvSpPr txBox="1"/>
-          <p:nvPr/>
-        </p:nvSpPr>
-        <p:spPr>
-          <a:xfrm>
-            <a:off x="1040718" y="2448600"/>
-            <a:ext cx="1224136" cy="276999"/>
-          </a:xfrm>
-          <a:prstGeom prst="rect">
-            <a:avLst/>
-          </a:prstGeom>
-          <a:noFill/>
-        </p:spPr>
-        <p:txBody>
-          <a:bodyPr wrap="square" rtlCol="0">
-            <a:spAutoFit/>
-          </a:bodyPr>
-          <a:lstStyle/>
-          <a:p>
-            <a:r>
-              <a:rPr lang="en-US" sz="1200" dirty="0"/>
-              <a:t>Server 2008</a:t>
-            </a:r>
-            <a:endParaRPr lang="en-BE" sz="1200" dirty="0"/>
-          </a:p>
-        </p:txBody>
-      </p:sp>
-      <p:sp>
-        <p:nvSpPr>
-          <p:cNvPr id="19" name="TextBox 18"/>
-          <p:cNvSpPr txBox="1"/>
-          <p:nvPr/>
-        </p:nvSpPr>
-        <p:spPr>
-          <a:xfrm>
-            <a:off x="2550075" y="4147645"/>
-            <a:ext cx="1265753" cy="461665"/>
-          </a:xfrm>
-          <a:prstGeom prst="rect">
-            <a:avLst/>
-          </a:prstGeom>
-          <a:noFill/>
-        </p:spPr>
-        <p:txBody>
-          <a:bodyPr wrap="square" rtlCol="0">
-            <a:spAutoFit/>
-          </a:bodyPr>
-          <a:lstStyle/>
-          <a:p>
-            <a:r>
-              <a:rPr lang="en-US" sz="1200" dirty="0"/>
-              <a:t>Win 7</a:t>
-            </a:r>
-          </a:p>
-          <a:p>
-            <a:r>
-              <a:rPr lang="en-US" sz="1200" dirty="0"/>
-              <a:t>Server 2008 R2</a:t>
-            </a:r>
-          </a:p>
-        </p:txBody>
-      </p:sp>
-      <p:sp>
-        <p:nvSpPr>
-          <p:cNvPr id="20" name="TextBox 19"/>
-          <p:cNvSpPr txBox="1"/>
-          <p:nvPr/>
-        </p:nvSpPr>
-        <p:spPr>
-          <a:xfrm>
-            <a:off x="3900229" y="2448600"/>
-            <a:ext cx="1265753" cy="461665"/>
-          </a:xfrm>
-          <a:prstGeom prst="rect">
-            <a:avLst/>
-          </a:prstGeom>
-          <a:noFill/>
-        </p:spPr>
-        <p:txBody>
-          <a:bodyPr wrap="square" rtlCol="0">
-            <a:spAutoFit/>
-          </a:bodyPr>
-          <a:lstStyle/>
-          <a:p>
-            <a:r>
-              <a:rPr lang="en-US" sz="1200" dirty="0"/>
-              <a:t>Win 8</a:t>
-            </a:r>
-          </a:p>
-          <a:p>
-            <a:r>
-              <a:rPr lang="en-US" sz="1200" dirty="0"/>
-              <a:t>Server 2012</a:t>
-            </a:r>
-          </a:p>
-        </p:txBody>
-      </p:sp>
-      <p:sp>
-        <p:nvSpPr>
-          <p:cNvPr id="21" name="TextBox 20"/>
-          <p:cNvSpPr txBox="1"/>
-          <p:nvPr/>
-        </p:nvSpPr>
-        <p:spPr>
-          <a:xfrm>
-            <a:off x="5385152" y="4165215"/>
-            <a:ext cx="1265753" cy="461665"/>
-          </a:xfrm>
-          <a:prstGeom prst="rect">
-            <a:avLst/>
-          </a:prstGeom>
-          <a:noFill/>
-        </p:spPr>
-        <p:txBody>
-          <a:bodyPr wrap="square" rtlCol="0">
-            <a:spAutoFit/>
-          </a:bodyPr>
-          <a:lstStyle/>
-          <a:p>
-            <a:r>
-              <a:rPr lang="en-US" sz="1200" dirty="0"/>
-              <a:t>Win 8.1</a:t>
-            </a:r>
-          </a:p>
-          <a:p>
-            <a:r>
-              <a:rPr lang="en-US" sz="1200" dirty="0"/>
-              <a:t>Server 2012 R2</a:t>
-            </a:r>
-          </a:p>
-        </p:txBody>
-      </p:sp>
-      <p:sp>
-        <p:nvSpPr>
-          <p:cNvPr id="22" name="TextBox 21"/>
-          <p:cNvSpPr txBox="1"/>
-          <p:nvPr/>
-        </p:nvSpPr>
-        <p:spPr>
-          <a:xfrm>
-            <a:off x="6796193" y="2456929"/>
-            <a:ext cx="1265753" cy="276999"/>
-          </a:xfrm>
-          <a:prstGeom prst="rect">
-            <a:avLst/>
-          </a:prstGeom>
-          <a:noFill/>
-        </p:spPr>
-        <p:txBody>
-          <a:bodyPr wrap="square" rtlCol="0">
-            <a:spAutoFit/>
-          </a:bodyPr>
-          <a:lstStyle/>
-          <a:p>
-            <a:r>
-              <a:rPr lang="en-US" sz="1200" dirty="0"/>
-              <a:t>Win 10</a:t>
-            </a:r>
-          </a:p>
-        </p:txBody>
-      </p:sp>
-    </p:spTree>
-    <p:extLst>
-      <p:ext uri="{BB962C8B-B14F-4D97-AF65-F5344CB8AC3E}">
-        <p14:creationId xmlns:p14="http://schemas.microsoft.com/office/powerpoint/2010/main" val="353889771"/>
-      </p:ext>
-    </p:extLst>
-  </p:cSld>
-  <p:clrMapOvr>
-    <a:masterClrMapping/>
-  </p:clrMapOvr>
-</p:sld>
-</file>
-
-<file path=ppt/slides/slide40.xml><?xml version="1.0" encoding="utf-8"?>
-<p:sld xmlns:a="http://schemas.openxmlformats.org/drawingml/2006/main" xmlns:r="http://schemas.openxmlformats.org/officeDocument/2006/relationships" xmlns:p="http://schemas.openxmlformats.org/presentationml/2006/main">
-  <p:cSld>
-    <p:spTree>
-      <p:nvGrpSpPr>
-        <p:cNvPr id="1" name=""/>
-        <p:cNvGrpSpPr/>
-        <p:nvPr/>
-      </p:nvGrpSpPr>
-      <p:grpSpPr>
-        <a:xfrm>
-          <a:off x="0" y="0"/>
-          <a:ext cx="0" cy="0"/>
-          <a:chOff x="0" y="0"/>
-          <a:chExt cx="0" cy="0"/>
-        </a:xfrm>
-      </p:grpSpPr>
-      <p:sp>
-        <p:nvSpPr>
           <p:cNvPr id="53250" name="Picture Placeholder 5"/>
           <p:cNvSpPr>
             <a:spLocks noGrp="1" noTextEdit="1"/>
@@ -25271,7 +26312,7 @@
 </p:sld>
 </file>
 
-<file path=ppt/slides/slide41.xml><?xml version="1.0" encoding="utf-8"?>
+<file path=ppt/slides/slide43.xml><?xml version="1.0" encoding="utf-8"?>
 <p:sld xmlns:a="http://schemas.openxmlformats.org/drawingml/2006/main" xmlns:r="http://schemas.openxmlformats.org/officeDocument/2006/relationships" xmlns:p="http://schemas.openxmlformats.org/presentationml/2006/main">
   <p:cSld>
     <p:spTree>
@@ -25380,293 +26421,6 @@
 </p:sld>
 </file>
 
-<file path=ppt/slides/slide42.xml><?xml version="1.0" encoding="utf-8"?>
-<p:sld xmlns:a="http://schemas.openxmlformats.org/drawingml/2006/main" xmlns:r="http://schemas.openxmlformats.org/officeDocument/2006/relationships" xmlns:p="http://schemas.openxmlformats.org/presentationml/2006/main">
-  <p:cSld>
-    <p:spTree>
-      <p:nvGrpSpPr>
-        <p:cNvPr id="1" name=""/>
-        <p:cNvGrpSpPr/>
-        <p:nvPr/>
-      </p:nvGrpSpPr>
-      <p:grpSpPr>
-        <a:xfrm>
-          <a:off x="0" y="0"/>
-          <a:ext cx="0" cy="0"/>
-          <a:chOff x="0" y="0"/>
-          <a:chExt cx="0" cy="0"/>
-        </a:xfrm>
-      </p:grpSpPr>
-      <p:sp>
-        <p:nvSpPr>
-          <p:cNvPr id="55298" name="Title 3"/>
-          <p:cNvSpPr>
-            <a:spLocks noGrp="1"/>
-          </p:cNvSpPr>
-          <p:nvPr>
-            <p:ph type="title"/>
-          </p:nvPr>
-        </p:nvSpPr>
-        <p:spPr/>
-        <p:txBody>
-          <a:bodyPr/>
-          <a:lstStyle/>
-          <a:p>
-            <a:pPr eaLnBrk="1" hangingPunct="1"/>
-            <a:r>
-              <a:rPr lang="en-ZA">
-                <a:ea typeface="ＭＳ Ｐゴシック" pitchFamily="34" charset="-128"/>
-              </a:rPr>
-              <a:t>Main title</a:t>
-            </a:r>
-          </a:p>
-        </p:txBody>
-      </p:sp>
-      <p:sp>
-        <p:nvSpPr>
-          <p:cNvPr id="55299" name="Content Placeholder 4"/>
-          <p:cNvSpPr>
-            <a:spLocks noGrp="1"/>
-          </p:cNvSpPr>
-          <p:nvPr>
-            <p:ph type="body" sz="quarter" idx="12"/>
-          </p:nvPr>
-        </p:nvSpPr>
-        <p:spPr/>
-        <p:txBody>
-          <a:bodyPr/>
-          <a:lstStyle/>
-          <a:p>
-            <a:pPr marL="0" indent="0" eaLnBrk="1" hangingPunct="1"/>
-            <a:r>
-              <a:rPr lang="en-ZA">
-                <a:ea typeface="ＭＳ Ｐゴシック" pitchFamily="34" charset="-128"/>
-              </a:rPr>
-              <a:t>Introduction level</a:t>
-            </a:r>
-          </a:p>
-          <a:p>
-            <a:pPr lvl="1" eaLnBrk="1" hangingPunct="1"/>
-            <a:r>
-              <a:rPr lang="en-ZA">
-                <a:ea typeface="ＭＳ Ｐゴシック" pitchFamily="34" charset="-128"/>
-              </a:rPr>
-              <a:t>First level bullet</a:t>
-            </a:r>
-          </a:p>
-          <a:p>
-            <a:pPr lvl="2" eaLnBrk="1" hangingPunct="1"/>
-            <a:r>
-              <a:rPr lang="en-ZA">
-                <a:ea typeface="ＭＳ Ｐゴシック" pitchFamily="34" charset="-128"/>
-              </a:rPr>
-              <a:t>Second level bullet</a:t>
-            </a:r>
-          </a:p>
-          <a:p>
-            <a:pPr lvl="3" eaLnBrk="1" hangingPunct="1"/>
-            <a:r>
-              <a:rPr lang="en-ZA">
-                <a:ea typeface="ＭＳ Ｐゴシック" pitchFamily="34" charset="-128"/>
-              </a:rPr>
-              <a:t>Third level bullet</a:t>
-            </a:r>
-          </a:p>
-          <a:p>
-            <a:pPr marL="0" indent="0" eaLnBrk="1" hangingPunct="1"/>
-            <a:r>
-              <a:rPr lang="en-ZA">
-                <a:ea typeface="ＭＳ Ｐゴシック" pitchFamily="34" charset="-128"/>
-              </a:rPr>
-              <a:t>I have amended this sizing a little from the old template, as this is more practical for everyday, typical Dimension Data content – this is my recommendation!</a:t>
-            </a:r>
-          </a:p>
-        </p:txBody>
-      </p:sp>
-    </p:spTree>
-  </p:cSld>
-  <p:clrMapOvr>
-    <a:masterClrMapping/>
-  </p:clrMapOvr>
-</p:sld>
-</file>
-
-<file path=ppt/slides/slide43.xml><?xml version="1.0" encoding="utf-8"?>
-<p:sld xmlns:a="http://schemas.openxmlformats.org/drawingml/2006/main" xmlns:r="http://schemas.openxmlformats.org/officeDocument/2006/relationships" xmlns:p="http://schemas.openxmlformats.org/presentationml/2006/main">
-  <p:cSld>
-    <p:spTree>
-      <p:nvGrpSpPr>
-        <p:cNvPr id="1" name=""/>
-        <p:cNvGrpSpPr/>
-        <p:nvPr/>
-      </p:nvGrpSpPr>
-      <p:grpSpPr>
-        <a:xfrm>
-          <a:off x="0" y="0"/>
-          <a:ext cx="0" cy="0"/>
-          <a:chOff x="0" y="0"/>
-          <a:chExt cx="0" cy="0"/>
-        </a:xfrm>
-      </p:grpSpPr>
-      <p:sp>
-        <p:nvSpPr>
-          <p:cNvPr id="56322" name="Title 3"/>
-          <p:cNvSpPr>
-            <a:spLocks noGrp="1"/>
-          </p:cNvSpPr>
-          <p:nvPr>
-            <p:ph type="title"/>
-          </p:nvPr>
-        </p:nvSpPr>
-        <p:spPr/>
-        <p:txBody>
-          <a:bodyPr/>
-          <a:lstStyle/>
-          <a:p>
-            <a:pPr eaLnBrk="1" hangingPunct="1"/>
-            <a:r>
-              <a:rPr lang="en-ZA">
-                <a:ea typeface="ＭＳ Ｐゴシック" pitchFamily="34" charset="-128"/>
-              </a:rPr>
-              <a:t>Main title</a:t>
-            </a:r>
-          </a:p>
-        </p:txBody>
-      </p:sp>
-      <p:sp>
-        <p:nvSpPr>
-          <p:cNvPr id="56323" name="Content Placeholder 4"/>
-          <p:cNvSpPr>
-            <a:spLocks noGrp="1"/>
-          </p:cNvSpPr>
-          <p:nvPr>
-            <p:ph type="body" sz="quarter" idx="12"/>
-          </p:nvPr>
-        </p:nvSpPr>
-        <p:spPr/>
-        <p:txBody>
-          <a:bodyPr/>
-          <a:lstStyle/>
-          <a:p>
-            <a:pPr marL="0" indent="0" eaLnBrk="1" hangingPunct="1"/>
-            <a:r>
-              <a:rPr lang="en-ZA">
-                <a:ea typeface="ＭＳ Ｐゴシック" pitchFamily="34" charset="-128"/>
-              </a:rPr>
-              <a:t>Introduction level</a:t>
-            </a:r>
-          </a:p>
-          <a:p>
-            <a:pPr lvl="1" eaLnBrk="1" hangingPunct="1"/>
-            <a:r>
-              <a:rPr lang="en-ZA">
-                <a:ea typeface="ＭＳ Ｐゴシック" pitchFamily="34" charset="-128"/>
-              </a:rPr>
-              <a:t>First level bullet</a:t>
-            </a:r>
-          </a:p>
-          <a:p>
-            <a:pPr lvl="2" eaLnBrk="1" hangingPunct="1"/>
-            <a:r>
-              <a:rPr lang="en-ZA">
-                <a:ea typeface="ＭＳ Ｐゴシック" pitchFamily="34" charset="-128"/>
-              </a:rPr>
-              <a:t>Second level bullet</a:t>
-            </a:r>
-          </a:p>
-          <a:p>
-            <a:pPr lvl="3" eaLnBrk="1" hangingPunct="1"/>
-            <a:r>
-              <a:rPr lang="en-ZA">
-                <a:ea typeface="ＭＳ Ｐゴシック" pitchFamily="34" charset="-128"/>
-              </a:rPr>
-              <a:t>Third level bullet</a:t>
-            </a:r>
-          </a:p>
-          <a:p>
-            <a:pPr marL="0" indent="0" eaLnBrk="1" hangingPunct="1"/>
-            <a:r>
-              <a:rPr lang="en-ZA">
-                <a:ea typeface="ＭＳ Ｐゴシック" pitchFamily="34" charset="-128"/>
-              </a:rPr>
-              <a:t>I have amended this sizing a little from the old template, as this is more practical for everyday, typical Dimension Data content – this is my recommendation!</a:t>
-            </a:r>
-          </a:p>
-        </p:txBody>
-      </p:sp>
-      <p:sp>
-        <p:nvSpPr>
-          <p:cNvPr id="68611" name="Text Placeholder 2"/>
-          <p:cNvSpPr>
-            <a:spLocks noGrp="1"/>
-          </p:cNvSpPr>
-          <p:nvPr>
-            <p:ph type="body" sz="quarter" idx="14"/>
-          </p:nvPr>
-        </p:nvSpPr>
-        <p:spPr>
-          <a:ln w="9525"/>
-          <a:extLst>
-            <a:ext uri="{91240B29-F687-4F45-9708-019B960494DF}">
-              <a14:hiddenLine xmlns:a14="http://schemas.microsoft.com/office/drawing/2010/main" w="25400" cap="flat">
-                <a:solidFill>
-                  <a:srgbClr val="000000"/>
-                </a:solidFill>
-                <a:round/>
-                <a:headEnd/>
-                <a:tailEnd/>
-              </a14:hiddenLine>
-            </a:ext>
-          </a:extLst>
-        </p:spPr>
-        <p:txBody>
-          <a:bodyPr/>
-          <a:lstStyle/>
-          <a:p>
-            <a:pPr marL="0" indent="0" eaLnBrk="1" hangingPunct="1">
-              <a:buFont typeface="Arial" pitchFamily="34" charset="0"/>
-              <a:buNone/>
-              <a:defRPr/>
-            </a:pPr>
-            <a:endParaRPr lang="en-ZA">
-              <a:solidFill>
-                <a:srgbClr val="FFFFFF"/>
-              </a:solidFill>
-              <a:ea typeface="ＭＳ Ｐゴシック" pitchFamily="34" charset="-128"/>
-            </a:endParaRPr>
-          </a:p>
-        </p:txBody>
-      </p:sp>
-      <p:sp>
-        <p:nvSpPr>
-          <p:cNvPr id="56325" name="Content Placeholder 5"/>
-          <p:cNvSpPr>
-            <a:spLocks noGrp="1"/>
-          </p:cNvSpPr>
-          <p:nvPr>
-            <p:ph sz="quarter" idx="15"/>
-          </p:nvPr>
-        </p:nvSpPr>
-        <p:spPr/>
-        <p:txBody>
-          <a:bodyPr/>
-          <a:lstStyle/>
-          <a:p>
-            <a:pPr marL="0" indent="0" eaLnBrk="1" hangingPunct="1"/>
-            <a:endParaRPr lang="en-ZA">
-              <a:ea typeface="ＭＳ Ｐゴシック" pitchFamily="34" charset="-128"/>
-            </a:endParaRPr>
-          </a:p>
-        </p:txBody>
-      </p:sp>
-    </p:spTree>
-  </p:cSld>
-  <p:clrMapOvr>
-    <a:masterClrMapping/>
-  </p:clrMapOvr>
-</p:sld>
-</file>
-
 <file path=ppt/slides/slide44.xml><?xml version="1.0" encoding="utf-8"?>
 <p:sld xmlns:a="http://schemas.openxmlformats.org/drawingml/2006/main" xmlns:r="http://schemas.openxmlformats.org/officeDocument/2006/relationships" xmlns:p="http://schemas.openxmlformats.org/presentationml/2006/main">
   <p:cSld>
@@ -25686,7 +26440,7 @@
       </p:grpSpPr>
       <p:sp>
         <p:nvSpPr>
-          <p:cNvPr id="57346" name="Title 1"/>
+          <p:cNvPr id="55298" name="Title 3"/>
           <p:cNvSpPr>
             <a:spLocks noGrp="1"/>
           </p:cNvSpPr>
@@ -25704,29 +26458,77 @@
               <a:rPr lang="en-ZA">
                 <a:ea typeface="ＭＳ Ｐゴシック" pitchFamily="34" charset="-128"/>
               </a:rPr>
-              <a:t>Click on icon to add picture – example on following page</a:t>
+              <a:t>Main title</a:t>
             </a:r>
           </a:p>
         </p:txBody>
       </p:sp>
       <p:sp>
         <p:nvSpPr>
-          <p:cNvPr id="57347" name="Picture Placeholder 2"/>
+          <p:cNvPr id="55299" name="Content Placeholder 4"/>
           <p:cNvSpPr>
-            <a:spLocks noGrp="1" noTextEdit="1"/>
+            <a:spLocks noGrp="1"/>
           </p:cNvSpPr>
           <p:nvPr>
-            <p:ph type="pic" sz="quarter" idx="11"/>
+            <p:ph type="body" sz="quarter" idx="12"/>
           </p:nvPr>
         </p:nvSpPr>
         <p:spPr/>
+        <p:txBody>
+          <a:bodyPr/>
+          <a:lstStyle/>
+          <a:p>
+            <a:pPr marL="0" indent="0" eaLnBrk="1" hangingPunct="1"/>
+            <a:r>
+              <a:rPr lang="en-ZA">
+                <a:ea typeface="ＭＳ Ｐゴシック" pitchFamily="34" charset="-128"/>
+              </a:rPr>
+              <a:t>Introduction level</a:t>
+            </a:r>
+          </a:p>
+          <a:p>
+            <a:pPr lvl="1" eaLnBrk="1" hangingPunct="1"/>
+            <a:r>
+              <a:rPr lang="en-ZA">
+                <a:ea typeface="ＭＳ Ｐゴシック" pitchFamily="34" charset="-128"/>
+              </a:rPr>
+              <a:t>First level bullet</a:t>
+            </a:r>
+          </a:p>
+          <a:p>
+            <a:pPr lvl="2" eaLnBrk="1" hangingPunct="1"/>
+            <a:r>
+              <a:rPr lang="en-ZA">
+                <a:ea typeface="ＭＳ Ｐゴシック" pitchFamily="34" charset="-128"/>
+              </a:rPr>
+              <a:t>Second level bullet</a:t>
+            </a:r>
+          </a:p>
+          <a:p>
+            <a:pPr lvl="3" eaLnBrk="1" hangingPunct="1"/>
+            <a:r>
+              <a:rPr lang="en-ZA">
+                <a:ea typeface="ＭＳ Ｐゴシック" pitchFamily="34" charset="-128"/>
+              </a:rPr>
+              <a:t>Third level bullet</a:t>
+            </a:r>
+          </a:p>
+          <a:p>
+            <a:pPr marL="0" indent="0" eaLnBrk="1" hangingPunct="1"/>
+            <a:r>
+              <a:rPr lang="en-ZA">
+                <a:ea typeface="ＭＳ Ｐゴシック" pitchFamily="34" charset="-128"/>
+              </a:rPr>
+              <a:t>I have amended this sizing a little from the old template, as this is more practical for everyday, typical Dimension Data content – this is my recommendation!</a:t>
+            </a:r>
+          </a:p>
+        </p:txBody>
       </p:sp>
     </p:spTree>
   </p:cSld>
   <p:clrMapOvr>
     <a:masterClrMapping/>
   </p:clrMapOvr>
-  <p:transition spd="slow"/>
 </p:sld>
 </file>
 
@@ -25749,19 +26551,7 @@
       </p:grpSpPr>
       <p:sp>
         <p:nvSpPr>
-          <p:cNvPr id="58371" name="Picture Placeholder 1"/>
-          <p:cNvSpPr>
-            <a:spLocks noGrp="1" noTextEdit="1"/>
-          </p:cNvSpPr>
-          <p:nvPr>
-            <p:ph type="pic" sz="quarter" idx="12"/>
-          </p:nvPr>
-        </p:nvSpPr>
-        <p:spPr/>
-      </p:sp>
-      <p:sp>
-        <p:nvSpPr>
-          <p:cNvPr id="58370" name="Title 2"/>
+          <p:cNvPr id="56322" name="Title 3"/>
           <p:cNvSpPr>
             <a:spLocks noGrp="1"/>
           </p:cNvSpPr>
@@ -25779,8 +26569,134 @@
               <a:rPr lang="en-ZA">
                 <a:ea typeface="ＭＳ Ｐゴシック" pitchFamily="34" charset="-128"/>
               </a:rPr>
-              <a:t>Click on icon to add picture – example on following page</a:t>
-            </a:r>
+              <a:t>Main title</a:t>
+            </a:r>
+          </a:p>
+        </p:txBody>
+      </p:sp>
+      <p:sp>
+        <p:nvSpPr>
+          <p:cNvPr id="56323" name="Content Placeholder 4"/>
+          <p:cNvSpPr>
+            <a:spLocks noGrp="1"/>
+          </p:cNvSpPr>
+          <p:nvPr>
+            <p:ph type="body" sz="quarter" idx="12"/>
+          </p:nvPr>
+        </p:nvSpPr>
+        <p:spPr/>
+        <p:txBody>
+          <a:bodyPr/>
+          <a:lstStyle/>
+          <a:p>
+            <a:pPr marL="0" indent="0" eaLnBrk="1" hangingPunct="1"/>
+            <a:r>
+              <a:rPr lang="en-ZA">
+                <a:ea typeface="ＭＳ Ｐゴシック" pitchFamily="34" charset="-128"/>
+              </a:rPr>
+              <a:t>Introduction level</a:t>
+            </a:r>
+          </a:p>
+          <a:p>
+            <a:pPr lvl="1" eaLnBrk="1" hangingPunct="1"/>
+            <a:r>
+              <a:rPr lang="en-ZA">
+                <a:ea typeface="ＭＳ Ｐゴシック" pitchFamily="34" charset="-128"/>
+              </a:rPr>
+              <a:t>First level bullet</a:t>
+            </a:r>
+          </a:p>
+          <a:p>
+            <a:pPr lvl="2" eaLnBrk="1" hangingPunct="1"/>
+            <a:r>
+              <a:rPr lang="en-ZA">
+                <a:ea typeface="ＭＳ Ｐゴシック" pitchFamily="34" charset="-128"/>
+              </a:rPr>
+              <a:t>Second level bullet</a:t>
+            </a:r>
+          </a:p>
+          <a:p>
+            <a:pPr lvl="3" eaLnBrk="1" hangingPunct="1"/>
+            <a:r>
+              <a:rPr lang="en-ZA">
+                <a:ea typeface="ＭＳ Ｐゴシック" pitchFamily="34" charset="-128"/>
+              </a:rPr>
+              <a:t>Third level bullet</a:t>
+            </a:r>
+          </a:p>
+          <a:p>
+            <a:pPr marL="0" indent="0" eaLnBrk="1" hangingPunct="1"/>
+            <a:r>
+              <a:rPr lang="en-ZA">
+                <a:ea typeface="ＭＳ Ｐゴシック" pitchFamily="34" charset="-128"/>
+              </a:rPr>
+              <a:t>I have amended this sizing a little from the old template, as this is more practical for everyday, typical Dimension Data content – this is my recommendation!</a:t>
+            </a:r>
+          </a:p>
+        </p:txBody>
+      </p:sp>
+      <p:sp>
+        <p:nvSpPr>
+          <p:cNvPr id="68611" name="Text Placeholder 2"/>
+          <p:cNvSpPr>
+            <a:spLocks noGrp="1"/>
+          </p:cNvSpPr>
+          <p:nvPr>
+            <p:ph type="body" sz="quarter" idx="14"/>
+          </p:nvPr>
+        </p:nvSpPr>
+        <p:spPr>
+          <a:ln w="9525"/>
+          <a:extLst>
+            <a:ext uri="{91240B29-F687-4F45-9708-019B960494DF}">
+              <a14:hiddenLine xmlns:a14="http://schemas.microsoft.com/office/drawing/2010/main" w="25400" cap="flat">
+                <a:solidFill>
+                  <a:srgbClr val="000000"/>
+                </a:solidFill>
+                <a:round/>
+                <a:headEnd/>
+                <a:tailEnd/>
+              </a14:hiddenLine>
+            </a:ext>
+          </a:extLst>
+        </p:spPr>
+        <p:txBody>
+          <a:bodyPr/>
+          <a:lstStyle/>
+          <a:p>
+            <a:pPr marL="0" indent="0" eaLnBrk="1" hangingPunct="1">
+              <a:buFont typeface="Arial" pitchFamily="34" charset="0"/>
+              <a:buNone/>
+              <a:defRPr/>
+            </a:pPr>
+            <a:endParaRPr lang="en-ZA">
+              <a:solidFill>
+                <a:srgbClr val="FFFFFF"/>
+              </a:solidFill>
+              <a:ea typeface="ＭＳ Ｐゴシック" pitchFamily="34" charset="-128"/>
+            </a:endParaRPr>
+          </a:p>
+        </p:txBody>
+      </p:sp>
+      <p:sp>
+        <p:nvSpPr>
+          <p:cNvPr id="56325" name="Content Placeholder 5"/>
+          <p:cNvSpPr>
+            <a:spLocks noGrp="1"/>
+          </p:cNvSpPr>
+          <p:nvPr>
+            <p:ph sz="quarter" idx="15"/>
+          </p:nvPr>
+        </p:nvSpPr>
+        <p:spPr/>
+        <p:txBody>
+          <a:bodyPr/>
+          <a:lstStyle/>
+          <a:p>
+            <a:pPr marL="0" indent="0" eaLnBrk="1" hangingPunct="1"/>
+            <a:endParaRPr lang="en-ZA">
+              <a:ea typeface="ＭＳ Ｐゴシック" pitchFamily="34" charset="-128"/>
+            </a:endParaRPr>
           </a:p>
         </p:txBody>
       </p:sp>
@@ -25793,6 +26709,131 @@
 </file>
 
 <file path=ppt/slides/slide46.xml><?xml version="1.0" encoding="utf-8"?>
+<p:sld xmlns:a="http://schemas.openxmlformats.org/drawingml/2006/main" xmlns:r="http://schemas.openxmlformats.org/officeDocument/2006/relationships" xmlns:p="http://schemas.openxmlformats.org/presentationml/2006/main">
+  <p:cSld>
+    <p:spTree>
+      <p:nvGrpSpPr>
+        <p:cNvPr id="1" name=""/>
+        <p:cNvGrpSpPr/>
+        <p:nvPr/>
+      </p:nvGrpSpPr>
+      <p:grpSpPr>
+        <a:xfrm>
+          <a:off x="0" y="0"/>
+          <a:ext cx="0" cy="0"/>
+          <a:chOff x="0" y="0"/>
+          <a:chExt cx="0" cy="0"/>
+        </a:xfrm>
+      </p:grpSpPr>
+      <p:sp>
+        <p:nvSpPr>
+          <p:cNvPr id="57346" name="Title 1"/>
+          <p:cNvSpPr>
+            <a:spLocks noGrp="1"/>
+          </p:cNvSpPr>
+          <p:nvPr>
+            <p:ph type="title"/>
+          </p:nvPr>
+        </p:nvSpPr>
+        <p:spPr/>
+        <p:txBody>
+          <a:bodyPr/>
+          <a:lstStyle/>
+          <a:p>
+            <a:pPr eaLnBrk="1" hangingPunct="1"/>
+            <a:r>
+              <a:rPr lang="en-ZA">
+                <a:ea typeface="ＭＳ Ｐゴシック" pitchFamily="34" charset="-128"/>
+              </a:rPr>
+              <a:t>Click on icon to add picture – example on following page</a:t>
+            </a:r>
+          </a:p>
+        </p:txBody>
+      </p:sp>
+      <p:sp>
+        <p:nvSpPr>
+          <p:cNvPr id="57347" name="Picture Placeholder 2"/>
+          <p:cNvSpPr>
+            <a:spLocks noGrp="1" noTextEdit="1"/>
+          </p:cNvSpPr>
+          <p:nvPr>
+            <p:ph type="pic" sz="quarter" idx="11"/>
+          </p:nvPr>
+        </p:nvSpPr>
+        <p:spPr/>
+      </p:sp>
+    </p:spTree>
+  </p:cSld>
+  <p:clrMapOvr>
+    <a:masterClrMapping/>
+  </p:clrMapOvr>
+  <p:transition spd="slow"/>
+</p:sld>
+</file>
+
+<file path=ppt/slides/slide47.xml><?xml version="1.0" encoding="utf-8"?>
+<p:sld xmlns:a="http://schemas.openxmlformats.org/drawingml/2006/main" xmlns:r="http://schemas.openxmlformats.org/officeDocument/2006/relationships" xmlns:p="http://schemas.openxmlformats.org/presentationml/2006/main">
+  <p:cSld>
+    <p:spTree>
+      <p:nvGrpSpPr>
+        <p:cNvPr id="1" name=""/>
+        <p:cNvGrpSpPr/>
+        <p:nvPr/>
+      </p:nvGrpSpPr>
+      <p:grpSpPr>
+        <a:xfrm>
+          <a:off x="0" y="0"/>
+          <a:ext cx="0" cy="0"/>
+          <a:chOff x="0" y="0"/>
+          <a:chExt cx="0" cy="0"/>
+        </a:xfrm>
+      </p:grpSpPr>
+      <p:sp>
+        <p:nvSpPr>
+          <p:cNvPr id="58371" name="Picture Placeholder 1"/>
+          <p:cNvSpPr>
+            <a:spLocks noGrp="1" noTextEdit="1"/>
+          </p:cNvSpPr>
+          <p:nvPr>
+            <p:ph type="pic" sz="quarter" idx="12"/>
+          </p:nvPr>
+        </p:nvSpPr>
+        <p:spPr/>
+      </p:sp>
+      <p:sp>
+        <p:nvSpPr>
+          <p:cNvPr id="58370" name="Title 2"/>
+          <p:cNvSpPr>
+            <a:spLocks noGrp="1"/>
+          </p:cNvSpPr>
+          <p:nvPr>
+            <p:ph type="title"/>
+          </p:nvPr>
+        </p:nvSpPr>
+        <p:spPr/>
+        <p:txBody>
+          <a:bodyPr/>
+          <a:lstStyle/>
+          <a:p>
+            <a:pPr eaLnBrk="1" hangingPunct="1"/>
+            <a:r>
+              <a:rPr lang="en-ZA">
+                <a:ea typeface="ＭＳ Ｐゴシック" pitchFamily="34" charset="-128"/>
+              </a:rPr>
+              <a:t>Click on icon to add picture – example on following page</a:t>
+            </a:r>
+          </a:p>
+        </p:txBody>
+      </p:sp>
+    </p:spTree>
+  </p:cSld>
+  <p:clrMapOvr>
+    <a:masterClrMapping/>
+  </p:clrMapOvr>
+</p:sld>
+</file>
+
+<file path=ppt/slides/slide48.xml><?xml version="1.0" encoding="utf-8"?>
 <p:sld xmlns:a="http://schemas.openxmlformats.org/drawingml/2006/main" xmlns:r="http://schemas.openxmlformats.org/officeDocument/2006/relationships" xmlns:p="http://schemas.openxmlformats.org/presentationml/2006/main">
   <p:cSld>
     <p:spTree>
@@ -25864,147 +26905,6 @@
 </p:sld>
 </file>
 
-<file path=ppt/slides/slide47.xml><?xml version="1.0" encoding="utf-8"?>
-<p:sld xmlns:a="http://schemas.openxmlformats.org/drawingml/2006/main" xmlns:r="http://schemas.openxmlformats.org/officeDocument/2006/relationships" xmlns:p="http://schemas.openxmlformats.org/presentationml/2006/main">
-  <p:cSld>
-    <p:spTree>
-      <p:nvGrpSpPr>
-        <p:cNvPr id="1" name=""/>
-        <p:cNvGrpSpPr/>
-        <p:nvPr/>
-      </p:nvGrpSpPr>
-      <p:grpSpPr>
-        <a:xfrm>
-          <a:off x="0" y="0"/>
-          <a:ext cx="0" cy="0"/>
-          <a:chOff x="0" y="0"/>
-          <a:chExt cx="0" cy="0"/>
-        </a:xfrm>
-      </p:grpSpPr>
-      <p:sp>
-        <p:nvSpPr>
-          <p:cNvPr id="60419" name="Picture Placeholder 1"/>
-          <p:cNvSpPr>
-            <a:spLocks noGrp="1" noTextEdit="1"/>
-          </p:cNvSpPr>
-          <p:nvPr>
-            <p:ph type="pic" sz="quarter" idx="10"/>
-          </p:nvPr>
-        </p:nvSpPr>
-        <p:spPr>
-          <a:xfrm>
-            <a:off x="3175" y="0"/>
-            <a:ext cx="6096000" cy="6858000"/>
-          </a:xfrm>
-        </p:spPr>
-      </p:sp>
-      <p:sp>
-        <p:nvSpPr>
-          <p:cNvPr id="60418" name="Title 2"/>
-          <p:cNvSpPr>
-            <a:spLocks noGrp="1"/>
-          </p:cNvSpPr>
-          <p:nvPr>
-            <p:ph type="title"/>
-          </p:nvPr>
-        </p:nvSpPr>
-        <p:spPr/>
-        <p:txBody>
-          <a:bodyPr/>
-          <a:lstStyle/>
-          <a:p>
-            <a:pPr eaLnBrk="1" hangingPunct="1"/>
-            <a:endParaRPr lang="en-ZA">
-              <a:ea typeface="ＭＳ Ｐゴシック" pitchFamily="34" charset="-128"/>
-            </a:endParaRPr>
-          </a:p>
-        </p:txBody>
-      </p:sp>
-    </p:spTree>
-  </p:cSld>
-  <p:clrMapOvr>
-    <a:masterClrMapping/>
-  </p:clrMapOvr>
-</p:sld>
-</file>
-
-<file path=ppt/slides/slide48.xml><?xml version="1.0" encoding="utf-8"?>
-<p:sld xmlns:a="http://schemas.openxmlformats.org/drawingml/2006/main" xmlns:r="http://schemas.openxmlformats.org/officeDocument/2006/relationships" xmlns:p="http://schemas.openxmlformats.org/presentationml/2006/main">
-  <p:cSld>
-    <p:spTree>
-      <p:nvGrpSpPr>
-        <p:cNvPr id="1" name=""/>
-        <p:cNvGrpSpPr/>
-        <p:nvPr/>
-      </p:nvGrpSpPr>
-      <p:grpSpPr>
-        <a:xfrm>
-          <a:off x="0" y="0"/>
-          <a:ext cx="0" cy="0"/>
-          <a:chOff x="0" y="0"/>
-          <a:chExt cx="0" cy="0"/>
-        </a:xfrm>
-      </p:grpSpPr>
-      <p:pic>
-        <p:nvPicPr>
-          <p:cNvPr id="61443" name="Picture Placeholder 9"/>
-          <p:cNvPicPr>
-            <a:picLocks noGrp="1" noChangeAspect="1"/>
-          </p:cNvPicPr>
-          <p:nvPr>
-            <p:ph type="pic" sz="quarter" idx="10"/>
-          </p:nvPr>
-        </p:nvPicPr>
-        <p:blipFill>
-          <a:blip r:embed="rId2">
-            <a:extLst>
-              <a:ext uri="{28A0092B-C50C-407E-A947-70E740481C1C}">
-                <a14:useLocalDpi xmlns:a14="http://schemas.microsoft.com/office/drawing/2010/main" val="0"/>
-              </a:ext>
-            </a:extLst>
-          </a:blip>
-          <a:srcRect/>
-          <a:stretch>
-            <a:fillRect/>
-          </a:stretch>
-        </p:blipFill>
-        <p:spPr>
-          <a:xfrm>
-            <a:off x="0" y="-6350"/>
-            <a:ext cx="6099175" cy="6858000"/>
-          </a:xfrm>
-        </p:spPr>
-      </p:pic>
-      <p:sp>
-        <p:nvSpPr>
-          <p:cNvPr id="61442" name="Title 2"/>
-          <p:cNvSpPr>
-            <a:spLocks noGrp="1"/>
-          </p:cNvSpPr>
-          <p:nvPr>
-            <p:ph type="title"/>
-          </p:nvPr>
-        </p:nvSpPr>
-        <p:spPr/>
-        <p:txBody>
-          <a:bodyPr/>
-          <a:lstStyle/>
-          <a:p>
-            <a:pPr eaLnBrk="1" hangingPunct="1"/>
-            <a:endParaRPr lang="en-ZA">
-              <a:ea typeface="ＭＳ Ｐゴシック" pitchFamily="34" charset="-128"/>
-            </a:endParaRPr>
-          </a:p>
-        </p:txBody>
-      </p:sp>
-    </p:spTree>
-  </p:cSld>
-  <p:clrMapOvr>
-    <a:masterClrMapping/>
-  </p:clrMapOvr>
-</p:sld>
-</file>
-
 <file path=ppt/slides/slide49.xml><?xml version="1.0" encoding="utf-8"?>
 <p:sld xmlns:a="http://schemas.openxmlformats.org/drawingml/2006/main" xmlns:r="http://schemas.openxmlformats.org/officeDocument/2006/relationships" xmlns:p="http://schemas.openxmlformats.org/presentationml/2006/main">
   <p:cSld>
@@ -26024,7 +26924,24 @@
       </p:grpSpPr>
       <p:sp>
         <p:nvSpPr>
-          <p:cNvPr id="62466" name="Title 1"/>
+          <p:cNvPr id="60419" name="Picture Placeholder 1"/>
+          <p:cNvSpPr>
+            <a:spLocks noGrp="1" noTextEdit="1"/>
+          </p:cNvSpPr>
+          <p:nvPr>
+            <p:ph type="pic" sz="quarter" idx="10"/>
+          </p:nvPr>
+        </p:nvSpPr>
+        <p:spPr>
+          <a:xfrm>
+            <a:off x="3175" y="0"/>
+            <a:ext cx="6096000" cy="6858000"/>
+          </a:xfrm>
+        </p:spPr>
+      </p:sp>
+      <p:sp>
+        <p:nvSpPr>
+          <p:cNvPr id="60418" name="Title 2"/>
           <p:cNvSpPr>
             <a:spLocks noGrp="1"/>
           </p:cNvSpPr>
@@ -26041,31 +26958,6 @@
             <a:endParaRPr lang="en-ZA">
               <a:ea typeface="ＭＳ Ｐゴシック" pitchFamily="34" charset="-128"/>
             </a:endParaRPr>
-          </a:p>
-        </p:txBody>
-      </p:sp>
-      <p:sp>
-        <p:nvSpPr>
-          <p:cNvPr id="62467" name="Text Placeholder 2"/>
-          <p:cNvSpPr>
-            <a:spLocks noGrp="1"/>
-          </p:cNvSpPr>
-          <p:nvPr>
-            <p:ph type="body" sz="quarter" idx="12"/>
-          </p:nvPr>
-        </p:nvSpPr>
-        <p:spPr/>
-        <p:txBody>
-          <a:bodyPr/>
-          <a:lstStyle/>
-          <a:p>
-            <a:pPr lvl="1" eaLnBrk="1" hangingPunct="1"/>
-            <a:r>
-              <a:rPr lang="en-ZA">
-                <a:ea typeface="ＭＳ Ｐゴシック" pitchFamily="34" charset="-128"/>
-              </a:rPr>
-              <a:t>Text to describe image or diagram on left hand side</a:t>
-            </a:r>
           </a:p>
         </p:txBody>
       </p:sp>
@@ -26282,82 +27174,55 @@
           <a:chExt cx="0" cy="0"/>
         </a:xfrm>
       </p:grpSpPr>
-      <p:sp>
-        <p:nvSpPr>
-          <p:cNvPr id="63490" name="Content Placeholder 3"/>
+      <p:pic>
+        <p:nvPicPr>
+          <p:cNvPr id="61443" name="Picture Placeholder 9"/>
+          <p:cNvPicPr>
+            <a:picLocks noGrp="1" noChangeAspect="1"/>
+          </p:cNvPicPr>
+          <p:nvPr>
+            <p:ph type="pic" sz="quarter" idx="10"/>
+          </p:nvPr>
+        </p:nvPicPr>
+        <p:blipFill>
+          <a:blip r:embed="rId2">
+            <a:extLst>
+              <a:ext uri="{28A0092B-C50C-407E-A947-70E740481C1C}">
+                <a14:useLocalDpi xmlns:a14="http://schemas.microsoft.com/office/drawing/2010/main" val="0"/>
+              </a:ext>
+            </a:extLst>
+          </a:blip>
+          <a:srcRect/>
+          <a:stretch>
+            <a:fillRect/>
+          </a:stretch>
+        </p:blipFill>
+        <p:spPr>
+          <a:xfrm>
+            <a:off x="0" y="-6350"/>
+            <a:ext cx="6099175" cy="6858000"/>
+          </a:xfrm>
+        </p:spPr>
+      </p:pic>
+      <p:sp>
+        <p:nvSpPr>
+          <p:cNvPr id="61442" name="Title 2"/>
           <p:cNvSpPr>
             <a:spLocks noGrp="1"/>
           </p:cNvSpPr>
           <p:nvPr>
-            <p:ph idx="1"/>
+            <p:ph type="title"/>
           </p:nvPr>
         </p:nvSpPr>
-        <p:spPr bwMode="white"/>
+        <p:spPr/>
         <p:txBody>
           <a:bodyPr/>
           <a:lstStyle/>
           <a:p>
-            <a:pPr marL="149225" indent="-149225" eaLnBrk="1" hangingPunct="1">
-              <a:buFont typeface="Arial" charset="0"/>
-              <a:buNone/>
-            </a:pPr>
-            <a:r>
-              <a:rPr lang="en-ZA" altLang="en-US">
-                <a:ea typeface="ＭＳ Ｐゴシック" pitchFamily="34" charset="-128"/>
-              </a:rPr>
-              <a:t>“</a:t>
-            </a:r>
-            <a:r>
-              <a:rPr lang="en-ZA">
-                <a:ea typeface="ＭＳ Ｐゴシック" pitchFamily="34" charset="-128"/>
-              </a:rPr>
-              <a:t>First line of pullout quote or introduction with a </a:t>
-            </a:r>
-            <a:r>
-              <a:rPr lang="en-ZA" b="1">
-                <a:ea typeface="ＭＳ Ｐゴシック" pitchFamily="34" charset="-128"/>
-              </a:rPr>
-              <a:t>key word </a:t>
-            </a:r>
-            <a:r>
-              <a:rPr lang="en-ZA">
-                <a:ea typeface="ＭＳ Ｐゴシック" pitchFamily="34" charset="-128"/>
-              </a:rPr>
-              <a:t>highlighted</a:t>
-            </a:r>
-            <a:r>
-              <a:rPr lang="en-ZA" altLang="en-US">
-                <a:ea typeface="ＭＳ Ｐゴシック" pitchFamily="34" charset="-128"/>
-              </a:rPr>
-              <a:t>”</a:t>
-            </a:r>
+            <a:pPr eaLnBrk="1" hangingPunct="1"/>
             <a:endParaRPr lang="en-ZA">
               <a:ea typeface="ＭＳ Ｐゴシック" pitchFamily="34" charset="-128"/>
             </a:endParaRPr>
-          </a:p>
-          <a:p>
-            <a:pPr lvl="1" eaLnBrk="1" hangingPunct="1">
-              <a:buFont typeface="Arial" charset="0"/>
-              <a:buNone/>
-            </a:pPr>
-            <a:r>
-              <a:rPr lang="en-ZA">
-                <a:solidFill>
-                  <a:srgbClr val="E1E1E1"/>
-                </a:solidFill>
-                <a:ea typeface="ＭＳ Ｐゴシック" pitchFamily="34" charset="-128"/>
-              </a:rPr>
-              <a:t>First level bullet indented with </a:t>
-            </a:r>
-            <a:r>
-              <a:rPr lang="en-ZA" b="1">
-                <a:solidFill>
-                  <a:srgbClr val="E1E1E1"/>
-                </a:solidFill>
-                <a:ea typeface="ＭＳ Ｐゴシック" pitchFamily="34" charset="-128"/>
-              </a:rPr>
-              <a:t>key word</a:t>
-            </a:r>
           </a:p>
         </p:txBody>
       </p:sp>
@@ -26370,6 +27235,182 @@
 </file>
 
 <file path=ppt/slides/slide51.xml><?xml version="1.0" encoding="utf-8"?>
+<p:sld xmlns:a="http://schemas.openxmlformats.org/drawingml/2006/main" xmlns:r="http://schemas.openxmlformats.org/officeDocument/2006/relationships" xmlns:p="http://schemas.openxmlformats.org/presentationml/2006/main">
+  <p:cSld>
+    <p:spTree>
+      <p:nvGrpSpPr>
+        <p:cNvPr id="1" name=""/>
+        <p:cNvGrpSpPr/>
+        <p:nvPr/>
+      </p:nvGrpSpPr>
+      <p:grpSpPr>
+        <a:xfrm>
+          <a:off x="0" y="0"/>
+          <a:ext cx="0" cy="0"/>
+          <a:chOff x="0" y="0"/>
+          <a:chExt cx="0" cy="0"/>
+        </a:xfrm>
+      </p:grpSpPr>
+      <p:sp>
+        <p:nvSpPr>
+          <p:cNvPr id="62466" name="Title 1"/>
+          <p:cNvSpPr>
+            <a:spLocks noGrp="1"/>
+          </p:cNvSpPr>
+          <p:nvPr>
+            <p:ph type="title"/>
+          </p:nvPr>
+        </p:nvSpPr>
+        <p:spPr/>
+        <p:txBody>
+          <a:bodyPr/>
+          <a:lstStyle/>
+          <a:p>
+            <a:pPr eaLnBrk="1" hangingPunct="1"/>
+            <a:endParaRPr lang="en-ZA">
+              <a:ea typeface="ＭＳ Ｐゴシック" pitchFamily="34" charset="-128"/>
+            </a:endParaRPr>
+          </a:p>
+        </p:txBody>
+      </p:sp>
+      <p:sp>
+        <p:nvSpPr>
+          <p:cNvPr id="62467" name="Text Placeholder 2"/>
+          <p:cNvSpPr>
+            <a:spLocks noGrp="1"/>
+          </p:cNvSpPr>
+          <p:nvPr>
+            <p:ph type="body" sz="quarter" idx="12"/>
+          </p:nvPr>
+        </p:nvSpPr>
+        <p:spPr/>
+        <p:txBody>
+          <a:bodyPr/>
+          <a:lstStyle/>
+          <a:p>
+            <a:pPr lvl="1" eaLnBrk="1" hangingPunct="1"/>
+            <a:r>
+              <a:rPr lang="en-ZA">
+                <a:ea typeface="ＭＳ Ｐゴシック" pitchFamily="34" charset="-128"/>
+              </a:rPr>
+              <a:t>Text to describe image or diagram on left hand side</a:t>
+            </a:r>
+          </a:p>
+        </p:txBody>
+      </p:sp>
+    </p:spTree>
+  </p:cSld>
+  <p:clrMapOvr>
+    <a:masterClrMapping/>
+  </p:clrMapOvr>
+</p:sld>
+</file>
+
+<file path=ppt/slides/slide52.xml><?xml version="1.0" encoding="utf-8"?>
+<p:sld xmlns:a="http://schemas.openxmlformats.org/drawingml/2006/main" xmlns:r="http://schemas.openxmlformats.org/officeDocument/2006/relationships" xmlns:p="http://schemas.openxmlformats.org/presentationml/2006/main">
+  <p:cSld>
+    <p:spTree>
+      <p:nvGrpSpPr>
+        <p:cNvPr id="1" name=""/>
+        <p:cNvGrpSpPr/>
+        <p:nvPr/>
+      </p:nvGrpSpPr>
+      <p:grpSpPr>
+        <a:xfrm>
+          <a:off x="0" y="0"/>
+          <a:ext cx="0" cy="0"/>
+          <a:chOff x="0" y="0"/>
+          <a:chExt cx="0" cy="0"/>
+        </a:xfrm>
+      </p:grpSpPr>
+      <p:sp>
+        <p:nvSpPr>
+          <p:cNvPr id="63490" name="Content Placeholder 3"/>
+          <p:cNvSpPr>
+            <a:spLocks noGrp="1"/>
+          </p:cNvSpPr>
+          <p:nvPr>
+            <p:ph idx="1"/>
+          </p:nvPr>
+        </p:nvSpPr>
+        <p:spPr bwMode="white"/>
+        <p:txBody>
+          <a:bodyPr/>
+          <a:lstStyle/>
+          <a:p>
+            <a:pPr marL="149225" indent="-149225" eaLnBrk="1" hangingPunct="1">
+              <a:buFont typeface="Arial" charset="0"/>
+              <a:buNone/>
+            </a:pPr>
+            <a:r>
+              <a:rPr lang="en-ZA" altLang="en-US">
+                <a:ea typeface="ＭＳ Ｐゴシック" pitchFamily="34" charset="-128"/>
+              </a:rPr>
+              <a:t>“</a:t>
+            </a:r>
+            <a:r>
+              <a:rPr lang="en-ZA">
+                <a:ea typeface="ＭＳ Ｐゴシック" pitchFamily="34" charset="-128"/>
+              </a:rPr>
+              <a:t>First line of pullout quote or introduction with a </a:t>
+            </a:r>
+            <a:r>
+              <a:rPr lang="en-ZA" b="1">
+                <a:ea typeface="ＭＳ Ｐゴシック" pitchFamily="34" charset="-128"/>
+              </a:rPr>
+              <a:t>key word </a:t>
+            </a:r>
+            <a:r>
+              <a:rPr lang="en-ZA">
+                <a:ea typeface="ＭＳ Ｐゴシック" pitchFamily="34" charset="-128"/>
+              </a:rPr>
+              <a:t>highlighted</a:t>
+            </a:r>
+            <a:r>
+              <a:rPr lang="en-ZA" altLang="en-US">
+                <a:ea typeface="ＭＳ Ｐゴシック" pitchFamily="34" charset="-128"/>
+              </a:rPr>
+              <a:t>”</a:t>
+            </a:r>
+            <a:endParaRPr lang="en-ZA">
+              <a:ea typeface="ＭＳ Ｐゴシック" pitchFamily="34" charset="-128"/>
+            </a:endParaRPr>
+          </a:p>
+          <a:p>
+            <a:pPr lvl="1" eaLnBrk="1" hangingPunct="1">
+              <a:buFont typeface="Arial" charset="0"/>
+              <a:buNone/>
+            </a:pPr>
+            <a:r>
+              <a:rPr lang="en-ZA">
+                <a:solidFill>
+                  <a:srgbClr val="E1E1E1"/>
+                </a:solidFill>
+                <a:ea typeface="ＭＳ Ｐゴシック" pitchFamily="34" charset="-128"/>
+              </a:rPr>
+              <a:t>First level bullet indented with </a:t>
+            </a:r>
+            <a:r>
+              <a:rPr lang="en-ZA" b="1">
+                <a:solidFill>
+                  <a:srgbClr val="E1E1E1"/>
+                </a:solidFill>
+                <a:ea typeface="ＭＳ Ｐゴシック" pitchFamily="34" charset="-128"/>
+              </a:rPr>
+              <a:t>key word</a:t>
+            </a:r>
+          </a:p>
+        </p:txBody>
+      </p:sp>
+    </p:spTree>
+  </p:cSld>
+  <p:clrMapOvr>
+    <a:masterClrMapping/>
+  </p:clrMapOvr>
+</p:sld>
+</file>
+
+<file path=ppt/slides/slide53.xml><?xml version="1.0" encoding="utf-8"?>
 <p:sld xmlns:a="http://schemas.openxmlformats.org/drawingml/2006/main" xmlns:r="http://schemas.openxmlformats.org/officeDocument/2006/relationships" xmlns:p="http://schemas.openxmlformats.org/presentationml/2006/main">
   <p:cSld>
     <p:spTree>
@@ -30060,16 +31101,25 @@
 </file>
 
 <file path=customXml/item1.xml><?xml version="1.0" encoding="utf-8"?>
+<LongProperties xmlns="http://schemas.microsoft.com/office/2006/metadata/longProperties"/>
+</file>
+
+<file path=customXml/item2.xml><?xml version="1.0" encoding="utf-8"?>
 <p:properties xmlns:p="http://schemas.microsoft.com/office/2006/metadata/properties" xmlns:xsi="http://www.w3.org/2001/XMLSchema-instance" xmlns:pc="http://schemas.microsoft.com/office/infopath/2007/PartnerControls">
   <documentManagement/>
 </p:properties>
 </file>
 
-<file path=customXml/item2.xml><?xml version="1.0" encoding="utf-8"?>
-<LongProperties xmlns="http://schemas.microsoft.com/office/2006/metadata/longProperties"/>
+<file path=customXml/item3.xml><?xml version="1.0" encoding="utf-8"?>
+<?mso-contentType ?>
+<FormTemplates xmlns="http://schemas.microsoft.com/sharepoint/v3/contenttype/forms">
+  <Display>DocumentLibraryForm</Display>
+  <Edit>DocumentLibraryForm</Edit>
+  <New>DocumentLibraryForm</New>
+</FormTemplates>
 </file>
 
-<file path=customXml/item3.xml><?xml version="1.0" encoding="utf-8"?>
+<file path=customXml/item4.xml><?xml version="1.0" encoding="utf-8"?>
 <ct:contentTypeSchema xmlns:ct="http://schemas.microsoft.com/office/2006/metadata/contentType" xmlns:ma="http://schemas.microsoft.com/office/2006/metadata/properties/metaAttributes" ct:_="" ma:_="" ma:contentTypeName="Document" ma:contentTypeID="0x010100959D33A83376F241B96FC317B2040BAF" ma:contentTypeVersion="5" ma:contentTypeDescription="Create a new document." ma:contentTypeScope="" ma:versionID="527b495c0104506c6ad0510e833307a8">
   <xsd:schema xmlns:xsd="http://www.w3.org/2001/XMLSchema" xmlns:xs="http://www.w3.org/2001/XMLSchema" xmlns:p="http://schemas.microsoft.com/office/2006/metadata/properties" xmlns:ns2="9c644b71-f2b7-4af3-8fc7-b12615162907" xmlns:ns3="54f3cedd-548f-4720-83cb-d6c05b93ad22" targetNamespace="http://schemas.microsoft.com/office/2006/metadata/properties" ma:root="true" ma:fieldsID="1d53989094b9f63e1bb90e8dea41e06b" ns2:_="" ns3:_="">
     <xsd:import namespace="9c644b71-f2b7-4af3-8fc7-b12615162907"/>
@@ -30240,16 +31290,15 @@
 </ct:contentTypeSchema>
 </file>
 
-<file path=customXml/item4.xml><?xml version="1.0" encoding="utf-8"?>
-<?mso-contentType ?>
-<FormTemplates xmlns="http://schemas.microsoft.com/sharepoint/v3/contenttype/forms">
-  <Display>DocumentLibraryForm</Display>
-  <Edit>DocumentLibraryForm</Edit>
-  <New>DocumentLibraryForm</New>
-</FormTemplates>
+<file path=customXml/itemProps1.xml><?xml version="1.0" encoding="utf-8"?>
+<ds:datastoreItem xmlns:ds="http://schemas.openxmlformats.org/officeDocument/2006/customXml" ds:itemID="{EB9CE09D-DA00-4FA2-BB57-12EE9217E1B2}">
+  <ds:schemaRefs>
+    <ds:schemaRef ds:uri="http://schemas.microsoft.com/office/2006/metadata/longProperties"/>
+  </ds:schemaRefs>
+</ds:datastoreItem>
 </file>
 
-<file path=customXml/itemProps1.xml><?xml version="1.0" encoding="utf-8"?>
+<file path=customXml/itemProps2.xml><?xml version="1.0" encoding="utf-8"?>
 <ds:datastoreItem xmlns:ds="http://schemas.openxmlformats.org/officeDocument/2006/customXml" ds:itemID="{A30766E2-1FB1-4DBC-A574-2B521885E1F0}">
   <ds:schemaRefs>
     <ds:schemaRef ds:uri="54f3cedd-548f-4720-83cb-d6c05b93ad22"/>
@@ -30266,15 +31315,15 @@
 </ds:datastoreItem>
 </file>
 
-<file path=customXml/itemProps2.xml><?xml version="1.0" encoding="utf-8"?>
-<ds:datastoreItem xmlns:ds="http://schemas.openxmlformats.org/officeDocument/2006/customXml" ds:itemID="{EB9CE09D-DA00-4FA2-BB57-12EE9217E1B2}">
+<file path=customXml/itemProps3.xml><?xml version="1.0" encoding="utf-8"?>
+<ds:datastoreItem xmlns:ds="http://schemas.openxmlformats.org/officeDocument/2006/customXml" ds:itemID="{8092415D-C017-446B-92E0-7A9E0F8F3446}">
   <ds:schemaRefs>
-    <ds:schemaRef ds:uri="http://schemas.microsoft.com/office/2006/metadata/longProperties"/>
+    <ds:schemaRef ds:uri="http://schemas.microsoft.com/sharepoint/v3/contenttype/forms"/>
   </ds:schemaRefs>
 </ds:datastoreItem>
 </file>
 
-<file path=customXml/itemProps3.xml><?xml version="1.0" encoding="utf-8"?>
+<file path=customXml/itemProps4.xml><?xml version="1.0" encoding="utf-8"?>
 <ds:datastoreItem xmlns:ds="http://schemas.openxmlformats.org/officeDocument/2006/customXml" ds:itemID="{B11E10F8-F53B-440E-A07C-4BE43F17767B}">
   <ds:schemaRefs>
     <ds:schemaRef ds:uri="http://schemas.microsoft.com/office/2006/metadata/contentType"/>
@@ -30291,12 +31340,4 @@
     <ds:schemaRef ds:uri="http://schemas.microsoft.com/internal/obd"/>
   </ds:schemaRefs>
 </ds:datastoreItem>
-</file>
-
-<file path=customXml/itemProps4.xml><?xml version="1.0" encoding="utf-8"?>
-<ds:datastoreItem xmlns:ds="http://schemas.openxmlformats.org/officeDocument/2006/customXml" ds:itemID="{8092415D-C017-446B-92E0-7A9E0F8F3446}">
-  <ds:schemaRefs>
-    <ds:schemaRef ds:uri="http://schemas.microsoft.com/sharepoint/v3/contenttype/forms"/>
-  </ds:schemaRefs>
-</ds:datastoreItem>
 </file>
--- a/BasicPowerShell.pptx
+++ b/BasicPowerShell.pptx
@@ -5,10 +5,10 @@
     <p:sldMasterId id="2147483648" r:id="rId5"/>
   </p:sldMasterIdLst>
   <p:notesMasterIdLst>
-    <p:notesMasterId r:id="rId31"/>
+    <p:notesMasterId r:id="rId26"/>
   </p:notesMasterIdLst>
   <p:handoutMasterIdLst>
-    <p:handoutMasterId r:id="rId32"/>
+    <p:handoutMasterId r:id="rId27"/>
   </p:handoutMasterIdLst>
   <p:sldIdLst>
     <p:sldId id="274" r:id="rId6"/>
@@ -31,11 +31,6 @@
     <p:sldId id="399" r:id="rId23"/>
     <p:sldId id="386" r:id="rId24"/>
     <p:sldId id="385" r:id="rId25"/>
-    <p:sldId id="332" r:id="rId26"/>
-    <p:sldId id="331" r:id="rId27"/>
-    <p:sldId id="294" r:id="rId28"/>
-    <p:sldId id="335" r:id="rId29"/>
-    <p:sldId id="293" r:id="rId30"/>
   </p:sldIdLst>
   <p:sldSz cx="9144000" cy="6858000" type="screen4x3"/>
   <p:notesSz cx="6858000" cy="9144000"/>
@@ -294,7 +289,7 @@
               <a:pPr>
                 <a:defRPr/>
               </a:pPr>
-              <a:t>2017/09/17</a:t>
+              <a:t>2017/09/19</a:t>
             </a:fld>
             <a:endParaRPr lang="en-ZA"/>
           </a:p>
@@ -514,7 +509,7 @@
               <a:pPr>
                 <a:defRPr/>
               </a:pPr>
-              <a:t>2017/09/17</a:t>
+              <a:t>2017/09/19</a:t>
             </a:fld>
             <a:endParaRPr lang="en-ZA"/>
           </a:p>
@@ -1629,6 +1624,96 @@
 </p:notes>
 </file>
 
+<file path=ppt/notesSlides/notesSlide14.xml><?xml version="1.0" encoding="utf-8"?>
+<p:notes xmlns:a="http://schemas.openxmlformats.org/drawingml/2006/main" xmlns:r="http://schemas.openxmlformats.org/officeDocument/2006/relationships" xmlns:p="http://schemas.openxmlformats.org/presentationml/2006/main">
+  <p:cSld>
+    <p:spTree>
+      <p:nvGrpSpPr>
+        <p:cNvPr id="1" name=""/>
+        <p:cNvGrpSpPr/>
+        <p:nvPr/>
+      </p:nvGrpSpPr>
+      <p:grpSpPr>
+        <a:xfrm>
+          <a:off x="0" y="0"/>
+          <a:ext cx="0" cy="0"/>
+          <a:chOff x="0" y="0"/>
+          <a:chExt cx="0" cy="0"/>
+        </a:xfrm>
+      </p:grpSpPr>
+      <p:sp>
+        <p:nvSpPr>
+          <p:cNvPr id="2" name="Slide Image Placeholder 1"/>
+          <p:cNvSpPr>
+            <a:spLocks noGrp="1" noRot="1" noChangeAspect="1"/>
+          </p:cNvSpPr>
+          <p:nvPr>
+            <p:ph type="sldImg"/>
+          </p:nvPr>
+        </p:nvSpPr>
+        <p:spPr/>
+      </p:sp>
+      <p:sp>
+        <p:nvSpPr>
+          <p:cNvPr id="3" name="Notes Placeholder 2"/>
+          <p:cNvSpPr>
+            <a:spLocks noGrp="1"/>
+          </p:cNvSpPr>
+          <p:nvPr>
+            <p:ph type="body" idx="1"/>
+          </p:nvPr>
+        </p:nvSpPr>
+        <p:spPr/>
+        <p:txBody>
+          <a:bodyPr/>
+          <a:lstStyle/>
+          <a:p>
+            <a:endParaRPr lang="en-BE" dirty="0"/>
+          </a:p>
+        </p:txBody>
+      </p:sp>
+      <p:sp>
+        <p:nvSpPr>
+          <p:cNvPr id="4" name="Slide Number Placeholder 3"/>
+          <p:cNvSpPr>
+            <a:spLocks noGrp="1"/>
+          </p:cNvSpPr>
+          <p:nvPr>
+            <p:ph type="sldNum" sz="quarter" idx="10"/>
+          </p:nvPr>
+        </p:nvSpPr>
+        <p:spPr/>
+        <p:txBody>
+          <a:bodyPr/>
+          <a:lstStyle/>
+          <a:p>
+            <a:pPr>
+              <a:defRPr/>
+            </a:pPr>
+            <a:fld id="{076B50CD-F5B5-4E53-A79B-556DAB40221E}" type="slidenum">
+              <a:rPr lang="en-ZA" smtClean="0"/>
+              <a:pPr>
+                <a:defRPr/>
+              </a:pPr>
+              <a:t>19</a:t>
+            </a:fld>
+            <a:endParaRPr lang="en-ZA"/>
+          </a:p>
+        </p:txBody>
+      </p:sp>
+    </p:spTree>
+    <p:extLst>
+      <p:ext uri="{BB962C8B-B14F-4D97-AF65-F5344CB8AC3E}">
+        <p14:creationId xmlns:p14="http://schemas.microsoft.com/office/powerpoint/2010/main" val="886432811"/>
+      </p:ext>
+    </p:extLst>
+  </p:cSld>
+  <p:clrMapOvr>
+    <a:masterClrMapping/>
+  </p:clrMapOvr>
+</p:notes>
+</file>
+
 <file path=ppt/notesSlides/notesSlide2.xml><?xml version="1.0" encoding="utf-8"?>
 <p:notes xmlns:a="http://schemas.openxmlformats.org/drawingml/2006/main" xmlns:r="http://schemas.openxmlformats.org/officeDocument/2006/relationships" xmlns:p="http://schemas.openxmlformats.org/presentationml/2006/main">
   <p:cSld>
@@ -3241,7 +3326,7 @@
                 <a:buNone/>
                 <a:defRPr/>
               </a:pPr>
-              <a:t>17 September 2017</a:t>
+              <a:t>19 September 2017</a:t>
             </a:fld>
             <a:endParaRPr lang="en-US" sz="1400">
               <a:solidFill>
@@ -4475,7 +4560,7 @@
                 </a:spcAft>
                 <a:defRPr/>
               </a:pPr>
-              <a:t>17 September 2017</a:t>
+              <a:t>19 September 2017</a:t>
             </a:fld>
             <a:endParaRPr lang="en-ZA">
               <a:solidFill>
@@ -4990,7 +5075,7 @@
                 </a:spcAft>
                 <a:defRPr/>
               </a:pPr>
-              <a:t>17 September 2017</a:t>
+              <a:t>19 September 2017</a:t>
             </a:fld>
             <a:endParaRPr lang="en-ZA">
               <a:solidFill>
@@ -6479,7 +6564,7 @@
                 <a:buNone/>
                 <a:defRPr/>
               </a:pPr>
-              <a:t>17 September 2017</a:t>
+              <a:t>19 September 2017</a:t>
             </a:fld>
             <a:endParaRPr lang="en-US" sz="1400">
               <a:solidFill>
@@ -7075,7 +7160,7 @@
                 </a:spcAft>
                 <a:defRPr/>
               </a:pPr>
-              <a:t>17 September 2017</a:t>
+              <a:t>19 September 2017</a:t>
             </a:fld>
             <a:endParaRPr lang="en-ZA">
               <a:solidFill>
@@ -7738,7 +7823,7 @@
                 </a:spcAft>
                 <a:defRPr/>
               </a:pPr>
-              <a:t>17 September 2017</a:t>
+              <a:t>19 September 2017</a:t>
             </a:fld>
             <a:endParaRPr lang="en-ZA">
               <a:solidFill>
@@ -9104,7 +9189,7 @@
                 </a:spcAft>
                 <a:defRPr/>
               </a:pPr>
-              <a:t>17 September 2017</a:t>
+              <a:t>19 September 2017</a:t>
             </a:fld>
             <a:endParaRPr lang="en-ZA">
               <a:solidFill>
@@ -9948,7 +10033,7 @@
                 </a:spcAft>
                 <a:defRPr/>
               </a:pPr>
-              <a:t>17 September 2017</a:t>
+              <a:t>19 September 2017</a:t>
             </a:fld>
             <a:endParaRPr lang="en-ZA">
               <a:solidFill>
@@ -10738,7 +10823,7 @@
                 </a:spcAft>
                 <a:defRPr/>
               </a:pPr>
-              <a:t>17 September 2017</a:t>
+              <a:t>19 September 2017</a:t>
             </a:fld>
             <a:endParaRPr lang="en-ZA">
               <a:solidFill>
@@ -15579,11 +15664,7 @@
             </a:pPr>
             <a:r>
               <a:rPr lang="en-US" dirty="0"/>
-              <a:t>Configure the PowerShell environment</a:t>
-            </a:r>
-            <a:r>
-              <a:rPr lang="en-US" dirty="0"/>
-              <a:t> that runs on session startup.</a:t>
+              <a:t>Configure the PowerShell environment that runs on session startup.</a:t>
             </a:r>
           </a:p>
           <a:p>
@@ -16181,7 +16262,137 @@
           <a:bodyPr/>
           <a:lstStyle/>
           <a:p>
-            <a:endParaRPr lang="en-US" dirty="0"/>
+            <a:pPr>
+              <a:buFont typeface="Arial" panose="020B0604020202020204" pitchFamily="34" charset="0"/>
+              <a:buChar char="•"/>
+            </a:pPr>
+            <a:r>
+              <a:rPr lang="en-US" dirty="0"/>
+              <a:t>Based on .NET Standard</a:t>
+            </a:r>
+          </a:p>
+          <a:p>
+            <a:pPr>
+              <a:buFont typeface="Arial" panose="020B0604020202020204" pitchFamily="34" charset="0"/>
+              <a:buChar char="•"/>
+            </a:pPr>
+            <a:r>
+              <a:rPr lang="en-US" dirty="0"/>
+              <a:t>Cross platform (Windows, Mac and Linux)</a:t>
+            </a:r>
+          </a:p>
+          <a:p>
+            <a:pPr>
+              <a:buFont typeface="Arial" panose="020B0604020202020204" pitchFamily="34" charset="0"/>
+              <a:buChar char="•"/>
+            </a:pPr>
+            <a:r>
+              <a:rPr lang="en-US" dirty="0"/>
+              <a:t>Things to know</a:t>
+            </a:r>
+          </a:p>
+          <a:p>
+            <a:pPr lvl="2">
+              <a:buFont typeface="Arial" panose="020B0604020202020204" pitchFamily="34" charset="0"/>
+              <a:buChar char="•"/>
+            </a:pPr>
+            <a:r>
+              <a:rPr lang="en-US" dirty="0"/>
+              <a:t>Case-sensitivity</a:t>
+            </a:r>
+          </a:p>
+          <a:p>
+            <a:pPr lvl="3">
+              <a:buFont typeface="Arial" panose="020B0604020202020204" pitchFamily="34" charset="0"/>
+              <a:buChar char="•"/>
+            </a:pPr>
+            <a:r>
+              <a:rPr lang="en-US" dirty="0"/>
+              <a:t>PowerShell is not case-sensitive on Mac and Linux. But some system specific values are case-sensitive (e.g. environment variables).</a:t>
+            </a:r>
+          </a:p>
+          <a:p>
+            <a:pPr lvl="2">
+              <a:buFont typeface="Arial" panose="020B0604020202020204" pitchFamily="34" charset="0"/>
+              <a:buChar char="•"/>
+            </a:pPr>
+            <a:r>
+              <a:rPr lang="en-US" dirty="0"/>
+              <a:t>Slashes</a:t>
+            </a:r>
+          </a:p>
+          <a:p>
+            <a:pPr lvl="3">
+              <a:buFont typeface="Arial" panose="020B0604020202020204" pitchFamily="34" charset="0"/>
+              <a:buChar char="•"/>
+            </a:pPr>
+            <a:r>
+              <a:rPr lang="en-US" dirty="0"/>
+              <a:t>Windows both support back- and forward slashes =&gt; creating compatible scripts for </a:t>
+            </a:r>
+            <a:r>
+              <a:rPr lang="en-US" dirty="0" err="1"/>
+              <a:t>linux</a:t>
+            </a:r>
+            <a:r>
+              <a:rPr lang="en-US" dirty="0"/>
+              <a:t> and mac possible without big issues.</a:t>
+            </a:r>
+          </a:p>
+          <a:p>
+            <a:pPr lvl="2">
+              <a:buFont typeface="Arial" panose="020B0604020202020204" pitchFamily="34" charset="0"/>
+              <a:buChar char="•"/>
+            </a:pPr>
+            <a:r>
+              <a:rPr lang="en-US" dirty="0"/>
+              <a:t>Aliases</a:t>
+            </a:r>
+          </a:p>
+          <a:p>
+            <a:pPr lvl="3">
+              <a:buFont typeface="Arial" panose="020B0604020202020204" pitchFamily="34" charset="0"/>
+              <a:buChar char="•"/>
+            </a:pPr>
+            <a:r>
+              <a:rPr lang="en-US" dirty="0"/>
+              <a:t>Linux aliases don’t exist on Mac or Linux to avoid conflicts.</a:t>
+            </a:r>
+          </a:p>
+        </p:txBody>
+      </p:sp>
+      <p:sp>
+        <p:nvSpPr>
+          <p:cNvPr id="4" name="TextBox 3"/>
+          <p:cNvSpPr txBox="1"/>
+          <p:nvPr/>
+        </p:nvSpPr>
+        <p:spPr>
+          <a:xfrm>
+            <a:off x="40953" y="6255495"/>
+            <a:ext cx="9144000" cy="461665"/>
+          </a:xfrm>
+          <a:prstGeom prst="rect">
+            <a:avLst/>
+          </a:prstGeom>
+          <a:noFill/>
+        </p:spPr>
+        <p:txBody>
+          <a:bodyPr wrap="square" rtlCol="0">
+            <a:spAutoFit/>
+          </a:bodyPr>
+          <a:lstStyle/>
+          <a:p>
+            <a:r>
+              <a:rPr lang="nl-BE" sz="1200" dirty="0">
+                <a:hlinkClick r:id="rId3"/>
+              </a:rPr>
+              <a:t>https://blogs.msdn.microsoft.com/powershell/2017/06/09/getting-started-with-powershell-core-on-windows-mac-and-linux/</a:t>
+            </a:r>
+            <a:endParaRPr lang="nl-BE" sz="1200" dirty="0"/>
+          </a:p>
+          <a:p>
+            <a:endParaRPr lang="nl-BE" sz="1200" dirty="0"/>
           </a:p>
         </p:txBody>
       </p:sp>
@@ -16504,6 +16715,16 @@
             </a:r>
           </a:p>
           <a:p>
+            <a:pPr lvl="2">
+              <a:buFont typeface="Arial" panose="020B0604020202020204" pitchFamily="34" charset="0"/>
+              <a:buChar char="•"/>
+            </a:pPr>
+            <a:r>
+              <a:rPr lang="en-US" dirty="0"/>
+              <a:t>Works similar to ISE with better editor support.</a:t>
+            </a:r>
+          </a:p>
+          <a:p>
             <a:pPr>
               <a:buFont typeface="Arial" panose="020B0604020202020204" pitchFamily="34" charset="0"/>
               <a:buChar char="•"/>
@@ -16522,3228 +16743,6 @@
   <p:clrMapOvr>
     <a:masterClrMapping/>
   </p:clrMapOvr>
-</p:sld>
-</file>
-
-<file path=ppt/slides/slide21.xml><?xml version="1.0" encoding="utf-8"?>
-<p:sld xmlns:a="http://schemas.openxmlformats.org/drawingml/2006/main" xmlns:r="http://schemas.openxmlformats.org/officeDocument/2006/relationships" xmlns:p="http://schemas.openxmlformats.org/presentationml/2006/main">
-  <p:cSld>
-    <p:spTree>
-      <p:nvGrpSpPr>
-        <p:cNvPr id="1" name=""/>
-        <p:cNvGrpSpPr/>
-        <p:nvPr/>
-      </p:nvGrpSpPr>
-      <p:grpSpPr>
-        <a:xfrm>
-          <a:off x="0" y="0"/>
-          <a:ext cx="0" cy="0"/>
-          <a:chOff x="0" y="0"/>
-          <a:chExt cx="0" cy="0"/>
-        </a:xfrm>
-      </p:grpSpPr>
-      <p:sp>
-        <p:nvSpPr>
-          <p:cNvPr id="46082" name="Title 3"/>
-          <p:cNvSpPr>
-            <a:spLocks noGrp="1"/>
-          </p:cNvSpPr>
-          <p:nvPr>
-            <p:ph type="title"/>
-          </p:nvPr>
-        </p:nvSpPr>
-        <p:spPr/>
-        <p:txBody>
-          <a:bodyPr/>
-          <a:lstStyle/>
-          <a:p>
-            <a:pPr eaLnBrk="1" hangingPunct="1"/>
-            <a:endParaRPr lang="en-ZA">
-              <a:ea typeface="ＭＳ Ｐゴシック" pitchFamily="34" charset="-128"/>
-            </a:endParaRPr>
-          </a:p>
-        </p:txBody>
-      </p:sp>
-      <p:sp>
-        <p:nvSpPr>
-          <p:cNvPr id="5" name="Rounded Rectangle 4"/>
-          <p:cNvSpPr/>
-          <p:nvPr/>
-        </p:nvSpPr>
-        <p:spPr>
-          <a:xfrm>
-            <a:off x="296863" y="1520825"/>
-            <a:ext cx="8559800" cy="600075"/>
-          </a:xfrm>
-          <a:prstGeom prst="roundRect">
-            <a:avLst>
-              <a:gd name="adj" fmla="val 23172"/>
-            </a:avLst>
-          </a:prstGeom>
-          <a:ln w="12700">
-            <a:solidFill>
-              <a:schemeClr val="accent1"/>
-            </a:solidFill>
-          </a:ln>
-          <a:effectLst/>
-        </p:spPr>
-        <p:style>
-          <a:lnRef idx="2">
-            <a:schemeClr val="accent1">
-              <a:shade val="50000"/>
-            </a:schemeClr>
-          </a:lnRef>
-          <a:fillRef idx="1">
-            <a:schemeClr val="accent1"/>
-          </a:fillRef>
-          <a:effectRef idx="0">
-            <a:schemeClr val="accent1"/>
-          </a:effectRef>
-          <a:fontRef idx="minor">
-            <a:schemeClr val="lt1"/>
-          </a:fontRef>
-        </p:style>
-        <p:txBody>
-          <a:bodyPr lIns="36000" tIns="36000" rIns="36000" bIns="36000" anchor="ctr"/>
-          <a:lstStyle/>
-          <a:p>
-            <a:pPr algn="ctr" fontAlgn="auto">
-              <a:lnSpc>
-                <a:spcPct val="110000"/>
-              </a:lnSpc>
-              <a:spcBef>
-                <a:spcPts val="200"/>
-              </a:spcBef>
-              <a:spcAft>
-                <a:spcPts val="200"/>
-              </a:spcAft>
-              <a:defRPr/>
-            </a:pPr>
-            <a:r>
-              <a:rPr lang="en-ZA" sz="1600" dirty="0"/>
-              <a:t>Bullet 1</a:t>
-            </a:r>
-          </a:p>
-        </p:txBody>
-      </p:sp>
-      <p:sp>
-        <p:nvSpPr>
-          <p:cNvPr id="6" name="Rounded Rectangle 5"/>
-          <p:cNvSpPr/>
-          <p:nvPr/>
-        </p:nvSpPr>
-        <p:spPr>
-          <a:xfrm>
-            <a:off x="296863" y="2284413"/>
-            <a:ext cx="8561387" cy="600075"/>
-          </a:xfrm>
-          <a:prstGeom prst="roundRect">
-            <a:avLst>
-              <a:gd name="adj" fmla="val 23172"/>
-            </a:avLst>
-          </a:prstGeom>
-          <a:ln w="12700">
-            <a:solidFill>
-              <a:schemeClr val="accent1"/>
-            </a:solidFill>
-          </a:ln>
-          <a:effectLst/>
-        </p:spPr>
-        <p:style>
-          <a:lnRef idx="2">
-            <a:schemeClr val="accent1">
-              <a:shade val="50000"/>
-            </a:schemeClr>
-          </a:lnRef>
-          <a:fillRef idx="1">
-            <a:schemeClr val="accent1"/>
-          </a:fillRef>
-          <a:effectRef idx="0">
-            <a:schemeClr val="accent1"/>
-          </a:effectRef>
-          <a:fontRef idx="minor">
-            <a:schemeClr val="lt1"/>
-          </a:fontRef>
-        </p:style>
-        <p:txBody>
-          <a:bodyPr lIns="36000" tIns="36000" rIns="36000" bIns="36000" anchor="ctr"/>
-          <a:lstStyle/>
-          <a:p>
-            <a:pPr algn="ctr" fontAlgn="auto">
-              <a:lnSpc>
-                <a:spcPct val="110000"/>
-              </a:lnSpc>
-              <a:spcBef>
-                <a:spcPts val="200"/>
-              </a:spcBef>
-              <a:spcAft>
-                <a:spcPts val="200"/>
-              </a:spcAft>
-              <a:defRPr/>
-            </a:pPr>
-            <a:r>
-              <a:rPr lang="en-ZA" sz="1600" dirty="0"/>
-              <a:t>Bullet 2</a:t>
-            </a:r>
-          </a:p>
-        </p:txBody>
-      </p:sp>
-      <p:sp>
-        <p:nvSpPr>
-          <p:cNvPr id="7" name="Rounded Rectangle 6"/>
-          <p:cNvSpPr/>
-          <p:nvPr/>
-        </p:nvSpPr>
-        <p:spPr>
-          <a:xfrm>
-            <a:off x="298450" y="3048000"/>
-            <a:ext cx="8559800" cy="600075"/>
-          </a:xfrm>
-          <a:prstGeom prst="roundRect">
-            <a:avLst>
-              <a:gd name="adj" fmla="val 23172"/>
-            </a:avLst>
-          </a:prstGeom>
-          <a:ln w="12700">
-            <a:solidFill>
-              <a:schemeClr val="accent1"/>
-            </a:solidFill>
-          </a:ln>
-          <a:effectLst/>
-        </p:spPr>
-        <p:style>
-          <a:lnRef idx="2">
-            <a:schemeClr val="accent1">
-              <a:shade val="50000"/>
-            </a:schemeClr>
-          </a:lnRef>
-          <a:fillRef idx="1">
-            <a:schemeClr val="accent1"/>
-          </a:fillRef>
-          <a:effectRef idx="0">
-            <a:schemeClr val="accent1"/>
-          </a:effectRef>
-          <a:fontRef idx="minor">
-            <a:schemeClr val="lt1"/>
-          </a:fontRef>
-        </p:style>
-        <p:txBody>
-          <a:bodyPr lIns="36000" tIns="36000" rIns="36000" bIns="36000" anchor="ctr"/>
-          <a:lstStyle/>
-          <a:p>
-            <a:pPr algn="ctr" fontAlgn="auto">
-              <a:lnSpc>
-                <a:spcPct val="110000"/>
-              </a:lnSpc>
-              <a:spcBef>
-                <a:spcPts val="200"/>
-              </a:spcBef>
-              <a:spcAft>
-                <a:spcPts val="200"/>
-              </a:spcAft>
-              <a:defRPr/>
-            </a:pPr>
-            <a:r>
-              <a:rPr lang="en-ZA" sz="1600" dirty="0"/>
-              <a:t>Bullet 3</a:t>
-            </a:r>
-          </a:p>
-        </p:txBody>
-      </p:sp>
-      <p:sp>
-        <p:nvSpPr>
-          <p:cNvPr id="8" name="Rounded Rectangle 7"/>
-          <p:cNvSpPr/>
-          <p:nvPr/>
-        </p:nvSpPr>
-        <p:spPr>
-          <a:xfrm>
-            <a:off x="298450" y="3810000"/>
-            <a:ext cx="8559800" cy="600075"/>
-          </a:xfrm>
-          <a:prstGeom prst="roundRect">
-            <a:avLst>
-              <a:gd name="adj" fmla="val 23172"/>
-            </a:avLst>
-          </a:prstGeom>
-          <a:ln w="12700">
-            <a:solidFill>
-              <a:schemeClr val="accent1"/>
-            </a:solidFill>
-          </a:ln>
-          <a:effectLst/>
-        </p:spPr>
-        <p:style>
-          <a:lnRef idx="2">
-            <a:schemeClr val="accent1">
-              <a:shade val="50000"/>
-            </a:schemeClr>
-          </a:lnRef>
-          <a:fillRef idx="1">
-            <a:schemeClr val="accent1"/>
-          </a:fillRef>
-          <a:effectRef idx="0">
-            <a:schemeClr val="accent1"/>
-          </a:effectRef>
-          <a:fontRef idx="minor">
-            <a:schemeClr val="lt1"/>
-          </a:fontRef>
-        </p:style>
-        <p:txBody>
-          <a:bodyPr lIns="36000" tIns="36000" rIns="36000" bIns="36000" anchor="ctr"/>
-          <a:lstStyle/>
-          <a:p>
-            <a:pPr algn="ctr" fontAlgn="auto">
-              <a:lnSpc>
-                <a:spcPct val="110000"/>
-              </a:lnSpc>
-              <a:spcBef>
-                <a:spcPts val="200"/>
-              </a:spcBef>
-              <a:spcAft>
-                <a:spcPts val="200"/>
-              </a:spcAft>
-              <a:defRPr/>
-            </a:pPr>
-            <a:r>
-              <a:rPr lang="en-ZA" sz="1600" dirty="0"/>
-              <a:t>Bullet 4</a:t>
-            </a:r>
-          </a:p>
-        </p:txBody>
-      </p:sp>
-      <p:sp>
-        <p:nvSpPr>
-          <p:cNvPr id="9" name="Rounded Rectangle 8"/>
-          <p:cNvSpPr/>
-          <p:nvPr/>
-        </p:nvSpPr>
-        <p:spPr>
-          <a:xfrm>
-            <a:off x="300038" y="4573588"/>
-            <a:ext cx="8559800" cy="600075"/>
-          </a:xfrm>
-          <a:prstGeom prst="roundRect">
-            <a:avLst>
-              <a:gd name="adj" fmla="val 23172"/>
-            </a:avLst>
-          </a:prstGeom>
-          <a:ln w="12700">
-            <a:solidFill>
-              <a:schemeClr val="accent1"/>
-            </a:solidFill>
-          </a:ln>
-          <a:effectLst/>
-        </p:spPr>
-        <p:style>
-          <a:lnRef idx="2">
-            <a:schemeClr val="accent1">
-              <a:shade val="50000"/>
-            </a:schemeClr>
-          </a:lnRef>
-          <a:fillRef idx="1">
-            <a:schemeClr val="accent1"/>
-          </a:fillRef>
-          <a:effectRef idx="0">
-            <a:schemeClr val="accent1"/>
-          </a:effectRef>
-          <a:fontRef idx="minor">
-            <a:schemeClr val="lt1"/>
-          </a:fontRef>
-        </p:style>
-        <p:txBody>
-          <a:bodyPr lIns="36000" tIns="36000" rIns="36000" bIns="36000" anchor="ctr"/>
-          <a:lstStyle/>
-          <a:p>
-            <a:pPr algn="ctr" fontAlgn="auto">
-              <a:lnSpc>
-                <a:spcPct val="110000"/>
-              </a:lnSpc>
-              <a:spcBef>
-                <a:spcPts val="200"/>
-              </a:spcBef>
-              <a:spcAft>
-                <a:spcPts val="200"/>
-              </a:spcAft>
-              <a:defRPr/>
-            </a:pPr>
-            <a:r>
-              <a:rPr lang="en-ZA" sz="1600" dirty="0"/>
-              <a:t>Bullet 5</a:t>
-            </a:r>
-          </a:p>
-        </p:txBody>
-      </p:sp>
-      <p:sp>
-        <p:nvSpPr>
-          <p:cNvPr id="10" name="Rounded Rectangle 9"/>
-          <p:cNvSpPr/>
-          <p:nvPr/>
-        </p:nvSpPr>
-        <p:spPr>
-          <a:xfrm>
-            <a:off x="300038" y="5337175"/>
-            <a:ext cx="8559800" cy="600075"/>
-          </a:xfrm>
-          <a:prstGeom prst="roundRect">
-            <a:avLst>
-              <a:gd name="adj" fmla="val 23172"/>
-            </a:avLst>
-          </a:prstGeom>
-          <a:ln w="12700">
-            <a:solidFill>
-              <a:schemeClr val="accent1"/>
-            </a:solidFill>
-          </a:ln>
-          <a:effectLst/>
-        </p:spPr>
-        <p:style>
-          <a:lnRef idx="2">
-            <a:schemeClr val="accent1">
-              <a:shade val="50000"/>
-            </a:schemeClr>
-          </a:lnRef>
-          <a:fillRef idx="1">
-            <a:schemeClr val="accent1"/>
-          </a:fillRef>
-          <a:effectRef idx="0">
-            <a:schemeClr val="accent1"/>
-          </a:effectRef>
-          <a:fontRef idx="minor">
-            <a:schemeClr val="lt1"/>
-          </a:fontRef>
-        </p:style>
-        <p:txBody>
-          <a:bodyPr lIns="36000" tIns="36000" rIns="36000" bIns="36000" anchor="ctr"/>
-          <a:lstStyle/>
-          <a:p>
-            <a:pPr algn="ctr" fontAlgn="auto">
-              <a:lnSpc>
-                <a:spcPct val="110000"/>
-              </a:lnSpc>
-              <a:spcBef>
-                <a:spcPts val="200"/>
-              </a:spcBef>
-              <a:spcAft>
-                <a:spcPts val="200"/>
-              </a:spcAft>
-              <a:defRPr/>
-            </a:pPr>
-            <a:r>
-              <a:rPr lang="en-ZA" sz="1600" dirty="0"/>
-              <a:t>Bullet 6</a:t>
-            </a:r>
-          </a:p>
-        </p:txBody>
-      </p:sp>
-    </p:spTree>
-  </p:cSld>
-  <p:clrMapOvr>
-    <a:masterClrMapping/>
-  </p:clrMapOvr>
-  <p:timing>
-    <p:tnLst>
-      <p:par>
-        <p:cTn id="1" dur="indefinite" restart="never" nodeType="tmRoot">
-          <p:childTnLst>
-            <p:seq concurrent="1" nextAc="seek">
-              <p:cTn id="2" dur="indefinite" nodeType="mainSeq">
-                <p:childTnLst>
-                  <p:par>
-                    <p:cTn id="3" fill="hold" nodeType="clickPar">
-                      <p:stCondLst>
-                        <p:cond delay="indefinite"/>
-                        <p:cond evt="onBegin" delay="0">
-                          <p:tn val="2"/>
-                        </p:cond>
-                      </p:stCondLst>
-                      <p:childTnLst>
-                        <p:par>
-                          <p:cTn id="4" fill="hold" nodeType="withGroup">
-                            <p:stCondLst>
-                              <p:cond delay="0"/>
-                            </p:stCondLst>
-                            <p:childTnLst>
-                              <p:par>
-                                <p:cTn id="5" presetID="10" presetClass="entr" presetSubtype="0" fill="hold" grpId="0" nodeType="afterEffect">
-                                  <p:stCondLst>
-                                    <p:cond delay="0"/>
-                                  </p:stCondLst>
-                                  <p:childTnLst>
-                                    <p:set>
-                                      <p:cBhvr>
-                                        <p:cTn id="6" dur="1" fill="hold">
-                                          <p:stCondLst>
-                                            <p:cond delay="0"/>
-                                          </p:stCondLst>
-                                        </p:cTn>
-                                        <p:tgtEl>
-                                          <p:spTgt spid="5"/>
-                                        </p:tgtEl>
-                                        <p:attrNameLst>
-                                          <p:attrName>style.visibility</p:attrName>
-                                        </p:attrNameLst>
-                                      </p:cBhvr>
-                                      <p:to>
-                                        <p:strVal val="visible"/>
-                                      </p:to>
-                                    </p:set>
-                                    <p:animEffect transition="in" filter="fade">
-                                      <p:cBhvr>
-                                        <p:cTn id="7" dur="1000"/>
-                                        <p:tgtEl>
-                                          <p:spTgt spid="5"/>
-                                        </p:tgtEl>
-                                      </p:cBhvr>
-                                    </p:animEffect>
-                                  </p:childTnLst>
-                                </p:cTn>
-                              </p:par>
-                            </p:childTnLst>
-                          </p:cTn>
-                        </p:par>
-                        <p:par>
-                          <p:cTn id="8" fill="hold" nodeType="afterGroup">
-                            <p:stCondLst>
-                              <p:cond delay="1000"/>
-                            </p:stCondLst>
-                            <p:childTnLst>
-                              <p:par>
-                                <p:cTn id="9" presetID="10" presetClass="entr" presetSubtype="0" fill="hold" grpId="0" nodeType="afterEffect">
-                                  <p:stCondLst>
-                                    <p:cond delay="0"/>
-                                  </p:stCondLst>
-                                  <p:childTnLst>
-                                    <p:set>
-                                      <p:cBhvr>
-                                        <p:cTn id="10" dur="1" fill="hold">
-                                          <p:stCondLst>
-                                            <p:cond delay="0"/>
-                                          </p:stCondLst>
-                                        </p:cTn>
-                                        <p:tgtEl>
-                                          <p:spTgt spid="6"/>
-                                        </p:tgtEl>
-                                        <p:attrNameLst>
-                                          <p:attrName>style.visibility</p:attrName>
-                                        </p:attrNameLst>
-                                      </p:cBhvr>
-                                      <p:to>
-                                        <p:strVal val="visible"/>
-                                      </p:to>
-                                    </p:set>
-                                    <p:animEffect transition="in" filter="fade">
-                                      <p:cBhvr>
-                                        <p:cTn id="11" dur="1000"/>
-                                        <p:tgtEl>
-                                          <p:spTgt spid="6"/>
-                                        </p:tgtEl>
-                                      </p:cBhvr>
-                                    </p:animEffect>
-                                  </p:childTnLst>
-                                </p:cTn>
-                              </p:par>
-                            </p:childTnLst>
-                          </p:cTn>
-                        </p:par>
-                        <p:par>
-                          <p:cTn id="12" fill="hold" nodeType="afterGroup">
-                            <p:stCondLst>
-                              <p:cond delay="2000"/>
-                            </p:stCondLst>
-                            <p:childTnLst>
-                              <p:par>
-                                <p:cTn id="13" presetID="10" presetClass="entr" presetSubtype="0" fill="hold" grpId="0" nodeType="afterEffect">
-                                  <p:stCondLst>
-                                    <p:cond delay="0"/>
-                                  </p:stCondLst>
-                                  <p:childTnLst>
-                                    <p:set>
-                                      <p:cBhvr>
-                                        <p:cTn id="14" dur="1" fill="hold">
-                                          <p:stCondLst>
-                                            <p:cond delay="0"/>
-                                          </p:stCondLst>
-                                        </p:cTn>
-                                        <p:tgtEl>
-                                          <p:spTgt spid="7"/>
-                                        </p:tgtEl>
-                                        <p:attrNameLst>
-                                          <p:attrName>style.visibility</p:attrName>
-                                        </p:attrNameLst>
-                                      </p:cBhvr>
-                                      <p:to>
-                                        <p:strVal val="visible"/>
-                                      </p:to>
-                                    </p:set>
-                                    <p:animEffect transition="in" filter="fade">
-                                      <p:cBhvr>
-                                        <p:cTn id="15" dur="1000"/>
-                                        <p:tgtEl>
-                                          <p:spTgt spid="7"/>
-                                        </p:tgtEl>
-                                      </p:cBhvr>
-                                    </p:animEffect>
-                                  </p:childTnLst>
-                                </p:cTn>
-                              </p:par>
-                            </p:childTnLst>
-                          </p:cTn>
-                        </p:par>
-                        <p:par>
-                          <p:cTn id="16" fill="hold" nodeType="afterGroup">
-                            <p:stCondLst>
-                              <p:cond delay="3000"/>
-                            </p:stCondLst>
-                            <p:childTnLst>
-                              <p:par>
-                                <p:cTn id="17" presetID="10" presetClass="entr" presetSubtype="0" fill="hold" grpId="0" nodeType="afterEffect">
-                                  <p:stCondLst>
-                                    <p:cond delay="0"/>
-                                  </p:stCondLst>
-                                  <p:childTnLst>
-                                    <p:set>
-                                      <p:cBhvr>
-                                        <p:cTn id="18" dur="1" fill="hold">
-                                          <p:stCondLst>
-                                            <p:cond delay="0"/>
-                                          </p:stCondLst>
-                                        </p:cTn>
-                                        <p:tgtEl>
-                                          <p:spTgt spid="8"/>
-                                        </p:tgtEl>
-                                        <p:attrNameLst>
-                                          <p:attrName>style.visibility</p:attrName>
-                                        </p:attrNameLst>
-                                      </p:cBhvr>
-                                      <p:to>
-                                        <p:strVal val="visible"/>
-                                      </p:to>
-                                    </p:set>
-                                    <p:animEffect transition="in" filter="fade">
-                                      <p:cBhvr>
-                                        <p:cTn id="19" dur="1000"/>
-                                        <p:tgtEl>
-                                          <p:spTgt spid="8"/>
-                                        </p:tgtEl>
-                                      </p:cBhvr>
-                                    </p:animEffect>
-                                  </p:childTnLst>
-                                </p:cTn>
-                              </p:par>
-                            </p:childTnLst>
-                          </p:cTn>
-                        </p:par>
-                        <p:par>
-                          <p:cTn id="20" fill="hold" nodeType="afterGroup">
-                            <p:stCondLst>
-                              <p:cond delay="4000"/>
-                            </p:stCondLst>
-                            <p:childTnLst>
-                              <p:par>
-                                <p:cTn id="21" presetID="10" presetClass="entr" presetSubtype="0" fill="hold" grpId="0" nodeType="afterEffect">
-                                  <p:stCondLst>
-                                    <p:cond delay="0"/>
-                                  </p:stCondLst>
-                                  <p:childTnLst>
-                                    <p:set>
-                                      <p:cBhvr>
-                                        <p:cTn id="22" dur="1" fill="hold">
-                                          <p:stCondLst>
-                                            <p:cond delay="0"/>
-                                          </p:stCondLst>
-                                        </p:cTn>
-                                        <p:tgtEl>
-                                          <p:spTgt spid="9"/>
-                                        </p:tgtEl>
-                                        <p:attrNameLst>
-                                          <p:attrName>style.visibility</p:attrName>
-                                        </p:attrNameLst>
-                                      </p:cBhvr>
-                                      <p:to>
-                                        <p:strVal val="visible"/>
-                                      </p:to>
-                                    </p:set>
-                                    <p:animEffect transition="in" filter="fade">
-                                      <p:cBhvr>
-                                        <p:cTn id="23" dur="1000"/>
-                                        <p:tgtEl>
-                                          <p:spTgt spid="9"/>
-                                        </p:tgtEl>
-                                      </p:cBhvr>
-                                    </p:animEffect>
-                                  </p:childTnLst>
-                                </p:cTn>
-                              </p:par>
-                            </p:childTnLst>
-                          </p:cTn>
-                        </p:par>
-                        <p:par>
-                          <p:cTn id="24" fill="hold" nodeType="afterGroup">
-                            <p:stCondLst>
-                              <p:cond delay="5000"/>
-                            </p:stCondLst>
-                            <p:childTnLst>
-                              <p:par>
-                                <p:cTn id="25" presetID="10" presetClass="entr" presetSubtype="0" fill="hold" grpId="0" nodeType="afterEffect">
-                                  <p:stCondLst>
-                                    <p:cond delay="0"/>
-                                  </p:stCondLst>
-                                  <p:childTnLst>
-                                    <p:set>
-                                      <p:cBhvr>
-                                        <p:cTn id="26" dur="1" fill="hold">
-                                          <p:stCondLst>
-                                            <p:cond delay="0"/>
-                                          </p:stCondLst>
-                                        </p:cTn>
-                                        <p:tgtEl>
-                                          <p:spTgt spid="10"/>
-                                        </p:tgtEl>
-                                        <p:attrNameLst>
-                                          <p:attrName>style.visibility</p:attrName>
-                                        </p:attrNameLst>
-                                      </p:cBhvr>
-                                      <p:to>
-                                        <p:strVal val="visible"/>
-                                      </p:to>
-                                    </p:set>
-                                    <p:animEffect transition="in" filter="fade">
-                                      <p:cBhvr>
-                                        <p:cTn id="27" dur="1000"/>
-                                        <p:tgtEl>
-                                          <p:spTgt spid="10"/>
-                                        </p:tgtEl>
-                                      </p:cBhvr>
-                                    </p:animEffect>
-                                  </p:childTnLst>
-                                </p:cTn>
-                              </p:par>
-                            </p:childTnLst>
-                          </p:cTn>
-                        </p:par>
-                      </p:childTnLst>
-                    </p:cTn>
-                  </p:par>
-                </p:childTnLst>
-              </p:cTn>
-              <p:prevCondLst>
-                <p:cond evt="onPrev" delay="0">
-                  <p:tgtEl>
-                    <p:sldTgt/>
-                  </p:tgtEl>
-                </p:cond>
-              </p:prevCondLst>
-              <p:nextCondLst>
-                <p:cond evt="onNext" delay="0">
-                  <p:tgtEl>
-                    <p:sldTgt/>
-                  </p:tgtEl>
-                </p:cond>
-              </p:nextCondLst>
-            </p:seq>
-          </p:childTnLst>
-        </p:cTn>
-      </p:par>
-    </p:tnLst>
-    <p:bldLst>
-      <p:bldP spid="5" grpId="0" animBg="1"/>
-      <p:bldP spid="6" grpId="0" animBg="1"/>
-      <p:bldP spid="7" grpId="0" animBg="1"/>
-      <p:bldP spid="8" grpId="0" animBg="1"/>
-      <p:bldP spid="9" grpId="0" animBg="1"/>
-      <p:bldP spid="10" grpId="0" animBg="1"/>
-    </p:bldLst>
-  </p:timing>
-</p:sld>
-</file>
-
-<file path=ppt/slides/slide22.xml><?xml version="1.0" encoding="utf-8"?>
-<p:sld xmlns:a="http://schemas.openxmlformats.org/drawingml/2006/main" xmlns:r="http://schemas.openxmlformats.org/officeDocument/2006/relationships" xmlns:p="http://schemas.openxmlformats.org/presentationml/2006/main">
-  <p:cSld>
-    <p:spTree>
-      <p:nvGrpSpPr>
-        <p:cNvPr id="1" name=""/>
-        <p:cNvGrpSpPr/>
-        <p:nvPr/>
-      </p:nvGrpSpPr>
-      <p:grpSpPr>
-        <a:xfrm>
-          <a:off x="0" y="0"/>
-          <a:ext cx="0" cy="0"/>
-          <a:chOff x="0" y="0"/>
-          <a:chExt cx="0" cy="0"/>
-        </a:xfrm>
-      </p:grpSpPr>
-      <p:sp>
-        <p:nvSpPr>
-          <p:cNvPr id="48130" name="Title 3"/>
-          <p:cNvSpPr>
-            <a:spLocks noGrp="1"/>
-          </p:cNvSpPr>
-          <p:nvPr>
-            <p:ph type="title"/>
-          </p:nvPr>
-        </p:nvSpPr>
-        <p:spPr/>
-        <p:txBody>
-          <a:bodyPr/>
-          <a:lstStyle/>
-          <a:p>
-            <a:pPr eaLnBrk="1" hangingPunct="1"/>
-            <a:r>
-              <a:rPr lang="en-ZA">
-                <a:ea typeface="ＭＳ Ｐゴシック" pitchFamily="34" charset="-128"/>
-              </a:rPr>
-              <a:t>Main point in green and subsidiary points in white</a:t>
-            </a:r>
-          </a:p>
-        </p:txBody>
-      </p:sp>
-      <p:sp>
-        <p:nvSpPr>
-          <p:cNvPr id="5" name="Rounded Rectangle 4"/>
-          <p:cNvSpPr/>
-          <p:nvPr/>
-        </p:nvSpPr>
-        <p:spPr bwMode="gray">
-          <a:xfrm>
-            <a:off x="296863" y="1608138"/>
-            <a:ext cx="8548687" cy="600075"/>
-          </a:xfrm>
-          <a:prstGeom prst="roundRect">
-            <a:avLst>
-              <a:gd name="adj" fmla="val 23172"/>
-            </a:avLst>
-          </a:prstGeom>
-          <a:ln w="12700">
-            <a:solidFill>
-              <a:schemeClr val="accent1"/>
-            </a:solidFill>
-          </a:ln>
-          <a:effectLst/>
-        </p:spPr>
-        <p:style>
-          <a:lnRef idx="2">
-            <a:schemeClr val="accent1">
-              <a:shade val="50000"/>
-            </a:schemeClr>
-          </a:lnRef>
-          <a:fillRef idx="1">
-            <a:schemeClr val="accent1"/>
-          </a:fillRef>
-          <a:effectRef idx="0">
-            <a:schemeClr val="accent1"/>
-          </a:effectRef>
-          <a:fontRef idx="minor">
-            <a:schemeClr val="lt1"/>
-          </a:fontRef>
-        </p:style>
-        <p:txBody>
-          <a:bodyPr lIns="36000" tIns="36000" rIns="36000" bIns="36000" anchor="ctr"/>
-          <a:lstStyle/>
-          <a:p>
-            <a:pPr algn="ctr" fontAlgn="auto">
-              <a:lnSpc>
-                <a:spcPct val="110000"/>
-              </a:lnSpc>
-              <a:spcBef>
-                <a:spcPts val="200"/>
-              </a:spcBef>
-              <a:spcAft>
-                <a:spcPts val="200"/>
-              </a:spcAft>
-              <a:defRPr/>
-            </a:pPr>
-            <a:r>
-              <a:rPr lang="en-ZA" sz="1600" dirty="0"/>
-              <a:t>Bullet 1</a:t>
-            </a:r>
-          </a:p>
-        </p:txBody>
-      </p:sp>
-      <p:sp>
-        <p:nvSpPr>
-          <p:cNvPr id="6" name="Rounded Rectangle 5"/>
-          <p:cNvSpPr/>
-          <p:nvPr/>
-        </p:nvSpPr>
-        <p:spPr bwMode="gray">
-          <a:xfrm>
-            <a:off x="296863" y="2371725"/>
-            <a:ext cx="8548687" cy="600075"/>
-          </a:xfrm>
-          <a:prstGeom prst="roundRect">
-            <a:avLst>
-              <a:gd name="adj" fmla="val 23172"/>
-            </a:avLst>
-          </a:prstGeom>
-          <a:solidFill>
-            <a:schemeClr val="bg1"/>
-          </a:solidFill>
-          <a:ln w="12700">
-            <a:solidFill>
-              <a:schemeClr val="accent1"/>
-            </a:solidFill>
-          </a:ln>
-          <a:effectLst/>
-        </p:spPr>
-        <p:style>
-          <a:lnRef idx="2">
-            <a:schemeClr val="accent1">
-              <a:shade val="50000"/>
-            </a:schemeClr>
-          </a:lnRef>
-          <a:fillRef idx="1">
-            <a:schemeClr val="accent1"/>
-          </a:fillRef>
-          <a:effectRef idx="0">
-            <a:schemeClr val="accent1"/>
-          </a:effectRef>
-          <a:fontRef idx="minor">
-            <a:schemeClr val="lt1"/>
-          </a:fontRef>
-        </p:style>
-        <p:txBody>
-          <a:bodyPr lIns="36000" tIns="36000" rIns="36000" bIns="36000" anchor="ctr"/>
-          <a:lstStyle/>
-          <a:p>
-            <a:pPr algn="ctr" fontAlgn="auto">
-              <a:lnSpc>
-                <a:spcPct val="110000"/>
-              </a:lnSpc>
-              <a:spcBef>
-                <a:spcPts val="200"/>
-              </a:spcBef>
-              <a:spcAft>
-                <a:spcPts val="200"/>
-              </a:spcAft>
-              <a:defRPr/>
-            </a:pPr>
-            <a:r>
-              <a:rPr lang="en-ZA" sz="1600" dirty="0">
-                <a:solidFill>
-                  <a:schemeClr val="tx1"/>
-                </a:solidFill>
-              </a:rPr>
-              <a:t>Bullet 2</a:t>
-            </a:r>
-          </a:p>
-        </p:txBody>
-      </p:sp>
-      <p:sp>
-        <p:nvSpPr>
-          <p:cNvPr id="7" name="Rounded Rectangle 6"/>
-          <p:cNvSpPr/>
-          <p:nvPr/>
-        </p:nvSpPr>
-        <p:spPr bwMode="gray">
-          <a:xfrm>
-            <a:off x="298450" y="3133725"/>
-            <a:ext cx="8548688" cy="600075"/>
-          </a:xfrm>
-          <a:prstGeom prst="roundRect">
-            <a:avLst>
-              <a:gd name="adj" fmla="val 23172"/>
-            </a:avLst>
-          </a:prstGeom>
-          <a:solidFill>
-            <a:schemeClr val="bg1"/>
-          </a:solidFill>
-          <a:ln w="12700">
-            <a:solidFill>
-              <a:schemeClr val="accent1"/>
-            </a:solidFill>
-          </a:ln>
-          <a:effectLst/>
-        </p:spPr>
-        <p:style>
-          <a:lnRef idx="2">
-            <a:schemeClr val="accent1">
-              <a:shade val="50000"/>
-            </a:schemeClr>
-          </a:lnRef>
-          <a:fillRef idx="1">
-            <a:schemeClr val="accent1"/>
-          </a:fillRef>
-          <a:effectRef idx="0">
-            <a:schemeClr val="accent1"/>
-          </a:effectRef>
-          <a:fontRef idx="minor">
-            <a:schemeClr val="lt1"/>
-          </a:fontRef>
-        </p:style>
-        <p:txBody>
-          <a:bodyPr lIns="36000" tIns="36000" rIns="36000" bIns="36000" anchor="ctr"/>
-          <a:lstStyle/>
-          <a:p>
-            <a:pPr algn="ctr" fontAlgn="auto">
-              <a:lnSpc>
-                <a:spcPct val="110000"/>
-              </a:lnSpc>
-              <a:spcBef>
-                <a:spcPts val="200"/>
-              </a:spcBef>
-              <a:spcAft>
-                <a:spcPts val="200"/>
-              </a:spcAft>
-              <a:defRPr/>
-            </a:pPr>
-            <a:r>
-              <a:rPr lang="en-ZA" sz="1600" dirty="0">
-                <a:solidFill>
-                  <a:schemeClr val="tx1"/>
-                </a:solidFill>
-              </a:rPr>
-              <a:t>Bullet 3</a:t>
-            </a:r>
-          </a:p>
-        </p:txBody>
-      </p:sp>
-      <p:sp>
-        <p:nvSpPr>
-          <p:cNvPr id="8" name="Rounded Rectangle 7"/>
-          <p:cNvSpPr/>
-          <p:nvPr/>
-        </p:nvSpPr>
-        <p:spPr bwMode="gray">
-          <a:xfrm>
-            <a:off x="298450" y="3897313"/>
-            <a:ext cx="8548688" cy="600075"/>
-          </a:xfrm>
-          <a:prstGeom prst="roundRect">
-            <a:avLst>
-              <a:gd name="adj" fmla="val 23172"/>
-            </a:avLst>
-          </a:prstGeom>
-          <a:solidFill>
-            <a:schemeClr val="bg1"/>
-          </a:solidFill>
-          <a:ln w="12700">
-            <a:solidFill>
-              <a:schemeClr val="accent1"/>
-            </a:solidFill>
-          </a:ln>
-          <a:effectLst/>
-        </p:spPr>
-        <p:style>
-          <a:lnRef idx="2">
-            <a:schemeClr val="accent1">
-              <a:shade val="50000"/>
-            </a:schemeClr>
-          </a:lnRef>
-          <a:fillRef idx="1">
-            <a:schemeClr val="accent1"/>
-          </a:fillRef>
-          <a:effectRef idx="0">
-            <a:schemeClr val="accent1"/>
-          </a:effectRef>
-          <a:fontRef idx="minor">
-            <a:schemeClr val="lt1"/>
-          </a:fontRef>
-        </p:style>
-        <p:txBody>
-          <a:bodyPr lIns="36000" tIns="36000" rIns="36000" bIns="36000" anchor="ctr"/>
-          <a:lstStyle/>
-          <a:p>
-            <a:pPr algn="ctr" fontAlgn="auto">
-              <a:lnSpc>
-                <a:spcPct val="110000"/>
-              </a:lnSpc>
-              <a:spcBef>
-                <a:spcPts val="200"/>
-              </a:spcBef>
-              <a:spcAft>
-                <a:spcPts val="200"/>
-              </a:spcAft>
-              <a:defRPr/>
-            </a:pPr>
-            <a:r>
-              <a:rPr lang="en-ZA" sz="1600" dirty="0">
-                <a:solidFill>
-                  <a:schemeClr val="tx1"/>
-                </a:solidFill>
-              </a:rPr>
-              <a:t>Bullet 4</a:t>
-            </a:r>
-          </a:p>
-        </p:txBody>
-      </p:sp>
-      <p:sp>
-        <p:nvSpPr>
-          <p:cNvPr id="9" name="Rounded Rectangle 8"/>
-          <p:cNvSpPr/>
-          <p:nvPr/>
-        </p:nvSpPr>
-        <p:spPr bwMode="gray">
-          <a:xfrm>
-            <a:off x="300038" y="4660900"/>
-            <a:ext cx="8547100" cy="600075"/>
-          </a:xfrm>
-          <a:prstGeom prst="roundRect">
-            <a:avLst>
-              <a:gd name="adj" fmla="val 23172"/>
-            </a:avLst>
-          </a:prstGeom>
-          <a:solidFill>
-            <a:schemeClr val="bg1"/>
-          </a:solidFill>
-          <a:ln w="12700">
-            <a:solidFill>
-              <a:schemeClr val="accent1"/>
-            </a:solidFill>
-          </a:ln>
-          <a:effectLst/>
-        </p:spPr>
-        <p:style>
-          <a:lnRef idx="2">
-            <a:schemeClr val="accent1">
-              <a:shade val="50000"/>
-            </a:schemeClr>
-          </a:lnRef>
-          <a:fillRef idx="1">
-            <a:schemeClr val="accent1"/>
-          </a:fillRef>
-          <a:effectRef idx="0">
-            <a:schemeClr val="accent1"/>
-          </a:effectRef>
-          <a:fontRef idx="minor">
-            <a:schemeClr val="lt1"/>
-          </a:fontRef>
-        </p:style>
-        <p:txBody>
-          <a:bodyPr lIns="36000" tIns="36000" rIns="36000" bIns="36000" anchor="ctr"/>
-          <a:lstStyle/>
-          <a:p>
-            <a:pPr algn="ctr" fontAlgn="auto">
-              <a:lnSpc>
-                <a:spcPct val="110000"/>
-              </a:lnSpc>
-              <a:spcBef>
-                <a:spcPts val="200"/>
-              </a:spcBef>
-              <a:spcAft>
-                <a:spcPts val="200"/>
-              </a:spcAft>
-              <a:defRPr/>
-            </a:pPr>
-            <a:r>
-              <a:rPr lang="en-ZA" sz="1600" dirty="0">
-                <a:solidFill>
-                  <a:schemeClr val="tx1"/>
-                </a:solidFill>
-              </a:rPr>
-              <a:t>Bullet 5</a:t>
-            </a:r>
-          </a:p>
-        </p:txBody>
-      </p:sp>
-      <p:sp>
-        <p:nvSpPr>
-          <p:cNvPr id="10" name="Rounded Rectangle 9"/>
-          <p:cNvSpPr/>
-          <p:nvPr/>
-        </p:nvSpPr>
-        <p:spPr bwMode="gray">
-          <a:xfrm>
-            <a:off x="300038" y="5424488"/>
-            <a:ext cx="8548687" cy="600075"/>
-          </a:xfrm>
-          <a:prstGeom prst="roundRect">
-            <a:avLst>
-              <a:gd name="adj" fmla="val 23172"/>
-            </a:avLst>
-          </a:prstGeom>
-          <a:solidFill>
-            <a:schemeClr val="bg1"/>
-          </a:solidFill>
-          <a:ln w="12700">
-            <a:solidFill>
-              <a:schemeClr val="accent1"/>
-            </a:solidFill>
-          </a:ln>
-          <a:effectLst/>
-        </p:spPr>
-        <p:style>
-          <a:lnRef idx="2">
-            <a:schemeClr val="accent1">
-              <a:shade val="50000"/>
-            </a:schemeClr>
-          </a:lnRef>
-          <a:fillRef idx="1">
-            <a:schemeClr val="accent1"/>
-          </a:fillRef>
-          <a:effectRef idx="0">
-            <a:schemeClr val="accent1"/>
-          </a:effectRef>
-          <a:fontRef idx="minor">
-            <a:schemeClr val="lt1"/>
-          </a:fontRef>
-        </p:style>
-        <p:txBody>
-          <a:bodyPr lIns="36000" tIns="36000" rIns="36000" bIns="36000" anchor="ctr"/>
-          <a:lstStyle/>
-          <a:p>
-            <a:pPr algn="ctr" fontAlgn="auto">
-              <a:lnSpc>
-                <a:spcPct val="110000"/>
-              </a:lnSpc>
-              <a:spcBef>
-                <a:spcPts val="200"/>
-              </a:spcBef>
-              <a:spcAft>
-                <a:spcPts val="200"/>
-              </a:spcAft>
-              <a:defRPr/>
-            </a:pPr>
-            <a:r>
-              <a:rPr lang="en-ZA" sz="1600" dirty="0">
-                <a:solidFill>
-                  <a:schemeClr val="tx1"/>
-                </a:solidFill>
-              </a:rPr>
-              <a:t>Bullet 6</a:t>
-            </a:r>
-          </a:p>
-        </p:txBody>
-      </p:sp>
-    </p:spTree>
-  </p:cSld>
-  <p:clrMapOvr>
-    <a:masterClrMapping/>
-  </p:clrMapOvr>
-  <p:timing>
-    <p:tnLst>
-      <p:par>
-        <p:cTn id="1" dur="indefinite" restart="never" nodeType="tmRoot">
-          <p:childTnLst>
-            <p:seq concurrent="1" nextAc="seek">
-              <p:cTn id="2" dur="indefinite" nodeType="mainSeq">
-                <p:childTnLst>
-                  <p:par>
-                    <p:cTn id="3" fill="hold" nodeType="clickPar">
-                      <p:stCondLst>
-                        <p:cond delay="indefinite"/>
-                      </p:stCondLst>
-                      <p:childTnLst>
-                        <p:par>
-                          <p:cTn id="4" fill="hold" nodeType="withGroup">
-                            <p:stCondLst>
-                              <p:cond delay="0"/>
-                            </p:stCondLst>
-                            <p:childTnLst>
-                              <p:par>
-                                <p:cTn id="5" presetID="22" presetClass="entr" presetSubtype="8" fill="hold" grpId="0" nodeType="clickEffect">
-                                  <p:stCondLst>
-                                    <p:cond delay="0"/>
-                                  </p:stCondLst>
-                                  <p:childTnLst>
-                                    <p:set>
-                                      <p:cBhvr>
-                                        <p:cTn id="6" dur="1" fill="hold">
-                                          <p:stCondLst>
-                                            <p:cond delay="0"/>
-                                          </p:stCondLst>
-                                        </p:cTn>
-                                        <p:tgtEl>
-                                          <p:spTgt spid="5"/>
-                                        </p:tgtEl>
-                                        <p:attrNameLst>
-                                          <p:attrName>style.visibility</p:attrName>
-                                        </p:attrNameLst>
-                                      </p:cBhvr>
-                                      <p:to>
-                                        <p:strVal val="visible"/>
-                                      </p:to>
-                                    </p:set>
-                                    <p:animEffect transition="in" filter="wipe(left)">
-                                      <p:cBhvr>
-                                        <p:cTn id="7" dur="1000"/>
-                                        <p:tgtEl>
-                                          <p:spTgt spid="5"/>
-                                        </p:tgtEl>
-                                      </p:cBhvr>
-                                    </p:animEffect>
-                                  </p:childTnLst>
-                                </p:cTn>
-                              </p:par>
-                            </p:childTnLst>
-                          </p:cTn>
-                        </p:par>
-                        <p:par>
-                          <p:cTn id="8" fill="hold" nodeType="afterGroup">
-                            <p:stCondLst>
-                              <p:cond delay="1000"/>
-                            </p:stCondLst>
-                            <p:childTnLst>
-                              <p:par>
-                                <p:cTn id="9" presetID="10" presetClass="entr" presetSubtype="0" fill="hold" grpId="0" nodeType="afterEffect">
-                                  <p:stCondLst>
-                                    <p:cond delay="0"/>
-                                  </p:stCondLst>
-                                  <p:childTnLst>
-                                    <p:set>
-                                      <p:cBhvr>
-                                        <p:cTn id="10" dur="1" fill="hold">
-                                          <p:stCondLst>
-                                            <p:cond delay="0"/>
-                                          </p:stCondLst>
-                                        </p:cTn>
-                                        <p:tgtEl>
-                                          <p:spTgt spid="6"/>
-                                        </p:tgtEl>
-                                        <p:attrNameLst>
-                                          <p:attrName>style.visibility</p:attrName>
-                                        </p:attrNameLst>
-                                      </p:cBhvr>
-                                      <p:to>
-                                        <p:strVal val="visible"/>
-                                      </p:to>
-                                    </p:set>
-                                    <p:animEffect transition="in" filter="fade">
-                                      <p:cBhvr>
-                                        <p:cTn id="11" dur="1000"/>
-                                        <p:tgtEl>
-                                          <p:spTgt spid="6"/>
-                                        </p:tgtEl>
-                                      </p:cBhvr>
-                                    </p:animEffect>
-                                  </p:childTnLst>
-                                </p:cTn>
-                              </p:par>
-                            </p:childTnLst>
-                          </p:cTn>
-                        </p:par>
-                        <p:par>
-                          <p:cTn id="12" fill="hold" nodeType="afterGroup">
-                            <p:stCondLst>
-                              <p:cond delay="2000"/>
-                            </p:stCondLst>
-                            <p:childTnLst>
-                              <p:par>
-                                <p:cTn id="13" presetID="10" presetClass="entr" presetSubtype="0" fill="hold" grpId="0" nodeType="afterEffect">
-                                  <p:stCondLst>
-                                    <p:cond delay="0"/>
-                                  </p:stCondLst>
-                                  <p:childTnLst>
-                                    <p:set>
-                                      <p:cBhvr>
-                                        <p:cTn id="14" dur="1" fill="hold">
-                                          <p:stCondLst>
-                                            <p:cond delay="0"/>
-                                          </p:stCondLst>
-                                        </p:cTn>
-                                        <p:tgtEl>
-                                          <p:spTgt spid="7"/>
-                                        </p:tgtEl>
-                                        <p:attrNameLst>
-                                          <p:attrName>style.visibility</p:attrName>
-                                        </p:attrNameLst>
-                                      </p:cBhvr>
-                                      <p:to>
-                                        <p:strVal val="visible"/>
-                                      </p:to>
-                                    </p:set>
-                                    <p:animEffect transition="in" filter="fade">
-                                      <p:cBhvr>
-                                        <p:cTn id="15" dur="1000"/>
-                                        <p:tgtEl>
-                                          <p:spTgt spid="7"/>
-                                        </p:tgtEl>
-                                      </p:cBhvr>
-                                    </p:animEffect>
-                                  </p:childTnLst>
-                                </p:cTn>
-                              </p:par>
-                            </p:childTnLst>
-                          </p:cTn>
-                        </p:par>
-                        <p:par>
-                          <p:cTn id="16" fill="hold" nodeType="afterGroup">
-                            <p:stCondLst>
-                              <p:cond delay="3000"/>
-                            </p:stCondLst>
-                            <p:childTnLst>
-                              <p:par>
-                                <p:cTn id="17" presetID="10" presetClass="entr" presetSubtype="0" fill="hold" grpId="0" nodeType="afterEffect">
-                                  <p:stCondLst>
-                                    <p:cond delay="0"/>
-                                  </p:stCondLst>
-                                  <p:childTnLst>
-                                    <p:set>
-                                      <p:cBhvr>
-                                        <p:cTn id="18" dur="1" fill="hold">
-                                          <p:stCondLst>
-                                            <p:cond delay="0"/>
-                                          </p:stCondLst>
-                                        </p:cTn>
-                                        <p:tgtEl>
-                                          <p:spTgt spid="8"/>
-                                        </p:tgtEl>
-                                        <p:attrNameLst>
-                                          <p:attrName>style.visibility</p:attrName>
-                                        </p:attrNameLst>
-                                      </p:cBhvr>
-                                      <p:to>
-                                        <p:strVal val="visible"/>
-                                      </p:to>
-                                    </p:set>
-                                    <p:animEffect transition="in" filter="fade">
-                                      <p:cBhvr>
-                                        <p:cTn id="19" dur="1000"/>
-                                        <p:tgtEl>
-                                          <p:spTgt spid="8"/>
-                                        </p:tgtEl>
-                                      </p:cBhvr>
-                                    </p:animEffect>
-                                  </p:childTnLst>
-                                </p:cTn>
-                              </p:par>
-                            </p:childTnLst>
-                          </p:cTn>
-                        </p:par>
-                        <p:par>
-                          <p:cTn id="20" fill="hold" nodeType="afterGroup">
-                            <p:stCondLst>
-                              <p:cond delay="4000"/>
-                            </p:stCondLst>
-                            <p:childTnLst>
-                              <p:par>
-                                <p:cTn id="21" presetID="10" presetClass="entr" presetSubtype="0" fill="hold" grpId="0" nodeType="afterEffect">
-                                  <p:stCondLst>
-                                    <p:cond delay="0"/>
-                                  </p:stCondLst>
-                                  <p:childTnLst>
-                                    <p:set>
-                                      <p:cBhvr>
-                                        <p:cTn id="22" dur="1" fill="hold">
-                                          <p:stCondLst>
-                                            <p:cond delay="0"/>
-                                          </p:stCondLst>
-                                        </p:cTn>
-                                        <p:tgtEl>
-                                          <p:spTgt spid="9"/>
-                                        </p:tgtEl>
-                                        <p:attrNameLst>
-                                          <p:attrName>style.visibility</p:attrName>
-                                        </p:attrNameLst>
-                                      </p:cBhvr>
-                                      <p:to>
-                                        <p:strVal val="visible"/>
-                                      </p:to>
-                                    </p:set>
-                                    <p:animEffect transition="in" filter="fade">
-                                      <p:cBhvr>
-                                        <p:cTn id="23" dur="1000"/>
-                                        <p:tgtEl>
-                                          <p:spTgt spid="9"/>
-                                        </p:tgtEl>
-                                      </p:cBhvr>
-                                    </p:animEffect>
-                                  </p:childTnLst>
-                                </p:cTn>
-                              </p:par>
-                            </p:childTnLst>
-                          </p:cTn>
-                        </p:par>
-                        <p:par>
-                          <p:cTn id="24" fill="hold" nodeType="afterGroup">
-                            <p:stCondLst>
-                              <p:cond delay="5000"/>
-                            </p:stCondLst>
-                            <p:childTnLst>
-                              <p:par>
-                                <p:cTn id="25" presetID="10" presetClass="entr" presetSubtype="0" fill="hold" grpId="0" nodeType="afterEffect">
-                                  <p:stCondLst>
-                                    <p:cond delay="0"/>
-                                  </p:stCondLst>
-                                  <p:childTnLst>
-                                    <p:set>
-                                      <p:cBhvr>
-                                        <p:cTn id="26" dur="1" fill="hold">
-                                          <p:stCondLst>
-                                            <p:cond delay="0"/>
-                                          </p:stCondLst>
-                                        </p:cTn>
-                                        <p:tgtEl>
-                                          <p:spTgt spid="10"/>
-                                        </p:tgtEl>
-                                        <p:attrNameLst>
-                                          <p:attrName>style.visibility</p:attrName>
-                                        </p:attrNameLst>
-                                      </p:cBhvr>
-                                      <p:to>
-                                        <p:strVal val="visible"/>
-                                      </p:to>
-                                    </p:set>
-                                    <p:animEffect transition="in" filter="fade">
-                                      <p:cBhvr>
-                                        <p:cTn id="27" dur="1000"/>
-                                        <p:tgtEl>
-                                          <p:spTgt spid="10"/>
-                                        </p:tgtEl>
-                                      </p:cBhvr>
-                                    </p:animEffect>
-                                  </p:childTnLst>
-                                </p:cTn>
-                              </p:par>
-                            </p:childTnLst>
-                          </p:cTn>
-                        </p:par>
-                      </p:childTnLst>
-                    </p:cTn>
-                  </p:par>
-                </p:childTnLst>
-              </p:cTn>
-              <p:prevCondLst>
-                <p:cond evt="onPrev" delay="0">
-                  <p:tgtEl>
-                    <p:sldTgt/>
-                  </p:tgtEl>
-                </p:cond>
-              </p:prevCondLst>
-              <p:nextCondLst>
-                <p:cond evt="onNext" delay="0">
-                  <p:tgtEl>
-                    <p:sldTgt/>
-                  </p:tgtEl>
-                </p:cond>
-              </p:nextCondLst>
-            </p:seq>
-          </p:childTnLst>
-        </p:cTn>
-      </p:par>
-    </p:tnLst>
-    <p:bldLst>
-      <p:bldP spid="5" grpId="0" animBg="1"/>
-      <p:bldP spid="6" grpId="0" animBg="1"/>
-      <p:bldP spid="7" grpId="0" animBg="1"/>
-      <p:bldP spid="8" grpId="0" animBg="1"/>
-      <p:bldP spid="9" grpId="0" animBg="1"/>
-      <p:bldP spid="10" grpId="0" animBg="1"/>
-    </p:bldLst>
-  </p:timing>
-</p:sld>
-</file>
-
-<file path=ppt/slides/slide23.xml><?xml version="1.0" encoding="utf-8"?>
-<p:sld xmlns:a="http://schemas.openxmlformats.org/drawingml/2006/main" xmlns:r="http://schemas.openxmlformats.org/officeDocument/2006/relationships" xmlns:p="http://schemas.openxmlformats.org/presentationml/2006/main">
-  <p:cSld>
-    <p:spTree>
-      <p:nvGrpSpPr>
-        <p:cNvPr id="1" name=""/>
-        <p:cNvGrpSpPr/>
-        <p:nvPr/>
-      </p:nvGrpSpPr>
-      <p:grpSpPr>
-        <a:xfrm>
-          <a:off x="0" y="0"/>
-          <a:ext cx="0" cy="0"/>
-          <a:chOff x="0" y="0"/>
-          <a:chExt cx="0" cy="0"/>
-        </a:xfrm>
-      </p:grpSpPr>
-      <p:sp>
-        <p:nvSpPr>
-          <p:cNvPr id="49154" name="Title 3"/>
-          <p:cNvSpPr>
-            <a:spLocks noGrp="1"/>
-          </p:cNvSpPr>
-          <p:nvPr>
-            <p:ph type="title"/>
-          </p:nvPr>
-        </p:nvSpPr>
-        <p:spPr/>
-        <p:txBody>
-          <a:bodyPr/>
-          <a:lstStyle/>
-          <a:p>
-            <a:pPr eaLnBrk="1" hangingPunct="1"/>
-            <a:endParaRPr lang="en-ZA">
-              <a:ea typeface="ＭＳ Ｐゴシック" pitchFamily="34" charset="-128"/>
-            </a:endParaRPr>
-          </a:p>
-        </p:txBody>
-      </p:sp>
-      <p:grpSp>
-        <p:nvGrpSpPr>
-          <p:cNvPr id="2" name="Group 1"/>
-          <p:cNvGrpSpPr>
-            <a:grpSpLocks/>
-          </p:cNvGrpSpPr>
-          <p:nvPr/>
-        </p:nvGrpSpPr>
-        <p:grpSpPr bwMode="auto">
-          <a:xfrm>
-            <a:off x="296863" y="2141538"/>
-            <a:ext cx="2595562" cy="2890837"/>
-            <a:chOff x="296863" y="1607730"/>
-            <a:chExt cx="4123134" cy="2889890"/>
-          </a:xfrm>
-        </p:grpSpPr>
-        <p:sp>
-          <p:nvSpPr>
-            <p:cNvPr id="6" name="Rounded Rectangle 5"/>
-            <p:cNvSpPr/>
-            <p:nvPr/>
-          </p:nvSpPr>
-          <p:spPr bwMode="gray">
-            <a:xfrm>
-              <a:off x="296863" y="1607730"/>
-              <a:ext cx="4123134" cy="2889890"/>
-            </a:xfrm>
-            <a:prstGeom prst="roundRect">
-              <a:avLst>
-                <a:gd name="adj" fmla="val 6241"/>
-              </a:avLst>
-            </a:prstGeom>
-            <a:solidFill>
-              <a:schemeClr val="bg1"/>
-            </a:solidFill>
-            <a:ln w="12700">
-              <a:solidFill>
-                <a:schemeClr val="accent1"/>
-              </a:solidFill>
-            </a:ln>
-            <a:effectLst/>
-          </p:spPr>
-          <p:style>
-            <a:lnRef idx="2">
-              <a:schemeClr val="accent1">
-                <a:shade val="50000"/>
-              </a:schemeClr>
-            </a:lnRef>
-            <a:fillRef idx="1">
-              <a:schemeClr val="accent1"/>
-            </a:fillRef>
-            <a:effectRef idx="0">
-              <a:schemeClr val="accent1"/>
-            </a:effectRef>
-            <a:fontRef idx="minor">
-              <a:schemeClr val="lt1"/>
-            </a:fontRef>
-          </p:style>
-          <p:txBody>
-            <a:bodyPr lIns="36000" tIns="648000" rIns="36000" bIns="36000"/>
-            <a:lstStyle/>
-            <a:p>
-              <a:pPr marL="182563" indent="-182563" fontAlgn="auto">
-                <a:lnSpc>
-                  <a:spcPct val="110000"/>
-                </a:lnSpc>
-                <a:spcBef>
-                  <a:spcPts val="200"/>
-                </a:spcBef>
-                <a:spcAft>
-                  <a:spcPts val="200"/>
-                </a:spcAft>
-                <a:buFont typeface="Arial" pitchFamily="34" charset="0"/>
-                <a:buChar char="•"/>
-                <a:defRPr/>
-              </a:pPr>
-              <a:r>
-                <a:rPr lang="en-ZA" sz="1400" dirty="0">
-                  <a:solidFill>
-                    <a:schemeClr val="tx1"/>
-                  </a:solidFill>
-                </a:rPr>
-                <a:t>Bullet 1</a:t>
-              </a:r>
-            </a:p>
-          </p:txBody>
-        </p:sp>
-        <p:sp>
-          <p:nvSpPr>
-            <p:cNvPr id="5" name="Round Same Side Corner Rectangle 4"/>
-            <p:cNvSpPr/>
-            <p:nvPr/>
-          </p:nvSpPr>
-          <p:spPr bwMode="gray">
-            <a:xfrm>
-              <a:off x="296863" y="1607730"/>
-              <a:ext cx="4123134" cy="599878"/>
-            </a:xfrm>
-            <a:prstGeom prst="round2SameRect">
-              <a:avLst>
-                <a:gd name="adj1" fmla="val 24287"/>
-                <a:gd name="adj2" fmla="val 0"/>
-              </a:avLst>
-            </a:prstGeom>
-            <a:ln w="12700">
-              <a:solidFill>
-                <a:schemeClr val="accent1"/>
-              </a:solidFill>
-            </a:ln>
-          </p:spPr>
-          <p:style>
-            <a:lnRef idx="2">
-              <a:schemeClr val="accent1">
-                <a:shade val="50000"/>
-              </a:schemeClr>
-            </a:lnRef>
-            <a:fillRef idx="1">
-              <a:schemeClr val="accent1"/>
-            </a:fillRef>
-            <a:effectRef idx="0">
-              <a:schemeClr val="accent1"/>
-            </a:effectRef>
-            <a:fontRef idx="minor">
-              <a:schemeClr val="lt1"/>
-            </a:fontRef>
-          </p:style>
-          <p:txBody>
-            <a:bodyPr lIns="36000" tIns="36000" rIns="36000" bIns="36000" anchor="ctr"/>
-            <a:lstStyle/>
-            <a:p>
-              <a:pPr algn="ctr" fontAlgn="auto">
-                <a:lnSpc>
-                  <a:spcPct val="110000"/>
-                </a:lnSpc>
-                <a:spcBef>
-                  <a:spcPts val="200"/>
-                </a:spcBef>
-                <a:spcAft>
-                  <a:spcPts val="200"/>
-                </a:spcAft>
-                <a:defRPr/>
-              </a:pPr>
-              <a:r>
-                <a:rPr lang="en-ZA" sz="1600" dirty="0"/>
-                <a:t>Sub heading</a:t>
-              </a:r>
-            </a:p>
-          </p:txBody>
-        </p:sp>
-      </p:grpSp>
-      <p:grpSp>
-        <p:nvGrpSpPr>
-          <p:cNvPr id="23" name="Group 22"/>
-          <p:cNvGrpSpPr>
-            <a:grpSpLocks/>
-          </p:cNvGrpSpPr>
-          <p:nvPr/>
-        </p:nvGrpSpPr>
-        <p:grpSpPr bwMode="auto">
-          <a:xfrm>
-            <a:off x="3275013" y="2132013"/>
-            <a:ext cx="2593975" cy="2889250"/>
-            <a:chOff x="296863" y="1607730"/>
-            <a:chExt cx="4123134" cy="2889890"/>
-          </a:xfrm>
-        </p:grpSpPr>
-        <p:sp>
-          <p:nvSpPr>
-            <p:cNvPr id="24" name="Rounded Rectangle 23"/>
-            <p:cNvSpPr/>
-            <p:nvPr/>
-          </p:nvSpPr>
-          <p:spPr bwMode="gray">
-            <a:xfrm>
-              <a:off x="296863" y="1607730"/>
-              <a:ext cx="4123134" cy="2889890"/>
-            </a:xfrm>
-            <a:prstGeom prst="roundRect">
-              <a:avLst>
-                <a:gd name="adj" fmla="val 6241"/>
-              </a:avLst>
-            </a:prstGeom>
-            <a:solidFill>
-              <a:schemeClr val="bg1"/>
-            </a:solidFill>
-            <a:ln w="12700">
-              <a:solidFill>
-                <a:schemeClr val="accent1"/>
-              </a:solidFill>
-            </a:ln>
-            <a:effectLst/>
-          </p:spPr>
-          <p:style>
-            <a:lnRef idx="2">
-              <a:schemeClr val="accent1">
-                <a:shade val="50000"/>
-              </a:schemeClr>
-            </a:lnRef>
-            <a:fillRef idx="1">
-              <a:schemeClr val="accent1"/>
-            </a:fillRef>
-            <a:effectRef idx="0">
-              <a:schemeClr val="accent1"/>
-            </a:effectRef>
-            <a:fontRef idx="minor">
-              <a:schemeClr val="lt1"/>
-            </a:fontRef>
-          </p:style>
-          <p:txBody>
-            <a:bodyPr lIns="36000" tIns="648000" rIns="36000" bIns="36000"/>
-            <a:lstStyle/>
-            <a:p>
-              <a:pPr marL="182563" indent="-182563" fontAlgn="auto">
-                <a:lnSpc>
-                  <a:spcPct val="110000"/>
-                </a:lnSpc>
-                <a:spcBef>
-                  <a:spcPts val="200"/>
-                </a:spcBef>
-                <a:spcAft>
-                  <a:spcPts val="200"/>
-                </a:spcAft>
-                <a:buFont typeface="Arial" pitchFamily="34" charset="0"/>
-                <a:buChar char="•"/>
-                <a:defRPr/>
-              </a:pPr>
-              <a:r>
-                <a:rPr lang="en-ZA" sz="1400" dirty="0">
-                  <a:solidFill>
-                    <a:schemeClr val="tx1"/>
-                  </a:solidFill>
-                </a:rPr>
-                <a:t>Bullet 1</a:t>
-              </a:r>
-            </a:p>
-          </p:txBody>
-        </p:sp>
-        <p:sp>
-          <p:nvSpPr>
-            <p:cNvPr id="25" name="Round Same Side Corner Rectangle 24"/>
-            <p:cNvSpPr/>
-            <p:nvPr/>
-          </p:nvSpPr>
-          <p:spPr bwMode="gray">
-            <a:xfrm>
-              <a:off x="296863" y="1607730"/>
-              <a:ext cx="4123134" cy="600208"/>
-            </a:xfrm>
-            <a:prstGeom prst="round2SameRect">
-              <a:avLst>
-                <a:gd name="adj1" fmla="val 24287"/>
-                <a:gd name="adj2" fmla="val 0"/>
-              </a:avLst>
-            </a:prstGeom>
-            <a:ln w="12700">
-              <a:solidFill>
-                <a:schemeClr val="accent1"/>
-              </a:solidFill>
-            </a:ln>
-          </p:spPr>
-          <p:style>
-            <a:lnRef idx="2">
-              <a:schemeClr val="accent1">
-                <a:shade val="50000"/>
-              </a:schemeClr>
-            </a:lnRef>
-            <a:fillRef idx="1">
-              <a:schemeClr val="accent1"/>
-            </a:fillRef>
-            <a:effectRef idx="0">
-              <a:schemeClr val="accent1"/>
-            </a:effectRef>
-            <a:fontRef idx="minor">
-              <a:schemeClr val="lt1"/>
-            </a:fontRef>
-          </p:style>
-          <p:txBody>
-            <a:bodyPr lIns="36000" tIns="36000" rIns="36000" bIns="36000" anchor="ctr"/>
-            <a:lstStyle/>
-            <a:p>
-              <a:pPr algn="ctr" fontAlgn="auto">
-                <a:lnSpc>
-                  <a:spcPct val="110000"/>
-                </a:lnSpc>
-                <a:spcBef>
-                  <a:spcPts val="200"/>
-                </a:spcBef>
-                <a:spcAft>
-                  <a:spcPts val="200"/>
-                </a:spcAft>
-                <a:defRPr/>
-              </a:pPr>
-              <a:r>
-                <a:rPr lang="en-ZA" sz="1600" dirty="0"/>
-                <a:t>Sub heading</a:t>
-              </a:r>
-            </a:p>
-          </p:txBody>
-        </p:sp>
-      </p:grpSp>
-      <p:grpSp>
-        <p:nvGrpSpPr>
-          <p:cNvPr id="26" name="Group 25"/>
-          <p:cNvGrpSpPr>
-            <a:grpSpLocks/>
-          </p:cNvGrpSpPr>
-          <p:nvPr/>
-        </p:nvGrpSpPr>
-        <p:grpSpPr bwMode="auto">
-          <a:xfrm>
-            <a:off x="6251575" y="2120900"/>
-            <a:ext cx="2595563" cy="2889250"/>
-            <a:chOff x="296863" y="1607730"/>
-            <a:chExt cx="4123134" cy="2889890"/>
-          </a:xfrm>
-        </p:grpSpPr>
-        <p:sp>
-          <p:nvSpPr>
-            <p:cNvPr id="27" name="Rounded Rectangle 26"/>
-            <p:cNvSpPr/>
-            <p:nvPr/>
-          </p:nvSpPr>
-          <p:spPr bwMode="gray">
-            <a:xfrm>
-              <a:off x="296863" y="1607730"/>
-              <a:ext cx="4123134" cy="2889890"/>
-            </a:xfrm>
-            <a:prstGeom prst="roundRect">
-              <a:avLst>
-                <a:gd name="adj" fmla="val 6241"/>
-              </a:avLst>
-            </a:prstGeom>
-            <a:solidFill>
-              <a:schemeClr val="bg1"/>
-            </a:solidFill>
-            <a:ln w="12700">
-              <a:solidFill>
-                <a:schemeClr val="accent1"/>
-              </a:solidFill>
-            </a:ln>
-            <a:effectLst/>
-          </p:spPr>
-          <p:style>
-            <a:lnRef idx="2">
-              <a:schemeClr val="accent1">
-                <a:shade val="50000"/>
-              </a:schemeClr>
-            </a:lnRef>
-            <a:fillRef idx="1">
-              <a:schemeClr val="accent1"/>
-            </a:fillRef>
-            <a:effectRef idx="0">
-              <a:schemeClr val="accent1"/>
-            </a:effectRef>
-            <a:fontRef idx="minor">
-              <a:schemeClr val="lt1"/>
-            </a:fontRef>
-          </p:style>
-          <p:txBody>
-            <a:bodyPr lIns="36000" tIns="648000" rIns="36000" bIns="36000"/>
-            <a:lstStyle/>
-            <a:p>
-              <a:pPr marL="182563" indent="-182563" fontAlgn="auto">
-                <a:lnSpc>
-                  <a:spcPct val="110000"/>
-                </a:lnSpc>
-                <a:spcBef>
-                  <a:spcPts val="200"/>
-                </a:spcBef>
-                <a:spcAft>
-                  <a:spcPts val="200"/>
-                </a:spcAft>
-                <a:buFont typeface="Arial" pitchFamily="34" charset="0"/>
-                <a:buChar char="•"/>
-                <a:defRPr/>
-              </a:pPr>
-              <a:r>
-                <a:rPr lang="en-ZA" sz="1400" dirty="0">
-                  <a:solidFill>
-                    <a:schemeClr val="tx1"/>
-                  </a:solidFill>
-                </a:rPr>
-                <a:t>Bullet 1</a:t>
-              </a:r>
-            </a:p>
-          </p:txBody>
-        </p:sp>
-        <p:sp>
-          <p:nvSpPr>
-            <p:cNvPr id="28" name="Round Same Side Corner Rectangle 27"/>
-            <p:cNvSpPr/>
-            <p:nvPr/>
-          </p:nvSpPr>
-          <p:spPr bwMode="gray">
-            <a:xfrm>
-              <a:off x="296863" y="1607730"/>
-              <a:ext cx="4123134" cy="600208"/>
-            </a:xfrm>
-            <a:prstGeom prst="round2SameRect">
-              <a:avLst>
-                <a:gd name="adj1" fmla="val 24287"/>
-                <a:gd name="adj2" fmla="val 0"/>
-              </a:avLst>
-            </a:prstGeom>
-            <a:ln w="12700">
-              <a:solidFill>
-                <a:schemeClr val="accent1"/>
-              </a:solidFill>
-            </a:ln>
-          </p:spPr>
-          <p:style>
-            <a:lnRef idx="2">
-              <a:schemeClr val="accent1">
-                <a:shade val="50000"/>
-              </a:schemeClr>
-            </a:lnRef>
-            <a:fillRef idx="1">
-              <a:schemeClr val="accent1"/>
-            </a:fillRef>
-            <a:effectRef idx="0">
-              <a:schemeClr val="accent1"/>
-            </a:effectRef>
-            <a:fontRef idx="minor">
-              <a:schemeClr val="lt1"/>
-            </a:fontRef>
-          </p:style>
-          <p:txBody>
-            <a:bodyPr lIns="36000" tIns="36000" rIns="36000" bIns="36000" anchor="ctr"/>
-            <a:lstStyle/>
-            <a:p>
-              <a:pPr algn="ctr" fontAlgn="auto">
-                <a:lnSpc>
-                  <a:spcPct val="110000"/>
-                </a:lnSpc>
-                <a:spcBef>
-                  <a:spcPts val="200"/>
-                </a:spcBef>
-                <a:spcAft>
-                  <a:spcPts val="200"/>
-                </a:spcAft>
-                <a:defRPr/>
-              </a:pPr>
-              <a:r>
-                <a:rPr lang="en-ZA" sz="1600" dirty="0"/>
-                <a:t>Sub heading</a:t>
-              </a:r>
-            </a:p>
-          </p:txBody>
-        </p:sp>
-      </p:grpSp>
-    </p:spTree>
-  </p:cSld>
-  <p:clrMapOvr>
-    <a:masterClrMapping/>
-  </p:clrMapOvr>
-  <p:timing>
-    <p:tnLst>
-      <p:par>
-        <p:cTn id="1" dur="indefinite" restart="never" nodeType="tmRoot">
-          <p:childTnLst>
-            <p:seq concurrent="1" nextAc="seek">
-              <p:cTn id="2" dur="indefinite" nodeType="mainSeq">
-                <p:childTnLst>
-                  <p:par>
-                    <p:cTn id="3" fill="hold" nodeType="clickPar">
-                      <p:stCondLst>
-                        <p:cond delay="indefinite"/>
-                        <p:cond evt="onBegin" delay="0">
-                          <p:tn val="2"/>
-                        </p:cond>
-                      </p:stCondLst>
-                      <p:childTnLst>
-                        <p:par>
-                          <p:cTn id="4" fill="hold" nodeType="withGroup">
-                            <p:stCondLst>
-                              <p:cond delay="0"/>
-                            </p:stCondLst>
-                            <p:childTnLst>
-                              <p:par>
-                                <p:cTn id="5" presetID="10" presetClass="entr" presetSubtype="0" fill="hold" nodeType="afterEffect">
-                                  <p:stCondLst>
-                                    <p:cond delay="0"/>
-                                  </p:stCondLst>
-                                  <p:childTnLst>
-                                    <p:set>
-                                      <p:cBhvr>
-                                        <p:cTn id="6" dur="1" fill="hold">
-                                          <p:stCondLst>
-                                            <p:cond delay="0"/>
-                                          </p:stCondLst>
-                                        </p:cTn>
-                                        <p:tgtEl>
-                                          <p:spTgt spid="2"/>
-                                        </p:tgtEl>
-                                        <p:attrNameLst>
-                                          <p:attrName>style.visibility</p:attrName>
-                                        </p:attrNameLst>
-                                      </p:cBhvr>
-                                      <p:to>
-                                        <p:strVal val="visible"/>
-                                      </p:to>
-                                    </p:set>
-                                    <p:animEffect transition="in" filter="fade">
-                                      <p:cBhvr>
-                                        <p:cTn id="7" dur="1000"/>
-                                        <p:tgtEl>
-                                          <p:spTgt spid="2"/>
-                                        </p:tgtEl>
-                                      </p:cBhvr>
-                                    </p:animEffect>
-                                  </p:childTnLst>
-                                </p:cTn>
-                              </p:par>
-                            </p:childTnLst>
-                          </p:cTn>
-                        </p:par>
-                        <p:par>
-                          <p:cTn id="8" fill="hold" nodeType="afterGroup">
-                            <p:stCondLst>
-                              <p:cond delay="1000"/>
-                            </p:stCondLst>
-                            <p:childTnLst>
-                              <p:par>
-                                <p:cTn id="9" presetID="10" presetClass="entr" presetSubtype="0" fill="hold" nodeType="afterEffect">
-                                  <p:stCondLst>
-                                    <p:cond delay="0"/>
-                                  </p:stCondLst>
-                                  <p:childTnLst>
-                                    <p:set>
-                                      <p:cBhvr>
-                                        <p:cTn id="10" dur="1" fill="hold">
-                                          <p:stCondLst>
-                                            <p:cond delay="0"/>
-                                          </p:stCondLst>
-                                        </p:cTn>
-                                        <p:tgtEl>
-                                          <p:spTgt spid="23"/>
-                                        </p:tgtEl>
-                                        <p:attrNameLst>
-                                          <p:attrName>style.visibility</p:attrName>
-                                        </p:attrNameLst>
-                                      </p:cBhvr>
-                                      <p:to>
-                                        <p:strVal val="visible"/>
-                                      </p:to>
-                                    </p:set>
-                                    <p:animEffect transition="in" filter="fade">
-                                      <p:cBhvr>
-                                        <p:cTn id="11" dur="1000"/>
-                                        <p:tgtEl>
-                                          <p:spTgt spid="23"/>
-                                        </p:tgtEl>
-                                      </p:cBhvr>
-                                    </p:animEffect>
-                                  </p:childTnLst>
-                                </p:cTn>
-                              </p:par>
-                            </p:childTnLst>
-                          </p:cTn>
-                        </p:par>
-                        <p:par>
-                          <p:cTn id="12" fill="hold" nodeType="afterGroup">
-                            <p:stCondLst>
-                              <p:cond delay="2000"/>
-                            </p:stCondLst>
-                            <p:childTnLst>
-                              <p:par>
-                                <p:cTn id="13" presetID="10" presetClass="entr" presetSubtype="0" fill="hold" nodeType="afterEffect">
-                                  <p:stCondLst>
-                                    <p:cond delay="0"/>
-                                  </p:stCondLst>
-                                  <p:childTnLst>
-                                    <p:set>
-                                      <p:cBhvr>
-                                        <p:cTn id="14" dur="1" fill="hold">
-                                          <p:stCondLst>
-                                            <p:cond delay="0"/>
-                                          </p:stCondLst>
-                                        </p:cTn>
-                                        <p:tgtEl>
-                                          <p:spTgt spid="26"/>
-                                        </p:tgtEl>
-                                        <p:attrNameLst>
-                                          <p:attrName>style.visibility</p:attrName>
-                                        </p:attrNameLst>
-                                      </p:cBhvr>
-                                      <p:to>
-                                        <p:strVal val="visible"/>
-                                      </p:to>
-                                    </p:set>
-                                    <p:animEffect transition="in" filter="fade">
-                                      <p:cBhvr>
-                                        <p:cTn id="15" dur="1000"/>
-                                        <p:tgtEl>
-                                          <p:spTgt spid="26"/>
-                                        </p:tgtEl>
-                                      </p:cBhvr>
-                                    </p:animEffect>
-                                  </p:childTnLst>
-                                </p:cTn>
-                              </p:par>
-                            </p:childTnLst>
-                          </p:cTn>
-                        </p:par>
-                      </p:childTnLst>
-                    </p:cTn>
-                  </p:par>
-                </p:childTnLst>
-              </p:cTn>
-              <p:prevCondLst>
-                <p:cond evt="onPrev" delay="0">
-                  <p:tgtEl>
-                    <p:sldTgt/>
-                  </p:tgtEl>
-                </p:cond>
-              </p:prevCondLst>
-              <p:nextCondLst>
-                <p:cond evt="onNext" delay="0">
-                  <p:tgtEl>
-                    <p:sldTgt/>
-                  </p:tgtEl>
-                </p:cond>
-              </p:nextCondLst>
-            </p:seq>
-          </p:childTnLst>
-        </p:cTn>
-      </p:par>
-    </p:tnLst>
-  </p:timing>
-</p:sld>
-</file>
-
-<file path=ppt/slides/slide24.xml><?xml version="1.0" encoding="utf-8"?>
-<p:sld xmlns:a="http://schemas.openxmlformats.org/drawingml/2006/main" xmlns:r="http://schemas.openxmlformats.org/officeDocument/2006/relationships" xmlns:p="http://schemas.openxmlformats.org/presentationml/2006/main">
-  <p:cSld>
-    <p:spTree>
-      <p:nvGrpSpPr>
-        <p:cNvPr id="1" name=""/>
-        <p:cNvGrpSpPr/>
-        <p:nvPr/>
-      </p:nvGrpSpPr>
-      <p:grpSpPr>
-        <a:xfrm>
-          <a:off x="0" y="0"/>
-          <a:ext cx="0" cy="0"/>
-          <a:chOff x="0" y="0"/>
-          <a:chExt cx="0" cy="0"/>
-        </a:xfrm>
-      </p:grpSpPr>
-      <p:sp>
-        <p:nvSpPr>
-          <p:cNvPr id="50178" name="Title 1"/>
-          <p:cNvSpPr>
-            <a:spLocks noGrp="1"/>
-          </p:cNvSpPr>
-          <p:nvPr>
-            <p:ph type="title"/>
-          </p:nvPr>
-        </p:nvSpPr>
-        <p:spPr/>
-        <p:txBody>
-          <a:bodyPr/>
-          <a:lstStyle/>
-          <a:p>
-            <a:pPr eaLnBrk="1" hangingPunct="1"/>
-            <a:endParaRPr lang="en-ZA">
-              <a:ea typeface="ＭＳ Ｐゴシック" pitchFamily="34" charset="-128"/>
-            </a:endParaRPr>
-          </a:p>
-        </p:txBody>
-      </p:sp>
-      <p:sp>
-        <p:nvSpPr>
-          <p:cNvPr id="50179" name="Text Placeholder 2"/>
-          <p:cNvSpPr>
-            <a:spLocks noGrp="1"/>
-          </p:cNvSpPr>
-          <p:nvPr>
-            <p:ph type="body" sz="quarter" idx="12"/>
-          </p:nvPr>
-        </p:nvSpPr>
-        <p:spPr>
-          <a:prstGeom prst="roundRect">
-            <a:avLst>
-              <a:gd name="adj" fmla="val 3713"/>
-            </a:avLst>
-          </a:prstGeom>
-          <a:ln>
-            <a:round/>
-            <a:headEnd/>
-            <a:tailEnd/>
-          </a:ln>
-        </p:spPr>
-        <p:txBody>
-          <a:bodyPr/>
-          <a:lstStyle/>
-          <a:p>
-            <a:pPr marL="0" indent="0" eaLnBrk="1" hangingPunct="1"/>
-            <a:endParaRPr lang="en-ZA">
-              <a:ea typeface="ＭＳ Ｐゴシック" pitchFamily="34" charset="-128"/>
-            </a:endParaRPr>
-          </a:p>
-        </p:txBody>
-      </p:sp>
-      <p:sp>
-        <p:nvSpPr>
-          <p:cNvPr id="4" name="Text Placeholder 3"/>
-          <p:cNvSpPr>
-            <a:spLocks noGrp="1"/>
-          </p:cNvSpPr>
-          <p:nvPr>
-            <p:ph type="body" sz="quarter" idx="13"/>
-          </p:nvPr>
-        </p:nvSpPr>
-        <p:spPr>
-          <a:ln w="12700">
-            <a:solidFill>
-              <a:schemeClr val="accent1"/>
-            </a:solidFill>
-          </a:ln>
-          <a:extLst/>
-        </p:spPr>
-        <p:txBody>
-          <a:bodyPr rtlCol="0">
-            <a:noAutofit/>
-          </a:bodyPr>
-          <a:lstStyle/>
-          <a:p>
-            <a:pPr marL="0" indent="0" eaLnBrk="1" fontAlgn="auto" hangingPunct="1">
-              <a:buFont typeface="Arial" pitchFamily="34" charset="0"/>
-              <a:buNone/>
-              <a:defRPr/>
-            </a:pPr>
-            <a:endParaRPr lang="en-ZA" dirty="0">
-              <a:ea typeface="+mn-ea"/>
-              <a:cs typeface="+mn-cs"/>
-            </a:endParaRPr>
-          </a:p>
-        </p:txBody>
-      </p:sp>
-      <p:sp>
-        <p:nvSpPr>
-          <p:cNvPr id="50181" name="Text Placeholder 4"/>
-          <p:cNvSpPr>
-            <a:spLocks noGrp="1"/>
-          </p:cNvSpPr>
-          <p:nvPr>
-            <p:ph type="body" sz="quarter" idx="14"/>
-          </p:nvPr>
-        </p:nvSpPr>
-        <p:spPr>
-          <a:prstGeom prst="roundRect">
-            <a:avLst>
-              <a:gd name="adj" fmla="val 3713"/>
-            </a:avLst>
-          </a:prstGeom>
-          <a:ln>
-            <a:round/>
-            <a:headEnd/>
-            <a:tailEnd/>
-          </a:ln>
-        </p:spPr>
-        <p:txBody>
-          <a:bodyPr/>
-          <a:lstStyle/>
-          <a:p>
-            <a:pPr marL="0" indent="0" eaLnBrk="1" hangingPunct="1"/>
-            <a:endParaRPr lang="en-ZA">
-              <a:ea typeface="ＭＳ Ｐゴシック" pitchFamily="34" charset="-128"/>
-            </a:endParaRPr>
-          </a:p>
-        </p:txBody>
-      </p:sp>
-      <p:sp>
-        <p:nvSpPr>
-          <p:cNvPr id="6" name="Text Placeholder 5"/>
-          <p:cNvSpPr>
-            <a:spLocks noGrp="1"/>
-          </p:cNvSpPr>
-          <p:nvPr>
-            <p:ph type="body" sz="quarter" idx="15"/>
-          </p:nvPr>
-        </p:nvSpPr>
-        <p:spPr>
-          <a:ln w="12700">
-            <a:solidFill>
-              <a:schemeClr val="accent1"/>
-            </a:solidFill>
-          </a:ln>
-          <a:extLst/>
-        </p:spPr>
-        <p:txBody>
-          <a:bodyPr rtlCol="0">
-            <a:noAutofit/>
-          </a:bodyPr>
-          <a:lstStyle/>
-          <a:p>
-            <a:pPr marL="0" indent="0" eaLnBrk="1" fontAlgn="auto" hangingPunct="1">
-              <a:buFont typeface="Arial" pitchFamily="34" charset="0"/>
-              <a:buNone/>
-              <a:defRPr/>
-            </a:pPr>
-            <a:endParaRPr lang="en-ZA">
-              <a:ea typeface="+mn-ea"/>
-              <a:cs typeface="+mn-cs"/>
-            </a:endParaRPr>
-          </a:p>
-        </p:txBody>
-      </p:sp>
-    </p:spTree>
-  </p:cSld>
-  <p:clrMapOvr>
-    <a:masterClrMapping/>
-  </p:clrMapOvr>
-</p:sld>
-</file>
-
-<file path=ppt/slides/slide25.xml><?xml version="1.0" encoding="utf-8"?>
-<p:sld xmlns:a="http://schemas.openxmlformats.org/drawingml/2006/main" xmlns:r="http://schemas.openxmlformats.org/officeDocument/2006/relationships" xmlns:p="http://schemas.openxmlformats.org/presentationml/2006/main">
-  <p:cSld>
-    <p:spTree>
-      <p:nvGrpSpPr>
-        <p:cNvPr id="1" name=""/>
-        <p:cNvGrpSpPr/>
-        <p:nvPr/>
-      </p:nvGrpSpPr>
-      <p:grpSpPr>
-        <a:xfrm>
-          <a:off x="0" y="0"/>
-          <a:ext cx="0" cy="0"/>
-          <a:chOff x="0" y="0"/>
-          <a:chExt cx="0" cy="0"/>
-        </a:xfrm>
-      </p:grpSpPr>
-      <p:sp>
-        <p:nvSpPr>
-          <p:cNvPr id="51202" name="Title 3"/>
-          <p:cNvSpPr>
-            <a:spLocks noGrp="1"/>
-          </p:cNvSpPr>
-          <p:nvPr>
-            <p:ph type="title"/>
-          </p:nvPr>
-        </p:nvSpPr>
-        <p:spPr/>
-        <p:txBody>
-          <a:bodyPr/>
-          <a:lstStyle/>
-          <a:p>
-            <a:pPr eaLnBrk="1" hangingPunct="1"/>
-            <a:endParaRPr lang="en-ZA">
-              <a:ea typeface="ＭＳ Ｐゴシック" pitchFamily="34" charset="-128"/>
-            </a:endParaRPr>
-          </a:p>
-        </p:txBody>
-      </p:sp>
-      <p:grpSp>
-        <p:nvGrpSpPr>
-          <p:cNvPr id="2" name="Group 1"/>
-          <p:cNvGrpSpPr>
-            <a:grpSpLocks/>
-          </p:cNvGrpSpPr>
-          <p:nvPr/>
-        </p:nvGrpSpPr>
-        <p:grpSpPr bwMode="auto">
-          <a:xfrm>
-            <a:off x="296863" y="1368425"/>
-            <a:ext cx="8550275" cy="915988"/>
-            <a:chOff x="296863" y="1597080"/>
-            <a:chExt cx="8550276" cy="915961"/>
-          </a:xfrm>
-        </p:grpSpPr>
-        <p:sp>
-          <p:nvSpPr>
-            <p:cNvPr id="6" name="Rounded Rectangle 5"/>
-            <p:cNvSpPr/>
-            <p:nvPr/>
-          </p:nvSpPr>
-          <p:spPr bwMode="gray">
-            <a:xfrm>
-              <a:off x="296863" y="1597080"/>
-              <a:ext cx="8550276" cy="915961"/>
-            </a:xfrm>
-            <a:prstGeom prst="roundRect">
-              <a:avLst>
-                <a:gd name="adj" fmla="val 14437"/>
-              </a:avLst>
-            </a:prstGeom>
-            <a:solidFill>
-              <a:schemeClr val="bg1"/>
-            </a:solidFill>
-            <a:ln w="12700">
-              <a:solidFill>
-                <a:schemeClr val="accent1"/>
-              </a:solidFill>
-            </a:ln>
-            <a:effectLst/>
-          </p:spPr>
-          <p:style>
-            <a:lnRef idx="2">
-              <a:schemeClr val="accent1">
-                <a:shade val="50000"/>
-              </a:schemeClr>
-            </a:lnRef>
-            <a:fillRef idx="1">
-              <a:schemeClr val="accent1"/>
-            </a:fillRef>
-            <a:effectRef idx="0">
-              <a:schemeClr val="accent1"/>
-            </a:effectRef>
-            <a:fontRef idx="minor">
-              <a:schemeClr val="lt1"/>
-            </a:fontRef>
-          </p:style>
-          <p:txBody>
-            <a:bodyPr lIns="1440000" tIns="36000" rIns="36000" bIns="36000" anchor="ctr"/>
-            <a:lstStyle/>
-            <a:p>
-              <a:pPr marL="182563" indent="-182563" fontAlgn="auto">
-                <a:lnSpc>
-                  <a:spcPct val="110000"/>
-                </a:lnSpc>
-                <a:spcBef>
-                  <a:spcPts val="200"/>
-                </a:spcBef>
-                <a:spcAft>
-                  <a:spcPts val="200"/>
-                </a:spcAft>
-                <a:buFont typeface="Arial" pitchFamily="34" charset="0"/>
-                <a:buChar char="•"/>
-                <a:defRPr/>
-              </a:pPr>
-              <a:r>
-                <a:rPr lang="en-ZA" sz="1400" dirty="0">
-                  <a:solidFill>
-                    <a:schemeClr val="tx1"/>
-                  </a:solidFill>
-                </a:rPr>
-                <a:t>Content</a:t>
-              </a:r>
-            </a:p>
-          </p:txBody>
-        </p:sp>
-        <p:sp>
-          <p:nvSpPr>
-            <p:cNvPr id="5" name="Round Same Side Corner Rectangle 4"/>
-            <p:cNvSpPr/>
-            <p:nvPr/>
-          </p:nvSpPr>
-          <p:spPr bwMode="gray">
-            <a:xfrm rot="16200000">
-              <a:off x="526271" y="1367672"/>
-              <a:ext cx="915961" cy="1374775"/>
-            </a:xfrm>
-            <a:prstGeom prst="round2SameRect">
-              <a:avLst>
-                <a:gd name="adj1" fmla="val 12362"/>
-                <a:gd name="adj2" fmla="val 0"/>
-              </a:avLst>
-            </a:prstGeom>
-            <a:ln w="12700">
-              <a:solidFill>
-                <a:schemeClr val="accent1"/>
-              </a:solidFill>
-            </a:ln>
-          </p:spPr>
-          <p:style>
-            <a:lnRef idx="2">
-              <a:schemeClr val="accent1">
-                <a:shade val="50000"/>
-              </a:schemeClr>
-            </a:lnRef>
-            <a:fillRef idx="1">
-              <a:schemeClr val="accent1"/>
-            </a:fillRef>
-            <a:effectRef idx="0">
-              <a:schemeClr val="accent1"/>
-            </a:effectRef>
-            <a:fontRef idx="minor">
-              <a:schemeClr val="lt1"/>
-            </a:fontRef>
-          </p:style>
-          <p:txBody>
-            <a:bodyPr vert="vert" lIns="36000" tIns="36000" rIns="36000" bIns="36000" anchor="ctr"/>
-            <a:lstStyle/>
-            <a:p>
-              <a:pPr algn="ctr" fontAlgn="auto">
-                <a:lnSpc>
-                  <a:spcPct val="110000"/>
-                </a:lnSpc>
-                <a:spcBef>
-                  <a:spcPts val="200"/>
-                </a:spcBef>
-                <a:spcAft>
-                  <a:spcPts val="200"/>
-                </a:spcAft>
-                <a:defRPr/>
-              </a:pPr>
-              <a:r>
-                <a:rPr lang="en-ZA" sz="1600" dirty="0"/>
-                <a:t>Sub title</a:t>
-              </a:r>
-            </a:p>
-          </p:txBody>
-        </p:sp>
-      </p:grpSp>
-      <p:grpSp>
-        <p:nvGrpSpPr>
-          <p:cNvPr id="29" name="Group 28"/>
-          <p:cNvGrpSpPr>
-            <a:grpSpLocks/>
-          </p:cNvGrpSpPr>
-          <p:nvPr/>
-        </p:nvGrpSpPr>
-        <p:grpSpPr bwMode="auto">
-          <a:xfrm>
-            <a:off x="296863" y="2589213"/>
-            <a:ext cx="8550275" cy="915987"/>
-            <a:chOff x="296863" y="1597080"/>
-            <a:chExt cx="8550276" cy="915961"/>
-          </a:xfrm>
-        </p:grpSpPr>
-        <p:sp>
-          <p:nvSpPr>
-            <p:cNvPr id="30" name="Rounded Rectangle 29"/>
-            <p:cNvSpPr/>
-            <p:nvPr/>
-          </p:nvSpPr>
-          <p:spPr bwMode="gray">
-            <a:xfrm>
-              <a:off x="296863" y="1597080"/>
-              <a:ext cx="8550276" cy="915961"/>
-            </a:xfrm>
-            <a:prstGeom prst="roundRect">
-              <a:avLst>
-                <a:gd name="adj" fmla="val 14437"/>
-              </a:avLst>
-            </a:prstGeom>
-            <a:solidFill>
-              <a:schemeClr val="bg1"/>
-            </a:solidFill>
-            <a:ln w="12700">
-              <a:solidFill>
-                <a:schemeClr val="accent1"/>
-              </a:solidFill>
-            </a:ln>
-            <a:effectLst/>
-          </p:spPr>
-          <p:style>
-            <a:lnRef idx="2">
-              <a:schemeClr val="accent1">
-                <a:shade val="50000"/>
-              </a:schemeClr>
-            </a:lnRef>
-            <a:fillRef idx="1">
-              <a:schemeClr val="accent1"/>
-            </a:fillRef>
-            <a:effectRef idx="0">
-              <a:schemeClr val="accent1"/>
-            </a:effectRef>
-            <a:fontRef idx="minor">
-              <a:schemeClr val="lt1"/>
-            </a:fontRef>
-          </p:style>
-          <p:txBody>
-            <a:bodyPr lIns="1440000" tIns="36000" rIns="36000" bIns="36000" anchor="ctr"/>
-            <a:lstStyle/>
-            <a:p>
-              <a:pPr marL="182563" indent="-182563" fontAlgn="auto">
-                <a:lnSpc>
-                  <a:spcPct val="110000"/>
-                </a:lnSpc>
-                <a:spcBef>
-                  <a:spcPts val="200"/>
-                </a:spcBef>
-                <a:spcAft>
-                  <a:spcPts val="200"/>
-                </a:spcAft>
-                <a:buFont typeface="Arial" pitchFamily="34" charset="0"/>
-                <a:buChar char="•"/>
-                <a:defRPr/>
-              </a:pPr>
-              <a:r>
-                <a:rPr lang="en-ZA" sz="1400" dirty="0">
-                  <a:solidFill>
-                    <a:schemeClr val="tx1"/>
-                  </a:solidFill>
-                </a:rPr>
-                <a:t>Content</a:t>
-              </a:r>
-            </a:p>
-          </p:txBody>
-        </p:sp>
-        <p:sp>
-          <p:nvSpPr>
-            <p:cNvPr id="31" name="Round Same Side Corner Rectangle 30"/>
-            <p:cNvSpPr/>
-            <p:nvPr/>
-          </p:nvSpPr>
-          <p:spPr bwMode="gray">
-            <a:xfrm rot="16200000">
-              <a:off x="526270" y="1367673"/>
-              <a:ext cx="915961" cy="1374775"/>
-            </a:xfrm>
-            <a:prstGeom prst="round2SameRect">
-              <a:avLst>
-                <a:gd name="adj1" fmla="val 12362"/>
-                <a:gd name="adj2" fmla="val 0"/>
-              </a:avLst>
-            </a:prstGeom>
-            <a:ln w="12700">
-              <a:solidFill>
-                <a:schemeClr val="accent1"/>
-              </a:solidFill>
-            </a:ln>
-          </p:spPr>
-          <p:style>
-            <a:lnRef idx="2">
-              <a:schemeClr val="accent1">
-                <a:shade val="50000"/>
-              </a:schemeClr>
-            </a:lnRef>
-            <a:fillRef idx="1">
-              <a:schemeClr val="accent1"/>
-            </a:fillRef>
-            <a:effectRef idx="0">
-              <a:schemeClr val="accent1"/>
-            </a:effectRef>
-            <a:fontRef idx="minor">
-              <a:schemeClr val="lt1"/>
-            </a:fontRef>
-          </p:style>
-          <p:txBody>
-            <a:bodyPr vert="vert" lIns="36000" tIns="36000" rIns="36000" bIns="36000" anchor="ctr"/>
-            <a:lstStyle/>
-            <a:p>
-              <a:pPr algn="ctr" fontAlgn="auto">
-                <a:lnSpc>
-                  <a:spcPct val="110000"/>
-                </a:lnSpc>
-                <a:spcBef>
-                  <a:spcPts val="200"/>
-                </a:spcBef>
-                <a:spcAft>
-                  <a:spcPts val="200"/>
-                </a:spcAft>
-                <a:defRPr/>
-              </a:pPr>
-              <a:r>
-                <a:rPr lang="en-ZA" sz="1600" dirty="0"/>
-                <a:t>Sub title</a:t>
-              </a:r>
-            </a:p>
-          </p:txBody>
-        </p:sp>
-      </p:grpSp>
-      <p:grpSp>
-        <p:nvGrpSpPr>
-          <p:cNvPr id="32" name="Group 31"/>
-          <p:cNvGrpSpPr>
-            <a:grpSpLocks/>
-          </p:cNvGrpSpPr>
-          <p:nvPr/>
-        </p:nvGrpSpPr>
-        <p:grpSpPr bwMode="auto">
-          <a:xfrm>
-            <a:off x="295275" y="3810000"/>
-            <a:ext cx="8550275" cy="915988"/>
-            <a:chOff x="296863" y="1597080"/>
-            <a:chExt cx="8550276" cy="915961"/>
-          </a:xfrm>
-        </p:grpSpPr>
-        <p:sp>
-          <p:nvSpPr>
-            <p:cNvPr id="33" name="Rounded Rectangle 32"/>
-            <p:cNvSpPr/>
-            <p:nvPr/>
-          </p:nvSpPr>
-          <p:spPr bwMode="gray">
-            <a:xfrm>
-              <a:off x="296863" y="1597080"/>
-              <a:ext cx="8550276" cy="915961"/>
-            </a:xfrm>
-            <a:prstGeom prst="roundRect">
-              <a:avLst>
-                <a:gd name="adj" fmla="val 14437"/>
-              </a:avLst>
-            </a:prstGeom>
-            <a:solidFill>
-              <a:schemeClr val="bg1"/>
-            </a:solidFill>
-            <a:ln w="12700">
-              <a:solidFill>
-                <a:schemeClr val="accent1"/>
-              </a:solidFill>
-            </a:ln>
-            <a:effectLst/>
-          </p:spPr>
-          <p:style>
-            <a:lnRef idx="2">
-              <a:schemeClr val="accent1">
-                <a:shade val="50000"/>
-              </a:schemeClr>
-            </a:lnRef>
-            <a:fillRef idx="1">
-              <a:schemeClr val="accent1"/>
-            </a:fillRef>
-            <a:effectRef idx="0">
-              <a:schemeClr val="accent1"/>
-            </a:effectRef>
-            <a:fontRef idx="minor">
-              <a:schemeClr val="lt1"/>
-            </a:fontRef>
-          </p:style>
-          <p:txBody>
-            <a:bodyPr lIns="1440000" tIns="36000" rIns="36000" bIns="36000" anchor="ctr"/>
-            <a:lstStyle/>
-            <a:p>
-              <a:pPr marL="182563" indent="-182563" fontAlgn="auto">
-                <a:lnSpc>
-                  <a:spcPct val="110000"/>
-                </a:lnSpc>
-                <a:spcBef>
-                  <a:spcPts val="200"/>
-                </a:spcBef>
-                <a:spcAft>
-                  <a:spcPts val="200"/>
-                </a:spcAft>
-                <a:buFont typeface="Arial" pitchFamily="34" charset="0"/>
-                <a:buChar char="•"/>
-                <a:defRPr/>
-              </a:pPr>
-              <a:r>
-                <a:rPr lang="en-ZA" sz="1400" dirty="0">
-                  <a:solidFill>
-                    <a:schemeClr val="tx1"/>
-                  </a:solidFill>
-                </a:rPr>
-                <a:t>Content</a:t>
-              </a:r>
-            </a:p>
-          </p:txBody>
-        </p:sp>
-        <p:sp>
-          <p:nvSpPr>
-            <p:cNvPr id="34" name="Round Same Side Corner Rectangle 33"/>
-            <p:cNvSpPr/>
-            <p:nvPr/>
-          </p:nvSpPr>
-          <p:spPr bwMode="gray">
-            <a:xfrm rot="16200000">
-              <a:off x="526271" y="1367672"/>
-              <a:ext cx="915961" cy="1374775"/>
-            </a:xfrm>
-            <a:prstGeom prst="round2SameRect">
-              <a:avLst>
-                <a:gd name="adj1" fmla="val 12362"/>
-                <a:gd name="adj2" fmla="val 0"/>
-              </a:avLst>
-            </a:prstGeom>
-            <a:ln w="12700">
-              <a:solidFill>
-                <a:schemeClr val="accent1"/>
-              </a:solidFill>
-            </a:ln>
-          </p:spPr>
-          <p:style>
-            <a:lnRef idx="2">
-              <a:schemeClr val="accent1">
-                <a:shade val="50000"/>
-              </a:schemeClr>
-            </a:lnRef>
-            <a:fillRef idx="1">
-              <a:schemeClr val="accent1"/>
-            </a:fillRef>
-            <a:effectRef idx="0">
-              <a:schemeClr val="accent1"/>
-            </a:effectRef>
-            <a:fontRef idx="minor">
-              <a:schemeClr val="lt1"/>
-            </a:fontRef>
-          </p:style>
-          <p:txBody>
-            <a:bodyPr vert="vert" lIns="36000" tIns="36000" rIns="36000" bIns="36000" anchor="ctr"/>
-            <a:lstStyle/>
-            <a:p>
-              <a:pPr algn="ctr" fontAlgn="auto">
-                <a:lnSpc>
-                  <a:spcPct val="110000"/>
-                </a:lnSpc>
-                <a:spcBef>
-                  <a:spcPts val="200"/>
-                </a:spcBef>
-                <a:spcAft>
-                  <a:spcPts val="200"/>
-                </a:spcAft>
-                <a:defRPr/>
-              </a:pPr>
-              <a:r>
-                <a:rPr lang="en-ZA" sz="1600" dirty="0"/>
-                <a:t>Sub title</a:t>
-              </a:r>
-            </a:p>
-          </p:txBody>
-        </p:sp>
-      </p:grpSp>
-      <p:grpSp>
-        <p:nvGrpSpPr>
-          <p:cNvPr id="35" name="Group 34"/>
-          <p:cNvGrpSpPr>
-            <a:grpSpLocks/>
-          </p:cNvGrpSpPr>
-          <p:nvPr/>
-        </p:nvGrpSpPr>
-        <p:grpSpPr bwMode="auto">
-          <a:xfrm>
-            <a:off x="295275" y="5032375"/>
-            <a:ext cx="8550275" cy="915988"/>
-            <a:chOff x="296863" y="1597080"/>
-            <a:chExt cx="8550276" cy="915961"/>
-          </a:xfrm>
-        </p:grpSpPr>
-        <p:sp>
-          <p:nvSpPr>
-            <p:cNvPr id="36" name="Rounded Rectangle 35"/>
-            <p:cNvSpPr/>
-            <p:nvPr/>
-          </p:nvSpPr>
-          <p:spPr bwMode="gray">
-            <a:xfrm>
-              <a:off x="296863" y="1597080"/>
-              <a:ext cx="8550276" cy="915961"/>
-            </a:xfrm>
-            <a:prstGeom prst="roundRect">
-              <a:avLst>
-                <a:gd name="adj" fmla="val 14437"/>
-              </a:avLst>
-            </a:prstGeom>
-            <a:solidFill>
-              <a:schemeClr val="bg1"/>
-            </a:solidFill>
-            <a:ln w="12700">
-              <a:solidFill>
-                <a:schemeClr val="accent1"/>
-              </a:solidFill>
-            </a:ln>
-            <a:effectLst/>
-          </p:spPr>
-          <p:style>
-            <a:lnRef idx="2">
-              <a:schemeClr val="accent1">
-                <a:shade val="50000"/>
-              </a:schemeClr>
-            </a:lnRef>
-            <a:fillRef idx="1">
-              <a:schemeClr val="accent1"/>
-            </a:fillRef>
-            <a:effectRef idx="0">
-              <a:schemeClr val="accent1"/>
-            </a:effectRef>
-            <a:fontRef idx="minor">
-              <a:schemeClr val="lt1"/>
-            </a:fontRef>
-          </p:style>
-          <p:txBody>
-            <a:bodyPr lIns="1440000" tIns="36000" rIns="36000" bIns="36000" anchor="ctr"/>
-            <a:lstStyle/>
-            <a:p>
-              <a:pPr marL="182563" indent="-182563" fontAlgn="auto">
-                <a:lnSpc>
-                  <a:spcPct val="110000"/>
-                </a:lnSpc>
-                <a:spcBef>
-                  <a:spcPts val="200"/>
-                </a:spcBef>
-                <a:spcAft>
-                  <a:spcPts val="200"/>
-                </a:spcAft>
-                <a:buFont typeface="Arial" pitchFamily="34" charset="0"/>
-                <a:buChar char="•"/>
-                <a:defRPr/>
-              </a:pPr>
-              <a:r>
-                <a:rPr lang="en-ZA" sz="1400" dirty="0">
-                  <a:solidFill>
-                    <a:schemeClr val="tx1"/>
-                  </a:solidFill>
-                </a:rPr>
-                <a:t>Content</a:t>
-              </a:r>
-            </a:p>
-          </p:txBody>
-        </p:sp>
-        <p:sp>
-          <p:nvSpPr>
-            <p:cNvPr id="37" name="Round Same Side Corner Rectangle 36"/>
-            <p:cNvSpPr/>
-            <p:nvPr/>
-          </p:nvSpPr>
-          <p:spPr bwMode="gray">
-            <a:xfrm rot="16200000">
-              <a:off x="526271" y="1367672"/>
-              <a:ext cx="915961" cy="1374775"/>
-            </a:xfrm>
-            <a:prstGeom prst="round2SameRect">
-              <a:avLst>
-                <a:gd name="adj1" fmla="val 12362"/>
-                <a:gd name="adj2" fmla="val 0"/>
-              </a:avLst>
-            </a:prstGeom>
-            <a:ln w="12700">
-              <a:solidFill>
-                <a:schemeClr val="accent1"/>
-              </a:solidFill>
-            </a:ln>
-          </p:spPr>
-          <p:style>
-            <a:lnRef idx="2">
-              <a:schemeClr val="accent1">
-                <a:shade val="50000"/>
-              </a:schemeClr>
-            </a:lnRef>
-            <a:fillRef idx="1">
-              <a:schemeClr val="accent1"/>
-            </a:fillRef>
-            <a:effectRef idx="0">
-              <a:schemeClr val="accent1"/>
-            </a:effectRef>
-            <a:fontRef idx="minor">
-              <a:schemeClr val="lt1"/>
-            </a:fontRef>
-          </p:style>
-          <p:txBody>
-            <a:bodyPr vert="vert" lIns="36000" tIns="36000" rIns="36000" bIns="36000" anchor="ctr"/>
-            <a:lstStyle/>
-            <a:p>
-              <a:pPr algn="ctr" fontAlgn="auto">
-                <a:lnSpc>
-                  <a:spcPct val="110000"/>
-                </a:lnSpc>
-                <a:spcBef>
-                  <a:spcPts val="200"/>
-                </a:spcBef>
-                <a:spcAft>
-                  <a:spcPts val="200"/>
-                </a:spcAft>
-                <a:defRPr/>
-              </a:pPr>
-              <a:r>
-                <a:rPr lang="en-ZA" sz="1600" dirty="0"/>
-                <a:t>Sub title</a:t>
-              </a:r>
-            </a:p>
-          </p:txBody>
-        </p:sp>
-      </p:grpSp>
-    </p:spTree>
-  </p:cSld>
-  <p:clrMapOvr>
-    <a:masterClrMapping/>
-  </p:clrMapOvr>
-  <p:timing>
-    <p:tnLst>
-      <p:par>
-        <p:cTn id="1" dur="indefinite" restart="never" nodeType="tmRoot">
-          <p:childTnLst>
-            <p:seq concurrent="1" nextAc="seek">
-              <p:cTn id="2" dur="indefinite" nodeType="mainSeq">
-                <p:childTnLst>
-                  <p:par>
-                    <p:cTn id="3" fill="hold" nodeType="clickPar">
-                      <p:stCondLst>
-                        <p:cond delay="indefinite"/>
-                        <p:cond evt="onBegin" delay="0">
-                          <p:tn val="2"/>
-                        </p:cond>
-                      </p:stCondLst>
-                      <p:childTnLst>
-                        <p:par>
-                          <p:cTn id="4" fill="hold" nodeType="withGroup">
-                            <p:stCondLst>
-                              <p:cond delay="0"/>
-                            </p:stCondLst>
-                            <p:childTnLst>
-                              <p:par>
-                                <p:cTn id="5" presetID="22" presetClass="entr" presetSubtype="8" fill="hold" nodeType="afterEffect">
-                                  <p:stCondLst>
-                                    <p:cond delay="0"/>
-                                  </p:stCondLst>
-                                  <p:childTnLst>
-                                    <p:set>
-                                      <p:cBhvr>
-                                        <p:cTn id="6" dur="1" fill="hold">
-                                          <p:stCondLst>
-                                            <p:cond delay="0"/>
-                                          </p:stCondLst>
-                                        </p:cTn>
-                                        <p:tgtEl>
-                                          <p:spTgt spid="2"/>
-                                        </p:tgtEl>
-                                        <p:attrNameLst>
-                                          <p:attrName>style.visibility</p:attrName>
-                                        </p:attrNameLst>
-                                      </p:cBhvr>
-                                      <p:to>
-                                        <p:strVal val="visible"/>
-                                      </p:to>
-                                    </p:set>
-                                    <p:animEffect transition="in" filter="wipe(left)">
-                                      <p:cBhvr>
-                                        <p:cTn id="7" dur="1000"/>
-                                        <p:tgtEl>
-                                          <p:spTgt spid="2"/>
-                                        </p:tgtEl>
-                                      </p:cBhvr>
-                                    </p:animEffect>
-                                  </p:childTnLst>
-                                </p:cTn>
-                              </p:par>
-                            </p:childTnLst>
-                          </p:cTn>
-                        </p:par>
-                        <p:par>
-                          <p:cTn id="8" fill="hold" nodeType="afterGroup">
-                            <p:stCondLst>
-                              <p:cond delay="1000"/>
-                            </p:stCondLst>
-                            <p:childTnLst>
-                              <p:par>
-                                <p:cTn id="9" presetID="22" presetClass="entr" presetSubtype="8" fill="hold" nodeType="afterEffect">
-                                  <p:stCondLst>
-                                    <p:cond delay="0"/>
-                                  </p:stCondLst>
-                                  <p:childTnLst>
-                                    <p:set>
-                                      <p:cBhvr>
-                                        <p:cTn id="10" dur="1" fill="hold">
-                                          <p:stCondLst>
-                                            <p:cond delay="0"/>
-                                          </p:stCondLst>
-                                        </p:cTn>
-                                        <p:tgtEl>
-                                          <p:spTgt spid="29"/>
-                                        </p:tgtEl>
-                                        <p:attrNameLst>
-                                          <p:attrName>style.visibility</p:attrName>
-                                        </p:attrNameLst>
-                                      </p:cBhvr>
-                                      <p:to>
-                                        <p:strVal val="visible"/>
-                                      </p:to>
-                                    </p:set>
-                                    <p:animEffect transition="in" filter="wipe(left)">
-                                      <p:cBhvr>
-                                        <p:cTn id="11" dur="1000"/>
-                                        <p:tgtEl>
-                                          <p:spTgt spid="29"/>
-                                        </p:tgtEl>
-                                      </p:cBhvr>
-                                    </p:animEffect>
-                                  </p:childTnLst>
-                                </p:cTn>
-                              </p:par>
-                            </p:childTnLst>
-                          </p:cTn>
-                        </p:par>
-                        <p:par>
-                          <p:cTn id="12" fill="hold" nodeType="afterGroup">
-                            <p:stCondLst>
-                              <p:cond delay="2000"/>
-                            </p:stCondLst>
-                            <p:childTnLst>
-                              <p:par>
-                                <p:cTn id="13" presetID="22" presetClass="entr" presetSubtype="8" fill="hold" nodeType="afterEffect">
-                                  <p:stCondLst>
-                                    <p:cond delay="0"/>
-                                  </p:stCondLst>
-                                  <p:childTnLst>
-                                    <p:set>
-                                      <p:cBhvr>
-                                        <p:cTn id="14" dur="1" fill="hold">
-                                          <p:stCondLst>
-                                            <p:cond delay="0"/>
-                                          </p:stCondLst>
-                                        </p:cTn>
-                                        <p:tgtEl>
-                                          <p:spTgt spid="32"/>
-                                        </p:tgtEl>
-                                        <p:attrNameLst>
-                                          <p:attrName>style.visibility</p:attrName>
-                                        </p:attrNameLst>
-                                      </p:cBhvr>
-                                      <p:to>
-                                        <p:strVal val="visible"/>
-                                      </p:to>
-                                    </p:set>
-                                    <p:animEffect transition="in" filter="wipe(left)">
-                                      <p:cBhvr>
-                                        <p:cTn id="15" dur="1000"/>
-                                        <p:tgtEl>
-                                          <p:spTgt spid="32"/>
-                                        </p:tgtEl>
-                                      </p:cBhvr>
-                                    </p:animEffect>
-                                  </p:childTnLst>
-                                </p:cTn>
-                              </p:par>
-                            </p:childTnLst>
-                          </p:cTn>
-                        </p:par>
-                        <p:par>
-                          <p:cTn id="16" fill="hold" nodeType="afterGroup">
-                            <p:stCondLst>
-                              <p:cond delay="3000"/>
-                            </p:stCondLst>
-                            <p:childTnLst>
-                              <p:par>
-                                <p:cTn id="17" presetID="22" presetClass="entr" presetSubtype="8" fill="hold" nodeType="afterEffect">
-                                  <p:stCondLst>
-                                    <p:cond delay="0"/>
-                                  </p:stCondLst>
-                                  <p:childTnLst>
-                                    <p:set>
-                                      <p:cBhvr>
-                                        <p:cTn id="18" dur="1" fill="hold">
-                                          <p:stCondLst>
-                                            <p:cond delay="0"/>
-                                          </p:stCondLst>
-                                        </p:cTn>
-                                        <p:tgtEl>
-                                          <p:spTgt spid="35"/>
-                                        </p:tgtEl>
-                                        <p:attrNameLst>
-                                          <p:attrName>style.visibility</p:attrName>
-                                        </p:attrNameLst>
-                                      </p:cBhvr>
-                                      <p:to>
-                                        <p:strVal val="visible"/>
-                                      </p:to>
-                                    </p:set>
-                                    <p:animEffect transition="in" filter="wipe(left)">
-                                      <p:cBhvr>
-                                        <p:cTn id="19" dur="1000"/>
-                                        <p:tgtEl>
-                                          <p:spTgt spid="35"/>
-                                        </p:tgtEl>
-                                      </p:cBhvr>
-                                    </p:animEffect>
-                                  </p:childTnLst>
-                                </p:cTn>
-                              </p:par>
-                            </p:childTnLst>
-                          </p:cTn>
-                        </p:par>
-                      </p:childTnLst>
-                    </p:cTn>
-                  </p:par>
-                </p:childTnLst>
-              </p:cTn>
-              <p:prevCondLst>
-                <p:cond evt="onPrev" delay="0">
-                  <p:tgtEl>
-                    <p:sldTgt/>
-                  </p:tgtEl>
-                </p:cond>
-              </p:prevCondLst>
-              <p:nextCondLst>
-                <p:cond evt="onNext" delay="0">
-                  <p:tgtEl>
-                    <p:sldTgt/>
-                  </p:tgtEl>
-                </p:cond>
-              </p:nextCondLst>
-            </p:seq>
-          </p:childTnLst>
-        </p:cTn>
-      </p:par>
-    </p:tnLst>
-  </p:timing>
 </p:sld>
 </file>
 
@@ -22207,7 +19206,7 @@
           <a:p>
             <a:r>
               <a:rPr lang="nl-BE" dirty="0"/>
-              <a:t>	 </a:t>
+              <a:t>	</a:t>
             </a:r>
             <a:r>
               <a:rPr lang="nl-BE" dirty="0">
@@ -24367,16 +21366,6 @@
 </file>
 
 <file path=customXml/item1.xml><?xml version="1.0" encoding="utf-8"?>
-<p:properties xmlns:p="http://schemas.microsoft.com/office/2006/metadata/properties" xmlns:xsi="http://www.w3.org/2001/XMLSchema-instance" xmlns:pc="http://schemas.microsoft.com/office/infopath/2007/PartnerControls">
-  <documentManagement/>
-</p:properties>
-</file>
-
-<file path=customXml/item2.xml><?xml version="1.0" encoding="utf-8"?>
-<LongProperties xmlns="http://schemas.microsoft.com/office/2006/metadata/longProperties"/>
-</file>
-
-<file path=customXml/item3.xml><?xml version="1.0" encoding="utf-8"?>
 <ct:contentTypeSchema xmlns:ct="http://schemas.microsoft.com/office/2006/metadata/contentType" xmlns:ma="http://schemas.microsoft.com/office/2006/metadata/properties/metaAttributes" ct:_="" ma:_="" ma:contentTypeName="Document" ma:contentTypeID="0x010100959D33A83376F241B96FC317B2040BAF" ma:contentTypeVersion="5" ma:contentTypeDescription="Create a new document." ma:contentTypeScope="" ma:versionID="527b495c0104506c6ad0510e833307a8">
   <xsd:schema xmlns:xsd="http://www.w3.org/2001/XMLSchema" xmlns:xs="http://www.w3.org/2001/XMLSchema" xmlns:p="http://schemas.microsoft.com/office/2006/metadata/properties" xmlns:ns2="9c644b71-f2b7-4af3-8fc7-b12615162907" xmlns:ns3="54f3cedd-548f-4720-83cb-d6c05b93ad22" targetNamespace="http://schemas.microsoft.com/office/2006/metadata/properties" ma:root="true" ma:fieldsID="1d53989094b9f63e1bb90e8dea41e06b" ns2:_="" ns3:_="">
     <xsd:import namespace="9c644b71-f2b7-4af3-8fc7-b12615162907"/>
@@ -24547,6 +21536,16 @@
 </ct:contentTypeSchema>
 </file>
 
+<file path=customXml/item2.xml><?xml version="1.0" encoding="utf-8"?>
+<LongProperties xmlns="http://schemas.microsoft.com/office/2006/metadata/longProperties"/>
+</file>
+
+<file path=customXml/item3.xml><?xml version="1.0" encoding="utf-8"?>
+<p:properties xmlns:p="http://schemas.microsoft.com/office/2006/metadata/properties" xmlns:xsi="http://www.w3.org/2001/XMLSchema-instance" xmlns:pc="http://schemas.microsoft.com/office/infopath/2007/PartnerControls">
+  <documentManagement/>
+</p:properties>
+</file>
+
 <file path=customXml/item4.xml><?xml version="1.0" encoding="utf-8"?>
 <?mso-contentType ?>
 <FormTemplates xmlns="http://schemas.microsoft.com/sharepoint/v3/contenttype/forms">
@@ -24557,31 +21556,6 @@
 </file>
 
 <file path=customXml/itemProps1.xml><?xml version="1.0" encoding="utf-8"?>
-<ds:datastoreItem xmlns:ds="http://schemas.openxmlformats.org/officeDocument/2006/customXml" ds:itemID="{A30766E2-1FB1-4DBC-A574-2B521885E1F0}">
-  <ds:schemaRefs>
-    <ds:schemaRef ds:uri="54f3cedd-548f-4720-83cb-d6c05b93ad22"/>
-    <ds:schemaRef ds:uri="http://purl.org/dc/terms/"/>
-    <ds:schemaRef ds:uri="http://schemas.openxmlformats.org/package/2006/metadata/core-properties"/>
-    <ds:schemaRef ds:uri="http://purl.org/dc/dcmitype/"/>
-    <ds:schemaRef ds:uri="9c644b71-f2b7-4af3-8fc7-b12615162907"/>
-    <ds:schemaRef ds:uri="http://schemas.microsoft.com/office/2006/documentManagement/types"/>
-    <ds:schemaRef ds:uri="http://schemas.microsoft.com/office/2006/metadata/properties"/>
-    <ds:schemaRef ds:uri="http://schemas.microsoft.com/office/infopath/2007/PartnerControls"/>
-    <ds:schemaRef ds:uri="http://www.w3.org/XML/1998/namespace"/>
-    <ds:schemaRef ds:uri="http://purl.org/dc/elements/1.1/"/>
-  </ds:schemaRefs>
-</ds:datastoreItem>
-</file>
-
-<file path=customXml/itemProps2.xml><?xml version="1.0" encoding="utf-8"?>
-<ds:datastoreItem xmlns:ds="http://schemas.openxmlformats.org/officeDocument/2006/customXml" ds:itemID="{EB9CE09D-DA00-4FA2-BB57-12EE9217E1B2}">
-  <ds:schemaRefs>
-    <ds:schemaRef ds:uri="http://schemas.microsoft.com/office/2006/metadata/longProperties"/>
-  </ds:schemaRefs>
-</ds:datastoreItem>
-</file>
-
-<file path=customXml/itemProps3.xml><?xml version="1.0" encoding="utf-8"?>
 <ds:datastoreItem xmlns:ds="http://schemas.openxmlformats.org/officeDocument/2006/customXml" ds:itemID="{B11E10F8-F53B-440E-A07C-4BE43F17767B}">
   <ds:schemaRefs>
     <ds:schemaRef ds:uri="http://schemas.microsoft.com/office/2006/metadata/contentType"/>
@@ -24600,6 +21574,31 @@
 </ds:datastoreItem>
 </file>
 
+<file path=customXml/itemProps2.xml><?xml version="1.0" encoding="utf-8"?>
+<ds:datastoreItem xmlns:ds="http://schemas.openxmlformats.org/officeDocument/2006/customXml" ds:itemID="{EB9CE09D-DA00-4FA2-BB57-12EE9217E1B2}">
+  <ds:schemaRefs>
+    <ds:schemaRef ds:uri="http://schemas.microsoft.com/office/2006/metadata/longProperties"/>
+  </ds:schemaRefs>
+</ds:datastoreItem>
+</file>
+
+<file path=customXml/itemProps3.xml><?xml version="1.0" encoding="utf-8"?>
+<ds:datastoreItem xmlns:ds="http://schemas.openxmlformats.org/officeDocument/2006/customXml" ds:itemID="{A30766E2-1FB1-4DBC-A574-2B521885E1F0}">
+  <ds:schemaRefs>
+    <ds:schemaRef ds:uri="54f3cedd-548f-4720-83cb-d6c05b93ad22"/>
+    <ds:schemaRef ds:uri="http://purl.org/dc/terms/"/>
+    <ds:schemaRef ds:uri="http://schemas.openxmlformats.org/package/2006/metadata/core-properties"/>
+    <ds:schemaRef ds:uri="http://purl.org/dc/dcmitype/"/>
+    <ds:schemaRef ds:uri="9c644b71-f2b7-4af3-8fc7-b12615162907"/>
+    <ds:schemaRef ds:uri="http://schemas.microsoft.com/office/2006/documentManagement/types"/>
+    <ds:schemaRef ds:uri="http://schemas.microsoft.com/office/2006/metadata/properties"/>
+    <ds:schemaRef ds:uri="http://schemas.microsoft.com/office/infopath/2007/PartnerControls"/>
+    <ds:schemaRef ds:uri="http://www.w3.org/XML/1998/namespace"/>
+    <ds:schemaRef ds:uri="http://purl.org/dc/elements/1.1/"/>
+  </ds:schemaRefs>
+</ds:datastoreItem>
+</file>
+
 <file path=customXml/itemProps4.xml><?xml version="1.0" encoding="utf-8"?>
 <ds:datastoreItem xmlns:ds="http://schemas.openxmlformats.org/officeDocument/2006/customXml" ds:itemID="{8092415D-C017-446B-92E0-7A9E0F8F3446}">
   <ds:schemaRefs>

--- a/BasicPowerShell.pptx
+++ b/BasicPowerShell.pptx
@@ -298,7 +298,7 @@
               <a:pPr>
                 <a:defRPr/>
               </a:pPr>
-              <a:t>2017/09/19</a:t>
+              <a:t>2017/09/22</a:t>
             </a:fld>
             <a:endParaRPr lang="en-ZA"/>
           </a:p>
@@ -518,7 +518,7 @@
               <a:pPr>
                 <a:defRPr/>
               </a:pPr>
-              <a:t>2017/09/19</a:t>
+              <a:t>2017/09/22</a:t>
             </a:fld>
             <a:endParaRPr lang="en-ZA"/>
           </a:p>
@@ -5566,7 +5566,7 @@
                 <a:buNone/>
                 <a:defRPr/>
               </a:pPr>
-              <a:t>19 September 2017</a:t>
+              <a:t>22 September 2017</a:t>
             </a:fld>
             <a:endParaRPr lang="en-US" sz="1400">
               <a:solidFill>
@@ -6800,7 +6800,7 @@
                 </a:spcAft>
                 <a:defRPr/>
               </a:pPr>
-              <a:t>19 September 2017</a:t>
+              <a:t>22 September 2017</a:t>
             </a:fld>
             <a:endParaRPr lang="en-ZA">
               <a:solidFill>
@@ -7315,7 +7315,7 @@
                 </a:spcAft>
                 <a:defRPr/>
               </a:pPr>
-              <a:t>19 September 2017</a:t>
+              <a:t>22 September 2017</a:t>
             </a:fld>
             <a:endParaRPr lang="en-ZA">
               <a:solidFill>
@@ -8802,7 +8802,7 @@
                 <a:buNone/>
                 <a:defRPr/>
               </a:pPr>
-              <a:t>19 September 2017</a:t>
+              <a:t>22 September 2017</a:t>
             </a:fld>
             <a:endParaRPr lang="en-US" sz="1400">
               <a:solidFill>
@@ -9397,7 +9397,7 @@
                 </a:spcAft>
                 <a:defRPr/>
               </a:pPr>
-              <a:t>19 September 2017</a:t>
+              <a:t>22 September 2017</a:t>
             </a:fld>
             <a:endParaRPr lang="en-ZA">
               <a:solidFill>
@@ -10060,7 +10060,7 @@
                 </a:spcAft>
                 <a:defRPr/>
               </a:pPr>
-              <a:t>19 September 2017</a:t>
+              <a:t>22 September 2017</a:t>
             </a:fld>
             <a:endParaRPr lang="en-ZA">
               <a:solidFill>
@@ -11425,7 +11425,7 @@
                 </a:spcAft>
                 <a:defRPr/>
               </a:pPr>
-              <a:t>19 September 2017</a:t>
+              <a:t>22 September 2017</a:t>
             </a:fld>
             <a:endParaRPr lang="en-ZA">
               <a:solidFill>
@@ -12269,7 +12269,7 @@
                 </a:spcAft>
                 <a:defRPr/>
               </a:pPr>
-              <a:t>19 September 2017</a:t>
+              <a:t>22 September 2017</a:t>
             </a:fld>
             <a:endParaRPr lang="en-ZA">
               <a:solidFill>
@@ -13059,7 +13059,7 @@
                 </a:spcAft>
                 <a:defRPr/>
               </a:pPr>
-              <a:t>19 September 2017</a:t>
+              <a:t>22 September 2017</a:t>
             </a:fld>
             <a:endParaRPr lang="en-ZA">
               <a:solidFill>
@@ -13875,21 +13875,21 @@
                 <a:gridCol w="2850092">
                   <a:extLst>
                     <a:ext uri="{9D8B030D-6E8A-4147-A177-3AD203B41FA5}">
-                      <a16:colId xmlns:a16="http://schemas.microsoft.com/office/drawing/2014/main" xmlns="" val="2320351741"/>
+                      <a16:colId xmlns="" xmlns:a16="http://schemas.microsoft.com/office/drawing/2014/main" val="2320351741"/>
                     </a:ext>
                   </a:extLst>
                 </a:gridCol>
                 <a:gridCol w="3081229">
                   <a:extLst>
                     <a:ext uri="{9D8B030D-6E8A-4147-A177-3AD203B41FA5}">
-                      <a16:colId xmlns:a16="http://schemas.microsoft.com/office/drawing/2014/main" xmlns="" val="576986819"/>
+                      <a16:colId xmlns="" xmlns:a16="http://schemas.microsoft.com/office/drawing/2014/main" val="576986819"/>
                     </a:ext>
                   </a:extLst>
                 </a:gridCol>
                 <a:gridCol w="2618955">
                   <a:extLst>
                     <a:ext uri="{9D8B030D-6E8A-4147-A177-3AD203B41FA5}">
-                      <a16:colId xmlns:a16="http://schemas.microsoft.com/office/drawing/2014/main" xmlns="" val="3822493854"/>
+                      <a16:colId xmlns="" xmlns:a16="http://schemas.microsoft.com/office/drawing/2014/main" val="3822493854"/>
                     </a:ext>
                   </a:extLst>
                 </a:gridCol>
@@ -13943,7 +13943,7 @@
                 </a:tc>
                 <a:extLst>
                   <a:ext uri="{0D108BD9-81ED-4DB2-BD59-A6C34878D82A}">
-                    <a16:rowId xmlns:a16="http://schemas.microsoft.com/office/drawing/2014/main" xmlns="" val="2523720556"/>
+                    <a16:rowId xmlns="" xmlns:a16="http://schemas.microsoft.com/office/drawing/2014/main" val="2523720556"/>
                   </a:ext>
                 </a:extLst>
               </a:tr>
@@ -13992,7 +13992,7 @@
                 </a:tc>
                 <a:extLst>
                   <a:ext uri="{0D108BD9-81ED-4DB2-BD59-A6C34878D82A}">
-                    <a16:rowId xmlns:a16="http://schemas.microsoft.com/office/drawing/2014/main" xmlns="" val="1248557157"/>
+                    <a16:rowId xmlns="" xmlns:a16="http://schemas.microsoft.com/office/drawing/2014/main" val="1248557157"/>
                   </a:ext>
                 </a:extLst>
               </a:tr>
@@ -14062,7 +14062,7 @@
                 </a:tc>
                 <a:extLst>
                   <a:ext uri="{0D108BD9-81ED-4DB2-BD59-A6C34878D82A}">
-                    <a16:rowId xmlns:a16="http://schemas.microsoft.com/office/drawing/2014/main" xmlns="" val="3905758456"/>
+                    <a16:rowId xmlns="" xmlns:a16="http://schemas.microsoft.com/office/drawing/2014/main" val="3905758456"/>
                   </a:ext>
                 </a:extLst>
               </a:tr>
@@ -14131,7 +14131,7 @@
                 </a:tc>
                 <a:extLst>
                   <a:ext uri="{0D108BD9-81ED-4DB2-BD59-A6C34878D82A}">
-                    <a16:rowId xmlns:a16="http://schemas.microsoft.com/office/drawing/2014/main" xmlns="" val="2447849679"/>
+                    <a16:rowId xmlns="" xmlns:a16="http://schemas.microsoft.com/office/drawing/2014/main" val="2447849679"/>
                   </a:ext>
                 </a:extLst>
               </a:tr>
@@ -14197,7 +14197,7 @@
                 </a:tc>
                 <a:extLst>
                   <a:ext uri="{0D108BD9-81ED-4DB2-BD59-A6C34878D82A}">
-                    <a16:rowId xmlns:a16="http://schemas.microsoft.com/office/drawing/2014/main" xmlns="" val="2857633666"/>
+                    <a16:rowId xmlns="" xmlns:a16="http://schemas.microsoft.com/office/drawing/2014/main" val="2857633666"/>
                   </a:ext>
                 </a:extLst>
               </a:tr>
@@ -14277,7 +14277,7 @@
                 </a:tc>
                 <a:extLst>
                   <a:ext uri="{0D108BD9-81ED-4DB2-BD59-A6C34878D82A}">
-                    <a16:rowId xmlns:a16="http://schemas.microsoft.com/office/drawing/2014/main" xmlns="" val="3458921902"/>
+                    <a16:rowId xmlns="" xmlns:a16="http://schemas.microsoft.com/office/drawing/2014/main" val="3458921902"/>
                   </a:ext>
                 </a:extLst>
               </a:tr>
@@ -14339,7 +14339,7 @@
                 </a:tc>
                 <a:extLst>
                   <a:ext uri="{0D108BD9-81ED-4DB2-BD59-A6C34878D82A}">
-                    <a16:rowId xmlns:a16="http://schemas.microsoft.com/office/drawing/2014/main" xmlns="" val="2298789863"/>
+                    <a16:rowId xmlns="" xmlns:a16="http://schemas.microsoft.com/office/drawing/2014/main" val="2298789863"/>
                   </a:ext>
                 </a:extLst>
               </a:tr>
@@ -14423,7 +14423,7 @@
                 </a:tc>
                 <a:extLst>
                   <a:ext uri="{0D108BD9-81ED-4DB2-BD59-A6C34878D82A}">
-                    <a16:rowId xmlns:a16="http://schemas.microsoft.com/office/drawing/2014/main" xmlns="" val="423573102"/>
+                    <a16:rowId xmlns="" xmlns:a16="http://schemas.microsoft.com/office/drawing/2014/main" val="423573102"/>
                   </a:ext>
                 </a:extLst>
               </a:tr>
@@ -15452,28 +15452,28 @@
                 <a:gridCol w="2137569">
                   <a:extLst>
                     <a:ext uri="{9D8B030D-6E8A-4147-A177-3AD203B41FA5}">
-                      <a16:colId xmlns:a16="http://schemas.microsoft.com/office/drawing/2014/main" xmlns="" val="1724456608"/>
+                      <a16:colId xmlns="" xmlns:a16="http://schemas.microsoft.com/office/drawing/2014/main" val="1724456608"/>
                     </a:ext>
                   </a:extLst>
                 </a:gridCol>
                 <a:gridCol w="2137569">
                   <a:extLst>
                     <a:ext uri="{9D8B030D-6E8A-4147-A177-3AD203B41FA5}">
-                      <a16:colId xmlns:a16="http://schemas.microsoft.com/office/drawing/2014/main" xmlns="" val="2784185600"/>
+                      <a16:colId xmlns="" xmlns:a16="http://schemas.microsoft.com/office/drawing/2014/main" val="2784185600"/>
                     </a:ext>
                   </a:extLst>
                 </a:gridCol>
                 <a:gridCol w="2137569">
                   <a:extLst>
                     <a:ext uri="{9D8B030D-6E8A-4147-A177-3AD203B41FA5}">
-                      <a16:colId xmlns:a16="http://schemas.microsoft.com/office/drawing/2014/main" xmlns="" val="3594831770"/>
+                      <a16:colId xmlns="" xmlns:a16="http://schemas.microsoft.com/office/drawing/2014/main" val="3594831770"/>
                     </a:ext>
                   </a:extLst>
                 </a:gridCol>
                 <a:gridCol w="2137569">
                   <a:extLst>
                     <a:ext uri="{9D8B030D-6E8A-4147-A177-3AD203B41FA5}">
-                      <a16:colId xmlns:a16="http://schemas.microsoft.com/office/drawing/2014/main" xmlns="" val="1128815098"/>
+                      <a16:colId xmlns="" xmlns:a16="http://schemas.microsoft.com/office/drawing/2014/main" val="1128815098"/>
                     </a:ext>
                   </a:extLst>
                 </a:gridCol>
@@ -15549,7 +15549,7 @@
                 </a:tc>
                 <a:extLst>
                   <a:ext uri="{0D108BD9-81ED-4DB2-BD59-A6C34878D82A}">
-                    <a16:rowId xmlns:a16="http://schemas.microsoft.com/office/drawing/2014/main" xmlns="" val="4093228153"/>
+                    <a16:rowId xmlns="" xmlns:a16="http://schemas.microsoft.com/office/drawing/2014/main" val="4093228153"/>
                   </a:ext>
                 </a:extLst>
               </a:tr>
@@ -15636,7 +15636,7 @@
                 </a:tc>
                 <a:extLst>
                   <a:ext uri="{0D108BD9-81ED-4DB2-BD59-A6C34878D82A}">
-                    <a16:rowId xmlns:a16="http://schemas.microsoft.com/office/drawing/2014/main" xmlns="" val="341268956"/>
+                    <a16:rowId xmlns="" xmlns:a16="http://schemas.microsoft.com/office/drawing/2014/main" val="341268956"/>
                   </a:ext>
                 </a:extLst>
               </a:tr>
@@ -15726,7 +15726,7 @@
                 </a:tc>
                 <a:extLst>
                   <a:ext uri="{0D108BD9-81ED-4DB2-BD59-A6C34878D82A}">
-                    <a16:rowId xmlns:a16="http://schemas.microsoft.com/office/drawing/2014/main" xmlns="" val="798115424"/>
+                    <a16:rowId xmlns="" xmlns:a16="http://schemas.microsoft.com/office/drawing/2014/main" val="798115424"/>
                   </a:ext>
                 </a:extLst>
               </a:tr>
@@ -15813,7 +15813,7 @@
                 </a:tc>
                 <a:extLst>
                   <a:ext uri="{0D108BD9-81ED-4DB2-BD59-A6C34878D82A}">
-                    <a16:rowId xmlns:a16="http://schemas.microsoft.com/office/drawing/2014/main" xmlns="" val="1900400587"/>
+                    <a16:rowId xmlns="" xmlns:a16="http://schemas.microsoft.com/office/drawing/2014/main" val="1900400587"/>
                   </a:ext>
                 </a:extLst>
               </a:tr>
@@ -15900,7 +15900,7 @@
                 </a:tc>
                 <a:extLst>
                   <a:ext uri="{0D108BD9-81ED-4DB2-BD59-A6C34878D82A}">
-                    <a16:rowId xmlns:a16="http://schemas.microsoft.com/office/drawing/2014/main" xmlns="" val="1768335454"/>
+                    <a16:rowId xmlns="" xmlns:a16="http://schemas.microsoft.com/office/drawing/2014/main" val="1768335454"/>
                   </a:ext>
                 </a:extLst>
               </a:tr>
@@ -15987,7 +15987,7 @@
                 </a:tc>
                 <a:extLst>
                   <a:ext uri="{0D108BD9-81ED-4DB2-BD59-A6C34878D82A}">
-                    <a16:rowId xmlns:a16="http://schemas.microsoft.com/office/drawing/2014/main" xmlns="" val="2355555355"/>
+                    <a16:rowId xmlns="" xmlns:a16="http://schemas.microsoft.com/office/drawing/2014/main" val="2355555355"/>
                   </a:ext>
                 </a:extLst>
               </a:tr>
@@ -16074,7 +16074,7 @@
                 </a:tc>
                 <a:extLst>
                   <a:ext uri="{0D108BD9-81ED-4DB2-BD59-A6C34878D82A}">
-                    <a16:rowId xmlns:a16="http://schemas.microsoft.com/office/drawing/2014/main" xmlns="" val="2603599196"/>
+                    <a16:rowId xmlns="" xmlns:a16="http://schemas.microsoft.com/office/drawing/2014/main" val="2603599196"/>
                   </a:ext>
                 </a:extLst>
               </a:tr>
@@ -16161,7 +16161,7 @@
                 </a:tc>
                 <a:extLst>
                   <a:ext uri="{0D108BD9-81ED-4DB2-BD59-A6C34878D82A}">
-                    <a16:rowId xmlns:a16="http://schemas.microsoft.com/office/drawing/2014/main" xmlns="" val="2109331089"/>
+                    <a16:rowId xmlns="" xmlns:a16="http://schemas.microsoft.com/office/drawing/2014/main" val="2109331089"/>
                   </a:ext>
                 </a:extLst>
               </a:tr>
@@ -16248,7 +16248,7 @@
                 </a:tc>
                 <a:extLst>
                   <a:ext uri="{0D108BD9-81ED-4DB2-BD59-A6C34878D82A}">
-                    <a16:rowId xmlns:a16="http://schemas.microsoft.com/office/drawing/2014/main" xmlns="" val="486215343"/>
+                    <a16:rowId xmlns="" xmlns:a16="http://schemas.microsoft.com/office/drawing/2014/main" val="486215343"/>
                   </a:ext>
                 </a:extLst>
               </a:tr>
@@ -16335,7 +16335,7 @@
                 </a:tc>
                 <a:extLst>
                   <a:ext uri="{0D108BD9-81ED-4DB2-BD59-A6C34878D82A}">
-                    <a16:rowId xmlns:a16="http://schemas.microsoft.com/office/drawing/2014/main" xmlns="" val="828494020"/>
+                    <a16:rowId xmlns="" xmlns:a16="http://schemas.microsoft.com/office/drawing/2014/main" val="828494020"/>
                   </a:ext>
                 </a:extLst>
               </a:tr>
@@ -16422,7 +16422,7 @@
                 </a:tc>
                 <a:extLst>
                   <a:ext uri="{0D108BD9-81ED-4DB2-BD59-A6C34878D82A}">
-                    <a16:rowId xmlns:a16="http://schemas.microsoft.com/office/drawing/2014/main" xmlns="" val="802120947"/>
+                    <a16:rowId xmlns="" xmlns:a16="http://schemas.microsoft.com/office/drawing/2014/main" val="802120947"/>
                   </a:ext>
                 </a:extLst>
               </a:tr>
@@ -16509,7 +16509,7 @@
                 </a:tc>
                 <a:extLst>
                   <a:ext uri="{0D108BD9-81ED-4DB2-BD59-A6C34878D82A}">
-                    <a16:rowId xmlns:a16="http://schemas.microsoft.com/office/drawing/2014/main" xmlns="" val="3014833187"/>
+                    <a16:rowId xmlns="" xmlns:a16="http://schemas.microsoft.com/office/drawing/2014/main" val="3014833187"/>
                   </a:ext>
                 </a:extLst>
               </a:tr>
@@ -16717,14 +16717,14 @@
                 <a:gridCol w="1798985">
                   <a:extLst>
                     <a:ext uri="{9D8B030D-6E8A-4147-A177-3AD203B41FA5}">
-                      <a16:colId xmlns:a16="http://schemas.microsoft.com/office/drawing/2014/main" xmlns="" val="116090958"/>
+                      <a16:colId xmlns="" xmlns:a16="http://schemas.microsoft.com/office/drawing/2014/main" val="116090958"/>
                     </a:ext>
                   </a:extLst>
                 </a:gridCol>
                 <a:gridCol w="6264696">
                   <a:extLst>
                     <a:ext uri="{9D8B030D-6E8A-4147-A177-3AD203B41FA5}">
-                      <a16:colId xmlns:a16="http://schemas.microsoft.com/office/drawing/2014/main" xmlns="" val="2488031633"/>
+                      <a16:colId xmlns="" xmlns:a16="http://schemas.microsoft.com/office/drawing/2014/main" val="2488031633"/>
                     </a:ext>
                   </a:extLst>
                 </a:gridCol>
@@ -16760,7 +16760,7 @@
                 </a:tc>
                 <a:extLst>
                   <a:ext uri="{0D108BD9-81ED-4DB2-BD59-A6C34878D82A}">
-                    <a16:rowId xmlns:a16="http://schemas.microsoft.com/office/drawing/2014/main" xmlns="" val="1528612914"/>
+                    <a16:rowId xmlns="" xmlns:a16="http://schemas.microsoft.com/office/drawing/2014/main" val="1528612914"/>
                   </a:ext>
                 </a:extLst>
               </a:tr>
@@ -16803,7 +16803,7 @@
                 </a:tc>
                 <a:extLst>
                   <a:ext uri="{0D108BD9-81ED-4DB2-BD59-A6C34878D82A}">
-                    <a16:rowId xmlns:a16="http://schemas.microsoft.com/office/drawing/2014/main" xmlns="" val="1381409006"/>
+                    <a16:rowId xmlns="" xmlns:a16="http://schemas.microsoft.com/office/drawing/2014/main" val="1381409006"/>
                   </a:ext>
                 </a:extLst>
               </a:tr>
@@ -16854,7 +16854,7 @@
                 </a:tc>
                 <a:extLst>
                   <a:ext uri="{0D108BD9-81ED-4DB2-BD59-A6C34878D82A}">
-                    <a16:rowId xmlns:a16="http://schemas.microsoft.com/office/drawing/2014/main" xmlns="" val="2347206717"/>
+                    <a16:rowId xmlns="" xmlns:a16="http://schemas.microsoft.com/office/drawing/2014/main" val="2347206717"/>
                   </a:ext>
                 </a:extLst>
               </a:tr>
@@ -16897,7 +16897,7 @@
                 </a:tc>
                 <a:extLst>
                   <a:ext uri="{0D108BD9-81ED-4DB2-BD59-A6C34878D82A}">
-                    <a16:rowId xmlns:a16="http://schemas.microsoft.com/office/drawing/2014/main" xmlns="" val="3110967943"/>
+                    <a16:rowId xmlns="" xmlns:a16="http://schemas.microsoft.com/office/drawing/2014/main" val="3110967943"/>
                   </a:ext>
                 </a:extLst>
               </a:tr>
@@ -16932,7 +16932,7 @@
                 </a:tc>
                 <a:extLst>
                   <a:ext uri="{0D108BD9-81ED-4DB2-BD59-A6C34878D82A}">
-                    <a16:rowId xmlns:a16="http://schemas.microsoft.com/office/drawing/2014/main" xmlns="" val="2580046546"/>
+                    <a16:rowId xmlns="" xmlns:a16="http://schemas.microsoft.com/office/drawing/2014/main" val="2580046546"/>
                   </a:ext>
                 </a:extLst>
               </a:tr>
@@ -19020,7 +19020,6 @@
               <a:rPr lang="en-US" dirty="0"/>
               <a:t>PowerShell Core</a:t>
             </a:r>
-            <a:endParaRPr lang="en-US" dirty="0"/>
           </a:p>
           <a:p>
             <a:pPr>
@@ -19697,7 +19696,6 @@
               <a:rPr lang="en-US" dirty="0"/>
               <a:t>PowerShell Core</a:t>
             </a:r>
-            <a:endParaRPr lang="en-US" dirty="0"/>
           </a:p>
           <a:p>
             <a:pPr>
@@ -21248,7 +21246,6 @@
               <a:rPr lang="en-US" dirty="0"/>
               <a:t>PowerShell Core</a:t>
             </a:r>
-            <a:endParaRPr lang="en-US" dirty="0"/>
           </a:p>
           <a:p>
             <a:pPr>
@@ -21397,15 +21394,7 @@
             </a:r>
             <a:r>
               <a:rPr lang="en-US" dirty="0" smtClean="0"/>
-              <a:t>(and </a:t>
-            </a:r>
-            <a:r>
-              <a:rPr lang="en-US" dirty="0" smtClean="0"/>
-              <a:t>VS Code) </a:t>
-            </a:r>
-            <a:r>
-              <a:rPr lang="en-US" dirty="0" smtClean="0"/>
-              <a:t>each </a:t>
+              <a:t>(and VS Code) each </a:t>
             </a:r>
             <a:r>
               <a:rPr lang="en-US" dirty="0"/>
@@ -22093,11 +22082,6 @@
               </a:rPr>
               <a:t>PowerShell Core</a:t>
             </a:r>
-            <a:endParaRPr lang="en-US" dirty="0">
-              <a:solidFill>
-                <a:schemeClr val="accent1"/>
-              </a:solidFill>
-            </a:endParaRPr>
           </a:p>
           <a:p>
             <a:pPr>
@@ -22274,11 +22258,7 @@
             </a:r>
             <a:r>
               <a:rPr lang="en-US" dirty="0"/>
-              <a:t>scripts for </a:t>
-            </a:r>
-            <a:r>
-              <a:rPr lang="en-US" dirty="0"/>
-              <a:t>L</a:t>
+              <a:t>scripts for L</a:t>
             </a:r>
             <a:r>
               <a:rPr lang="en-US" dirty="0" smtClean="0"/>
@@ -22582,7 +22562,6 @@
               <a:rPr lang="en-US" dirty="0"/>
               <a:t>PowerShell Core</a:t>
             </a:r>
-            <a:endParaRPr lang="en-US" dirty="0"/>
           </a:p>
           <a:p>
             <a:pPr>
@@ -23293,7 +23272,6 @@
               <a:rPr lang="en-US" dirty="0"/>
               <a:t>PowerShell Core</a:t>
             </a:r>
-            <a:endParaRPr lang="en-US" dirty="0"/>
           </a:p>
           <a:p>
             <a:pPr>
@@ -23472,8 +23450,8 @@
           <a:p>
             <a:pPr lvl="2"/>
             <a:r>
-              <a:rPr lang="en-US" dirty="0" err="1" smtClean="0"/>
-              <a:t>Sharepoint</a:t>
+              <a:rPr lang="en-US" dirty="0" smtClean="0"/>
+              <a:t>SharePoint</a:t>
             </a:r>
             <a:endParaRPr lang="en-US" dirty="0" smtClean="0"/>
           </a:p>
@@ -23513,6 +23491,13 @@
   <p:clrMapOvr>
     <a:masterClrMapping/>
   </p:clrMapOvr>
+  <p:timing>
+    <p:tnLst>
+      <p:par>
+        <p:cTn id="1" dur="indefinite" restart="never" nodeType="tmRoot"/>
+      </p:par>
+    </p:tnLst>
+  </p:timing>
 </p:sld>
 </file>
 
@@ -23664,7 +23649,6 @@
               <a:rPr lang="en-US" dirty="0"/>
               <a:t>PowerShell Core</a:t>
             </a:r>
-            <a:endParaRPr lang="en-US" dirty="0"/>
           </a:p>
           <a:p>
             <a:pPr>
@@ -24599,7 +24583,6 @@
               <a:rPr lang="en-US" dirty="0"/>
               <a:t>PowerShell Core</a:t>
             </a:r>
-            <a:endParaRPr lang="en-US" dirty="0"/>
           </a:p>
           <a:p>
             <a:pPr>
